--- a/course/1 - Basic Programming/Basics Of Programming.pptx
+++ b/course/1 - Basic Programming/Basics Of Programming.pptx
@@ -5,7 +5,7 @@
     <p:sldMasterId id="2147483689" r:id="rId1"/>
   </p:sldMasterIdLst>
   <p:notesMasterIdLst>
-    <p:notesMasterId r:id="rId34"/>
+    <p:notesMasterId r:id="rId46"/>
   </p:notesMasterIdLst>
   <p:sldIdLst>
     <p:sldId id="256" r:id="rId2"/>
@@ -39,7 +39,19 @@
     <p:sldId id="288" r:id="rId30"/>
     <p:sldId id="289" r:id="rId31"/>
     <p:sldId id="290" r:id="rId32"/>
-    <p:sldId id="274" r:id="rId33"/>
+    <p:sldId id="291" r:id="rId33"/>
+    <p:sldId id="292" r:id="rId34"/>
+    <p:sldId id="294" r:id="rId35"/>
+    <p:sldId id="295" r:id="rId36"/>
+    <p:sldId id="274" r:id="rId37"/>
+    <p:sldId id="293" r:id="rId38"/>
+    <p:sldId id="296" r:id="rId39"/>
+    <p:sldId id="297" r:id="rId40"/>
+    <p:sldId id="298" r:id="rId41"/>
+    <p:sldId id="299" r:id="rId42"/>
+    <p:sldId id="300" r:id="rId43"/>
+    <p:sldId id="301" r:id="rId44"/>
+    <p:sldId id="302" r:id="rId45"/>
   </p:sldIdLst>
   <p:sldSz cx="12192000" cy="6858000"/>
   <p:notesSz cx="6858000" cy="9144000"/>
@@ -2599,6 +2611,12 @@
               <a:rPr lang="en-US" baseline="0" dirty="0" smtClean="0"/>
               <a:t> are always two ways to do something in PHP</a:t>
             </a:r>
+          </a:p>
+          <a:p>
+            <a:r>
+              <a:rPr lang="en-US" baseline="0" dirty="0" smtClean="0"/>
+              <a:t>We'll talk about the difference between identical and equal in a moment</a:t>
+            </a:r>
             <a:endParaRPr lang="en-US" dirty="0"/>
           </a:p>
         </p:txBody>
@@ -2709,7 +2727,7 @@
                 <a:effectLst/>
                 <a:latin typeface="+mn-lt"/>
               </a:rPr>
-              <a:t>82</a:t>
+              <a:t>111</a:t>
             </a:r>
             <a:endParaRPr kumimoji="0" lang="en-US" altLang="en-US" sz="1200" b="0" i="0" u="none" strike="noStrike" cap="none" normalizeH="0" baseline="0" dirty="0" smtClean="0">
               <a:ln>
@@ -2751,6 +2769,115 @@
     <p:extLst>
       <p:ext uri="{BB962C8B-B14F-4D97-AF65-F5344CB8AC3E}">
         <p14:creationId xmlns:p14="http://schemas.microsoft.com/office/powerpoint/2010/main" val="464422101"/>
+      </p:ext>
+    </p:extLst>
+  </p:cSld>
+  <p:clrMapOvr>
+    <a:masterClrMapping/>
+  </p:clrMapOvr>
+</p:notes>
+</file>
+
+<file path=ppt/notesSlides/notesSlide29.xml><?xml version="1.0" encoding="utf-8"?>
+<p:notes xmlns:a="http://schemas.openxmlformats.org/drawingml/2006/main" xmlns:r="http://schemas.openxmlformats.org/officeDocument/2006/relationships" xmlns:p="http://schemas.openxmlformats.org/presentationml/2006/main">
+  <p:cSld>
+    <p:spTree>
+      <p:nvGrpSpPr>
+        <p:cNvPr id="1" name=""/>
+        <p:cNvGrpSpPr/>
+        <p:nvPr/>
+      </p:nvGrpSpPr>
+      <p:grpSpPr>
+        <a:xfrm>
+          <a:off x="0" y="0"/>
+          <a:ext cx="0" cy="0"/>
+          <a:chOff x="0" y="0"/>
+          <a:chExt cx="0" cy="0"/>
+        </a:xfrm>
+      </p:grpSpPr>
+      <p:sp>
+        <p:nvSpPr>
+          <p:cNvPr id="2" name="Slide Image Placeholder 1"/>
+          <p:cNvSpPr>
+            <a:spLocks noGrp="1" noRot="1" noChangeAspect="1"/>
+          </p:cNvSpPr>
+          <p:nvPr>
+            <p:ph type="sldImg"/>
+          </p:nvPr>
+        </p:nvSpPr>
+        <p:spPr/>
+      </p:sp>
+      <p:sp>
+        <p:nvSpPr>
+          <p:cNvPr id="3" name="Notes Placeholder 2"/>
+          <p:cNvSpPr>
+            <a:spLocks noGrp="1"/>
+          </p:cNvSpPr>
+          <p:nvPr>
+            <p:ph type="body" idx="1"/>
+          </p:nvPr>
+        </p:nvSpPr>
+        <p:spPr/>
+        <p:txBody>
+          <a:bodyPr/>
+          <a:lstStyle/>
+          <a:p>
+            <a:r>
+              <a:rPr lang="en-US" dirty="0" smtClean="0"/>
+              <a:t>This</a:t>
+            </a:r>
+            <a:r>
+              <a:rPr lang="en-US" baseline="0" dirty="0" smtClean="0"/>
+              <a:t> is what we use those Boolean values from the comparison operators for: Boolean logic!</a:t>
+            </a:r>
+          </a:p>
+          <a:p>
+            <a:r>
+              <a:rPr lang="en-US" baseline="0" dirty="0" smtClean="0"/>
+              <a:t>Not: true becomes false and false becomes true</a:t>
+            </a:r>
+          </a:p>
+          <a:p>
+            <a:r>
+              <a:rPr lang="en-US" baseline="0" dirty="0" smtClean="0"/>
+              <a:t>And: true and true is true, false and true is false, false and false is false</a:t>
+            </a:r>
+          </a:p>
+          <a:p>
+            <a:r>
+              <a:rPr lang="en-US" baseline="0" dirty="0" smtClean="0"/>
+              <a:t>Or: true or true is true, false or true is true, false or false is false</a:t>
+            </a:r>
+          </a:p>
+        </p:txBody>
+      </p:sp>
+      <p:sp>
+        <p:nvSpPr>
+          <p:cNvPr id="4" name="Slide Number Placeholder 3"/>
+          <p:cNvSpPr>
+            <a:spLocks noGrp="1"/>
+          </p:cNvSpPr>
+          <p:nvPr>
+            <p:ph type="sldNum" sz="quarter" idx="10"/>
+          </p:nvPr>
+        </p:nvSpPr>
+        <p:spPr/>
+        <p:txBody>
+          <a:bodyPr/>
+          <a:lstStyle/>
+          <a:p>
+            <a:fld id="{E51715A9-EB64-4481-89E4-A64020E86A42}" type="slidenum">
+              <a:rPr lang="en-US" smtClean="0"/>
+              <a:t>32</a:t>
+            </a:fld>
+            <a:endParaRPr lang="en-US"/>
+          </a:p>
+        </p:txBody>
+      </p:sp>
+    </p:spTree>
+    <p:extLst>
+      <p:ext uri="{BB962C8B-B14F-4D97-AF65-F5344CB8AC3E}">
+        <p14:creationId xmlns:p14="http://schemas.microsoft.com/office/powerpoint/2010/main" val="3947332986"/>
       </p:ext>
     </p:extLst>
   </p:cSld>
@@ -2988,6 +3115,1093 @@
 </p:notes>
 </file>
 
+<file path=ppt/notesSlides/notesSlide30.xml><?xml version="1.0" encoding="utf-8"?>
+<p:notes xmlns:a="http://schemas.openxmlformats.org/drawingml/2006/main" xmlns:r="http://schemas.openxmlformats.org/officeDocument/2006/relationships" xmlns:p="http://schemas.openxmlformats.org/presentationml/2006/main">
+  <p:cSld>
+    <p:spTree>
+      <p:nvGrpSpPr>
+        <p:cNvPr id="1" name=""/>
+        <p:cNvGrpSpPr/>
+        <p:nvPr/>
+      </p:nvGrpSpPr>
+      <p:grpSpPr>
+        <a:xfrm>
+          <a:off x="0" y="0"/>
+          <a:ext cx="0" cy="0"/>
+          <a:chOff x="0" y="0"/>
+          <a:chExt cx="0" cy="0"/>
+        </a:xfrm>
+      </p:grpSpPr>
+      <p:sp>
+        <p:nvSpPr>
+          <p:cNvPr id="2" name="Slide Image Placeholder 1"/>
+          <p:cNvSpPr>
+            <a:spLocks noGrp="1" noRot="1" noChangeAspect="1"/>
+          </p:cNvSpPr>
+          <p:nvPr>
+            <p:ph type="sldImg"/>
+          </p:nvPr>
+        </p:nvSpPr>
+        <p:spPr/>
+      </p:sp>
+      <p:sp>
+        <p:nvSpPr>
+          <p:cNvPr id="3" name="Notes Placeholder 2"/>
+          <p:cNvSpPr>
+            <a:spLocks noGrp="1"/>
+          </p:cNvSpPr>
+          <p:nvPr>
+            <p:ph type="body" idx="1"/>
+          </p:nvPr>
+        </p:nvSpPr>
+        <p:spPr/>
+        <p:txBody>
+          <a:bodyPr/>
+          <a:lstStyle/>
+          <a:p>
+            <a:r>
+              <a:rPr kumimoji="0" lang="en-US" altLang="en-US" sz="1200" b="0" i="0" u="none" strike="noStrike" cap="none" normalizeH="0" baseline="0" dirty="0" smtClean="0">
+                <a:ln>
+                  <a:noFill/>
+                </a:ln>
+                <a:solidFill>
+                  <a:schemeClr val="tx1"/>
+                </a:solidFill>
+                <a:effectLst/>
+                <a:latin typeface="Arial" panose="020B0604020202020204" pitchFamily="34" charset="0"/>
+              </a:rPr>
+              <a:t>Output:</a:t>
+            </a:r>
+          </a:p>
+          <a:p>
+            <a:r>
+              <a:rPr kumimoji="0" lang="en-US" altLang="en-US" sz="1200" b="0" i="0" u="none" strike="noStrike" cap="none" normalizeH="0" baseline="0" dirty="0" smtClean="0">
+                <a:ln>
+                  <a:noFill/>
+                </a:ln>
+                <a:solidFill>
+                  <a:schemeClr val="tx1"/>
+                </a:solidFill>
+                <a:effectLst/>
+                <a:latin typeface="+mn-lt"/>
+              </a:rPr>
+              <a:t>1</a:t>
+            </a:r>
+            <a:endParaRPr kumimoji="0" lang="en-US" altLang="en-US" sz="1200" b="0" i="0" u="none" strike="noStrike" cap="none" normalizeH="0" baseline="0" dirty="0" smtClean="0">
+              <a:ln>
+                <a:noFill/>
+              </a:ln>
+              <a:solidFill>
+                <a:schemeClr val="tx1"/>
+              </a:solidFill>
+              <a:effectLst/>
+              <a:latin typeface="Arial" panose="020B0604020202020204" pitchFamily="34" charset="0"/>
+            </a:endParaRPr>
+          </a:p>
+        </p:txBody>
+      </p:sp>
+      <p:sp>
+        <p:nvSpPr>
+          <p:cNvPr id="4" name="Slide Number Placeholder 3"/>
+          <p:cNvSpPr>
+            <a:spLocks noGrp="1"/>
+          </p:cNvSpPr>
+          <p:nvPr>
+            <p:ph type="sldNum" sz="quarter" idx="10"/>
+          </p:nvPr>
+        </p:nvSpPr>
+        <p:spPr/>
+        <p:txBody>
+          <a:bodyPr/>
+          <a:lstStyle/>
+          <a:p>
+            <a:fld id="{E51715A9-EB64-4481-89E4-A64020E86A42}" type="slidenum">
+              <a:rPr lang="en-US" smtClean="0"/>
+              <a:t>33</a:t>
+            </a:fld>
+            <a:endParaRPr lang="en-US"/>
+          </a:p>
+        </p:txBody>
+      </p:sp>
+    </p:spTree>
+    <p:extLst>
+      <p:ext uri="{BB962C8B-B14F-4D97-AF65-F5344CB8AC3E}">
+        <p14:creationId xmlns:p14="http://schemas.microsoft.com/office/powerpoint/2010/main" val="46458729"/>
+      </p:ext>
+    </p:extLst>
+  </p:cSld>
+  <p:clrMapOvr>
+    <a:masterClrMapping/>
+  </p:clrMapOvr>
+</p:notes>
+</file>
+
+<file path=ppt/notesSlides/notesSlide31.xml><?xml version="1.0" encoding="utf-8"?>
+<p:notes xmlns:a="http://schemas.openxmlformats.org/drawingml/2006/main" xmlns:r="http://schemas.openxmlformats.org/officeDocument/2006/relationships" xmlns:p="http://schemas.openxmlformats.org/presentationml/2006/main">
+  <p:cSld>
+    <p:spTree>
+      <p:nvGrpSpPr>
+        <p:cNvPr id="1" name=""/>
+        <p:cNvGrpSpPr/>
+        <p:nvPr/>
+      </p:nvGrpSpPr>
+      <p:grpSpPr>
+        <a:xfrm>
+          <a:off x="0" y="0"/>
+          <a:ext cx="0" cy="0"/>
+          <a:chOff x="0" y="0"/>
+          <a:chExt cx="0" cy="0"/>
+        </a:xfrm>
+      </p:grpSpPr>
+      <p:sp>
+        <p:nvSpPr>
+          <p:cNvPr id="2" name="Slide Image Placeholder 1"/>
+          <p:cNvSpPr>
+            <a:spLocks noGrp="1" noRot="1" noChangeAspect="1"/>
+          </p:cNvSpPr>
+          <p:nvPr>
+            <p:ph type="sldImg"/>
+          </p:nvPr>
+        </p:nvSpPr>
+        <p:spPr/>
+      </p:sp>
+      <p:sp>
+        <p:nvSpPr>
+          <p:cNvPr id="3" name="Notes Placeholder 2"/>
+          <p:cNvSpPr>
+            <a:spLocks noGrp="1"/>
+          </p:cNvSpPr>
+          <p:nvPr>
+            <p:ph type="body" idx="1"/>
+          </p:nvPr>
+        </p:nvSpPr>
+        <p:spPr/>
+        <p:txBody>
+          <a:bodyPr/>
+          <a:lstStyle/>
+          <a:p>
+            <a:endParaRPr lang="en-US" baseline="0" dirty="0" smtClean="0"/>
+          </a:p>
+        </p:txBody>
+      </p:sp>
+      <p:sp>
+        <p:nvSpPr>
+          <p:cNvPr id="4" name="Slide Number Placeholder 3"/>
+          <p:cNvSpPr>
+            <a:spLocks noGrp="1"/>
+          </p:cNvSpPr>
+          <p:nvPr>
+            <p:ph type="sldNum" sz="quarter" idx="10"/>
+          </p:nvPr>
+        </p:nvSpPr>
+        <p:spPr/>
+        <p:txBody>
+          <a:bodyPr/>
+          <a:lstStyle/>
+          <a:p>
+            <a:fld id="{E51715A9-EB64-4481-89E4-A64020E86A42}" type="slidenum">
+              <a:rPr lang="en-US" smtClean="0"/>
+              <a:t>34</a:t>
+            </a:fld>
+            <a:endParaRPr lang="en-US"/>
+          </a:p>
+        </p:txBody>
+      </p:sp>
+    </p:spTree>
+    <p:extLst>
+      <p:ext uri="{BB962C8B-B14F-4D97-AF65-F5344CB8AC3E}">
+        <p14:creationId xmlns:p14="http://schemas.microsoft.com/office/powerpoint/2010/main" val="1921710775"/>
+      </p:ext>
+    </p:extLst>
+  </p:cSld>
+  <p:clrMapOvr>
+    <a:masterClrMapping/>
+  </p:clrMapOvr>
+</p:notes>
+</file>
+
+<file path=ppt/notesSlides/notesSlide32.xml><?xml version="1.0" encoding="utf-8"?>
+<p:notes xmlns:a="http://schemas.openxmlformats.org/drawingml/2006/main" xmlns:r="http://schemas.openxmlformats.org/officeDocument/2006/relationships" xmlns:p="http://schemas.openxmlformats.org/presentationml/2006/main">
+  <p:cSld>
+    <p:spTree>
+      <p:nvGrpSpPr>
+        <p:cNvPr id="1" name=""/>
+        <p:cNvGrpSpPr/>
+        <p:nvPr/>
+      </p:nvGrpSpPr>
+      <p:grpSpPr>
+        <a:xfrm>
+          <a:off x="0" y="0"/>
+          <a:ext cx="0" cy="0"/>
+          <a:chOff x="0" y="0"/>
+          <a:chExt cx="0" cy="0"/>
+        </a:xfrm>
+      </p:grpSpPr>
+      <p:sp>
+        <p:nvSpPr>
+          <p:cNvPr id="2" name="Slide Image Placeholder 1"/>
+          <p:cNvSpPr>
+            <a:spLocks noGrp="1" noRot="1" noChangeAspect="1"/>
+          </p:cNvSpPr>
+          <p:nvPr>
+            <p:ph type="sldImg"/>
+          </p:nvPr>
+        </p:nvSpPr>
+        <p:spPr/>
+      </p:sp>
+      <p:sp>
+        <p:nvSpPr>
+          <p:cNvPr id="3" name="Notes Placeholder 2"/>
+          <p:cNvSpPr>
+            <a:spLocks noGrp="1"/>
+          </p:cNvSpPr>
+          <p:nvPr>
+            <p:ph type="body" idx="1"/>
+          </p:nvPr>
+        </p:nvSpPr>
+        <p:spPr/>
+        <p:txBody>
+          <a:bodyPr/>
+          <a:lstStyle/>
+          <a:p>
+            <a:r>
+              <a:rPr kumimoji="0" lang="en-US" altLang="en-US" sz="1200" b="0" i="0" u="none" strike="noStrike" cap="none" normalizeH="0" baseline="0" dirty="0" smtClean="0">
+                <a:ln>
+                  <a:noFill/>
+                </a:ln>
+                <a:solidFill>
+                  <a:schemeClr val="tx1"/>
+                </a:solidFill>
+                <a:effectLst/>
+                <a:latin typeface="Arial" panose="020B0604020202020204" pitchFamily="34" charset="0"/>
+              </a:rPr>
+              <a:t>Output:</a:t>
+            </a:r>
+          </a:p>
+          <a:p>
+            <a:r>
+              <a:rPr kumimoji="0" lang="en-US" altLang="en-US" sz="1200" b="0" i="0" u="none" strike="noStrike" cap="none" normalizeH="0" baseline="0" dirty="0" smtClean="0">
+                <a:ln>
+                  <a:noFill/>
+                </a:ln>
+                <a:solidFill>
+                  <a:schemeClr val="tx1"/>
+                </a:solidFill>
+                <a:effectLst/>
+                <a:latin typeface="+mn-lt"/>
+              </a:rPr>
+              <a:t>1</a:t>
+            </a:r>
+            <a:endParaRPr kumimoji="0" lang="en-US" altLang="en-US" sz="1200" b="0" i="0" u="none" strike="noStrike" cap="none" normalizeH="0" baseline="0" dirty="0" smtClean="0">
+              <a:ln>
+                <a:noFill/>
+              </a:ln>
+              <a:solidFill>
+                <a:schemeClr val="tx1"/>
+              </a:solidFill>
+              <a:effectLst/>
+              <a:latin typeface="Arial" panose="020B0604020202020204" pitchFamily="34" charset="0"/>
+            </a:endParaRPr>
+          </a:p>
+        </p:txBody>
+      </p:sp>
+      <p:sp>
+        <p:nvSpPr>
+          <p:cNvPr id="4" name="Slide Number Placeholder 3"/>
+          <p:cNvSpPr>
+            <a:spLocks noGrp="1"/>
+          </p:cNvSpPr>
+          <p:nvPr>
+            <p:ph type="sldNum" sz="quarter" idx="10"/>
+          </p:nvPr>
+        </p:nvSpPr>
+        <p:spPr/>
+        <p:txBody>
+          <a:bodyPr/>
+          <a:lstStyle/>
+          <a:p>
+            <a:fld id="{E51715A9-EB64-4481-89E4-A64020E86A42}" type="slidenum">
+              <a:rPr lang="en-US" smtClean="0"/>
+              <a:t>35</a:t>
+            </a:fld>
+            <a:endParaRPr lang="en-US"/>
+          </a:p>
+        </p:txBody>
+      </p:sp>
+    </p:spTree>
+    <p:extLst>
+      <p:ext uri="{BB962C8B-B14F-4D97-AF65-F5344CB8AC3E}">
+        <p14:creationId xmlns:p14="http://schemas.microsoft.com/office/powerpoint/2010/main" val="998152709"/>
+      </p:ext>
+    </p:extLst>
+  </p:cSld>
+  <p:clrMapOvr>
+    <a:masterClrMapping/>
+  </p:clrMapOvr>
+</p:notes>
+</file>
+
+<file path=ppt/notesSlides/notesSlide33.xml><?xml version="1.0" encoding="utf-8"?>
+<p:notes xmlns:a="http://schemas.openxmlformats.org/drawingml/2006/main" xmlns:r="http://schemas.openxmlformats.org/officeDocument/2006/relationships" xmlns:p="http://schemas.openxmlformats.org/presentationml/2006/main">
+  <p:cSld>
+    <p:spTree>
+      <p:nvGrpSpPr>
+        <p:cNvPr id="1" name=""/>
+        <p:cNvGrpSpPr/>
+        <p:nvPr/>
+      </p:nvGrpSpPr>
+      <p:grpSpPr>
+        <a:xfrm>
+          <a:off x="0" y="0"/>
+          <a:ext cx="0" cy="0"/>
+          <a:chOff x="0" y="0"/>
+          <a:chExt cx="0" cy="0"/>
+        </a:xfrm>
+      </p:grpSpPr>
+      <p:sp>
+        <p:nvSpPr>
+          <p:cNvPr id="2" name="Slide Image Placeholder 1"/>
+          <p:cNvSpPr>
+            <a:spLocks noGrp="1" noRot="1" noChangeAspect="1"/>
+          </p:cNvSpPr>
+          <p:nvPr>
+            <p:ph type="sldImg"/>
+          </p:nvPr>
+        </p:nvSpPr>
+        <p:spPr/>
+      </p:sp>
+      <p:sp>
+        <p:nvSpPr>
+          <p:cNvPr id="3" name="Notes Placeholder 2"/>
+          <p:cNvSpPr>
+            <a:spLocks noGrp="1"/>
+          </p:cNvSpPr>
+          <p:nvPr>
+            <p:ph type="body" idx="1"/>
+          </p:nvPr>
+        </p:nvSpPr>
+        <p:spPr/>
+        <p:txBody>
+          <a:bodyPr/>
+          <a:lstStyle/>
+          <a:p>
+            <a:r>
+              <a:rPr lang="en-US" dirty="0" smtClean="0"/>
+              <a:t>If you use a string as an </a:t>
+            </a:r>
+            <a:r>
+              <a:rPr lang="en-US" dirty="0" err="1" smtClean="0"/>
+              <a:t>int</a:t>
+            </a:r>
+            <a:r>
+              <a:rPr lang="en-US" dirty="0" smtClean="0"/>
+              <a:t>, PHP try to make it an </a:t>
+            </a:r>
+            <a:r>
+              <a:rPr lang="en-US" dirty="0" err="1" smtClean="0"/>
+              <a:t>int</a:t>
+            </a:r>
+            <a:endParaRPr lang="en-US" dirty="0" smtClean="0"/>
+          </a:p>
+          <a:p>
+            <a:r>
+              <a:rPr lang="en-US" dirty="0" smtClean="0"/>
+              <a:t>If you use a float as a string, PHP will make it a string</a:t>
+            </a:r>
+          </a:p>
+          <a:p>
+            <a:r>
+              <a:rPr lang="en-US" dirty="0" smtClean="0"/>
+              <a:t>And so on</a:t>
+            </a:r>
+          </a:p>
+        </p:txBody>
+      </p:sp>
+      <p:sp>
+        <p:nvSpPr>
+          <p:cNvPr id="4" name="Slide Number Placeholder 3"/>
+          <p:cNvSpPr>
+            <a:spLocks noGrp="1"/>
+          </p:cNvSpPr>
+          <p:nvPr>
+            <p:ph type="sldNum" sz="quarter" idx="10"/>
+          </p:nvPr>
+        </p:nvSpPr>
+        <p:spPr/>
+        <p:txBody>
+          <a:bodyPr/>
+          <a:lstStyle/>
+          <a:p>
+            <a:fld id="{E51715A9-EB64-4481-89E4-A64020E86A42}" type="slidenum">
+              <a:rPr lang="en-US" smtClean="0"/>
+              <a:t>36</a:t>
+            </a:fld>
+            <a:endParaRPr lang="en-US"/>
+          </a:p>
+        </p:txBody>
+      </p:sp>
+    </p:spTree>
+    <p:extLst>
+      <p:ext uri="{BB962C8B-B14F-4D97-AF65-F5344CB8AC3E}">
+        <p14:creationId xmlns:p14="http://schemas.microsoft.com/office/powerpoint/2010/main" val="76393829"/>
+      </p:ext>
+    </p:extLst>
+  </p:cSld>
+  <p:clrMapOvr>
+    <a:masterClrMapping/>
+  </p:clrMapOvr>
+</p:notes>
+</file>
+
+<file path=ppt/notesSlides/notesSlide34.xml><?xml version="1.0" encoding="utf-8"?>
+<p:notes xmlns:a="http://schemas.openxmlformats.org/drawingml/2006/main" xmlns:r="http://schemas.openxmlformats.org/officeDocument/2006/relationships" xmlns:p="http://schemas.openxmlformats.org/presentationml/2006/main">
+  <p:cSld>
+    <p:spTree>
+      <p:nvGrpSpPr>
+        <p:cNvPr id="1" name=""/>
+        <p:cNvGrpSpPr/>
+        <p:nvPr/>
+      </p:nvGrpSpPr>
+      <p:grpSpPr>
+        <a:xfrm>
+          <a:off x="0" y="0"/>
+          <a:ext cx="0" cy="0"/>
+          <a:chOff x="0" y="0"/>
+          <a:chExt cx="0" cy="0"/>
+        </a:xfrm>
+      </p:grpSpPr>
+      <p:sp>
+        <p:nvSpPr>
+          <p:cNvPr id="2" name="Slide Image Placeholder 1"/>
+          <p:cNvSpPr>
+            <a:spLocks noGrp="1" noRot="1" noChangeAspect="1"/>
+          </p:cNvSpPr>
+          <p:nvPr>
+            <p:ph type="sldImg"/>
+          </p:nvPr>
+        </p:nvSpPr>
+        <p:spPr/>
+      </p:sp>
+      <p:sp>
+        <p:nvSpPr>
+          <p:cNvPr id="3" name="Notes Placeholder 2"/>
+          <p:cNvSpPr>
+            <a:spLocks noGrp="1"/>
+          </p:cNvSpPr>
+          <p:nvPr>
+            <p:ph type="body" idx="1"/>
+          </p:nvPr>
+        </p:nvSpPr>
+        <p:spPr/>
+        <p:txBody>
+          <a:bodyPr/>
+          <a:lstStyle/>
+          <a:p>
+            <a:r>
+              <a:rPr kumimoji="0" lang="en-US" altLang="en-US" sz="1200" b="0" i="0" u="none" strike="noStrike" cap="none" normalizeH="0" baseline="0" dirty="0" smtClean="0">
+                <a:ln>
+                  <a:noFill/>
+                </a:ln>
+                <a:solidFill>
+                  <a:schemeClr val="tx1"/>
+                </a:solidFill>
+                <a:effectLst/>
+                <a:latin typeface="Arial" panose="020B0604020202020204" pitchFamily="34" charset="0"/>
+              </a:rPr>
+              <a:t>Output:</a:t>
+            </a:r>
+          </a:p>
+          <a:p>
+            <a:r>
+              <a:rPr kumimoji="0" lang="en-US" altLang="en-US" sz="1200" b="0" i="0" u="none" strike="noStrike" cap="none" normalizeH="0" baseline="0" dirty="0" smtClean="0">
+                <a:ln>
+                  <a:noFill/>
+                </a:ln>
+                <a:solidFill>
+                  <a:schemeClr val="tx1"/>
+                </a:solidFill>
+                <a:effectLst/>
+                <a:latin typeface="+mn-lt"/>
+              </a:rPr>
+              <a:t>1</a:t>
+            </a:r>
+            <a:endParaRPr kumimoji="0" lang="en-US" altLang="en-US" sz="1200" b="0" i="0" u="none" strike="noStrike" cap="none" normalizeH="0" baseline="0" dirty="0" smtClean="0">
+              <a:ln>
+                <a:noFill/>
+              </a:ln>
+              <a:solidFill>
+                <a:schemeClr val="tx1"/>
+              </a:solidFill>
+              <a:effectLst/>
+              <a:latin typeface="Arial" panose="020B0604020202020204" pitchFamily="34" charset="0"/>
+            </a:endParaRPr>
+          </a:p>
+        </p:txBody>
+      </p:sp>
+      <p:sp>
+        <p:nvSpPr>
+          <p:cNvPr id="4" name="Slide Number Placeholder 3"/>
+          <p:cNvSpPr>
+            <a:spLocks noGrp="1"/>
+          </p:cNvSpPr>
+          <p:nvPr>
+            <p:ph type="sldNum" sz="quarter" idx="10"/>
+          </p:nvPr>
+        </p:nvSpPr>
+        <p:spPr/>
+        <p:txBody>
+          <a:bodyPr/>
+          <a:lstStyle/>
+          <a:p>
+            <a:fld id="{E51715A9-EB64-4481-89E4-A64020E86A42}" type="slidenum">
+              <a:rPr lang="en-US" smtClean="0"/>
+              <a:t>37</a:t>
+            </a:fld>
+            <a:endParaRPr lang="en-US"/>
+          </a:p>
+        </p:txBody>
+      </p:sp>
+    </p:spTree>
+    <p:extLst>
+      <p:ext uri="{BB962C8B-B14F-4D97-AF65-F5344CB8AC3E}">
+        <p14:creationId xmlns:p14="http://schemas.microsoft.com/office/powerpoint/2010/main" val="1649055053"/>
+      </p:ext>
+    </p:extLst>
+  </p:cSld>
+  <p:clrMapOvr>
+    <a:masterClrMapping/>
+  </p:clrMapOvr>
+</p:notes>
+</file>
+
+<file path=ppt/notesSlides/notesSlide35.xml><?xml version="1.0" encoding="utf-8"?>
+<p:notes xmlns:a="http://schemas.openxmlformats.org/drawingml/2006/main" xmlns:r="http://schemas.openxmlformats.org/officeDocument/2006/relationships" xmlns:p="http://schemas.openxmlformats.org/presentationml/2006/main">
+  <p:cSld>
+    <p:spTree>
+      <p:nvGrpSpPr>
+        <p:cNvPr id="1" name=""/>
+        <p:cNvGrpSpPr/>
+        <p:nvPr/>
+      </p:nvGrpSpPr>
+      <p:grpSpPr>
+        <a:xfrm>
+          <a:off x="0" y="0"/>
+          <a:ext cx="0" cy="0"/>
+          <a:chOff x="0" y="0"/>
+          <a:chExt cx="0" cy="0"/>
+        </a:xfrm>
+      </p:grpSpPr>
+      <p:sp>
+        <p:nvSpPr>
+          <p:cNvPr id="2" name="Slide Image Placeholder 1"/>
+          <p:cNvSpPr>
+            <a:spLocks noGrp="1" noRot="1" noChangeAspect="1"/>
+          </p:cNvSpPr>
+          <p:nvPr>
+            <p:ph type="sldImg"/>
+          </p:nvPr>
+        </p:nvSpPr>
+        <p:spPr/>
+      </p:sp>
+      <p:sp>
+        <p:nvSpPr>
+          <p:cNvPr id="3" name="Notes Placeholder 2"/>
+          <p:cNvSpPr>
+            <a:spLocks noGrp="1"/>
+          </p:cNvSpPr>
+          <p:nvPr>
+            <p:ph type="body" idx="1"/>
+          </p:nvPr>
+        </p:nvSpPr>
+        <p:spPr/>
+        <p:txBody>
+          <a:bodyPr/>
+          <a:lstStyle/>
+          <a:p>
+            <a:r>
+              <a:rPr lang="en-US" dirty="0" smtClean="0"/>
+              <a:t>This is the real reason for all those</a:t>
+            </a:r>
+            <a:r>
+              <a:rPr lang="en-US" baseline="0" dirty="0" smtClean="0"/>
+              <a:t> logical and comparison operators: conditionals</a:t>
+            </a:r>
+          </a:p>
+          <a:p>
+            <a:r>
+              <a:rPr lang="en-US" dirty="0" smtClean="0"/>
+              <a:t>Any valid statement which returns a Boolean can go in the parentheses</a:t>
+            </a:r>
+          </a:p>
+        </p:txBody>
+      </p:sp>
+      <p:sp>
+        <p:nvSpPr>
+          <p:cNvPr id="4" name="Slide Number Placeholder 3"/>
+          <p:cNvSpPr>
+            <a:spLocks noGrp="1"/>
+          </p:cNvSpPr>
+          <p:nvPr>
+            <p:ph type="sldNum" sz="quarter" idx="10"/>
+          </p:nvPr>
+        </p:nvSpPr>
+        <p:spPr/>
+        <p:txBody>
+          <a:bodyPr/>
+          <a:lstStyle/>
+          <a:p>
+            <a:fld id="{E51715A9-EB64-4481-89E4-A64020E86A42}" type="slidenum">
+              <a:rPr lang="en-US" smtClean="0"/>
+              <a:t>39</a:t>
+            </a:fld>
+            <a:endParaRPr lang="en-US"/>
+          </a:p>
+        </p:txBody>
+      </p:sp>
+    </p:spTree>
+    <p:extLst>
+      <p:ext uri="{BB962C8B-B14F-4D97-AF65-F5344CB8AC3E}">
+        <p14:creationId xmlns:p14="http://schemas.microsoft.com/office/powerpoint/2010/main" val="888897983"/>
+      </p:ext>
+    </p:extLst>
+  </p:cSld>
+  <p:clrMapOvr>
+    <a:masterClrMapping/>
+  </p:clrMapOvr>
+</p:notes>
+</file>
+
+<file path=ppt/notesSlides/notesSlide36.xml><?xml version="1.0" encoding="utf-8"?>
+<p:notes xmlns:a="http://schemas.openxmlformats.org/drawingml/2006/main" xmlns:r="http://schemas.openxmlformats.org/officeDocument/2006/relationships" xmlns:p="http://schemas.openxmlformats.org/presentationml/2006/main">
+  <p:cSld>
+    <p:spTree>
+      <p:nvGrpSpPr>
+        <p:cNvPr id="1" name=""/>
+        <p:cNvGrpSpPr/>
+        <p:nvPr/>
+      </p:nvGrpSpPr>
+      <p:grpSpPr>
+        <a:xfrm>
+          <a:off x="0" y="0"/>
+          <a:ext cx="0" cy="0"/>
+          <a:chOff x="0" y="0"/>
+          <a:chExt cx="0" cy="0"/>
+        </a:xfrm>
+      </p:grpSpPr>
+      <p:sp>
+        <p:nvSpPr>
+          <p:cNvPr id="2" name="Slide Image Placeholder 1"/>
+          <p:cNvSpPr>
+            <a:spLocks noGrp="1" noRot="1" noChangeAspect="1"/>
+          </p:cNvSpPr>
+          <p:nvPr>
+            <p:ph type="sldImg"/>
+          </p:nvPr>
+        </p:nvSpPr>
+        <p:spPr/>
+      </p:sp>
+      <p:sp>
+        <p:nvSpPr>
+          <p:cNvPr id="3" name="Notes Placeholder 2"/>
+          <p:cNvSpPr>
+            <a:spLocks noGrp="1"/>
+          </p:cNvSpPr>
+          <p:nvPr>
+            <p:ph type="body" idx="1"/>
+          </p:nvPr>
+        </p:nvSpPr>
+        <p:spPr/>
+        <p:txBody>
+          <a:bodyPr/>
+          <a:lstStyle/>
+          <a:p>
+            <a:r>
+              <a:rPr kumimoji="0" lang="en-US" altLang="en-US" sz="1200" b="0" i="0" u="none" strike="noStrike" cap="none" normalizeH="0" baseline="0" dirty="0" smtClean="0">
+                <a:ln>
+                  <a:noFill/>
+                </a:ln>
+                <a:solidFill>
+                  <a:schemeClr val="tx1"/>
+                </a:solidFill>
+                <a:effectLst/>
+                <a:latin typeface="Arial" panose="020B0604020202020204" pitchFamily="34" charset="0"/>
+              </a:rPr>
+              <a:t>Output:</a:t>
+            </a:r>
+          </a:p>
+          <a:p>
+            <a:r>
+              <a:rPr kumimoji="0" lang="en-US" altLang="en-US" sz="1200" b="0" i="0" u="none" strike="noStrike" cap="none" normalizeH="0" baseline="0" dirty="0" err="1" smtClean="0">
+                <a:ln>
+                  <a:noFill/>
+                </a:ln>
+                <a:solidFill>
+                  <a:schemeClr val="tx1"/>
+                </a:solidFill>
+                <a:effectLst/>
+                <a:latin typeface="+mn-lt"/>
+              </a:rPr>
+              <a:t>foobar</a:t>
+            </a:r>
+            <a:endParaRPr kumimoji="0" lang="en-US" altLang="en-US" sz="1200" b="0" i="0" u="none" strike="noStrike" cap="none" normalizeH="0" baseline="0" dirty="0" smtClean="0">
+              <a:ln>
+                <a:noFill/>
+              </a:ln>
+              <a:solidFill>
+                <a:schemeClr val="tx1"/>
+              </a:solidFill>
+              <a:effectLst/>
+              <a:latin typeface="Arial" panose="020B0604020202020204" pitchFamily="34" charset="0"/>
+            </a:endParaRPr>
+          </a:p>
+        </p:txBody>
+      </p:sp>
+      <p:sp>
+        <p:nvSpPr>
+          <p:cNvPr id="4" name="Slide Number Placeholder 3"/>
+          <p:cNvSpPr>
+            <a:spLocks noGrp="1"/>
+          </p:cNvSpPr>
+          <p:nvPr>
+            <p:ph type="sldNum" sz="quarter" idx="10"/>
+          </p:nvPr>
+        </p:nvSpPr>
+        <p:spPr/>
+        <p:txBody>
+          <a:bodyPr/>
+          <a:lstStyle/>
+          <a:p>
+            <a:fld id="{E51715A9-EB64-4481-89E4-A64020E86A42}" type="slidenum">
+              <a:rPr lang="en-US" smtClean="0"/>
+              <a:t>40</a:t>
+            </a:fld>
+            <a:endParaRPr lang="en-US"/>
+          </a:p>
+        </p:txBody>
+      </p:sp>
+    </p:spTree>
+    <p:extLst>
+      <p:ext uri="{BB962C8B-B14F-4D97-AF65-F5344CB8AC3E}">
+        <p14:creationId xmlns:p14="http://schemas.microsoft.com/office/powerpoint/2010/main" val="1684599267"/>
+      </p:ext>
+    </p:extLst>
+  </p:cSld>
+  <p:clrMapOvr>
+    <a:masterClrMapping/>
+  </p:clrMapOvr>
+</p:notes>
+</file>
+
+<file path=ppt/notesSlides/notesSlide37.xml><?xml version="1.0" encoding="utf-8"?>
+<p:notes xmlns:a="http://schemas.openxmlformats.org/drawingml/2006/main" xmlns:r="http://schemas.openxmlformats.org/officeDocument/2006/relationships" xmlns:p="http://schemas.openxmlformats.org/presentationml/2006/main">
+  <p:cSld>
+    <p:spTree>
+      <p:nvGrpSpPr>
+        <p:cNvPr id="1" name=""/>
+        <p:cNvGrpSpPr/>
+        <p:nvPr/>
+      </p:nvGrpSpPr>
+      <p:grpSpPr>
+        <a:xfrm>
+          <a:off x="0" y="0"/>
+          <a:ext cx="0" cy="0"/>
+          <a:chOff x="0" y="0"/>
+          <a:chExt cx="0" cy="0"/>
+        </a:xfrm>
+      </p:grpSpPr>
+      <p:sp>
+        <p:nvSpPr>
+          <p:cNvPr id="2" name="Slide Image Placeholder 1"/>
+          <p:cNvSpPr>
+            <a:spLocks noGrp="1" noRot="1" noChangeAspect="1"/>
+          </p:cNvSpPr>
+          <p:nvPr>
+            <p:ph type="sldImg"/>
+          </p:nvPr>
+        </p:nvSpPr>
+        <p:spPr/>
+      </p:sp>
+      <p:sp>
+        <p:nvSpPr>
+          <p:cNvPr id="3" name="Notes Placeholder 2"/>
+          <p:cNvSpPr>
+            <a:spLocks noGrp="1"/>
+          </p:cNvSpPr>
+          <p:nvPr>
+            <p:ph type="body" idx="1"/>
+          </p:nvPr>
+        </p:nvSpPr>
+        <p:spPr/>
+        <p:txBody>
+          <a:bodyPr/>
+          <a:lstStyle/>
+          <a:p>
+            <a:r>
+              <a:rPr lang="en-US" dirty="0" smtClean="0"/>
+              <a:t>This is the real reason for all those</a:t>
+            </a:r>
+            <a:r>
+              <a:rPr lang="en-US" baseline="0" dirty="0" smtClean="0"/>
+              <a:t> logical and comparison operators: conditionals</a:t>
+            </a:r>
+          </a:p>
+          <a:p>
+            <a:r>
+              <a:rPr lang="en-US" dirty="0" smtClean="0"/>
+              <a:t>Any valid statement which returns a Boolean can go in the parentheses</a:t>
+            </a:r>
+          </a:p>
+        </p:txBody>
+      </p:sp>
+      <p:sp>
+        <p:nvSpPr>
+          <p:cNvPr id="4" name="Slide Number Placeholder 3"/>
+          <p:cNvSpPr>
+            <a:spLocks noGrp="1"/>
+          </p:cNvSpPr>
+          <p:nvPr>
+            <p:ph type="sldNum" sz="quarter" idx="10"/>
+          </p:nvPr>
+        </p:nvSpPr>
+        <p:spPr/>
+        <p:txBody>
+          <a:bodyPr/>
+          <a:lstStyle/>
+          <a:p>
+            <a:fld id="{E51715A9-EB64-4481-89E4-A64020E86A42}" type="slidenum">
+              <a:rPr lang="en-US" smtClean="0"/>
+              <a:t>41</a:t>
+            </a:fld>
+            <a:endParaRPr lang="en-US"/>
+          </a:p>
+        </p:txBody>
+      </p:sp>
+    </p:spTree>
+    <p:extLst>
+      <p:ext uri="{BB962C8B-B14F-4D97-AF65-F5344CB8AC3E}">
+        <p14:creationId xmlns:p14="http://schemas.microsoft.com/office/powerpoint/2010/main" val="2639043752"/>
+      </p:ext>
+    </p:extLst>
+  </p:cSld>
+  <p:clrMapOvr>
+    <a:masterClrMapping/>
+  </p:clrMapOvr>
+</p:notes>
+</file>
+
+<file path=ppt/notesSlides/notesSlide38.xml><?xml version="1.0" encoding="utf-8"?>
+<p:notes xmlns:a="http://schemas.openxmlformats.org/drawingml/2006/main" xmlns:r="http://schemas.openxmlformats.org/officeDocument/2006/relationships" xmlns:p="http://schemas.openxmlformats.org/presentationml/2006/main">
+  <p:cSld>
+    <p:spTree>
+      <p:nvGrpSpPr>
+        <p:cNvPr id="1" name=""/>
+        <p:cNvGrpSpPr/>
+        <p:nvPr/>
+      </p:nvGrpSpPr>
+      <p:grpSpPr>
+        <a:xfrm>
+          <a:off x="0" y="0"/>
+          <a:ext cx="0" cy="0"/>
+          <a:chOff x="0" y="0"/>
+          <a:chExt cx="0" cy="0"/>
+        </a:xfrm>
+      </p:grpSpPr>
+      <p:sp>
+        <p:nvSpPr>
+          <p:cNvPr id="2" name="Slide Image Placeholder 1"/>
+          <p:cNvSpPr>
+            <a:spLocks noGrp="1" noRot="1" noChangeAspect="1"/>
+          </p:cNvSpPr>
+          <p:nvPr>
+            <p:ph type="sldImg"/>
+          </p:nvPr>
+        </p:nvSpPr>
+        <p:spPr/>
+      </p:sp>
+      <p:sp>
+        <p:nvSpPr>
+          <p:cNvPr id="3" name="Notes Placeholder 2"/>
+          <p:cNvSpPr>
+            <a:spLocks noGrp="1"/>
+          </p:cNvSpPr>
+          <p:nvPr>
+            <p:ph type="body" idx="1"/>
+          </p:nvPr>
+        </p:nvSpPr>
+        <p:spPr/>
+        <p:txBody>
+          <a:bodyPr/>
+          <a:lstStyle/>
+          <a:p>
+            <a:r>
+              <a:rPr kumimoji="0" lang="en-US" altLang="en-US" sz="1200" b="0" i="0" u="none" strike="noStrike" cap="none" normalizeH="0" baseline="0" dirty="0" smtClean="0">
+                <a:ln>
+                  <a:noFill/>
+                </a:ln>
+                <a:solidFill>
+                  <a:schemeClr val="tx1"/>
+                </a:solidFill>
+                <a:effectLst/>
+                <a:latin typeface="Arial" panose="020B0604020202020204" pitchFamily="34" charset="0"/>
+              </a:rPr>
+              <a:t>Output:</a:t>
+            </a:r>
+          </a:p>
+          <a:p>
+            <a:r>
+              <a:rPr kumimoji="0" lang="en-US" altLang="en-US" sz="1200" b="0" i="0" u="none" strike="noStrike" cap="none" normalizeH="0" baseline="0" dirty="0" err="1" smtClean="0">
+                <a:ln>
+                  <a:noFill/>
+                </a:ln>
+                <a:solidFill>
+                  <a:schemeClr val="tx1"/>
+                </a:solidFill>
+                <a:effectLst/>
+                <a:latin typeface="+mn-lt"/>
+              </a:rPr>
+              <a:t>truetruetruefalse</a:t>
+            </a:r>
+            <a:endParaRPr kumimoji="0" lang="en-US" altLang="en-US" sz="1200" b="0" i="0" u="none" strike="noStrike" cap="none" normalizeH="0" baseline="0" dirty="0" smtClean="0">
+              <a:ln>
+                <a:noFill/>
+              </a:ln>
+              <a:solidFill>
+                <a:schemeClr val="tx1"/>
+              </a:solidFill>
+              <a:effectLst/>
+              <a:latin typeface="Arial" panose="020B0604020202020204" pitchFamily="34" charset="0"/>
+            </a:endParaRPr>
+          </a:p>
+        </p:txBody>
+      </p:sp>
+      <p:sp>
+        <p:nvSpPr>
+          <p:cNvPr id="4" name="Slide Number Placeholder 3"/>
+          <p:cNvSpPr>
+            <a:spLocks noGrp="1"/>
+          </p:cNvSpPr>
+          <p:nvPr>
+            <p:ph type="sldNum" sz="quarter" idx="10"/>
+          </p:nvPr>
+        </p:nvSpPr>
+        <p:spPr/>
+        <p:txBody>
+          <a:bodyPr/>
+          <a:lstStyle/>
+          <a:p>
+            <a:fld id="{E51715A9-EB64-4481-89E4-A64020E86A42}" type="slidenum">
+              <a:rPr lang="en-US" smtClean="0"/>
+              <a:t>42</a:t>
+            </a:fld>
+            <a:endParaRPr lang="en-US"/>
+          </a:p>
+        </p:txBody>
+      </p:sp>
+    </p:spTree>
+    <p:extLst>
+      <p:ext uri="{BB962C8B-B14F-4D97-AF65-F5344CB8AC3E}">
+        <p14:creationId xmlns:p14="http://schemas.microsoft.com/office/powerpoint/2010/main" val="1625439553"/>
+      </p:ext>
+    </p:extLst>
+  </p:cSld>
+  <p:clrMapOvr>
+    <a:masterClrMapping/>
+  </p:clrMapOvr>
+</p:notes>
+</file>
+
+<file path=ppt/notesSlides/notesSlide39.xml><?xml version="1.0" encoding="utf-8"?>
+<p:notes xmlns:a="http://schemas.openxmlformats.org/drawingml/2006/main" xmlns:r="http://schemas.openxmlformats.org/officeDocument/2006/relationships" xmlns:p="http://schemas.openxmlformats.org/presentationml/2006/main">
+  <p:cSld>
+    <p:spTree>
+      <p:nvGrpSpPr>
+        <p:cNvPr id="1" name=""/>
+        <p:cNvGrpSpPr/>
+        <p:nvPr/>
+      </p:nvGrpSpPr>
+      <p:grpSpPr>
+        <a:xfrm>
+          <a:off x="0" y="0"/>
+          <a:ext cx="0" cy="0"/>
+          <a:chOff x="0" y="0"/>
+          <a:chExt cx="0" cy="0"/>
+        </a:xfrm>
+      </p:grpSpPr>
+      <p:sp>
+        <p:nvSpPr>
+          <p:cNvPr id="2" name="Slide Image Placeholder 1"/>
+          <p:cNvSpPr>
+            <a:spLocks noGrp="1" noRot="1" noChangeAspect="1"/>
+          </p:cNvSpPr>
+          <p:nvPr>
+            <p:ph type="sldImg"/>
+          </p:nvPr>
+        </p:nvSpPr>
+        <p:spPr/>
+      </p:sp>
+      <p:sp>
+        <p:nvSpPr>
+          <p:cNvPr id="3" name="Notes Placeholder 2"/>
+          <p:cNvSpPr>
+            <a:spLocks noGrp="1"/>
+          </p:cNvSpPr>
+          <p:nvPr>
+            <p:ph type="body" idx="1"/>
+          </p:nvPr>
+        </p:nvSpPr>
+        <p:spPr/>
+        <p:txBody>
+          <a:bodyPr/>
+          <a:lstStyle/>
+          <a:p>
+            <a:r>
+              <a:rPr lang="en-US" dirty="0" smtClean="0"/>
+              <a:t>String</a:t>
+            </a:r>
+            <a:r>
+              <a:rPr lang="en-US" baseline="0" dirty="0" smtClean="0"/>
+              <a:t> them together to test several values</a:t>
+            </a:r>
+            <a:endParaRPr lang="en-US" dirty="0" smtClean="0"/>
+          </a:p>
+        </p:txBody>
+      </p:sp>
+      <p:sp>
+        <p:nvSpPr>
+          <p:cNvPr id="4" name="Slide Number Placeholder 3"/>
+          <p:cNvSpPr>
+            <a:spLocks noGrp="1"/>
+          </p:cNvSpPr>
+          <p:nvPr>
+            <p:ph type="sldNum" sz="quarter" idx="10"/>
+          </p:nvPr>
+        </p:nvSpPr>
+        <p:spPr/>
+        <p:txBody>
+          <a:bodyPr/>
+          <a:lstStyle/>
+          <a:p>
+            <a:fld id="{E51715A9-EB64-4481-89E4-A64020E86A42}" type="slidenum">
+              <a:rPr lang="en-US" smtClean="0"/>
+              <a:t>43</a:t>
+            </a:fld>
+            <a:endParaRPr lang="en-US"/>
+          </a:p>
+        </p:txBody>
+      </p:sp>
+    </p:spTree>
+    <p:extLst>
+      <p:ext uri="{BB962C8B-B14F-4D97-AF65-F5344CB8AC3E}">
+        <p14:creationId xmlns:p14="http://schemas.microsoft.com/office/powerpoint/2010/main" val="1450516767"/>
+      </p:ext>
+    </p:extLst>
+  </p:cSld>
+  <p:clrMapOvr>
+    <a:masterClrMapping/>
+  </p:clrMapOvr>
+</p:notes>
+</file>
+
 <file path=ppt/notesSlides/notesSlide4.xml><?xml version="1.0" encoding="utf-8"?>
 <p:notes xmlns:a="http://schemas.openxmlformats.org/drawingml/2006/main" xmlns:r="http://schemas.openxmlformats.org/officeDocument/2006/relationships" xmlns:p="http://schemas.openxmlformats.org/presentationml/2006/main">
   <p:cSld>
@@ -3073,6 +4287,127 @@
     <p:extLst>
       <p:ext uri="{BB962C8B-B14F-4D97-AF65-F5344CB8AC3E}">
         <p14:creationId xmlns:p14="http://schemas.microsoft.com/office/powerpoint/2010/main" val="2908128595"/>
+      </p:ext>
+    </p:extLst>
+  </p:cSld>
+  <p:clrMapOvr>
+    <a:masterClrMapping/>
+  </p:clrMapOvr>
+</p:notes>
+</file>
+
+<file path=ppt/notesSlides/notesSlide40.xml><?xml version="1.0" encoding="utf-8"?>
+<p:notes xmlns:a="http://schemas.openxmlformats.org/drawingml/2006/main" xmlns:r="http://schemas.openxmlformats.org/officeDocument/2006/relationships" xmlns:p="http://schemas.openxmlformats.org/presentationml/2006/main">
+  <p:cSld>
+    <p:spTree>
+      <p:nvGrpSpPr>
+        <p:cNvPr id="1" name=""/>
+        <p:cNvGrpSpPr/>
+        <p:nvPr/>
+      </p:nvGrpSpPr>
+      <p:grpSpPr>
+        <a:xfrm>
+          <a:off x="0" y="0"/>
+          <a:ext cx="0" cy="0"/>
+          <a:chOff x="0" y="0"/>
+          <a:chExt cx="0" cy="0"/>
+        </a:xfrm>
+      </p:grpSpPr>
+      <p:sp>
+        <p:nvSpPr>
+          <p:cNvPr id="2" name="Slide Image Placeholder 1"/>
+          <p:cNvSpPr>
+            <a:spLocks noGrp="1" noRot="1" noChangeAspect="1"/>
+          </p:cNvSpPr>
+          <p:nvPr>
+            <p:ph type="sldImg"/>
+          </p:nvPr>
+        </p:nvSpPr>
+        <p:spPr/>
+      </p:sp>
+      <p:sp>
+        <p:nvSpPr>
+          <p:cNvPr id="3" name="Notes Placeholder 2"/>
+          <p:cNvSpPr>
+            <a:spLocks noGrp="1"/>
+          </p:cNvSpPr>
+          <p:nvPr>
+            <p:ph type="body" idx="1"/>
+          </p:nvPr>
+        </p:nvSpPr>
+        <p:spPr/>
+        <p:txBody>
+          <a:bodyPr/>
+          <a:lstStyle/>
+          <a:p>
+            <a:r>
+              <a:rPr kumimoji="0" lang="en-US" altLang="en-US" sz="1200" b="0" i="0" u="none" strike="noStrike" cap="none" normalizeH="0" baseline="0" dirty="0" smtClean="0">
+                <a:ln>
+                  <a:noFill/>
+                </a:ln>
+                <a:solidFill>
+                  <a:schemeClr val="tx1"/>
+                </a:solidFill>
+                <a:effectLst/>
+                <a:latin typeface="Arial" panose="020B0604020202020204" pitchFamily="34" charset="0"/>
+              </a:rPr>
+              <a:t>Output:</a:t>
+            </a:r>
+          </a:p>
+          <a:p>
+            <a:r>
+              <a:rPr kumimoji="0" lang="en-US" altLang="en-US" sz="1200" b="0" i="0" u="none" strike="noStrike" cap="none" normalizeH="0" baseline="0" dirty="0" err="1" smtClean="0">
+                <a:ln>
+                  <a:noFill/>
+                </a:ln>
+                <a:solidFill>
+                  <a:schemeClr val="tx1"/>
+                </a:solidFill>
+                <a:effectLst/>
+                <a:latin typeface="+mn-lt"/>
+              </a:rPr>
+              <a:t>truetruetruefalse</a:t>
+            </a:r>
+            <a:endParaRPr kumimoji="0" lang="en-US" altLang="en-US" sz="1200" b="0" i="0" u="none" strike="noStrike" cap="none" normalizeH="0" baseline="0" dirty="0" smtClean="0">
+              <a:ln>
+                <a:noFill/>
+              </a:ln>
+              <a:solidFill>
+                <a:schemeClr val="tx1"/>
+              </a:solidFill>
+              <a:effectLst/>
+              <a:latin typeface="Arial" panose="020B0604020202020204" pitchFamily="34" charset="0"/>
+            </a:endParaRPr>
+          </a:p>
+        </p:txBody>
+      </p:sp>
+      <p:sp>
+        <p:nvSpPr>
+          <p:cNvPr id="4" name="Slide Number Placeholder 3"/>
+          <p:cNvSpPr>
+            <a:spLocks noGrp="1"/>
+          </p:cNvSpPr>
+          <p:nvPr>
+            <p:ph type="sldNum" sz="quarter" idx="10"/>
+          </p:nvPr>
+        </p:nvSpPr>
+        <p:spPr/>
+        <p:txBody>
+          <a:bodyPr/>
+          <a:lstStyle/>
+          <a:p>
+            <a:fld id="{E51715A9-EB64-4481-89E4-A64020E86A42}" type="slidenum">
+              <a:rPr lang="en-US" smtClean="0"/>
+              <a:t>44</a:t>
+            </a:fld>
+            <a:endParaRPr lang="en-US"/>
+          </a:p>
+        </p:txBody>
+      </p:sp>
+    </p:spTree>
+    <p:extLst>
+      <p:ext uri="{BB962C8B-B14F-4D97-AF65-F5344CB8AC3E}">
+        <p14:creationId xmlns:p14="http://schemas.microsoft.com/office/powerpoint/2010/main" val="1611557363"/>
       </p:ext>
     </p:extLst>
   </p:cSld>
@@ -14051,8 +15386,8 @@
         </p:nvSpPr>
         <p:spPr bwMode="auto">
           <a:xfrm>
-            <a:off x="617220" y="143863"/>
-            <a:ext cx="10957560" cy="6494085"/>
+            <a:off x="617220" y="636302"/>
+            <a:ext cx="10957560" cy="5509200"/>
           </a:xfrm>
           <a:prstGeom prst="rect">
             <a:avLst/>
@@ -14134,7 +15469,7 @@
               </a:spcAft>
               <a:buNone/>
             </a:pPr>
-            <a:endParaRPr kumimoji="0" lang="en-US" altLang="en-US" sz="3200" b="0" i="0" u="none" strike="noStrike" cap="none" normalizeH="0" baseline="0" dirty="0" smtClean="0">
+            <a:endParaRPr kumimoji="0" lang="en-US" altLang="en-US" sz="3200" b="1" i="0" u="none" strike="noStrike" cap="none" normalizeH="0" baseline="0" dirty="0" smtClean="0">
               <a:ln>
                 <a:noFill/>
               </a:ln>
@@ -14159,43 +15494,30 @@
               <a:buNone/>
             </a:pPr>
             <a:r>
-              <a:rPr kumimoji="0" lang="en-US" altLang="en-US" sz="3200" b="0" i="0" u="none" strike="noStrike" cap="none" normalizeH="0" baseline="0" dirty="0" smtClean="0">
-                <a:ln>
-                  <a:noFill/>
-                </a:ln>
-                <a:solidFill>
-                  <a:srgbClr val="000000"/>
-                </a:solidFill>
-                <a:effectLst/>
-                <a:latin typeface="Arial Unicode MS" panose="020B0604020202020204" pitchFamily="34" charset="-128"/>
-              </a:rPr>
-              <a:t>$</a:t>
-            </a:r>
-            <a:r>
-              <a:rPr kumimoji="0" lang="en-US" altLang="en-US" sz="3200" b="0" i="0" u="none" strike="noStrike" cap="none" normalizeH="0" baseline="0" dirty="0" err="1" smtClean="0">
-                <a:ln>
-                  <a:noFill/>
-                </a:ln>
-                <a:solidFill>
-                  <a:srgbClr val="000000"/>
-                </a:solidFill>
-                <a:effectLst/>
-                <a:latin typeface="Arial Unicode MS" panose="020B0604020202020204" pitchFamily="34" charset="-128"/>
-              </a:rPr>
-              <a:t>var</a:t>
-            </a:r>
-            <a:r>
-              <a:rPr kumimoji="0" lang="en-US" altLang="en-US" sz="3200" b="0" i="0" u="none" strike="noStrike" cap="none" normalizeH="0" baseline="0" dirty="0" smtClean="0">
-                <a:ln>
-                  <a:noFill/>
-                </a:ln>
-                <a:solidFill>
-                  <a:srgbClr val="000000"/>
-                </a:solidFill>
-                <a:effectLst/>
-                <a:latin typeface="Arial Unicode MS" panose="020B0604020202020204" pitchFamily="34" charset="-128"/>
-              </a:rPr>
-              <a:t> = 5;</a:t>
+              <a:rPr kumimoji="0" lang="en-US" altLang="en-US" sz="3200" b="1" i="0" u="none" strike="noStrike" cap="none" normalizeH="0" baseline="0" dirty="0" smtClean="0">
+                <a:ln>
+                  <a:noFill/>
+                </a:ln>
+                <a:solidFill>
+                  <a:srgbClr val="7F0055"/>
+                </a:solidFill>
+                <a:effectLst/>
+                <a:latin typeface="Arial Unicode MS" panose="020B0604020202020204" pitchFamily="34" charset="-128"/>
+              </a:rPr>
+              <a:t>echo</a:t>
+            </a:r>
+            <a:r>
+              <a:rPr kumimoji="0" lang="en-US" altLang="en-US" sz="3200" b="0" i="0" u="none" strike="noStrike" cap="none" normalizeH="0" baseline="0" dirty="0" smtClean="0">
+                <a:ln>
+                  <a:noFill/>
+                </a:ln>
+                <a:solidFill>
+                  <a:srgbClr val="000000"/>
+                </a:solidFill>
+                <a:effectLst/>
+                <a:latin typeface="Arial Unicode MS" panose="020B0604020202020204" pitchFamily="34" charset="-128"/>
+              </a:rPr>
+              <a:t> 5 == 5;</a:t>
             </a:r>
           </a:p>
           <a:p>
@@ -14232,43 +15554,30 @@
               <a:buNone/>
             </a:pPr>
             <a:r>
-              <a:rPr kumimoji="0" lang="en-US" altLang="en-US" sz="3200" b="0" i="0" u="none" strike="noStrike" cap="none" normalizeH="0" baseline="0" dirty="0" smtClean="0">
-                <a:ln>
-                  <a:noFill/>
-                </a:ln>
-                <a:solidFill>
-                  <a:srgbClr val="000000"/>
-                </a:solidFill>
-                <a:effectLst/>
-                <a:latin typeface="Arial Unicode MS" panose="020B0604020202020204" pitchFamily="34" charset="-128"/>
-              </a:rPr>
-              <a:t>$</a:t>
-            </a:r>
-            <a:r>
-              <a:rPr kumimoji="0" lang="en-US" altLang="en-US" sz="3200" b="0" i="0" u="none" strike="noStrike" cap="none" normalizeH="0" baseline="0" dirty="0" err="1" smtClean="0">
-                <a:ln>
-                  <a:noFill/>
-                </a:ln>
-                <a:solidFill>
-                  <a:srgbClr val="000000"/>
-                </a:solidFill>
-                <a:effectLst/>
-                <a:latin typeface="Arial Unicode MS" panose="020B0604020202020204" pitchFamily="34" charset="-128"/>
-              </a:rPr>
-              <a:t>var</a:t>
-            </a:r>
-            <a:r>
-              <a:rPr kumimoji="0" lang="en-US" altLang="en-US" sz="3200" b="0" i="0" u="none" strike="noStrike" cap="none" normalizeH="0" baseline="0" dirty="0" smtClean="0">
-                <a:ln>
-                  <a:noFill/>
-                </a:ln>
-                <a:solidFill>
-                  <a:srgbClr val="000000"/>
-                </a:solidFill>
-                <a:effectLst/>
-                <a:latin typeface="Arial Unicode MS" panose="020B0604020202020204" pitchFamily="34" charset="-128"/>
-              </a:rPr>
-              <a:t> += 3;</a:t>
+              <a:rPr kumimoji="0" lang="en-US" altLang="en-US" sz="3200" b="1" i="0" u="none" strike="noStrike" cap="none" normalizeH="0" baseline="0" dirty="0" smtClean="0">
+                <a:ln>
+                  <a:noFill/>
+                </a:ln>
+                <a:solidFill>
+                  <a:srgbClr val="7F0055"/>
+                </a:solidFill>
+                <a:effectLst/>
+                <a:latin typeface="Arial Unicode MS" panose="020B0604020202020204" pitchFamily="34" charset="-128"/>
+              </a:rPr>
+              <a:t>echo</a:t>
+            </a:r>
+            <a:r>
+              <a:rPr kumimoji="0" lang="en-US" altLang="en-US" sz="3200" b="0" i="0" u="none" strike="noStrike" cap="none" normalizeH="0" baseline="0" dirty="0" smtClean="0">
+                <a:ln>
+                  <a:noFill/>
+                </a:ln>
+                <a:solidFill>
+                  <a:srgbClr val="000000"/>
+                </a:solidFill>
+                <a:effectLst/>
+                <a:latin typeface="Arial Unicode MS" panose="020B0604020202020204" pitchFamily="34" charset="-128"/>
+              </a:rPr>
+              <a:t> 2 != 3;</a:t>
             </a:r>
           </a:p>
           <a:p>
@@ -14328,33 +15637,7 @@
                 <a:effectLst/>
                 <a:latin typeface="Arial Unicode MS" panose="020B0604020202020204" pitchFamily="34" charset="-128"/>
               </a:rPr>
-              <a:t> $</a:t>
-            </a:r>
-            <a:r>
-              <a:rPr kumimoji="0" lang="en-US" altLang="en-US" sz="3200" b="0" i="0" u="none" strike="noStrike" cap="none" normalizeH="0" baseline="0" dirty="0" err="1" smtClean="0">
-                <a:ln>
-                  <a:noFill/>
-                </a:ln>
-                <a:solidFill>
-                  <a:srgbClr val="000000"/>
-                </a:solidFill>
-                <a:effectLst/>
-                <a:latin typeface="Arial Unicode MS" panose="020B0604020202020204" pitchFamily="34" charset="-128"/>
-              </a:rPr>
-              <a:t>var</a:t>
-            </a:r>
-            <a:r>
-              <a:rPr kumimoji="0" lang="en-US" altLang="en-US" sz="3200" b="0" i="0" u="none" strike="noStrike" cap="none" normalizeH="0" baseline="0" dirty="0" smtClean="0">
-                <a:ln>
-                  <a:noFill/>
-                </a:ln>
-                <a:solidFill>
-                  <a:srgbClr val="000000"/>
-                </a:solidFill>
-                <a:effectLst/>
-                <a:latin typeface="Arial Unicode MS" panose="020B0604020202020204" pitchFamily="34" charset="-128"/>
-              </a:rPr>
-              <a:t>;</a:t>
+              <a:t> 6 &gt; 8;</a:t>
             </a:r>
           </a:p>
           <a:p>
@@ -14391,43 +15674,30 @@
               <a:buNone/>
             </a:pPr>
             <a:r>
-              <a:rPr kumimoji="0" lang="en-US" altLang="en-US" sz="3200" b="0" i="0" u="none" strike="noStrike" cap="none" normalizeH="0" baseline="0" dirty="0" smtClean="0">
-                <a:ln>
-                  <a:noFill/>
-                </a:ln>
-                <a:solidFill>
-                  <a:srgbClr val="000000"/>
-                </a:solidFill>
-                <a:effectLst/>
-                <a:latin typeface="Arial Unicode MS" panose="020B0604020202020204" pitchFamily="34" charset="-128"/>
-              </a:rPr>
-              <a:t>$</a:t>
-            </a:r>
-            <a:r>
-              <a:rPr kumimoji="0" lang="en-US" altLang="en-US" sz="3200" b="0" i="0" u="none" strike="noStrike" cap="none" normalizeH="0" baseline="0" dirty="0" err="1" smtClean="0">
-                <a:ln>
-                  <a:noFill/>
-                </a:ln>
-                <a:solidFill>
-                  <a:srgbClr val="000000"/>
-                </a:solidFill>
-                <a:effectLst/>
-                <a:latin typeface="Arial Unicode MS" panose="020B0604020202020204" pitchFamily="34" charset="-128"/>
-              </a:rPr>
-              <a:t>var</a:t>
-            </a:r>
-            <a:r>
-              <a:rPr kumimoji="0" lang="en-US" altLang="en-US" sz="3200" b="0" i="0" u="none" strike="noStrike" cap="none" normalizeH="0" baseline="0" dirty="0" smtClean="0">
-                <a:ln>
-                  <a:noFill/>
-                </a:ln>
-                <a:solidFill>
-                  <a:srgbClr val="000000"/>
-                </a:solidFill>
-                <a:effectLst/>
-                <a:latin typeface="Arial Unicode MS" panose="020B0604020202020204" pitchFamily="34" charset="-128"/>
-              </a:rPr>
-              <a:t> /= 4;</a:t>
+              <a:rPr kumimoji="0" lang="en-US" altLang="en-US" sz="3200" b="1" i="0" u="none" strike="noStrike" cap="none" normalizeH="0" baseline="0" dirty="0" smtClean="0">
+                <a:ln>
+                  <a:noFill/>
+                </a:ln>
+                <a:solidFill>
+                  <a:srgbClr val="7F0055"/>
+                </a:solidFill>
+                <a:effectLst/>
+                <a:latin typeface="Arial Unicode MS" panose="020B0604020202020204" pitchFamily="34" charset="-128"/>
+              </a:rPr>
+              <a:t>echo</a:t>
+            </a:r>
+            <a:r>
+              <a:rPr kumimoji="0" lang="en-US" altLang="en-US" sz="3200" b="0" i="0" u="none" strike="noStrike" cap="none" normalizeH="0" baseline="0" dirty="0" smtClean="0">
+                <a:ln>
+                  <a:noFill/>
+                </a:ln>
+                <a:solidFill>
+                  <a:srgbClr val="000000"/>
+                </a:solidFill>
+                <a:effectLst/>
+                <a:latin typeface="Arial Unicode MS" panose="020B0604020202020204" pitchFamily="34" charset="-128"/>
+              </a:rPr>
+              <a:t> 7 &lt;= 7;</a:t>
             </a:r>
           </a:p>
           <a:p>
@@ -14464,7 +15734,7 @@
               <a:buNone/>
             </a:pPr>
             <a:r>
-              <a:rPr kumimoji="0" lang="en-US" altLang="en-US" sz="3200" b="1" i="0" u="none" strike="noStrike" cap="none" normalizeH="0" baseline="0" dirty="0" smtClean="0">
+              <a:rPr kumimoji="0" lang="en-US" altLang="en-US" sz="3200" b="0" i="0" u="none" strike="noStrike" cap="none" normalizeH="0" baseline="0" dirty="0" smtClean="0">
                 <a:ln>
                   <a:noFill/>
                 </a:ln>
@@ -14474,104 +15744,17 @@
                 <a:effectLst/>
                 <a:latin typeface="Arial Unicode MS" panose="020B0604020202020204" pitchFamily="34" charset="-128"/>
               </a:rPr>
-              <a:t>echo</a:t>
-            </a:r>
-            <a:r>
-              <a:rPr kumimoji="0" lang="en-US" altLang="en-US" sz="3200" b="0" i="0" u="none" strike="noStrike" cap="none" normalizeH="0" baseline="0" dirty="0" smtClean="0">
-                <a:ln>
-                  <a:noFill/>
-                </a:ln>
-                <a:solidFill>
-                  <a:srgbClr val="000000"/>
-                </a:solidFill>
-                <a:effectLst/>
-                <a:latin typeface="Arial Unicode MS" panose="020B0604020202020204" pitchFamily="34" charset="-128"/>
-              </a:rPr>
-              <a:t> $</a:t>
-            </a:r>
-            <a:r>
-              <a:rPr kumimoji="0" lang="en-US" altLang="en-US" sz="3200" b="0" i="0" u="none" strike="noStrike" cap="none" normalizeH="0" baseline="0" dirty="0" err="1" smtClean="0">
-                <a:ln>
-                  <a:noFill/>
-                </a:ln>
-                <a:solidFill>
-                  <a:srgbClr val="000000"/>
-                </a:solidFill>
-                <a:effectLst/>
-                <a:latin typeface="Arial Unicode MS" panose="020B0604020202020204" pitchFamily="34" charset="-128"/>
-              </a:rPr>
-              <a:t>var</a:t>
-            </a:r>
-            <a:r>
-              <a:rPr kumimoji="0" lang="en-US" altLang="en-US" sz="3200" b="0" i="0" u="none" strike="noStrike" cap="none" normalizeH="0" baseline="0" dirty="0" smtClean="0">
-                <a:ln>
-                  <a:noFill/>
-                </a:ln>
-                <a:solidFill>
-                  <a:srgbClr val="000000"/>
-                </a:solidFill>
-                <a:effectLst/>
-                <a:latin typeface="Arial Unicode MS" panose="020B0604020202020204" pitchFamily="34" charset="-128"/>
-              </a:rPr>
-              <a:t>;</a:t>
-            </a:r>
-          </a:p>
-          <a:p>
-            <a:pPr marL="0" lvl="0" indent="0" eaLnBrk="0" fontAlgn="base" hangingPunct="0">
-              <a:lnSpc>
-                <a:spcPct val="100000"/>
-              </a:lnSpc>
-              <a:spcBef>
-                <a:spcPct val="0"/>
-              </a:spcBef>
-              <a:spcAft>
-                <a:spcPct val="0"/>
-              </a:spcAft>
-              <a:buNone/>
-            </a:pPr>
-            <a:endParaRPr lang="en-US" altLang="en-US" sz="3200" dirty="0">
-              <a:solidFill>
-                <a:srgbClr val="000000"/>
-              </a:solidFill>
-              <a:latin typeface="Arial Unicode MS" panose="020B0604020202020204" pitchFamily="34" charset="-128"/>
-            </a:endParaRPr>
-          </a:p>
-          <a:p>
-            <a:pPr marL="0" lvl="0" indent="0" eaLnBrk="0" fontAlgn="base" hangingPunct="0">
-              <a:lnSpc>
-                <a:spcPct val="100000"/>
-              </a:lnSpc>
-              <a:spcBef>
-                <a:spcPct val="0"/>
-              </a:spcBef>
-              <a:spcAft>
-                <a:spcPct val="0"/>
-              </a:spcAft>
-              <a:buNone/>
-            </a:pPr>
-            <a:r>
-              <a:rPr kumimoji="0" lang="en-US" altLang="en-US" sz="3200" b="0" i="0" u="none" strike="noStrike" cap="none" normalizeH="0" baseline="0" dirty="0" smtClean="0">
-                <a:ln>
-                  <a:noFill/>
-                </a:ln>
-                <a:solidFill>
-                  <a:srgbClr val="7F0055"/>
-                </a:solidFill>
-                <a:effectLst/>
-                <a:latin typeface="Arial Unicode MS" panose="020B0604020202020204" pitchFamily="34" charset="-128"/>
-              </a:rPr>
               <a:t>?&gt;</a:t>
             </a:r>
             <a:r>
-              <a:rPr kumimoji="0" lang="en-US" altLang="en-US" sz="3200" b="0" i="0" u="none" strike="noStrike" cap="none" normalizeH="0" baseline="0" dirty="0" smtClean="0">
-                <a:ln>
-                  <a:noFill/>
-                </a:ln>
-                <a:solidFill>
-                  <a:srgbClr val="000000"/>
-                </a:solidFill>
-                <a:effectLst/>
-                <a:latin typeface="Arial Unicode MS" panose="020B0604020202020204" pitchFamily="34" charset="-128"/>
+              <a:rPr kumimoji="0" lang="en-US" altLang="en-US" sz="2400" b="0" i="0" u="none" strike="noStrike" cap="none" normalizeH="0" baseline="0" dirty="0" smtClean="0">
+                <a:ln>
+                  <a:noFill/>
+                </a:ln>
+                <a:solidFill>
+                  <a:schemeClr val="tx1"/>
+                </a:solidFill>
+                <a:effectLst/>
               </a:rPr>
               <a:t> </a:t>
             </a:r>
@@ -14710,7 +15893,7 @@
       </p:grpSpPr>
       <p:sp>
         <p:nvSpPr>
-          <p:cNvPr id="2" name="Title 1"/>
+          <p:cNvPr id="6" name="Title 5"/>
           <p:cNvSpPr>
             <a:spLocks noGrp="1"/>
           </p:cNvSpPr>
@@ -14725,7 +15908,7 @@
           <a:p>
             <a:r>
               <a:rPr lang="en-US" dirty="0" smtClean="0"/>
-              <a:t>Type Juggling</a:t>
+              <a:t>Logical operators</a:t>
             </a:r>
             <a:endParaRPr lang="en-US" dirty="0"/>
           </a:p>
@@ -14733,7 +15916,7 @@
       </p:sp>
       <p:sp>
         <p:nvSpPr>
-          <p:cNvPr id="3" name="Content Placeholder 2"/>
+          <p:cNvPr id="7" name="Content Placeholder 6"/>
           <p:cNvSpPr>
             <a:spLocks noGrp="1"/>
           </p:cNvSpPr>
@@ -14748,34 +15931,1781 @@
           <a:p>
             <a:r>
               <a:rPr lang="en-US" dirty="0" smtClean="0"/>
+              <a:t>Used on Boolean values</a:t>
+            </a:r>
+          </a:p>
+          <a:p>
+            <a:r>
+              <a:rPr lang="en-US" dirty="0" smtClean="0"/>
+              <a:t>Not (!) flips the value</a:t>
+            </a:r>
+          </a:p>
+          <a:p>
+            <a:r>
+              <a:rPr lang="en-US" dirty="0" smtClean="0"/>
+              <a:t>And (&amp;&amp;) is true if both values are true</a:t>
+            </a:r>
+          </a:p>
+          <a:p>
+            <a:r>
+              <a:rPr lang="en-US" dirty="0" smtClean="0"/>
+              <a:t>Or (||) is true if either value is true</a:t>
+            </a:r>
+          </a:p>
+          <a:p>
+            <a:r>
+              <a:rPr lang="en-US" dirty="0" smtClean="0"/>
+              <a:t>Can be combined, just like other operators</a:t>
+            </a:r>
+          </a:p>
+        </p:txBody>
+      </p:sp>
+    </p:spTree>
+    <p:extLst>
+      <p:ext uri="{BB962C8B-B14F-4D97-AF65-F5344CB8AC3E}">
+        <p14:creationId xmlns:p14="http://schemas.microsoft.com/office/powerpoint/2010/main" val="1564340918"/>
+      </p:ext>
+    </p:extLst>
+  </p:cSld>
+  <p:clrMapOvr>
+    <a:masterClrMapping/>
+  </p:clrMapOvr>
+  <p:timing>
+    <p:tnLst>
+      <p:par>
+        <p:cTn id="1" dur="indefinite" restart="never" nodeType="tmRoot"/>
+      </p:par>
+    </p:tnLst>
+  </p:timing>
+</p:sld>
+</file>
+
+<file path=ppt/slides/slide33.xml><?xml version="1.0" encoding="utf-8"?>
+<p:sld xmlns:a="http://schemas.openxmlformats.org/drawingml/2006/main" xmlns:r="http://schemas.openxmlformats.org/officeDocument/2006/relationships" xmlns:p="http://schemas.openxmlformats.org/presentationml/2006/main">
+  <p:cSld>
+    <p:spTree>
+      <p:nvGrpSpPr>
+        <p:cNvPr id="1" name=""/>
+        <p:cNvGrpSpPr/>
+        <p:nvPr/>
+      </p:nvGrpSpPr>
+      <p:grpSpPr>
+        <a:xfrm>
+          <a:off x="0" y="0"/>
+          <a:ext cx="0" cy="0"/>
+          <a:chOff x="0" y="0"/>
+          <a:chExt cx="0" cy="0"/>
+        </a:xfrm>
+      </p:grpSpPr>
+      <p:sp>
+        <p:nvSpPr>
+          <p:cNvPr id="6" name="Rectangle 2"/>
+          <p:cNvSpPr>
+            <a:spLocks noGrp="1" noChangeArrowheads="1"/>
+          </p:cNvSpPr>
+          <p:nvPr>
+            <p:ph idx="1"/>
+          </p:nvPr>
+        </p:nvSpPr>
+        <p:spPr bwMode="auto">
+          <a:xfrm>
+            <a:off x="617220" y="143862"/>
+            <a:ext cx="10957560" cy="6494085"/>
+          </a:xfrm>
+          <a:prstGeom prst="rect">
+            <a:avLst/>
+          </a:prstGeom>
+          <a:solidFill>
+            <a:schemeClr val="bg2"/>
+          </a:solidFill>
+          <a:ln>
+            <a:solidFill>
+              <a:schemeClr val="tx1"/>
+            </a:solidFill>
+          </a:ln>
+          <a:effectLst/>
+        </p:spPr>
+        <p:txBody>
+          <a:bodyPr vert="horz" wrap="square" lIns="91440" tIns="45720" rIns="91440" bIns="45720" numCol="1" anchor="ctr" anchorCtr="0" compatLnSpc="1">
+            <a:prstTxWarp prst="textNoShape">
+              <a:avLst/>
+            </a:prstTxWarp>
+            <a:spAutoFit/>
+          </a:bodyPr>
+          <a:lstStyle/>
+          <a:p>
+            <a:pPr marL="0" lvl="0" indent="0" eaLnBrk="0" fontAlgn="base" hangingPunct="0">
+              <a:lnSpc>
+                <a:spcPct val="100000"/>
+              </a:lnSpc>
+              <a:spcBef>
+                <a:spcPct val="0"/>
+              </a:spcBef>
+              <a:spcAft>
+                <a:spcPct val="0"/>
+              </a:spcAft>
+              <a:buNone/>
+            </a:pPr>
+            <a:r>
+              <a:rPr kumimoji="0" lang="en-US" altLang="en-US" sz="3200" b="0" i="0" u="none" strike="noStrike" cap="none" normalizeH="0" baseline="0" dirty="0" smtClean="0">
+                <a:ln>
+                  <a:noFill/>
+                </a:ln>
+                <a:solidFill>
+                  <a:srgbClr val="7F0055"/>
+                </a:solidFill>
+                <a:effectLst/>
+                <a:latin typeface="Arial Unicode MS" panose="020B0604020202020204" pitchFamily="34" charset="-128"/>
+              </a:rPr>
+              <a:t>&lt;?</a:t>
+            </a:r>
+            <a:r>
+              <a:rPr kumimoji="0" lang="en-US" altLang="en-US" sz="3200" b="0" i="0" u="none" strike="noStrike" cap="none" normalizeH="0" baseline="0" dirty="0" err="1" smtClean="0">
+                <a:ln>
+                  <a:noFill/>
+                </a:ln>
+                <a:solidFill>
+                  <a:srgbClr val="7F0055"/>
+                </a:solidFill>
+                <a:effectLst/>
+                <a:latin typeface="Arial Unicode MS" panose="020B0604020202020204" pitchFamily="34" charset="-128"/>
+              </a:rPr>
+              <a:t>php</a:t>
+            </a:r>
+            <a:endParaRPr lang="en-US" altLang="en-US" sz="3200" dirty="0">
+              <a:solidFill>
+                <a:srgbClr val="000000"/>
+              </a:solidFill>
+              <a:latin typeface="Arial Unicode MS" panose="020B0604020202020204" pitchFamily="34" charset="-128"/>
+            </a:endParaRPr>
+          </a:p>
+          <a:p>
+            <a:pPr marL="0" lvl="0" indent="0" eaLnBrk="0" fontAlgn="base" hangingPunct="0">
+              <a:lnSpc>
+                <a:spcPct val="100000"/>
+              </a:lnSpc>
+              <a:spcBef>
+                <a:spcPct val="0"/>
+              </a:spcBef>
+              <a:spcAft>
+                <a:spcPct val="0"/>
+              </a:spcAft>
+              <a:buNone/>
+            </a:pPr>
+            <a:endParaRPr kumimoji="0" lang="en-US" altLang="en-US" sz="3200" b="1" i="0" u="none" strike="noStrike" cap="none" normalizeH="0" baseline="0" dirty="0" smtClean="0">
+              <a:ln>
+                <a:noFill/>
+              </a:ln>
+              <a:solidFill>
+                <a:srgbClr val="000000"/>
+              </a:solidFill>
+              <a:effectLst/>
+              <a:latin typeface="Arial Unicode MS" panose="020B0604020202020204" pitchFamily="34" charset="-128"/>
+            </a:endParaRPr>
+          </a:p>
+          <a:p>
+            <a:pPr marL="0" lvl="0" indent="0" eaLnBrk="0" fontAlgn="base" hangingPunct="0">
+              <a:lnSpc>
+                <a:spcPct val="100000"/>
+              </a:lnSpc>
+              <a:spcBef>
+                <a:spcPct val="0"/>
+              </a:spcBef>
+              <a:spcAft>
+                <a:spcPct val="0"/>
+              </a:spcAft>
+              <a:buNone/>
+            </a:pPr>
+            <a:r>
+              <a:rPr kumimoji="0" lang="en-US" altLang="en-US" sz="3200" b="1" i="0" u="none" strike="noStrike" cap="none" normalizeH="0" baseline="0" dirty="0" smtClean="0">
+                <a:ln>
+                  <a:noFill/>
+                </a:ln>
+                <a:solidFill>
+                  <a:srgbClr val="7F0055"/>
+                </a:solidFill>
+                <a:effectLst/>
+                <a:latin typeface="Arial Unicode MS" panose="020B0604020202020204" pitchFamily="34" charset="-128"/>
+              </a:rPr>
+              <a:t>echo</a:t>
+            </a:r>
+            <a:r>
+              <a:rPr kumimoji="0" lang="en-US" altLang="en-US" sz="3200" b="0" i="0" u="none" strike="noStrike" cap="none" normalizeH="0" baseline="0" dirty="0" smtClean="0">
+                <a:ln>
+                  <a:noFill/>
+                </a:ln>
+                <a:solidFill>
+                  <a:srgbClr val="000000"/>
+                </a:solidFill>
+                <a:effectLst/>
+                <a:latin typeface="Arial Unicode MS" panose="020B0604020202020204" pitchFamily="34" charset="-128"/>
+              </a:rPr>
+              <a:t> !</a:t>
+            </a:r>
+            <a:r>
+              <a:rPr kumimoji="0" lang="en-US" altLang="en-US" sz="3200" b="1" i="0" u="none" strike="noStrike" cap="none" normalizeH="0" baseline="0" dirty="0" smtClean="0">
+                <a:ln>
+                  <a:noFill/>
+                </a:ln>
+                <a:solidFill>
+                  <a:srgbClr val="7F0055"/>
+                </a:solidFill>
+                <a:effectLst/>
+                <a:latin typeface="Arial Unicode MS" panose="020B0604020202020204" pitchFamily="34" charset="-128"/>
+              </a:rPr>
+              <a:t>false</a:t>
+            </a:r>
+            <a:r>
+              <a:rPr kumimoji="0" lang="en-US" altLang="en-US" sz="3200" b="0" i="0" u="none" strike="noStrike" cap="none" normalizeH="0" baseline="0" dirty="0" smtClean="0">
+                <a:ln>
+                  <a:noFill/>
+                </a:ln>
+                <a:solidFill>
+                  <a:srgbClr val="000000"/>
+                </a:solidFill>
+                <a:effectLst/>
+                <a:latin typeface="Arial Unicode MS" panose="020B0604020202020204" pitchFamily="34" charset="-128"/>
+              </a:rPr>
+              <a:t>;</a:t>
+            </a:r>
+          </a:p>
+          <a:p>
+            <a:pPr marL="0" lvl="0" indent="0" eaLnBrk="0" fontAlgn="base" hangingPunct="0">
+              <a:lnSpc>
+                <a:spcPct val="100000"/>
+              </a:lnSpc>
+              <a:spcBef>
+                <a:spcPct val="0"/>
+              </a:spcBef>
+              <a:spcAft>
+                <a:spcPct val="0"/>
+              </a:spcAft>
+              <a:buNone/>
+            </a:pPr>
+            <a:endParaRPr lang="en-US" altLang="en-US" sz="3200" dirty="0">
+              <a:solidFill>
+                <a:srgbClr val="000000"/>
+              </a:solidFill>
+              <a:latin typeface="Arial Unicode MS" panose="020B0604020202020204" pitchFamily="34" charset="-128"/>
+            </a:endParaRPr>
+          </a:p>
+          <a:p>
+            <a:pPr marL="0" lvl="0" indent="0" eaLnBrk="0" fontAlgn="base" hangingPunct="0">
+              <a:lnSpc>
+                <a:spcPct val="100000"/>
+              </a:lnSpc>
+              <a:spcBef>
+                <a:spcPct val="0"/>
+              </a:spcBef>
+              <a:spcAft>
+                <a:spcPct val="0"/>
+              </a:spcAft>
+              <a:buNone/>
+            </a:pPr>
+            <a:r>
+              <a:rPr kumimoji="0" lang="en-US" altLang="en-US" sz="3200" b="1" i="0" u="none" strike="noStrike" cap="none" normalizeH="0" baseline="0" dirty="0" smtClean="0">
+                <a:ln>
+                  <a:noFill/>
+                </a:ln>
+                <a:solidFill>
+                  <a:srgbClr val="7F0055"/>
+                </a:solidFill>
+                <a:effectLst/>
+                <a:latin typeface="Arial Unicode MS" panose="020B0604020202020204" pitchFamily="34" charset="-128"/>
+              </a:rPr>
+              <a:t>echo</a:t>
+            </a:r>
+            <a:r>
+              <a:rPr kumimoji="0" lang="en-US" altLang="en-US" sz="3200" b="0" i="0" u="none" strike="noStrike" cap="none" normalizeH="0" baseline="0" dirty="0" smtClean="0">
+                <a:ln>
+                  <a:noFill/>
+                </a:ln>
+                <a:solidFill>
+                  <a:srgbClr val="000000"/>
+                </a:solidFill>
+                <a:effectLst/>
+                <a:latin typeface="Arial Unicode MS" panose="020B0604020202020204" pitchFamily="34" charset="-128"/>
+              </a:rPr>
+              <a:t> </a:t>
+            </a:r>
+            <a:r>
+              <a:rPr kumimoji="0" lang="en-US" altLang="en-US" sz="3200" b="1" i="0" u="none" strike="noStrike" cap="none" normalizeH="0" baseline="0" dirty="0" smtClean="0">
+                <a:ln>
+                  <a:noFill/>
+                </a:ln>
+                <a:solidFill>
+                  <a:srgbClr val="7F0055"/>
+                </a:solidFill>
+                <a:effectLst/>
+                <a:latin typeface="Arial Unicode MS" panose="020B0604020202020204" pitchFamily="34" charset="-128"/>
+              </a:rPr>
+              <a:t>false</a:t>
+            </a:r>
+            <a:r>
+              <a:rPr kumimoji="0" lang="en-US" altLang="en-US" sz="3200" b="0" i="0" u="none" strike="noStrike" cap="none" normalizeH="0" baseline="0" dirty="0" smtClean="0">
+                <a:ln>
+                  <a:noFill/>
+                </a:ln>
+                <a:solidFill>
+                  <a:srgbClr val="000000"/>
+                </a:solidFill>
+                <a:effectLst/>
+                <a:latin typeface="Arial Unicode MS" panose="020B0604020202020204" pitchFamily="34" charset="-128"/>
+              </a:rPr>
+              <a:t> &amp;&amp; </a:t>
+            </a:r>
+            <a:r>
+              <a:rPr kumimoji="0" lang="en-US" altLang="en-US" sz="3200" b="1" i="0" u="none" strike="noStrike" cap="none" normalizeH="0" baseline="0" dirty="0" smtClean="0">
+                <a:ln>
+                  <a:noFill/>
+                </a:ln>
+                <a:solidFill>
+                  <a:srgbClr val="7F0055"/>
+                </a:solidFill>
+                <a:effectLst/>
+                <a:latin typeface="Arial Unicode MS" panose="020B0604020202020204" pitchFamily="34" charset="-128"/>
+              </a:rPr>
+              <a:t>true</a:t>
+            </a:r>
+            <a:r>
+              <a:rPr kumimoji="0" lang="en-US" altLang="en-US" sz="3200" b="0" i="0" u="none" strike="noStrike" cap="none" normalizeH="0" baseline="0" dirty="0" smtClean="0">
+                <a:ln>
+                  <a:noFill/>
+                </a:ln>
+                <a:solidFill>
+                  <a:srgbClr val="000000"/>
+                </a:solidFill>
+                <a:effectLst/>
+                <a:latin typeface="Arial Unicode MS" panose="020B0604020202020204" pitchFamily="34" charset="-128"/>
+              </a:rPr>
+              <a:t>;</a:t>
+            </a:r>
+          </a:p>
+          <a:p>
+            <a:pPr marL="0" lvl="0" indent="0" eaLnBrk="0" fontAlgn="base" hangingPunct="0">
+              <a:lnSpc>
+                <a:spcPct val="100000"/>
+              </a:lnSpc>
+              <a:spcBef>
+                <a:spcPct val="0"/>
+              </a:spcBef>
+              <a:spcAft>
+                <a:spcPct val="0"/>
+              </a:spcAft>
+              <a:buNone/>
+            </a:pPr>
+            <a:endParaRPr lang="en-US" altLang="en-US" sz="3200" dirty="0">
+              <a:solidFill>
+                <a:srgbClr val="000000"/>
+              </a:solidFill>
+              <a:latin typeface="Arial Unicode MS" panose="020B0604020202020204" pitchFamily="34" charset="-128"/>
+            </a:endParaRPr>
+          </a:p>
+          <a:p>
+            <a:pPr marL="0" lvl="0" indent="0" eaLnBrk="0" fontAlgn="base" hangingPunct="0">
+              <a:lnSpc>
+                <a:spcPct val="100000"/>
+              </a:lnSpc>
+              <a:spcBef>
+                <a:spcPct val="0"/>
+              </a:spcBef>
+              <a:spcAft>
+                <a:spcPct val="0"/>
+              </a:spcAft>
+              <a:buNone/>
+            </a:pPr>
+            <a:r>
+              <a:rPr kumimoji="0" lang="en-US" altLang="en-US" sz="3200" b="1" i="0" u="none" strike="noStrike" cap="none" normalizeH="0" baseline="0" dirty="0" smtClean="0">
+                <a:ln>
+                  <a:noFill/>
+                </a:ln>
+                <a:solidFill>
+                  <a:srgbClr val="7F0055"/>
+                </a:solidFill>
+                <a:effectLst/>
+                <a:latin typeface="Arial Unicode MS" panose="020B0604020202020204" pitchFamily="34" charset="-128"/>
+              </a:rPr>
+              <a:t>echo</a:t>
+            </a:r>
+            <a:r>
+              <a:rPr kumimoji="0" lang="en-US" altLang="en-US" sz="3200" b="0" i="0" u="none" strike="noStrike" cap="none" normalizeH="0" baseline="0" dirty="0" smtClean="0">
+                <a:ln>
+                  <a:noFill/>
+                </a:ln>
+                <a:solidFill>
+                  <a:srgbClr val="000000"/>
+                </a:solidFill>
+                <a:effectLst/>
+                <a:latin typeface="Arial Unicode MS" panose="020B0604020202020204" pitchFamily="34" charset="-128"/>
+              </a:rPr>
+              <a:t> !(</a:t>
+            </a:r>
+            <a:r>
+              <a:rPr kumimoji="0" lang="en-US" altLang="en-US" sz="3200" b="1" i="0" u="none" strike="noStrike" cap="none" normalizeH="0" baseline="0" dirty="0" smtClean="0">
+                <a:ln>
+                  <a:noFill/>
+                </a:ln>
+                <a:solidFill>
+                  <a:srgbClr val="7F0055"/>
+                </a:solidFill>
+                <a:effectLst/>
+                <a:latin typeface="Arial Unicode MS" panose="020B0604020202020204" pitchFamily="34" charset="-128"/>
+              </a:rPr>
+              <a:t>false</a:t>
+            </a:r>
+            <a:r>
+              <a:rPr kumimoji="0" lang="en-US" altLang="en-US" sz="3200" b="0" i="0" u="none" strike="noStrike" cap="none" normalizeH="0" baseline="0" dirty="0" smtClean="0">
+                <a:ln>
+                  <a:noFill/>
+                </a:ln>
+                <a:solidFill>
+                  <a:srgbClr val="000000"/>
+                </a:solidFill>
+                <a:effectLst/>
+                <a:latin typeface="Arial Unicode MS" panose="020B0604020202020204" pitchFamily="34" charset="-128"/>
+              </a:rPr>
+              <a:t> || </a:t>
+            </a:r>
+            <a:r>
+              <a:rPr kumimoji="0" lang="en-US" altLang="en-US" sz="3200" b="1" i="0" u="none" strike="noStrike" cap="none" normalizeH="0" baseline="0" dirty="0" smtClean="0">
+                <a:ln>
+                  <a:noFill/>
+                </a:ln>
+                <a:solidFill>
+                  <a:srgbClr val="7F0055"/>
+                </a:solidFill>
+                <a:effectLst/>
+                <a:latin typeface="Arial Unicode MS" panose="020B0604020202020204" pitchFamily="34" charset="-128"/>
+              </a:rPr>
+              <a:t>true</a:t>
+            </a:r>
+            <a:r>
+              <a:rPr kumimoji="0" lang="en-US" altLang="en-US" sz="3200" b="0" i="0" u="none" strike="noStrike" cap="none" normalizeH="0" baseline="0" dirty="0" smtClean="0">
+                <a:ln>
+                  <a:noFill/>
+                </a:ln>
+                <a:solidFill>
+                  <a:srgbClr val="000000"/>
+                </a:solidFill>
+                <a:effectLst/>
+                <a:latin typeface="Arial Unicode MS" panose="020B0604020202020204" pitchFamily="34" charset="-128"/>
+              </a:rPr>
+              <a:t>);</a:t>
+            </a:r>
+          </a:p>
+          <a:p>
+            <a:pPr marL="0" lvl="0" indent="0" eaLnBrk="0" fontAlgn="base" hangingPunct="0">
+              <a:lnSpc>
+                <a:spcPct val="100000"/>
+              </a:lnSpc>
+              <a:spcBef>
+                <a:spcPct val="0"/>
+              </a:spcBef>
+              <a:spcAft>
+                <a:spcPct val="0"/>
+              </a:spcAft>
+              <a:buNone/>
+            </a:pPr>
+            <a:endParaRPr lang="en-US" altLang="en-US" sz="3200" dirty="0">
+              <a:solidFill>
+                <a:srgbClr val="000000"/>
+              </a:solidFill>
+              <a:latin typeface="Arial Unicode MS" panose="020B0604020202020204" pitchFamily="34" charset="-128"/>
+            </a:endParaRPr>
+          </a:p>
+          <a:p>
+            <a:pPr marL="0" lvl="0" indent="0" eaLnBrk="0" fontAlgn="base" hangingPunct="0">
+              <a:lnSpc>
+                <a:spcPct val="100000"/>
+              </a:lnSpc>
+              <a:spcBef>
+                <a:spcPct val="0"/>
+              </a:spcBef>
+              <a:spcAft>
+                <a:spcPct val="0"/>
+              </a:spcAft>
+              <a:buNone/>
+            </a:pPr>
+            <a:r>
+              <a:rPr kumimoji="0" lang="en-US" altLang="en-US" sz="3200" b="0" i="0" u="none" strike="noStrike" cap="none" normalizeH="0" baseline="0" dirty="0" smtClean="0">
+                <a:ln>
+                  <a:noFill/>
+                </a:ln>
+                <a:solidFill>
+                  <a:srgbClr val="000000"/>
+                </a:solidFill>
+                <a:effectLst/>
+                <a:latin typeface="Arial Unicode MS" panose="020B0604020202020204" pitchFamily="34" charset="-128"/>
+              </a:rPr>
+              <a:t>$</a:t>
+            </a:r>
+            <a:r>
+              <a:rPr kumimoji="0" lang="en-US" altLang="en-US" sz="3200" b="0" i="0" u="none" strike="noStrike" cap="none" normalizeH="0" baseline="0" dirty="0" err="1" smtClean="0">
+                <a:ln>
+                  <a:noFill/>
+                </a:ln>
+                <a:solidFill>
+                  <a:srgbClr val="000000"/>
+                </a:solidFill>
+                <a:effectLst/>
+                <a:latin typeface="Arial Unicode MS" panose="020B0604020202020204" pitchFamily="34" charset="-128"/>
+              </a:rPr>
+              <a:t>var</a:t>
+            </a:r>
+            <a:r>
+              <a:rPr kumimoji="0" lang="en-US" altLang="en-US" sz="3200" b="0" i="0" u="none" strike="noStrike" cap="none" normalizeH="0" baseline="0" dirty="0" smtClean="0">
+                <a:ln>
+                  <a:noFill/>
+                </a:ln>
+                <a:solidFill>
+                  <a:srgbClr val="000000"/>
+                </a:solidFill>
+                <a:effectLst/>
+                <a:latin typeface="Arial Unicode MS" panose="020B0604020202020204" pitchFamily="34" charset="-128"/>
+              </a:rPr>
+              <a:t> = </a:t>
+            </a:r>
+            <a:r>
+              <a:rPr kumimoji="0" lang="en-US" altLang="en-US" sz="3200" b="1" i="0" u="none" strike="noStrike" cap="none" normalizeH="0" baseline="0" dirty="0" smtClean="0">
+                <a:ln>
+                  <a:noFill/>
+                </a:ln>
+                <a:solidFill>
+                  <a:srgbClr val="7F0055"/>
+                </a:solidFill>
+                <a:effectLst/>
+                <a:latin typeface="Arial Unicode MS" panose="020B0604020202020204" pitchFamily="34" charset="-128"/>
+              </a:rPr>
+              <a:t>true</a:t>
+            </a:r>
+            <a:r>
+              <a:rPr kumimoji="0" lang="en-US" altLang="en-US" sz="3200" b="0" i="0" u="none" strike="noStrike" cap="none" normalizeH="0" baseline="0" dirty="0" smtClean="0">
+                <a:ln>
+                  <a:noFill/>
+                </a:ln>
+                <a:solidFill>
+                  <a:srgbClr val="000000"/>
+                </a:solidFill>
+                <a:effectLst/>
+                <a:latin typeface="Arial Unicode MS" panose="020B0604020202020204" pitchFamily="34" charset="-128"/>
+              </a:rPr>
+              <a:t> || </a:t>
+            </a:r>
+            <a:r>
+              <a:rPr kumimoji="0" lang="en-US" altLang="en-US" sz="3200" b="1" i="0" u="none" strike="noStrike" cap="none" normalizeH="0" baseline="0" dirty="0" smtClean="0">
+                <a:ln>
+                  <a:noFill/>
+                </a:ln>
+                <a:solidFill>
+                  <a:srgbClr val="7F0055"/>
+                </a:solidFill>
+                <a:effectLst/>
+                <a:latin typeface="Arial Unicode MS" panose="020B0604020202020204" pitchFamily="34" charset="-128"/>
+              </a:rPr>
+              <a:t>false</a:t>
+            </a:r>
+            <a:r>
+              <a:rPr kumimoji="0" lang="en-US" altLang="en-US" sz="3200" b="0" i="0" u="none" strike="noStrike" cap="none" normalizeH="0" baseline="0" dirty="0" smtClean="0">
+                <a:ln>
+                  <a:noFill/>
+                </a:ln>
+                <a:solidFill>
+                  <a:srgbClr val="000000"/>
+                </a:solidFill>
+                <a:effectLst/>
+                <a:latin typeface="Arial Unicode MS" panose="020B0604020202020204" pitchFamily="34" charset="-128"/>
+              </a:rPr>
+              <a:t>;</a:t>
+            </a:r>
+          </a:p>
+          <a:p>
+            <a:pPr marL="0" lvl="0" indent="0" eaLnBrk="0" fontAlgn="base" hangingPunct="0">
+              <a:lnSpc>
+                <a:spcPct val="100000"/>
+              </a:lnSpc>
+              <a:spcBef>
+                <a:spcPct val="0"/>
+              </a:spcBef>
+              <a:spcAft>
+                <a:spcPct val="0"/>
+              </a:spcAft>
+              <a:buNone/>
+            </a:pPr>
+            <a:endParaRPr lang="en-US" altLang="en-US" sz="3200" dirty="0">
+              <a:solidFill>
+                <a:srgbClr val="000000"/>
+              </a:solidFill>
+              <a:latin typeface="Arial Unicode MS" panose="020B0604020202020204" pitchFamily="34" charset="-128"/>
+            </a:endParaRPr>
+          </a:p>
+          <a:p>
+            <a:pPr marL="0" lvl="0" indent="0" eaLnBrk="0" fontAlgn="base" hangingPunct="0">
+              <a:lnSpc>
+                <a:spcPct val="100000"/>
+              </a:lnSpc>
+              <a:spcBef>
+                <a:spcPct val="0"/>
+              </a:spcBef>
+              <a:spcAft>
+                <a:spcPct val="0"/>
+              </a:spcAft>
+              <a:buNone/>
+            </a:pPr>
+            <a:r>
+              <a:rPr kumimoji="0" lang="en-US" altLang="en-US" sz="3200" b="1" i="0" u="none" strike="noStrike" cap="none" normalizeH="0" baseline="0" dirty="0" smtClean="0">
+                <a:ln>
+                  <a:noFill/>
+                </a:ln>
+                <a:solidFill>
+                  <a:srgbClr val="7F0055"/>
+                </a:solidFill>
+                <a:effectLst/>
+                <a:latin typeface="Arial Unicode MS" panose="020B0604020202020204" pitchFamily="34" charset="-128"/>
+              </a:rPr>
+              <a:t>echo</a:t>
+            </a:r>
+            <a:r>
+              <a:rPr kumimoji="0" lang="en-US" altLang="en-US" sz="3200" b="0" i="0" u="none" strike="noStrike" cap="none" normalizeH="0" baseline="0" dirty="0" smtClean="0">
+                <a:ln>
+                  <a:noFill/>
+                </a:ln>
+                <a:solidFill>
+                  <a:srgbClr val="000000"/>
+                </a:solidFill>
+                <a:effectLst/>
+                <a:latin typeface="Arial Unicode MS" panose="020B0604020202020204" pitchFamily="34" charset="-128"/>
+              </a:rPr>
+              <a:t> !$</a:t>
+            </a:r>
+            <a:r>
+              <a:rPr kumimoji="0" lang="en-US" altLang="en-US" sz="3200" b="0" i="0" u="none" strike="noStrike" cap="none" normalizeH="0" baseline="0" dirty="0" err="1" smtClean="0">
+                <a:ln>
+                  <a:noFill/>
+                </a:ln>
+                <a:solidFill>
+                  <a:srgbClr val="000000"/>
+                </a:solidFill>
+                <a:effectLst/>
+                <a:latin typeface="Arial Unicode MS" panose="020B0604020202020204" pitchFamily="34" charset="-128"/>
+              </a:rPr>
+              <a:t>var</a:t>
+            </a:r>
+            <a:r>
+              <a:rPr kumimoji="0" lang="en-US" altLang="en-US" sz="3200" b="0" i="0" u="none" strike="noStrike" cap="none" normalizeH="0" baseline="0" dirty="0" smtClean="0">
+                <a:ln>
+                  <a:noFill/>
+                </a:ln>
+                <a:solidFill>
+                  <a:srgbClr val="000000"/>
+                </a:solidFill>
+                <a:effectLst/>
+                <a:latin typeface="Arial Unicode MS" panose="020B0604020202020204" pitchFamily="34" charset="-128"/>
+              </a:rPr>
+              <a:t>;</a:t>
+            </a:r>
+          </a:p>
+          <a:p>
+            <a:pPr marL="0" lvl="0" indent="0" eaLnBrk="0" fontAlgn="base" hangingPunct="0">
+              <a:lnSpc>
+                <a:spcPct val="100000"/>
+              </a:lnSpc>
+              <a:spcBef>
+                <a:spcPct val="0"/>
+              </a:spcBef>
+              <a:spcAft>
+                <a:spcPct val="0"/>
+              </a:spcAft>
+              <a:buNone/>
+            </a:pPr>
+            <a:endParaRPr lang="en-US" altLang="en-US" sz="3200" dirty="0">
+              <a:solidFill>
+                <a:srgbClr val="000000"/>
+              </a:solidFill>
+              <a:latin typeface="Arial Unicode MS" panose="020B0604020202020204" pitchFamily="34" charset="-128"/>
+            </a:endParaRPr>
+          </a:p>
+          <a:p>
+            <a:pPr marL="0" lvl="0" indent="0" eaLnBrk="0" fontAlgn="base" hangingPunct="0">
+              <a:lnSpc>
+                <a:spcPct val="100000"/>
+              </a:lnSpc>
+              <a:spcBef>
+                <a:spcPct val="0"/>
+              </a:spcBef>
+              <a:spcAft>
+                <a:spcPct val="0"/>
+              </a:spcAft>
+              <a:buNone/>
+            </a:pPr>
+            <a:r>
+              <a:rPr kumimoji="0" lang="en-US" altLang="en-US" sz="3200" b="0" i="0" u="none" strike="noStrike" cap="none" normalizeH="0" baseline="0" dirty="0" smtClean="0">
+                <a:ln>
+                  <a:noFill/>
+                </a:ln>
+                <a:solidFill>
+                  <a:srgbClr val="7F0055"/>
+                </a:solidFill>
+                <a:effectLst/>
+                <a:latin typeface="Arial Unicode MS" panose="020B0604020202020204" pitchFamily="34" charset="-128"/>
+              </a:rPr>
+              <a:t>?&gt;</a:t>
+            </a:r>
+            <a:r>
+              <a:rPr kumimoji="0" lang="en-US" altLang="en-US" sz="3200" b="0" i="0" u="none" strike="noStrike" cap="none" normalizeH="0" baseline="0" dirty="0" smtClean="0">
+                <a:ln>
+                  <a:noFill/>
+                </a:ln>
+                <a:solidFill>
+                  <a:srgbClr val="000000"/>
+                </a:solidFill>
+                <a:effectLst/>
+                <a:latin typeface="Arial Unicode MS" panose="020B0604020202020204" pitchFamily="34" charset="-128"/>
+              </a:rPr>
+              <a:t> </a:t>
+            </a:r>
+            <a:endParaRPr kumimoji="0" lang="en-US" altLang="en-US" sz="6000" b="0" i="0" u="none" strike="noStrike" cap="none" normalizeH="0" baseline="0" dirty="0" smtClean="0">
+              <a:ln>
+                <a:noFill/>
+              </a:ln>
+              <a:solidFill>
+                <a:schemeClr val="tx1"/>
+              </a:solidFill>
+              <a:effectLst/>
+              <a:latin typeface="Arial" panose="020B0604020202020204" pitchFamily="34" charset="0"/>
+            </a:endParaRPr>
+          </a:p>
+        </p:txBody>
+      </p:sp>
+      <p:sp>
+        <p:nvSpPr>
+          <p:cNvPr id="3" name="Rectangle 2"/>
+          <p:cNvSpPr>
+            <a:spLocks noChangeArrowheads="1"/>
+          </p:cNvSpPr>
+          <p:nvPr/>
+        </p:nvSpPr>
+        <p:spPr bwMode="auto">
+          <a:xfrm>
+            <a:off x="0" y="43934"/>
+            <a:ext cx="184731" cy="369332"/>
+          </a:xfrm>
+          <a:prstGeom prst="rect">
+            <a:avLst/>
+          </a:prstGeom>
+          <a:solidFill>
+            <a:srgbClr val="FFFFFF"/>
+          </a:solidFill>
+          <a:ln>
+            <a:noFill/>
+          </a:ln>
+          <a:effectLst/>
+          <a:extLst>
+            <a:ext uri="{91240B29-F687-4F45-9708-019B960494DF}">
+              <a14:hiddenLine xmlns:a14="http://schemas.microsoft.com/office/drawing/2010/main" w="9525">
+                <a:solidFill>
+                  <a:schemeClr val="tx1"/>
+                </a:solidFill>
+                <a:miter lim="800000"/>
+                <a:headEnd/>
+                <a:tailEnd/>
+              </a14:hiddenLine>
+            </a:ext>
+            <a:ext uri="{AF507438-7753-43E0-B8FC-AC1667EBCBE1}">
+              <a14:hiddenEffects xmlns:a14="http://schemas.microsoft.com/office/drawing/2010/main">
+                <a:effectLst>
+                  <a:outerShdw dist="35921" dir="2700000" algn="ctr" rotWithShape="0">
+                    <a:schemeClr val="bg2"/>
+                  </a:outerShdw>
+                </a:effectLst>
+              </a14:hiddenEffects>
+            </a:ext>
+          </a:extLst>
+        </p:spPr>
+        <p:txBody>
+          <a:bodyPr vert="horz" wrap="none" lIns="91440" tIns="45720" rIns="91440" bIns="45720" numCol="1" anchor="ctr" anchorCtr="0" compatLnSpc="1">
+            <a:prstTxWarp prst="textNoShape">
+              <a:avLst/>
+            </a:prstTxWarp>
+            <a:spAutoFit/>
+          </a:bodyPr>
+          <a:lstStyle/>
+          <a:p>
+            <a:pPr marL="0" marR="0" lvl="0" indent="0" algn="l" defTabSz="914400" rtl="0" eaLnBrk="0" fontAlgn="base" latinLnBrk="0" hangingPunct="0">
+              <a:lnSpc>
+                <a:spcPct val="100000"/>
+              </a:lnSpc>
+              <a:spcBef>
+                <a:spcPct val="0"/>
+              </a:spcBef>
+              <a:spcAft>
+                <a:spcPct val="0"/>
+              </a:spcAft>
+              <a:buClrTx/>
+              <a:buSzTx/>
+              <a:buFontTx/>
+              <a:buNone/>
+              <a:tabLst/>
+            </a:pPr>
+            <a:endParaRPr kumimoji="0" lang="en-US" altLang="en-US" sz="1800" b="0" i="0" u="none" strike="noStrike" cap="none" normalizeH="0" baseline="0" dirty="0" smtClean="0">
+              <a:ln>
+                <a:noFill/>
+              </a:ln>
+              <a:solidFill>
+                <a:schemeClr val="tx1"/>
+              </a:solidFill>
+              <a:effectLst/>
+              <a:latin typeface="Arial" panose="020B0604020202020204" pitchFamily="34" charset="0"/>
+            </a:endParaRPr>
+          </a:p>
+        </p:txBody>
+      </p:sp>
+    </p:spTree>
+    <p:extLst>
+      <p:ext uri="{BB962C8B-B14F-4D97-AF65-F5344CB8AC3E}">
+        <p14:creationId xmlns:p14="http://schemas.microsoft.com/office/powerpoint/2010/main" val="460196203"/>
+      </p:ext>
+    </p:extLst>
+  </p:cSld>
+  <p:clrMapOvr>
+    <a:masterClrMapping/>
+  </p:clrMapOvr>
+  <p:timing>
+    <p:tnLst>
+      <p:par>
+        <p:cTn id="1" dur="indefinite" restart="never" nodeType="tmRoot"/>
+      </p:par>
+    </p:tnLst>
+  </p:timing>
+</p:sld>
+</file>
+
+<file path=ppt/slides/slide34.xml><?xml version="1.0" encoding="utf-8"?>
+<p:sld xmlns:a="http://schemas.openxmlformats.org/drawingml/2006/main" xmlns:r="http://schemas.openxmlformats.org/officeDocument/2006/relationships" xmlns:p="http://schemas.openxmlformats.org/presentationml/2006/main">
+  <p:cSld>
+    <p:spTree>
+      <p:nvGrpSpPr>
+        <p:cNvPr id="1" name=""/>
+        <p:cNvGrpSpPr/>
+        <p:nvPr/>
+      </p:nvGrpSpPr>
+      <p:grpSpPr>
+        <a:xfrm>
+          <a:off x="0" y="0"/>
+          <a:ext cx="0" cy="0"/>
+          <a:chOff x="0" y="0"/>
+          <a:chExt cx="0" cy="0"/>
+        </a:xfrm>
+      </p:grpSpPr>
+      <p:sp>
+        <p:nvSpPr>
+          <p:cNvPr id="6" name="Title 5"/>
+          <p:cNvSpPr>
+            <a:spLocks noGrp="1"/>
+          </p:cNvSpPr>
+          <p:nvPr>
+            <p:ph type="title"/>
+          </p:nvPr>
+        </p:nvSpPr>
+        <p:spPr/>
+        <p:txBody>
+          <a:bodyPr/>
+          <a:lstStyle/>
+          <a:p>
+            <a:r>
+              <a:rPr lang="en-US" dirty="0" smtClean="0"/>
+              <a:t>Concatenation</a:t>
+            </a:r>
+            <a:endParaRPr lang="en-US" dirty="0"/>
+          </a:p>
+        </p:txBody>
+      </p:sp>
+      <p:sp>
+        <p:nvSpPr>
+          <p:cNvPr id="7" name="Content Placeholder 6"/>
+          <p:cNvSpPr>
+            <a:spLocks noGrp="1"/>
+          </p:cNvSpPr>
+          <p:nvPr>
+            <p:ph idx="1"/>
+          </p:nvPr>
+        </p:nvSpPr>
+        <p:spPr/>
+        <p:txBody>
+          <a:bodyPr/>
+          <a:lstStyle/>
+          <a:p>
+            <a:r>
+              <a:rPr lang="en-US" dirty="0" smtClean="0"/>
+              <a:t>Links two strings together</a:t>
+            </a:r>
+          </a:p>
+          <a:p>
+            <a:r>
+              <a:rPr lang="en-US" dirty="0" smtClean="0"/>
+              <a:t>Operator is a dot (.)</a:t>
+            </a:r>
+          </a:p>
+        </p:txBody>
+      </p:sp>
+    </p:spTree>
+    <p:extLst>
+      <p:ext uri="{BB962C8B-B14F-4D97-AF65-F5344CB8AC3E}">
+        <p14:creationId xmlns:p14="http://schemas.microsoft.com/office/powerpoint/2010/main" val="590812350"/>
+      </p:ext>
+    </p:extLst>
+  </p:cSld>
+  <p:clrMapOvr>
+    <a:masterClrMapping/>
+  </p:clrMapOvr>
+  <p:timing>
+    <p:tnLst>
+      <p:par>
+        <p:cTn id="1" dur="indefinite" restart="never" nodeType="tmRoot"/>
+      </p:par>
+    </p:tnLst>
+  </p:timing>
+</p:sld>
+</file>
+
+<file path=ppt/slides/slide35.xml><?xml version="1.0" encoding="utf-8"?>
+<p:sld xmlns:a="http://schemas.openxmlformats.org/drawingml/2006/main" xmlns:r="http://schemas.openxmlformats.org/officeDocument/2006/relationships" xmlns:p="http://schemas.openxmlformats.org/presentationml/2006/main">
+  <p:cSld>
+    <p:spTree>
+      <p:nvGrpSpPr>
+        <p:cNvPr id="1" name=""/>
+        <p:cNvGrpSpPr/>
+        <p:nvPr/>
+      </p:nvGrpSpPr>
+      <p:grpSpPr>
+        <a:xfrm>
+          <a:off x="0" y="0"/>
+          <a:ext cx="0" cy="0"/>
+          <a:chOff x="0" y="0"/>
+          <a:chExt cx="0" cy="0"/>
+        </a:xfrm>
+      </p:grpSpPr>
+      <p:sp>
+        <p:nvSpPr>
+          <p:cNvPr id="6" name="Rectangle 2"/>
+          <p:cNvSpPr>
+            <a:spLocks noGrp="1" noChangeArrowheads="1"/>
+          </p:cNvSpPr>
+          <p:nvPr>
+            <p:ph idx="1"/>
+          </p:nvPr>
+        </p:nvSpPr>
+        <p:spPr bwMode="auto">
+          <a:xfrm>
+            <a:off x="617220" y="636307"/>
+            <a:ext cx="10957560" cy="5509200"/>
+          </a:xfrm>
+          <a:prstGeom prst="rect">
+            <a:avLst/>
+          </a:prstGeom>
+          <a:solidFill>
+            <a:schemeClr val="bg2"/>
+          </a:solidFill>
+          <a:ln>
+            <a:solidFill>
+              <a:schemeClr val="tx1"/>
+            </a:solidFill>
+          </a:ln>
+          <a:effectLst/>
+        </p:spPr>
+        <p:txBody>
+          <a:bodyPr vert="horz" wrap="square" lIns="91440" tIns="45720" rIns="91440" bIns="45720" numCol="1" anchor="ctr" anchorCtr="0" compatLnSpc="1">
+            <a:prstTxWarp prst="textNoShape">
+              <a:avLst/>
+            </a:prstTxWarp>
+            <a:spAutoFit/>
+          </a:bodyPr>
+          <a:lstStyle/>
+          <a:p>
+            <a:pPr marL="0" lvl="0" indent="0" eaLnBrk="0" fontAlgn="base" hangingPunct="0">
+              <a:lnSpc>
+                <a:spcPct val="100000"/>
+              </a:lnSpc>
+              <a:spcBef>
+                <a:spcPct val="0"/>
+              </a:spcBef>
+              <a:spcAft>
+                <a:spcPct val="0"/>
+              </a:spcAft>
+              <a:buNone/>
+            </a:pPr>
+            <a:r>
+              <a:rPr kumimoji="0" lang="en-US" altLang="en-US" sz="3200" b="0" i="0" u="none" strike="noStrike" cap="none" normalizeH="0" baseline="0" dirty="0" smtClean="0">
+                <a:ln>
+                  <a:noFill/>
+                </a:ln>
+                <a:solidFill>
+                  <a:srgbClr val="7F0055"/>
+                </a:solidFill>
+                <a:effectLst/>
+                <a:latin typeface="Arial Unicode MS" panose="020B0604020202020204" pitchFamily="34" charset="-128"/>
+              </a:rPr>
+              <a:t>&lt;?</a:t>
+            </a:r>
+            <a:r>
+              <a:rPr kumimoji="0" lang="en-US" altLang="en-US" sz="3200" b="0" i="0" u="none" strike="noStrike" cap="none" normalizeH="0" baseline="0" dirty="0" err="1" smtClean="0">
+                <a:ln>
+                  <a:noFill/>
+                </a:ln>
+                <a:solidFill>
+                  <a:srgbClr val="7F0055"/>
+                </a:solidFill>
+                <a:effectLst/>
+                <a:latin typeface="Arial Unicode MS" panose="020B0604020202020204" pitchFamily="34" charset="-128"/>
+              </a:rPr>
+              <a:t>php</a:t>
+            </a:r>
+            <a:endParaRPr lang="en-US" altLang="en-US" sz="3200" dirty="0">
+              <a:solidFill>
+                <a:srgbClr val="000000"/>
+              </a:solidFill>
+              <a:latin typeface="Arial Unicode MS" panose="020B0604020202020204" pitchFamily="34" charset="-128"/>
+            </a:endParaRPr>
+          </a:p>
+          <a:p>
+            <a:pPr marL="0" lvl="0" indent="0" eaLnBrk="0" fontAlgn="base" hangingPunct="0">
+              <a:lnSpc>
+                <a:spcPct val="100000"/>
+              </a:lnSpc>
+              <a:spcBef>
+                <a:spcPct val="0"/>
+              </a:spcBef>
+              <a:spcAft>
+                <a:spcPct val="0"/>
+              </a:spcAft>
+              <a:buNone/>
+            </a:pPr>
+            <a:endParaRPr kumimoji="0" lang="en-US" altLang="en-US" sz="3200" b="1" i="0" u="none" strike="noStrike" cap="none" normalizeH="0" baseline="0" dirty="0" smtClean="0">
+              <a:ln>
+                <a:noFill/>
+              </a:ln>
+              <a:solidFill>
+                <a:srgbClr val="000000"/>
+              </a:solidFill>
+              <a:effectLst/>
+              <a:latin typeface="Arial Unicode MS" panose="020B0604020202020204" pitchFamily="34" charset="-128"/>
+            </a:endParaRPr>
+          </a:p>
+          <a:p>
+            <a:pPr marL="0" lvl="0" indent="0" eaLnBrk="0" fontAlgn="base" hangingPunct="0">
+              <a:lnSpc>
+                <a:spcPct val="100000"/>
+              </a:lnSpc>
+              <a:spcBef>
+                <a:spcPct val="0"/>
+              </a:spcBef>
+              <a:spcAft>
+                <a:spcPct val="0"/>
+              </a:spcAft>
+              <a:buNone/>
+            </a:pPr>
+            <a:r>
+              <a:rPr kumimoji="0" lang="en-US" altLang="en-US" sz="3200" b="1" i="0" u="none" strike="noStrike" cap="none" normalizeH="0" baseline="0" dirty="0" smtClean="0">
+                <a:ln>
+                  <a:noFill/>
+                </a:ln>
+                <a:solidFill>
+                  <a:srgbClr val="7F0055"/>
+                </a:solidFill>
+                <a:effectLst/>
+                <a:latin typeface="Arial Unicode MS" panose="020B0604020202020204" pitchFamily="34" charset="-128"/>
+              </a:rPr>
+              <a:t>echo</a:t>
+            </a:r>
+            <a:r>
+              <a:rPr kumimoji="0" lang="en-US" altLang="en-US" sz="3200" b="0" i="0" u="none" strike="noStrike" cap="none" normalizeH="0" baseline="0" dirty="0" smtClean="0">
+                <a:ln>
+                  <a:noFill/>
+                </a:ln>
+                <a:solidFill>
+                  <a:srgbClr val="000000"/>
+                </a:solidFill>
+                <a:effectLst/>
+                <a:latin typeface="Arial Unicode MS" panose="020B0604020202020204" pitchFamily="34" charset="-128"/>
+              </a:rPr>
+              <a:t> </a:t>
+            </a:r>
+            <a:r>
+              <a:rPr kumimoji="0" lang="en-US" altLang="en-US" sz="3200" b="0" i="0" u="none" strike="noStrike" cap="none" normalizeH="0" baseline="0" dirty="0" smtClean="0">
+                <a:ln>
+                  <a:noFill/>
+                </a:ln>
+                <a:solidFill>
+                  <a:srgbClr val="2A00FF"/>
+                </a:solidFill>
+                <a:effectLst/>
+                <a:latin typeface="Arial Unicode MS" panose="020B0604020202020204" pitchFamily="34" charset="-128"/>
+              </a:rPr>
+              <a:t>'foo'</a:t>
+            </a:r>
+            <a:r>
+              <a:rPr kumimoji="0" lang="en-US" altLang="en-US" sz="3200" b="0" i="0" u="none" strike="noStrike" cap="none" normalizeH="0" baseline="0" dirty="0" smtClean="0">
+                <a:ln>
+                  <a:noFill/>
+                </a:ln>
+                <a:solidFill>
+                  <a:srgbClr val="000000"/>
+                </a:solidFill>
+                <a:effectLst/>
+                <a:latin typeface="Arial Unicode MS" panose="020B0604020202020204" pitchFamily="34" charset="-128"/>
+              </a:rPr>
+              <a:t> . </a:t>
+            </a:r>
+            <a:r>
+              <a:rPr kumimoji="0" lang="en-US" altLang="en-US" sz="3200" b="0" i="0" u="none" strike="noStrike" cap="none" normalizeH="0" baseline="0" dirty="0" smtClean="0">
+                <a:ln>
+                  <a:noFill/>
+                </a:ln>
+                <a:solidFill>
+                  <a:srgbClr val="2A00FF"/>
+                </a:solidFill>
+                <a:effectLst/>
+                <a:latin typeface="Arial Unicode MS" panose="020B0604020202020204" pitchFamily="34" charset="-128"/>
+              </a:rPr>
+              <a:t>'bar'</a:t>
+            </a:r>
+            <a:r>
+              <a:rPr kumimoji="0" lang="en-US" altLang="en-US" sz="3200" b="0" i="0" u="none" strike="noStrike" cap="none" normalizeH="0" baseline="0" dirty="0" smtClean="0">
+                <a:ln>
+                  <a:noFill/>
+                </a:ln>
+                <a:solidFill>
+                  <a:srgbClr val="000000"/>
+                </a:solidFill>
+                <a:effectLst/>
+                <a:latin typeface="Arial Unicode MS" panose="020B0604020202020204" pitchFamily="34" charset="-128"/>
+              </a:rPr>
+              <a:t>;</a:t>
+            </a:r>
+          </a:p>
+          <a:p>
+            <a:pPr marL="0" lvl="0" indent="0" eaLnBrk="0" fontAlgn="base" hangingPunct="0">
+              <a:lnSpc>
+                <a:spcPct val="100000"/>
+              </a:lnSpc>
+              <a:spcBef>
+                <a:spcPct val="0"/>
+              </a:spcBef>
+              <a:spcAft>
+                <a:spcPct val="0"/>
+              </a:spcAft>
+              <a:buNone/>
+            </a:pPr>
+            <a:endParaRPr lang="en-US" altLang="en-US" sz="3200" dirty="0">
+              <a:solidFill>
+                <a:srgbClr val="000000"/>
+              </a:solidFill>
+              <a:latin typeface="Arial Unicode MS" panose="020B0604020202020204" pitchFamily="34" charset="-128"/>
+            </a:endParaRPr>
+          </a:p>
+          <a:p>
+            <a:pPr marL="0" lvl="0" indent="0" eaLnBrk="0" fontAlgn="base" hangingPunct="0">
+              <a:lnSpc>
+                <a:spcPct val="100000"/>
+              </a:lnSpc>
+              <a:spcBef>
+                <a:spcPct val="0"/>
+              </a:spcBef>
+              <a:spcAft>
+                <a:spcPct val="0"/>
+              </a:spcAft>
+              <a:buNone/>
+            </a:pPr>
+            <a:r>
+              <a:rPr kumimoji="0" lang="en-US" altLang="en-US" sz="3200" b="0" i="0" u="none" strike="noStrike" cap="none" normalizeH="0" baseline="0" dirty="0" smtClean="0">
+                <a:ln>
+                  <a:noFill/>
+                </a:ln>
+                <a:solidFill>
+                  <a:srgbClr val="000000"/>
+                </a:solidFill>
+                <a:effectLst/>
+                <a:latin typeface="Arial Unicode MS" panose="020B0604020202020204" pitchFamily="34" charset="-128"/>
+              </a:rPr>
+              <a:t>$</a:t>
+            </a:r>
+            <a:r>
+              <a:rPr kumimoji="0" lang="en-US" altLang="en-US" sz="3200" b="0" i="0" u="none" strike="noStrike" cap="none" normalizeH="0" baseline="0" dirty="0" err="1" smtClean="0">
+                <a:ln>
+                  <a:noFill/>
+                </a:ln>
+                <a:solidFill>
+                  <a:srgbClr val="000000"/>
+                </a:solidFill>
+                <a:effectLst/>
+                <a:latin typeface="Arial Unicode MS" panose="020B0604020202020204" pitchFamily="34" charset="-128"/>
+              </a:rPr>
+              <a:t>var</a:t>
+            </a:r>
+            <a:r>
+              <a:rPr kumimoji="0" lang="en-US" altLang="en-US" sz="3200" b="0" i="0" u="none" strike="noStrike" cap="none" normalizeH="0" baseline="0" dirty="0" smtClean="0">
+                <a:ln>
+                  <a:noFill/>
+                </a:ln>
+                <a:solidFill>
+                  <a:srgbClr val="000000"/>
+                </a:solidFill>
+                <a:effectLst/>
+                <a:latin typeface="Arial Unicode MS" panose="020B0604020202020204" pitchFamily="34" charset="-128"/>
+              </a:rPr>
+              <a:t> = </a:t>
+            </a:r>
+            <a:r>
+              <a:rPr kumimoji="0" lang="en-US" altLang="en-US" sz="3200" b="0" i="0" u="none" strike="noStrike" cap="none" normalizeH="0" baseline="0" dirty="0" smtClean="0">
+                <a:ln>
+                  <a:noFill/>
+                </a:ln>
+                <a:solidFill>
+                  <a:srgbClr val="2A00FF"/>
+                </a:solidFill>
+                <a:effectLst/>
+                <a:latin typeface="Arial Unicode MS" panose="020B0604020202020204" pitchFamily="34" charset="-128"/>
+              </a:rPr>
+              <a:t>'bar'</a:t>
+            </a:r>
+            <a:r>
+              <a:rPr kumimoji="0" lang="en-US" altLang="en-US" sz="3200" b="0" i="0" u="none" strike="noStrike" cap="none" normalizeH="0" baseline="0" dirty="0" smtClean="0">
+                <a:ln>
+                  <a:noFill/>
+                </a:ln>
+                <a:solidFill>
+                  <a:srgbClr val="000000"/>
+                </a:solidFill>
+                <a:effectLst/>
+                <a:latin typeface="Arial Unicode MS" panose="020B0604020202020204" pitchFamily="34" charset="-128"/>
+              </a:rPr>
+              <a:t>;</a:t>
+            </a:r>
+          </a:p>
+          <a:p>
+            <a:pPr marL="0" lvl="0" indent="0" eaLnBrk="0" fontAlgn="base" hangingPunct="0">
+              <a:lnSpc>
+                <a:spcPct val="100000"/>
+              </a:lnSpc>
+              <a:spcBef>
+                <a:spcPct val="0"/>
+              </a:spcBef>
+              <a:spcAft>
+                <a:spcPct val="0"/>
+              </a:spcAft>
+              <a:buNone/>
+            </a:pPr>
+            <a:endParaRPr lang="en-US" altLang="en-US" sz="3200" dirty="0">
+              <a:solidFill>
+                <a:srgbClr val="000000"/>
+              </a:solidFill>
+              <a:latin typeface="Arial Unicode MS" panose="020B0604020202020204" pitchFamily="34" charset="-128"/>
+            </a:endParaRPr>
+          </a:p>
+          <a:p>
+            <a:pPr marL="0" lvl="0" indent="0" eaLnBrk="0" fontAlgn="base" hangingPunct="0">
+              <a:lnSpc>
+                <a:spcPct val="100000"/>
+              </a:lnSpc>
+              <a:spcBef>
+                <a:spcPct val="0"/>
+              </a:spcBef>
+              <a:spcAft>
+                <a:spcPct val="0"/>
+              </a:spcAft>
+              <a:buNone/>
+            </a:pPr>
+            <a:r>
+              <a:rPr kumimoji="0" lang="en-US" altLang="en-US" sz="3200" b="1" i="0" u="none" strike="noStrike" cap="none" normalizeH="0" baseline="0" dirty="0" smtClean="0">
+                <a:ln>
+                  <a:noFill/>
+                </a:ln>
+                <a:solidFill>
+                  <a:srgbClr val="7F0055"/>
+                </a:solidFill>
+                <a:effectLst/>
+                <a:latin typeface="Arial Unicode MS" panose="020B0604020202020204" pitchFamily="34" charset="-128"/>
+              </a:rPr>
+              <a:t>echo</a:t>
+            </a:r>
+            <a:r>
+              <a:rPr kumimoji="0" lang="en-US" altLang="en-US" sz="3200" b="0" i="0" u="none" strike="noStrike" cap="none" normalizeH="0" baseline="0" dirty="0" smtClean="0">
+                <a:ln>
+                  <a:noFill/>
+                </a:ln>
+                <a:solidFill>
+                  <a:srgbClr val="000000"/>
+                </a:solidFill>
+                <a:effectLst/>
+                <a:latin typeface="Arial Unicode MS" panose="020B0604020202020204" pitchFamily="34" charset="-128"/>
+              </a:rPr>
+              <a:t> </a:t>
+            </a:r>
+            <a:r>
+              <a:rPr kumimoji="0" lang="en-US" altLang="en-US" sz="3200" b="0" i="0" u="none" strike="noStrike" cap="none" normalizeH="0" baseline="0" dirty="0" smtClean="0">
+                <a:ln>
+                  <a:noFill/>
+                </a:ln>
+                <a:solidFill>
+                  <a:srgbClr val="2A00FF"/>
+                </a:solidFill>
+                <a:effectLst/>
+                <a:latin typeface="Arial Unicode MS" panose="020B0604020202020204" pitchFamily="34" charset="-128"/>
+              </a:rPr>
+              <a:t>'foo'</a:t>
+            </a:r>
+            <a:r>
+              <a:rPr kumimoji="0" lang="en-US" altLang="en-US" sz="3200" b="0" i="0" u="none" strike="noStrike" cap="none" normalizeH="0" baseline="0" dirty="0" smtClean="0">
+                <a:ln>
+                  <a:noFill/>
+                </a:ln>
+                <a:solidFill>
+                  <a:srgbClr val="000000"/>
+                </a:solidFill>
+                <a:effectLst/>
+                <a:latin typeface="Arial Unicode MS" panose="020B0604020202020204" pitchFamily="34" charset="-128"/>
+              </a:rPr>
+              <a:t> . $</a:t>
+            </a:r>
+            <a:r>
+              <a:rPr kumimoji="0" lang="en-US" altLang="en-US" sz="3200" b="0" i="0" u="none" strike="noStrike" cap="none" normalizeH="0" baseline="0" dirty="0" err="1" smtClean="0">
+                <a:ln>
+                  <a:noFill/>
+                </a:ln>
+                <a:solidFill>
+                  <a:srgbClr val="000000"/>
+                </a:solidFill>
+                <a:effectLst/>
+                <a:latin typeface="Arial Unicode MS" panose="020B0604020202020204" pitchFamily="34" charset="-128"/>
+              </a:rPr>
+              <a:t>var</a:t>
+            </a:r>
+            <a:r>
+              <a:rPr kumimoji="0" lang="en-US" altLang="en-US" sz="3200" b="0" i="0" u="none" strike="noStrike" cap="none" normalizeH="0" baseline="0" dirty="0" smtClean="0">
+                <a:ln>
+                  <a:noFill/>
+                </a:ln>
+                <a:solidFill>
+                  <a:srgbClr val="000000"/>
+                </a:solidFill>
+                <a:effectLst/>
+                <a:latin typeface="Arial Unicode MS" panose="020B0604020202020204" pitchFamily="34" charset="-128"/>
+              </a:rPr>
+              <a:t>;</a:t>
+            </a:r>
+          </a:p>
+          <a:p>
+            <a:pPr marL="0" lvl="0" indent="0" eaLnBrk="0" fontAlgn="base" hangingPunct="0">
+              <a:lnSpc>
+                <a:spcPct val="100000"/>
+              </a:lnSpc>
+              <a:spcBef>
+                <a:spcPct val="0"/>
+              </a:spcBef>
+              <a:spcAft>
+                <a:spcPct val="0"/>
+              </a:spcAft>
+              <a:buNone/>
+            </a:pPr>
+            <a:endParaRPr lang="en-US" altLang="en-US" sz="3200" dirty="0">
+              <a:solidFill>
+                <a:srgbClr val="000000"/>
+              </a:solidFill>
+              <a:latin typeface="Arial Unicode MS" panose="020B0604020202020204" pitchFamily="34" charset="-128"/>
+            </a:endParaRPr>
+          </a:p>
+          <a:p>
+            <a:pPr marL="0" lvl="0" indent="0" eaLnBrk="0" fontAlgn="base" hangingPunct="0">
+              <a:lnSpc>
+                <a:spcPct val="100000"/>
+              </a:lnSpc>
+              <a:spcBef>
+                <a:spcPct val="0"/>
+              </a:spcBef>
+              <a:spcAft>
+                <a:spcPct val="0"/>
+              </a:spcAft>
+              <a:buNone/>
+            </a:pPr>
+            <a:r>
+              <a:rPr kumimoji="0" lang="en-US" altLang="en-US" sz="3200" b="1" i="0" u="none" strike="noStrike" cap="none" normalizeH="0" baseline="0" dirty="0" smtClean="0">
+                <a:ln>
+                  <a:noFill/>
+                </a:ln>
+                <a:solidFill>
+                  <a:srgbClr val="7F0055"/>
+                </a:solidFill>
+                <a:effectLst/>
+                <a:latin typeface="Arial Unicode MS" panose="020B0604020202020204" pitchFamily="34" charset="-128"/>
+              </a:rPr>
+              <a:t>echo</a:t>
+            </a:r>
+            <a:r>
+              <a:rPr kumimoji="0" lang="en-US" altLang="en-US" sz="3200" b="0" i="0" u="none" strike="noStrike" cap="none" normalizeH="0" baseline="0" dirty="0" smtClean="0">
+                <a:ln>
+                  <a:noFill/>
+                </a:ln>
+                <a:solidFill>
+                  <a:srgbClr val="000000"/>
+                </a:solidFill>
+                <a:effectLst/>
+                <a:latin typeface="Arial Unicode MS" panose="020B0604020202020204" pitchFamily="34" charset="-128"/>
+              </a:rPr>
+              <a:t> </a:t>
+            </a:r>
+            <a:r>
+              <a:rPr kumimoji="0" lang="en-US" altLang="en-US" sz="3200" b="0" i="0" u="none" strike="noStrike" cap="none" normalizeH="0" baseline="0" dirty="0" smtClean="0">
+                <a:ln>
+                  <a:noFill/>
+                </a:ln>
+                <a:solidFill>
+                  <a:srgbClr val="2A00FF"/>
+                </a:solidFill>
+                <a:effectLst/>
+                <a:latin typeface="Arial Unicode MS" panose="020B0604020202020204" pitchFamily="34" charset="-128"/>
+              </a:rPr>
+              <a:t>"</a:t>
+            </a:r>
+            <a:r>
+              <a:rPr kumimoji="0" lang="en-US" altLang="en-US" sz="3200" b="0" i="0" u="none" strike="noStrike" cap="none" normalizeH="0" baseline="0" dirty="0" err="1" smtClean="0">
+                <a:ln>
+                  <a:noFill/>
+                </a:ln>
+                <a:solidFill>
+                  <a:srgbClr val="2A00FF"/>
+                </a:solidFill>
+                <a:effectLst/>
+                <a:latin typeface="Arial Unicode MS" panose="020B0604020202020204" pitchFamily="34" charset="-128"/>
+              </a:rPr>
+              <a:t>foo$var</a:t>
+            </a:r>
+            <a:r>
+              <a:rPr kumimoji="0" lang="en-US" altLang="en-US" sz="3200" b="0" i="0" u="none" strike="noStrike" cap="none" normalizeH="0" baseline="0" dirty="0" smtClean="0">
+                <a:ln>
+                  <a:noFill/>
+                </a:ln>
+                <a:solidFill>
+                  <a:srgbClr val="2A00FF"/>
+                </a:solidFill>
+                <a:effectLst/>
+                <a:latin typeface="Arial Unicode MS" panose="020B0604020202020204" pitchFamily="34" charset="-128"/>
+              </a:rPr>
+              <a:t>"</a:t>
+            </a:r>
+            <a:r>
+              <a:rPr kumimoji="0" lang="en-US" altLang="en-US" sz="3200" b="0" i="0" u="none" strike="noStrike" cap="none" normalizeH="0" baseline="0" dirty="0" smtClean="0">
+                <a:ln>
+                  <a:noFill/>
+                </a:ln>
+                <a:solidFill>
+                  <a:srgbClr val="000000"/>
+                </a:solidFill>
+                <a:effectLst/>
+                <a:latin typeface="Arial Unicode MS" panose="020B0604020202020204" pitchFamily="34" charset="-128"/>
+              </a:rPr>
+              <a:t> . </a:t>
+            </a:r>
+            <a:r>
+              <a:rPr kumimoji="0" lang="en-US" altLang="en-US" sz="3200" b="0" i="0" u="none" strike="noStrike" cap="none" normalizeH="0" baseline="0" dirty="0" smtClean="0">
+                <a:ln>
+                  <a:noFill/>
+                </a:ln>
+                <a:solidFill>
+                  <a:srgbClr val="2A00FF"/>
+                </a:solidFill>
+                <a:effectLst/>
+                <a:latin typeface="Arial Unicode MS" panose="020B0604020202020204" pitchFamily="34" charset="-128"/>
+              </a:rPr>
+              <a:t>'foo'</a:t>
+            </a:r>
+            <a:r>
+              <a:rPr kumimoji="0" lang="en-US" altLang="en-US" sz="3200" b="0" i="0" u="none" strike="noStrike" cap="none" normalizeH="0" baseline="0" dirty="0" smtClean="0">
+                <a:ln>
+                  <a:noFill/>
+                </a:ln>
+                <a:solidFill>
+                  <a:srgbClr val="000000"/>
+                </a:solidFill>
+                <a:effectLst/>
+                <a:latin typeface="Arial Unicode MS" panose="020B0604020202020204" pitchFamily="34" charset="-128"/>
+              </a:rPr>
+              <a:t> . $</a:t>
+            </a:r>
+            <a:r>
+              <a:rPr kumimoji="0" lang="en-US" altLang="en-US" sz="3200" b="0" i="0" u="none" strike="noStrike" cap="none" normalizeH="0" baseline="0" dirty="0" err="1" smtClean="0">
+                <a:ln>
+                  <a:noFill/>
+                </a:ln>
+                <a:solidFill>
+                  <a:srgbClr val="000000"/>
+                </a:solidFill>
+                <a:effectLst/>
+                <a:latin typeface="Arial Unicode MS" panose="020B0604020202020204" pitchFamily="34" charset="-128"/>
+              </a:rPr>
+              <a:t>var</a:t>
+            </a:r>
+            <a:r>
+              <a:rPr kumimoji="0" lang="en-US" altLang="en-US" sz="3200" b="0" i="0" u="none" strike="noStrike" cap="none" normalizeH="0" baseline="0" dirty="0" smtClean="0">
+                <a:ln>
+                  <a:noFill/>
+                </a:ln>
+                <a:solidFill>
+                  <a:srgbClr val="000000"/>
+                </a:solidFill>
+                <a:effectLst/>
+                <a:latin typeface="Arial Unicode MS" panose="020B0604020202020204" pitchFamily="34" charset="-128"/>
+              </a:rPr>
+              <a:t>;</a:t>
+            </a:r>
+            <a:endParaRPr lang="en-US" altLang="en-US" sz="3200" dirty="0">
+              <a:solidFill>
+                <a:srgbClr val="000000"/>
+              </a:solidFill>
+              <a:latin typeface="Arial Unicode MS" panose="020B0604020202020204" pitchFamily="34" charset="-128"/>
+            </a:endParaRPr>
+          </a:p>
+          <a:p>
+            <a:pPr marL="0" lvl="0" indent="0" eaLnBrk="0" fontAlgn="base" hangingPunct="0">
+              <a:lnSpc>
+                <a:spcPct val="100000"/>
+              </a:lnSpc>
+              <a:spcBef>
+                <a:spcPct val="0"/>
+              </a:spcBef>
+              <a:spcAft>
+                <a:spcPct val="0"/>
+              </a:spcAft>
+              <a:buNone/>
+            </a:pPr>
+            <a:endParaRPr kumimoji="0" lang="en-US" altLang="en-US" sz="3200" b="0" i="0" u="none" strike="noStrike" cap="none" normalizeH="0" baseline="0" dirty="0" smtClean="0">
+              <a:ln>
+                <a:noFill/>
+              </a:ln>
+              <a:solidFill>
+                <a:srgbClr val="000000"/>
+              </a:solidFill>
+              <a:effectLst/>
+              <a:latin typeface="Arial Unicode MS" panose="020B0604020202020204" pitchFamily="34" charset="-128"/>
+            </a:endParaRPr>
+          </a:p>
+          <a:p>
+            <a:pPr marL="0" lvl="0" indent="0" eaLnBrk="0" fontAlgn="base" hangingPunct="0">
+              <a:lnSpc>
+                <a:spcPct val="100000"/>
+              </a:lnSpc>
+              <a:spcBef>
+                <a:spcPct val="0"/>
+              </a:spcBef>
+              <a:spcAft>
+                <a:spcPct val="0"/>
+              </a:spcAft>
+              <a:buNone/>
+            </a:pPr>
+            <a:r>
+              <a:rPr kumimoji="0" lang="en-US" altLang="en-US" sz="3200" b="0" i="0" u="none" strike="noStrike" cap="none" normalizeH="0" baseline="0" dirty="0" smtClean="0">
+                <a:ln>
+                  <a:noFill/>
+                </a:ln>
+                <a:solidFill>
+                  <a:srgbClr val="7F0055"/>
+                </a:solidFill>
+                <a:effectLst/>
+                <a:latin typeface="Arial Unicode MS" panose="020B0604020202020204" pitchFamily="34" charset="-128"/>
+              </a:rPr>
+              <a:t>?&gt;</a:t>
+            </a:r>
+            <a:r>
+              <a:rPr kumimoji="0" lang="en-US" altLang="en-US" sz="2400" b="0" i="0" u="none" strike="noStrike" cap="none" normalizeH="0" baseline="0" dirty="0" smtClean="0">
+                <a:ln>
+                  <a:noFill/>
+                </a:ln>
+                <a:solidFill>
+                  <a:schemeClr val="tx1"/>
+                </a:solidFill>
+                <a:effectLst/>
+              </a:rPr>
+              <a:t> </a:t>
+            </a:r>
+            <a:endParaRPr kumimoji="0" lang="en-US" altLang="en-US" sz="6000" b="0" i="0" u="none" strike="noStrike" cap="none" normalizeH="0" baseline="0" dirty="0" smtClean="0">
+              <a:ln>
+                <a:noFill/>
+              </a:ln>
+              <a:solidFill>
+                <a:schemeClr val="tx1"/>
+              </a:solidFill>
+              <a:effectLst/>
+              <a:latin typeface="Arial" panose="020B0604020202020204" pitchFamily="34" charset="0"/>
+            </a:endParaRPr>
+          </a:p>
+        </p:txBody>
+      </p:sp>
+      <p:sp>
+        <p:nvSpPr>
+          <p:cNvPr id="3" name="Rectangle 2"/>
+          <p:cNvSpPr>
+            <a:spLocks noChangeArrowheads="1"/>
+          </p:cNvSpPr>
+          <p:nvPr/>
+        </p:nvSpPr>
+        <p:spPr bwMode="auto">
+          <a:xfrm>
+            <a:off x="0" y="43934"/>
+            <a:ext cx="184731" cy="369332"/>
+          </a:xfrm>
+          <a:prstGeom prst="rect">
+            <a:avLst/>
+          </a:prstGeom>
+          <a:solidFill>
+            <a:srgbClr val="FFFFFF"/>
+          </a:solidFill>
+          <a:ln>
+            <a:noFill/>
+          </a:ln>
+          <a:effectLst/>
+          <a:extLst>
+            <a:ext uri="{91240B29-F687-4F45-9708-019B960494DF}">
+              <a14:hiddenLine xmlns:a14="http://schemas.microsoft.com/office/drawing/2010/main" w="9525">
+                <a:solidFill>
+                  <a:schemeClr val="tx1"/>
+                </a:solidFill>
+                <a:miter lim="800000"/>
+                <a:headEnd/>
+                <a:tailEnd/>
+              </a14:hiddenLine>
+            </a:ext>
+            <a:ext uri="{AF507438-7753-43E0-B8FC-AC1667EBCBE1}">
+              <a14:hiddenEffects xmlns:a14="http://schemas.microsoft.com/office/drawing/2010/main">
+                <a:effectLst>
+                  <a:outerShdw dist="35921" dir="2700000" algn="ctr" rotWithShape="0">
+                    <a:schemeClr val="bg2"/>
+                  </a:outerShdw>
+                </a:effectLst>
+              </a14:hiddenEffects>
+            </a:ext>
+          </a:extLst>
+        </p:spPr>
+        <p:txBody>
+          <a:bodyPr vert="horz" wrap="none" lIns="91440" tIns="45720" rIns="91440" bIns="45720" numCol="1" anchor="ctr" anchorCtr="0" compatLnSpc="1">
+            <a:prstTxWarp prst="textNoShape">
+              <a:avLst/>
+            </a:prstTxWarp>
+            <a:spAutoFit/>
+          </a:bodyPr>
+          <a:lstStyle/>
+          <a:p>
+            <a:pPr marL="0" marR="0" lvl="0" indent="0" algn="l" defTabSz="914400" rtl="0" eaLnBrk="0" fontAlgn="base" latinLnBrk="0" hangingPunct="0">
+              <a:lnSpc>
+                <a:spcPct val="100000"/>
+              </a:lnSpc>
+              <a:spcBef>
+                <a:spcPct val="0"/>
+              </a:spcBef>
+              <a:spcAft>
+                <a:spcPct val="0"/>
+              </a:spcAft>
+              <a:buClrTx/>
+              <a:buSzTx/>
+              <a:buFontTx/>
+              <a:buNone/>
+              <a:tabLst/>
+            </a:pPr>
+            <a:endParaRPr kumimoji="0" lang="en-US" altLang="en-US" sz="1800" b="0" i="0" u="none" strike="noStrike" cap="none" normalizeH="0" baseline="0" dirty="0" smtClean="0">
+              <a:ln>
+                <a:noFill/>
+              </a:ln>
+              <a:solidFill>
+                <a:schemeClr val="tx1"/>
+              </a:solidFill>
+              <a:effectLst/>
+              <a:latin typeface="Arial" panose="020B0604020202020204" pitchFamily="34" charset="0"/>
+            </a:endParaRPr>
+          </a:p>
+        </p:txBody>
+      </p:sp>
+    </p:spTree>
+    <p:extLst>
+      <p:ext uri="{BB962C8B-B14F-4D97-AF65-F5344CB8AC3E}">
+        <p14:creationId xmlns:p14="http://schemas.microsoft.com/office/powerpoint/2010/main" val="440090355"/>
+      </p:ext>
+    </p:extLst>
+  </p:cSld>
+  <p:clrMapOvr>
+    <a:masterClrMapping/>
+  </p:clrMapOvr>
+  <p:timing>
+    <p:tnLst>
+      <p:par>
+        <p:cTn id="1" dur="indefinite" restart="never" nodeType="tmRoot"/>
+      </p:par>
+    </p:tnLst>
+  </p:timing>
+</p:sld>
+</file>
+
+<file path=ppt/slides/slide36.xml><?xml version="1.0" encoding="utf-8"?>
+<p:sld xmlns:a="http://schemas.openxmlformats.org/drawingml/2006/main" xmlns:r="http://schemas.openxmlformats.org/officeDocument/2006/relationships" xmlns:p="http://schemas.openxmlformats.org/presentationml/2006/main">
+  <p:cSld>
+    <p:spTree>
+      <p:nvGrpSpPr>
+        <p:cNvPr id="1" name=""/>
+        <p:cNvGrpSpPr/>
+        <p:nvPr/>
+      </p:nvGrpSpPr>
+      <p:grpSpPr>
+        <a:xfrm>
+          <a:off x="0" y="0"/>
+          <a:ext cx="0" cy="0"/>
+          <a:chOff x="0" y="0"/>
+          <a:chExt cx="0" cy="0"/>
+        </a:xfrm>
+      </p:grpSpPr>
+      <p:sp>
+        <p:nvSpPr>
+          <p:cNvPr id="2" name="Title 1"/>
+          <p:cNvSpPr>
+            <a:spLocks noGrp="1"/>
+          </p:cNvSpPr>
+          <p:nvPr>
+            <p:ph type="title"/>
+          </p:nvPr>
+        </p:nvSpPr>
+        <p:spPr/>
+        <p:txBody>
+          <a:bodyPr/>
+          <a:lstStyle/>
+          <a:p>
+            <a:r>
+              <a:rPr lang="en-US" dirty="0" smtClean="0"/>
+              <a:t>Type Juggling</a:t>
+            </a:r>
+            <a:endParaRPr lang="en-US" dirty="0"/>
+          </a:p>
+        </p:txBody>
+      </p:sp>
+      <p:sp>
+        <p:nvSpPr>
+          <p:cNvPr id="3" name="Content Placeholder 2"/>
+          <p:cNvSpPr>
+            <a:spLocks noGrp="1"/>
+          </p:cNvSpPr>
+          <p:nvPr>
+            <p:ph idx="1"/>
+          </p:nvPr>
+        </p:nvSpPr>
+        <p:spPr/>
+        <p:txBody>
+          <a:bodyPr/>
+          <a:lstStyle/>
+          <a:p>
+            <a:r>
+              <a:rPr lang="en-US" dirty="0" smtClean="0"/>
               <a:t>Every variable has a type, but PHP does its best to ignore them</a:t>
             </a:r>
           </a:p>
           <a:p>
             <a:r>
               <a:rPr lang="en-US" dirty="0" smtClean="0"/>
-              <a:t>If you use a string as an </a:t>
-            </a:r>
-            <a:r>
-              <a:rPr lang="en-US" dirty="0" err="1" smtClean="0"/>
-              <a:t>int</a:t>
-            </a:r>
-            <a:r>
-              <a:rPr lang="en-US" dirty="0" smtClean="0"/>
-              <a:t>, PHP try to make it an </a:t>
-            </a:r>
-            <a:r>
-              <a:rPr lang="en-US" dirty="0" err="1" smtClean="0"/>
-              <a:t>int</a:t>
-            </a:r>
-            <a:endParaRPr lang="en-US" dirty="0" smtClean="0"/>
-          </a:p>
-          <a:p>
-            <a:r>
-              <a:rPr lang="en-US" dirty="0" smtClean="0"/>
-              <a:t>If you use a float as a string, PHP will make it a string</a:t>
-            </a:r>
-            <a:endParaRPr lang="en-US" dirty="0"/>
+              <a:t>PHP tries to convert values to the type it thinks you want</a:t>
+            </a:r>
           </a:p>
         </p:txBody>
       </p:sp>
@@ -14783,6 +17713,877 @@
     <p:extLst>
       <p:ext uri="{BB962C8B-B14F-4D97-AF65-F5344CB8AC3E}">
         <p14:creationId xmlns:p14="http://schemas.microsoft.com/office/powerpoint/2010/main" val="1728145848"/>
+      </p:ext>
+    </p:extLst>
+  </p:cSld>
+  <p:clrMapOvr>
+    <a:masterClrMapping/>
+  </p:clrMapOvr>
+  <p:timing>
+    <p:tnLst>
+      <p:par>
+        <p:cTn id="1" dur="indefinite" restart="never" nodeType="tmRoot"/>
+      </p:par>
+    </p:tnLst>
+  </p:timing>
+</p:sld>
+</file>
+
+<file path=ppt/slides/slide37.xml><?xml version="1.0" encoding="utf-8"?>
+<p:sld xmlns:a="http://schemas.openxmlformats.org/drawingml/2006/main" xmlns:r="http://schemas.openxmlformats.org/officeDocument/2006/relationships" xmlns:p="http://schemas.openxmlformats.org/presentationml/2006/main">
+  <p:cSld>
+    <p:spTree>
+      <p:nvGrpSpPr>
+        <p:cNvPr id="1" name=""/>
+        <p:cNvGrpSpPr/>
+        <p:nvPr/>
+      </p:nvGrpSpPr>
+      <p:grpSpPr>
+        <a:xfrm>
+          <a:off x="0" y="0"/>
+          <a:ext cx="0" cy="0"/>
+          <a:chOff x="0" y="0"/>
+          <a:chExt cx="0" cy="0"/>
+        </a:xfrm>
+      </p:grpSpPr>
+      <p:sp>
+        <p:nvSpPr>
+          <p:cNvPr id="6" name="Rectangle 2"/>
+          <p:cNvSpPr>
+            <a:spLocks noGrp="1" noChangeArrowheads="1"/>
+          </p:cNvSpPr>
+          <p:nvPr>
+            <p:ph idx="1"/>
+          </p:nvPr>
+        </p:nvSpPr>
+        <p:spPr bwMode="auto">
+          <a:xfrm>
+            <a:off x="617220" y="143865"/>
+            <a:ext cx="10957560" cy="6494085"/>
+          </a:xfrm>
+          <a:prstGeom prst="rect">
+            <a:avLst/>
+          </a:prstGeom>
+          <a:solidFill>
+            <a:schemeClr val="bg2"/>
+          </a:solidFill>
+          <a:ln>
+            <a:solidFill>
+              <a:schemeClr val="tx1"/>
+            </a:solidFill>
+          </a:ln>
+          <a:effectLst/>
+        </p:spPr>
+        <p:txBody>
+          <a:bodyPr vert="horz" wrap="square" lIns="91440" tIns="45720" rIns="91440" bIns="45720" numCol="1" anchor="ctr" anchorCtr="0" compatLnSpc="1">
+            <a:prstTxWarp prst="textNoShape">
+              <a:avLst/>
+            </a:prstTxWarp>
+            <a:spAutoFit/>
+          </a:bodyPr>
+          <a:lstStyle/>
+          <a:p>
+            <a:pPr marL="0" lvl="0" indent="0" eaLnBrk="0" fontAlgn="base" hangingPunct="0">
+              <a:lnSpc>
+                <a:spcPct val="100000"/>
+              </a:lnSpc>
+              <a:spcBef>
+                <a:spcPct val="0"/>
+              </a:spcBef>
+              <a:spcAft>
+                <a:spcPct val="0"/>
+              </a:spcAft>
+              <a:buNone/>
+            </a:pPr>
+            <a:r>
+              <a:rPr kumimoji="0" lang="en-US" altLang="en-US" sz="3200" b="0" i="0" u="none" strike="noStrike" cap="none" normalizeH="0" baseline="0" dirty="0" smtClean="0">
+                <a:ln>
+                  <a:noFill/>
+                </a:ln>
+                <a:solidFill>
+                  <a:srgbClr val="7F0055"/>
+                </a:solidFill>
+                <a:effectLst/>
+                <a:latin typeface="Arial Unicode MS" panose="020B0604020202020204" pitchFamily="34" charset="-128"/>
+              </a:rPr>
+              <a:t>&lt;?</a:t>
+            </a:r>
+            <a:r>
+              <a:rPr kumimoji="0" lang="en-US" altLang="en-US" sz="3200" b="0" i="0" u="none" strike="noStrike" cap="none" normalizeH="0" baseline="0" dirty="0" err="1" smtClean="0">
+                <a:ln>
+                  <a:noFill/>
+                </a:ln>
+                <a:solidFill>
+                  <a:srgbClr val="7F0055"/>
+                </a:solidFill>
+                <a:effectLst/>
+                <a:latin typeface="Arial Unicode MS" panose="020B0604020202020204" pitchFamily="34" charset="-128"/>
+              </a:rPr>
+              <a:t>php</a:t>
+            </a:r>
+            <a:endParaRPr lang="en-US" altLang="en-US" sz="3200" dirty="0">
+              <a:solidFill>
+                <a:srgbClr val="000000"/>
+              </a:solidFill>
+              <a:latin typeface="Arial Unicode MS" panose="020B0604020202020204" pitchFamily="34" charset="-128"/>
+            </a:endParaRPr>
+          </a:p>
+          <a:p>
+            <a:pPr marL="0" lvl="0" indent="0" eaLnBrk="0" fontAlgn="base" hangingPunct="0">
+              <a:lnSpc>
+                <a:spcPct val="100000"/>
+              </a:lnSpc>
+              <a:spcBef>
+                <a:spcPct val="0"/>
+              </a:spcBef>
+              <a:spcAft>
+                <a:spcPct val="0"/>
+              </a:spcAft>
+              <a:buNone/>
+            </a:pPr>
+            <a:endParaRPr kumimoji="0" lang="en-US" altLang="en-US" sz="3200" b="1" i="0" u="none" strike="noStrike" cap="none" normalizeH="0" baseline="0" dirty="0" smtClean="0">
+              <a:ln>
+                <a:noFill/>
+              </a:ln>
+              <a:solidFill>
+                <a:srgbClr val="000000"/>
+              </a:solidFill>
+              <a:effectLst/>
+              <a:latin typeface="Arial Unicode MS" panose="020B0604020202020204" pitchFamily="34" charset="-128"/>
+            </a:endParaRPr>
+          </a:p>
+          <a:p>
+            <a:pPr marL="0" lvl="0" indent="0" eaLnBrk="0" fontAlgn="base" hangingPunct="0">
+              <a:lnSpc>
+                <a:spcPct val="100000"/>
+              </a:lnSpc>
+              <a:spcBef>
+                <a:spcPct val="0"/>
+              </a:spcBef>
+              <a:spcAft>
+                <a:spcPct val="0"/>
+              </a:spcAft>
+              <a:buNone/>
+            </a:pPr>
+            <a:r>
+              <a:rPr kumimoji="0" lang="en-US" altLang="en-US" sz="3200" b="1" i="0" u="none" strike="noStrike" cap="none" normalizeH="0" baseline="0" dirty="0" smtClean="0">
+                <a:ln>
+                  <a:noFill/>
+                </a:ln>
+                <a:solidFill>
+                  <a:srgbClr val="7F0055"/>
+                </a:solidFill>
+                <a:effectLst/>
+                <a:latin typeface="Arial Unicode MS" panose="020B0604020202020204" pitchFamily="34" charset="-128"/>
+              </a:rPr>
+              <a:t>echo</a:t>
+            </a:r>
+            <a:r>
+              <a:rPr kumimoji="0" lang="en-US" altLang="en-US" sz="3200" b="0" i="0" u="none" strike="noStrike" cap="none" normalizeH="0" baseline="0" dirty="0" smtClean="0">
+                <a:ln>
+                  <a:noFill/>
+                </a:ln>
+                <a:solidFill>
+                  <a:srgbClr val="000000"/>
+                </a:solidFill>
+                <a:effectLst/>
+                <a:latin typeface="Arial Unicode MS" panose="020B0604020202020204" pitchFamily="34" charset="-128"/>
+              </a:rPr>
+              <a:t> 5 + </a:t>
+            </a:r>
+            <a:r>
+              <a:rPr kumimoji="0" lang="en-US" altLang="en-US" sz="3200" b="0" i="0" u="none" strike="noStrike" cap="none" normalizeH="0" baseline="0" dirty="0" smtClean="0">
+                <a:ln>
+                  <a:noFill/>
+                </a:ln>
+                <a:solidFill>
+                  <a:srgbClr val="2A00FF"/>
+                </a:solidFill>
+                <a:effectLst/>
+                <a:latin typeface="Arial Unicode MS" panose="020B0604020202020204" pitchFamily="34" charset="-128"/>
+              </a:rPr>
+              <a:t>'3'</a:t>
+            </a:r>
+            <a:r>
+              <a:rPr kumimoji="0" lang="en-US" altLang="en-US" sz="3200" b="0" i="0" u="none" strike="noStrike" cap="none" normalizeH="0" baseline="0" dirty="0" smtClean="0">
+                <a:ln>
+                  <a:noFill/>
+                </a:ln>
+                <a:solidFill>
+                  <a:srgbClr val="000000"/>
+                </a:solidFill>
+                <a:effectLst/>
+                <a:latin typeface="Arial Unicode MS" panose="020B0604020202020204" pitchFamily="34" charset="-128"/>
+              </a:rPr>
+              <a:t>;</a:t>
+            </a:r>
+          </a:p>
+          <a:p>
+            <a:pPr marL="0" lvl="0" indent="0" eaLnBrk="0" fontAlgn="base" hangingPunct="0">
+              <a:lnSpc>
+                <a:spcPct val="100000"/>
+              </a:lnSpc>
+              <a:spcBef>
+                <a:spcPct val="0"/>
+              </a:spcBef>
+              <a:spcAft>
+                <a:spcPct val="0"/>
+              </a:spcAft>
+              <a:buNone/>
+            </a:pPr>
+            <a:endParaRPr lang="en-US" altLang="en-US" sz="3200" dirty="0">
+              <a:solidFill>
+                <a:srgbClr val="000000"/>
+              </a:solidFill>
+              <a:latin typeface="Arial Unicode MS" panose="020B0604020202020204" pitchFamily="34" charset="-128"/>
+            </a:endParaRPr>
+          </a:p>
+          <a:p>
+            <a:pPr marL="0" lvl="0" indent="0" eaLnBrk="0" fontAlgn="base" hangingPunct="0">
+              <a:lnSpc>
+                <a:spcPct val="100000"/>
+              </a:lnSpc>
+              <a:spcBef>
+                <a:spcPct val="0"/>
+              </a:spcBef>
+              <a:spcAft>
+                <a:spcPct val="0"/>
+              </a:spcAft>
+              <a:buNone/>
+            </a:pPr>
+            <a:r>
+              <a:rPr kumimoji="0" lang="en-US" altLang="en-US" sz="3200" b="1" i="0" u="none" strike="noStrike" cap="none" normalizeH="0" baseline="0" dirty="0" smtClean="0">
+                <a:ln>
+                  <a:noFill/>
+                </a:ln>
+                <a:solidFill>
+                  <a:srgbClr val="7F0055"/>
+                </a:solidFill>
+                <a:effectLst/>
+                <a:latin typeface="Arial Unicode MS" panose="020B0604020202020204" pitchFamily="34" charset="-128"/>
+              </a:rPr>
+              <a:t>echo</a:t>
+            </a:r>
+            <a:r>
+              <a:rPr kumimoji="0" lang="en-US" altLang="en-US" sz="3200" b="0" i="0" u="none" strike="noStrike" cap="none" normalizeH="0" baseline="0" dirty="0" smtClean="0">
+                <a:ln>
+                  <a:noFill/>
+                </a:ln>
+                <a:solidFill>
+                  <a:srgbClr val="000000"/>
+                </a:solidFill>
+                <a:effectLst/>
+                <a:latin typeface="Arial Unicode MS" panose="020B0604020202020204" pitchFamily="34" charset="-128"/>
+              </a:rPr>
+              <a:t> 6 - 2.3;</a:t>
+            </a:r>
+          </a:p>
+          <a:p>
+            <a:pPr marL="0" lvl="0" indent="0" eaLnBrk="0" fontAlgn="base" hangingPunct="0">
+              <a:lnSpc>
+                <a:spcPct val="100000"/>
+              </a:lnSpc>
+              <a:spcBef>
+                <a:spcPct val="0"/>
+              </a:spcBef>
+              <a:spcAft>
+                <a:spcPct val="0"/>
+              </a:spcAft>
+              <a:buNone/>
+            </a:pPr>
+            <a:endParaRPr lang="en-US" altLang="en-US" sz="3200" dirty="0">
+              <a:solidFill>
+                <a:srgbClr val="000000"/>
+              </a:solidFill>
+              <a:latin typeface="Arial Unicode MS" panose="020B0604020202020204" pitchFamily="34" charset="-128"/>
+            </a:endParaRPr>
+          </a:p>
+          <a:p>
+            <a:pPr marL="0" lvl="0" indent="0" eaLnBrk="0" fontAlgn="base" hangingPunct="0">
+              <a:lnSpc>
+                <a:spcPct val="100000"/>
+              </a:lnSpc>
+              <a:spcBef>
+                <a:spcPct val="0"/>
+              </a:spcBef>
+              <a:spcAft>
+                <a:spcPct val="0"/>
+              </a:spcAft>
+              <a:buNone/>
+            </a:pPr>
+            <a:r>
+              <a:rPr kumimoji="0" lang="en-US" altLang="en-US" sz="3200" b="1" i="0" u="none" strike="noStrike" cap="none" normalizeH="0" baseline="0" dirty="0" smtClean="0">
+                <a:ln>
+                  <a:noFill/>
+                </a:ln>
+                <a:solidFill>
+                  <a:srgbClr val="7F0055"/>
+                </a:solidFill>
+                <a:effectLst/>
+                <a:latin typeface="Arial Unicode MS" panose="020B0604020202020204" pitchFamily="34" charset="-128"/>
+              </a:rPr>
+              <a:t>echo</a:t>
+            </a:r>
+            <a:r>
+              <a:rPr kumimoji="0" lang="en-US" altLang="en-US" sz="3200" b="0" i="0" u="none" strike="noStrike" cap="none" normalizeH="0" baseline="0" dirty="0" smtClean="0">
+                <a:ln>
+                  <a:noFill/>
+                </a:ln>
+                <a:solidFill>
+                  <a:srgbClr val="000000"/>
+                </a:solidFill>
+                <a:effectLst/>
+                <a:latin typeface="Arial Unicode MS" panose="020B0604020202020204" pitchFamily="34" charset="-128"/>
+              </a:rPr>
+              <a:t> 4 . </a:t>
+            </a:r>
+            <a:r>
+              <a:rPr kumimoji="0" lang="en-US" altLang="en-US" sz="3200" b="0" i="0" u="none" strike="noStrike" cap="none" normalizeH="0" baseline="0" dirty="0" smtClean="0">
+                <a:ln>
+                  <a:noFill/>
+                </a:ln>
+                <a:solidFill>
+                  <a:srgbClr val="2A00FF"/>
+                </a:solidFill>
+                <a:effectLst/>
+                <a:latin typeface="Arial Unicode MS" panose="020B0604020202020204" pitchFamily="34" charset="-128"/>
+              </a:rPr>
+              <a:t>'foo'</a:t>
+            </a:r>
+            <a:r>
+              <a:rPr kumimoji="0" lang="en-US" altLang="en-US" sz="3200" b="0" i="0" u="none" strike="noStrike" cap="none" normalizeH="0" baseline="0" dirty="0" smtClean="0">
+                <a:ln>
+                  <a:noFill/>
+                </a:ln>
+                <a:solidFill>
+                  <a:srgbClr val="000000"/>
+                </a:solidFill>
+                <a:effectLst/>
+                <a:latin typeface="Arial Unicode MS" panose="020B0604020202020204" pitchFamily="34" charset="-128"/>
+              </a:rPr>
+              <a:t>;</a:t>
+            </a:r>
+          </a:p>
+          <a:p>
+            <a:pPr marL="0" lvl="0" indent="0" eaLnBrk="0" fontAlgn="base" hangingPunct="0">
+              <a:lnSpc>
+                <a:spcPct val="100000"/>
+              </a:lnSpc>
+              <a:spcBef>
+                <a:spcPct val="0"/>
+              </a:spcBef>
+              <a:spcAft>
+                <a:spcPct val="0"/>
+              </a:spcAft>
+              <a:buNone/>
+            </a:pPr>
+            <a:endParaRPr lang="en-US" altLang="en-US" sz="3200" dirty="0">
+              <a:solidFill>
+                <a:srgbClr val="000000"/>
+              </a:solidFill>
+              <a:latin typeface="Arial Unicode MS" panose="020B0604020202020204" pitchFamily="34" charset="-128"/>
+            </a:endParaRPr>
+          </a:p>
+          <a:p>
+            <a:pPr marL="0" lvl="0" indent="0" eaLnBrk="0" fontAlgn="base" hangingPunct="0">
+              <a:lnSpc>
+                <a:spcPct val="100000"/>
+              </a:lnSpc>
+              <a:spcBef>
+                <a:spcPct val="0"/>
+              </a:spcBef>
+              <a:spcAft>
+                <a:spcPct val="0"/>
+              </a:spcAft>
+              <a:buNone/>
+            </a:pPr>
+            <a:r>
+              <a:rPr kumimoji="0" lang="en-US" altLang="en-US" sz="3200" b="0" i="0" u="none" strike="noStrike" cap="none" normalizeH="0" baseline="0" dirty="0" smtClean="0">
+                <a:ln>
+                  <a:noFill/>
+                </a:ln>
+                <a:solidFill>
+                  <a:srgbClr val="000000"/>
+                </a:solidFill>
+                <a:effectLst/>
+                <a:latin typeface="Arial Unicode MS" panose="020B0604020202020204" pitchFamily="34" charset="-128"/>
+              </a:rPr>
+              <a:t>$</a:t>
+            </a:r>
+            <a:r>
+              <a:rPr kumimoji="0" lang="en-US" altLang="en-US" sz="3200" b="0" i="0" u="none" strike="noStrike" cap="none" normalizeH="0" baseline="0" dirty="0" err="1" smtClean="0">
+                <a:ln>
+                  <a:noFill/>
+                </a:ln>
+                <a:solidFill>
+                  <a:srgbClr val="000000"/>
+                </a:solidFill>
+                <a:effectLst/>
+                <a:latin typeface="Arial Unicode MS" panose="020B0604020202020204" pitchFamily="34" charset="-128"/>
+              </a:rPr>
+              <a:t>var</a:t>
+            </a:r>
+            <a:r>
+              <a:rPr kumimoji="0" lang="en-US" altLang="en-US" sz="3200" b="0" i="0" u="none" strike="noStrike" cap="none" normalizeH="0" baseline="0" dirty="0" smtClean="0">
+                <a:ln>
+                  <a:noFill/>
+                </a:ln>
+                <a:solidFill>
+                  <a:srgbClr val="000000"/>
+                </a:solidFill>
+                <a:effectLst/>
+                <a:latin typeface="Arial Unicode MS" panose="020B0604020202020204" pitchFamily="34" charset="-128"/>
+              </a:rPr>
+              <a:t> = </a:t>
+            </a:r>
+            <a:r>
+              <a:rPr kumimoji="0" lang="en-US" altLang="en-US" sz="3200" b="0" i="0" u="none" strike="noStrike" cap="none" normalizeH="0" baseline="0" dirty="0" smtClean="0">
+                <a:ln>
+                  <a:noFill/>
+                </a:ln>
+                <a:solidFill>
+                  <a:srgbClr val="2A00FF"/>
+                </a:solidFill>
+                <a:effectLst/>
+                <a:latin typeface="Arial Unicode MS" panose="020B0604020202020204" pitchFamily="34" charset="-128"/>
+              </a:rPr>
+              <a:t>'3'</a:t>
+            </a:r>
+            <a:r>
+              <a:rPr kumimoji="0" lang="en-US" altLang="en-US" sz="3200" b="0" i="0" u="none" strike="noStrike" cap="none" normalizeH="0" baseline="0" dirty="0" smtClean="0">
+                <a:ln>
+                  <a:noFill/>
+                </a:ln>
+                <a:solidFill>
+                  <a:srgbClr val="000000"/>
+                </a:solidFill>
+                <a:effectLst/>
+                <a:latin typeface="Arial Unicode MS" panose="020B0604020202020204" pitchFamily="34" charset="-128"/>
+              </a:rPr>
+              <a:t>;</a:t>
+            </a:r>
+          </a:p>
+          <a:p>
+            <a:pPr marL="0" lvl="0" indent="0" eaLnBrk="0" fontAlgn="base" hangingPunct="0">
+              <a:lnSpc>
+                <a:spcPct val="100000"/>
+              </a:lnSpc>
+              <a:spcBef>
+                <a:spcPct val="0"/>
+              </a:spcBef>
+              <a:spcAft>
+                <a:spcPct val="0"/>
+              </a:spcAft>
+              <a:buNone/>
+            </a:pPr>
+            <a:endParaRPr lang="en-US" altLang="en-US" sz="3200" dirty="0">
+              <a:solidFill>
+                <a:srgbClr val="000000"/>
+              </a:solidFill>
+              <a:latin typeface="Arial Unicode MS" panose="020B0604020202020204" pitchFamily="34" charset="-128"/>
+            </a:endParaRPr>
+          </a:p>
+          <a:p>
+            <a:pPr marL="0" lvl="0" indent="0" eaLnBrk="0" fontAlgn="base" hangingPunct="0">
+              <a:lnSpc>
+                <a:spcPct val="100000"/>
+              </a:lnSpc>
+              <a:spcBef>
+                <a:spcPct val="0"/>
+              </a:spcBef>
+              <a:spcAft>
+                <a:spcPct val="0"/>
+              </a:spcAft>
+              <a:buNone/>
+            </a:pPr>
+            <a:r>
+              <a:rPr kumimoji="0" lang="en-US" altLang="en-US" sz="3200" b="1" i="0" u="none" strike="noStrike" cap="none" normalizeH="0" baseline="0" dirty="0" smtClean="0">
+                <a:ln>
+                  <a:noFill/>
+                </a:ln>
+                <a:solidFill>
+                  <a:srgbClr val="7F0055"/>
+                </a:solidFill>
+                <a:effectLst/>
+                <a:latin typeface="Arial Unicode MS" panose="020B0604020202020204" pitchFamily="34" charset="-128"/>
+              </a:rPr>
+              <a:t>echo</a:t>
+            </a:r>
+            <a:r>
+              <a:rPr kumimoji="0" lang="en-US" altLang="en-US" sz="3200" b="0" i="0" u="none" strike="noStrike" cap="none" normalizeH="0" baseline="0" dirty="0" smtClean="0">
+                <a:ln>
+                  <a:noFill/>
+                </a:ln>
+                <a:solidFill>
+                  <a:srgbClr val="000000"/>
+                </a:solidFill>
+                <a:effectLst/>
+                <a:latin typeface="Arial Unicode MS" panose="020B0604020202020204" pitchFamily="34" charset="-128"/>
+              </a:rPr>
+              <a:t> $</a:t>
+            </a:r>
+            <a:r>
+              <a:rPr kumimoji="0" lang="en-US" altLang="en-US" sz="3200" b="0" i="0" u="none" strike="noStrike" cap="none" normalizeH="0" baseline="0" dirty="0" err="1" smtClean="0">
+                <a:ln>
+                  <a:noFill/>
+                </a:ln>
+                <a:solidFill>
+                  <a:srgbClr val="000000"/>
+                </a:solidFill>
+                <a:effectLst/>
+                <a:latin typeface="Arial Unicode MS" panose="020B0604020202020204" pitchFamily="34" charset="-128"/>
+              </a:rPr>
+              <a:t>var</a:t>
+            </a:r>
+            <a:r>
+              <a:rPr kumimoji="0" lang="en-US" altLang="en-US" sz="3200" b="0" i="0" u="none" strike="noStrike" cap="none" normalizeH="0" baseline="0" dirty="0" smtClean="0">
+                <a:ln>
+                  <a:noFill/>
+                </a:ln>
+                <a:solidFill>
+                  <a:srgbClr val="000000"/>
+                </a:solidFill>
+                <a:effectLst/>
+                <a:latin typeface="Arial Unicode MS" panose="020B0604020202020204" pitchFamily="34" charset="-128"/>
+              </a:rPr>
+              <a:t> + 4;</a:t>
+            </a:r>
+          </a:p>
+          <a:p>
+            <a:pPr marL="0" lvl="0" indent="0" eaLnBrk="0" fontAlgn="base" hangingPunct="0">
+              <a:lnSpc>
+                <a:spcPct val="100000"/>
+              </a:lnSpc>
+              <a:spcBef>
+                <a:spcPct val="0"/>
+              </a:spcBef>
+              <a:spcAft>
+                <a:spcPct val="0"/>
+              </a:spcAft>
+              <a:buNone/>
+            </a:pPr>
+            <a:endParaRPr lang="en-US" altLang="en-US" sz="3200" dirty="0">
+              <a:solidFill>
+                <a:srgbClr val="000000"/>
+              </a:solidFill>
+              <a:latin typeface="Arial Unicode MS" panose="020B0604020202020204" pitchFamily="34" charset="-128"/>
+            </a:endParaRPr>
+          </a:p>
+          <a:p>
+            <a:pPr marL="0" lvl="0" indent="0" eaLnBrk="0" fontAlgn="base" hangingPunct="0">
+              <a:lnSpc>
+                <a:spcPct val="100000"/>
+              </a:lnSpc>
+              <a:spcBef>
+                <a:spcPct val="0"/>
+              </a:spcBef>
+              <a:spcAft>
+                <a:spcPct val="0"/>
+              </a:spcAft>
+              <a:buNone/>
+            </a:pPr>
+            <a:r>
+              <a:rPr kumimoji="0" lang="en-US" altLang="en-US" sz="3200" b="0" i="0" u="none" strike="noStrike" cap="none" normalizeH="0" baseline="0" dirty="0" smtClean="0">
+                <a:ln>
+                  <a:noFill/>
+                </a:ln>
+                <a:solidFill>
+                  <a:srgbClr val="7F0055"/>
+                </a:solidFill>
+                <a:effectLst/>
+                <a:latin typeface="Arial Unicode MS" panose="020B0604020202020204" pitchFamily="34" charset="-128"/>
+              </a:rPr>
+              <a:t>?&gt;</a:t>
+            </a:r>
+            <a:r>
+              <a:rPr kumimoji="0" lang="en-US" altLang="en-US" sz="2400" b="0" i="0" u="none" strike="noStrike" cap="none" normalizeH="0" baseline="0" dirty="0" smtClean="0">
+                <a:ln>
+                  <a:noFill/>
+                </a:ln>
+                <a:solidFill>
+                  <a:schemeClr val="tx1"/>
+                </a:solidFill>
+                <a:effectLst/>
+              </a:rPr>
+              <a:t> </a:t>
+            </a:r>
+            <a:endParaRPr kumimoji="0" lang="en-US" altLang="en-US" sz="6000" b="0" i="0" u="none" strike="noStrike" cap="none" normalizeH="0" baseline="0" dirty="0" smtClean="0">
+              <a:ln>
+                <a:noFill/>
+              </a:ln>
+              <a:solidFill>
+                <a:schemeClr val="tx1"/>
+              </a:solidFill>
+              <a:effectLst/>
+              <a:latin typeface="Arial" panose="020B0604020202020204" pitchFamily="34" charset="0"/>
+            </a:endParaRPr>
+          </a:p>
+        </p:txBody>
+      </p:sp>
+      <p:sp>
+        <p:nvSpPr>
+          <p:cNvPr id="3" name="Rectangle 2"/>
+          <p:cNvSpPr>
+            <a:spLocks noChangeArrowheads="1"/>
+          </p:cNvSpPr>
+          <p:nvPr/>
+        </p:nvSpPr>
+        <p:spPr bwMode="auto">
+          <a:xfrm>
+            <a:off x="0" y="43934"/>
+            <a:ext cx="184731" cy="369332"/>
+          </a:xfrm>
+          <a:prstGeom prst="rect">
+            <a:avLst/>
+          </a:prstGeom>
+          <a:solidFill>
+            <a:srgbClr val="FFFFFF"/>
+          </a:solidFill>
+          <a:ln>
+            <a:noFill/>
+          </a:ln>
+          <a:effectLst/>
+          <a:extLst>
+            <a:ext uri="{91240B29-F687-4F45-9708-019B960494DF}">
+              <a14:hiddenLine xmlns:a14="http://schemas.microsoft.com/office/drawing/2010/main" w="9525">
+                <a:solidFill>
+                  <a:schemeClr val="tx1"/>
+                </a:solidFill>
+                <a:miter lim="800000"/>
+                <a:headEnd/>
+                <a:tailEnd/>
+              </a14:hiddenLine>
+            </a:ext>
+            <a:ext uri="{AF507438-7753-43E0-B8FC-AC1667EBCBE1}">
+              <a14:hiddenEffects xmlns:a14="http://schemas.microsoft.com/office/drawing/2010/main">
+                <a:effectLst>
+                  <a:outerShdw dist="35921" dir="2700000" algn="ctr" rotWithShape="0">
+                    <a:schemeClr val="bg2"/>
+                  </a:outerShdw>
+                </a:effectLst>
+              </a14:hiddenEffects>
+            </a:ext>
+          </a:extLst>
+        </p:spPr>
+        <p:txBody>
+          <a:bodyPr vert="horz" wrap="none" lIns="91440" tIns="45720" rIns="91440" bIns="45720" numCol="1" anchor="ctr" anchorCtr="0" compatLnSpc="1">
+            <a:prstTxWarp prst="textNoShape">
+              <a:avLst/>
+            </a:prstTxWarp>
+            <a:spAutoFit/>
+          </a:bodyPr>
+          <a:lstStyle/>
+          <a:p>
+            <a:pPr marL="0" marR="0" lvl="0" indent="0" algn="l" defTabSz="914400" rtl="0" eaLnBrk="0" fontAlgn="base" latinLnBrk="0" hangingPunct="0">
+              <a:lnSpc>
+                <a:spcPct val="100000"/>
+              </a:lnSpc>
+              <a:spcBef>
+                <a:spcPct val="0"/>
+              </a:spcBef>
+              <a:spcAft>
+                <a:spcPct val="0"/>
+              </a:spcAft>
+              <a:buClrTx/>
+              <a:buSzTx/>
+              <a:buFontTx/>
+              <a:buNone/>
+              <a:tabLst/>
+            </a:pPr>
+            <a:endParaRPr kumimoji="0" lang="en-US" altLang="en-US" sz="1800" b="0" i="0" u="none" strike="noStrike" cap="none" normalizeH="0" baseline="0" dirty="0" smtClean="0">
+              <a:ln>
+                <a:noFill/>
+              </a:ln>
+              <a:solidFill>
+                <a:schemeClr val="tx1"/>
+              </a:solidFill>
+              <a:effectLst/>
+              <a:latin typeface="Arial" panose="020B0604020202020204" pitchFamily="34" charset="0"/>
+            </a:endParaRPr>
+          </a:p>
+        </p:txBody>
+      </p:sp>
+    </p:spTree>
+    <p:extLst>
+      <p:ext uri="{BB962C8B-B14F-4D97-AF65-F5344CB8AC3E}">
+        <p14:creationId xmlns:p14="http://schemas.microsoft.com/office/powerpoint/2010/main" val="187070065"/>
+      </p:ext>
+    </p:extLst>
+  </p:cSld>
+  <p:clrMapOvr>
+    <a:masterClrMapping/>
+  </p:clrMapOvr>
+  <p:timing>
+    <p:tnLst>
+      <p:par>
+        <p:cTn id="1" dur="indefinite" restart="never" nodeType="tmRoot"/>
+      </p:par>
+    </p:tnLst>
+  </p:timing>
+</p:sld>
+</file>
+
+<file path=ppt/slides/slide38.xml><?xml version="1.0" encoding="utf-8"?>
+<p:sld xmlns:a="http://schemas.openxmlformats.org/drawingml/2006/main" xmlns:r="http://schemas.openxmlformats.org/officeDocument/2006/relationships" xmlns:p="http://schemas.openxmlformats.org/presentationml/2006/main">
+  <p:cSld>
+    <p:spTree>
+      <p:nvGrpSpPr>
+        <p:cNvPr id="1" name=""/>
+        <p:cNvGrpSpPr/>
+        <p:nvPr/>
+      </p:nvGrpSpPr>
+      <p:grpSpPr>
+        <a:xfrm>
+          <a:off x="0" y="0"/>
+          <a:ext cx="0" cy="0"/>
+          <a:chOff x="0" y="0"/>
+          <a:chExt cx="0" cy="0"/>
+        </a:xfrm>
+      </p:grpSpPr>
+      <p:sp>
+        <p:nvSpPr>
+          <p:cNvPr id="4" name="Title 3"/>
+          <p:cNvSpPr>
+            <a:spLocks noGrp="1"/>
+          </p:cNvSpPr>
+          <p:nvPr>
+            <p:ph type="title"/>
+          </p:nvPr>
+        </p:nvSpPr>
+        <p:spPr/>
+        <p:txBody>
+          <a:bodyPr/>
+          <a:lstStyle/>
+          <a:p>
+            <a:r>
+              <a:rPr lang="en-US" dirty="0" smtClean="0"/>
+              <a:t>Conditionals</a:t>
+            </a:r>
+            <a:endParaRPr lang="en-US" dirty="0"/>
+          </a:p>
+        </p:txBody>
+      </p:sp>
+      <p:sp>
+        <p:nvSpPr>
+          <p:cNvPr id="5" name="Text Placeholder 4"/>
+          <p:cNvSpPr>
+            <a:spLocks noGrp="1"/>
+          </p:cNvSpPr>
+          <p:nvPr>
+            <p:ph type="body" idx="1"/>
+          </p:nvPr>
+        </p:nvSpPr>
+        <p:spPr/>
+        <p:txBody>
+          <a:bodyPr/>
+          <a:lstStyle/>
+          <a:p>
+            <a:r>
+              <a:rPr lang="en-US" dirty="0" smtClean="0"/>
+              <a:t>Deciding what to do</a:t>
+            </a:r>
+            <a:endParaRPr lang="en-US" dirty="0"/>
+          </a:p>
+        </p:txBody>
+      </p:sp>
+    </p:spTree>
+    <p:extLst>
+      <p:ext uri="{BB962C8B-B14F-4D97-AF65-F5344CB8AC3E}">
+        <p14:creationId xmlns:p14="http://schemas.microsoft.com/office/powerpoint/2010/main" val="2214798536"/>
+      </p:ext>
+    </p:extLst>
+  </p:cSld>
+  <p:clrMapOvr>
+    <a:masterClrMapping/>
+  </p:clrMapOvr>
+  <p:timing>
+    <p:tnLst>
+      <p:par>
+        <p:cTn id="1" dur="indefinite" restart="never" nodeType="tmRoot"/>
+      </p:par>
+    </p:tnLst>
+  </p:timing>
+</p:sld>
+</file>
+
+<file path=ppt/slides/slide39.xml><?xml version="1.0" encoding="utf-8"?>
+<p:sld xmlns:a="http://schemas.openxmlformats.org/drawingml/2006/main" xmlns:r="http://schemas.openxmlformats.org/officeDocument/2006/relationships" xmlns:p="http://schemas.openxmlformats.org/presentationml/2006/main">
+  <p:cSld>
+    <p:spTree>
+      <p:nvGrpSpPr>
+        <p:cNvPr id="1" name=""/>
+        <p:cNvGrpSpPr/>
+        <p:nvPr/>
+      </p:nvGrpSpPr>
+      <p:grpSpPr>
+        <a:xfrm>
+          <a:off x="0" y="0"/>
+          <a:ext cx="0" cy="0"/>
+          <a:chOff x="0" y="0"/>
+          <a:chExt cx="0" cy="0"/>
+        </a:xfrm>
+      </p:grpSpPr>
+      <p:sp>
+        <p:nvSpPr>
+          <p:cNvPr id="4" name="Title 3"/>
+          <p:cNvSpPr>
+            <a:spLocks noGrp="1"/>
+          </p:cNvSpPr>
+          <p:nvPr>
+            <p:ph type="title"/>
+          </p:nvPr>
+        </p:nvSpPr>
+        <p:spPr/>
+        <p:txBody>
+          <a:bodyPr/>
+          <a:lstStyle/>
+          <a:p>
+            <a:r>
+              <a:rPr lang="en-US" dirty="0" smtClean="0"/>
+              <a:t>If</a:t>
+            </a:r>
+            <a:endParaRPr lang="en-US" dirty="0"/>
+          </a:p>
+        </p:txBody>
+      </p:sp>
+      <p:sp>
+        <p:nvSpPr>
+          <p:cNvPr id="5" name="Content Placeholder 4"/>
+          <p:cNvSpPr>
+            <a:spLocks noGrp="1"/>
+          </p:cNvSpPr>
+          <p:nvPr>
+            <p:ph idx="1"/>
+          </p:nvPr>
+        </p:nvSpPr>
+        <p:spPr/>
+        <p:txBody>
+          <a:bodyPr/>
+          <a:lstStyle/>
+          <a:p>
+            <a:r>
+              <a:rPr lang="en-US" dirty="0" smtClean="0"/>
+              <a:t>Executes a section of code if a condition is true</a:t>
+            </a:r>
+          </a:p>
+          <a:p>
+            <a:r>
+              <a:rPr lang="en-US" dirty="0" smtClean="0"/>
+              <a:t>Condition is contained in parentheses ()</a:t>
+            </a:r>
+          </a:p>
+          <a:p>
+            <a:r>
+              <a:rPr lang="en-US" dirty="0" smtClean="0"/>
+              <a:t>Code to execute is contained in braces {}</a:t>
+            </a:r>
+          </a:p>
+        </p:txBody>
+      </p:sp>
+    </p:spTree>
+    <p:extLst>
+      <p:ext uri="{BB962C8B-B14F-4D97-AF65-F5344CB8AC3E}">
+        <p14:creationId xmlns:p14="http://schemas.microsoft.com/office/powerpoint/2010/main" val="1996817196"/>
       </p:ext>
     </p:extLst>
   </p:cSld>
@@ -15176,6 +18977,2873 @@
     <p:extLst>
       <p:ext uri="{BB962C8B-B14F-4D97-AF65-F5344CB8AC3E}">
         <p14:creationId xmlns:p14="http://schemas.microsoft.com/office/powerpoint/2010/main" val="562468153"/>
+      </p:ext>
+    </p:extLst>
+  </p:cSld>
+  <p:clrMapOvr>
+    <a:masterClrMapping/>
+  </p:clrMapOvr>
+  <p:timing>
+    <p:tnLst>
+      <p:par>
+        <p:cTn id="1" dur="indefinite" restart="never" nodeType="tmRoot"/>
+      </p:par>
+    </p:tnLst>
+  </p:timing>
+</p:sld>
+</file>
+
+<file path=ppt/slides/slide40.xml><?xml version="1.0" encoding="utf-8"?>
+<p:sld xmlns:a="http://schemas.openxmlformats.org/drawingml/2006/main" xmlns:r="http://schemas.openxmlformats.org/officeDocument/2006/relationships" xmlns:p="http://schemas.openxmlformats.org/presentationml/2006/main">
+  <p:cSld>
+    <p:spTree>
+      <p:nvGrpSpPr>
+        <p:cNvPr id="1" name=""/>
+        <p:cNvGrpSpPr/>
+        <p:nvPr/>
+      </p:nvGrpSpPr>
+      <p:grpSpPr>
+        <a:xfrm>
+          <a:off x="0" y="0"/>
+          <a:ext cx="0" cy="0"/>
+          <a:chOff x="0" y="0"/>
+          <a:chExt cx="0" cy="0"/>
+        </a:xfrm>
+      </p:grpSpPr>
+      <p:sp>
+        <p:nvSpPr>
+          <p:cNvPr id="6" name="Rectangle 2"/>
+          <p:cNvSpPr>
+            <a:spLocks noGrp="1" noChangeArrowheads="1"/>
+          </p:cNvSpPr>
+          <p:nvPr>
+            <p:ph idx="1"/>
+          </p:nvPr>
+        </p:nvSpPr>
+        <p:spPr bwMode="auto">
+          <a:xfrm>
+            <a:off x="617220" y="143869"/>
+            <a:ext cx="10957560" cy="6494085"/>
+          </a:xfrm>
+          <a:prstGeom prst="rect">
+            <a:avLst/>
+          </a:prstGeom>
+          <a:solidFill>
+            <a:schemeClr val="bg2"/>
+          </a:solidFill>
+          <a:ln>
+            <a:solidFill>
+              <a:schemeClr val="tx1"/>
+            </a:solidFill>
+          </a:ln>
+          <a:effectLst/>
+        </p:spPr>
+        <p:txBody>
+          <a:bodyPr vert="horz" wrap="square" lIns="91440" tIns="45720" rIns="91440" bIns="45720" numCol="1" anchor="ctr" anchorCtr="0" compatLnSpc="1">
+            <a:prstTxWarp prst="textNoShape">
+              <a:avLst/>
+            </a:prstTxWarp>
+            <a:spAutoFit/>
+          </a:bodyPr>
+          <a:lstStyle/>
+          <a:p>
+            <a:pPr marL="0" lvl="0" indent="0" eaLnBrk="0" fontAlgn="base" hangingPunct="0">
+              <a:lnSpc>
+                <a:spcPct val="100000"/>
+              </a:lnSpc>
+              <a:spcBef>
+                <a:spcPct val="0"/>
+              </a:spcBef>
+              <a:spcAft>
+                <a:spcPct val="0"/>
+              </a:spcAft>
+              <a:buNone/>
+            </a:pPr>
+            <a:r>
+              <a:rPr kumimoji="0" lang="en-US" altLang="en-US" sz="3200" b="0" i="0" u="none" strike="noStrike" cap="none" normalizeH="0" baseline="0" dirty="0" smtClean="0">
+                <a:ln>
+                  <a:noFill/>
+                </a:ln>
+                <a:solidFill>
+                  <a:srgbClr val="7F0055"/>
+                </a:solidFill>
+                <a:effectLst/>
+                <a:latin typeface="Arial Unicode MS" panose="020B0604020202020204" pitchFamily="34" charset="-128"/>
+              </a:rPr>
+              <a:t>&lt;?</a:t>
+            </a:r>
+            <a:r>
+              <a:rPr kumimoji="0" lang="en-US" altLang="en-US" sz="3200" b="0" i="0" u="none" strike="noStrike" cap="none" normalizeH="0" baseline="0" dirty="0" err="1" smtClean="0">
+                <a:ln>
+                  <a:noFill/>
+                </a:ln>
+                <a:solidFill>
+                  <a:srgbClr val="7F0055"/>
+                </a:solidFill>
+                <a:effectLst/>
+                <a:latin typeface="Arial Unicode MS" panose="020B0604020202020204" pitchFamily="34" charset="-128"/>
+              </a:rPr>
+              <a:t>php</a:t>
+            </a:r>
+            <a:endParaRPr kumimoji="0" lang="en-US" altLang="en-US" sz="3200" b="0" i="0" u="none" strike="noStrike" cap="none" normalizeH="0" baseline="0" dirty="0" smtClean="0">
+              <a:ln>
+                <a:noFill/>
+              </a:ln>
+              <a:solidFill>
+                <a:srgbClr val="7F0055"/>
+              </a:solidFill>
+              <a:effectLst/>
+              <a:latin typeface="Arial Unicode MS" panose="020B0604020202020204" pitchFamily="34" charset="-128"/>
+            </a:endParaRPr>
+          </a:p>
+          <a:p>
+            <a:pPr marL="0" lvl="0" indent="0" eaLnBrk="0" fontAlgn="base" hangingPunct="0">
+              <a:lnSpc>
+                <a:spcPct val="100000"/>
+              </a:lnSpc>
+              <a:spcBef>
+                <a:spcPct val="0"/>
+              </a:spcBef>
+              <a:spcAft>
+                <a:spcPct val="0"/>
+              </a:spcAft>
+              <a:buNone/>
+            </a:pPr>
+            <a:endParaRPr lang="en-US" altLang="en-US" sz="3200" dirty="0">
+              <a:solidFill>
+                <a:srgbClr val="000000"/>
+              </a:solidFill>
+              <a:latin typeface="Arial Unicode MS" panose="020B0604020202020204" pitchFamily="34" charset="-128"/>
+            </a:endParaRPr>
+          </a:p>
+          <a:p>
+            <a:pPr marL="0" lvl="0" indent="0" eaLnBrk="0" fontAlgn="base" hangingPunct="0">
+              <a:lnSpc>
+                <a:spcPct val="100000"/>
+              </a:lnSpc>
+              <a:spcBef>
+                <a:spcPct val="0"/>
+              </a:spcBef>
+              <a:spcAft>
+                <a:spcPct val="0"/>
+              </a:spcAft>
+              <a:buNone/>
+            </a:pPr>
+            <a:r>
+              <a:rPr kumimoji="0" lang="en-US" altLang="en-US" sz="3200" b="1" i="0" u="none" strike="noStrike" cap="none" normalizeH="0" baseline="0" dirty="0" smtClean="0">
+                <a:ln>
+                  <a:noFill/>
+                </a:ln>
+                <a:solidFill>
+                  <a:srgbClr val="7F0055"/>
+                </a:solidFill>
+                <a:effectLst/>
+                <a:latin typeface="Arial Unicode MS" panose="020B0604020202020204" pitchFamily="34" charset="-128"/>
+              </a:rPr>
+              <a:t>if</a:t>
+            </a:r>
+            <a:r>
+              <a:rPr kumimoji="0" lang="en-US" altLang="en-US" sz="3200" b="0" i="0" u="none" strike="noStrike" cap="none" normalizeH="0" baseline="0" dirty="0" smtClean="0">
+                <a:ln>
+                  <a:noFill/>
+                </a:ln>
+                <a:solidFill>
+                  <a:srgbClr val="000000"/>
+                </a:solidFill>
+                <a:effectLst/>
+                <a:latin typeface="Arial Unicode MS" panose="020B0604020202020204" pitchFamily="34" charset="-128"/>
+              </a:rPr>
+              <a:t> (</a:t>
+            </a:r>
+            <a:r>
+              <a:rPr kumimoji="0" lang="en-US" altLang="en-US" sz="3200" b="1" i="0" u="none" strike="noStrike" cap="none" normalizeH="0" baseline="0" dirty="0" smtClean="0">
+                <a:ln>
+                  <a:noFill/>
+                </a:ln>
+                <a:solidFill>
+                  <a:srgbClr val="7F0055"/>
+                </a:solidFill>
+                <a:effectLst/>
+                <a:latin typeface="Arial Unicode MS" panose="020B0604020202020204" pitchFamily="34" charset="-128"/>
+              </a:rPr>
+              <a:t>true</a:t>
+            </a:r>
+            <a:r>
+              <a:rPr kumimoji="0" lang="en-US" altLang="en-US" sz="3200" b="0" i="0" u="none" strike="noStrike" cap="none" normalizeH="0" baseline="0" dirty="0" smtClean="0">
+                <a:ln>
+                  <a:noFill/>
+                </a:ln>
+                <a:solidFill>
+                  <a:srgbClr val="000000"/>
+                </a:solidFill>
+                <a:effectLst/>
+                <a:latin typeface="Arial Unicode MS" panose="020B0604020202020204" pitchFamily="34" charset="-128"/>
+              </a:rPr>
+              <a:t>) {</a:t>
+            </a:r>
+          </a:p>
+          <a:p>
+            <a:pPr marL="0" lvl="0" indent="0" eaLnBrk="0" fontAlgn="base" hangingPunct="0">
+              <a:lnSpc>
+                <a:spcPct val="100000"/>
+              </a:lnSpc>
+              <a:spcBef>
+                <a:spcPct val="0"/>
+              </a:spcBef>
+              <a:spcAft>
+                <a:spcPct val="0"/>
+              </a:spcAft>
+              <a:buNone/>
+            </a:pPr>
+            <a:r>
+              <a:rPr lang="en-US" altLang="en-US" sz="3200" dirty="0">
+                <a:solidFill>
+                  <a:srgbClr val="000000"/>
+                </a:solidFill>
+                <a:latin typeface="Arial Unicode MS" panose="020B0604020202020204" pitchFamily="34" charset="-128"/>
+              </a:rPr>
+              <a:t> </a:t>
+            </a:r>
+            <a:r>
+              <a:rPr lang="en-US" altLang="en-US" sz="3200" dirty="0" smtClean="0">
+                <a:solidFill>
+                  <a:srgbClr val="000000"/>
+                </a:solidFill>
+                <a:latin typeface="Arial Unicode MS" panose="020B0604020202020204" pitchFamily="34" charset="-128"/>
+              </a:rPr>
+              <a:t>   </a:t>
+            </a:r>
+            <a:r>
+              <a:rPr kumimoji="0" lang="en-US" altLang="en-US" sz="3200" b="1" i="0" u="none" strike="noStrike" cap="none" normalizeH="0" baseline="0" dirty="0" smtClean="0">
+                <a:ln>
+                  <a:noFill/>
+                </a:ln>
+                <a:solidFill>
+                  <a:srgbClr val="7F0055"/>
+                </a:solidFill>
+                <a:effectLst/>
+                <a:latin typeface="Arial Unicode MS" panose="020B0604020202020204" pitchFamily="34" charset="-128"/>
+              </a:rPr>
+              <a:t>echo</a:t>
+            </a:r>
+            <a:r>
+              <a:rPr kumimoji="0" lang="en-US" altLang="en-US" sz="3200" b="0" i="0" u="none" strike="noStrike" cap="none" normalizeH="0" baseline="0" dirty="0" smtClean="0">
+                <a:ln>
+                  <a:noFill/>
+                </a:ln>
+                <a:solidFill>
+                  <a:srgbClr val="000000"/>
+                </a:solidFill>
+                <a:effectLst/>
+                <a:latin typeface="Arial Unicode MS" panose="020B0604020202020204" pitchFamily="34" charset="-128"/>
+              </a:rPr>
+              <a:t> </a:t>
+            </a:r>
+            <a:r>
+              <a:rPr kumimoji="0" lang="en-US" altLang="en-US" sz="3200" b="0" i="0" u="none" strike="noStrike" cap="none" normalizeH="0" baseline="0" dirty="0" smtClean="0">
+                <a:ln>
+                  <a:noFill/>
+                </a:ln>
+                <a:solidFill>
+                  <a:srgbClr val="2A00FF"/>
+                </a:solidFill>
+                <a:effectLst/>
+                <a:latin typeface="Arial Unicode MS" panose="020B0604020202020204" pitchFamily="34" charset="-128"/>
+              </a:rPr>
+              <a:t>'foo'</a:t>
+            </a:r>
+            <a:r>
+              <a:rPr kumimoji="0" lang="en-US" altLang="en-US" sz="3200" b="0" i="0" u="none" strike="noStrike" cap="none" normalizeH="0" baseline="0" dirty="0" smtClean="0">
+                <a:ln>
+                  <a:noFill/>
+                </a:ln>
+                <a:solidFill>
+                  <a:srgbClr val="000000"/>
+                </a:solidFill>
+                <a:effectLst/>
+                <a:latin typeface="Arial Unicode MS" panose="020B0604020202020204" pitchFamily="34" charset="-128"/>
+              </a:rPr>
+              <a:t>;</a:t>
+            </a:r>
+          </a:p>
+          <a:p>
+            <a:pPr marL="0" lvl="0" indent="0" eaLnBrk="0" fontAlgn="base" hangingPunct="0">
+              <a:lnSpc>
+                <a:spcPct val="100000"/>
+              </a:lnSpc>
+              <a:spcBef>
+                <a:spcPct val="0"/>
+              </a:spcBef>
+              <a:spcAft>
+                <a:spcPct val="0"/>
+              </a:spcAft>
+              <a:buNone/>
+            </a:pPr>
+            <a:r>
+              <a:rPr kumimoji="0" lang="en-US" altLang="en-US" sz="3200" b="0" i="0" u="none" strike="noStrike" cap="none" normalizeH="0" baseline="0" dirty="0" smtClean="0">
+                <a:ln>
+                  <a:noFill/>
+                </a:ln>
+                <a:solidFill>
+                  <a:srgbClr val="000000"/>
+                </a:solidFill>
+                <a:effectLst/>
+                <a:latin typeface="Arial Unicode MS" panose="020B0604020202020204" pitchFamily="34" charset="-128"/>
+              </a:rPr>
+              <a:t>}</a:t>
+            </a:r>
+          </a:p>
+          <a:p>
+            <a:pPr marL="0" lvl="0" indent="0" eaLnBrk="0" fontAlgn="base" hangingPunct="0">
+              <a:lnSpc>
+                <a:spcPct val="100000"/>
+              </a:lnSpc>
+              <a:spcBef>
+                <a:spcPct val="0"/>
+              </a:spcBef>
+              <a:spcAft>
+                <a:spcPct val="0"/>
+              </a:spcAft>
+              <a:buNone/>
+            </a:pPr>
+            <a:r>
+              <a:rPr kumimoji="0" lang="en-US" altLang="en-US" sz="3200" b="1" i="0" u="none" strike="noStrike" cap="none" normalizeH="0" baseline="0" dirty="0" smtClean="0">
+                <a:ln>
+                  <a:noFill/>
+                </a:ln>
+                <a:solidFill>
+                  <a:srgbClr val="7F0055"/>
+                </a:solidFill>
+                <a:effectLst/>
+                <a:latin typeface="Arial Unicode MS" panose="020B0604020202020204" pitchFamily="34" charset="-128"/>
+              </a:rPr>
+              <a:t>if</a:t>
+            </a:r>
+            <a:r>
+              <a:rPr kumimoji="0" lang="en-US" altLang="en-US" sz="3200" b="0" i="0" u="none" strike="noStrike" cap="none" normalizeH="0" baseline="0" dirty="0" smtClean="0">
+                <a:ln>
+                  <a:noFill/>
+                </a:ln>
+                <a:solidFill>
+                  <a:srgbClr val="000000"/>
+                </a:solidFill>
+                <a:effectLst/>
+                <a:latin typeface="Arial Unicode MS" panose="020B0604020202020204" pitchFamily="34" charset="-128"/>
+              </a:rPr>
+              <a:t> (</a:t>
+            </a:r>
+            <a:r>
+              <a:rPr kumimoji="0" lang="en-US" altLang="en-US" sz="3200" b="1" i="0" u="none" strike="noStrike" cap="none" normalizeH="0" baseline="0" dirty="0" smtClean="0">
+                <a:ln>
+                  <a:noFill/>
+                </a:ln>
+                <a:solidFill>
+                  <a:srgbClr val="7F0055"/>
+                </a:solidFill>
+                <a:effectLst/>
+                <a:latin typeface="Arial Unicode MS" panose="020B0604020202020204" pitchFamily="34" charset="-128"/>
+              </a:rPr>
+              <a:t>true</a:t>
+            </a:r>
+            <a:r>
+              <a:rPr kumimoji="0" lang="en-US" altLang="en-US" sz="3200" b="0" i="0" u="none" strike="noStrike" cap="none" normalizeH="0" baseline="0" dirty="0" smtClean="0">
+                <a:ln>
+                  <a:noFill/>
+                </a:ln>
+                <a:solidFill>
+                  <a:srgbClr val="000000"/>
+                </a:solidFill>
+                <a:effectLst/>
+                <a:latin typeface="Arial Unicode MS" panose="020B0604020202020204" pitchFamily="34" charset="-128"/>
+              </a:rPr>
+              <a:t> || </a:t>
+            </a:r>
+            <a:r>
+              <a:rPr kumimoji="0" lang="en-US" altLang="en-US" sz="3200" b="1" i="0" u="none" strike="noStrike" cap="none" normalizeH="0" baseline="0" dirty="0" smtClean="0">
+                <a:ln>
+                  <a:noFill/>
+                </a:ln>
+                <a:solidFill>
+                  <a:srgbClr val="7F0055"/>
+                </a:solidFill>
+                <a:effectLst/>
+                <a:latin typeface="Arial Unicode MS" panose="020B0604020202020204" pitchFamily="34" charset="-128"/>
+              </a:rPr>
+              <a:t>false</a:t>
+            </a:r>
+            <a:r>
+              <a:rPr kumimoji="0" lang="en-US" altLang="en-US" sz="3200" b="0" i="0" u="none" strike="noStrike" cap="none" normalizeH="0" baseline="0" dirty="0" smtClean="0">
+                <a:ln>
+                  <a:noFill/>
+                </a:ln>
+                <a:solidFill>
+                  <a:srgbClr val="000000"/>
+                </a:solidFill>
+                <a:effectLst/>
+                <a:latin typeface="Arial Unicode MS" panose="020B0604020202020204" pitchFamily="34" charset="-128"/>
+              </a:rPr>
+              <a:t>) {</a:t>
+            </a:r>
+          </a:p>
+          <a:p>
+            <a:pPr marL="0" lvl="0" indent="0" eaLnBrk="0" fontAlgn="base" hangingPunct="0">
+              <a:lnSpc>
+                <a:spcPct val="100000"/>
+              </a:lnSpc>
+              <a:spcBef>
+                <a:spcPct val="0"/>
+              </a:spcBef>
+              <a:spcAft>
+                <a:spcPct val="0"/>
+              </a:spcAft>
+              <a:buNone/>
+            </a:pPr>
+            <a:r>
+              <a:rPr lang="en-US" altLang="en-US" sz="3200" dirty="0">
+                <a:solidFill>
+                  <a:srgbClr val="000000"/>
+                </a:solidFill>
+                <a:latin typeface="Arial Unicode MS" panose="020B0604020202020204" pitchFamily="34" charset="-128"/>
+              </a:rPr>
+              <a:t> </a:t>
+            </a:r>
+            <a:r>
+              <a:rPr lang="en-US" altLang="en-US" sz="3200" dirty="0" smtClean="0">
+                <a:solidFill>
+                  <a:srgbClr val="000000"/>
+                </a:solidFill>
+                <a:latin typeface="Arial Unicode MS" panose="020B0604020202020204" pitchFamily="34" charset="-128"/>
+              </a:rPr>
+              <a:t>   </a:t>
+            </a:r>
+            <a:r>
+              <a:rPr kumimoji="0" lang="en-US" altLang="en-US" sz="3200" b="1" i="0" u="none" strike="noStrike" cap="none" normalizeH="0" baseline="0" dirty="0" smtClean="0">
+                <a:ln>
+                  <a:noFill/>
+                </a:ln>
+                <a:solidFill>
+                  <a:srgbClr val="7F0055"/>
+                </a:solidFill>
+                <a:effectLst/>
+                <a:latin typeface="Arial Unicode MS" panose="020B0604020202020204" pitchFamily="34" charset="-128"/>
+              </a:rPr>
+              <a:t>echo</a:t>
+            </a:r>
+            <a:r>
+              <a:rPr kumimoji="0" lang="en-US" altLang="en-US" sz="3200" b="0" i="0" u="none" strike="noStrike" cap="none" normalizeH="0" baseline="0" dirty="0" smtClean="0">
+                <a:ln>
+                  <a:noFill/>
+                </a:ln>
+                <a:solidFill>
+                  <a:srgbClr val="000000"/>
+                </a:solidFill>
+                <a:effectLst/>
+                <a:latin typeface="Arial Unicode MS" panose="020B0604020202020204" pitchFamily="34" charset="-128"/>
+              </a:rPr>
+              <a:t> </a:t>
+            </a:r>
+            <a:r>
+              <a:rPr kumimoji="0" lang="en-US" altLang="en-US" sz="3200" b="0" i="0" u="none" strike="noStrike" cap="none" normalizeH="0" baseline="0" dirty="0" smtClean="0">
+                <a:ln>
+                  <a:noFill/>
+                </a:ln>
+                <a:solidFill>
+                  <a:srgbClr val="2A00FF"/>
+                </a:solidFill>
+                <a:effectLst/>
+                <a:latin typeface="Arial Unicode MS" panose="020B0604020202020204" pitchFamily="34" charset="-128"/>
+              </a:rPr>
+              <a:t>'bar'</a:t>
+            </a:r>
+            <a:r>
+              <a:rPr kumimoji="0" lang="en-US" altLang="en-US" sz="3200" b="0" i="0" u="none" strike="noStrike" cap="none" normalizeH="0" baseline="0" dirty="0" smtClean="0">
+                <a:ln>
+                  <a:noFill/>
+                </a:ln>
+                <a:solidFill>
+                  <a:srgbClr val="000000"/>
+                </a:solidFill>
+                <a:effectLst/>
+                <a:latin typeface="Arial Unicode MS" panose="020B0604020202020204" pitchFamily="34" charset="-128"/>
+              </a:rPr>
+              <a:t>;</a:t>
+            </a:r>
+          </a:p>
+          <a:p>
+            <a:pPr marL="0" lvl="0" indent="0" eaLnBrk="0" fontAlgn="base" hangingPunct="0">
+              <a:lnSpc>
+                <a:spcPct val="100000"/>
+              </a:lnSpc>
+              <a:spcBef>
+                <a:spcPct val="0"/>
+              </a:spcBef>
+              <a:spcAft>
+                <a:spcPct val="0"/>
+              </a:spcAft>
+              <a:buNone/>
+            </a:pPr>
+            <a:r>
+              <a:rPr kumimoji="0" lang="en-US" altLang="en-US" sz="3200" b="0" i="0" u="none" strike="noStrike" cap="none" normalizeH="0" baseline="0" dirty="0" smtClean="0">
+                <a:ln>
+                  <a:noFill/>
+                </a:ln>
+                <a:solidFill>
+                  <a:srgbClr val="000000"/>
+                </a:solidFill>
+                <a:effectLst/>
+                <a:latin typeface="Arial Unicode MS" panose="020B0604020202020204" pitchFamily="34" charset="-128"/>
+              </a:rPr>
+              <a:t>}</a:t>
+            </a:r>
+          </a:p>
+          <a:p>
+            <a:pPr marL="0" lvl="0" indent="0" eaLnBrk="0" fontAlgn="base" hangingPunct="0">
+              <a:lnSpc>
+                <a:spcPct val="100000"/>
+              </a:lnSpc>
+              <a:spcBef>
+                <a:spcPct val="0"/>
+              </a:spcBef>
+              <a:spcAft>
+                <a:spcPct val="0"/>
+              </a:spcAft>
+              <a:buNone/>
+            </a:pPr>
+            <a:r>
+              <a:rPr kumimoji="0" lang="en-US" altLang="en-US" sz="3200" b="1" i="0" u="none" strike="noStrike" cap="none" normalizeH="0" baseline="0" dirty="0" smtClean="0">
+                <a:ln>
+                  <a:noFill/>
+                </a:ln>
+                <a:solidFill>
+                  <a:srgbClr val="7F0055"/>
+                </a:solidFill>
+                <a:effectLst/>
+                <a:latin typeface="Arial Unicode MS" panose="020B0604020202020204" pitchFamily="34" charset="-128"/>
+              </a:rPr>
+              <a:t>if</a:t>
+            </a:r>
+            <a:r>
+              <a:rPr kumimoji="0" lang="en-US" altLang="en-US" sz="3200" b="0" i="0" u="none" strike="noStrike" cap="none" normalizeH="0" baseline="0" dirty="0" smtClean="0">
+                <a:ln>
+                  <a:noFill/>
+                </a:ln>
+                <a:solidFill>
+                  <a:srgbClr val="000000"/>
+                </a:solidFill>
+                <a:effectLst/>
+                <a:latin typeface="Arial Unicode MS" panose="020B0604020202020204" pitchFamily="34" charset="-128"/>
+              </a:rPr>
+              <a:t> ( !(6 &lt;= 3) ) {</a:t>
+            </a:r>
+          </a:p>
+          <a:p>
+            <a:pPr marL="0" lvl="0" indent="0" eaLnBrk="0" fontAlgn="base" hangingPunct="0">
+              <a:lnSpc>
+                <a:spcPct val="100000"/>
+              </a:lnSpc>
+              <a:spcBef>
+                <a:spcPct val="0"/>
+              </a:spcBef>
+              <a:spcAft>
+                <a:spcPct val="0"/>
+              </a:spcAft>
+              <a:buNone/>
+            </a:pPr>
+            <a:r>
+              <a:rPr lang="en-US" altLang="en-US" sz="3200" dirty="0">
+                <a:solidFill>
+                  <a:srgbClr val="000000"/>
+                </a:solidFill>
+                <a:latin typeface="Arial Unicode MS" panose="020B0604020202020204" pitchFamily="34" charset="-128"/>
+              </a:rPr>
+              <a:t> </a:t>
+            </a:r>
+            <a:r>
+              <a:rPr lang="en-US" altLang="en-US" sz="3200" dirty="0" smtClean="0">
+                <a:solidFill>
+                  <a:srgbClr val="000000"/>
+                </a:solidFill>
+                <a:latin typeface="Arial Unicode MS" panose="020B0604020202020204" pitchFamily="34" charset="-128"/>
+              </a:rPr>
+              <a:t>   </a:t>
+            </a:r>
+            <a:r>
+              <a:rPr kumimoji="0" lang="en-US" altLang="en-US" sz="3200" b="1" i="0" u="none" strike="noStrike" cap="none" normalizeH="0" baseline="0" dirty="0" smtClean="0">
+                <a:ln>
+                  <a:noFill/>
+                </a:ln>
+                <a:solidFill>
+                  <a:srgbClr val="7F0055"/>
+                </a:solidFill>
+                <a:effectLst/>
+                <a:latin typeface="Arial Unicode MS" panose="020B0604020202020204" pitchFamily="34" charset="-128"/>
+              </a:rPr>
+              <a:t>echo</a:t>
+            </a:r>
+            <a:r>
+              <a:rPr kumimoji="0" lang="en-US" altLang="en-US" sz="3200" b="0" i="0" u="none" strike="noStrike" cap="none" normalizeH="0" baseline="0" dirty="0" smtClean="0">
+                <a:ln>
+                  <a:noFill/>
+                </a:ln>
+                <a:solidFill>
+                  <a:srgbClr val="000000"/>
+                </a:solidFill>
+                <a:effectLst/>
+                <a:latin typeface="Arial Unicode MS" panose="020B0604020202020204" pitchFamily="34" charset="-128"/>
+              </a:rPr>
+              <a:t> </a:t>
+            </a:r>
+            <a:r>
+              <a:rPr kumimoji="0" lang="en-US" altLang="en-US" sz="3200" b="0" i="0" u="none" strike="noStrike" cap="none" normalizeH="0" baseline="0" dirty="0" smtClean="0">
+                <a:ln>
+                  <a:noFill/>
+                </a:ln>
+                <a:solidFill>
+                  <a:srgbClr val="2A00FF"/>
+                </a:solidFill>
+                <a:effectLst/>
+                <a:latin typeface="Arial Unicode MS" panose="020B0604020202020204" pitchFamily="34" charset="-128"/>
+              </a:rPr>
+              <a:t>'</a:t>
+            </a:r>
+            <a:r>
+              <a:rPr kumimoji="0" lang="en-US" altLang="en-US" sz="3200" b="0" i="0" u="none" strike="noStrike" cap="none" normalizeH="0" baseline="0" dirty="0" err="1" smtClean="0">
+                <a:ln>
+                  <a:noFill/>
+                </a:ln>
+                <a:solidFill>
+                  <a:srgbClr val="2A00FF"/>
+                </a:solidFill>
+                <a:effectLst/>
+                <a:latin typeface="Arial Unicode MS" panose="020B0604020202020204" pitchFamily="34" charset="-128"/>
+              </a:rPr>
+              <a:t>foobar</a:t>
+            </a:r>
+            <a:r>
+              <a:rPr kumimoji="0" lang="en-US" altLang="en-US" sz="3200" b="0" i="0" u="none" strike="noStrike" cap="none" normalizeH="0" baseline="0" dirty="0" smtClean="0">
+                <a:ln>
+                  <a:noFill/>
+                </a:ln>
+                <a:solidFill>
+                  <a:srgbClr val="2A00FF"/>
+                </a:solidFill>
+                <a:effectLst/>
+                <a:latin typeface="Arial Unicode MS" panose="020B0604020202020204" pitchFamily="34" charset="-128"/>
+              </a:rPr>
+              <a:t>'</a:t>
+            </a:r>
+            <a:r>
+              <a:rPr kumimoji="0" lang="en-US" altLang="en-US" sz="3200" b="0" i="0" u="none" strike="noStrike" cap="none" normalizeH="0" baseline="0" dirty="0" smtClean="0">
+                <a:ln>
+                  <a:noFill/>
+                </a:ln>
+                <a:solidFill>
+                  <a:srgbClr val="000000"/>
+                </a:solidFill>
+                <a:effectLst/>
+                <a:latin typeface="Arial Unicode MS" panose="020B0604020202020204" pitchFamily="34" charset="-128"/>
+              </a:rPr>
+              <a:t>;</a:t>
+            </a:r>
+          </a:p>
+          <a:p>
+            <a:pPr marL="0" lvl="0" indent="0" eaLnBrk="0" fontAlgn="base" hangingPunct="0">
+              <a:lnSpc>
+                <a:spcPct val="100000"/>
+              </a:lnSpc>
+              <a:spcBef>
+                <a:spcPct val="0"/>
+              </a:spcBef>
+              <a:spcAft>
+                <a:spcPct val="0"/>
+              </a:spcAft>
+              <a:buNone/>
+            </a:pPr>
+            <a:r>
+              <a:rPr kumimoji="0" lang="en-US" altLang="en-US" sz="3200" b="0" i="0" u="none" strike="noStrike" cap="none" normalizeH="0" baseline="0" dirty="0" smtClean="0">
+                <a:ln>
+                  <a:noFill/>
+                </a:ln>
+                <a:solidFill>
+                  <a:srgbClr val="000000"/>
+                </a:solidFill>
+                <a:effectLst/>
+                <a:latin typeface="Arial Unicode MS" panose="020B0604020202020204" pitchFamily="34" charset="-128"/>
+              </a:rPr>
+              <a:t>}</a:t>
+            </a:r>
+          </a:p>
+          <a:p>
+            <a:pPr marL="0" lvl="0" indent="0" eaLnBrk="0" fontAlgn="base" hangingPunct="0">
+              <a:lnSpc>
+                <a:spcPct val="100000"/>
+              </a:lnSpc>
+              <a:spcBef>
+                <a:spcPct val="0"/>
+              </a:spcBef>
+              <a:spcAft>
+                <a:spcPct val="0"/>
+              </a:spcAft>
+              <a:buNone/>
+            </a:pPr>
+            <a:endParaRPr kumimoji="0" lang="en-US" altLang="en-US" sz="3200" b="0" i="0" u="none" strike="noStrike" cap="none" normalizeH="0" baseline="0" dirty="0" smtClean="0">
+              <a:ln>
+                <a:noFill/>
+              </a:ln>
+              <a:solidFill>
+                <a:srgbClr val="7F0055"/>
+              </a:solidFill>
+              <a:effectLst/>
+              <a:latin typeface="Arial Unicode MS" panose="020B0604020202020204" pitchFamily="34" charset="-128"/>
+            </a:endParaRPr>
+          </a:p>
+          <a:p>
+            <a:pPr marL="0" lvl="0" indent="0" eaLnBrk="0" fontAlgn="base" hangingPunct="0">
+              <a:lnSpc>
+                <a:spcPct val="100000"/>
+              </a:lnSpc>
+              <a:spcBef>
+                <a:spcPct val="0"/>
+              </a:spcBef>
+              <a:spcAft>
+                <a:spcPct val="0"/>
+              </a:spcAft>
+              <a:buNone/>
+            </a:pPr>
+            <a:r>
+              <a:rPr kumimoji="0" lang="en-US" altLang="en-US" sz="3200" b="0" i="0" u="none" strike="noStrike" cap="none" normalizeH="0" baseline="0" dirty="0" smtClean="0">
+                <a:ln>
+                  <a:noFill/>
+                </a:ln>
+                <a:solidFill>
+                  <a:srgbClr val="7F0055"/>
+                </a:solidFill>
+                <a:effectLst/>
+                <a:latin typeface="Arial Unicode MS" panose="020B0604020202020204" pitchFamily="34" charset="-128"/>
+              </a:rPr>
+              <a:t>?&gt;</a:t>
+            </a:r>
+            <a:r>
+              <a:rPr kumimoji="0" lang="en-US" altLang="en-US" sz="2400" b="0" i="0" u="none" strike="noStrike" cap="none" normalizeH="0" baseline="0" dirty="0" smtClean="0">
+                <a:ln>
+                  <a:noFill/>
+                </a:ln>
+                <a:solidFill>
+                  <a:schemeClr val="tx1"/>
+                </a:solidFill>
+                <a:effectLst/>
+              </a:rPr>
+              <a:t> </a:t>
+            </a:r>
+            <a:endParaRPr kumimoji="0" lang="en-US" altLang="en-US" sz="6000" b="0" i="0" u="none" strike="noStrike" cap="none" normalizeH="0" baseline="0" dirty="0" smtClean="0">
+              <a:ln>
+                <a:noFill/>
+              </a:ln>
+              <a:solidFill>
+                <a:schemeClr val="tx1"/>
+              </a:solidFill>
+              <a:effectLst/>
+              <a:latin typeface="Arial" panose="020B0604020202020204" pitchFamily="34" charset="0"/>
+            </a:endParaRPr>
+          </a:p>
+        </p:txBody>
+      </p:sp>
+      <p:sp>
+        <p:nvSpPr>
+          <p:cNvPr id="3" name="Rectangle 2"/>
+          <p:cNvSpPr>
+            <a:spLocks noChangeArrowheads="1"/>
+          </p:cNvSpPr>
+          <p:nvPr/>
+        </p:nvSpPr>
+        <p:spPr bwMode="auto">
+          <a:xfrm>
+            <a:off x="0" y="43934"/>
+            <a:ext cx="184731" cy="369332"/>
+          </a:xfrm>
+          <a:prstGeom prst="rect">
+            <a:avLst/>
+          </a:prstGeom>
+          <a:solidFill>
+            <a:srgbClr val="FFFFFF"/>
+          </a:solidFill>
+          <a:ln>
+            <a:noFill/>
+          </a:ln>
+          <a:effectLst/>
+          <a:extLst>
+            <a:ext uri="{91240B29-F687-4F45-9708-019B960494DF}">
+              <a14:hiddenLine xmlns:a14="http://schemas.microsoft.com/office/drawing/2010/main" w="9525">
+                <a:solidFill>
+                  <a:schemeClr val="tx1"/>
+                </a:solidFill>
+                <a:miter lim="800000"/>
+                <a:headEnd/>
+                <a:tailEnd/>
+              </a14:hiddenLine>
+            </a:ext>
+            <a:ext uri="{AF507438-7753-43E0-B8FC-AC1667EBCBE1}">
+              <a14:hiddenEffects xmlns:a14="http://schemas.microsoft.com/office/drawing/2010/main">
+                <a:effectLst>
+                  <a:outerShdw dist="35921" dir="2700000" algn="ctr" rotWithShape="0">
+                    <a:schemeClr val="bg2"/>
+                  </a:outerShdw>
+                </a:effectLst>
+              </a14:hiddenEffects>
+            </a:ext>
+          </a:extLst>
+        </p:spPr>
+        <p:txBody>
+          <a:bodyPr vert="horz" wrap="none" lIns="91440" tIns="45720" rIns="91440" bIns="45720" numCol="1" anchor="ctr" anchorCtr="0" compatLnSpc="1">
+            <a:prstTxWarp prst="textNoShape">
+              <a:avLst/>
+            </a:prstTxWarp>
+            <a:spAutoFit/>
+          </a:bodyPr>
+          <a:lstStyle/>
+          <a:p>
+            <a:pPr marL="0" marR="0" lvl="0" indent="0" algn="l" defTabSz="914400" rtl="0" eaLnBrk="0" fontAlgn="base" latinLnBrk="0" hangingPunct="0">
+              <a:lnSpc>
+                <a:spcPct val="100000"/>
+              </a:lnSpc>
+              <a:spcBef>
+                <a:spcPct val="0"/>
+              </a:spcBef>
+              <a:spcAft>
+                <a:spcPct val="0"/>
+              </a:spcAft>
+              <a:buClrTx/>
+              <a:buSzTx/>
+              <a:buFontTx/>
+              <a:buNone/>
+              <a:tabLst/>
+            </a:pPr>
+            <a:endParaRPr kumimoji="0" lang="en-US" altLang="en-US" sz="1800" b="0" i="0" u="none" strike="noStrike" cap="none" normalizeH="0" baseline="0" dirty="0" smtClean="0">
+              <a:ln>
+                <a:noFill/>
+              </a:ln>
+              <a:solidFill>
+                <a:schemeClr val="tx1"/>
+              </a:solidFill>
+              <a:effectLst/>
+              <a:latin typeface="Arial" panose="020B0604020202020204" pitchFamily="34" charset="0"/>
+            </a:endParaRPr>
+          </a:p>
+        </p:txBody>
+      </p:sp>
+    </p:spTree>
+    <p:extLst>
+      <p:ext uri="{BB962C8B-B14F-4D97-AF65-F5344CB8AC3E}">
+        <p14:creationId xmlns:p14="http://schemas.microsoft.com/office/powerpoint/2010/main" val="3384576114"/>
+      </p:ext>
+    </p:extLst>
+  </p:cSld>
+  <p:clrMapOvr>
+    <a:masterClrMapping/>
+  </p:clrMapOvr>
+  <p:timing>
+    <p:tnLst>
+      <p:par>
+        <p:cTn id="1" dur="indefinite" restart="never" nodeType="tmRoot"/>
+      </p:par>
+    </p:tnLst>
+  </p:timing>
+</p:sld>
+</file>
+
+<file path=ppt/slides/slide41.xml><?xml version="1.0" encoding="utf-8"?>
+<p:sld xmlns:a="http://schemas.openxmlformats.org/drawingml/2006/main" xmlns:r="http://schemas.openxmlformats.org/officeDocument/2006/relationships" xmlns:p="http://schemas.openxmlformats.org/presentationml/2006/main">
+  <p:cSld>
+    <p:spTree>
+      <p:nvGrpSpPr>
+        <p:cNvPr id="1" name=""/>
+        <p:cNvGrpSpPr/>
+        <p:nvPr/>
+      </p:nvGrpSpPr>
+      <p:grpSpPr>
+        <a:xfrm>
+          <a:off x="0" y="0"/>
+          <a:ext cx="0" cy="0"/>
+          <a:chOff x="0" y="0"/>
+          <a:chExt cx="0" cy="0"/>
+        </a:xfrm>
+      </p:grpSpPr>
+      <p:sp>
+        <p:nvSpPr>
+          <p:cNvPr id="4" name="Title 3"/>
+          <p:cNvSpPr>
+            <a:spLocks noGrp="1"/>
+          </p:cNvSpPr>
+          <p:nvPr>
+            <p:ph type="title"/>
+          </p:nvPr>
+        </p:nvSpPr>
+        <p:spPr/>
+        <p:txBody>
+          <a:bodyPr/>
+          <a:lstStyle/>
+          <a:p>
+            <a:r>
+              <a:rPr lang="en-US" dirty="0" smtClean="0"/>
+              <a:t>Else</a:t>
+            </a:r>
+            <a:endParaRPr lang="en-US" dirty="0"/>
+          </a:p>
+        </p:txBody>
+      </p:sp>
+      <p:sp>
+        <p:nvSpPr>
+          <p:cNvPr id="5" name="Content Placeholder 4"/>
+          <p:cNvSpPr>
+            <a:spLocks noGrp="1"/>
+          </p:cNvSpPr>
+          <p:nvPr>
+            <p:ph idx="1"/>
+          </p:nvPr>
+        </p:nvSpPr>
+        <p:spPr/>
+        <p:txBody>
+          <a:bodyPr/>
+          <a:lstStyle/>
+          <a:p>
+            <a:r>
+              <a:rPr lang="en-US" dirty="0" smtClean="0"/>
+              <a:t>Placed after an if statement</a:t>
+            </a:r>
+          </a:p>
+          <a:p>
+            <a:r>
+              <a:rPr lang="en-US" dirty="0" smtClean="0"/>
+              <a:t>Executes a block of code if the if statement was false</a:t>
+            </a:r>
+          </a:p>
+          <a:p>
+            <a:endParaRPr lang="en-US" dirty="0" smtClean="0"/>
+          </a:p>
+        </p:txBody>
+      </p:sp>
+    </p:spTree>
+    <p:extLst>
+      <p:ext uri="{BB962C8B-B14F-4D97-AF65-F5344CB8AC3E}">
+        <p14:creationId xmlns:p14="http://schemas.microsoft.com/office/powerpoint/2010/main" val="3466312474"/>
+      </p:ext>
+    </p:extLst>
+  </p:cSld>
+  <p:clrMapOvr>
+    <a:masterClrMapping/>
+  </p:clrMapOvr>
+  <p:timing>
+    <p:tnLst>
+      <p:par>
+        <p:cTn id="1" dur="indefinite" restart="never" nodeType="tmRoot"/>
+      </p:par>
+    </p:tnLst>
+  </p:timing>
+</p:sld>
+</file>
+
+<file path=ppt/slides/slide42.xml><?xml version="1.0" encoding="utf-8"?>
+<p:sld xmlns:a="http://schemas.openxmlformats.org/drawingml/2006/main" xmlns:r="http://schemas.openxmlformats.org/officeDocument/2006/relationships" xmlns:p="http://schemas.openxmlformats.org/presentationml/2006/main">
+  <p:cSld>
+    <p:spTree>
+      <p:nvGrpSpPr>
+        <p:cNvPr id="1" name=""/>
+        <p:cNvGrpSpPr/>
+        <p:nvPr/>
+      </p:nvGrpSpPr>
+      <p:grpSpPr>
+        <a:xfrm>
+          <a:off x="0" y="0"/>
+          <a:ext cx="0" cy="0"/>
+          <a:chOff x="0" y="0"/>
+          <a:chExt cx="0" cy="0"/>
+        </a:xfrm>
+      </p:grpSpPr>
+      <p:sp>
+        <p:nvSpPr>
+          <p:cNvPr id="6" name="Rectangle 2"/>
+          <p:cNvSpPr>
+            <a:spLocks noGrp="1" noChangeArrowheads="1"/>
+          </p:cNvSpPr>
+          <p:nvPr>
+            <p:ph idx="1"/>
+          </p:nvPr>
+        </p:nvSpPr>
+        <p:spPr bwMode="auto">
+          <a:xfrm>
+            <a:off x="617220" y="390092"/>
+            <a:ext cx="10957560" cy="6001643"/>
+          </a:xfrm>
+          <a:prstGeom prst="rect">
+            <a:avLst/>
+          </a:prstGeom>
+          <a:solidFill>
+            <a:schemeClr val="bg2"/>
+          </a:solidFill>
+          <a:ln>
+            <a:solidFill>
+              <a:schemeClr val="tx1"/>
+            </a:solidFill>
+          </a:ln>
+          <a:effectLst/>
+        </p:spPr>
+        <p:txBody>
+          <a:bodyPr vert="horz" wrap="square" lIns="91440" tIns="45720" rIns="91440" bIns="45720" numCol="1" anchor="ctr" anchorCtr="0" compatLnSpc="1">
+            <a:prstTxWarp prst="textNoShape">
+              <a:avLst/>
+            </a:prstTxWarp>
+            <a:spAutoFit/>
+          </a:bodyPr>
+          <a:lstStyle/>
+          <a:p>
+            <a:pPr marL="0" lvl="0" indent="0" eaLnBrk="0" fontAlgn="base" hangingPunct="0">
+              <a:lnSpc>
+                <a:spcPct val="100000"/>
+              </a:lnSpc>
+              <a:spcBef>
+                <a:spcPct val="0"/>
+              </a:spcBef>
+              <a:spcAft>
+                <a:spcPct val="0"/>
+              </a:spcAft>
+              <a:buNone/>
+            </a:pPr>
+            <a:r>
+              <a:rPr kumimoji="0" lang="en-US" altLang="en-US" sz="3200" b="0" i="0" u="none" strike="noStrike" cap="none" normalizeH="0" baseline="0" dirty="0" smtClean="0">
+                <a:ln>
+                  <a:noFill/>
+                </a:ln>
+                <a:solidFill>
+                  <a:srgbClr val="7F0055"/>
+                </a:solidFill>
+                <a:effectLst/>
+                <a:latin typeface="Arial Unicode MS" panose="020B0604020202020204" pitchFamily="34" charset="-128"/>
+              </a:rPr>
+              <a:t>&lt;?</a:t>
+            </a:r>
+            <a:r>
+              <a:rPr kumimoji="0" lang="en-US" altLang="en-US" sz="3200" b="0" i="0" u="none" strike="noStrike" cap="none" normalizeH="0" baseline="0" dirty="0" err="1" smtClean="0">
+                <a:ln>
+                  <a:noFill/>
+                </a:ln>
+                <a:solidFill>
+                  <a:srgbClr val="7F0055"/>
+                </a:solidFill>
+                <a:effectLst/>
+                <a:latin typeface="Arial Unicode MS" panose="020B0604020202020204" pitchFamily="34" charset="-128"/>
+              </a:rPr>
+              <a:t>php</a:t>
+            </a:r>
+            <a:endParaRPr lang="en-US" altLang="en-US" sz="3200" dirty="0">
+              <a:solidFill>
+                <a:srgbClr val="000000"/>
+              </a:solidFill>
+              <a:latin typeface="Arial Unicode MS" panose="020B0604020202020204" pitchFamily="34" charset="-128"/>
+            </a:endParaRPr>
+          </a:p>
+          <a:p>
+            <a:pPr marL="0" lvl="0" indent="0" eaLnBrk="0" fontAlgn="base" hangingPunct="0">
+              <a:lnSpc>
+                <a:spcPct val="100000"/>
+              </a:lnSpc>
+              <a:spcBef>
+                <a:spcPct val="0"/>
+              </a:spcBef>
+              <a:spcAft>
+                <a:spcPct val="0"/>
+              </a:spcAft>
+              <a:buNone/>
+            </a:pPr>
+            <a:r>
+              <a:rPr kumimoji="0" lang="en-US" altLang="en-US" sz="3200" b="1" i="0" u="none" strike="noStrike" cap="none" normalizeH="0" baseline="0" dirty="0" smtClean="0">
+                <a:ln>
+                  <a:noFill/>
+                </a:ln>
+                <a:solidFill>
+                  <a:srgbClr val="7F0055"/>
+                </a:solidFill>
+                <a:effectLst/>
+                <a:latin typeface="Arial Unicode MS" panose="020B0604020202020204" pitchFamily="34" charset="-128"/>
+              </a:rPr>
+              <a:t>if</a:t>
+            </a:r>
+            <a:r>
+              <a:rPr kumimoji="0" lang="en-US" altLang="en-US" sz="3200" b="0" i="0" u="none" strike="noStrike" cap="none" normalizeH="0" baseline="0" dirty="0" smtClean="0">
+                <a:ln>
+                  <a:noFill/>
+                </a:ln>
+                <a:solidFill>
+                  <a:srgbClr val="000000"/>
+                </a:solidFill>
+                <a:effectLst/>
+                <a:latin typeface="Arial Unicode MS" panose="020B0604020202020204" pitchFamily="34" charset="-128"/>
+              </a:rPr>
+              <a:t> (</a:t>
+            </a:r>
+            <a:r>
+              <a:rPr kumimoji="0" lang="en-US" altLang="en-US" sz="3200" b="1" i="0" u="none" strike="noStrike" cap="none" normalizeH="0" baseline="0" dirty="0" smtClean="0">
+                <a:ln>
+                  <a:noFill/>
+                </a:ln>
+                <a:solidFill>
+                  <a:srgbClr val="7F0055"/>
+                </a:solidFill>
+                <a:effectLst/>
+                <a:latin typeface="Arial Unicode MS" panose="020B0604020202020204" pitchFamily="34" charset="-128"/>
+              </a:rPr>
+              <a:t>true</a:t>
+            </a:r>
+            <a:r>
+              <a:rPr kumimoji="0" lang="en-US" altLang="en-US" sz="3200" b="0" i="0" u="none" strike="noStrike" cap="none" normalizeH="0" baseline="0" dirty="0" smtClean="0">
+                <a:ln>
+                  <a:noFill/>
+                </a:ln>
+                <a:solidFill>
+                  <a:srgbClr val="000000"/>
+                </a:solidFill>
+                <a:effectLst/>
+                <a:latin typeface="Arial Unicode MS" panose="020B0604020202020204" pitchFamily="34" charset="-128"/>
+              </a:rPr>
+              <a:t>) {</a:t>
+            </a:r>
+            <a:endParaRPr lang="en-US" altLang="en-US" sz="3200" dirty="0">
+              <a:solidFill>
+                <a:srgbClr val="000000"/>
+              </a:solidFill>
+              <a:latin typeface="Arial Unicode MS" panose="020B0604020202020204" pitchFamily="34" charset="-128"/>
+            </a:endParaRPr>
+          </a:p>
+          <a:p>
+            <a:pPr marL="0" lvl="0" indent="0" eaLnBrk="0" fontAlgn="base" hangingPunct="0">
+              <a:lnSpc>
+                <a:spcPct val="100000"/>
+              </a:lnSpc>
+              <a:spcBef>
+                <a:spcPct val="0"/>
+              </a:spcBef>
+              <a:spcAft>
+                <a:spcPct val="0"/>
+              </a:spcAft>
+              <a:buNone/>
+            </a:pPr>
+            <a:r>
+              <a:rPr kumimoji="0" lang="en-US" altLang="en-US" sz="3200" b="1" i="0" u="none" strike="noStrike" cap="none" normalizeH="0" dirty="0" smtClean="0">
+                <a:ln>
+                  <a:noFill/>
+                </a:ln>
+                <a:solidFill>
+                  <a:srgbClr val="000000"/>
+                </a:solidFill>
+                <a:effectLst/>
+                <a:latin typeface="Arial Unicode MS" panose="020B0604020202020204" pitchFamily="34" charset="-128"/>
+              </a:rPr>
+              <a:t>    </a:t>
+            </a:r>
+            <a:r>
+              <a:rPr kumimoji="0" lang="en-US" altLang="en-US" sz="3200" b="1" i="0" u="none" strike="noStrike" cap="none" normalizeH="0" baseline="0" dirty="0" smtClean="0">
+                <a:ln>
+                  <a:noFill/>
+                </a:ln>
+                <a:solidFill>
+                  <a:srgbClr val="7F0055"/>
+                </a:solidFill>
+                <a:effectLst/>
+                <a:latin typeface="Arial Unicode MS" panose="020B0604020202020204" pitchFamily="34" charset="-128"/>
+              </a:rPr>
+              <a:t>echo</a:t>
+            </a:r>
+            <a:r>
+              <a:rPr kumimoji="0" lang="en-US" altLang="en-US" sz="3200" b="0" i="0" u="none" strike="noStrike" cap="none" normalizeH="0" baseline="0" dirty="0" smtClean="0">
+                <a:ln>
+                  <a:noFill/>
+                </a:ln>
+                <a:solidFill>
+                  <a:srgbClr val="000000"/>
+                </a:solidFill>
+                <a:effectLst/>
+                <a:latin typeface="Arial Unicode MS" panose="020B0604020202020204" pitchFamily="34" charset="-128"/>
+              </a:rPr>
+              <a:t> </a:t>
+            </a:r>
+            <a:r>
+              <a:rPr kumimoji="0" lang="en-US" altLang="en-US" sz="3200" b="0" i="0" u="none" strike="noStrike" cap="none" normalizeH="0" baseline="0" dirty="0" smtClean="0">
+                <a:ln>
+                  <a:noFill/>
+                </a:ln>
+                <a:solidFill>
+                  <a:srgbClr val="2A00FF"/>
+                </a:solidFill>
+                <a:effectLst/>
+                <a:latin typeface="Arial Unicode MS" panose="020B0604020202020204" pitchFamily="34" charset="-128"/>
+              </a:rPr>
+              <a:t>'true'</a:t>
+            </a:r>
+            <a:r>
+              <a:rPr kumimoji="0" lang="en-US" altLang="en-US" sz="3200" b="0" i="0" u="none" strike="noStrike" cap="none" normalizeH="0" baseline="0" dirty="0" smtClean="0">
+                <a:ln>
+                  <a:noFill/>
+                </a:ln>
+                <a:solidFill>
+                  <a:srgbClr val="000000"/>
+                </a:solidFill>
+                <a:effectLst/>
+                <a:latin typeface="Arial Unicode MS" panose="020B0604020202020204" pitchFamily="34" charset="-128"/>
+              </a:rPr>
+              <a:t>;</a:t>
+            </a:r>
+            <a:endParaRPr lang="en-US" altLang="en-US" sz="3200" dirty="0">
+              <a:solidFill>
+                <a:srgbClr val="000000"/>
+              </a:solidFill>
+              <a:latin typeface="Arial Unicode MS" panose="020B0604020202020204" pitchFamily="34" charset="-128"/>
+            </a:endParaRPr>
+          </a:p>
+          <a:p>
+            <a:pPr marL="0" lvl="0" indent="0" eaLnBrk="0" fontAlgn="base" hangingPunct="0">
+              <a:lnSpc>
+                <a:spcPct val="100000"/>
+              </a:lnSpc>
+              <a:spcBef>
+                <a:spcPct val="0"/>
+              </a:spcBef>
+              <a:spcAft>
+                <a:spcPct val="0"/>
+              </a:spcAft>
+              <a:buNone/>
+            </a:pPr>
+            <a:r>
+              <a:rPr kumimoji="0" lang="en-US" altLang="en-US" sz="3200" b="0" i="0" u="none" strike="noStrike" cap="none" normalizeH="0" baseline="0" dirty="0" smtClean="0">
+                <a:ln>
+                  <a:noFill/>
+                </a:ln>
+                <a:solidFill>
+                  <a:srgbClr val="000000"/>
+                </a:solidFill>
+                <a:effectLst/>
+                <a:latin typeface="Arial Unicode MS" panose="020B0604020202020204" pitchFamily="34" charset="-128"/>
+              </a:rPr>
+              <a:t>} </a:t>
+            </a:r>
+            <a:r>
+              <a:rPr kumimoji="0" lang="en-US" altLang="en-US" sz="3200" b="1" i="0" u="none" strike="noStrike" cap="none" normalizeH="0" baseline="0" dirty="0" smtClean="0">
+                <a:ln>
+                  <a:noFill/>
+                </a:ln>
+                <a:solidFill>
+                  <a:srgbClr val="7F0055"/>
+                </a:solidFill>
+                <a:effectLst/>
+                <a:latin typeface="Arial Unicode MS" panose="020B0604020202020204" pitchFamily="34" charset="-128"/>
+              </a:rPr>
+              <a:t>else</a:t>
+            </a:r>
+            <a:r>
+              <a:rPr kumimoji="0" lang="en-US" altLang="en-US" sz="3200" b="0" i="0" u="none" strike="noStrike" cap="none" normalizeH="0" baseline="0" dirty="0" smtClean="0">
+                <a:ln>
+                  <a:noFill/>
+                </a:ln>
+                <a:solidFill>
+                  <a:srgbClr val="000000"/>
+                </a:solidFill>
+                <a:effectLst/>
+                <a:latin typeface="Arial Unicode MS" panose="020B0604020202020204" pitchFamily="34" charset="-128"/>
+              </a:rPr>
+              <a:t> {</a:t>
+            </a:r>
+            <a:endParaRPr lang="en-US" altLang="en-US" sz="3200" dirty="0">
+              <a:solidFill>
+                <a:srgbClr val="000000"/>
+              </a:solidFill>
+              <a:latin typeface="Arial Unicode MS" panose="020B0604020202020204" pitchFamily="34" charset="-128"/>
+            </a:endParaRPr>
+          </a:p>
+          <a:p>
+            <a:pPr marL="0" lvl="0" indent="0" eaLnBrk="0" fontAlgn="base" hangingPunct="0">
+              <a:lnSpc>
+                <a:spcPct val="100000"/>
+              </a:lnSpc>
+              <a:spcBef>
+                <a:spcPct val="0"/>
+              </a:spcBef>
+              <a:spcAft>
+                <a:spcPct val="0"/>
+              </a:spcAft>
+              <a:buNone/>
+            </a:pPr>
+            <a:r>
+              <a:rPr kumimoji="0" lang="en-US" altLang="en-US" sz="3200" b="1" i="0" u="none" strike="noStrike" cap="none" normalizeH="0" dirty="0" smtClean="0">
+                <a:ln>
+                  <a:noFill/>
+                </a:ln>
+                <a:solidFill>
+                  <a:srgbClr val="000000"/>
+                </a:solidFill>
+                <a:effectLst/>
+                <a:latin typeface="Arial Unicode MS" panose="020B0604020202020204" pitchFamily="34" charset="-128"/>
+              </a:rPr>
+              <a:t>    </a:t>
+            </a:r>
+            <a:r>
+              <a:rPr kumimoji="0" lang="en-US" altLang="en-US" sz="3200" b="1" i="0" u="none" strike="noStrike" cap="none" normalizeH="0" baseline="0" dirty="0" smtClean="0">
+                <a:ln>
+                  <a:noFill/>
+                </a:ln>
+                <a:solidFill>
+                  <a:srgbClr val="7F0055"/>
+                </a:solidFill>
+                <a:effectLst/>
+                <a:latin typeface="Arial Unicode MS" panose="020B0604020202020204" pitchFamily="34" charset="-128"/>
+              </a:rPr>
+              <a:t>echo</a:t>
+            </a:r>
+            <a:r>
+              <a:rPr kumimoji="0" lang="en-US" altLang="en-US" sz="3200" b="0" i="0" u="none" strike="noStrike" cap="none" normalizeH="0" baseline="0" dirty="0" smtClean="0">
+                <a:ln>
+                  <a:noFill/>
+                </a:ln>
+                <a:solidFill>
+                  <a:srgbClr val="000000"/>
+                </a:solidFill>
+                <a:effectLst/>
+                <a:latin typeface="Arial Unicode MS" panose="020B0604020202020204" pitchFamily="34" charset="-128"/>
+              </a:rPr>
+              <a:t> </a:t>
+            </a:r>
+            <a:r>
+              <a:rPr kumimoji="0" lang="en-US" altLang="en-US" sz="3200" b="0" i="0" u="none" strike="noStrike" cap="none" normalizeH="0" baseline="0" dirty="0" smtClean="0">
+                <a:ln>
+                  <a:noFill/>
+                </a:ln>
+                <a:solidFill>
+                  <a:srgbClr val="2A00FF"/>
+                </a:solidFill>
+                <a:effectLst/>
+                <a:latin typeface="Arial Unicode MS" panose="020B0604020202020204" pitchFamily="34" charset="-128"/>
+              </a:rPr>
+              <a:t>'false'</a:t>
+            </a:r>
+            <a:r>
+              <a:rPr kumimoji="0" lang="en-US" altLang="en-US" sz="3200" b="0" i="0" u="none" strike="noStrike" cap="none" normalizeH="0" baseline="0" dirty="0" smtClean="0">
+                <a:ln>
+                  <a:noFill/>
+                </a:ln>
+                <a:solidFill>
+                  <a:srgbClr val="000000"/>
+                </a:solidFill>
+                <a:effectLst/>
+                <a:latin typeface="Arial Unicode MS" panose="020B0604020202020204" pitchFamily="34" charset="-128"/>
+              </a:rPr>
+              <a:t>;</a:t>
+            </a:r>
+            <a:endParaRPr lang="en-US" altLang="en-US" sz="3200" dirty="0">
+              <a:solidFill>
+                <a:srgbClr val="000000"/>
+              </a:solidFill>
+              <a:latin typeface="Arial Unicode MS" panose="020B0604020202020204" pitchFamily="34" charset="-128"/>
+            </a:endParaRPr>
+          </a:p>
+          <a:p>
+            <a:pPr marL="0" lvl="0" indent="0" eaLnBrk="0" fontAlgn="base" hangingPunct="0">
+              <a:lnSpc>
+                <a:spcPct val="100000"/>
+              </a:lnSpc>
+              <a:spcBef>
+                <a:spcPct val="0"/>
+              </a:spcBef>
+              <a:spcAft>
+                <a:spcPct val="0"/>
+              </a:spcAft>
+              <a:buNone/>
+            </a:pPr>
+            <a:r>
+              <a:rPr kumimoji="0" lang="en-US" altLang="en-US" sz="3200" b="0" i="0" u="none" strike="noStrike" cap="none" normalizeH="0" baseline="0" dirty="0" smtClean="0">
+                <a:ln>
+                  <a:noFill/>
+                </a:ln>
+                <a:solidFill>
+                  <a:srgbClr val="000000"/>
+                </a:solidFill>
+                <a:effectLst/>
+                <a:latin typeface="Arial Unicode MS" panose="020B0604020202020204" pitchFamily="34" charset="-128"/>
+              </a:rPr>
+              <a:t>}</a:t>
+            </a:r>
+          </a:p>
+          <a:p>
+            <a:pPr marL="0" lvl="0" indent="0" eaLnBrk="0" fontAlgn="base" hangingPunct="0">
+              <a:lnSpc>
+                <a:spcPct val="100000"/>
+              </a:lnSpc>
+              <a:spcBef>
+                <a:spcPct val="0"/>
+              </a:spcBef>
+              <a:spcAft>
+                <a:spcPct val="0"/>
+              </a:spcAft>
+              <a:buNone/>
+            </a:pPr>
+            <a:r>
+              <a:rPr kumimoji="0" lang="en-US" altLang="en-US" sz="3200" b="1" i="0" u="none" strike="noStrike" cap="none" normalizeH="0" baseline="0" dirty="0" smtClean="0">
+                <a:ln>
+                  <a:noFill/>
+                </a:ln>
+                <a:solidFill>
+                  <a:srgbClr val="7F0055"/>
+                </a:solidFill>
+                <a:effectLst/>
+                <a:latin typeface="Arial Unicode MS" panose="020B0604020202020204" pitchFamily="34" charset="-128"/>
+              </a:rPr>
+              <a:t>if</a:t>
+            </a:r>
+            <a:r>
+              <a:rPr kumimoji="0" lang="en-US" altLang="en-US" sz="3200" b="0" i="0" u="none" strike="noStrike" cap="none" normalizeH="0" baseline="0" dirty="0" smtClean="0">
+                <a:ln>
+                  <a:noFill/>
+                </a:ln>
+                <a:solidFill>
+                  <a:srgbClr val="000000"/>
+                </a:solidFill>
+                <a:effectLst/>
+                <a:latin typeface="Arial Unicode MS" panose="020B0604020202020204" pitchFamily="34" charset="-128"/>
+              </a:rPr>
+              <a:t> (</a:t>
+            </a:r>
+            <a:r>
+              <a:rPr kumimoji="0" lang="en-US" altLang="en-US" sz="3200" b="1" i="0" u="none" strike="noStrike" cap="none" normalizeH="0" baseline="0" dirty="0" smtClean="0">
+                <a:ln>
+                  <a:noFill/>
+                </a:ln>
+                <a:solidFill>
+                  <a:srgbClr val="7F0055"/>
+                </a:solidFill>
+                <a:effectLst/>
+                <a:latin typeface="Arial Unicode MS" panose="020B0604020202020204" pitchFamily="34" charset="-128"/>
+              </a:rPr>
+              <a:t>false</a:t>
+            </a:r>
+            <a:r>
+              <a:rPr kumimoji="0" lang="en-US" altLang="en-US" sz="3200" b="0" i="0" u="none" strike="noStrike" cap="none" normalizeH="0" baseline="0" dirty="0" smtClean="0">
+                <a:ln>
+                  <a:noFill/>
+                </a:ln>
+                <a:solidFill>
+                  <a:srgbClr val="000000"/>
+                </a:solidFill>
+                <a:effectLst/>
+                <a:latin typeface="Arial Unicode MS" panose="020B0604020202020204" pitchFamily="34" charset="-128"/>
+              </a:rPr>
+              <a:t>) {</a:t>
+            </a:r>
+          </a:p>
+          <a:p>
+            <a:pPr marL="0" lvl="0" indent="0" eaLnBrk="0" fontAlgn="base" hangingPunct="0">
+              <a:lnSpc>
+                <a:spcPct val="100000"/>
+              </a:lnSpc>
+              <a:spcBef>
+                <a:spcPct val="0"/>
+              </a:spcBef>
+              <a:spcAft>
+                <a:spcPct val="0"/>
+              </a:spcAft>
+              <a:buNone/>
+            </a:pPr>
+            <a:r>
+              <a:rPr lang="en-US" altLang="en-US" sz="3200" dirty="0">
+                <a:solidFill>
+                  <a:srgbClr val="000000"/>
+                </a:solidFill>
+                <a:latin typeface="Arial Unicode MS" panose="020B0604020202020204" pitchFamily="34" charset="-128"/>
+              </a:rPr>
+              <a:t> </a:t>
+            </a:r>
+            <a:r>
+              <a:rPr lang="en-US" altLang="en-US" sz="3200" dirty="0" smtClean="0">
+                <a:solidFill>
+                  <a:srgbClr val="000000"/>
+                </a:solidFill>
+                <a:latin typeface="Arial Unicode MS" panose="020B0604020202020204" pitchFamily="34" charset="-128"/>
+              </a:rPr>
+              <a:t>   </a:t>
+            </a:r>
+            <a:r>
+              <a:rPr kumimoji="0" lang="en-US" altLang="en-US" sz="3200" b="1" i="0" u="none" strike="noStrike" cap="none" normalizeH="0" baseline="0" dirty="0" smtClean="0">
+                <a:ln>
+                  <a:noFill/>
+                </a:ln>
+                <a:solidFill>
+                  <a:srgbClr val="7F0055"/>
+                </a:solidFill>
+                <a:effectLst/>
+                <a:latin typeface="Arial Unicode MS" panose="020B0604020202020204" pitchFamily="34" charset="-128"/>
+              </a:rPr>
+              <a:t>echo</a:t>
+            </a:r>
+            <a:r>
+              <a:rPr kumimoji="0" lang="en-US" altLang="en-US" sz="3200" b="0" i="0" u="none" strike="noStrike" cap="none" normalizeH="0" baseline="0" dirty="0" smtClean="0">
+                <a:ln>
+                  <a:noFill/>
+                </a:ln>
+                <a:solidFill>
+                  <a:srgbClr val="000000"/>
+                </a:solidFill>
+                <a:effectLst/>
+                <a:latin typeface="Arial Unicode MS" panose="020B0604020202020204" pitchFamily="34" charset="-128"/>
+              </a:rPr>
+              <a:t> </a:t>
+            </a:r>
+            <a:r>
+              <a:rPr kumimoji="0" lang="en-US" altLang="en-US" sz="3200" b="0" i="0" u="none" strike="noStrike" cap="none" normalizeH="0" baseline="0" dirty="0" smtClean="0">
+                <a:ln>
+                  <a:noFill/>
+                </a:ln>
+                <a:solidFill>
+                  <a:srgbClr val="2A00FF"/>
+                </a:solidFill>
+                <a:effectLst/>
+                <a:latin typeface="Arial Unicode MS" panose="020B0604020202020204" pitchFamily="34" charset="-128"/>
+              </a:rPr>
+              <a:t>'true'</a:t>
+            </a:r>
+            <a:r>
+              <a:rPr kumimoji="0" lang="en-US" altLang="en-US" sz="3200" b="0" i="0" u="none" strike="noStrike" cap="none" normalizeH="0" baseline="0" dirty="0" smtClean="0">
+                <a:ln>
+                  <a:noFill/>
+                </a:ln>
+                <a:solidFill>
+                  <a:srgbClr val="000000"/>
+                </a:solidFill>
+                <a:effectLst/>
+                <a:latin typeface="Arial Unicode MS" panose="020B0604020202020204" pitchFamily="34" charset="-128"/>
+              </a:rPr>
+              <a:t>;</a:t>
+            </a:r>
+          </a:p>
+          <a:p>
+            <a:pPr marL="0" lvl="0" indent="0" eaLnBrk="0" fontAlgn="base" hangingPunct="0">
+              <a:lnSpc>
+                <a:spcPct val="100000"/>
+              </a:lnSpc>
+              <a:spcBef>
+                <a:spcPct val="0"/>
+              </a:spcBef>
+              <a:spcAft>
+                <a:spcPct val="0"/>
+              </a:spcAft>
+              <a:buNone/>
+            </a:pPr>
+            <a:r>
+              <a:rPr kumimoji="0" lang="en-US" altLang="en-US" sz="3200" b="0" i="0" u="none" strike="noStrike" cap="none" normalizeH="0" baseline="0" dirty="0" smtClean="0">
+                <a:ln>
+                  <a:noFill/>
+                </a:ln>
+                <a:solidFill>
+                  <a:srgbClr val="000000"/>
+                </a:solidFill>
+                <a:effectLst/>
+                <a:latin typeface="Arial Unicode MS" panose="020B0604020202020204" pitchFamily="34" charset="-128"/>
+              </a:rPr>
+              <a:t>} </a:t>
+            </a:r>
+            <a:r>
+              <a:rPr kumimoji="0" lang="en-US" altLang="en-US" sz="3200" b="1" i="0" u="none" strike="noStrike" cap="none" normalizeH="0" baseline="0" dirty="0" smtClean="0">
+                <a:ln>
+                  <a:noFill/>
+                </a:ln>
+                <a:solidFill>
+                  <a:srgbClr val="7F0055"/>
+                </a:solidFill>
+                <a:effectLst/>
+                <a:latin typeface="Arial Unicode MS" panose="020B0604020202020204" pitchFamily="34" charset="-128"/>
+              </a:rPr>
+              <a:t>else</a:t>
+            </a:r>
+            <a:r>
+              <a:rPr kumimoji="0" lang="en-US" altLang="en-US" sz="3200" b="0" i="0" u="none" strike="noStrike" cap="none" normalizeH="0" baseline="0" dirty="0" smtClean="0">
+                <a:ln>
+                  <a:noFill/>
+                </a:ln>
+                <a:solidFill>
+                  <a:srgbClr val="000000"/>
+                </a:solidFill>
+                <a:effectLst/>
+                <a:latin typeface="Arial Unicode MS" panose="020B0604020202020204" pitchFamily="34" charset="-128"/>
+              </a:rPr>
+              <a:t> {</a:t>
+            </a:r>
+          </a:p>
+          <a:p>
+            <a:pPr marL="0" lvl="0" indent="0" eaLnBrk="0" fontAlgn="base" hangingPunct="0">
+              <a:lnSpc>
+                <a:spcPct val="100000"/>
+              </a:lnSpc>
+              <a:spcBef>
+                <a:spcPct val="0"/>
+              </a:spcBef>
+              <a:spcAft>
+                <a:spcPct val="0"/>
+              </a:spcAft>
+              <a:buNone/>
+            </a:pPr>
+            <a:r>
+              <a:rPr lang="en-US" altLang="en-US" sz="3200" dirty="0">
+                <a:solidFill>
+                  <a:srgbClr val="000000"/>
+                </a:solidFill>
+                <a:latin typeface="Arial Unicode MS" panose="020B0604020202020204" pitchFamily="34" charset="-128"/>
+              </a:rPr>
+              <a:t> </a:t>
+            </a:r>
+            <a:r>
+              <a:rPr lang="en-US" altLang="en-US" sz="3200" dirty="0" smtClean="0">
+                <a:solidFill>
+                  <a:srgbClr val="000000"/>
+                </a:solidFill>
+                <a:latin typeface="Arial Unicode MS" panose="020B0604020202020204" pitchFamily="34" charset="-128"/>
+              </a:rPr>
+              <a:t>   </a:t>
+            </a:r>
+            <a:r>
+              <a:rPr kumimoji="0" lang="en-US" altLang="en-US" sz="3200" b="1" i="0" u="none" strike="noStrike" cap="none" normalizeH="0" baseline="0" dirty="0" smtClean="0">
+                <a:ln>
+                  <a:noFill/>
+                </a:ln>
+                <a:solidFill>
+                  <a:srgbClr val="7F0055"/>
+                </a:solidFill>
+                <a:effectLst/>
+                <a:latin typeface="Arial Unicode MS" panose="020B0604020202020204" pitchFamily="34" charset="-128"/>
+              </a:rPr>
+              <a:t>echo</a:t>
+            </a:r>
+            <a:r>
+              <a:rPr kumimoji="0" lang="en-US" altLang="en-US" sz="3200" b="0" i="0" u="none" strike="noStrike" cap="none" normalizeH="0" baseline="0" dirty="0" smtClean="0">
+                <a:ln>
+                  <a:noFill/>
+                </a:ln>
+                <a:solidFill>
+                  <a:srgbClr val="000000"/>
+                </a:solidFill>
+                <a:effectLst/>
+                <a:latin typeface="Arial Unicode MS" panose="020B0604020202020204" pitchFamily="34" charset="-128"/>
+              </a:rPr>
+              <a:t> </a:t>
+            </a:r>
+            <a:r>
+              <a:rPr kumimoji="0" lang="en-US" altLang="en-US" sz="3200" b="0" i="0" u="none" strike="noStrike" cap="none" normalizeH="0" baseline="0" dirty="0" smtClean="0">
+                <a:ln>
+                  <a:noFill/>
+                </a:ln>
+                <a:solidFill>
+                  <a:srgbClr val="2A00FF"/>
+                </a:solidFill>
+                <a:effectLst/>
+                <a:latin typeface="Arial Unicode MS" panose="020B0604020202020204" pitchFamily="34" charset="-128"/>
+              </a:rPr>
+              <a:t>'false'</a:t>
+            </a:r>
+            <a:r>
+              <a:rPr kumimoji="0" lang="en-US" altLang="en-US" sz="3200" b="0" i="0" u="none" strike="noStrike" cap="none" normalizeH="0" baseline="0" dirty="0" smtClean="0">
+                <a:ln>
+                  <a:noFill/>
+                </a:ln>
+                <a:solidFill>
+                  <a:srgbClr val="000000"/>
+                </a:solidFill>
+                <a:effectLst/>
+                <a:latin typeface="Arial Unicode MS" panose="020B0604020202020204" pitchFamily="34" charset="-128"/>
+              </a:rPr>
+              <a:t>;</a:t>
+            </a:r>
+          </a:p>
+          <a:p>
+            <a:pPr marL="0" lvl="0" indent="0" eaLnBrk="0" fontAlgn="base" hangingPunct="0">
+              <a:lnSpc>
+                <a:spcPct val="100000"/>
+              </a:lnSpc>
+              <a:spcBef>
+                <a:spcPct val="0"/>
+              </a:spcBef>
+              <a:spcAft>
+                <a:spcPct val="0"/>
+              </a:spcAft>
+              <a:buNone/>
+            </a:pPr>
+            <a:r>
+              <a:rPr kumimoji="0" lang="en-US" altLang="en-US" sz="3200" b="0" i="0" u="none" strike="noStrike" cap="none" normalizeH="0" baseline="0" dirty="0" smtClean="0">
+                <a:ln>
+                  <a:noFill/>
+                </a:ln>
+                <a:solidFill>
+                  <a:srgbClr val="000000"/>
+                </a:solidFill>
+                <a:effectLst/>
+                <a:latin typeface="Arial Unicode MS" panose="020B0604020202020204" pitchFamily="34" charset="-128"/>
+              </a:rPr>
+              <a:t>}</a:t>
+            </a:r>
+          </a:p>
+          <a:p>
+            <a:pPr marL="0" lvl="0" indent="0" eaLnBrk="0" fontAlgn="base" hangingPunct="0">
+              <a:lnSpc>
+                <a:spcPct val="100000"/>
+              </a:lnSpc>
+              <a:spcBef>
+                <a:spcPct val="0"/>
+              </a:spcBef>
+              <a:spcAft>
+                <a:spcPct val="0"/>
+              </a:spcAft>
+              <a:buNone/>
+            </a:pPr>
+            <a:r>
+              <a:rPr kumimoji="0" lang="en-US" altLang="en-US" sz="3200" b="0" i="0" u="none" strike="noStrike" cap="none" normalizeH="0" baseline="0" dirty="0" smtClean="0">
+                <a:ln>
+                  <a:noFill/>
+                </a:ln>
+                <a:solidFill>
+                  <a:srgbClr val="7F0055"/>
+                </a:solidFill>
+                <a:effectLst/>
+                <a:latin typeface="Arial Unicode MS" panose="020B0604020202020204" pitchFamily="34" charset="-128"/>
+              </a:rPr>
+              <a:t>?&gt;</a:t>
+            </a:r>
+            <a:r>
+              <a:rPr kumimoji="0" lang="en-US" altLang="en-US" sz="2400" b="0" i="0" u="none" strike="noStrike" cap="none" normalizeH="0" baseline="0" dirty="0" smtClean="0">
+                <a:ln>
+                  <a:noFill/>
+                </a:ln>
+                <a:solidFill>
+                  <a:schemeClr val="tx1"/>
+                </a:solidFill>
+                <a:effectLst/>
+              </a:rPr>
+              <a:t> </a:t>
+            </a:r>
+            <a:endParaRPr kumimoji="0" lang="en-US" altLang="en-US" sz="6000" b="0" i="0" u="none" strike="noStrike" cap="none" normalizeH="0" baseline="0" dirty="0" smtClean="0">
+              <a:ln>
+                <a:noFill/>
+              </a:ln>
+              <a:solidFill>
+                <a:schemeClr val="tx1"/>
+              </a:solidFill>
+              <a:effectLst/>
+              <a:latin typeface="Arial" panose="020B0604020202020204" pitchFamily="34" charset="0"/>
+            </a:endParaRPr>
+          </a:p>
+        </p:txBody>
+      </p:sp>
+      <p:sp>
+        <p:nvSpPr>
+          <p:cNvPr id="3" name="Rectangle 2"/>
+          <p:cNvSpPr>
+            <a:spLocks noChangeArrowheads="1"/>
+          </p:cNvSpPr>
+          <p:nvPr/>
+        </p:nvSpPr>
+        <p:spPr bwMode="auto">
+          <a:xfrm>
+            <a:off x="0" y="43934"/>
+            <a:ext cx="184731" cy="369332"/>
+          </a:xfrm>
+          <a:prstGeom prst="rect">
+            <a:avLst/>
+          </a:prstGeom>
+          <a:solidFill>
+            <a:srgbClr val="FFFFFF"/>
+          </a:solidFill>
+          <a:ln>
+            <a:noFill/>
+          </a:ln>
+          <a:effectLst/>
+          <a:extLst>
+            <a:ext uri="{91240B29-F687-4F45-9708-019B960494DF}">
+              <a14:hiddenLine xmlns:a14="http://schemas.microsoft.com/office/drawing/2010/main" w="9525">
+                <a:solidFill>
+                  <a:schemeClr val="tx1"/>
+                </a:solidFill>
+                <a:miter lim="800000"/>
+                <a:headEnd/>
+                <a:tailEnd/>
+              </a14:hiddenLine>
+            </a:ext>
+            <a:ext uri="{AF507438-7753-43E0-B8FC-AC1667EBCBE1}">
+              <a14:hiddenEffects xmlns:a14="http://schemas.microsoft.com/office/drawing/2010/main">
+                <a:effectLst>
+                  <a:outerShdw dist="35921" dir="2700000" algn="ctr" rotWithShape="0">
+                    <a:schemeClr val="bg2"/>
+                  </a:outerShdw>
+                </a:effectLst>
+              </a14:hiddenEffects>
+            </a:ext>
+          </a:extLst>
+        </p:spPr>
+        <p:txBody>
+          <a:bodyPr vert="horz" wrap="none" lIns="91440" tIns="45720" rIns="91440" bIns="45720" numCol="1" anchor="ctr" anchorCtr="0" compatLnSpc="1">
+            <a:prstTxWarp prst="textNoShape">
+              <a:avLst/>
+            </a:prstTxWarp>
+            <a:spAutoFit/>
+          </a:bodyPr>
+          <a:lstStyle/>
+          <a:p>
+            <a:pPr marL="0" marR="0" lvl="0" indent="0" algn="l" defTabSz="914400" rtl="0" eaLnBrk="0" fontAlgn="base" latinLnBrk="0" hangingPunct="0">
+              <a:lnSpc>
+                <a:spcPct val="100000"/>
+              </a:lnSpc>
+              <a:spcBef>
+                <a:spcPct val="0"/>
+              </a:spcBef>
+              <a:spcAft>
+                <a:spcPct val="0"/>
+              </a:spcAft>
+              <a:buClrTx/>
+              <a:buSzTx/>
+              <a:buFontTx/>
+              <a:buNone/>
+              <a:tabLst/>
+            </a:pPr>
+            <a:endParaRPr kumimoji="0" lang="en-US" altLang="en-US" sz="1800" b="0" i="0" u="none" strike="noStrike" cap="none" normalizeH="0" baseline="0" dirty="0" smtClean="0">
+              <a:ln>
+                <a:noFill/>
+              </a:ln>
+              <a:solidFill>
+                <a:schemeClr val="tx1"/>
+              </a:solidFill>
+              <a:effectLst/>
+              <a:latin typeface="Arial" panose="020B0604020202020204" pitchFamily="34" charset="0"/>
+            </a:endParaRPr>
+          </a:p>
+        </p:txBody>
+      </p:sp>
+    </p:spTree>
+    <p:extLst>
+      <p:ext uri="{BB962C8B-B14F-4D97-AF65-F5344CB8AC3E}">
+        <p14:creationId xmlns:p14="http://schemas.microsoft.com/office/powerpoint/2010/main" val="3549147391"/>
+      </p:ext>
+    </p:extLst>
+  </p:cSld>
+  <p:clrMapOvr>
+    <a:masterClrMapping/>
+  </p:clrMapOvr>
+  <p:timing>
+    <p:tnLst>
+      <p:par>
+        <p:cTn id="1" dur="indefinite" restart="never" nodeType="tmRoot"/>
+      </p:par>
+    </p:tnLst>
+  </p:timing>
+</p:sld>
+</file>
+
+<file path=ppt/slides/slide43.xml><?xml version="1.0" encoding="utf-8"?>
+<p:sld xmlns:a="http://schemas.openxmlformats.org/drawingml/2006/main" xmlns:r="http://schemas.openxmlformats.org/officeDocument/2006/relationships" xmlns:p="http://schemas.openxmlformats.org/presentationml/2006/main">
+  <p:cSld>
+    <p:spTree>
+      <p:nvGrpSpPr>
+        <p:cNvPr id="1" name=""/>
+        <p:cNvGrpSpPr/>
+        <p:nvPr/>
+      </p:nvGrpSpPr>
+      <p:grpSpPr>
+        <a:xfrm>
+          <a:off x="0" y="0"/>
+          <a:ext cx="0" cy="0"/>
+          <a:chOff x="0" y="0"/>
+          <a:chExt cx="0" cy="0"/>
+        </a:xfrm>
+      </p:grpSpPr>
+      <p:sp>
+        <p:nvSpPr>
+          <p:cNvPr id="4" name="Title 3"/>
+          <p:cNvSpPr>
+            <a:spLocks noGrp="1"/>
+          </p:cNvSpPr>
+          <p:nvPr>
+            <p:ph type="title"/>
+          </p:nvPr>
+        </p:nvSpPr>
+        <p:spPr/>
+        <p:txBody>
+          <a:bodyPr/>
+          <a:lstStyle/>
+          <a:p>
+            <a:r>
+              <a:rPr lang="en-US" dirty="0" err="1" smtClean="0"/>
+              <a:t>Elseif</a:t>
+            </a:r>
+            <a:endParaRPr lang="en-US" dirty="0"/>
+          </a:p>
+        </p:txBody>
+      </p:sp>
+      <p:sp>
+        <p:nvSpPr>
+          <p:cNvPr id="5" name="Content Placeholder 4"/>
+          <p:cNvSpPr>
+            <a:spLocks noGrp="1"/>
+          </p:cNvSpPr>
+          <p:nvPr>
+            <p:ph idx="1"/>
+          </p:nvPr>
+        </p:nvSpPr>
+        <p:spPr/>
+        <p:txBody>
+          <a:bodyPr/>
+          <a:lstStyle/>
+          <a:p>
+            <a:r>
+              <a:rPr lang="en-US" dirty="0" smtClean="0"/>
+              <a:t>Placed after an if or another </a:t>
+            </a:r>
+            <a:r>
+              <a:rPr lang="en-US" dirty="0" err="1" smtClean="0"/>
+              <a:t>elseif</a:t>
+            </a:r>
+            <a:r>
+              <a:rPr lang="en-US" dirty="0" smtClean="0"/>
+              <a:t> statement</a:t>
+            </a:r>
+          </a:p>
+          <a:p>
+            <a:r>
+              <a:rPr lang="en-US" dirty="0" smtClean="0"/>
+              <a:t>Works just like if, but is only checked if the previous statement was false</a:t>
+            </a:r>
+          </a:p>
+          <a:p>
+            <a:endParaRPr lang="en-US" dirty="0" smtClean="0"/>
+          </a:p>
+        </p:txBody>
+      </p:sp>
+    </p:spTree>
+    <p:extLst>
+      <p:ext uri="{BB962C8B-B14F-4D97-AF65-F5344CB8AC3E}">
+        <p14:creationId xmlns:p14="http://schemas.microsoft.com/office/powerpoint/2010/main" val="2035612343"/>
+      </p:ext>
+    </p:extLst>
+  </p:cSld>
+  <p:clrMapOvr>
+    <a:masterClrMapping/>
+  </p:clrMapOvr>
+  <p:timing>
+    <p:tnLst>
+      <p:par>
+        <p:cTn id="1" dur="indefinite" restart="never" nodeType="tmRoot"/>
+      </p:par>
+    </p:tnLst>
+  </p:timing>
+</p:sld>
+</file>
+
+<file path=ppt/slides/slide44.xml><?xml version="1.0" encoding="utf-8"?>
+<p:sld xmlns:a="http://schemas.openxmlformats.org/drawingml/2006/main" xmlns:r="http://schemas.openxmlformats.org/officeDocument/2006/relationships" xmlns:p="http://schemas.openxmlformats.org/presentationml/2006/main">
+  <p:cSld>
+    <p:spTree>
+      <p:nvGrpSpPr>
+        <p:cNvPr id="1" name=""/>
+        <p:cNvGrpSpPr/>
+        <p:nvPr/>
+      </p:nvGrpSpPr>
+      <p:grpSpPr>
+        <a:xfrm>
+          <a:off x="0" y="0"/>
+          <a:ext cx="0" cy="0"/>
+          <a:chOff x="0" y="0"/>
+          <a:chExt cx="0" cy="0"/>
+        </a:xfrm>
+      </p:grpSpPr>
+      <p:sp>
+        <p:nvSpPr>
+          <p:cNvPr id="6" name="Rectangle 2"/>
+          <p:cNvSpPr>
+            <a:spLocks noGrp="1" noChangeArrowheads="1"/>
+          </p:cNvSpPr>
+          <p:nvPr>
+            <p:ph idx="1"/>
+          </p:nvPr>
+        </p:nvSpPr>
+        <p:spPr bwMode="auto">
+          <a:xfrm>
+            <a:off x="617220" y="143872"/>
+            <a:ext cx="10957560" cy="6494085"/>
+          </a:xfrm>
+          <a:prstGeom prst="rect">
+            <a:avLst/>
+          </a:prstGeom>
+          <a:solidFill>
+            <a:schemeClr val="bg2"/>
+          </a:solidFill>
+          <a:ln>
+            <a:solidFill>
+              <a:schemeClr val="tx1"/>
+            </a:solidFill>
+          </a:ln>
+          <a:effectLst/>
+        </p:spPr>
+        <p:txBody>
+          <a:bodyPr vert="horz" wrap="square" lIns="91440" tIns="45720" rIns="91440" bIns="45720" numCol="1" anchor="ctr" anchorCtr="0" compatLnSpc="1">
+            <a:prstTxWarp prst="textNoShape">
+              <a:avLst/>
+            </a:prstTxWarp>
+            <a:spAutoFit/>
+          </a:bodyPr>
+          <a:lstStyle/>
+          <a:p>
+            <a:pPr marL="0" lvl="0" indent="0" eaLnBrk="0" fontAlgn="base" hangingPunct="0">
+              <a:lnSpc>
+                <a:spcPct val="100000"/>
+              </a:lnSpc>
+              <a:spcBef>
+                <a:spcPct val="0"/>
+              </a:spcBef>
+              <a:spcAft>
+                <a:spcPct val="0"/>
+              </a:spcAft>
+              <a:buNone/>
+            </a:pPr>
+            <a:r>
+              <a:rPr kumimoji="0" lang="en-US" altLang="en-US" sz="3200" b="0" i="0" u="none" strike="noStrike" cap="none" normalizeH="0" baseline="0" dirty="0" smtClean="0">
+                <a:ln>
+                  <a:noFill/>
+                </a:ln>
+                <a:solidFill>
+                  <a:srgbClr val="7F0055"/>
+                </a:solidFill>
+                <a:effectLst/>
+                <a:latin typeface="Arial Unicode MS" panose="020B0604020202020204" pitchFamily="34" charset="-128"/>
+              </a:rPr>
+              <a:t>&lt;?</a:t>
+            </a:r>
+            <a:r>
+              <a:rPr kumimoji="0" lang="en-US" altLang="en-US" sz="3200" b="0" i="0" u="none" strike="noStrike" cap="none" normalizeH="0" baseline="0" dirty="0" err="1" smtClean="0">
+                <a:ln>
+                  <a:noFill/>
+                </a:ln>
+                <a:solidFill>
+                  <a:srgbClr val="7F0055"/>
+                </a:solidFill>
+                <a:effectLst/>
+                <a:latin typeface="Arial Unicode MS" panose="020B0604020202020204" pitchFamily="34" charset="-128"/>
+              </a:rPr>
+              <a:t>php</a:t>
+            </a:r>
+            <a:endParaRPr lang="en-US" altLang="en-US" sz="3200" dirty="0">
+              <a:solidFill>
+                <a:srgbClr val="000000"/>
+              </a:solidFill>
+              <a:latin typeface="Arial Unicode MS" panose="020B0604020202020204" pitchFamily="34" charset="-128"/>
+            </a:endParaRPr>
+          </a:p>
+          <a:p>
+            <a:pPr marL="0" lvl="0" indent="0" eaLnBrk="0" fontAlgn="base" hangingPunct="0">
+              <a:lnSpc>
+                <a:spcPct val="100000"/>
+              </a:lnSpc>
+              <a:spcBef>
+                <a:spcPct val="0"/>
+              </a:spcBef>
+              <a:spcAft>
+                <a:spcPct val="0"/>
+              </a:spcAft>
+              <a:buNone/>
+            </a:pPr>
+            <a:endParaRPr kumimoji="0" lang="en-US" altLang="en-US" sz="3200" b="0" i="0" u="none" strike="noStrike" cap="none" normalizeH="0" baseline="0" dirty="0" smtClean="0">
+              <a:ln>
+                <a:noFill/>
+              </a:ln>
+              <a:solidFill>
+                <a:srgbClr val="000000"/>
+              </a:solidFill>
+              <a:effectLst/>
+              <a:latin typeface="Arial Unicode MS" panose="020B0604020202020204" pitchFamily="34" charset="-128"/>
+            </a:endParaRPr>
+          </a:p>
+          <a:p>
+            <a:pPr marL="0" lvl="0" indent="0" eaLnBrk="0" fontAlgn="base" hangingPunct="0">
+              <a:lnSpc>
+                <a:spcPct val="100000"/>
+              </a:lnSpc>
+              <a:spcBef>
+                <a:spcPct val="0"/>
+              </a:spcBef>
+              <a:spcAft>
+                <a:spcPct val="0"/>
+              </a:spcAft>
+              <a:buNone/>
+            </a:pPr>
+            <a:r>
+              <a:rPr kumimoji="0" lang="en-US" altLang="en-US" sz="3200" b="0" i="0" u="none" strike="noStrike" cap="none" normalizeH="0" baseline="0" dirty="0" smtClean="0">
+                <a:ln>
+                  <a:noFill/>
+                </a:ln>
+                <a:solidFill>
+                  <a:srgbClr val="000000"/>
+                </a:solidFill>
+                <a:effectLst/>
+                <a:latin typeface="Arial Unicode MS" panose="020B0604020202020204" pitchFamily="34" charset="-128"/>
+              </a:rPr>
+              <a:t>$</a:t>
+            </a:r>
+            <a:r>
+              <a:rPr kumimoji="0" lang="en-US" altLang="en-US" sz="3200" b="0" i="0" u="none" strike="noStrike" cap="none" normalizeH="0" baseline="0" dirty="0" err="1" smtClean="0">
+                <a:ln>
+                  <a:noFill/>
+                </a:ln>
+                <a:solidFill>
+                  <a:srgbClr val="000000"/>
+                </a:solidFill>
+                <a:effectLst/>
+                <a:latin typeface="Arial Unicode MS" panose="020B0604020202020204" pitchFamily="34" charset="-128"/>
+              </a:rPr>
+              <a:t>var</a:t>
+            </a:r>
+            <a:r>
+              <a:rPr kumimoji="0" lang="en-US" altLang="en-US" sz="3200" b="0" i="0" u="none" strike="noStrike" cap="none" normalizeH="0" baseline="0" dirty="0" smtClean="0">
+                <a:ln>
+                  <a:noFill/>
+                </a:ln>
+                <a:solidFill>
+                  <a:srgbClr val="000000"/>
+                </a:solidFill>
+                <a:effectLst/>
+                <a:latin typeface="Arial Unicode MS" panose="020B0604020202020204" pitchFamily="34" charset="-128"/>
+              </a:rPr>
+              <a:t> = 1;</a:t>
+            </a:r>
+          </a:p>
+          <a:p>
+            <a:pPr marL="0" lvl="0" indent="0" eaLnBrk="0" fontAlgn="base" hangingPunct="0">
+              <a:lnSpc>
+                <a:spcPct val="100000"/>
+              </a:lnSpc>
+              <a:spcBef>
+                <a:spcPct val="0"/>
+              </a:spcBef>
+              <a:spcAft>
+                <a:spcPct val="0"/>
+              </a:spcAft>
+              <a:buNone/>
+            </a:pPr>
+            <a:endParaRPr lang="en-US" altLang="en-US" sz="3200" dirty="0">
+              <a:solidFill>
+                <a:srgbClr val="000000"/>
+              </a:solidFill>
+              <a:latin typeface="Arial Unicode MS" panose="020B0604020202020204" pitchFamily="34" charset="-128"/>
+            </a:endParaRPr>
+          </a:p>
+          <a:p>
+            <a:pPr marL="0" lvl="0" indent="0" eaLnBrk="0" fontAlgn="base" hangingPunct="0">
+              <a:lnSpc>
+                <a:spcPct val="100000"/>
+              </a:lnSpc>
+              <a:spcBef>
+                <a:spcPct val="0"/>
+              </a:spcBef>
+              <a:spcAft>
+                <a:spcPct val="0"/>
+              </a:spcAft>
+              <a:buNone/>
+            </a:pPr>
+            <a:r>
+              <a:rPr kumimoji="0" lang="en-US" altLang="en-US" sz="3200" b="1" i="0" u="none" strike="noStrike" cap="none" normalizeH="0" baseline="0" dirty="0" smtClean="0">
+                <a:ln>
+                  <a:noFill/>
+                </a:ln>
+                <a:solidFill>
+                  <a:srgbClr val="7F0055"/>
+                </a:solidFill>
+                <a:effectLst/>
+                <a:latin typeface="Arial Unicode MS" panose="020B0604020202020204" pitchFamily="34" charset="-128"/>
+              </a:rPr>
+              <a:t>if</a:t>
+            </a:r>
+            <a:r>
+              <a:rPr kumimoji="0" lang="en-US" altLang="en-US" sz="3200" b="0" i="0" u="none" strike="noStrike" cap="none" normalizeH="0" baseline="0" dirty="0" smtClean="0">
+                <a:ln>
+                  <a:noFill/>
+                </a:ln>
+                <a:solidFill>
+                  <a:srgbClr val="000000"/>
+                </a:solidFill>
+                <a:effectLst/>
+                <a:latin typeface="Arial Unicode MS" panose="020B0604020202020204" pitchFamily="34" charset="-128"/>
+              </a:rPr>
+              <a:t> ($</a:t>
+            </a:r>
+            <a:r>
+              <a:rPr kumimoji="0" lang="en-US" altLang="en-US" sz="3200" b="0" i="0" u="none" strike="noStrike" cap="none" normalizeH="0" baseline="0" dirty="0" err="1" smtClean="0">
+                <a:ln>
+                  <a:noFill/>
+                </a:ln>
+                <a:solidFill>
+                  <a:srgbClr val="000000"/>
+                </a:solidFill>
+                <a:effectLst/>
+                <a:latin typeface="Arial Unicode MS" panose="020B0604020202020204" pitchFamily="34" charset="-128"/>
+              </a:rPr>
+              <a:t>var</a:t>
+            </a:r>
+            <a:r>
+              <a:rPr kumimoji="0" lang="en-US" altLang="en-US" sz="3200" b="0" i="0" u="none" strike="noStrike" cap="none" normalizeH="0" baseline="0" dirty="0" smtClean="0">
+                <a:ln>
+                  <a:noFill/>
+                </a:ln>
+                <a:solidFill>
+                  <a:srgbClr val="000000"/>
+                </a:solidFill>
+                <a:effectLst/>
+                <a:latin typeface="Arial Unicode MS" panose="020B0604020202020204" pitchFamily="34" charset="-128"/>
+              </a:rPr>
+              <a:t> == 0) {</a:t>
+            </a:r>
+          </a:p>
+          <a:p>
+            <a:pPr marL="0" lvl="0" indent="0" eaLnBrk="0" fontAlgn="base" hangingPunct="0">
+              <a:lnSpc>
+                <a:spcPct val="100000"/>
+              </a:lnSpc>
+              <a:spcBef>
+                <a:spcPct val="0"/>
+              </a:spcBef>
+              <a:spcAft>
+                <a:spcPct val="0"/>
+              </a:spcAft>
+              <a:buNone/>
+            </a:pPr>
+            <a:r>
+              <a:rPr kumimoji="0" lang="en-US" altLang="en-US" sz="3200" b="0" i="0" u="none" strike="noStrike" cap="none" normalizeH="0" baseline="0" dirty="0" smtClean="0">
+                <a:ln>
+                  <a:noFill/>
+                </a:ln>
+                <a:solidFill>
+                  <a:srgbClr val="000000"/>
+                </a:solidFill>
+                <a:effectLst/>
+                <a:latin typeface="Arial Unicode MS" panose="020B0604020202020204" pitchFamily="34" charset="-128"/>
+              </a:rPr>
+              <a:t>     </a:t>
+            </a:r>
+            <a:r>
+              <a:rPr kumimoji="0" lang="en-US" altLang="en-US" sz="3200" b="1" i="0" u="none" strike="noStrike" cap="none" normalizeH="0" baseline="0" dirty="0" smtClean="0">
+                <a:ln>
+                  <a:noFill/>
+                </a:ln>
+                <a:solidFill>
+                  <a:srgbClr val="7F0055"/>
+                </a:solidFill>
+                <a:effectLst/>
+                <a:latin typeface="Arial Unicode MS" panose="020B0604020202020204" pitchFamily="34" charset="-128"/>
+              </a:rPr>
+              <a:t>echo</a:t>
+            </a:r>
+            <a:r>
+              <a:rPr kumimoji="0" lang="en-US" altLang="en-US" sz="3200" b="0" i="0" u="none" strike="noStrike" cap="none" normalizeH="0" baseline="0" dirty="0" smtClean="0">
+                <a:ln>
+                  <a:noFill/>
+                </a:ln>
+                <a:solidFill>
+                  <a:srgbClr val="000000"/>
+                </a:solidFill>
+                <a:effectLst/>
+                <a:latin typeface="Arial Unicode MS" panose="020B0604020202020204" pitchFamily="34" charset="-128"/>
+              </a:rPr>
+              <a:t> </a:t>
+            </a:r>
+            <a:r>
+              <a:rPr kumimoji="0" lang="en-US" altLang="en-US" sz="3200" b="0" i="0" u="none" strike="noStrike" cap="none" normalizeH="0" baseline="0" dirty="0" smtClean="0">
+                <a:ln>
+                  <a:noFill/>
+                </a:ln>
+                <a:solidFill>
+                  <a:srgbClr val="2A00FF"/>
+                </a:solidFill>
+                <a:effectLst/>
+                <a:latin typeface="Arial Unicode MS" panose="020B0604020202020204" pitchFamily="34" charset="-128"/>
+              </a:rPr>
+              <a:t>'</a:t>
+            </a:r>
+            <a:r>
+              <a:rPr kumimoji="0" lang="en-US" altLang="en-US" sz="3200" b="0" i="0" u="none" strike="noStrike" cap="none" normalizeH="0" baseline="0" dirty="0" err="1" smtClean="0">
+                <a:ln>
+                  <a:noFill/>
+                </a:ln>
+                <a:solidFill>
+                  <a:srgbClr val="2A00FF"/>
+                </a:solidFill>
+                <a:effectLst/>
+                <a:latin typeface="Arial Unicode MS" panose="020B0604020202020204" pitchFamily="34" charset="-128"/>
+              </a:rPr>
+              <a:t>var</a:t>
+            </a:r>
+            <a:r>
+              <a:rPr kumimoji="0" lang="en-US" altLang="en-US" sz="3200" b="0" i="0" u="none" strike="noStrike" cap="none" normalizeH="0" baseline="0" dirty="0" smtClean="0">
+                <a:ln>
+                  <a:noFill/>
+                </a:ln>
+                <a:solidFill>
+                  <a:srgbClr val="2A00FF"/>
+                </a:solidFill>
+                <a:effectLst/>
+                <a:latin typeface="Arial Unicode MS" panose="020B0604020202020204" pitchFamily="34" charset="-128"/>
+              </a:rPr>
+              <a:t> is 0'</a:t>
+            </a:r>
+            <a:r>
+              <a:rPr kumimoji="0" lang="en-US" altLang="en-US" sz="3200" b="0" i="0" u="none" strike="noStrike" cap="none" normalizeH="0" baseline="0" dirty="0" smtClean="0">
+                <a:ln>
+                  <a:noFill/>
+                </a:ln>
+                <a:solidFill>
+                  <a:srgbClr val="000000"/>
+                </a:solidFill>
+                <a:effectLst/>
+                <a:latin typeface="Arial Unicode MS" panose="020B0604020202020204" pitchFamily="34" charset="-128"/>
+              </a:rPr>
+              <a:t>;</a:t>
+            </a:r>
+          </a:p>
+          <a:p>
+            <a:pPr marL="0" lvl="0" indent="0" eaLnBrk="0" fontAlgn="base" hangingPunct="0">
+              <a:lnSpc>
+                <a:spcPct val="100000"/>
+              </a:lnSpc>
+              <a:spcBef>
+                <a:spcPct val="0"/>
+              </a:spcBef>
+              <a:spcAft>
+                <a:spcPct val="0"/>
+              </a:spcAft>
+              <a:buNone/>
+            </a:pPr>
+            <a:r>
+              <a:rPr kumimoji="0" lang="en-US" altLang="en-US" sz="3200" b="0" i="0" u="none" strike="noStrike" cap="none" normalizeH="0" baseline="0" dirty="0" smtClean="0">
+                <a:ln>
+                  <a:noFill/>
+                </a:ln>
+                <a:solidFill>
+                  <a:srgbClr val="000000"/>
+                </a:solidFill>
+                <a:effectLst/>
+                <a:latin typeface="Arial Unicode MS" panose="020B0604020202020204" pitchFamily="34" charset="-128"/>
+              </a:rPr>
+              <a:t>} </a:t>
+            </a:r>
+            <a:r>
+              <a:rPr kumimoji="0" lang="en-US" altLang="en-US" sz="3200" b="1" i="0" u="none" strike="noStrike" cap="none" normalizeH="0" baseline="0" dirty="0" err="1" smtClean="0">
+                <a:ln>
+                  <a:noFill/>
+                </a:ln>
+                <a:solidFill>
+                  <a:srgbClr val="7F0055"/>
+                </a:solidFill>
+                <a:effectLst/>
+                <a:latin typeface="Arial Unicode MS" panose="020B0604020202020204" pitchFamily="34" charset="-128"/>
+              </a:rPr>
+              <a:t>elseif</a:t>
+            </a:r>
+            <a:r>
+              <a:rPr kumimoji="0" lang="en-US" altLang="en-US" sz="3200" b="0" i="0" u="none" strike="noStrike" cap="none" normalizeH="0" baseline="0" dirty="0" smtClean="0">
+                <a:ln>
+                  <a:noFill/>
+                </a:ln>
+                <a:solidFill>
+                  <a:srgbClr val="000000"/>
+                </a:solidFill>
+                <a:effectLst/>
+                <a:latin typeface="Arial Unicode MS" panose="020B0604020202020204" pitchFamily="34" charset="-128"/>
+              </a:rPr>
+              <a:t> ($</a:t>
+            </a:r>
+            <a:r>
+              <a:rPr kumimoji="0" lang="en-US" altLang="en-US" sz="3200" b="0" i="0" u="none" strike="noStrike" cap="none" normalizeH="0" baseline="0" dirty="0" err="1" smtClean="0">
+                <a:ln>
+                  <a:noFill/>
+                </a:ln>
+                <a:solidFill>
+                  <a:srgbClr val="000000"/>
+                </a:solidFill>
+                <a:effectLst/>
+                <a:latin typeface="Arial Unicode MS" panose="020B0604020202020204" pitchFamily="34" charset="-128"/>
+              </a:rPr>
+              <a:t>var</a:t>
+            </a:r>
+            <a:r>
+              <a:rPr kumimoji="0" lang="en-US" altLang="en-US" sz="3200" b="0" i="0" u="none" strike="noStrike" cap="none" normalizeH="0" baseline="0" dirty="0" smtClean="0">
+                <a:ln>
+                  <a:noFill/>
+                </a:ln>
+                <a:solidFill>
+                  <a:srgbClr val="000000"/>
+                </a:solidFill>
+                <a:effectLst/>
+                <a:latin typeface="Arial Unicode MS" panose="020B0604020202020204" pitchFamily="34" charset="-128"/>
+              </a:rPr>
+              <a:t> == 1) {</a:t>
+            </a:r>
+          </a:p>
+          <a:p>
+            <a:pPr marL="0" lvl="0" indent="0" eaLnBrk="0" fontAlgn="base" hangingPunct="0">
+              <a:lnSpc>
+                <a:spcPct val="100000"/>
+              </a:lnSpc>
+              <a:spcBef>
+                <a:spcPct val="0"/>
+              </a:spcBef>
+              <a:spcAft>
+                <a:spcPct val="0"/>
+              </a:spcAft>
+              <a:buNone/>
+            </a:pPr>
+            <a:r>
+              <a:rPr kumimoji="0" lang="en-US" altLang="en-US" sz="3200" b="0" i="0" u="none" strike="noStrike" cap="none" normalizeH="0" baseline="0" dirty="0" smtClean="0">
+                <a:ln>
+                  <a:noFill/>
+                </a:ln>
+                <a:solidFill>
+                  <a:srgbClr val="000000"/>
+                </a:solidFill>
+                <a:effectLst/>
+                <a:latin typeface="Arial Unicode MS" panose="020B0604020202020204" pitchFamily="34" charset="-128"/>
+              </a:rPr>
+              <a:t>     </a:t>
+            </a:r>
+            <a:r>
+              <a:rPr kumimoji="0" lang="en-US" altLang="en-US" sz="3200" b="1" i="0" u="none" strike="noStrike" cap="none" normalizeH="0" baseline="0" dirty="0" smtClean="0">
+                <a:ln>
+                  <a:noFill/>
+                </a:ln>
+                <a:solidFill>
+                  <a:srgbClr val="7F0055"/>
+                </a:solidFill>
+                <a:effectLst/>
+                <a:latin typeface="Arial Unicode MS" panose="020B0604020202020204" pitchFamily="34" charset="-128"/>
+              </a:rPr>
+              <a:t>echo</a:t>
+            </a:r>
+            <a:r>
+              <a:rPr kumimoji="0" lang="en-US" altLang="en-US" sz="3200" b="0" i="0" u="none" strike="noStrike" cap="none" normalizeH="0" baseline="0" dirty="0" smtClean="0">
+                <a:ln>
+                  <a:noFill/>
+                </a:ln>
+                <a:solidFill>
+                  <a:srgbClr val="000000"/>
+                </a:solidFill>
+                <a:effectLst/>
+                <a:latin typeface="Arial Unicode MS" panose="020B0604020202020204" pitchFamily="34" charset="-128"/>
+              </a:rPr>
+              <a:t> </a:t>
+            </a:r>
+            <a:r>
+              <a:rPr kumimoji="0" lang="en-US" altLang="en-US" sz="3200" b="0" i="0" u="none" strike="noStrike" cap="none" normalizeH="0" baseline="0" dirty="0" smtClean="0">
+                <a:ln>
+                  <a:noFill/>
+                </a:ln>
+                <a:solidFill>
+                  <a:srgbClr val="2A00FF"/>
+                </a:solidFill>
+                <a:effectLst/>
+                <a:latin typeface="Arial Unicode MS" panose="020B0604020202020204" pitchFamily="34" charset="-128"/>
+              </a:rPr>
+              <a:t>'</a:t>
+            </a:r>
+            <a:r>
+              <a:rPr kumimoji="0" lang="en-US" altLang="en-US" sz="3200" b="0" i="0" u="none" strike="noStrike" cap="none" normalizeH="0" baseline="0" dirty="0" err="1" smtClean="0">
+                <a:ln>
+                  <a:noFill/>
+                </a:ln>
+                <a:solidFill>
+                  <a:srgbClr val="2A00FF"/>
+                </a:solidFill>
+                <a:effectLst/>
+                <a:latin typeface="Arial Unicode MS" panose="020B0604020202020204" pitchFamily="34" charset="-128"/>
+              </a:rPr>
+              <a:t>var</a:t>
+            </a:r>
+            <a:r>
+              <a:rPr kumimoji="0" lang="en-US" altLang="en-US" sz="3200" b="0" i="0" u="none" strike="noStrike" cap="none" normalizeH="0" baseline="0" dirty="0" smtClean="0">
+                <a:ln>
+                  <a:noFill/>
+                </a:ln>
+                <a:solidFill>
+                  <a:srgbClr val="2A00FF"/>
+                </a:solidFill>
+                <a:effectLst/>
+                <a:latin typeface="Arial Unicode MS" panose="020B0604020202020204" pitchFamily="34" charset="-128"/>
+              </a:rPr>
+              <a:t> is 1'</a:t>
+            </a:r>
+            <a:r>
+              <a:rPr kumimoji="0" lang="en-US" altLang="en-US" sz="3200" b="0" i="0" u="none" strike="noStrike" cap="none" normalizeH="0" baseline="0" dirty="0" smtClean="0">
+                <a:ln>
+                  <a:noFill/>
+                </a:ln>
+                <a:solidFill>
+                  <a:srgbClr val="000000"/>
+                </a:solidFill>
+                <a:effectLst/>
+                <a:latin typeface="Arial Unicode MS" panose="020B0604020202020204" pitchFamily="34" charset="-128"/>
+              </a:rPr>
+              <a:t>;</a:t>
+            </a:r>
+          </a:p>
+          <a:p>
+            <a:pPr marL="0" lvl="0" indent="0" eaLnBrk="0" fontAlgn="base" hangingPunct="0">
+              <a:lnSpc>
+                <a:spcPct val="100000"/>
+              </a:lnSpc>
+              <a:spcBef>
+                <a:spcPct val="0"/>
+              </a:spcBef>
+              <a:spcAft>
+                <a:spcPct val="0"/>
+              </a:spcAft>
+              <a:buNone/>
+            </a:pPr>
+            <a:r>
+              <a:rPr kumimoji="0" lang="en-US" altLang="en-US" sz="3200" b="0" i="0" u="none" strike="noStrike" cap="none" normalizeH="0" baseline="0" dirty="0" smtClean="0">
+                <a:ln>
+                  <a:noFill/>
+                </a:ln>
+                <a:solidFill>
+                  <a:srgbClr val="000000"/>
+                </a:solidFill>
+                <a:effectLst/>
+                <a:latin typeface="Arial Unicode MS" panose="020B0604020202020204" pitchFamily="34" charset="-128"/>
+              </a:rPr>
+              <a:t>} </a:t>
+            </a:r>
+            <a:r>
+              <a:rPr kumimoji="0" lang="en-US" altLang="en-US" sz="3200" b="1" i="0" u="none" strike="noStrike" cap="none" normalizeH="0" baseline="0" dirty="0" err="1" smtClean="0">
+                <a:ln>
+                  <a:noFill/>
+                </a:ln>
+                <a:solidFill>
+                  <a:srgbClr val="7F0055"/>
+                </a:solidFill>
+                <a:effectLst/>
+                <a:latin typeface="Arial Unicode MS" panose="020B0604020202020204" pitchFamily="34" charset="-128"/>
+              </a:rPr>
+              <a:t>elseif</a:t>
+            </a:r>
+            <a:r>
+              <a:rPr kumimoji="0" lang="en-US" altLang="en-US" sz="3200" b="0" i="0" u="none" strike="noStrike" cap="none" normalizeH="0" baseline="0" dirty="0" smtClean="0">
+                <a:ln>
+                  <a:noFill/>
+                </a:ln>
+                <a:solidFill>
+                  <a:srgbClr val="000000"/>
+                </a:solidFill>
+                <a:effectLst/>
+                <a:latin typeface="Arial Unicode MS" panose="020B0604020202020204" pitchFamily="34" charset="-128"/>
+              </a:rPr>
+              <a:t> ($</a:t>
+            </a:r>
+            <a:r>
+              <a:rPr kumimoji="0" lang="en-US" altLang="en-US" sz="3200" b="0" i="0" u="none" strike="noStrike" cap="none" normalizeH="0" baseline="0" dirty="0" err="1" smtClean="0">
+                <a:ln>
+                  <a:noFill/>
+                </a:ln>
+                <a:solidFill>
+                  <a:srgbClr val="000000"/>
+                </a:solidFill>
+                <a:effectLst/>
+                <a:latin typeface="Arial Unicode MS" panose="020B0604020202020204" pitchFamily="34" charset="-128"/>
+              </a:rPr>
+              <a:t>var</a:t>
+            </a:r>
+            <a:r>
+              <a:rPr kumimoji="0" lang="en-US" altLang="en-US" sz="3200" b="0" i="0" u="none" strike="noStrike" cap="none" normalizeH="0" baseline="0" dirty="0" smtClean="0">
+                <a:ln>
+                  <a:noFill/>
+                </a:ln>
+                <a:solidFill>
+                  <a:srgbClr val="000000"/>
+                </a:solidFill>
+                <a:effectLst/>
+                <a:latin typeface="Arial Unicode MS" panose="020B0604020202020204" pitchFamily="34" charset="-128"/>
+              </a:rPr>
+              <a:t> == 2) {</a:t>
+            </a:r>
+          </a:p>
+          <a:p>
+            <a:pPr marL="0" lvl="0" indent="0" eaLnBrk="0" fontAlgn="base" hangingPunct="0">
+              <a:lnSpc>
+                <a:spcPct val="100000"/>
+              </a:lnSpc>
+              <a:spcBef>
+                <a:spcPct val="0"/>
+              </a:spcBef>
+              <a:spcAft>
+                <a:spcPct val="0"/>
+              </a:spcAft>
+              <a:buNone/>
+            </a:pPr>
+            <a:r>
+              <a:rPr kumimoji="0" lang="en-US" altLang="en-US" sz="3200" b="0" i="0" u="none" strike="noStrike" cap="none" normalizeH="0" baseline="0" dirty="0" smtClean="0">
+                <a:ln>
+                  <a:noFill/>
+                </a:ln>
+                <a:solidFill>
+                  <a:srgbClr val="000000"/>
+                </a:solidFill>
+                <a:effectLst/>
+                <a:latin typeface="Arial Unicode MS" panose="020B0604020202020204" pitchFamily="34" charset="-128"/>
+              </a:rPr>
+              <a:t>    </a:t>
+            </a:r>
+            <a:r>
+              <a:rPr kumimoji="0" lang="en-US" altLang="en-US" sz="3200" b="1" i="0" u="none" strike="noStrike" cap="none" normalizeH="0" baseline="0" dirty="0" smtClean="0">
+                <a:ln>
+                  <a:noFill/>
+                </a:ln>
+                <a:solidFill>
+                  <a:srgbClr val="7F0055"/>
+                </a:solidFill>
+                <a:effectLst/>
+                <a:latin typeface="Arial Unicode MS" panose="020B0604020202020204" pitchFamily="34" charset="-128"/>
+              </a:rPr>
+              <a:t>echo</a:t>
+            </a:r>
+            <a:r>
+              <a:rPr kumimoji="0" lang="en-US" altLang="en-US" sz="3200" b="0" i="0" u="none" strike="noStrike" cap="none" normalizeH="0" baseline="0" dirty="0" smtClean="0">
+                <a:ln>
+                  <a:noFill/>
+                </a:ln>
+                <a:solidFill>
+                  <a:srgbClr val="000000"/>
+                </a:solidFill>
+                <a:effectLst/>
+                <a:latin typeface="Arial Unicode MS" panose="020B0604020202020204" pitchFamily="34" charset="-128"/>
+              </a:rPr>
+              <a:t> </a:t>
+            </a:r>
+            <a:r>
+              <a:rPr kumimoji="0" lang="en-US" altLang="en-US" sz="3200" b="0" i="0" u="none" strike="noStrike" cap="none" normalizeH="0" baseline="0" dirty="0" smtClean="0">
+                <a:ln>
+                  <a:noFill/>
+                </a:ln>
+                <a:solidFill>
+                  <a:srgbClr val="2A00FF"/>
+                </a:solidFill>
+                <a:effectLst/>
+                <a:latin typeface="Arial Unicode MS" panose="020B0604020202020204" pitchFamily="34" charset="-128"/>
+              </a:rPr>
+              <a:t>'</a:t>
+            </a:r>
+            <a:r>
+              <a:rPr kumimoji="0" lang="en-US" altLang="en-US" sz="3200" b="0" i="0" u="none" strike="noStrike" cap="none" normalizeH="0" baseline="0" dirty="0" err="1" smtClean="0">
+                <a:ln>
+                  <a:noFill/>
+                </a:ln>
+                <a:solidFill>
+                  <a:srgbClr val="2A00FF"/>
+                </a:solidFill>
+                <a:effectLst/>
+                <a:latin typeface="Arial Unicode MS" panose="020B0604020202020204" pitchFamily="34" charset="-128"/>
+              </a:rPr>
+              <a:t>var</a:t>
+            </a:r>
+            <a:r>
+              <a:rPr kumimoji="0" lang="en-US" altLang="en-US" sz="3200" b="0" i="0" u="none" strike="noStrike" cap="none" normalizeH="0" baseline="0" dirty="0" smtClean="0">
+                <a:ln>
+                  <a:noFill/>
+                </a:ln>
+                <a:solidFill>
+                  <a:srgbClr val="2A00FF"/>
+                </a:solidFill>
+                <a:effectLst/>
+                <a:latin typeface="Arial Unicode MS" panose="020B0604020202020204" pitchFamily="34" charset="-128"/>
+              </a:rPr>
+              <a:t> is 2'</a:t>
+            </a:r>
+            <a:r>
+              <a:rPr kumimoji="0" lang="en-US" altLang="en-US" sz="3200" b="0" i="0" u="none" strike="noStrike" cap="none" normalizeH="0" baseline="0" dirty="0" smtClean="0">
+                <a:ln>
+                  <a:noFill/>
+                </a:ln>
+                <a:solidFill>
+                  <a:srgbClr val="000000"/>
+                </a:solidFill>
+                <a:effectLst/>
+                <a:latin typeface="Arial Unicode MS" panose="020B0604020202020204" pitchFamily="34" charset="-128"/>
+              </a:rPr>
+              <a:t>;</a:t>
+            </a:r>
+          </a:p>
+          <a:p>
+            <a:pPr marL="0" lvl="0" indent="0" eaLnBrk="0" fontAlgn="base" hangingPunct="0">
+              <a:lnSpc>
+                <a:spcPct val="100000"/>
+              </a:lnSpc>
+              <a:spcBef>
+                <a:spcPct val="0"/>
+              </a:spcBef>
+              <a:spcAft>
+                <a:spcPct val="0"/>
+              </a:spcAft>
+              <a:buNone/>
+            </a:pPr>
+            <a:r>
+              <a:rPr kumimoji="0" lang="en-US" altLang="en-US" sz="3200" b="0" i="0" u="none" strike="noStrike" cap="none" normalizeH="0" baseline="0" dirty="0" smtClean="0">
+                <a:ln>
+                  <a:noFill/>
+                </a:ln>
+                <a:solidFill>
+                  <a:srgbClr val="000000"/>
+                </a:solidFill>
+                <a:effectLst/>
+                <a:latin typeface="Arial Unicode MS" panose="020B0604020202020204" pitchFamily="34" charset="-128"/>
+              </a:rPr>
+              <a:t>}</a:t>
+            </a:r>
+          </a:p>
+          <a:p>
+            <a:pPr marL="0" lvl="0" indent="0" eaLnBrk="0" fontAlgn="base" hangingPunct="0">
+              <a:lnSpc>
+                <a:spcPct val="100000"/>
+              </a:lnSpc>
+              <a:spcBef>
+                <a:spcPct val="0"/>
+              </a:spcBef>
+              <a:spcAft>
+                <a:spcPct val="0"/>
+              </a:spcAft>
+              <a:buNone/>
+            </a:pPr>
+            <a:endParaRPr lang="en-US" altLang="en-US" sz="3200" dirty="0">
+              <a:solidFill>
+                <a:srgbClr val="000000"/>
+              </a:solidFill>
+              <a:latin typeface="Arial Unicode MS" panose="020B0604020202020204" pitchFamily="34" charset="-128"/>
+            </a:endParaRPr>
+          </a:p>
+          <a:p>
+            <a:pPr marL="0" lvl="0" indent="0" eaLnBrk="0" fontAlgn="base" hangingPunct="0">
+              <a:lnSpc>
+                <a:spcPct val="100000"/>
+              </a:lnSpc>
+              <a:spcBef>
+                <a:spcPct val="0"/>
+              </a:spcBef>
+              <a:spcAft>
+                <a:spcPct val="0"/>
+              </a:spcAft>
+              <a:buNone/>
+            </a:pPr>
+            <a:r>
+              <a:rPr kumimoji="0" lang="en-US" altLang="en-US" sz="3200" b="0" i="0" u="none" strike="noStrike" cap="none" normalizeH="0" baseline="0" dirty="0" smtClean="0">
+                <a:ln>
+                  <a:noFill/>
+                </a:ln>
+                <a:solidFill>
+                  <a:srgbClr val="7F0055"/>
+                </a:solidFill>
+                <a:effectLst/>
+                <a:latin typeface="Arial Unicode MS" panose="020B0604020202020204" pitchFamily="34" charset="-128"/>
+              </a:rPr>
+              <a:t>?&gt;</a:t>
+            </a:r>
+            <a:endParaRPr kumimoji="0" lang="en-US" altLang="en-US" sz="6000" b="0" i="0" u="none" strike="noStrike" cap="none" normalizeH="0" baseline="0" dirty="0" smtClean="0">
+              <a:ln>
+                <a:noFill/>
+              </a:ln>
+              <a:solidFill>
+                <a:schemeClr val="tx1"/>
+              </a:solidFill>
+              <a:effectLst/>
+              <a:latin typeface="Arial" panose="020B0604020202020204" pitchFamily="34" charset="0"/>
+            </a:endParaRPr>
+          </a:p>
+        </p:txBody>
+      </p:sp>
+      <p:sp>
+        <p:nvSpPr>
+          <p:cNvPr id="3" name="Rectangle 2"/>
+          <p:cNvSpPr>
+            <a:spLocks noChangeArrowheads="1"/>
+          </p:cNvSpPr>
+          <p:nvPr/>
+        </p:nvSpPr>
+        <p:spPr bwMode="auto">
+          <a:xfrm>
+            <a:off x="0" y="43934"/>
+            <a:ext cx="184731" cy="369332"/>
+          </a:xfrm>
+          <a:prstGeom prst="rect">
+            <a:avLst/>
+          </a:prstGeom>
+          <a:solidFill>
+            <a:srgbClr val="FFFFFF"/>
+          </a:solidFill>
+          <a:ln>
+            <a:noFill/>
+          </a:ln>
+          <a:effectLst/>
+          <a:extLst>
+            <a:ext uri="{91240B29-F687-4F45-9708-019B960494DF}">
+              <a14:hiddenLine xmlns:a14="http://schemas.microsoft.com/office/drawing/2010/main" w="9525">
+                <a:solidFill>
+                  <a:schemeClr val="tx1"/>
+                </a:solidFill>
+                <a:miter lim="800000"/>
+                <a:headEnd/>
+                <a:tailEnd/>
+              </a14:hiddenLine>
+            </a:ext>
+            <a:ext uri="{AF507438-7753-43E0-B8FC-AC1667EBCBE1}">
+              <a14:hiddenEffects xmlns:a14="http://schemas.microsoft.com/office/drawing/2010/main">
+                <a:effectLst>
+                  <a:outerShdw dist="35921" dir="2700000" algn="ctr" rotWithShape="0">
+                    <a:schemeClr val="bg2"/>
+                  </a:outerShdw>
+                </a:effectLst>
+              </a14:hiddenEffects>
+            </a:ext>
+          </a:extLst>
+        </p:spPr>
+        <p:txBody>
+          <a:bodyPr vert="horz" wrap="none" lIns="91440" tIns="45720" rIns="91440" bIns="45720" numCol="1" anchor="ctr" anchorCtr="0" compatLnSpc="1">
+            <a:prstTxWarp prst="textNoShape">
+              <a:avLst/>
+            </a:prstTxWarp>
+            <a:spAutoFit/>
+          </a:bodyPr>
+          <a:lstStyle/>
+          <a:p>
+            <a:pPr marL="0" marR="0" lvl="0" indent="0" algn="l" defTabSz="914400" rtl="0" eaLnBrk="0" fontAlgn="base" latinLnBrk="0" hangingPunct="0">
+              <a:lnSpc>
+                <a:spcPct val="100000"/>
+              </a:lnSpc>
+              <a:spcBef>
+                <a:spcPct val="0"/>
+              </a:spcBef>
+              <a:spcAft>
+                <a:spcPct val="0"/>
+              </a:spcAft>
+              <a:buClrTx/>
+              <a:buSzTx/>
+              <a:buFontTx/>
+              <a:buNone/>
+              <a:tabLst/>
+            </a:pPr>
+            <a:endParaRPr kumimoji="0" lang="en-US" altLang="en-US" sz="1800" b="0" i="0" u="none" strike="noStrike" cap="none" normalizeH="0" baseline="0" dirty="0" smtClean="0">
+              <a:ln>
+                <a:noFill/>
+              </a:ln>
+              <a:solidFill>
+                <a:schemeClr val="tx1"/>
+              </a:solidFill>
+              <a:effectLst/>
+              <a:latin typeface="Arial" panose="020B0604020202020204" pitchFamily="34" charset="0"/>
+            </a:endParaRPr>
+          </a:p>
+        </p:txBody>
+      </p:sp>
+    </p:spTree>
+    <p:extLst>
+      <p:ext uri="{BB962C8B-B14F-4D97-AF65-F5344CB8AC3E}">
+        <p14:creationId xmlns:p14="http://schemas.microsoft.com/office/powerpoint/2010/main" val="2110538860"/>
       </p:ext>
     </p:extLst>
   </p:cSld>

--- a/course/1 - Basic Programming/Basics Of Programming.pptx
+++ b/course/1 - Basic Programming/Basics Of Programming.pptx
@@ -5,7 +5,7 @@
     <p:sldMasterId id="2147483689" r:id="rId1"/>
   </p:sldMasterIdLst>
   <p:notesMasterIdLst>
-    <p:notesMasterId r:id="rId46"/>
+    <p:notesMasterId r:id="rId55"/>
   </p:notesMasterIdLst>
   <p:sldIdLst>
     <p:sldId id="256" r:id="rId2"/>
@@ -52,6 +52,15 @@
     <p:sldId id="300" r:id="rId43"/>
     <p:sldId id="301" r:id="rId44"/>
     <p:sldId id="302" r:id="rId45"/>
+    <p:sldId id="303" r:id="rId46"/>
+    <p:sldId id="304" r:id="rId47"/>
+    <p:sldId id="307" r:id="rId48"/>
+    <p:sldId id="305" r:id="rId49"/>
+    <p:sldId id="306" r:id="rId50"/>
+    <p:sldId id="308" r:id="rId51"/>
+    <p:sldId id="309" r:id="rId52"/>
+    <p:sldId id="310" r:id="rId53"/>
+    <p:sldId id="311" r:id="rId54"/>
   </p:sldIdLst>
   <p:sldSz cx="12192000" cy="6858000"/>
   <p:notesSz cx="6858000" cy="9144000"/>
@@ -251,7 +260,7 @@
           <a:p>
             <a:fld id="{A89F8777-017A-42CE-A5F1-EC192078EAC4}" type="datetimeFigureOut">
               <a:rPr lang="en-US" smtClean="0"/>
-              <a:t>3/28/2015</a:t>
+              <a:t>4/3/2015</a:t>
             </a:fld>
             <a:endParaRPr lang="en-US"/>
           </a:p>
@@ -4417,6 +4426,876 @@
 </p:notes>
 </file>
 
+<file path=ppt/notesSlides/notesSlide41.xml><?xml version="1.0" encoding="utf-8"?>
+<p:notes xmlns:a="http://schemas.openxmlformats.org/drawingml/2006/main" xmlns:r="http://schemas.openxmlformats.org/officeDocument/2006/relationships" xmlns:p="http://schemas.openxmlformats.org/presentationml/2006/main">
+  <p:cSld>
+    <p:spTree>
+      <p:nvGrpSpPr>
+        <p:cNvPr id="1" name=""/>
+        <p:cNvGrpSpPr/>
+        <p:nvPr/>
+      </p:nvGrpSpPr>
+      <p:grpSpPr>
+        <a:xfrm>
+          <a:off x="0" y="0"/>
+          <a:ext cx="0" cy="0"/>
+          <a:chOff x="0" y="0"/>
+          <a:chExt cx="0" cy="0"/>
+        </a:xfrm>
+      </p:grpSpPr>
+      <p:sp>
+        <p:nvSpPr>
+          <p:cNvPr id="2" name="Slide Image Placeholder 1"/>
+          <p:cNvSpPr>
+            <a:spLocks noGrp="1" noRot="1" noChangeAspect="1"/>
+          </p:cNvSpPr>
+          <p:nvPr>
+            <p:ph type="sldImg"/>
+          </p:nvPr>
+        </p:nvSpPr>
+        <p:spPr/>
+      </p:sp>
+      <p:sp>
+        <p:nvSpPr>
+          <p:cNvPr id="3" name="Notes Placeholder 2"/>
+          <p:cNvSpPr>
+            <a:spLocks noGrp="1"/>
+          </p:cNvSpPr>
+          <p:nvPr>
+            <p:ph type="body" idx="1"/>
+          </p:nvPr>
+        </p:nvSpPr>
+        <p:spPr/>
+        <p:txBody>
+          <a:bodyPr/>
+          <a:lstStyle/>
+          <a:p>
+            <a:r>
+              <a:rPr lang="en-US" dirty="0" smtClean="0"/>
+              <a:t>String</a:t>
+            </a:r>
+            <a:r>
+              <a:rPr lang="en-US" baseline="0" dirty="0" smtClean="0"/>
+              <a:t> them together to test several values</a:t>
+            </a:r>
+            <a:endParaRPr lang="en-US" dirty="0" smtClean="0"/>
+          </a:p>
+        </p:txBody>
+      </p:sp>
+      <p:sp>
+        <p:nvSpPr>
+          <p:cNvPr id="4" name="Slide Number Placeholder 3"/>
+          <p:cNvSpPr>
+            <a:spLocks noGrp="1"/>
+          </p:cNvSpPr>
+          <p:nvPr>
+            <p:ph type="sldNum" sz="quarter" idx="10"/>
+          </p:nvPr>
+        </p:nvSpPr>
+        <p:spPr/>
+        <p:txBody>
+          <a:bodyPr/>
+          <a:lstStyle/>
+          <a:p>
+            <a:fld id="{E51715A9-EB64-4481-89E4-A64020E86A42}" type="slidenum">
+              <a:rPr lang="en-US" smtClean="0"/>
+              <a:t>45</a:t>
+            </a:fld>
+            <a:endParaRPr lang="en-US"/>
+          </a:p>
+        </p:txBody>
+      </p:sp>
+    </p:spTree>
+    <p:extLst>
+      <p:ext uri="{BB962C8B-B14F-4D97-AF65-F5344CB8AC3E}">
+        <p14:creationId xmlns:p14="http://schemas.microsoft.com/office/powerpoint/2010/main" val="2792477181"/>
+      </p:ext>
+    </p:extLst>
+  </p:cSld>
+  <p:clrMapOvr>
+    <a:masterClrMapping/>
+  </p:clrMapOvr>
+</p:notes>
+</file>
+
+<file path=ppt/notesSlides/notesSlide42.xml><?xml version="1.0" encoding="utf-8"?>
+<p:notes xmlns:a="http://schemas.openxmlformats.org/drawingml/2006/main" xmlns:r="http://schemas.openxmlformats.org/officeDocument/2006/relationships" xmlns:p="http://schemas.openxmlformats.org/presentationml/2006/main">
+  <p:cSld>
+    <p:spTree>
+      <p:nvGrpSpPr>
+        <p:cNvPr id="1" name=""/>
+        <p:cNvGrpSpPr/>
+        <p:nvPr/>
+      </p:nvGrpSpPr>
+      <p:grpSpPr>
+        <a:xfrm>
+          <a:off x="0" y="0"/>
+          <a:ext cx="0" cy="0"/>
+          <a:chOff x="0" y="0"/>
+          <a:chExt cx="0" cy="0"/>
+        </a:xfrm>
+      </p:grpSpPr>
+      <p:sp>
+        <p:nvSpPr>
+          <p:cNvPr id="2" name="Slide Image Placeholder 1"/>
+          <p:cNvSpPr>
+            <a:spLocks noGrp="1" noRot="1" noChangeAspect="1"/>
+          </p:cNvSpPr>
+          <p:nvPr>
+            <p:ph type="sldImg"/>
+          </p:nvPr>
+        </p:nvSpPr>
+        <p:spPr/>
+      </p:sp>
+      <p:sp>
+        <p:nvSpPr>
+          <p:cNvPr id="3" name="Notes Placeholder 2"/>
+          <p:cNvSpPr>
+            <a:spLocks noGrp="1"/>
+          </p:cNvSpPr>
+          <p:nvPr>
+            <p:ph type="body" idx="1"/>
+          </p:nvPr>
+        </p:nvSpPr>
+        <p:spPr/>
+        <p:txBody>
+          <a:bodyPr/>
+          <a:lstStyle/>
+          <a:p>
+            <a:r>
+              <a:rPr kumimoji="0" lang="en-US" altLang="en-US" sz="1200" b="0" i="0" u="none" strike="noStrike" cap="none" normalizeH="0" baseline="0" dirty="0" smtClean="0">
+                <a:ln>
+                  <a:noFill/>
+                </a:ln>
+                <a:solidFill>
+                  <a:schemeClr val="tx1"/>
+                </a:solidFill>
+                <a:effectLst/>
+                <a:latin typeface="Arial" panose="020B0604020202020204" pitchFamily="34" charset="0"/>
+              </a:rPr>
+              <a:t>Output:</a:t>
+            </a:r>
+          </a:p>
+          <a:p>
+            <a:r>
+              <a:rPr kumimoji="0" lang="en-US" altLang="en-US" sz="1200" b="0" i="0" u="none" strike="noStrike" cap="none" normalizeH="0" baseline="0" dirty="0" smtClean="0">
+                <a:ln>
+                  <a:noFill/>
+                </a:ln>
+                <a:solidFill>
+                  <a:schemeClr val="tx1"/>
+                </a:solidFill>
+                <a:effectLst/>
+                <a:latin typeface="+mn-lt"/>
+              </a:rPr>
+              <a:t>two</a:t>
+            </a:r>
+            <a:endParaRPr kumimoji="0" lang="en-US" altLang="en-US" sz="1200" b="0" i="0" u="none" strike="noStrike" cap="none" normalizeH="0" baseline="0" dirty="0" smtClean="0">
+              <a:ln>
+                <a:noFill/>
+              </a:ln>
+              <a:solidFill>
+                <a:schemeClr val="tx1"/>
+              </a:solidFill>
+              <a:effectLst/>
+              <a:latin typeface="Arial" panose="020B0604020202020204" pitchFamily="34" charset="0"/>
+            </a:endParaRPr>
+          </a:p>
+        </p:txBody>
+      </p:sp>
+      <p:sp>
+        <p:nvSpPr>
+          <p:cNvPr id="4" name="Slide Number Placeholder 3"/>
+          <p:cNvSpPr>
+            <a:spLocks noGrp="1"/>
+          </p:cNvSpPr>
+          <p:nvPr>
+            <p:ph type="sldNum" sz="quarter" idx="10"/>
+          </p:nvPr>
+        </p:nvSpPr>
+        <p:spPr/>
+        <p:txBody>
+          <a:bodyPr/>
+          <a:lstStyle/>
+          <a:p>
+            <a:fld id="{E51715A9-EB64-4481-89E4-A64020E86A42}" type="slidenum">
+              <a:rPr lang="en-US" smtClean="0"/>
+              <a:t>46</a:t>
+            </a:fld>
+            <a:endParaRPr lang="en-US"/>
+          </a:p>
+        </p:txBody>
+      </p:sp>
+    </p:spTree>
+    <p:extLst>
+      <p:ext uri="{BB962C8B-B14F-4D97-AF65-F5344CB8AC3E}">
+        <p14:creationId xmlns:p14="http://schemas.microsoft.com/office/powerpoint/2010/main" val="2793157584"/>
+      </p:ext>
+    </p:extLst>
+  </p:cSld>
+  <p:clrMapOvr>
+    <a:masterClrMapping/>
+  </p:clrMapOvr>
+</p:notes>
+</file>
+
+<file path=ppt/notesSlides/notesSlide43.xml><?xml version="1.0" encoding="utf-8"?>
+<p:notes xmlns:a="http://schemas.openxmlformats.org/drawingml/2006/main" xmlns:r="http://schemas.openxmlformats.org/officeDocument/2006/relationships" xmlns:p="http://schemas.openxmlformats.org/presentationml/2006/main">
+  <p:cSld>
+    <p:spTree>
+      <p:nvGrpSpPr>
+        <p:cNvPr id="1" name=""/>
+        <p:cNvGrpSpPr/>
+        <p:nvPr/>
+      </p:nvGrpSpPr>
+      <p:grpSpPr>
+        <a:xfrm>
+          <a:off x="0" y="0"/>
+          <a:ext cx="0" cy="0"/>
+          <a:chOff x="0" y="0"/>
+          <a:chExt cx="0" cy="0"/>
+        </a:xfrm>
+      </p:grpSpPr>
+      <p:sp>
+        <p:nvSpPr>
+          <p:cNvPr id="2" name="Slide Image Placeholder 1"/>
+          <p:cNvSpPr>
+            <a:spLocks noGrp="1" noRot="1" noChangeAspect="1"/>
+          </p:cNvSpPr>
+          <p:nvPr>
+            <p:ph type="sldImg"/>
+          </p:nvPr>
+        </p:nvSpPr>
+        <p:spPr/>
+      </p:sp>
+      <p:sp>
+        <p:nvSpPr>
+          <p:cNvPr id="3" name="Notes Placeholder 2"/>
+          <p:cNvSpPr>
+            <a:spLocks noGrp="1"/>
+          </p:cNvSpPr>
+          <p:nvPr>
+            <p:ph type="body" idx="1"/>
+          </p:nvPr>
+        </p:nvSpPr>
+        <p:spPr/>
+        <p:txBody>
+          <a:bodyPr/>
+          <a:lstStyle/>
+          <a:p>
+            <a:r>
+              <a:rPr lang="en-US" dirty="0" smtClean="0"/>
+              <a:t>Basically an</a:t>
+            </a:r>
+            <a:r>
+              <a:rPr lang="en-US" baseline="0" dirty="0" smtClean="0"/>
+              <a:t> if that repeats itself</a:t>
+            </a:r>
+            <a:endParaRPr lang="en-US" dirty="0" smtClean="0"/>
+          </a:p>
+        </p:txBody>
+      </p:sp>
+      <p:sp>
+        <p:nvSpPr>
+          <p:cNvPr id="4" name="Slide Number Placeholder 3"/>
+          <p:cNvSpPr>
+            <a:spLocks noGrp="1"/>
+          </p:cNvSpPr>
+          <p:nvPr>
+            <p:ph type="sldNum" sz="quarter" idx="10"/>
+          </p:nvPr>
+        </p:nvSpPr>
+        <p:spPr/>
+        <p:txBody>
+          <a:bodyPr/>
+          <a:lstStyle/>
+          <a:p>
+            <a:fld id="{E51715A9-EB64-4481-89E4-A64020E86A42}" type="slidenum">
+              <a:rPr lang="en-US" smtClean="0"/>
+              <a:t>48</a:t>
+            </a:fld>
+            <a:endParaRPr lang="en-US"/>
+          </a:p>
+        </p:txBody>
+      </p:sp>
+    </p:spTree>
+    <p:extLst>
+      <p:ext uri="{BB962C8B-B14F-4D97-AF65-F5344CB8AC3E}">
+        <p14:creationId xmlns:p14="http://schemas.microsoft.com/office/powerpoint/2010/main" val="3199242061"/>
+      </p:ext>
+    </p:extLst>
+  </p:cSld>
+  <p:clrMapOvr>
+    <a:masterClrMapping/>
+  </p:clrMapOvr>
+</p:notes>
+</file>
+
+<file path=ppt/notesSlides/notesSlide44.xml><?xml version="1.0" encoding="utf-8"?>
+<p:notes xmlns:a="http://schemas.openxmlformats.org/drawingml/2006/main" xmlns:r="http://schemas.openxmlformats.org/officeDocument/2006/relationships" xmlns:p="http://schemas.openxmlformats.org/presentationml/2006/main">
+  <p:cSld>
+    <p:spTree>
+      <p:nvGrpSpPr>
+        <p:cNvPr id="1" name=""/>
+        <p:cNvGrpSpPr/>
+        <p:nvPr/>
+      </p:nvGrpSpPr>
+      <p:grpSpPr>
+        <a:xfrm>
+          <a:off x="0" y="0"/>
+          <a:ext cx="0" cy="0"/>
+          <a:chOff x="0" y="0"/>
+          <a:chExt cx="0" cy="0"/>
+        </a:xfrm>
+      </p:grpSpPr>
+      <p:sp>
+        <p:nvSpPr>
+          <p:cNvPr id="2" name="Slide Image Placeholder 1"/>
+          <p:cNvSpPr>
+            <a:spLocks noGrp="1" noRot="1" noChangeAspect="1"/>
+          </p:cNvSpPr>
+          <p:nvPr>
+            <p:ph type="sldImg"/>
+          </p:nvPr>
+        </p:nvSpPr>
+        <p:spPr/>
+      </p:sp>
+      <p:sp>
+        <p:nvSpPr>
+          <p:cNvPr id="3" name="Notes Placeholder 2"/>
+          <p:cNvSpPr>
+            <a:spLocks noGrp="1"/>
+          </p:cNvSpPr>
+          <p:nvPr>
+            <p:ph type="body" idx="1"/>
+          </p:nvPr>
+        </p:nvSpPr>
+        <p:spPr/>
+        <p:txBody>
+          <a:bodyPr/>
+          <a:lstStyle/>
+          <a:p>
+            <a:r>
+              <a:rPr kumimoji="0" lang="en-US" altLang="en-US" sz="1200" b="0" i="0" u="none" strike="noStrike" cap="none" normalizeH="0" baseline="0" dirty="0" smtClean="0">
+                <a:ln>
+                  <a:noFill/>
+                </a:ln>
+                <a:solidFill>
+                  <a:schemeClr val="tx1"/>
+                </a:solidFill>
+                <a:effectLst/>
+                <a:latin typeface="Arial" panose="020B0604020202020204" pitchFamily="34" charset="0"/>
+              </a:rPr>
+              <a:t>Output:</a:t>
+            </a:r>
+          </a:p>
+          <a:p>
+            <a:r>
+              <a:rPr kumimoji="0" lang="en-US" altLang="en-US" sz="1200" b="0" i="0" u="none" strike="noStrike" cap="none" normalizeH="0" baseline="0" dirty="0" smtClean="0">
+                <a:ln>
+                  <a:noFill/>
+                </a:ln>
+                <a:solidFill>
+                  <a:schemeClr val="tx1"/>
+                </a:solidFill>
+                <a:effectLst/>
+                <a:latin typeface="+mn-lt"/>
+              </a:rPr>
+              <a:t>1234</a:t>
+            </a:r>
+            <a:endParaRPr kumimoji="0" lang="en-US" altLang="en-US" sz="1200" b="0" i="0" u="none" strike="noStrike" cap="none" normalizeH="0" baseline="0" dirty="0" smtClean="0">
+              <a:ln>
+                <a:noFill/>
+              </a:ln>
+              <a:solidFill>
+                <a:schemeClr val="tx1"/>
+              </a:solidFill>
+              <a:effectLst/>
+              <a:latin typeface="Arial" panose="020B0604020202020204" pitchFamily="34" charset="0"/>
+            </a:endParaRPr>
+          </a:p>
+        </p:txBody>
+      </p:sp>
+      <p:sp>
+        <p:nvSpPr>
+          <p:cNvPr id="4" name="Slide Number Placeholder 3"/>
+          <p:cNvSpPr>
+            <a:spLocks noGrp="1"/>
+          </p:cNvSpPr>
+          <p:nvPr>
+            <p:ph type="sldNum" sz="quarter" idx="10"/>
+          </p:nvPr>
+        </p:nvSpPr>
+        <p:spPr/>
+        <p:txBody>
+          <a:bodyPr/>
+          <a:lstStyle/>
+          <a:p>
+            <a:fld id="{E51715A9-EB64-4481-89E4-A64020E86A42}" type="slidenum">
+              <a:rPr lang="en-US" smtClean="0"/>
+              <a:t>49</a:t>
+            </a:fld>
+            <a:endParaRPr lang="en-US"/>
+          </a:p>
+        </p:txBody>
+      </p:sp>
+    </p:spTree>
+    <p:extLst>
+      <p:ext uri="{BB962C8B-B14F-4D97-AF65-F5344CB8AC3E}">
+        <p14:creationId xmlns:p14="http://schemas.microsoft.com/office/powerpoint/2010/main" val="2879533705"/>
+      </p:ext>
+    </p:extLst>
+  </p:cSld>
+  <p:clrMapOvr>
+    <a:masterClrMapping/>
+  </p:clrMapOvr>
+</p:notes>
+</file>
+
+<file path=ppt/notesSlides/notesSlide45.xml><?xml version="1.0" encoding="utf-8"?>
+<p:notes xmlns:a="http://schemas.openxmlformats.org/drawingml/2006/main" xmlns:r="http://schemas.openxmlformats.org/officeDocument/2006/relationships" xmlns:p="http://schemas.openxmlformats.org/presentationml/2006/main">
+  <p:cSld>
+    <p:spTree>
+      <p:nvGrpSpPr>
+        <p:cNvPr id="1" name=""/>
+        <p:cNvGrpSpPr/>
+        <p:nvPr/>
+      </p:nvGrpSpPr>
+      <p:grpSpPr>
+        <a:xfrm>
+          <a:off x="0" y="0"/>
+          <a:ext cx="0" cy="0"/>
+          <a:chOff x="0" y="0"/>
+          <a:chExt cx="0" cy="0"/>
+        </a:xfrm>
+      </p:grpSpPr>
+      <p:sp>
+        <p:nvSpPr>
+          <p:cNvPr id="2" name="Slide Image Placeholder 1"/>
+          <p:cNvSpPr>
+            <a:spLocks noGrp="1" noRot="1" noChangeAspect="1"/>
+          </p:cNvSpPr>
+          <p:nvPr>
+            <p:ph type="sldImg"/>
+          </p:nvPr>
+        </p:nvSpPr>
+        <p:spPr/>
+      </p:sp>
+      <p:sp>
+        <p:nvSpPr>
+          <p:cNvPr id="3" name="Notes Placeholder 2"/>
+          <p:cNvSpPr>
+            <a:spLocks noGrp="1"/>
+          </p:cNvSpPr>
+          <p:nvPr>
+            <p:ph type="body" idx="1"/>
+          </p:nvPr>
+        </p:nvSpPr>
+        <p:spPr/>
+        <p:txBody>
+          <a:bodyPr/>
+          <a:lstStyle/>
+          <a:p>
+            <a:r>
+              <a:rPr lang="en-US" dirty="0" smtClean="0"/>
+              <a:t>With</a:t>
+            </a:r>
+            <a:r>
+              <a:rPr lang="en-US" baseline="0" dirty="0" smtClean="0"/>
+              <a:t> a while, if the condition starts out false, the code never gets run</a:t>
+            </a:r>
+          </a:p>
+          <a:p>
+            <a:r>
+              <a:rPr lang="en-US" baseline="0" dirty="0" smtClean="0"/>
+              <a:t>If the code has to be run at least once, but might need to be run more than once, use do…while</a:t>
+            </a:r>
+            <a:endParaRPr lang="en-US" dirty="0" smtClean="0"/>
+          </a:p>
+        </p:txBody>
+      </p:sp>
+      <p:sp>
+        <p:nvSpPr>
+          <p:cNvPr id="4" name="Slide Number Placeholder 3"/>
+          <p:cNvSpPr>
+            <a:spLocks noGrp="1"/>
+          </p:cNvSpPr>
+          <p:nvPr>
+            <p:ph type="sldNum" sz="quarter" idx="10"/>
+          </p:nvPr>
+        </p:nvSpPr>
+        <p:spPr/>
+        <p:txBody>
+          <a:bodyPr/>
+          <a:lstStyle/>
+          <a:p>
+            <a:fld id="{E51715A9-EB64-4481-89E4-A64020E86A42}" type="slidenum">
+              <a:rPr lang="en-US" smtClean="0"/>
+              <a:t>50</a:t>
+            </a:fld>
+            <a:endParaRPr lang="en-US"/>
+          </a:p>
+        </p:txBody>
+      </p:sp>
+    </p:spTree>
+    <p:extLst>
+      <p:ext uri="{BB962C8B-B14F-4D97-AF65-F5344CB8AC3E}">
+        <p14:creationId xmlns:p14="http://schemas.microsoft.com/office/powerpoint/2010/main" val="3523025964"/>
+      </p:ext>
+    </p:extLst>
+  </p:cSld>
+  <p:clrMapOvr>
+    <a:masterClrMapping/>
+  </p:clrMapOvr>
+</p:notes>
+</file>
+
+<file path=ppt/notesSlides/notesSlide46.xml><?xml version="1.0" encoding="utf-8"?>
+<p:notes xmlns:a="http://schemas.openxmlformats.org/drawingml/2006/main" xmlns:r="http://schemas.openxmlformats.org/officeDocument/2006/relationships" xmlns:p="http://schemas.openxmlformats.org/presentationml/2006/main">
+  <p:cSld>
+    <p:spTree>
+      <p:nvGrpSpPr>
+        <p:cNvPr id="1" name=""/>
+        <p:cNvGrpSpPr/>
+        <p:nvPr/>
+      </p:nvGrpSpPr>
+      <p:grpSpPr>
+        <a:xfrm>
+          <a:off x="0" y="0"/>
+          <a:ext cx="0" cy="0"/>
+          <a:chOff x="0" y="0"/>
+          <a:chExt cx="0" cy="0"/>
+        </a:xfrm>
+      </p:grpSpPr>
+      <p:sp>
+        <p:nvSpPr>
+          <p:cNvPr id="2" name="Slide Image Placeholder 1"/>
+          <p:cNvSpPr>
+            <a:spLocks noGrp="1" noRot="1" noChangeAspect="1"/>
+          </p:cNvSpPr>
+          <p:nvPr>
+            <p:ph type="sldImg"/>
+          </p:nvPr>
+        </p:nvSpPr>
+        <p:spPr/>
+      </p:sp>
+      <p:sp>
+        <p:nvSpPr>
+          <p:cNvPr id="3" name="Notes Placeholder 2"/>
+          <p:cNvSpPr>
+            <a:spLocks noGrp="1"/>
+          </p:cNvSpPr>
+          <p:nvPr>
+            <p:ph type="body" idx="1"/>
+          </p:nvPr>
+        </p:nvSpPr>
+        <p:spPr/>
+        <p:txBody>
+          <a:bodyPr/>
+          <a:lstStyle/>
+          <a:p>
+            <a:r>
+              <a:rPr kumimoji="0" lang="en-US" altLang="en-US" sz="1200" b="0" i="0" u="none" strike="noStrike" cap="none" normalizeH="0" baseline="0" dirty="0" smtClean="0">
+                <a:ln>
+                  <a:noFill/>
+                </a:ln>
+                <a:solidFill>
+                  <a:schemeClr val="tx1"/>
+                </a:solidFill>
+                <a:effectLst/>
+                <a:latin typeface="Arial" panose="020B0604020202020204" pitchFamily="34" charset="0"/>
+              </a:rPr>
+              <a:t>Output:</a:t>
+            </a:r>
+          </a:p>
+          <a:p>
+            <a:r>
+              <a:rPr kumimoji="0" lang="en-US" altLang="en-US" sz="1200" b="0" i="0" u="none" strike="noStrike" cap="none" normalizeH="0" baseline="0" dirty="0" smtClean="0">
+                <a:ln>
+                  <a:noFill/>
+                </a:ln>
+                <a:solidFill>
+                  <a:schemeClr val="tx1"/>
+                </a:solidFill>
+                <a:effectLst/>
+                <a:latin typeface="+mn-lt"/>
+              </a:rPr>
+              <a:t>5</a:t>
+            </a:r>
+            <a:endParaRPr kumimoji="0" lang="en-US" altLang="en-US" sz="1200" b="0" i="0" u="none" strike="noStrike" cap="none" normalizeH="0" baseline="0" dirty="0" smtClean="0">
+              <a:ln>
+                <a:noFill/>
+              </a:ln>
+              <a:solidFill>
+                <a:schemeClr val="tx1"/>
+              </a:solidFill>
+              <a:effectLst/>
+              <a:latin typeface="Arial" panose="020B0604020202020204" pitchFamily="34" charset="0"/>
+            </a:endParaRPr>
+          </a:p>
+        </p:txBody>
+      </p:sp>
+      <p:sp>
+        <p:nvSpPr>
+          <p:cNvPr id="4" name="Slide Number Placeholder 3"/>
+          <p:cNvSpPr>
+            <a:spLocks noGrp="1"/>
+          </p:cNvSpPr>
+          <p:nvPr>
+            <p:ph type="sldNum" sz="quarter" idx="10"/>
+          </p:nvPr>
+        </p:nvSpPr>
+        <p:spPr/>
+        <p:txBody>
+          <a:bodyPr/>
+          <a:lstStyle/>
+          <a:p>
+            <a:fld id="{E51715A9-EB64-4481-89E4-A64020E86A42}" type="slidenum">
+              <a:rPr lang="en-US" smtClean="0"/>
+              <a:t>51</a:t>
+            </a:fld>
+            <a:endParaRPr lang="en-US"/>
+          </a:p>
+        </p:txBody>
+      </p:sp>
+    </p:spTree>
+    <p:extLst>
+      <p:ext uri="{BB962C8B-B14F-4D97-AF65-F5344CB8AC3E}">
+        <p14:creationId xmlns:p14="http://schemas.microsoft.com/office/powerpoint/2010/main" val="124587606"/>
+      </p:ext>
+    </p:extLst>
+  </p:cSld>
+  <p:clrMapOvr>
+    <a:masterClrMapping/>
+  </p:clrMapOvr>
+</p:notes>
+</file>
+
+<file path=ppt/notesSlides/notesSlide47.xml><?xml version="1.0" encoding="utf-8"?>
+<p:notes xmlns:a="http://schemas.openxmlformats.org/drawingml/2006/main" xmlns:r="http://schemas.openxmlformats.org/officeDocument/2006/relationships" xmlns:p="http://schemas.openxmlformats.org/presentationml/2006/main">
+  <p:cSld>
+    <p:spTree>
+      <p:nvGrpSpPr>
+        <p:cNvPr id="1" name=""/>
+        <p:cNvGrpSpPr/>
+        <p:nvPr/>
+      </p:nvGrpSpPr>
+      <p:grpSpPr>
+        <a:xfrm>
+          <a:off x="0" y="0"/>
+          <a:ext cx="0" cy="0"/>
+          <a:chOff x="0" y="0"/>
+          <a:chExt cx="0" cy="0"/>
+        </a:xfrm>
+      </p:grpSpPr>
+      <p:sp>
+        <p:nvSpPr>
+          <p:cNvPr id="2" name="Slide Image Placeholder 1"/>
+          <p:cNvSpPr>
+            <a:spLocks noGrp="1" noRot="1" noChangeAspect="1"/>
+          </p:cNvSpPr>
+          <p:nvPr>
+            <p:ph type="sldImg"/>
+          </p:nvPr>
+        </p:nvSpPr>
+        <p:spPr/>
+      </p:sp>
+      <p:sp>
+        <p:nvSpPr>
+          <p:cNvPr id="3" name="Notes Placeholder 2"/>
+          <p:cNvSpPr>
+            <a:spLocks noGrp="1"/>
+          </p:cNvSpPr>
+          <p:nvPr>
+            <p:ph type="body" idx="1"/>
+          </p:nvPr>
+        </p:nvSpPr>
+        <p:spPr/>
+        <p:txBody>
+          <a:bodyPr/>
+          <a:lstStyle/>
+          <a:p>
+            <a:r>
+              <a:rPr lang="en-US" dirty="0" smtClean="0"/>
+              <a:t>Often used when a variable needs to be incremented or decremented each time the code is run</a:t>
+            </a:r>
+          </a:p>
+          <a:p>
+            <a:r>
+              <a:rPr lang="en-US" dirty="0" smtClean="0"/>
+              <a:t>Anything</a:t>
+            </a:r>
+            <a:r>
+              <a:rPr lang="en-US" baseline="0" dirty="0" smtClean="0"/>
+              <a:t> can be inside the three expressions, but it’s best practice to have all of them doing something to the same variable or set of variables</a:t>
+            </a:r>
+          </a:p>
+          <a:p>
+            <a:r>
+              <a:rPr lang="en-US" baseline="0" dirty="0" smtClean="0"/>
+              <a:t>For other situations, it’s better to use while</a:t>
+            </a:r>
+            <a:endParaRPr lang="en-US" dirty="0" smtClean="0"/>
+          </a:p>
+        </p:txBody>
+      </p:sp>
+      <p:sp>
+        <p:nvSpPr>
+          <p:cNvPr id="4" name="Slide Number Placeholder 3"/>
+          <p:cNvSpPr>
+            <a:spLocks noGrp="1"/>
+          </p:cNvSpPr>
+          <p:nvPr>
+            <p:ph type="sldNum" sz="quarter" idx="10"/>
+          </p:nvPr>
+        </p:nvSpPr>
+        <p:spPr/>
+        <p:txBody>
+          <a:bodyPr/>
+          <a:lstStyle/>
+          <a:p>
+            <a:fld id="{E51715A9-EB64-4481-89E4-A64020E86A42}" type="slidenum">
+              <a:rPr lang="en-US" smtClean="0"/>
+              <a:t>52</a:t>
+            </a:fld>
+            <a:endParaRPr lang="en-US"/>
+          </a:p>
+        </p:txBody>
+      </p:sp>
+    </p:spTree>
+    <p:extLst>
+      <p:ext uri="{BB962C8B-B14F-4D97-AF65-F5344CB8AC3E}">
+        <p14:creationId xmlns:p14="http://schemas.microsoft.com/office/powerpoint/2010/main" val="3926158102"/>
+      </p:ext>
+    </p:extLst>
+  </p:cSld>
+  <p:clrMapOvr>
+    <a:masterClrMapping/>
+  </p:clrMapOvr>
+</p:notes>
+</file>
+
+<file path=ppt/notesSlides/notesSlide48.xml><?xml version="1.0" encoding="utf-8"?>
+<p:notes xmlns:a="http://schemas.openxmlformats.org/drawingml/2006/main" xmlns:r="http://schemas.openxmlformats.org/officeDocument/2006/relationships" xmlns:p="http://schemas.openxmlformats.org/presentationml/2006/main">
+  <p:cSld>
+    <p:spTree>
+      <p:nvGrpSpPr>
+        <p:cNvPr id="1" name=""/>
+        <p:cNvGrpSpPr/>
+        <p:nvPr/>
+      </p:nvGrpSpPr>
+      <p:grpSpPr>
+        <a:xfrm>
+          <a:off x="0" y="0"/>
+          <a:ext cx="0" cy="0"/>
+          <a:chOff x="0" y="0"/>
+          <a:chExt cx="0" cy="0"/>
+        </a:xfrm>
+      </p:grpSpPr>
+      <p:sp>
+        <p:nvSpPr>
+          <p:cNvPr id="2" name="Slide Image Placeholder 1"/>
+          <p:cNvSpPr>
+            <a:spLocks noGrp="1" noRot="1" noChangeAspect="1"/>
+          </p:cNvSpPr>
+          <p:nvPr>
+            <p:ph type="sldImg"/>
+          </p:nvPr>
+        </p:nvSpPr>
+        <p:spPr/>
+      </p:sp>
+      <p:sp>
+        <p:nvSpPr>
+          <p:cNvPr id="3" name="Notes Placeholder 2"/>
+          <p:cNvSpPr>
+            <a:spLocks noGrp="1"/>
+          </p:cNvSpPr>
+          <p:nvPr>
+            <p:ph type="body" idx="1"/>
+          </p:nvPr>
+        </p:nvSpPr>
+        <p:spPr/>
+        <p:txBody>
+          <a:bodyPr/>
+          <a:lstStyle/>
+          <a:p>
+            <a:r>
+              <a:rPr kumimoji="0" lang="en-US" altLang="en-US" sz="1200" b="0" i="0" u="none" strike="noStrike" cap="none" normalizeH="0" baseline="0" dirty="0" smtClean="0">
+                <a:ln>
+                  <a:noFill/>
+                </a:ln>
+                <a:solidFill>
+                  <a:schemeClr val="tx1"/>
+                </a:solidFill>
+                <a:effectLst/>
+                <a:latin typeface="Arial" panose="020B0604020202020204" pitchFamily="34" charset="0"/>
+              </a:rPr>
+              <a:t>Output:</a:t>
+            </a:r>
+          </a:p>
+          <a:p>
+            <a:r>
+              <a:rPr kumimoji="0" lang="en-US" altLang="en-US" sz="1200" b="0" i="0" u="none" strike="noStrike" cap="none" normalizeH="0" baseline="0" dirty="0" smtClean="0">
+                <a:ln>
+                  <a:noFill/>
+                </a:ln>
+                <a:solidFill>
+                  <a:schemeClr val="tx1"/>
+                </a:solidFill>
+                <a:effectLst/>
+                <a:latin typeface="+mn-lt"/>
+              </a:rPr>
+              <a:t>123456789</a:t>
+            </a:r>
+            <a:endParaRPr kumimoji="0" lang="en-US" altLang="en-US" sz="1200" b="0" i="0" u="none" strike="noStrike" cap="none" normalizeH="0" baseline="0" dirty="0" smtClean="0">
+              <a:ln>
+                <a:noFill/>
+              </a:ln>
+              <a:solidFill>
+                <a:schemeClr val="tx1"/>
+              </a:solidFill>
+              <a:effectLst/>
+              <a:latin typeface="Arial" panose="020B0604020202020204" pitchFamily="34" charset="0"/>
+            </a:endParaRPr>
+          </a:p>
+        </p:txBody>
+      </p:sp>
+      <p:sp>
+        <p:nvSpPr>
+          <p:cNvPr id="4" name="Slide Number Placeholder 3"/>
+          <p:cNvSpPr>
+            <a:spLocks noGrp="1"/>
+          </p:cNvSpPr>
+          <p:nvPr>
+            <p:ph type="sldNum" sz="quarter" idx="10"/>
+          </p:nvPr>
+        </p:nvSpPr>
+        <p:spPr/>
+        <p:txBody>
+          <a:bodyPr/>
+          <a:lstStyle/>
+          <a:p>
+            <a:fld id="{E51715A9-EB64-4481-89E4-A64020E86A42}" type="slidenum">
+              <a:rPr lang="en-US" smtClean="0"/>
+              <a:t>53</a:t>
+            </a:fld>
+            <a:endParaRPr lang="en-US"/>
+          </a:p>
+        </p:txBody>
+      </p:sp>
+    </p:spTree>
+    <p:extLst>
+      <p:ext uri="{BB962C8B-B14F-4D97-AF65-F5344CB8AC3E}">
+        <p14:creationId xmlns:p14="http://schemas.microsoft.com/office/powerpoint/2010/main" val="1578058771"/>
+      </p:ext>
+    </p:extLst>
+  </p:cSld>
+  <p:clrMapOvr>
+    <a:masterClrMapping/>
+  </p:clrMapOvr>
+</p:notes>
+</file>
+
 <file path=ppt/notesSlides/notesSlide5.xml><?xml version="1.0" encoding="utf-8"?>
 <p:notes xmlns:a="http://schemas.openxmlformats.org/drawingml/2006/main" xmlns:r="http://schemas.openxmlformats.org/officeDocument/2006/relationships" xmlns:p="http://schemas.openxmlformats.org/presentationml/2006/main">
   <p:cSld>
@@ -5288,7 +6167,7 @@
           <a:p>
             <a:fld id="{E1E2B331-5147-4B01-A8AF-F002CBC81196}" type="datetimeFigureOut">
               <a:rPr lang="en-US" smtClean="0"/>
-              <a:t>3/28/2015</a:t>
+              <a:t>4/3/2015</a:t>
             </a:fld>
             <a:endParaRPr lang="en-US"/>
           </a:p>
@@ -5458,7 +6337,7 @@
           <a:p>
             <a:fld id="{E1E2B331-5147-4B01-A8AF-F002CBC81196}" type="datetimeFigureOut">
               <a:rPr lang="en-US" smtClean="0"/>
-              <a:t>3/28/2015</a:t>
+              <a:t>4/3/2015</a:t>
             </a:fld>
             <a:endParaRPr lang="en-US"/>
           </a:p>
@@ -5638,7 +6517,7 @@
           <a:p>
             <a:fld id="{E1E2B331-5147-4B01-A8AF-F002CBC81196}" type="datetimeFigureOut">
               <a:rPr lang="en-US" smtClean="0"/>
-              <a:t>3/28/2015</a:t>
+              <a:t>4/3/2015</a:t>
             </a:fld>
             <a:endParaRPr lang="en-US"/>
           </a:p>
@@ -5808,7 +6687,7 @@
           <a:p>
             <a:fld id="{E1E2B331-5147-4B01-A8AF-F002CBC81196}" type="datetimeFigureOut">
               <a:rPr lang="en-US" smtClean="0"/>
-              <a:t>3/28/2015</a:t>
+              <a:t>4/3/2015</a:t>
             </a:fld>
             <a:endParaRPr lang="en-US"/>
           </a:p>
@@ -6054,7 +6933,7 @@
           <a:p>
             <a:fld id="{E1E2B331-5147-4B01-A8AF-F002CBC81196}" type="datetimeFigureOut">
               <a:rPr lang="en-US" smtClean="0"/>
-              <a:t>3/28/2015</a:t>
+              <a:t>4/3/2015</a:t>
             </a:fld>
             <a:endParaRPr lang="en-US"/>
           </a:p>
@@ -6286,7 +7165,7 @@
           <a:p>
             <a:fld id="{E1E2B331-5147-4B01-A8AF-F002CBC81196}" type="datetimeFigureOut">
               <a:rPr lang="en-US" smtClean="0"/>
-              <a:t>3/28/2015</a:t>
+              <a:t>4/3/2015</a:t>
             </a:fld>
             <a:endParaRPr lang="en-US"/>
           </a:p>
@@ -6653,7 +7532,7 @@
           <a:p>
             <a:fld id="{E1E2B331-5147-4B01-A8AF-F002CBC81196}" type="datetimeFigureOut">
               <a:rPr lang="en-US" smtClean="0"/>
-              <a:t>3/28/2015</a:t>
+              <a:t>4/3/2015</a:t>
             </a:fld>
             <a:endParaRPr lang="en-US"/>
           </a:p>
@@ -6771,7 +7650,7 @@
           <a:p>
             <a:fld id="{E1E2B331-5147-4B01-A8AF-F002CBC81196}" type="datetimeFigureOut">
               <a:rPr lang="en-US" smtClean="0"/>
-              <a:t>3/28/2015</a:t>
+              <a:t>4/3/2015</a:t>
             </a:fld>
             <a:endParaRPr lang="en-US"/>
           </a:p>
@@ -6866,7 +7745,7 @@
           <a:p>
             <a:fld id="{E1E2B331-5147-4B01-A8AF-F002CBC81196}" type="datetimeFigureOut">
               <a:rPr lang="en-US" smtClean="0"/>
-              <a:t>3/28/2015</a:t>
+              <a:t>4/3/2015</a:t>
             </a:fld>
             <a:endParaRPr lang="en-US"/>
           </a:p>
@@ -7143,7 +8022,7 @@
           <a:p>
             <a:fld id="{E1E2B331-5147-4B01-A8AF-F002CBC81196}" type="datetimeFigureOut">
               <a:rPr lang="en-US" smtClean="0"/>
-              <a:t>3/28/2015</a:t>
+              <a:t>4/3/2015</a:t>
             </a:fld>
             <a:endParaRPr lang="en-US"/>
           </a:p>
@@ -7396,7 +8275,7 @@
           <a:p>
             <a:fld id="{E1E2B331-5147-4B01-A8AF-F002CBC81196}" type="datetimeFigureOut">
               <a:rPr lang="en-US" smtClean="0"/>
-              <a:t>3/28/2015</a:t>
+              <a:t>4/3/2015</a:t>
             </a:fld>
             <a:endParaRPr lang="en-US"/>
           </a:p>
@@ -7609,7 +8488,7 @@
           <a:p>
             <a:fld id="{E1E2B331-5147-4B01-A8AF-F002CBC81196}" type="datetimeFigureOut">
               <a:rPr lang="en-US" smtClean="0"/>
-              <a:t>3/28/2015</a:t>
+              <a:t>4/3/2015</a:t>
             </a:fld>
             <a:endParaRPr lang="en-US"/>
           </a:p>
@@ -10479,7 +11358,6 @@
               <a:rPr lang="en-US" dirty="0" smtClean="0"/>
               <a:t>Interpolation: inserting variables into a string</a:t>
             </a:r>
-            <a:endParaRPr lang="en-US" dirty="0" smtClean="0"/>
           </a:p>
         </p:txBody>
       </p:sp>
@@ -21860,6 +22738,1458 @@
 </p:sld>
 </file>
 
+<file path=ppt/slides/slide45.xml><?xml version="1.0" encoding="utf-8"?>
+<p:sld xmlns:a="http://schemas.openxmlformats.org/drawingml/2006/main" xmlns:r="http://schemas.openxmlformats.org/officeDocument/2006/relationships" xmlns:p="http://schemas.openxmlformats.org/presentationml/2006/main">
+  <p:cSld>
+    <p:spTree>
+      <p:nvGrpSpPr>
+        <p:cNvPr id="1" name=""/>
+        <p:cNvGrpSpPr/>
+        <p:nvPr/>
+      </p:nvGrpSpPr>
+      <p:grpSpPr>
+        <a:xfrm>
+          <a:off x="0" y="0"/>
+          <a:ext cx="0" cy="0"/>
+          <a:chOff x="0" y="0"/>
+          <a:chExt cx="0" cy="0"/>
+        </a:xfrm>
+      </p:grpSpPr>
+      <p:sp>
+        <p:nvSpPr>
+          <p:cNvPr id="4" name="Title 3"/>
+          <p:cNvSpPr>
+            <a:spLocks noGrp="1"/>
+          </p:cNvSpPr>
+          <p:nvPr>
+            <p:ph type="title"/>
+          </p:nvPr>
+        </p:nvSpPr>
+        <p:spPr/>
+        <p:txBody>
+          <a:bodyPr/>
+          <a:lstStyle/>
+          <a:p>
+            <a:r>
+              <a:rPr lang="en-US" dirty="0" smtClean="0"/>
+              <a:t>Switch</a:t>
+            </a:r>
+            <a:endParaRPr lang="en-US" dirty="0"/>
+          </a:p>
+        </p:txBody>
+      </p:sp>
+      <p:sp>
+        <p:nvSpPr>
+          <p:cNvPr id="5" name="Content Placeholder 4"/>
+          <p:cNvSpPr>
+            <a:spLocks noGrp="1"/>
+          </p:cNvSpPr>
+          <p:nvPr>
+            <p:ph idx="1"/>
+          </p:nvPr>
+        </p:nvSpPr>
+        <p:spPr/>
+        <p:txBody>
+          <a:bodyPr/>
+          <a:lstStyle/>
+          <a:p>
+            <a:r>
+              <a:rPr lang="en-US" dirty="0" smtClean="0"/>
+              <a:t>Executes one of several sections of code depending on the value of a variable</a:t>
+            </a:r>
+          </a:p>
+          <a:p>
+            <a:r>
+              <a:rPr lang="en-US" dirty="0" smtClean="0"/>
+              <a:t>Can be used in place of long chains of </a:t>
+            </a:r>
+            <a:r>
+              <a:rPr lang="en-US" dirty="0" err="1" smtClean="0"/>
+              <a:t>elseifs</a:t>
+            </a:r>
+            <a:endParaRPr lang="en-US" dirty="0" smtClean="0"/>
+          </a:p>
+          <a:p>
+            <a:r>
+              <a:rPr lang="en-US" dirty="0" smtClean="0"/>
+              <a:t>Each section starts with “case value:” and ends with “break;”</a:t>
+            </a:r>
+          </a:p>
+          <a:p>
+            <a:r>
+              <a:rPr lang="en-US" dirty="0" smtClean="0"/>
+              <a:t>Works with integers, floats, and strings</a:t>
+            </a:r>
+            <a:endParaRPr lang="en-US" dirty="0" smtClean="0"/>
+          </a:p>
+          <a:p>
+            <a:endParaRPr lang="en-US" dirty="0" smtClean="0"/>
+          </a:p>
+        </p:txBody>
+      </p:sp>
+    </p:spTree>
+    <p:extLst>
+      <p:ext uri="{BB962C8B-B14F-4D97-AF65-F5344CB8AC3E}">
+        <p14:creationId xmlns:p14="http://schemas.microsoft.com/office/powerpoint/2010/main" val="596196826"/>
+      </p:ext>
+    </p:extLst>
+  </p:cSld>
+  <p:clrMapOvr>
+    <a:masterClrMapping/>
+  </p:clrMapOvr>
+  <p:timing>
+    <p:tnLst>
+      <p:par>
+        <p:cTn id="1" dur="indefinite" restart="never" nodeType="tmRoot"/>
+      </p:par>
+    </p:tnLst>
+  </p:timing>
+</p:sld>
+</file>
+
+<file path=ppt/slides/slide46.xml><?xml version="1.0" encoding="utf-8"?>
+<p:sld xmlns:a="http://schemas.openxmlformats.org/drawingml/2006/main" xmlns:r="http://schemas.openxmlformats.org/officeDocument/2006/relationships" xmlns:p="http://schemas.openxmlformats.org/presentationml/2006/main">
+  <p:cSld>
+    <p:spTree>
+      <p:nvGrpSpPr>
+        <p:cNvPr id="1" name=""/>
+        <p:cNvGrpSpPr/>
+        <p:nvPr/>
+      </p:nvGrpSpPr>
+      <p:grpSpPr>
+        <a:xfrm>
+          <a:off x="0" y="0"/>
+          <a:ext cx="0" cy="0"/>
+          <a:chOff x="0" y="0"/>
+          <a:chExt cx="0" cy="0"/>
+        </a:xfrm>
+      </p:grpSpPr>
+      <p:sp>
+        <p:nvSpPr>
+          <p:cNvPr id="6" name="Rectangle 2"/>
+          <p:cNvSpPr>
+            <a:spLocks noGrp="1" noChangeArrowheads="1"/>
+          </p:cNvSpPr>
+          <p:nvPr>
+            <p:ph idx="1"/>
+          </p:nvPr>
+        </p:nvSpPr>
+        <p:spPr bwMode="auto">
+          <a:xfrm>
+            <a:off x="617220" y="390096"/>
+            <a:ext cx="10957560" cy="6001643"/>
+          </a:xfrm>
+          <a:prstGeom prst="rect">
+            <a:avLst/>
+          </a:prstGeom>
+          <a:solidFill>
+            <a:schemeClr val="bg2"/>
+          </a:solidFill>
+          <a:ln>
+            <a:solidFill>
+              <a:schemeClr val="tx1"/>
+            </a:solidFill>
+          </a:ln>
+          <a:effectLst/>
+        </p:spPr>
+        <p:txBody>
+          <a:bodyPr vert="horz" wrap="square" lIns="91440" tIns="45720" rIns="91440" bIns="45720" numCol="1" anchor="ctr" anchorCtr="0" compatLnSpc="1">
+            <a:prstTxWarp prst="textNoShape">
+              <a:avLst/>
+            </a:prstTxWarp>
+            <a:spAutoFit/>
+          </a:bodyPr>
+          <a:lstStyle/>
+          <a:p>
+            <a:pPr marL="0" lvl="0" indent="0" eaLnBrk="0" fontAlgn="base" hangingPunct="0">
+              <a:lnSpc>
+                <a:spcPct val="100000"/>
+              </a:lnSpc>
+              <a:spcBef>
+                <a:spcPct val="0"/>
+              </a:spcBef>
+              <a:spcAft>
+                <a:spcPct val="0"/>
+              </a:spcAft>
+              <a:buNone/>
+            </a:pPr>
+            <a:r>
+              <a:rPr lang="en-US" altLang="en-US" sz="3200" dirty="0">
+                <a:solidFill>
+                  <a:srgbClr val="7F0055"/>
+                </a:solidFill>
+                <a:latin typeface="Arial Unicode MS" panose="020B0604020202020204" pitchFamily="34" charset="-128"/>
+              </a:rPr>
+              <a:t>&lt;?</a:t>
+            </a:r>
+            <a:r>
+              <a:rPr lang="en-US" altLang="en-US" sz="3200" dirty="0" err="1" smtClean="0">
+                <a:solidFill>
+                  <a:srgbClr val="7F0055"/>
+                </a:solidFill>
+                <a:latin typeface="Arial Unicode MS" panose="020B0604020202020204" pitchFamily="34" charset="-128"/>
+              </a:rPr>
+              <a:t>php</a:t>
+            </a:r>
+            <a:endParaRPr lang="en-US" altLang="en-US" sz="3200" dirty="0">
+              <a:solidFill>
+                <a:srgbClr val="7F0055"/>
+              </a:solidFill>
+              <a:latin typeface="Arial Unicode MS" panose="020B0604020202020204" pitchFamily="34" charset="-128"/>
+            </a:endParaRPr>
+          </a:p>
+          <a:p>
+            <a:pPr marL="0" lvl="0" indent="0" eaLnBrk="0" fontAlgn="base" hangingPunct="0">
+              <a:lnSpc>
+                <a:spcPct val="100000"/>
+              </a:lnSpc>
+              <a:spcBef>
+                <a:spcPct val="0"/>
+              </a:spcBef>
+              <a:spcAft>
+                <a:spcPct val="0"/>
+              </a:spcAft>
+              <a:buNone/>
+            </a:pPr>
+            <a:endParaRPr lang="en-US" altLang="en-US" sz="3200" dirty="0" smtClean="0">
+              <a:solidFill>
+                <a:srgbClr val="000000"/>
+              </a:solidFill>
+              <a:latin typeface="Arial Unicode MS" panose="020B0604020202020204" pitchFamily="34" charset="-128"/>
+            </a:endParaRPr>
+          </a:p>
+          <a:p>
+            <a:pPr marL="0" lvl="0" indent="0" eaLnBrk="0" fontAlgn="base" hangingPunct="0">
+              <a:lnSpc>
+                <a:spcPct val="100000"/>
+              </a:lnSpc>
+              <a:spcBef>
+                <a:spcPct val="0"/>
+              </a:spcBef>
+              <a:spcAft>
+                <a:spcPct val="0"/>
+              </a:spcAft>
+              <a:buNone/>
+            </a:pPr>
+            <a:r>
+              <a:rPr lang="en-US" altLang="en-US" sz="3200" b="1" dirty="0" smtClean="0">
+                <a:solidFill>
+                  <a:srgbClr val="7F0055"/>
+                </a:solidFill>
+                <a:latin typeface="Arial Unicode MS" panose="020B0604020202020204" pitchFamily="34" charset="-128"/>
+              </a:rPr>
+              <a:t>switch</a:t>
+            </a:r>
+            <a:r>
+              <a:rPr lang="en-US" altLang="en-US" sz="3200" dirty="0" smtClean="0">
+                <a:solidFill>
+                  <a:srgbClr val="000000"/>
+                </a:solidFill>
+                <a:latin typeface="Arial Unicode MS" panose="020B0604020202020204" pitchFamily="34" charset="-128"/>
+              </a:rPr>
+              <a:t> (2) {</a:t>
+            </a:r>
+          </a:p>
+          <a:p>
+            <a:pPr marL="0" lvl="0" indent="0" eaLnBrk="0" fontAlgn="base" hangingPunct="0">
+              <a:lnSpc>
+                <a:spcPct val="100000"/>
+              </a:lnSpc>
+              <a:spcBef>
+                <a:spcPct val="0"/>
+              </a:spcBef>
+              <a:spcAft>
+                <a:spcPct val="0"/>
+              </a:spcAft>
+              <a:buNone/>
+            </a:pPr>
+            <a:r>
+              <a:rPr lang="en-US" altLang="en-US" sz="3200" dirty="0" smtClean="0">
+                <a:solidFill>
+                  <a:srgbClr val="000000"/>
+                </a:solidFill>
+                <a:latin typeface="Arial Unicode MS" panose="020B0604020202020204" pitchFamily="34" charset="-128"/>
+              </a:rPr>
+              <a:t> </a:t>
+            </a:r>
+            <a:r>
+              <a:rPr lang="en-US" altLang="en-US" sz="3200" dirty="0">
+                <a:solidFill>
+                  <a:srgbClr val="000000"/>
+                </a:solidFill>
+                <a:latin typeface="Arial Unicode MS" panose="020B0604020202020204" pitchFamily="34" charset="-128"/>
+              </a:rPr>
+              <a:t>   </a:t>
+            </a:r>
+            <a:r>
+              <a:rPr lang="en-US" altLang="en-US" sz="3200" b="1" dirty="0" smtClean="0">
+                <a:solidFill>
+                  <a:srgbClr val="7F0055"/>
+                </a:solidFill>
+                <a:latin typeface="Arial Unicode MS" panose="020B0604020202020204" pitchFamily="34" charset="-128"/>
+              </a:rPr>
+              <a:t>case</a:t>
+            </a:r>
+            <a:r>
+              <a:rPr lang="en-US" altLang="en-US" sz="3200" dirty="0" smtClean="0">
+                <a:solidFill>
+                  <a:srgbClr val="000000"/>
+                </a:solidFill>
+                <a:latin typeface="Arial Unicode MS" panose="020B0604020202020204" pitchFamily="34" charset="-128"/>
+              </a:rPr>
+              <a:t> </a:t>
+            </a:r>
+            <a:r>
+              <a:rPr lang="en-US" altLang="en-US" sz="3200" dirty="0">
+                <a:solidFill>
+                  <a:srgbClr val="000000"/>
+                </a:solidFill>
+                <a:latin typeface="Arial Unicode MS" panose="020B0604020202020204" pitchFamily="34" charset="-128"/>
+              </a:rPr>
+              <a:t>1</a:t>
+            </a:r>
+            <a:r>
+              <a:rPr lang="en-US" altLang="en-US" sz="3200" dirty="0" smtClean="0">
+                <a:solidFill>
+                  <a:srgbClr val="000000"/>
+                </a:solidFill>
+                <a:latin typeface="Arial Unicode MS" panose="020B0604020202020204" pitchFamily="34" charset="-128"/>
+              </a:rPr>
+              <a:t>:</a:t>
+            </a:r>
+          </a:p>
+          <a:p>
+            <a:pPr marL="0" lvl="0" indent="0" eaLnBrk="0" fontAlgn="base" hangingPunct="0">
+              <a:lnSpc>
+                <a:spcPct val="100000"/>
+              </a:lnSpc>
+              <a:spcBef>
+                <a:spcPct val="0"/>
+              </a:spcBef>
+              <a:spcAft>
+                <a:spcPct val="0"/>
+              </a:spcAft>
+              <a:buNone/>
+            </a:pPr>
+            <a:r>
+              <a:rPr lang="en-US" altLang="en-US" sz="3200" dirty="0">
+                <a:solidFill>
+                  <a:srgbClr val="000000"/>
+                </a:solidFill>
+                <a:latin typeface="Arial Unicode MS" panose="020B0604020202020204" pitchFamily="34" charset="-128"/>
+              </a:rPr>
+              <a:t>        </a:t>
+            </a:r>
+            <a:r>
+              <a:rPr lang="en-US" altLang="en-US" sz="3200" b="1" dirty="0">
+                <a:solidFill>
+                  <a:srgbClr val="7F0055"/>
+                </a:solidFill>
+                <a:latin typeface="Arial Unicode MS" panose="020B0604020202020204" pitchFamily="34" charset="-128"/>
+              </a:rPr>
+              <a:t>echo</a:t>
+            </a:r>
+            <a:r>
+              <a:rPr lang="en-US" altLang="en-US" sz="3200" dirty="0">
+                <a:solidFill>
+                  <a:srgbClr val="000000"/>
+                </a:solidFill>
+                <a:latin typeface="Arial Unicode MS" panose="020B0604020202020204" pitchFamily="34" charset="-128"/>
+              </a:rPr>
+              <a:t> </a:t>
+            </a:r>
+            <a:r>
+              <a:rPr lang="en-US" altLang="en-US" sz="3200" dirty="0" smtClean="0">
+                <a:solidFill>
+                  <a:srgbClr val="2A00FF"/>
+                </a:solidFill>
+                <a:latin typeface="Arial Unicode MS" panose="020B0604020202020204" pitchFamily="34" charset="-128"/>
+              </a:rPr>
+              <a:t>“one"</a:t>
+            </a:r>
+            <a:r>
+              <a:rPr lang="en-US" altLang="en-US" sz="3200" dirty="0" smtClean="0">
+                <a:solidFill>
+                  <a:srgbClr val="000000"/>
+                </a:solidFill>
+                <a:latin typeface="Arial Unicode MS" panose="020B0604020202020204" pitchFamily="34" charset="-128"/>
+              </a:rPr>
+              <a:t>;</a:t>
+            </a:r>
+          </a:p>
+          <a:p>
+            <a:pPr marL="0" lvl="0" indent="0" eaLnBrk="0" fontAlgn="base" hangingPunct="0">
+              <a:lnSpc>
+                <a:spcPct val="100000"/>
+              </a:lnSpc>
+              <a:spcBef>
+                <a:spcPct val="0"/>
+              </a:spcBef>
+              <a:spcAft>
+                <a:spcPct val="0"/>
+              </a:spcAft>
+              <a:buNone/>
+            </a:pPr>
+            <a:r>
+              <a:rPr lang="en-US" altLang="en-US" sz="3200" dirty="0">
+                <a:solidFill>
+                  <a:srgbClr val="000000"/>
+                </a:solidFill>
+                <a:latin typeface="Arial Unicode MS" panose="020B0604020202020204" pitchFamily="34" charset="-128"/>
+              </a:rPr>
+              <a:t>        </a:t>
+            </a:r>
+            <a:r>
+              <a:rPr lang="en-US" altLang="en-US" sz="3200" b="1" dirty="0">
+                <a:solidFill>
+                  <a:srgbClr val="7F0055"/>
+                </a:solidFill>
+                <a:latin typeface="Arial Unicode MS" panose="020B0604020202020204" pitchFamily="34" charset="-128"/>
+              </a:rPr>
+              <a:t>break</a:t>
+            </a:r>
+            <a:r>
+              <a:rPr lang="en-US" altLang="en-US" sz="3200" dirty="0" smtClean="0">
+                <a:solidFill>
+                  <a:srgbClr val="000000"/>
+                </a:solidFill>
+                <a:latin typeface="Arial Unicode MS" panose="020B0604020202020204" pitchFamily="34" charset="-128"/>
+              </a:rPr>
+              <a:t>;</a:t>
+            </a:r>
+          </a:p>
+          <a:p>
+            <a:pPr marL="0" lvl="0" indent="0" eaLnBrk="0" fontAlgn="base" hangingPunct="0">
+              <a:lnSpc>
+                <a:spcPct val="100000"/>
+              </a:lnSpc>
+              <a:spcBef>
+                <a:spcPct val="0"/>
+              </a:spcBef>
+              <a:spcAft>
+                <a:spcPct val="0"/>
+              </a:spcAft>
+              <a:buNone/>
+            </a:pPr>
+            <a:r>
+              <a:rPr lang="en-US" altLang="en-US" sz="3200" dirty="0">
+                <a:solidFill>
+                  <a:srgbClr val="000000"/>
+                </a:solidFill>
+                <a:latin typeface="Arial Unicode MS" panose="020B0604020202020204" pitchFamily="34" charset="-128"/>
+              </a:rPr>
+              <a:t>    </a:t>
+            </a:r>
+            <a:r>
+              <a:rPr lang="en-US" altLang="en-US" sz="3200" b="1" dirty="0">
+                <a:solidFill>
+                  <a:srgbClr val="7F0055"/>
+                </a:solidFill>
+                <a:latin typeface="Arial Unicode MS" panose="020B0604020202020204" pitchFamily="34" charset="-128"/>
+              </a:rPr>
+              <a:t>case</a:t>
+            </a:r>
+            <a:r>
+              <a:rPr lang="en-US" altLang="en-US" sz="3200" dirty="0">
+                <a:solidFill>
+                  <a:srgbClr val="000000"/>
+                </a:solidFill>
+                <a:latin typeface="Arial Unicode MS" panose="020B0604020202020204" pitchFamily="34" charset="-128"/>
+              </a:rPr>
+              <a:t> 2</a:t>
+            </a:r>
+            <a:r>
+              <a:rPr lang="en-US" altLang="en-US" sz="3200" dirty="0" smtClean="0">
+                <a:solidFill>
+                  <a:srgbClr val="000000"/>
+                </a:solidFill>
+                <a:latin typeface="Arial Unicode MS" panose="020B0604020202020204" pitchFamily="34" charset="-128"/>
+              </a:rPr>
+              <a:t>:</a:t>
+            </a:r>
+          </a:p>
+          <a:p>
+            <a:pPr marL="0" lvl="0" indent="0" eaLnBrk="0" fontAlgn="base" hangingPunct="0">
+              <a:lnSpc>
+                <a:spcPct val="100000"/>
+              </a:lnSpc>
+              <a:spcBef>
+                <a:spcPct val="0"/>
+              </a:spcBef>
+              <a:spcAft>
+                <a:spcPct val="0"/>
+              </a:spcAft>
+              <a:buNone/>
+            </a:pPr>
+            <a:r>
+              <a:rPr lang="en-US" altLang="en-US" sz="3200" dirty="0">
+                <a:solidFill>
+                  <a:srgbClr val="000000"/>
+                </a:solidFill>
+                <a:latin typeface="Arial Unicode MS" panose="020B0604020202020204" pitchFamily="34" charset="-128"/>
+              </a:rPr>
+              <a:t>        </a:t>
+            </a:r>
+            <a:r>
+              <a:rPr lang="en-US" altLang="en-US" sz="3200" b="1" dirty="0">
+                <a:solidFill>
+                  <a:srgbClr val="7F0055"/>
+                </a:solidFill>
+                <a:latin typeface="Arial Unicode MS" panose="020B0604020202020204" pitchFamily="34" charset="-128"/>
+              </a:rPr>
+              <a:t>echo</a:t>
+            </a:r>
+            <a:r>
+              <a:rPr lang="en-US" altLang="en-US" sz="3200" dirty="0">
+                <a:solidFill>
+                  <a:srgbClr val="000000"/>
+                </a:solidFill>
+                <a:latin typeface="Arial Unicode MS" panose="020B0604020202020204" pitchFamily="34" charset="-128"/>
+              </a:rPr>
+              <a:t> </a:t>
+            </a:r>
+            <a:r>
+              <a:rPr lang="en-US" altLang="en-US" sz="3200" dirty="0" smtClean="0">
+                <a:solidFill>
+                  <a:srgbClr val="2A00FF"/>
+                </a:solidFill>
+                <a:latin typeface="Arial Unicode MS" panose="020B0604020202020204" pitchFamily="34" charset="-128"/>
+              </a:rPr>
+              <a:t>“two"</a:t>
+            </a:r>
+            <a:r>
+              <a:rPr lang="en-US" altLang="en-US" sz="3200" dirty="0" smtClean="0">
+                <a:solidFill>
+                  <a:srgbClr val="000000"/>
+                </a:solidFill>
+                <a:latin typeface="Arial Unicode MS" panose="020B0604020202020204" pitchFamily="34" charset="-128"/>
+              </a:rPr>
+              <a:t>;</a:t>
+            </a:r>
+          </a:p>
+          <a:p>
+            <a:pPr marL="0" lvl="0" indent="0" eaLnBrk="0" fontAlgn="base" hangingPunct="0">
+              <a:lnSpc>
+                <a:spcPct val="100000"/>
+              </a:lnSpc>
+              <a:spcBef>
+                <a:spcPct val="0"/>
+              </a:spcBef>
+              <a:spcAft>
+                <a:spcPct val="0"/>
+              </a:spcAft>
+              <a:buNone/>
+            </a:pPr>
+            <a:r>
+              <a:rPr lang="en-US" altLang="en-US" sz="3200" dirty="0">
+                <a:solidFill>
+                  <a:srgbClr val="000000"/>
+                </a:solidFill>
+                <a:latin typeface="Arial Unicode MS" panose="020B0604020202020204" pitchFamily="34" charset="-128"/>
+              </a:rPr>
+              <a:t>        </a:t>
+            </a:r>
+            <a:r>
+              <a:rPr lang="en-US" altLang="en-US" sz="3200" b="1" dirty="0">
+                <a:solidFill>
+                  <a:srgbClr val="7F0055"/>
+                </a:solidFill>
+                <a:latin typeface="Arial Unicode MS" panose="020B0604020202020204" pitchFamily="34" charset="-128"/>
+              </a:rPr>
+              <a:t>break</a:t>
+            </a:r>
+            <a:r>
+              <a:rPr lang="en-US" altLang="en-US" sz="3200" dirty="0" smtClean="0">
+                <a:solidFill>
+                  <a:srgbClr val="000000"/>
+                </a:solidFill>
+                <a:latin typeface="Arial Unicode MS" panose="020B0604020202020204" pitchFamily="34" charset="-128"/>
+              </a:rPr>
+              <a:t>;</a:t>
+            </a:r>
+          </a:p>
+          <a:p>
+            <a:pPr marL="0" lvl="0" indent="0" eaLnBrk="0" fontAlgn="base" hangingPunct="0">
+              <a:lnSpc>
+                <a:spcPct val="100000"/>
+              </a:lnSpc>
+              <a:spcBef>
+                <a:spcPct val="0"/>
+              </a:spcBef>
+              <a:spcAft>
+                <a:spcPct val="0"/>
+              </a:spcAft>
+              <a:buNone/>
+            </a:pPr>
+            <a:r>
+              <a:rPr lang="en-US" altLang="en-US" sz="3200" dirty="0" smtClean="0">
+                <a:solidFill>
+                  <a:srgbClr val="000000"/>
+                </a:solidFill>
+                <a:latin typeface="Arial Unicode MS" panose="020B0604020202020204" pitchFamily="34" charset="-128"/>
+              </a:rPr>
+              <a:t>}</a:t>
+            </a:r>
+          </a:p>
+          <a:p>
+            <a:pPr marL="0" lvl="0" indent="0" eaLnBrk="0" fontAlgn="base" hangingPunct="0">
+              <a:lnSpc>
+                <a:spcPct val="100000"/>
+              </a:lnSpc>
+              <a:spcBef>
+                <a:spcPct val="0"/>
+              </a:spcBef>
+              <a:spcAft>
+                <a:spcPct val="0"/>
+              </a:spcAft>
+              <a:buNone/>
+            </a:pPr>
+            <a:endParaRPr lang="en-US" altLang="en-US" sz="3200" dirty="0" smtClean="0">
+              <a:solidFill>
+                <a:srgbClr val="000000"/>
+              </a:solidFill>
+              <a:latin typeface="Arial Unicode MS" panose="020B0604020202020204" pitchFamily="34" charset="-128"/>
+            </a:endParaRPr>
+          </a:p>
+          <a:p>
+            <a:pPr marL="0" lvl="0" indent="0" eaLnBrk="0" fontAlgn="base" hangingPunct="0">
+              <a:lnSpc>
+                <a:spcPct val="100000"/>
+              </a:lnSpc>
+              <a:spcBef>
+                <a:spcPct val="0"/>
+              </a:spcBef>
+              <a:spcAft>
+                <a:spcPct val="0"/>
+              </a:spcAft>
+              <a:buNone/>
+            </a:pPr>
+            <a:r>
+              <a:rPr lang="en-US" altLang="en-US" sz="3200" dirty="0" smtClean="0">
+                <a:solidFill>
+                  <a:srgbClr val="7F0055"/>
+                </a:solidFill>
+                <a:latin typeface="Arial Unicode MS" panose="020B0604020202020204" pitchFamily="34" charset="-128"/>
+              </a:rPr>
+              <a:t>?&gt;</a:t>
+            </a:r>
+            <a:endParaRPr lang="en-US" altLang="en-US" sz="6000" dirty="0">
+              <a:latin typeface="Arial" panose="020B0604020202020204" pitchFamily="34" charset="0"/>
+            </a:endParaRPr>
+          </a:p>
+        </p:txBody>
+      </p:sp>
+      <p:sp>
+        <p:nvSpPr>
+          <p:cNvPr id="3" name="Rectangle 2"/>
+          <p:cNvSpPr>
+            <a:spLocks noChangeArrowheads="1"/>
+          </p:cNvSpPr>
+          <p:nvPr/>
+        </p:nvSpPr>
+        <p:spPr bwMode="auto">
+          <a:xfrm>
+            <a:off x="0" y="43934"/>
+            <a:ext cx="184731" cy="369332"/>
+          </a:xfrm>
+          <a:prstGeom prst="rect">
+            <a:avLst/>
+          </a:prstGeom>
+          <a:solidFill>
+            <a:srgbClr val="FFFFFF"/>
+          </a:solidFill>
+          <a:ln>
+            <a:noFill/>
+          </a:ln>
+          <a:effectLst/>
+          <a:extLst>
+            <a:ext uri="{91240B29-F687-4F45-9708-019B960494DF}">
+              <a14:hiddenLine xmlns:a14="http://schemas.microsoft.com/office/drawing/2010/main" w="9525">
+                <a:solidFill>
+                  <a:schemeClr val="tx1"/>
+                </a:solidFill>
+                <a:miter lim="800000"/>
+                <a:headEnd/>
+                <a:tailEnd/>
+              </a14:hiddenLine>
+            </a:ext>
+            <a:ext uri="{AF507438-7753-43E0-B8FC-AC1667EBCBE1}">
+              <a14:hiddenEffects xmlns:a14="http://schemas.microsoft.com/office/drawing/2010/main">
+                <a:effectLst>
+                  <a:outerShdw dist="35921" dir="2700000" algn="ctr" rotWithShape="0">
+                    <a:schemeClr val="bg2"/>
+                  </a:outerShdw>
+                </a:effectLst>
+              </a14:hiddenEffects>
+            </a:ext>
+          </a:extLst>
+        </p:spPr>
+        <p:txBody>
+          <a:bodyPr vert="horz" wrap="none" lIns="91440" tIns="45720" rIns="91440" bIns="45720" numCol="1" anchor="ctr" anchorCtr="0" compatLnSpc="1">
+            <a:prstTxWarp prst="textNoShape">
+              <a:avLst/>
+            </a:prstTxWarp>
+            <a:spAutoFit/>
+          </a:bodyPr>
+          <a:lstStyle/>
+          <a:p>
+            <a:pPr marL="0" marR="0" lvl="0" indent="0" algn="l" defTabSz="914400" rtl="0" eaLnBrk="0" fontAlgn="base" latinLnBrk="0" hangingPunct="0">
+              <a:lnSpc>
+                <a:spcPct val="100000"/>
+              </a:lnSpc>
+              <a:spcBef>
+                <a:spcPct val="0"/>
+              </a:spcBef>
+              <a:spcAft>
+                <a:spcPct val="0"/>
+              </a:spcAft>
+              <a:buClrTx/>
+              <a:buSzTx/>
+              <a:buFontTx/>
+              <a:buNone/>
+              <a:tabLst/>
+            </a:pPr>
+            <a:endParaRPr kumimoji="0" lang="en-US" altLang="en-US" sz="1800" b="0" i="0" u="none" strike="noStrike" cap="none" normalizeH="0" baseline="0" dirty="0" smtClean="0">
+              <a:ln>
+                <a:noFill/>
+              </a:ln>
+              <a:solidFill>
+                <a:schemeClr val="tx1"/>
+              </a:solidFill>
+              <a:effectLst/>
+              <a:latin typeface="Arial" panose="020B0604020202020204" pitchFamily="34" charset="0"/>
+            </a:endParaRPr>
+          </a:p>
+        </p:txBody>
+      </p:sp>
+    </p:spTree>
+    <p:extLst>
+      <p:ext uri="{BB962C8B-B14F-4D97-AF65-F5344CB8AC3E}">
+        <p14:creationId xmlns:p14="http://schemas.microsoft.com/office/powerpoint/2010/main" val="3472138092"/>
+      </p:ext>
+    </p:extLst>
+  </p:cSld>
+  <p:clrMapOvr>
+    <a:masterClrMapping/>
+  </p:clrMapOvr>
+  <p:timing>
+    <p:tnLst>
+      <p:par>
+        <p:cTn id="1" dur="indefinite" restart="never" nodeType="tmRoot"/>
+      </p:par>
+    </p:tnLst>
+  </p:timing>
+</p:sld>
+</file>
+
+<file path=ppt/slides/slide47.xml><?xml version="1.0" encoding="utf-8"?>
+<p:sld xmlns:a="http://schemas.openxmlformats.org/drawingml/2006/main" xmlns:r="http://schemas.openxmlformats.org/officeDocument/2006/relationships" xmlns:p="http://schemas.openxmlformats.org/presentationml/2006/main">
+  <p:cSld>
+    <p:spTree>
+      <p:nvGrpSpPr>
+        <p:cNvPr id="1" name=""/>
+        <p:cNvGrpSpPr/>
+        <p:nvPr/>
+      </p:nvGrpSpPr>
+      <p:grpSpPr>
+        <a:xfrm>
+          <a:off x="0" y="0"/>
+          <a:ext cx="0" cy="0"/>
+          <a:chOff x="0" y="0"/>
+          <a:chExt cx="0" cy="0"/>
+        </a:xfrm>
+      </p:grpSpPr>
+      <p:sp>
+        <p:nvSpPr>
+          <p:cNvPr id="4" name="Title 3"/>
+          <p:cNvSpPr>
+            <a:spLocks noGrp="1"/>
+          </p:cNvSpPr>
+          <p:nvPr>
+            <p:ph type="title"/>
+          </p:nvPr>
+        </p:nvSpPr>
+        <p:spPr/>
+        <p:txBody>
+          <a:bodyPr/>
+          <a:lstStyle/>
+          <a:p>
+            <a:r>
+              <a:rPr lang="en-US" dirty="0" smtClean="0"/>
+              <a:t>Loops</a:t>
+            </a:r>
+            <a:endParaRPr lang="en-US" dirty="0"/>
+          </a:p>
+        </p:txBody>
+      </p:sp>
+      <p:sp>
+        <p:nvSpPr>
+          <p:cNvPr id="5" name="Text Placeholder 4"/>
+          <p:cNvSpPr>
+            <a:spLocks noGrp="1"/>
+          </p:cNvSpPr>
+          <p:nvPr>
+            <p:ph type="body" idx="1"/>
+          </p:nvPr>
+        </p:nvSpPr>
+        <p:spPr/>
+        <p:txBody>
+          <a:bodyPr/>
+          <a:lstStyle/>
+          <a:p>
+            <a:r>
+              <a:rPr lang="en-US" dirty="0" smtClean="0"/>
+              <a:t>Do it again (and again and again)</a:t>
+            </a:r>
+            <a:endParaRPr lang="en-US" dirty="0"/>
+          </a:p>
+        </p:txBody>
+      </p:sp>
+    </p:spTree>
+    <p:extLst>
+      <p:ext uri="{BB962C8B-B14F-4D97-AF65-F5344CB8AC3E}">
+        <p14:creationId xmlns:p14="http://schemas.microsoft.com/office/powerpoint/2010/main" val="1112268013"/>
+      </p:ext>
+    </p:extLst>
+  </p:cSld>
+  <p:clrMapOvr>
+    <a:masterClrMapping/>
+  </p:clrMapOvr>
+  <p:timing>
+    <p:tnLst>
+      <p:par>
+        <p:cTn id="1" dur="indefinite" restart="never" nodeType="tmRoot"/>
+      </p:par>
+    </p:tnLst>
+  </p:timing>
+</p:sld>
+</file>
+
+<file path=ppt/slides/slide48.xml><?xml version="1.0" encoding="utf-8"?>
+<p:sld xmlns:a="http://schemas.openxmlformats.org/drawingml/2006/main" xmlns:r="http://schemas.openxmlformats.org/officeDocument/2006/relationships" xmlns:p="http://schemas.openxmlformats.org/presentationml/2006/main">
+  <p:cSld>
+    <p:spTree>
+      <p:nvGrpSpPr>
+        <p:cNvPr id="1" name=""/>
+        <p:cNvGrpSpPr/>
+        <p:nvPr/>
+      </p:nvGrpSpPr>
+      <p:grpSpPr>
+        <a:xfrm>
+          <a:off x="0" y="0"/>
+          <a:ext cx="0" cy="0"/>
+          <a:chOff x="0" y="0"/>
+          <a:chExt cx="0" cy="0"/>
+        </a:xfrm>
+      </p:grpSpPr>
+      <p:sp>
+        <p:nvSpPr>
+          <p:cNvPr id="4" name="Title 3"/>
+          <p:cNvSpPr>
+            <a:spLocks noGrp="1"/>
+          </p:cNvSpPr>
+          <p:nvPr>
+            <p:ph type="title"/>
+          </p:nvPr>
+        </p:nvSpPr>
+        <p:spPr/>
+        <p:txBody>
+          <a:bodyPr/>
+          <a:lstStyle/>
+          <a:p>
+            <a:r>
+              <a:rPr lang="en-US" dirty="0" smtClean="0"/>
+              <a:t>While</a:t>
+            </a:r>
+            <a:endParaRPr lang="en-US" dirty="0"/>
+          </a:p>
+        </p:txBody>
+      </p:sp>
+      <p:sp>
+        <p:nvSpPr>
+          <p:cNvPr id="5" name="Content Placeholder 4"/>
+          <p:cNvSpPr>
+            <a:spLocks noGrp="1"/>
+          </p:cNvSpPr>
+          <p:nvPr>
+            <p:ph idx="1"/>
+          </p:nvPr>
+        </p:nvSpPr>
+        <p:spPr/>
+        <p:txBody>
+          <a:bodyPr/>
+          <a:lstStyle/>
+          <a:p>
+            <a:r>
+              <a:rPr lang="en-US" dirty="0" smtClean="0"/>
+              <a:t>Repeats a block of code as long as a conditional is true</a:t>
+            </a:r>
+            <a:endParaRPr lang="en-US" dirty="0"/>
+          </a:p>
+          <a:p>
+            <a:r>
+              <a:rPr lang="en-US" dirty="0" smtClean="0"/>
+              <a:t>Similar syntax to if</a:t>
+            </a:r>
+          </a:p>
+        </p:txBody>
+      </p:sp>
+    </p:spTree>
+    <p:extLst>
+      <p:ext uri="{BB962C8B-B14F-4D97-AF65-F5344CB8AC3E}">
+        <p14:creationId xmlns:p14="http://schemas.microsoft.com/office/powerpoint/2010/main" val="95604651"/>
+      </p:ext>
+    </p:extLst>
+  </p:cSld>
+  <p:clrMapOvr>
+    <a:masterClrMapping/>
+  </p:clrMapOvr>
+  <p:timing>
+    <p:tnLst>
+      <p:par>
+        <p:cTn id="1" dur="indefinite" restart="never" nodeType="tmRoot"/>
+      </p:par>
+    </p:tnLst>
+  </p:timing>
+</p:sld>
+</file>
+
+<file path=ppt/slides/slide49.xml><?xml version="1.0" encoding="utf-8"?>
+<p:sld xmlns:a="http://schemas.openxmlformats.org/drawingml/2006/main" xmlns:r="http://schemas.openxmlformats.org/officeDocument/2006/relationships" xmlns:p="http://schemas.openxmlformats.org/presentationml/2006/main">
+  <p:cSld>
+    <p:spTree>
+      <p:nvGrpSpPr>
+        <p:cNvPr id="1" name=""/>
+        <p:cNvGrpSpPr/>
+        <p:nvPr/>
+      </p:nvGrpSpPr>
+      <p:grpSpPr>
+        <a:xfrm>
+          <a:off x="0" y="0"/>
+          <a:ext cx="0" cy="0"/>
+          <a:chOff x="0" y="0"/>
+          <a:chExt cx="0" cy="0"/>
+        </a:xfrm>
+      </p:grpSpPr>
+      <p:sp>
+        <p:nvSpPr>
+          <p:cNvPr id="6" name="Rectangle 2"/>
+          <p:cNvSpPr>
+            <a:spLocks noGrp="1" noChangeArrowheads="1"/>
+          </p:cNvSpPr>
+          <p:nvPr>
+            <p:ph idx="1"/>
+          </p:nvPr>
+        </p:nvSpPr>
+        <p:spPr bwMode="auto">
+          <a:xfrm>
+            <a:off x="617220" y="820985"/>
+            <a:ext cx="10957560" cy="5139869"/>
+          </a:xfrm>
+          <a:prstGeom prst="rect">
+            <a:avLst/>
+          </a:prstGeom>
+          <a:solidFill>
+            <a:schemeClr val="bg2"/>
+          </a:solidFill>
+          <a:ln>
+            <a:solidFill>
+              <a:schemeClr val="tx1"/>
+            </a:solidFill>
+          </a:ln>
+          <a:effectLst/>
+        </p:spPr>
+        <p:txBody>
+          <a:bodyPr vert="horz" wrap="square" lIns="91440" tIns="45720" rIns="91440" bIns="45720" numCol="1" anchor="ctr" anchorCtr="0" compatLnSpc="1">
+            <a:prstTxWarp prst="textNoShape">
+              <a:avLst/>
+            </a:prstTxWarp>
+            <a:spAutoFit/>
+          </a:bodyPr>
+          <a:lstStyle/>
+          <a:p>
+            <a:pPr marL="0" lvl="0" indent="0" eaLnBrk="0" fontAlgn="base" hangingPunct="0">
+              <a:lnSpc>
+                <a:spcPct val="100000"/>
+              </a:lnSpc>
+              <a:spcBef>
+                <a:spcPct val="0"/>
+              </a:spcBef>
+              <a:spcAft>
+                <a:spcPct val="0"/>
+              </a:spcAft>
+              <a:buNone/>
+            </a:pPr>
+            <a:r>
+              <a:rPr lang="en-US" altLang="en-US" sz="3200" dirty="0">
+                <a:solidFill>
+                  <a:srgbClr val="7F0055"/>
+                </a:solidFill>
+                <a:latin typeface="Arial Unicode MS" panose="020B0604020202020204" pitchFamily="34" charset="-128"/>
+              </a:rPr>
+              <a:t>&lt;?</a:t>
+            </a:r>
+            <a:r>
+              <a:rPr lang="en-US" altLang="en-US" sz="3200" dirty="0" err="1" smtClean="0">
+                <a:solidFill>
+                  <a:srgbClr val="7F0055"/>
+                </a:solidFill>
+                <a:latin typeface="Arial Unicode MS" panose="020B0604020202020204" pitchFamily="34" charset="-128"/>
+              </a:rPr>
+              <a:t>php</a:t>
+            </a:r>
+            <a:endParaRPr lang="en-US" altLang="en-US" sz="3200" dirty="0" smtClean="0">
+              <a:solidFill>
+                <a:srgbClr val="000000"/>
+              </a:solidFill>
+              <a:latin typeface="Arial Unicode MS" panose="020B0604020202020204" pitchFamily="34" charset="-128"/>
+            </a:endParaRPr>
+          </a:p>
+          <a:p>
+            <a:pPr marL="0" lvl="0" indent="0" eaLnBrk="0" fontAlgn="base" hangingPunct="0">
+              <a:lnSpc>
+                <a:spcPct val="100000"/>
+              </a:lnSpc>
+              <a:spcBef>
+                <a:spcPct val="0"/>
+              </a:spcBef>
+              <a:spcAft>
+                <a:spcPct val="0"/>
+              </a:spcAft>
+              <a:buNone/>
+            </a:pPr>
+            <a:endParaRPr lang="en-US" altLang="en-US" sz="3200" dirty="0">
+              <a:solidFill>
+                <a:srgbClr val="000000"/>
+              </a:solidFill>
+              <a:latin typeface="Arial Unicode MS" panose="020B0604020202020204" pitchFamily="34" charset="-128"/>
+            </a:endParaRPr>
+          </a:p>
+          <a:p>
+            <a:pPr marL="0" lvl="0" indent="0" eaLnBrk="0" fontAlgn="base" hangingPunct="0">
+              <a:lnSpc>
+                <a:spcPct val="100000"/>
+              </a:lnSpc>
+              <a:spcBef>
+                <a:spcPct val="0"/>
+              </a:spcBef>
+              <a:spcAft>
+                <a:spcPct val="0"/>
+              </a:spcAft>
+              <a:buNone/>
+            </a:pPr>
+            <a:r>
+              <a:rPr lang="en-US" altLang="en-US" sz="3200" dirty="0" smtClean="0">
+                <a:solidFill>
+                  <a:srgbClr val="000000"/>
+                </a:solidFill>
+                <a:latin typeface="Arial Unicode MS" panose="020B0604020202020204" pitchFamily="34" charset="-128"/>
+              </a:rPr>
+              <a:t>$</a:t>
+            </a:r>
+            <a:r>
+              <a:rPr lang="en-US" altLang="en-US" sz="3200" dirty="0" err="1" smtClean="0">
+                <a:solidFill>
+                  <a:srgbClr val="000000"/>
+                </a:solidFill>
+                <a:latin typeface="Arial Unicode MS" panose="020B0604020202020204" pitchFamily="34" charset="-128"/>
+              </a:rPr>
+              <a:t>var</a:t>
+            </a:r>
+            <a:r>
+              <a:rPr lang="en-US" altLang="en-US" sz="3200" dirty="0" smtClean="0">
+                <a:solidFill>
+                  <a:srgbClr val="000000"/>
+                </a:solidFill>
+                <a:latin typeface="Arial Unicode MS" panose="020B0604020202020204" pitchFamily="34" charset="-128"/>
+              </a:rPr>
+              <a:t> </a:t>
+            </a:r>
+            <a:r>
+              <a:rPr lang="en-US" altLang="en-US" sz="3200" dirty="0">
+                <a:solidFill>
+                  <a:srgbClr val="000000"/>
+                </a:solidFill>
+                <a:latin typeface="Arial Unicode MS" panose="020B0604020202020204" pitchFamily="34" charset="-128"/>
+              </a:rPr>
+              <a:t>= </a:t>
+            </a:r>
+            <a:r>
+              <a:rPr lang="en-US" altLang="en-US" sz="3200" dirty="0" smtClean="0">
+                <a:solidFill>
+                  <a:srgbClr val="000000"/>
+                </a:solidFill>
+                <a:latin typeface="Arial Unicode MS" panose="020B0604020202020204" pitchFamily="34" charset="-128"/>
+              </a:rPr>
+              <a:t>1;</a:t>
+            </a:r>
+          </a:p>
+          <a:p>
+            <a:pPr marL="0" lvl="0" indent="0" eaLnBrk="0" fontAlgn="base" hangingPunct="0">
+              <a:lnSpc>
+                <a:spcPct val="100000"/>
+              </a:lnSpc>
+              <a:spcBef>
+                <a:spcPct val="0"/>
+              </a:spcBef>
+              <a:spcAft>
+                <a:spcPct val="0"/>
+              </a:spcAft>
+              <a:buNone/>
+            </a:pPr>
+            <a:endParaRPr lang="en-US" altLang="en-US" sz="3200" b="1" dirty="0">
+              <a:solidFill>
+                <a:srgbClr val="000000"/>
+              </a:solidFill>
+              <a:latin typeface="Arial Unicode MS" panose="020B0604020202020204" pitchFamily="34" charset="-128"/>
+            </a:endParaRPr>
+          </a:p>
+          <a:p>
+            <a:pPr marL="0" lvl="0" indent="0" eaLnBrk="0" fontAlgn="base" hangingPunct="0">
+              <a:lnSpc>
+                <a:spcPct val="100000"/>
+              </a:lnSpc>
+              <a:spcBef>
+                <a:spcPct val="0"/>
+              </a:spcBef>
+              <a:spcAft>
+                <a:spcPct val="0"/>
+              </a:spcAft>
+              <a:buNone/>
+            </a:pPr>
+            <a:r>
+              <a:rPr lang="en-US" altLang="en-US" sz="3200" b="1" dirty="0" smtClean="0">
+                <a:solidFill>
+                  <a:srgbClr val="7F0055"/>
+                </a:solidFill>
+                <a:latin typeface="Arial Unicode MS" panose="020B0604020202020204" pitchFamily="34" charset="-128"/>
+              </a:rPr>
+              <a:t>while</a:t>
+            </a:r>
+            <a:r>
+              <a:rPr lang="en-US" altLang="en-US" sz="3200" dirty="0" smtClean="0">
+                <a:solidFill>
+                  <a:srgbClr val="000000"/>
+                </a:solidFill>
+                <a:latin typeface="Arial Unicode MS" panose="020B0604020202020204" pitchFamily="34" charset="-128"/>
+              </a:rPr>
+              <a:t> </a:t>
+            </a:r>
+            <a:r>
+              <a:rPr lang="en-US" altLang="en-US" sz="3200" dirty="0">
+                <a:solidFill>
+                  <a:srgbClr val="000000"/>
+                </a:solidFill>
+                <a:latin typeface="Arial Unicode MS" panose="020B0604020202020204" pitchFamily="34" charset="-128"/>
+              </a:rPr>
+              <a:t>($</a:t>
+            </a:r>
+            <a:r>
+              <a:rPr lang="en-US" altLang="en-US" sz="3200" dirty="0" err="1">
+                <a:solidFill>
+                  <a:srgbClr val="000000"/>
+                </a:solidFill>
+                <a:latin typeface="Arial Unicode MS" panose="020B0604020202020204" pitchFamily="34" charset="-128"/>
+              </a:rPr>
+              <a:t>var</a:t>
+            </a:r>
+            <a:r>
+              <a:rPr lang="en-US" altLang="en-US" sz="3200" dirty="0">
+                <a:solidFill>
+                  <a:srgbClr val="000000"/>
+                </a:solidFill>
+                <a:latin typeface="Arial Unicode MS" panose="020B0604020202020204" pitchFamily="34" charset="-128"/>
+              </a:rPr>
+              <a:t> &lt; 5) </a:t>
+            </a:r>
+            <a:r>
+              <a:rPr lang="en-US" altLang="en-US" sz="3200" dirty="0" smtClean="0">
+                <a:solidFill>
+                  <a:srgbClr val="000000"/>
+                </a:solidFill>
+                <a:latin typeface="Arial Unicode MS" panose="020B0604020202020204" pitchFamily="34" charset="-128"/>
+              </a:rPr>
+              <a:t>{</a:t>
+            </a:r>
+          </a:p>
+          <a:p>
+            <a:pPr marL="0" lvl="0" indent="0" eaLnBrk="0" fontAlgn="base" hangingPunct="0">
+              <a:lnSpc>
+                <a:spcPct val="100000"/>
+              </a:lnSpc>
+              <a:spcBef>
+                <a:spcPct val="0"/>
+              </a:spcBef>
+              <a:spcAft>
+                <a:spcPct val="0"/>
+              </a:spcAft>
+              <a:buNone/>
+            </a:pPr>
+            <a:r>
+              <a:rPr lang="en-US" altLang="en-US" sz="3200" dirty="0">
+                <a:solidFill>
+                  <a:srgbClr val="000000"/>
+                </a:solidFill>
+                <a:latin typeface="Arial Unicode MS" panose="020B0604020202020204" pitchFamily="34" charset="-128"/>
+              </a:rPr>
+              <a:t>    </a:t>
+            </a:r>
+            <a:r>
+              <a:rPr lang="en-US" altLang="en-US" sz="3200" b="1" dirty="0">
+                <a:solidFill>
+                  <a:srgbClr val="7F0055"/>
+                </a:solidFill>
+                <a:latin typeface="Arial Unicode MS" panose="020B0604020202020204" pitchFamily="34" charset="-128"/>
+              </a:rPr>
+              <a:t>echo</a:t>
+            </a:r>
+            <a:r>
+              <a:rPr lang="en-US" altLang="en-US" sz="3200" dirty="0">
+                <a:solidFill>
+                  <a:srgbClr val="000000"/>
+                </a:solidFill>
+                <a:latin typeface="Arial Unicode MS" panose="020B0604020202020204" pitchFamily="34" charset="-128"/>
+              </a:rPr>
+              <a:t> $</a:t>
+            </a:r>
+            <a:r>
+              <a:rPr lang="en-US" altLang="en-US" sz="3200" dirty="0" err="1">
+                <a:solidFill>
+                  <a:srgbClr val="000000"/>
+                </a:solidFill>
+                <a:latin typeface="Arial Unicode MS" panose="020B0604020202020204" pitchFamily="34" charset="-128"/>
+              </a:rPr>
+              <a:t>var</a:t>
+            </a:r>
+            <a:r>
+              <a:rPr lang="en-US" altLang="en-US" sz="3200" dirty="0" smtClean="0">
+                <a:solidFill>
+                  <a:srgbClr val="000000"/>
+                </a:solidFill>
+                <a:latin typeface="Arial Unicode MS" panose="020B0604020202020204" pitchFamily="34" charset="-128"/>
+              </a:rPr>
+              <a:t>;</a:t>
+            </a:r>
+          </a:p>
+          <a:p>
+            <a:pPr marL="0" lvl="0" indent="0" eaLnBrk="0" fontAlgn="base" hangingPunct="0">
+              <a:lnSpc>
+                <a:spcPct val="100000"/>
+              </a:lnSpc>
+              <a:spcBef>
+                <a:spcPct val="0"/>
+              </a:spcBef>
+              <a:spcAft>
+                <a:spcPct val="0"/>
+              </a:spcAft>
+              <a:buNone/>
+            </a:pPr>
+            <a:r>
+              <a:rPr lang="en-US" altLang="en-US" sz="3200" dirty="0">
+                <a:solidFill>
+                  <a:srgbClr val="000000"/>
+                </a:solidFill>
+                <a:latin typeface="Arial Unicode MS" panose="020B0604020202020204" pitchFamily="34" charset="-128"/>
+              </a:rPr>
+              <a:t>    $</a:t>
+            </a:r>
+            <a:r>
+              <a:rPr lang="en-US" altLang="en-US" sz="3200" dirty="0" err="1">
+                <a:solidFill>
+                  <a:srgbClr val="000000"/>
+                </a:solidFill>
+                <a:latin typeface="Arial Unicode MS" panose="020B0604020202020204" pitchFamily="34" charset="-128"/>
+              </a:rPr>
+              <a:t>var</a:t>
+            </a:r>
+            <a:r>
+              <a:rPr lang="en-US" altLang="en-US" sz="3200" dirty="0" smtClean="0">
+                <a:solidFill>
+                  <a:srgbClr val="000000"/>
+                </a:solidFill>
+                <a:latin typeface="Arial Unicode MS" panose="020B0604020202020204" pitchFamily="34" charset="-128"/>
+              </a:rPr>
+              <a:t>++;</a:t>
+            </a:r>
+          </a:p>
+          <a:p>
+            <a:pPr marL="0" lvl="0" indent="0" eaLnBrk="0" fontAlgn="base" hangingPunct="0">
+              <a:lnSpc>
+                <a:spcPct val="100000"/>
+              </a:lnSpc>
+              <a:spcBef>
+                <a:spcPct val="0"/>
+              </a:spcBef>
+              <a:spcAft>
+                <a:spcPct val="0"/>
+              </a:spcAft>
+              <a:buNone/>
+            </a:pPr>
+            <a:r>
+              <a:rPr lang="en-US" altLang="en-US" sz="3200" dirty="0" smtClean="0">
+                <a:solidFill>
+                  <a:srgbClr val="000000"/>
+                </a:solidFill>
+                <a:latin typeface="Arial Unicode MS" panose="020B0604020202020204" pitchFamily="34" charset="-128"/>
+              </a:rPr>
+              <a:t>}</a:t>
+            </a:r>
+          </a:p>
+          <a:p>
+            <a:pPr marL="0" lvl="0" indent="0" eaLnBrk="0" fontAlgn="base" hangingPunct="0">
+              <a:lnSpc>
+                <a:spcPct val="100000"/>
+              </a:lnSpc>
+              <a:spcBef>
+                <a:spcPct val="0"/>
+              </a:spcBef>
+              <a:spcAft>
+                <a:spcPct val="0"/>
+              </a:spcAft>
+              <a:buNone/>
+            </a:pPr>
+            <a:endParaRPr lang="en-US" altLang="en-US" sz="3200" dirty="0">
+              <a:solidFill>
+                <a:srgbClr val="000000"/>
+              </a:solidFill>
+              <a:latin typeface="Arial Unicode MS" panose="020B0604020202020204" pitchFamily="34" charset="-128"/>
+            </a:endParaRPr>
+          </a:p>
+          <a:p>
+            <a:pPr marL="0" lvl="0" indent="0" eaLnBrk="0" fontAlgn="base" hangingPunct="0">
+              <a:lnSpc>
+                <a:spcPct val="100000"/>
+              </a:lnSpc>
+              <a:spcBef>
+                <a:spcPct val="0"/>
+              </a:spcBef>
+              <a:spcAft>
+                <a:spcPct val="0"/>
+              </a:spcAft>
+              <a:buNone/>
+            </a:pPr>
+            <a:r>
+              <a:rPr lang="en-US" altLang="en-US" sz="3200" dirty="0" smtClean="0">
+                <a:solidFill>
+                  <a:srgbClr val="7F0055"/>
+                </a:solidFill>
+                <a:latin typeface="Arial Unicode MS" panose="020B0604020202020204" pitchFamily="34" charset="-128"/>
+              </a:rPr>
+              <a:t>?&gt;</a:t>
+            </a:r>
+            <a:r>
+              <a:rPr lang="en-US" altLang="en-US" sz="4000" dirty="0" smtClean="0"/>
+              <a:t> </a:t>
+            </a:r>
+            <a:endParaRPr lang="en-US" altLang="en-US" sz="6000" dirty="0">
+              <a:latin typeface="Arial" panose="020B0604020202020204" pitchFamily="34" charset="0"/>
+            </a:endParaRPr>
+          </a:p>
+        </p:txBody>
+      </p:sp>
+      <p:sp>
+        <p:nvSpPr>
+          <p:cNvPr id="3" name="Rectangle 2"/>
+          <p:cNvSpPr>
+            <a:spLocks noChangeArrowheads="1"/>
+          </p:cNvSpPr>
+          <p:nvPr/>
+        </p:nvSpPr>
+        <p:spPr bwMode="auto">
+          <a:xfrm>
+            <a:off x="0" y="43934"/>
+            <a:ext cx="184731" cy="369332"/>
+          </a:xfrm>
+          <a:prstGeom prst="rect">
+            <a:avLst/>
+          </a:prstGeom>
+          <a:solidFill>
+            <a:srgbClr val="FFFFFF"/>
+          </a:solidFill>
+          <a:ln>
+            <a:noFill/>
+          </a:ln>
+          <a:effectLst/>
+          <a:extLst>
+            <a:ext uri="{91240B29-F687-4F45-9708-019B960494DF}">
+              <a14:hiddenLine xmlns:a14="http://schemas.microsoft.com/office/drawing/2010/main" w="9525">
+                <a:solidFill>
+                  <a:schemeClr val="tx1"/>
+                </a:solidFill>
+                <a:miter lim="800000"/>
+                <a:headEnd/>
+                <a:tailEnd/>
+              </a14:hiddenLine>
+            </a:ext>
+            <a:ext uri="{AF507438-7753-43E0-B8FC-AC1667EBCBE1}">
+              <a14:hiddenEffects xmlns:a14="http://schemas.microsoft.com/office/drawing/2010/main">
+                <a:effectLst>
+                  <a:outerShdw dist="35921" dir="2700000" algn="ctr" rotWithShape="0">
+                    <a:schemeClr val="bg2"/>
+                  </a:outerShdw>
+                </a:effectLst>
+              </a14:hiddenEffects>
+            </a:ext>
+          </a:extLst>
+        </p:spPr>
+        <p:txBody>
+          <a:bodyPr vert="horz" wrap="none" lIns="91440" tIns="45720" rIns="91440" bIns="45720" numCol="1" anchor="ctr" anchorCtr="0" compatLnSpc="1">
+            <a:prstTxWarp prst="textNoShape">
+              <a:avLst/>
+            </a:prstTxWarp>
+            <a:spAutoFit/>
+          </a:bodyPr>
+          <a:lstStyle/>
+          <a:p>
+            <a:pPr marL="0" marR="0" lvl="0" indent="0" algn="l" defTabSz="914400" rtl="0" eaLnBrk="0" fontAlgn="base" latinLnBrk="0" hangingPunct="0">
+              <a:lnSpc>
+                <a:spcPct val="100000"/>
+              </a:lnSpc>
+              <a:spcBef>
+                <a:spcPct val="0"/>
+              </a:spcBef>
+              <a:spcAft>
+                <a:spcPct val="0"/>
+              </a:spcAft>
+              <a:buClrTx/>
+              <a:buSzTx/>
+              <a:buFontTx/>
+              <a:buNone/>
+              <a:tabLst/>
+            </a:pPr>
+            <a:endParaRPr kumimoji="0" lang="en-US" altLang="en-US" sz="1800" b="0" i="0" u="none" strike="noStrike" cap="none" normalizeH="0" baseline="0" dirty="0" smtClean="0">
+              <a:ln>
+                <a:noFill/>
+              </a:ln>
+              <a:solidFill>
+                <a:schemeClr val="tx1"/>
+              </a:solidFill>
+              <a:effectLst/>
+              <a:latin typeface="Arial" panose="020B0604020202020204" pitchFamily="34" charset="0"/>
+            </a:endParaRPr>
+          </a:p>
+        </p:txBody>
+      </p:sp>
+    </p:spTree>
+    <p:extLst>
+      <p:ext uri="{BB962C8B-B14F-4D97-AF65-F5344CB8AC3E}">
+        <p14:creationId xmlns:p14="http://schemas.microsoft.com/office/powerpoint/2010/main" val="3991907319"/>
+      </p:ext>
+    </p:extLst>
+  </p:cSld>
+  <p:clrMapOvr>
+    <a:masterClrMapping/>
+  </p:clrMapOvr>
+  <p:timing>
+    <p:tnLst>
+      <p:par>
+        <p:cTn id="1" dur="indefinite" restart="never" nodeType="tmRoot"/>
+      </p:par>
+    </p:tnLst>
+  </p:timing>
+</p:sld>
+</file>
+
 <file path=ppt/slides/slide5.xml><?xml version="1.0" encoding="utf-8"?>
 <p:sld xmlns:a="http://schemas.openxmlformats.org/drawingml/2006/main" xmlns:r="http://schemas.openxmlformats.org/officeDocument/2006/relationships" xmlns:p="http://schemas.openxmlformats.org/presentationml/2006/main">
   <p:cSld>
@@ -21990,6 +24320,1220 @@
     <p:extLst>
       <p:ext uri="{BB962C8B-B14F-4D97-AF65-F5344CB8AC3E}">
         <p14:creationId xmlns:p14="http://schemas.microsoft.com/office/powerpoint/2010/main" val="963436790"/>
+      </p:ext>
+    </p:extLst>
+  </p:cSld>
+  <p:clrMapOvr>
+    <a:masterClrMapping/>
+  </p:clrMapOvr>
+  <p:timing>
+    <p:tnLst>
+      <p:par>
+        <p:cTn id="1" dur="indefinite" restart="never" nodeType="tmRoot"/>
+      </p:par>
+    </p:tnLst>
+  </p:timing>
+</p:sld>
+</file>
+
+<file path=ppt/slides/slide50.xml><?xml version="1.0" encoding="utf-8"?>
+<p:sld xmlns:a="http://schemas.openxmlformats.org/drawingml/2006/main" xmlns:r="http://schemas.openxmlformats.org/officeDocument/2006/relationships" xmlns:p="http://schemas.openxmlformats.org/presentationml/2006/main">
+  <p:cSld>
+    <p:spTree>
+      <p:nvGrpSpPr>
+        <p:cNvPr id="1" name=""/>
+        <p:cNvGrpSpPr/>
+        <p:nvPr/>
+      </p:nvGrpSpPr>
+      <p:grpSpPr>
+        <a:xfrm>
+          <a:off x="0" y="0"/>
+          <a:ext cx="0" cy="0"/>
+          <a:chOff x="0" y="0"/>
+          <a:chExt cx="0" cy="0"/>
+        </a:xfrm>
+      </p:grpSpPr>
+      <p:sp>
+        <p:nvSpPr>
+          <p:cNvPr id="4" name="Title 3"/>
+          <p:cNvSpPr>
+            <a:spLocks noGrp="1"/>
+          </p:cNvSpPr>
+          <p:nvPr>
+            <p:ph type="title"/>
+          </p:nvPr>
+        </p:nvSpPr>
+        <p:spPr/>
+        <p:txBody>
+          <a:bodyPr/>
+          <a:lstStyle/>
+          <a:p>
+            <a:r>
+              <a:rPr lang="en-US" dirty="0" smtClean="0"/>
+              <a:t>Do…While</a:t>
+            </a:r>
+            <a:endParaRPr lang="en-US" dirty="0"/>
+          </a:p>
+        </p:txBody>
+      </p:sp>
+      <p:sp>
+        <p:nvSpPr>
+          <p:cNvPr id="5" name="Content Placeholder 4"/>
+          <p:cNvSpPr>
+            <a:spLocks noGrp="1"/>
+          </p:cNvSpPr>
+          <p:nvPr>
+            <p:ph idx="1"/>
+          </p:nvPr>
+        </p:nvSpPr>
+        <p:spPr/>
+        <p:txBody>
+          <a:bodyPr/>
+          <a:lstStyle/>
+          <a:p>
+            <a:r>
+              <a:rPr lang="en-US" dirty="0" smtClean="0"/>
+              <a:t>Similar to while, but checks the conditional at the end of the loop</a:t>
+            </a:r>
+          </a:p>
+          <a:p>
+            <a:r>
+              <a:rPr lang="en-US" dirty="0" smtClean="0"/>
+              <a:t>Used to make sure the loop runs at least once</a:t>
+            </a:r>
+          </a:p>
+        </p:txBody>
+      </p:sp>
+    </p:spTree>
+    <p:extLst>
+      <p:ext uri="{BB962C8B-B14F-4D97-AF65-F5344CB8AC3E}">
+        <p14:creationId xmlns:p14="http://schemas.microsoft.com/office/powerpoint/2010/main" val="1773507405"/>
+      </p:ext>
+    </p:extLst>
+  </p:cSld>
+  <p:clrMapOvr>
+    <a:masterClrMapping/>
+  </p:clrMapOvr>
+  <p:timing>
+    <p:tnLst>
+      <p:par>
+        <p:cTn id="1" dur="indefinite" restart="never" nodeType="tmRoot"/>
+      </p:par>
+    </p:tnLst>
+  </p:timing>
+</p:sld>
+</file>
+
+<file path=ppt/slides/slide51.xml><?xml version="1.0" encoding="utf-8"?>
+<p:sld xmlns:a="http://schemas.openxmlformats.org/drawingml/2006/main" xmlns:r="http://schemas.openxmlformats.org/officeDocument/2006/relationships" xmlns:p="http://schemas.openxmlformats.org/presentationml/2006/main">
+  <p:cSld>
+    <p:spTree>
+      <p:nvGrpSpPr>
+        <p:cNvPr id="1" name=""/>
+        <p:cNvGrpSpPr/>
+        <p:nvPr/>
+      </p:nvGrpSpPr>
+      <p:grpSpPr>
+        <a:xfrm>
+          <a:off x="0" y="0"/>
+          <a:ext cx="0" cy="0"/>
+          <a:chOff x="0" y="0"/>
+          <a:chExt cx="0" cy="0"/>
+        </a:xfrm>
+      </p:grpSpPr>
+      <p:sp>
+        <p:nvSpPr>
+          <p:cNvPr id="6" name="Rectangle 2"/>
+          <p:cNvSpPr>
+            <a:spLocks noGrp="1" noChangeArrowheads="1"/>
+          </p:cNvSpPr>
+          <p:nvPr>
+            <p:ph idx="1"/>
+          </p:nvPr>
+        </p:nvSpPr>
+        <p:spPr bwMode="auto">
+          <a:xfrm>
+            <a:off x="617220" y="882542"/>
+            <a:ext cx="10957560" cy="5016758"/>
+          </a:xfrm>
+          <a:prstGeom prst="rect">
+            <a:avLst/>
+          </a:prstGeom>
+          <a:solidFill>
+            <a:schemeClr val="bg2"/>
+          </a:solidFill>
+          <a:ln>
+            <a:solidFill>
+              <a:schemeClr val="tx1"/>
+            </a:solidFill>
+          </a:ln>
+          <a:effectLst/>
+        </p:spPr>
+        <p:txBody>
+          <a:bodyPr vert="horz" wrap="square" lIns="91440" tIns="45720" rIns="91440" bIns="45720" numCol="1" anchor="ctr" anchorCtr="0" compatLnSpc="1">
+            <a:prstTxWarp prst="textNoShape">
+              <a:avLst/>
+            </a:prstTxWarp>
+            <a:spAutoFit/>
+          </a:bodyPr>
+          <a:lstStyle/>
+          <a:p>
+            <a:pPr marL="0" lvl="0" indent="0" eaLnBrk="0" fontAlgn="base" hangingPunct="0">
+              <a:lnSpc>
+                <a:spcPct val="100000"/>
+              </a:lnSpc>
+              <a:spcBef>
+                <a:spcPct val="0"/>
+              </a:spcBef>
+              <a:spcAft>
+                <a:spcPct val="0"/>
+              </a:spcAft>
+              <a:buNone/>
+            </a:pPr>
+            <a:r>
+              <a:rPr lang="en-US" altLang="en-US" sz="3200" dirty="0">
+                <a:solidFill>
+                  <a:srgbClr val="7F0055"/>
+                </a:solidFill>
+                <a:latin typeface="Arial Unicode MS" panose="020B0604020202020204" pitchFamily="34" charset="-128"/>
+              </a:rPr>
+              <a:t>&lt;?</a:t>
+            </a:r>
+            <a:r>
+              <a:rPr lang="en-US" altLang="en-US" sz="3200" dirty="0" err="1" smtClean="0">
+                <a:solidFill>
+                  <a:srgbClr val="7F0055"/>
+                </a:solidFill>
+                <a:latin typeface="Arial Unicode MS" panose="020B0604020202020204" pitchFamily="34" charset="-128"/>
+              </a:rPr>
+              <a:t>php</a:t>
+            </a:r>
+            <a:endParaRPr lang="en-US" altLang="en-US" sz="3200" dirty="0" smtClean="0">
+              <a:solidFill>
+                <a:srgbClr val="000000"/>
+              </a:solidFill>
+              <a:latin typeface="Arial Unicode MS" panose="020B0604020202020204" pitchFamily="34" charset="-128"/>
+            </a:endParaRPr>
+          </a:p>
+          <a:p>
+            <a:pPr marL="0" lvl="0" indent="0" eaLnBrk="0" fontAlgn="base" hangingPunct="0">
+              <a:lnSpc>
+                <a:spcPct val="100000"/>
+              </a:lnSpc>
+              <a:spcBef>
+                <a:spcPct val="0"/>
+              </a:spcBef>
+              <a:spcAft>
+                <a:spcPct val="0"/>
+              </a:spcAft>
+              <a:buNone/>
+            </a:pPr>
+            <a:endParaRPr lang="en-US" altLang="en-US" sz="3200" dirty="0">
+              <a:solidFill>
+                <a:srgbClr val="000000"/>
+              </a:solidFill>
+              <a:latin typeface="Arial Unicode MS" panose="020B0604020202020204" pitchFamily="34" charset="-128"/>
+            </a:endParaRPr>
+          </a:p>
+          <a:p>
+            <a:pPr marL="0" lvl="0" indent="0" eaLnBrk="0" fontAlgn="base" hangingPunct="0">
+              <a:lnSpc>
+                <a:spcPct val="100000"/>
+              </a:lnSpc>
+              <a:spcBef>
+                <a:spcPct val="0"/>
+              </a:spcBef>
+              <a:spcAft>
+                <a:spcPct val="0"/>
+              </a:spcAft>
+              <a:buNone/>
+            </a:pPr>
+            <a:r>
+              <a:rPr lang="en-US" altLang="en-US" sz="3200" dirty="0" smtClean="0">
+                <a:solidFill>
+                  <a:srgbClr val="000000"/>
+                </a:solidFill>
+                <a:latin typeface="Arial Unicode MS" panose="020B0604020202020204" pitchFamily="34" charset="-128"/>
+              </a:rPr>
+              <a:t>$</a:t>
+            </a:r>
+            <a:r>
+              <a:rPr lang="en-US" altLang="en-US" sz="3200" dirty="0" err="1" smtClean="0">
+                <a:solidFill>
+                  <a:srgbClr val="000000"/>
+                </a:solidFill>
+                <a:latin typeface="Arial Unicode MS" panose="020B0604020202020204" pitchFamily="34" charset="-128"/>
+              </a:rPr>
+              <a:t>var</a:t>
+            </a:r>
+            <a:r>
+              <a:rPr lang="en-US" altLang="en-US" sz="3200" dirty="0" smtClean="0">
+                <a:solidFill>
+                  <a:srgbClr val="000000"/>
+                </a:solidFill>
+                <a:latin typeface="Arial Unicode MS" panose="020B0604020202020204" pitchFamily="34" charset="-128"/>
+              </a:rPr>
+              <a:t> </a:t>
+            </a:r>
+            <a:r>
+              <a:rPr lang="en-US" altLang="en-US" sz="3200" dirty="0">
+                <a:solidFill>
+                  <a:srgbClr val="000000"/>
+                </a:solidFill>
+                <a:latin typeface="Arial Unicode MS" panose="020B0604020202020204" pitchFamily="34" charset="-128"/>
+              </a:rPr>
+              <a:t>= </a:t>
+            </a:r>
+            <a:r>
+              <a:rPr lang="en-US" altLang="en-US" sz="3200" dirty="0" smtClean="0">
+                <a:solidFill>
+                  <a:srgbClr val="000000"/>
+                </a:solidFill>
+                <a:latin typeface="Arial Unicode MS" panose="020B0604020202020204" pitchFamily="34" charset="-128"/>
+              </a:rPr>
+              <a:t>5;</a:t>
+            </a:r>
+          </a:p>
+          <a:p>
+            <a:pPr marL="0" lvl="0" indent="0" eaLnBrk="0" fontAlgn="base" hangingPunct="0">
+              <a:lnSpc>
+                <a:spcPct val="100000"/>
+              </a:lnSpc>
+              <a:spcBef>
+                <a:spcPct val="0"/>
+              </a:spcBef>
+              <a:spcAft>
+                <a:spcPct val="0"/>
+              </a:spcAft>
+              <a:buNone/>
+            </a:pPr>
+            <a:endParaRPr lang="en-US" altLang="en-US" sz="3200" b="1" dirty="0" smtClean="0">
+              <a:solidFill>
+                <a:srgbClr val="000000"/>
+              </a:solidFill>
+              <a:latin typeface="Arial Unicode MS" panose="020B0604020202020204" pitchFamily="34" charset="-128"/>
+            </a:endParaRPr>
+          </a:p>
+          <a:p>
+            <a:pPr marL="0" lvl="0" indent="0" eaLnBrk="0" fontAlgn="base" hangingPunct="0">
+              <a:lnSpc>
+                <a:spcPct val="100000"/>
+              </a:lnSpc>
+              <a:spcBef>
+                <a:spcPct val="0"/>
+              </a:spcBef>
+              <a:spcAft>
+                <a:spcPct val="0"/>
+              </a:spcAft>
+              <a:buNone/>
+            </a:pPr>
+            <a:r>
+              <a:rPr lang="en-US" altLang="en-US" sz="3200" b="1" dirty="0" smtClean="0">
+                <a:solidFill>
+                  <a:srgbClr val="7F0055"/>
+                </a:solidFill>
+                <a:latin typeface="Arial Unicode MS" panose="020B0604020202020204" pitchFamily="34" charset="-128"/>
+              </a:rPr>
+              <a:t>do</a:t>
+            </a:r>
+            <a:r>
+              <a:rPr lang="en-US" altLang="en-US" sz="3200" dirty="0" smtClean="0">
+                <a:solidFill>
+                  <a:srgbClr val="000000"/>
+                </a:solidFill>
+                <a:latin typeface="Arial Unicode MS" panose="020B0604020202020204" pitchFamily="34" charset="-128"/>
+              </a:rPr>
+              <a:t> {</a:t>
+            </a:r>
+          </a:p>
+          <a:p>
+            <a:pPr marL="0" lvl="0" indent="0" eaLnBrk="0" fontAlgn="base" hangingPunct="0">
+              <a:lnSpc>
+                <a:spcPct val="100000"/>
+              </a:lnSpc>
+              <a:spcBef>
+                <a:spcPct val="0"/>
+              </a:spcBef>
+              <a:spcAft>
+                <a:spcPct val="0"/>
+              </a:spcAft>
+              <a:buNone/>
+            </a:pPr>
+            <a:r>
+              <a:rPr lang="en-US" altLang="en-US" sz="3200" dirty="0">
+                <a:solidFill>
+                  <a:srgbClr val="000000"/>
+                </a:solidFill>
+                <a:latin typeface="Arial Unicode MS" panose="020B0604020202020204" pitchFamily="34" charset="-128"/>
+              </a:rPr>
+              <a:t>    </a:t>
+            </a:r>
+            <a:r>
+              <a:rPr lang="en-US" altLang="en-US" sz="3200" b="1" dirty="0">
+                <a:solidFill>
+                  <a:srgbClr val="7F0055"/>
+                </a:solidFill>
+                <a:latin typeface="Arial Unicode MS" panose="020B0604020202020204" pitchFamily="34" charset="-128"/>
+              </a:rPr>
+              <a:t>echo</a:t>
+            </a:r>
+            <a:r>
+              <a:rPr lang="en-US" altLang="en-US" sz="3200" dirty="0">
+                <a:solidFill>
+                  <a:srgbClr val="000000"/>
+                </a:solidFill>
+                <a:latin typeface="Arial Unicode MS" panose="020B0604020202020204" pitchFamily="34" charset="-128"/>
+              </a:rPr>
+              <a:t> $</a:t>
+            </a:r>
+            <a:r>
+              <a:rPr lang="en-US" altLang="en-US" sz="3200" dirty="0" err="1">
+                <a:solidFill>
+                  <a:srgbClr val="000000"/>
+                </a:solidFill>
+                <a:latin typeface="Arial Unicode MS" panose="020B0604020202020204" pitchFamily="34" charset="-128"/>
+              </a:rPr>
+              <a:t>var</a:t>
+            </a:r>
+            <a:r>
+              <a:rPr lang="en-US" altLang="en-US" sz="3200" dirty="0" smtClean="0">
+                <a:solidFill>
+                  <a:srgbClr val="000000"/>
+                </a:solidFill>
+                <a:latin typeface="Arial Unicode MS" panose="020B0604020202020204" pitchFamily="34" charset="-128"/>
+              </a:rPr>
+              <a:t>;</a:t>
+            </a:r>
+          </a:p>
+          <a:p>
+            <a:pPr marL="0" lvl="0" indent="0" eaLnBrk="0" fontAlgn="base" hangingPunct="0">
+              <a:lnSpc>
+                <a:spcPct val="100000"/>
+              </a:lnSpc>
+              <a:spcBef>
+                <a:spcPct val="0"/>
+              </a:spcBef>
+              <a:spcAft>
+                <a:spcPct val="0"/>
+              </a:spcAft>
+              <a:buNone/>
+            </a:pPr>
+            <a:r>
+              <a:rPr lang="en-US" altLang="en-US" sz="3200" dirty="0">
+                <a:solidFill>
+                  <a:srgbClr val="000000"/>
+                </a:solidFill>
+                <a:latin typeface="Arial Unicode MS" panose="020B0604020202020204" pitchFamily="34" charset="-128"/>
+              </a:rPr>
+              <a:t>    $</a:t>
+            </a:r>
+            <a:r>
+              <a:rPr lang="en-US" altLang="en-US" sz="3200" dirty="0" err="1">
+                <a:solidFill>
+                  <a:srgbClr val="000000"/>
+                </a:solidFill>
+                <a:latin typeface="Arial Unicode MS" panose="020B0604020202020204" pitchFamily="34" charset="-128"/>
+              </a:rPr>
+              <a:t>var</a:t>
+            </a:r>
+            <a:r>
+              <a:rPr lang="en-US" altLang="en-US" sz="3200" dirty="0" smtClean="0">
+                <a:solidFill>
+                  <a:srgbClr val="000000"/>
+                </a:solidFill>
+                <a:latin typeface="Arial Unicode MS" panose="020B0604020202020204" pitchFamily="34" charset="-128"/>
+              </a:rPr>
+              <a:t>++;</a:t>
+            </a:r>
+          </a:p>
+          <a:p>
+            <a:pPr marL="0" lvl="0" indent="0" eaLnBrk="0" fontAlgn="base" hangingPunct="0">
+              <a:lnSpc>
+                <a:spcPct val="100000"/>
+              </a:lnSpc>
+              <a:spcBef>
+                <a:spcPct val="0"/>
+              </a:spcBef>
+              <a:spcAft>
+                <a:spcPct val="0"/>
+              </a:spcAft>
+              <a:buNone/>
+            </a:pPr>
+            <a:r>
+              <a:rPr lang="en-US" altLang="en-US" sz="3200" dirty="0" smtClean="0">
+                <a:solidFill>
+                  <a:srgbClr val="000000"/>
+                </a:solidFill>
+                <a:latin typeface="Arial Unicode MS" panose="020B0604020202020204" pitchFamily="34" charset="-128"/>
+              </a:rPr>
+              <a:t>} </a:t>
+            </a:r>
+            <a:r>
+              <a:rPr lang="en-US" altLang="en-US" sz="3200" b="1" dirty="0">
+                <a:solidFill>
+                  <a:srgbClr val="7F0055"/>
+                </a:solidFill>
+                <a:latin typeface="Arial Unicode MS" panose="020B0604020202020204" pitchFamily="34" charset="-128"/>
+              </a:rPr>
+              <a:t>while</a:t>
+            </a:r>
+            <a:r>
+              <a:rPr lang="en-US" altLang="en-US" sz="3200" dirty="0">
+                <a:solidFill>
+                  <a:srgbClr val="000000"/>
+                </a:solidFill>
+                <a:latin typeface="Arial Unicode MS" panose="020B0604020202020204" pitchFamily="34" charset="-128"/>
+              </a:rPr>
+              <a:t> ($</a:t>
+            </a:r>
+            <a:r>
+              <a:rPr lang="en-US" altLang="en-US" sz="3200" dirty="0" err="1">
+                <a:solidFill>
+                  <a:srgbClr val="000000"/>
+                </a:solidFill>
+                <a:latin typeface="Arial Unicode MS" panose="020B0604020202020204" pitchFamily="34" charset="-128"/>
+              </a:rPr>
+              <a:t>var</a:t>
+            </a:r>
+            <a:r>
+              <a:rPr lang="en-US" altLang="en-US" sz="3200" dirty="0">
+                <a:solidFill>
+                  <a:srgbClr val="000000"/>
+                </a:solidFill>
+                <a:latin typeface="Arial Unicode MS" panose="020B0604020202020204" pitchFamily="34" charset="-128"/>
+              </a:rPr>
+              <a:t> &lt; 3</a:t>
+            </a:r>
+            <a:r>
+              <a:rPr lang="en-US" altLang="en-US" sz="3200" dirty="0" smtClean="0">
+                <a:solidFill>
+                  <a:srgbClr val="000000"/>
+                </a:solidFill>
+                <a:latin typeface="Arial Unicode MS" panose="020B0604020202020204" pitchFamily="34" charset="-128"/>
+              </a:rPr>
+              <a:t>)</a:t>
+            </a:r>
+          </a:p>
+          <a:p>
+            <a:pPr marL="0" lvl="0" indent="0" eaLnBrk="0" fontAlgn="base" hangingPunct="0">
+              <a:lnSpc>
+                <a:spcPct val="100000"/>
+              </a:lnSpc>
+              <a:spcBef>
+                <a:spcPct val="0"/>
+              </a:spcBef>
+              <a:spcAft>
+                <a:spcPct val="0"/>
+              </a:spcAft>
+              <a:buNone/>
+            </a:pPr>
+            <a:endParaRPr lang="en-US" altLang="en-US" sz="3200" dirty="0">
+              <a:solidFill>
+                <a:srgbClr val="000000"/>
+              </a:solidFill>
+              <a:latin typeface="Arial Unicode MS" panose="020B0604020202020204" pitchFamily="34" charset="-128"/>
+            </a:endParaRPr>
+          </a:p>
+          <a:p>
+            <a:pPr marL="0" lvl="0" indent="0" eaLnBrk="0" fontAlgn="base" hangingPunct="0">
+              <a:lnSpc>
+                <a:spcPct val="100000"/>
+              </a:lnSpc>
+              <a:spcBef>
+                <a:spcPct val="0"/>
+              </a:spcBef>
+              <a:spcAft>
+                <a:spcPct val="0"/>
+              </a:spcAft>
+              <a:buNone/>
+            </a:pPr>
+            <a:r>
+              <a:rPr lang="en-US" altLang="en-US" sz="3200" dirty="0" smtClean="0">
+                <a:solidFill>
+                  <a:srgbClr val="7F0055"/>
+                </a:solidFill>
+                <a:latin typeface="Arial Unicode MS" panose="020B0604020202020204" pitchFamily="34" charset="-128"/>
+              </a:rPr>
+              <a:t>?&gt;</a:t>
+            </a:r>
+            <a:endParaRPr lang="en-US" altLang="en-US" sz="6000" dirty="0">
+              <a:latin typeface="Arial" panose="020B0604020202020204" pitchFamily="34" charset="0"/>
+            </a:endParaRPr>
+          </a:p>
+        </p:txBody>
+      </p:sp>
+      <p:sp>
+        <p:nvSpPr>
+          <p:cNvPr id="3" name="Rectangle 2"/>
+          <p:cNvSpPr>
+            <a:spLocks noChangeArrowheads="1"/>
+          </p:cNvSpPr>
+          <p:nvPr/>
+        </p:nvSpPr>
+        <p:spPr bwMode="auto">
+          <a:xfrm>
+            <a:off x="0" y="43934"/>
+            <a:ext cx="184731" cy="369332"/>
+          </a:xfrm>
+          <a:prstGeom prst="rect">
+            <a:avLst/>
+          </a:prstGeom>
+          <a:solidFill>
+            <a:srgbClr val="FFFFFF"/>
+          </a:solidFill>
+          <a:ln>
+            <a:noFill/>
+          </a:ln>
+          <a:effectLst/>
+          <a:extLst>
+            <a:ext uri="{91240B29-F687-4F45-9708-019B960494DF}">
+              <a14:hiddenLine xmlns:a14="http://schemas.microsoft.com/office/drawing/2010/main" w="9525">
+                <a:solidFill>
+                  <a:schemeClr val="tx1"/>
+                </a:solidFill>
+                <a:miter lim="800000"/>
+                <a:headEnd/>
+                <a:tailEnd/>
+              </a14:hiddenLine>
+            </a:ext>
+            <a:ext uri="{AF507438-7753-43E0-B8FC-AC1667EBCBE1}">
+              <a14:hiddenEffects xmlns:a14="http://schemas.microsoft.com/office/drawing/2010/main">
+                <a:effectLst>
+                  <a:outerShdw dist="35921" dir="2700000" algn="ctr" rotWithShape="0">
+                    <a:schemeClr val="bg2"/>
+                  </a:outerShdw>
+                </a:effectLst>
+              </a14:hiddenEffects>
+            </a:ext>
+          </a:extLst>
+        </p:spPr>
+        <p:txBody>
+          <a:bodyPr vert="horz" wrap="none" lIns="91440" tIns="45720" rIns="91440" bIns="45720" numCol="1" anchor="ctr" anchorCtr="0" compatLnSpc="1">
+            <a:prstTxWarp prst="textNoShape">
+              <a:avLst/>
+            </a:prstTxWarp>
+            <a:spAutoFit/>
+          </a:bodyPr>
+          <a:lstStyle/>
+          <a:p>
+            <a:pPr marL="0" marR="0" lvl="0" indent="0" algn="l" defTabSz="914400" rtl="0" eaLnBrk="0" fontAlgn="base" latinLnBrk="0" hangingPunct="0">
+              <a:lnSpc>
+                <a:spcPct val="100000"/>
+              </a:lnSpc>
+              <a:spcBef>
+                <a:spcPct val="0"/>
+              </a:spcBef>
+              <a:spcAft>
+                <a:spcPct val="0"/>
+              </a:spcAft>
+              <a:buClrTx/>
+              <a:buSzTx/>
+              <a:buFontTx/>
+              <a:buNone/>
+              <a:tabLst/>
+            </a:pPr>
+            <a:endParaRPr kumimoji="0" lang="en-US" altLang="en-US" sz="1800" b="0" i="0" u="none" strike="noStrike" cap="none" normalizeH="0" baseline="0" dirty="0" smtClean="0">
+              <a:ln>
+                <a:noFill/>
+              </a:ln>
+              <a:solidFill>
+                <a:schemeClr val="tx1"/>
+              </a:solidFill>
+              <a:effectLst/>
+              <a:latin typeface="Arial" panose="020B0604020202020204" pitchFamily="34" charset="0"/>
+            </a:endParaRPr>
+          </a:p>
+        </p:txBody>
+      </p:sp>
+    </p:spTree>
+    <p:extLst>
+      <p:ext uri="{BB962C8B-B14F-4D97-AF65-F5344CB8AC3E}">
+        <p14:creationId xmlns:p14="http://schemas.microsoft.com/office/powerpoint/2010/main" val="3759571762"/>
+      </p:ext>
+    </p:extLst>
+  </p:cSld>
+  <p:clrMapOvr>
+    <a:masterClrMapping/>
+  </p:clrMapOvr>
+  <p:timing>
+    <p:tnLst>
+      <p:par>
+        <p:cTn id="1" dur="indefinite" restart="never" nodeType="tmRoot"/>
+      </p:par>
+    </p:tnLst>
+  </p:timing>
+</p:sld>
+</file>
+
+<file path=ppt/slides/slide52.xml><?xml version="1.0" encoding="utf-8"?>
+<p:sld xmlns:a="http://schemas.openxmlformats.org/drawingml/2006/main" xmlns:r="http://schemas.openxmlformats.org/officeDocument/2006/relationships" xmlns:p="http://schemas.openxmlformats.org/presentationml/2006/main">
+  <p:cSld>
+    <p:spTree>
+      <p:nvGrpSpPr>
+        <p:cNvPr id="1" name=""/>
+        <p:cNvGrpSpPr/>
+        <p:nvPr/>
+      </p:nvGrpSpPr>
+      <p:grpSpPr>
+        <a:xfrm>
+          <a:off x="0" y="0"/>
+          <a:ext cx="0" cy="0"/>
+          <a:chOff x="0" y="0"/>
+          <a:chExt cx="0" cy="0"/>
+        </a:xfrm>
+      </p:grpSpPr>
+      <p:sp>
+        <p:nvSpPr>
+          <p:cNvPr id="4" name="Title 3"/>
+          <p:cNvSpPr>
+            <a:spLocks noGrp="1"/>
+          </p:cNvSpPr>
+          <p:nvPr>
+            <p:ph type="title"/>
+          </p:nvPr>
+        </p:nvSpPr>
+        <p:spPr/>
+        <p:txBody>
+          <a:bodyPr/>
+          <a:lstStyle/>
+          <a:p>
+            <a:r>
+              <a:rPr lang="en-US" dirty="0" smtClean="0"/>
+              <a:t>For</a:t>
+            </a:r>
+            <a:endParaRPr lang="en-US" dirty="0"/>
+          </a:p>
+        </p:txBody>
+      </p:sp>
+      <p:sp>
+        <p:nvSpPr>
+          <p:cNvPr id="5" name="Content Placeholder 4"/>
+          <p:cNvSpPr>
+            <a:spLocks noGrp="1"/>
+          </p:cNvSpPr>
+          <p:nvPr>
+            <p:ph idx="1"/>
+          </p:nvPr>
+        </p:nvSpPr>
+        <p:spPr/>
+        <p:txBody>
+          <a:bodyPr/>
+          <a:lstStyle/>
+          <a:p>
+            <a:r>
+              <a:rPr lang="en-US" dirty="0" smtClean="0"/>
+              <a:t>Executes an instruction before the loop starts</a:t>
+            </a:r>
+          </a:p>
+          <a:p>
+            <a:r>
+              <a:rPr lang="en-US" dirty="0" smtClean="0"/>
+              <a:t>Loops while a condition is true, executing an instruction at the end of each loop</a:t>
+            </a:r>
+          </a:p>
+        </p:txBody>
+      </p:sp>
+    </p:spTree>
+    <p:extLst>
+      <p:ext uri="{BB962C8B-B14F-4D97-AF65-F5344CB8AC3E}">
+        <p14:creationId xmlns:p14="http://schemas.microsoft.com/office/powerpoint/2010/main" val="2977059024"/>
+      </p:ext>
+    </p:extLst>
+  </p:cSld>
+  <p:clrMapOvr>
+    <a:masterClrMapping/>
+  </p:clrMapOvr>
+  <p:timing>
+    <p:tnLst>
+      <p:par>
+        <p:cTn id="1" dur="indefinite" restart="never" nodeType="tmRoot"/>
+      </p:par>
+    </p:tnLst>
+  </p:timing>
+</p:sld>
+</file>
+
+<file path=ppt/slides/slide53.xml><?xml version="1.0" encoding="utf-8"?>
+<p:sld xmlns:a="http://schemas.openxmlformats.org/drawingml/2006/main" xmlns:r="http://schemas.openxmlformats.org/officeDocument/2006/relationships" xmlns:p="http://schemas.openxmlformats.org/presentationml/2006/main">
+  <p:cSld>
+    <p:spTree>
+      <p:nvGrpSpPr>
+        <p:cNvPr id="1" name=""/>
+        <p:cNvGrpSpPr/>
+        <p:nvPr/>
+      </p:nvGrpSpPr>
+      <p:grpSpPr>
+        <a:xfrm>
+          <a:off x="0" y="0"/>
+          <a:ext cx="0" cy="0"/>
+          <a:chOff x="0" y="0"/>
+          <a:chExt cx="0" cy="0"/>
+        </a:xfrm>
+      </p:grpSpPr>
+      <p:sp>
+        <p:nvSpPr>
+          <p:cNvPr id="6" name="Rectangle 2"/>
+          <p:cNvSpPr>
+            <a:spLocks noGrp="1" noChangeArrowheads="1"/>
+          </p:cNvSpPr>
+          <p:nvPr>
+            <p:ph idx="1"/>
+          </p:nvPr>
+        </p:nvSpPr>
+        <p:spPr bwMode="auto">
+          <a:xfrm>
+            <a:off x="617220" y="1128765"/>
+            <a:ext cx="10957560" cy="4524315"/>
+          </a:xfrm>
+          <a:prstGeom prst="rect">
+            <a:avLst/>
+          </a:prstGeom>
+          <a:solidFill>
+            <a:schemeClr val="bg2"/>
+          </a:solidFill>
+          <a:ln>
+            <a:solidFill>
+              <a:schemeClr val="tx1"/>
+            </a:solidFill>
+          </a:ln>
+          <a:effectLst/>
+        </p:spPr>
+        <p:txBody>
+          <a:bodyPr vert="horz" wrap="square" lIns="91440" tIns="45720" rIns="91440" bIns="45720" numCol="1" anchor="ctr" anchorCtr="0" compatLnSpc="1">
+            <a:prstTxWarp prst="textNoShape">
+              <a:avLst/>
+            </a:prstTxWarp>
+            <a:spAutoFit/>
+          </a:bodyPr>
+          <a:lstStyle/>
+          <a:p>
+            <a:pPr marL="0" lvl="0" indent="0" eaLnBrk="0" fontAlgn="base" hangingPunct="0">
+              <a:lnSpc>
+                <a:spcPct val="100000"/>
+              </a:lnSpc>
+              <a:spcBef>
+                <a:spcPct val="0"/>
+              </a:spcBef>
+              <a:spcAft>
+                <a:spcPct val="0"/>
+              </a:spcAft>
+              <a:buNone/>
+            </a:pPr>
+            <a:r>
+              <a:rPr lang="en-US" altLang="en-US" sz="3200" dirty="0">
+                <a:solidFill>
+                  <a:srgbClr val="7F0055"/>
+                </a:solidFill>
+                <a:latin typeface="Arial Unicode MS" panose="020B0604020202020204" pitchFamily="34" charset="-128"/>
+              </a:rPr>
+              <a:t>&lt;?</a:t>
+            </a:r>
+            <a:r>
+              <a:rPr lang="en-US" altLang="en-US" sz="3200" dirty="0" err="1" smtClean="0">
+                <a:solidFill>
+                  <a:srgbClr val="7F0055"/>
+                </a:solidFill>
+                <a:latin typeface="Arial Unicode MS" panose="020B0604020202020204" pitchFamily="34" charset="-128"/>
+              </a:rPr>
+              <a:t>php</a:t>
+            </a:r>
+            <a:endParaRPr lang="en-US" altLang="en-US" sz="3200" dirty="0" smtClean="0">
+              <a:solidFill>
+                <a:srgbClr val="000000"/>
+              </a:solidFill>
+              <a:latin typeface="Arial Unicode MS" panose="020B0604020202020204" pitchFamily="34" charset="-128"/>
+            </a:endParaRPr>
+          </a:p>
+          <a:p>
+            <a:pPr marL="0" lvl="0" indent="0" eaLnBrk="0" fontAlgn="base" hangingPunct="0">
+              <a:lnSpc>
+                <a:spcPct val="100000"/>
+              </a:lnSpc>
+              <a:spcBef>
+                <a:spcPct val="0"/>
+              </a:spcBef>
+              <a:spcAft>
+                <a:spcPct val="0"/>
+              </a:spcAft>
+              <a:buNone/>
+            </a:pPr>
+            <a:endParaRPr lang="en-US" altLang="en-US" sz="3200" b="1" dirty="0">
+              <a:solidFill>
+                <a:srgbClr val="000000"/>
+              </a:solidFill>
+              <a:latin typeface="Arial Unicode MS" panose="020B0604020202020204" pitchFamily="34" charset="-128"/>
+            </a:endParaRPr>
+          </a:p>
+          <a:p>
+            <a:pPr marL="0" lvl="0" indent="0" eaLnBrk="0" fontAlgn="base" hangingPunct="0">
+              <a:lnSpc>
+                <a:spcPct val="100000"/>
+              </a:lnSpc>
+              <a:spcBef>
+                <a:spcPct val="0"/>
+              </a:spcBef>
+              <a:spcAft>
+                <a:spcPct val="0"/>
+              </a:spcAft>
+              <a:buNone/>
+            </a:pPr>
+            <a:r>
+              <a:rPr lang="en-US" altLang="en-US" sz="3200" b="1" dirty="0" smtClean="0">
+                <a:solidFill>
+                  <a:srgbClr val="7F0055"/>
+                </a:solidFill>
+                <a:latin typeface="Arial Unicode MS" panose="020B0604020202020204" pitchFamily="34" charset="-128"/>
+              </a:rPr>
+              <a:t>for</a:t>
+            </a:r>
+            <a:r>
+              <a:rPr lang="en-US" altLang="en-US" sz="3200" dirty="0" smtClean="0">
+                <a:solidFill>
+                  <a:srgbClr val="000000"/>
+                </a:solidFill>
+                <a:latin typeface="Arial Unicode MS" panose="020B0604020202020204" pitchFamily="34" charset="-128"/>
+              </a:rPr>
+              <a:t> </a:t>
+            </a:r>
+            <a:r>
+              <a:rPr lang="en-US" altLang="en-US" sz="3200" dirty="0">
+                <a:solidFill>
+                  <a:srgbClr val="000000"/>
+                </a:solidFill>
+                <a:latin typeface="Arial Unicode MS" panose="020B0604020202020204" pitchFamily="34" charset="-128"/>
+              </a:rPr>
+              <a:t>($</a:t>
+            </a:r>
+            <a:r>
+              <a:rPr lang="en-US" altLang="en-US" sz="3200" dirty="0" err="1">
+                <a:solidFill>
+                  <a:srgbClr val="000000"/>
+                </a:solidFill>
+                <a:latin typeface="Arial Unicode MS" panose="020B0604020202020204" pitchFamily="34" charset="-128"/>
+              </a:rPr>
+              <a:t>i</a:t>
+            </a:r>
+            <a:r>
+              <a:rPr lang="en-US" altLang="en-US" sz="3200" dirty="0">
+                <a:solidFill>
+                  <a:srgbClr val="000000"/>
+                </a:solidFill>
+                <a:latin typeface="Arial Unicode MS" panose="020B0604020202020204" pitchFamily="34" charset="-128"/>
+              </a:rPr>
+              <a:t> = 1; $</a:t>
+            </a:r>
+            <a:r>
+              <a:rPr lang="en-US" altLang="en-US" sz="3200" dirty="0" err="1">
+                <a:solidFill>
+                  <a:srgbClr val="000000"/>
+                </a:solidFill>
+                <a:latin typeface="Arial Unicode MS" panose="020B0604020202020204" pitchFamily="34" charset="-128"/>
+              </a:rPr>
+              <a:t>i</a:t>
+            </a:r>
+            <a:r>
+              <a:rPr lang="en-US" altLang="en-US" sz="3200" dirty="0">
+                <a:solidFill>
+                  <a:srgbClr val="000000"/>
+                </a:solidFill>
+                <a:latin typeface="Arial Unicode MS" panose="020B0604020202020204" pitchFamily="34" charset="-128"/>
+              </a:rPr>
+              <a:t> &lt; 10; $</a:t>
+            </a:r>
+            <a:r>
+              <a:rPr lang="en-US" altLang="en-US" sz="3200" dirty="0" err="1">
+                <a:solidFill>
+                  <a:srgbClr val="000000"/>
+                </a:solidFill>
+                <a:latin typeface="Arial Unicode MS" panose="020B0604020202020204" pitchFamily="34" charset="-128"/>
+              </a:rPr>
+              <a:t>i</a:t>
+            </a:r>
+            <a:r>
+              <a:rPr lang="en-US" altLang="en-US" sz="3200" dirty="0">
+                <a:solidFill>
+                  <a:srgbClr val="000000"/>
+                </a:solidFill>
+                <a:latin typeface="Arial Unicode MS" panose="020B0604020202020204" pitchFamily="34" charset="-128"/>
+              </a:rPr>
+              <a:t>++) </a:t>
+            </a:r>
+            <a:r>
+              <a:rPr lang="en-US" altLang="en-US" sz="3200" dirty="0" smtClean="0">
+                <a:solidFill>
+                  <a:srgbClr val="000000"/>
+                </a:solidFill>
+                <a:latin typeface="Arial Unicode MS" panose="020B0604020202020204" pitchFamily="34" charset="-128"/>
+              </a:rPr>
+              <a:t>{</a:t>
+            </a:r>
+          </a:p>
+          <a:p>
+            <a:pPr marL="0" lvl="0" indent="0" eaLnBrk="0" fontAlgn="base" hangingPunct="0">
+              <a:lnSpc>
+                <a:spcPct val="100000"/>
+              </a:lnSpc>
+              <a:spcBef>
+                <a:spcPct val="0"/>
+              </a:spcBef>
+              <a:spcAft>
+                <a:spcPct val="0"/>
+              </a:spcAft>
+              <a:buNone/>
+            </a:pPr>
+            <a:endParaRPr lang="en-US" altLang="en-US" sz="3200" b="1" dirty="0">
+              <a:solidFill>
+                <a:srgbClr val="000000"/>
+              </a:solidFill>
+              <a:latin typeface="Arial Unicode MS" panose="020B0604020202020204" pitchFamily="34" charset="-128"/>
+            </a:endParaRPr>
+          </a:p>
+          <a:p>
+            <a:pPr marL="0" lvl="0" indent="0" eaLnBrk="0" fontAlgn="base" hangingPunct="0">
+              <a:lnSpc>
+                <a:spcPct val="100000"/>
+              </a:lnSpc>
+              <a:spcBef>
+                <a:spcPct val="0"/>
+              </a:spcBef>
+              <a:spcAft>
+                <a:spcPct val="0"/>
+              </a:spcAft>
+              <a:buNone/>
+            </a:pPr>
+            <a:r>
+              <a:rPr lang="en-US" altLang="en-US" sz="3200" b="1" dirty="0" smtClean="0">
+                <a:solidFill>
+                  <a:srgbClr val="000000"/>
+                </a:solidFill>
+                <a:latin typeface="Arial Unicode MS" panose="020B0604020202020204" pitchFamily="34" charset="-128"/>
+              </a:rPr>
+              <a:t>    </a:t>
+            </a:r>
+            <a:r>
+              <a:rPr lang="en-US" altLang="en-US" sz="3200" b="1" dirty="0" smtClean="0">
+                <a:solidFill>
+                  <a:srgbClr val="7F0055"/>
+                </a:solidFill>
+                <a:latin typeface="Arial Unicode MS" panose="020B0604020202020204" pitchFamily="34" charset="-128"/>
+              </a:rPr>
+              <a:t>echo</a:t>
+            </a:r>
+            <a:r>
+              <a:rPr lang="en-US" altLang="en-US" sz="3200" dirty="0" smtClean="0">
+                <a:solidFill>
+                  <a:srgbClr val="000000"/>
+                </a:solidFill>
+                <a:latin typeface="Arial Unicode MS" panose="020B0604020202020204" pitchFamily="34" charset="-128"/>
+              </a:rPr>
+              <a:t> </a:t>
+            </a:r>
+            <a:r>
+              <a:rPr lang="en-US" altLang="en-US" sz="3200" dirty="0">
+                <a:solidFill>
+                  <a:srgbClr val="000000"/>
+                </a:solidFill>
+                <a:latin typeface="Arial Unicode MS" panose="020B0604020202020204" pitchFamily="34" charset="-128"/>
+              </a:rPr>
+              <a:t>$</a:t>
+            </a:r>
+            <a:r>
+              <a:rPr lang="en-US" altLang="en-US" sz="3200" dirty="0" err="1">
+                <a:solidFill>
+                  <a:srgbClr val="000000"/>
+                </a:solidFill>
+                <a:latin typeface="Arial Unicode MS" panose="020B0604020202020204" pitchFamily="34" charset="-128"/>
+              </a:rPr>
+              <a:t>i</a:t>
+            </a:r>
+            <a:r>
+              <a:rPr lang="en-US" altLang="en-US" sz="3200" dirty="0" smtClean="0">
+                <a:solidFill>
+                  <a:srgbClr val="000000"/>
+                </a:solidFill>
+                <a:latin typeface="Arial Unicode MS" panose="020B0604020202020204" pitchFamily="34" charset="-128"/>
+              </a:rPr>
+              <a:t>;</a:t>
+            </a:r>
+          </a:p>
+          <a:p>
+            <a:pPr marL="0" lvl="0" indent="0" eaLnBrk="0" fontAlgn="base" hangingPunct="0">
+              <a:lnSpc>
+                <a:spcPct val="100000"/>
+              </a:lnSpc>
+              <a:spcBef>
+                <a:spcPct val="0"/>
+              </a:spcBef>
+              <a:spcAft>
+                <a:spcPct val="0"/>
+              </a:spcAft>
+              <a:buNone/>
+            </a:pPr>
+            <a:endParaRPr lang="en-US" altLang="en-US" sz="3200" dirty="0">
+              <a:solidFill>
+                <a:srgbClr val="000000"/>
+              </a:solidFill>
+              <a:latin typeface="Arial Unicode MS" panose="020B0604020202020204" pitchFamily="34" charset="-128"/>
+            </a:endParaRPr>
+          </a:p>
+          <a:p>
+            <a:pPr marL="0" lvl="0" indent="0" eaLnBrk="0" fontAlgn="base" hangingPunct="0">
+              <a:lnSpc>
+                <a:spcPct val="100000"/>
+              </a:lnSpc>
+              <a:spcBef>
+                <a:spcPct val="0"/>
+              </a:spcBef>
+              <a:spcAft>
+                <a:spcPct val="0"/>
+              </a:spcAft>
+              <a:buNone/>
+            </a:pPr>
+            <a:r>
+              <a:rPr lang="en-US" altLang="en-US" sz="3200" dirty="0" smtClean="0">
+                <a:solidFill>
+                  <a:srgbClr val="000000"/>
+                </a:solidFill>
+                <a:latin typeface="Arial Unicode MS" panose="020B0604020202020204" pitchFamily="34" charset="-128"/>
+              </a:rPr>
+              <a:t>}</a:t>
+            </a:r>
+          </a:p>
+          <a:p>
+            <a:pPr marL="0" lvl="0" indent="0" eaLnBrk="0" fontAlgn="base" hangingPunct="0">
+              <a:lnSpc>
+                <a:spcPct val="100000"/>
+              </a:lnSpc>
+              <a:spcBef>
+                <a:spcPct val="0"/>
+              </a:spcBef>
+              <a:spcAft>
+                <a:spcPct val="0"/>
+              </a:spcAft>
+              <a:buNone/>
+            </a:pPr>
+            <a:endParaRPr lang="en-US" altLang="en-US" sz="3200" dirty="0">
+              <a:solidFill>
+                <a:srgbClr val="000000"/>
+              </a:solidFill>
+              <a:latin typeface="Arial Unicode MS" panose="020B0604020202020204" pitchFamily="34" charset="-128"/>
+            </a:endParaRPr>
+          </a:p>
+          <a:p>
+            <a:pPr marL="0" lvl="0" indent="0" eaLnBrk="0" fontAlgn="base" hangingPunct="0">
+              <a:lnSpc>
+                <a:spcPct val="100000"/>
+              </a:lnSpc>
+              <a:spcBef>
+                <a:spcPct val="0"/>
+              </a:spcBef>
+              <a:spcAft>
+                <a:spcPct val="0"/>
+              </a:spcAft>
+              <a:buNone/>
+            </a:pPr>
+            <a:r>
+              <a:rPr lang="en-US" altLang="en-US" sz="3200" dirty="0" smtClean="0">
+                <a:solidFill>
+                  <a:srgbClr val="7F0055"/>
+                </a:solidFill>
+                <a:latin typeface="Arial Unicode MS" panose="020B0604020202020204" pitchFamily="34" charset="-128"/>
+              </a:rPr>
+              <a:t>?&gt;</a:t>
+            </a:r>
+            <a:endParaRPr lang="en-US" altLang="en-US" sz="6000" dirty="0">
+              <a:latin typeface="Arial" panose="020B0604020202020204" pitchFamily="34" charset="0"/>
+            </a:endParaRPr>
+          </a:p>
+        </p:txBody>
+      </p:sp>
+      <p:sp>
+        <p:nvSpPr>
+          <p:cNvPr id="3" name="Rectangle 2"/>
+          <p:cNvSpPr>
+            <a:spLocks noChangeArrowheads="1"/>
+          </p:cNvSpPr>
+          <p:nvPr/>
+        </p:nvSpPr>
+        <p:spPr bwMode="auto">
+          <a:xfrm>
+            <a:off x="0" y="43934"/>
+            <a:ext cx="184731" cy="369332"/>
+          </a:xfrm>
+          <a:prstGeom prst="rect">
+            <a:avLst/>
+          </a:prstGeom>
+          <a:solidFill>
+            <a:srgbClr val="FFFFFF"/>
+          </a:solidFill>
+          <a:ln>
+            <a:noFill/>
+          </a:ln>
+          <a:effectLst/>
+          <a:extLst>
+            <a:ext uri="{91240B29-F687-4F45-9708-019B960494DF}">
+              <a14:hiddenLine xmlns:a14="http://schemas.microsoft.com/office/drawing/2010/main" w="9525">
+                <a:solidFill>
+                  <a:schemeClr val="tx1"/>
+                </a:solidFill>
+                <a:miter lim="800000"/>
+                <a:headEnd/>
+                <a:tailEnd/>
+              </a14:hiddenLine>
+            </a:ext>
+            <a:ext uri="{AF507438-7753-43E0-B8FC-AC1667EBCBE1}">
+              <a14:hiddenEffects xmlns:a14="http://schemas.microsoft.com/office/drawing/2010/main">
+                <a:effectLst>
+                  <a:outerShdw dist="35921" dir="2700000" algn="ctr" rotWithShape="0">
+                    <a:schemeClr val="bg2"/>
+                  </a:outerShdw>
+                </a:effectLst>
+              </a14:hiddenEffects>
+            </a:ext>
+          </a:extLst>
+        </p:spPr>
+        <p:txBody>
+          <a:bodyPr vert="horz" wrap="none" lIns="91440" tIns="45720" rIns="91440" bIns="45720" numCol="1" anchor="ctr" anchorCtr="0" compatLnSpc="1">
+            <a:prstTxWarp prst="textNoShape">
+              <a:avLst/>
+            </a:prstTxWarp>
+            <a:spAutoFit/>
+          </a:bodyPr>
+          <a:lstStyle/>
+          <a:p>
+            <a:pPr marL="0" marR="0" lvl="0" indent="0" algn="l" defTabSz="914400" rtl="0" eaLnBrk="0" fontAlgn="base" latinLnBrk="0" hangingPunct="0">
+              <a:lnSpc>
+                <a:spcPct val="100000"/>
+              </a:lnSpc>
+              <a:spcBef>
+                <a:spcPct val="0"/>
+              </a:spcBef>
+              <a:spcAft>
+                <a:spcPct val="0"/>
+              </a:spcAft>
+              <a:buClrTx/>
+              <a:buSzTx/>
+              <a:buFontTx/>
+              <a:buNone/>
+              <a:tabLst/>
+            </a:pPr>
+            <a:endParaRPr kumimoji="0" lang="en-US" altLang="en-US" sz="1800" b="0" i="0" u="none" strike="noStrike" cap="none" normalizeH="0" baseline="0" dirty="0" smtClean="0">
+              <a:ln>
+                <a:noFill/>
+              </a:ln>
+              <a:solidFill>
+                <a:schemeClr val="tx1"/>
+              </a:solidFill>
+              <a:effectLst/>
+              <a:latin typeface="Arial" panose="020B0604020202020204" pitchFamily="34" charset="0"/>
+            </a:endParaRPr>
+          </a:p>
+        </p:txBody>
+      </p:sp>
+    </p:spTree>
+    <p:extLst>
+      <p:ext uri="{BB962C8B-B14F-4D97-AF65-F5344CB8AC3E}">
+        <p14:creationId xmlns:p14="http://schemas.microsoft.com/office/powerpoint/2010/main" val="882761639"/>
       </p:ext>
     </p:extLst>
   </p:cSld>

--- a/course/1 - Basic Programming/Basics Of Programming.pptx
+++ b/course/1 - Basic Programming/Basics Of Programming.pptx
@@ -5,7 +5,7 @@
     <p:sldMasterId id="2147483689" r:id="rId1"/>
   </p:sldMasterIdLst>
   <p:notesMasterIdLst>
-    <p:notesMasterId r:id="rId55"/>
+    <p:notesMasterId r:id="rId73"/>
   </p:notesMasterIdLst>
   <p:sldIdLst>
     <p:sldId id="256" r:id="rId2"/>
@@ -61,6 +61,24 @@
     <p:sldId id="309" r:id="rId52"/>
     <p:sldId id="310" r:id="rId53"/>
     <p:sldId id="311" r:id="rId54"/>
+    <p:sldId id="313" r:id="rId55"/>
+    <p:sldId id="314" r:id="rId56"/>
+    <p:sldId id="315" r:id="rId57"/>
+    <p:sldId id="316" r:id="rId58"/>
+    <p:sldId id="317" r:id="rId59"/>
+    <p:sldId id="318" r:id="rId60"/>
+    <p:sldId id="319" r:id="rId61"/>
+    <p:sldId id="320" r:id="rId62"/>
+    <p:sldId id="321" r:id="rId63"/>
+    <p:sldId id="323" r:id="rId64"/>
+    <p:sldId id="322" r:id="rId65"/>
+    <p:sldId id="324" r:id="rId66"/>
+    <p:sldId id="326" r:id="rId67"/>
+    <p:sldId id="325" r:id="rId68"/>
+    <p:sldId id="327" r:id="rId69"/>
+    <p:sldId id="328" r:id="rId70"/>
+    <p:sldId id="330" r:id="rId71"/>
+    <p:sldId id="329" r:id="rId72"/>
   </p:sldIdLst>
   <p:sldSz cx="12192000" cy="6858000"/>
   <p:notesSz cx="6858000" cy="9144000"/>
@@ -5706,6 +5724,929 @@
 </p:notes>
 </file>
 
+<file path=ppt/notesSlides/notesSlide51.xml><?xml version="1.0" encoding="utf-8"?>
+<p:notes xmlns:a="http://schemas.openxmlformats.org/drawingml/2006/main" xmlns:r="http://schemas.openxmlformats.org/officeDocument/2006/relationships" xmlns:p="http://schemas.openxmlformats.org/presentationml/2006/main">
+  <p:cSld>
+    <p:spTree>
+      <p:nvGrpSpPr>
+        <p:cNvPr id="1" name=""/>
+        <p:cNvGrpSpPr/>
+        <p:nvPr/>
+      </p:nvGrpSpPr>
+      <p:grpSpPr>
+        <a:xfrm>
+          <a:off x="0" y="0"/>
+          <a:ext cx="0" cy="0"/>
+          <a:chOff x="0" y="0"/>
+          <a:chExt cx="0" cy="0"/>
+        </a:xfrm>
+      </p:grpSpPr>
+      <p:sp>
+        <p:nvSpPr>
+          <p:cNvPr id="2" name="Slide Image Placeholder 1"/>
+          <p:cNvSpPr>
+            <a:spLocks noGrp="1" noRot="1" noChangeAspect="1"/>
+          </p:cNvSpPr>
+          <p:nvPr>
+            <p:ph type="sldImg"/>
+          </p:nvPr>
+        </p:nvSpPr>
+        <p:spPr/>
+      </p:sp>
+      <p:sp>
+        <p:nvSpPr>
+          <p:cNvPr id="3" name="Notes Placeholder 2"/>
+          <p:cNvSpPr>
+            <a:spLocks noGrp="1"/>
+          </p:cNvSpPr>
+          <p:nvPr>
+            <p:ph type="body" idx="1"/>
+          </p:nvPr>
+        </p:nvSpPr>
+        <p:spPr/>
+        <p:txBody>
+          <a:bodyPr/>
+          <a:lstStyle/>
+          <a:p>
+            <a:endParaRPr lang="en-US" dirty="0"/>
+          </a:p>
+        </p:txBody>
+      </p:sp>
+      <p:sp>
+        <p:nvSpPr>
+          <p:cNvPr id="4" name="Slide Number Placeholder 3"/>
+          <p:cNvSpPr>
+            <a:spLocks noGrp="1"/>
+          </p:cNvSpPr>
+          <p:nvPr>
+            <p:ph type="sldNum" sz="quarter" idx="10"/>
+          </p:nvPr>
+        </p:nvSpPr>
+        <p:spPr/>
+        <p:txBody>
+          <a:bodyPr/>
+          <a:lstStyle/>
+          <a:p>
+            <a:fld id="{E51715A9-EB64-4481-89E4-A64020E86A42}" type="slidenum">
+              <a:rPr lang="en-US" smtClean="0"/>
+              <a:t>54</a:t>
+            </a:fld>
+            <a:endParaRPr lang="en-US"/>
+          </a:p>
+        </p:txBody>
+      </p:sp>
+    </p:spTree>
+    <p:extLst>
+      <p:ext uri="{BB962C8B-B14F-4D97-AF65-F5344CB8AC3E}">
+        <p14:creationId xmlns:p14="http://schemas.microsoft.com/office/powerpoint/2010/main" val="3095343097"/>
+      </p:ext>
+    </p:extLst>
+  </p:cSld>
+  <p:clrMapOvr>
+    <a:masterClrMapping/>
+  </p:clrMapOvr>
+</p:notes>
+</file>
+
+<file path=ppt/notesSlides/notesSlide52.xml><?xml version="1.0" encoding="utf-8"?>
+<p:notes xmlns:a="http://schemas.openxmlformats.org/drawingml/2006/main" xmlns:r="http://schemas.openxmlformats.org/officeDocument/2006/relationships" xmlns:p="http://schemas.openxmlformats.org/presentationml/2006/main">
+  <p:cSld>
+    <p:spTree>
+      <p:nvGrpSpPr>
+        <p:cNvPr id="1" name=""/>
+        <p:cNvGrpSpPr/>
+        <p:nvPr/>
+      </p:nvGrpSpPr>
+      <p:grpSpPr>
+        <a:xfrm>
+          <a:off x="0" y="0"/>
+          <a:ext cx="0" cy="0"/>
+          <a:chOff x="0" y="0"/>
+          <a:chExt cx="0" cy="0"/>
+        </a:xfrm>
+      </p:grpSpPr>
+      <p:sp>
+        <p:nvSpPr>
+          <p:cNvPr id="2" name="Slide Image Placeholder 1"/>
+          <p:cNvSpPr>
+            <a:spLocks noGrp="1" noRot="1" noChangeAspect="1"/>
+          </p:cNvSpPr>
+          <p:nvPr>
+            <p:ph type="sldImg"/>
+          </p:nvPr>
+        </p:nvSpPr>
+        <p:spPr/>
+      </p:sp>
+      <p:sp>
+        <p:nvSpPr>
+          <p:cNvPr id="3" name="Notes Placeholder 2"/>
+          <p:cNvSpPr>
+            <a:spLocks noGrp="1"/>
+          </p:cNvSpPr>
+          <p:nvPr>
+            <p:ph type="body" idx="1"/>
+          </p:nvPr>
+        </p:nvSpPr>
+        <p:spPr/>
+        <p:txBody>
+          <a:bodyPr/>
+          <a:lstStyle/>
+          <a:p>
+            <a:r>
+              <a:rPr lang="en-US" dirty="0" smtClean="0"/>
+              <a:t>Functions</a:t>
+            </a:r>
+            <a:r>
+              <a:rPr lang="en-US" baseline="0" dirty="0" smtClean="0"/>
+              <a:t> which return a value can be used anywhere a variable can. Use them with operators, store them to variables, or even use them as arguments for other functions.</a:t>
+            </a:r>
+          </a:p>
+          <a:p>
+            <a:r>
+              <a:rPr lang="en-US" baseline="0" dirty="0" smtClean="0"/>
+              <a:t>Functions can also be used independently, on their own line.</a:t>
+            </a:r>
+          </a:p>
+          <a:p>
+            <a:r>
+              <a:rPr lang="en-US" baseline="0" dirty="0" smtClean="0"/>
+              <a:t>Some functions have optional arguments which will use a default value if they are not given</a:t>
+            </a:r>
+          </a:p>
+        </p:txBody>
+      </p:sp>
+      <p:sp>
+        <p:nvSpPr>
+          <p:cNvPr id="4" name="Slide Number Placeholder 3"/>
+          <p:cNvSpPr>
+            <a:spLocks noGrp="1"/>
+          </p:cNvSpPr>
+          <p:nvPr>
+            <p:ph type="sldNum" sz="quarter" idx="10"/>
+          </p:nvPr>
+        </p:nvSpPr>
+        <p:spPr/>
+        <p:txBody>
+          <a:bodyPr/>
+          <a:lstStyle/>
+          <a:p>
+            <a:fld id="{E51715A9-EB64-4481-89E4-A64020E86A42}" type="slidenum">
+              <a:rPr lang="en-US" smtClean="0"/>
+              <a:t>55</a:t>
+            </a:fld>
+            <a:endParaRPr lang="en-US"/>
+          </a:p>
+        </p:txBody>
+      </p:sp>
+    </p:spTree>
+    <p:extLst>
+      <p:ext uri="{BB962C8B-B14F-4D97-AF65-F5344CB8AC3E}">
+        <p14:creationId xmlns:p14="http://schemas.microsoft.com/office/powerpoint/2010/main" val="621137346"/>
+      </p:ext>
+    </p:extLst>
+  </p:cSld>
+  <p:clrMapOvr>
+    <a:masterClrMapping/>
+  </p:clrMapOvr>
+</p:notes>
+</file>
+
+<file path=ppt/notesSlides/notesSlide53.xml><?xml version="1.0" encoding="utf-8"?>
+<p:notes xmlns:a="http://schemas.openxmlformats.org/drawingml/2006/main" xmlns:r="http://schemas.openxmlformats.org/officeDocument/2006/relationships" xmlns:p="http://schemas.openxmlformats.org/presentationml/2006/main">
+  <p:cSld>
+    <p:spTree>
+      <p:nvGrpSpPr>
+        <p:cNvPr id="1" name=""/>
+        <p:cNvGrpSpPr/>
+        <p:nvPr/>
+      </p:nvGrpSpPr>
+      <p:grpSpPr>
+        <a:xfrm>
+          <a:off x="0" y="0"/>
+          <a:ext cx="0" cy="0"/>
+          <a:chOff x="0" y="0"/>
+          <a:chExt cx="0" cy="0"/>
+        </a:xfrm>
+      </p:grpSpPr>
+      <p:sp>
+        <p:nvSpPr>
+          <p:cNvPr id="2" name="Slide Image Placeholder 1"/>
+          <p:cNvSpPr>
+            <a:spLocks noGrp="1" noRot="1" noChangeAspect="1"/>
+          </p:cNvSpPr>
+          <p:nvPr>
+            <p:ph type="sldImg"/>
+          </p:nvPr>
+        </p:nvSpPr>
+        <p:spPr/>
+      </p:sp>
+      <p:sp>
+        <p:nvSpPr>
+          <p:cNvPr id="3" name="Notes Placeholder 2"/>
+          <p:cNvSpPr>
+            <a:spLocks noGrp="1"/>
+          </p:cNvSpPr>
+          <p:nvPr>
+            <p:ph type="body" idx="1"/>
+          </p:nvPr>
+        </p:nvSpPr>
+        <p:spPr/>
+        <p:txBody>
+          <a:bodyPr/>
+          <a:lstStyle/>
+          <a:p>
+            <a:r>
+              <a:rPr kumimoji="0" lang="en-US" altLang="en-US" sz="1200" b="0" i="0" u="none" strike="noStrike" cap="none" normalizeH="0" baseline="0" dirty="0" smtClean="0">
+                <a:ln>
+                  <a:noFill/>
+                </a:ln>
+                <a:solidFill>
+                  <a:schemeClr val="tx1"/>
+                </a:solidFill>
+                <a:effectLst/>
+                <a:latin typeface="Arial" panose="020B0604020202020204" pitchFamily="34" charset="0"/>
+              </a:rPr>
+              <a:t>Remember pow() from the math talk? pow() is a function.</a:t>
+            </a:r>
+          </a:p>
+          <a:p>
+            <a:r>
+              <a:rPr kumimoji="0" lang="en-US" altLang="en-US" sz="1200" b="0" i="0" u="none" strike="noStrike" cap="none" normalizeH="0" baseline="0" dirty="0" smtClean="0">
+                <a:ln>
+                  <a:noFill/>
+                </a:ln>
+                <a:solidFill>
+                  <a:schemeClr val="tx1"/>
+                </a:solidFill>
+                <a:effectLst/>
+                <a:latin typeface="Arial" panose="020B0604020202020204" pitchFamily="34" charset="0"/>
+              </a:rPr>
+              <a:t>Output:</a:t>
+            </a:r>
+          </a:p>
+          <a:p>
+            <a:r>
+              <a:rPr lang="en-US" dirty="0" smtClean="0"/>
+              <a:t>16143046721</a:t>
+            </a:r>
+            <a:endParaRPr kumimoji="0" lang="en-US" altLang="en-US" sz="1200" b="0" i="0" u="none" strike="noStrike" cap="none" normalizeH="0" baseline="0" dirty="0" smtClean="0">
+              <a:ln>
+                <a:noFill/>
+              </a:ln>
+              <a:solidFill>
+                <a:schemeClr val="tx1"/>
+              </a:solidFill>
+              <a:effectLst/>
+              <a:latin typeface="Arial" panose="020B0604020202020204" pitchFamily="34" charset="0"/>
+            </a:endParaRPr>
+          </a:p>
+        </p:txBody>
+      </p:sp>
+      <p:sp>
+        <p:nvSpPr>
+          <p:cNvPr id="4" name="Slide Number Placeholder 3"/>
+          <p:cNvSpPr>
+            <a:spLocks noGrp="1"/>
+          </p:cNvSpPr>
+          <p:nvPr>
+            <p:ph type="sldNum" sz="quarter" idx="10"/>
+          </p:nvPr>
+        </p:nvSpPr>
+        <p:spPr/>
+        <p:txBody>
+          <a:bodyPr/>
+          <a:lstStyle/>
+          <a:p>
+            <a:fld id="{E51715A9-EB64-4481-89E4-A64020E86A42}" type="slidenum">
+              <a:rPr lang="en-US" smtClean="0"/>
+              <a:t>56</a:t>
+            </a:fld>
+            <a:endParaRPr lang="en-US"/>
+          </a:p>
+        </p:txBody>
+      </p:sp>
+    </p:spTree>
+    <p:extLst>
+      <p:ext uri="{BB962C8B-B14F-4D97-AF65-F5344CB8AC3E}">
+        <p14:creationId xmlns:p14="http://schemas.microsoft.com/office/powerpoint/2010/main" val="3923129524"/>
+      </p:ext>
+    </p:extLst>
+  </p:cSld>
+  <p:clrMapOvr>
+    <a:masterClrMapping/>
+  </p:clrMapOvr>
+</p:notes>
+</file>
+
+<file path=ppt/notesSlides/notesSlide54.xml><?xml version="1.0" encoding="utf-8"?>
+<p:notes xmlns:a="http://schemas.openxmlformats.org/drawingml/2006/main" xmlns:r="http://schemas.openxmlformats.org/officeDocument/2006/relationships" xmlns:p="http://schemas.openxmlformats.org/presentationml/2006/main">
+  <p:cSld>
+    <p:spTree>
+      <p:nvGrpSpPr>
+        <p:cNvPr id="1" name=""/>
+        <p:cNvGrpSpPr/>
+        <p:nvPr/>
+      </p:nvGrpSpPr>
+      <p:grpSpPr>
+        <a:xfrm>
+          <a:off x="0" y="0"/>
+          <a:ext cx="0" cy="0"/>
+          <a:chOff x="0" y="0"/>
+          <a:chExt cx="0" cy="0"/>
+        </a:xfrm>
+      </p:grpSpPr>
+      <p:sp>
+        <p:nvSpPr>
+          <p:cNvPr id="2" name="Slide Image Placeholder 1"/>
+          <p:cNvSpPr>
+            <a:spLocks noGrp="1" noRot="1" noChangeAspect="1"/>
+          </p:cNvSpPr>
+          <p:nvPr>
+            <p:ph type="sldImg"/>
+          </p:nvPr>
+        </p:nvSpPr>
+        <p:spPr/>
+      </p:sp>
+      <p:sp>
+        <p:nvSpPr>
+          <p:cNvPr id="3" name="Notes Placeholder 2"/>
+          <p:cNvSpPr>
+            <a:spLocks noGrp="1"/>
+          </p:cNvSpPr>
+          <p:nvPr>
+            <p:ph type="body" idx="1"/>
+          </p:nvPr>
+        </p:nvSpPr>
+        <p:spPr/>
+        <p:txBody>
+          <a:bodyPr/>
+          <a:lstStyle/>
+          <a:p>
+            <a:r>
+              <a:rPr lang="en-US" dirty="0" smtClean="0"/>
+              <a:t>If the function definition is inside</a:t>
+            </a:r>
+            <a:r>
+              <a:rPr lang="en-US" baseline="0" dirty="0" smtClean="0"/>
+              <a:t> another block of code, an if for example, the function doesn't exist until that code is run. For the most part, you should make sure your function definitions aren't inside anything else.</a:t>
+            </a:r>
+          </a:p>
+        </p:txBody>
+      </p:sp>
+      <p:sp>
+        <p:nvSpPr>
+          <p:cNvPr id="4" name="Slide Number Placeholder 3"/>
+          <p:cNvSpPr>
+            <a:spLocks noGrp="1"/>
+          </p:cNvSpPr>
+          <p:nvPr>
+            <p:ph type="sldNum" sz="quarter" idx="10"/>
+          </p:nvPr>
+        </p:nvSpPr>
+        <p:spPr/>
+        <p:txBody>
+          <a:bodyPr/>
+          <a:lstStyle/>
+          <a:p>
+            <a:fld id="{E51715A9-EB64-4481-89E4-A64020E86A42}" type="slidenum">
+              <a:rPr lang="en-US" smtClean="0"/>
+              <a:t>57</a:t>
+            </a:fld>
+            <a:endParaRPr lang="en-US"/>
+          </a:p>
+        </p:txBody>
+      </p:sp>
+    </p:spTree>
+    <p:extLst>
+      <p:ext uri="{BB962C8B-B14F-4D97-AF65-F5344CB8AC3E}">
+        <p14:creationId xmlns:p14="http://schemas.microsoft.com/office/powerpoint/2010/main" val="3439287705"/>
+      </p:ext>
+    </p:extLst>
+  </p:cSld>
+  <p:clrMapOvr>
+    <a:masterClrMapping/>
+  </p:clrMapOvr>
+</p:notes>
+</file>
+
+<file path=ppt/notesSlides/notesSlide55.xml><?xml version="1.0" encoding="utf-8"?>
+<p:notes xmlns:a="http://schemas.openxmlformats.org/drawingml/2006/main" xmlns:r="http://schemas.openxmlformats.org/officeDocument/2006/relationships" xmlns:p="http://schemas.openxmlformats.org/presentationml/2006/main">
+  <p:cSld>
+    <p:spTree>
+      <p:nvGrpSpPr>
+        <p:cNvPr id="1" name=""/>
+        <p:cNvGrpSpPr/>
+        <p:nvPr/>
+      </p:nvGrpSpPr>
+      <p:grpSpPr>
+        <a:xfrm>
+          <a:off x="0" y="0"/>
+          <a:ext cx="0" cy="0"/>
+          <a:chOff x="0" y="0"/>
+          <a:chExt cx="0" cy="0"/>
+        </a:xfrm>
+      </p:grpSpPr>
+      <p:sp>
+        <p:nvSpPr>
+          <p:cNvPr id="2" name="Slide Image Placeholder 1"/>
+          <p:cNvSpPr>
+            <a:spLocks noGrp="1" noRot="1" noChangeAspect="1"/>
+          </p:cNvSpPr>
+          <p:nvPr>
+            <p:ph type="sldImg"/>
+          </p:nvPr>
+        </p:nvSpPr>
+        <p:spPr/>
+      </p:sp>
+      <p:sp>
+        <p:nvSpPr>
+          <p:cNvPr id="3" name="Notes Placeholder 2"/>
+          <p:cNvSpPr>
+            <a:spLocks noGrp="1"/>
+          </p:cNvSpPr>
+          <p:nvPr>
+            <p:ph type="body" idx="1"/>
+          </p:nvPr>
+        </p:nvSpPr>
+        <p:spPr/>
+        <p:txBody>
+          <a:bodyPr/>
+          <a:lstStyle/>
+          <a:p>
+            <a:r>
+              <a:rPr kumimoji="0" lang="en-US" altLang="en-US" sz="1200" b="0" i="0" u="none" strike="noStrike" cap="none" normalizeH="0" baseline="0" dirty="0" smtClean="0">
+                <a:ln>
+                  <a:noFill/>
+                </a:ln>
+                <a:solidFill>
+                  <a:schemeClr val="tx1"/>
+                </a:solidFill>
+                <a:effectLst/>
+                <a:latin typeface="Arial" panose="020B0604020202020204" pitchFamily="34" charset="0"/>
+              </a:rPr>
+              <a:t>Output:</a:t>
+            </a:r>
+          </a:p>
+          <a:p>
+            <a:r>
+              <a:rPr lang="en-US" dirty="0" err="1" smtClean="0"/>
+              <a:t>foobarfoobar</a:t>
+            </a:r>
+            <a:endParaRPr kumimoji="0" lang="en-US" altLang="en-US" sz="1200" b="0" i="0" u="none" strike="noStrike" cap="none" normalizeH="0" baseline="0" dirty="0" smtClean="0">
+              <a:ln>
+                <a:noFill/>
+              </a:ln>
+              <a:solidFill>
+                <a:schemeClr val="tx1"/>
+              </a:solidFill>
+              <a:effectLst/>
+              <a:latin typeface="Arial" panose="020B0604020202020204" pitchFamily="34" charset="0"/>
+            </a:endParaRPr>
+          </a:p>
+        </p:txBody>
+      </p:sp>
+      <p:sp>
+        <p:nvSpPr>
+          <p:cNvPr id="4" name="Slide Number Placeholder 3"/>
+          <p:cNvSpPr>
+            <a:spLocks noGrp="1"/>
+          </p:cNvSpPr>
+          <p:nvPr>
+            <p:ph type="sldNum" sz="quarter" idx="10"/>
+          </p:nvPr>
+        </p:nvSpPr>
+        <p:spPr/>
+        <p:txBody>
+          <a:bodyPr/>
+          <a:lstStyle/>
+          <a:p>
+            <a:fld id="{E51715A9-EB64-4481-89E4-A64020E86A42}" type="slidenum">
+              <a:rPr lang="en-US" smtClean="0"/>
+              <a:t>58</a:t>
+            </a:fld>
+            <a:endParaRPr lang="en-US"/>
+          </a:p>
+        </p:txBody>
+      </p:sp>
+    </p:spTree>
+    <p:extLst>
+      <p:ext uri="{BB962C8B-B14F-4D97-AF65-F5344CB8AC3E}">
+        <p14:creationId xmlns:p14="http://schemas.microsoft.com/office/powerpoint/2010/main" val="2666800853"/>
+      </p:ext>
+    </p:extLst>
+  </p:cSld>
+  <p:clrMapOvr>
+    <a:masterClrMapping/>
+  </p:clrMapOvr>
+</p:notes>
+</file>
+
+<file path=ppt/notesSlides/notesSlide56.xml><?xml version="1.0" encoding="utf-8"?>
+<p:notes xmlns:a="http://schemas.openxmlformats.org/drawingml/2006/main" xmlns:r="http://schemas.openxmlformats.org/officeDocument/2006/relationships" xmlns:p="http://schemas.openxmlformats.org/presentationml/2006/main">
+  <p:cSld>
+    <p:spTree>
+      <p:nvGrpSpPr>
+        <p:cNvPr id="1" name=""/>
+        <p:cNvGrpSpPr/>
+        <p:nvPr/>
+      </p:nvGrpSpPr>
+      <p:grpSpPr>
+        <a:xfrm>
+          <a:off x="0" y="0"/>
+          <a:ext cx="0" cy="0"/>
+          <a:chOff x="0" y="0"/>
+          <a:chExt cx="0" cy="0"/>
+        </a:xfrm>
+      </p:grpSpPr>
+      <p:sp>
+        <p:nvSpPr>
+          <p:cNvPr id="2" name="Slide Image Placeholder 1"/>
+          <p:cNvSpPr>
+            <a:spLocks noGrp="1" noRot="1" noChangeAspect="1"/>
+          </p:cNvSpPr>
+          <p:nvPr>
+            <p:ph type="sldImg"/>
+          </p:nvPr>
+        </p:nvSpPr>
+        <p:spPr/>
+      </p:sp>
+      <p:sp>
+        <p:nvSpPr>
+          <p:cNvPr id="3" name="Notes Placeholder 2"/>
+          <p:cNvSpPr>
+            <a:spLocks noGrp="1"/>
+          </p:cNvSpPr>
+          <p:nvPr>
+            <p:ph type="body" idx="1"/>
+          </p:nvPr>
+        </p:nvSpPr>
+        <p:spPr/>
+        <p:txBody>
+          <a:bodyPr/>
+          <a:lstStyle/>
+          <a:p>
+            <a:r>
+              <a:rPr lang="en-US" dirty="0" smtClean="0"/>
+              <a:t>To add an argument, put a variable name inside the parentheses</a:t>
+            </a:r>
+            <a:r>
+              <a:rPr lang="en-US" baseline="0" dirty="0" smtClean="0"/>
+              <a:t> when you define the function. When the function is called, the argument will be stored in that variable for you to use in your function</a:t>
+            </a:r>
+          </a:p>
+        </p:txBody>
+      </p:sp>
+      <p:sp>
+        <p:nvSpPr>
+          <p:cNvPr id="4" name="Slide Number Placeholder 3"/>
+          <p:cNvSpPr>
+            <a:spLocks noGrp="1"/>
+          </p:cNvSpPr>
+          <p:nvPr>
+            <p:ph type="sldNum" sz="quarter" idx="10"/>
+          </p:nvPr>
+        </p:nvSpPr>
+        <p:spPr/>
+        <p:txBody>
+          <a:bodyPr/>
+          <a:lstStyle/>
+          <a:p>
+            <a:fld id="{E51715A9-EB64-4481-89E4-A64020E86A42}" type="slidenum">
+              <a:rPr lang="en-US" smtClean="0"/>
+              <a:t>59</a:t>
+            </a:fld>
+            <a:endParaRPr lang="en-US"/>
+          </a:p>
+        </p:txBody>
+      </p:sp>
+    </p:spTree>
+    <p:extLst>
+      <p:ext uri="{BB962C8B-B14F-4D97-AF65-F5344CB8AC3E}">
+        <p14:creationId xmlns:p14="http://schemas.microsoft.com/office/powerpoint/2010/main" val="246687299"/>
+      </p:ext>
+    </p:extLst>
+  </p:cSld>
+  <p:clrMapOvr>
+    <a:masterClrMapping/>
+  </p:clrMapOvr>
+</p:notes>
+</file>
+
+<file path=ppt/notesSlides/notesSlide57.xml><?xml version="1.0" encoding="utf-8"?>
+<p:notes xmlns:a="http://schemas.openxmlformats.org/drawingml/2006/main" xmlns:r="http://schemas.openxmlformats.org/officeDocument/2006/relationships" xmlns:p="http://schemas.openxmlformats.org/presentationml/2006/main">
+  <p:cSld>
+    <p:spTree>
+      <p:nvGrpSpPr>
+        <p:cNvPr id="1" name=""/>
+        <p:cNvGrpSpPr/>
+        <p:nvPr/>
+      </p:nvGrpSpPr>
+      <p:grpSpPr>
+        <a:xfrm>
+          <a:off x="0" y="0"/>
+          <a:ext cx="0" cy="0"/>
+          <a:chOff x="0" y="0"/>
+          <a:chExt cx="0" cy="0"/>
+        </a:xfrm>
+      </p:grpSpPr>
+      <p:sp>
+        <p:nvSpPr>
+          <p:cNvPr id="2" name="Slide Image Placeholder 1"/>
+          <p:cNvSpPr>
+            <a:spLocks noGrp="1" noRot="1" noChangeAspect="1"/>
+          </p:cNvSpPr>
+          <p:nvPr>
+            <p:ph type="sldImg"/>
+          </p:nvPr>
+        </p:nvSpPr>
+        <p:spPr/>
+      </p:sp>
+      <p:sp>
+        <p:nvSpPr>
+          <p:cNvPr id="3" name="Notes Placeholder 2"/>
+          <p:cNvSpPr>
+            <a:spLocks noGrp="1"/>
+          </p:cNvSpPr>
+          <p:nvPr>
+            <p:ph type="body" idx="1"/>
+          </p:nvPr>
+        </p:nvSpPr>
+        <p:spPr/>
+        <p:txBody>
+          <a:bodyPr/>
+          <a:lstStyle/>
+          <a:p>
+            <a:r>
+              <a:rPr kumimoji="0" lang="en-US" altLang="en-US" sz="1200" b="0" i="0" u="none" strike="noStrike" cap="none" normalizeH="0" baseline="0" dirty="0" smtClean="0">
+                <a:ln>
+                  <a:noFill/>
+                </a:ln>
+                <a:solidFill>
+                  <a:schemeClr val="tx1"/>
+                </a:solidFill>
+                <a:effectLst/>
+                <a:latin typeface="Arial" panose="020B0604020202020204" pitchFamily="34" charset="0"/>
+              </a:rPr>
+              <a:t>Output:</a:t>
+            </a:r>
+          </a:p>
+          <a:p>
+            <a:r>
+              <a:rPr lang="en-US" dirty="0" smtClean="0"/>
+              <a:t>5</a:t>
+            </a:r>
+            <a:endParaRPr kumimoji="0" lang="en-US" altLang="en-US" sz="1200" b="0" i="0" u="none" strike="noStrike" cap="none" normalizeH="0" baseline="0" dirty="0" smtClean="0">
+              <a:ln>
+                <a:noFill/>
+              </a:ln>
+              <a:solidFill>
+                <a:schemeClr val="tx1"/>
+              </a:solidFill>
+              <a:effectLst/>
+              <a:latin typeface="Arial" panose="020B0604020202020204" pitchFamily="34" charset="0"/>
+            </a:endParaRPr>
+          </a:p>
+        </p:txBody>
+      </p:sp>
+      <p:sp>
+        <p:nvSpPr>
+          <p:cNvPr id="4" name="Slide Number Placeholder 3"/>
+          <p:cNvSpPr>
+            <a:spLocks noGrp="1"/>
+          </p:cNvSpPr>
+          <p:nvPr>
+            <p:ph type="sldNum" sz="quarter" idx="10"/>
+          </p:nvPr>
+        </p:nvSpPr>
+        <p:spPr/>
+        <p:txBody>
+          <a:bodyPr/>
+          <a:lstStyle/>
+          <a:p>
+            <a:fld id="{E51715A9-EB64-4481-89E4-A64020E86A42}" type="slidenum">
+              <a:rPr lang="en-US" smtClean="0"/>
+              <a:t>60</a:t>
+            </a:fld>
+            <a:endParaRPr lang="en-US"/>
+          </a:p>
+        </p:txBody>
+      </p:sp>
+    </p:spTree>
+    <p:extLst>
+      <p:ext uri="{BB962C8B-B14F-4D97-AF65-F5344CB8AC3E}">
+        <p14:creationId xmlns:p14="http://schemas.microsoft.com/office/powerpoint/2010/main" val="2369021208"/>
+      </p:ext>
+    </p:extLst>
+  </p:cSld>
+  <p:clrMapOvr>
+    <a:masterClrMapping/>
+  </p:clrMapOvr>
+</p:notes>
+</file>
+
+<file path=ppt/notesSlides/notesSlide58.xml><?xml version="1.0" encoding="utf-8"?>
+<p:notes xmlns:a="http://schemas.openxmlformats.org/drawingml/2006/main" xmlns:r="http://schemas.openxmlformats.org/officeDocument/2006/relationships" xmlns:p="http://schemas.openxmlformats.org/presentationml/2006/main">
+  <p:cSld>
+    <p:spTree>
+      <p:nvGrpSpPr>
+        <p:cNvPr id="1" name=""/>
+        <p:cNvGrpSpPr/>
+        <p:nvPr/>
+      </p:nvGrpSpPr>
+      <p:grpSpPr>
+        <a:xfrm>
+          <a:off x="0" y="0"/>
+          <a:ext cx="0" cy="0"/>
+          <a:chOff x="0" y="0"/>
+          <a:chExt cx="0" cy="0"/>
+        </a:xfrm>
+      </p:grpSpPr>
+      <p:sp>
+        <p:nvSpPr>
+          <p:cNvPr id="2" name="Slide Image Placeholder 1"/>
+          <p:cNvSpPr>
+            <a:spLocks noGrp="1" noRot="1" noChangeAspect="1"/>
+          </p:cNvSpPr>
+          <p:nvPr>
+            <p:ph type="sldImg"/>
+          </p:nvPr>
+        </p:nvSpPr>
+        <p:spPr/>
+      </p:sp>
+      <p:sp>
+        <p:nvSpPr>
+          <p:cNvPr id="3" name="Notes Placeholder 2"/>
+          <p:cNvSpPr>
+            <a:spLocks noGrp="1"/>
+          </p:cNvSpPr>
+          <p:nvPr>
+            <p:ph type="body" idx="1"/>
+          </p:nvPr>
+        </p:nvSpPr>
+        <p:spPr/>
+        <p:txBody>
+          <a:bodyPr/>
+          <a:lstStyle/>
+          <a:p>
+            <a:r>
+              <a:rPr lang="en-US" dirty="0" smtClean="0"/>
+              <a:t>Any type</a:t>
+            </a:r>
+            <a:r>
+              <a:rPr lang="en-US" baseline="0" dirty="0" smtClean="0"/>
+              <a:t> can be returned, but try to make your functions return the same data type every time.</a:t>
+            </a:r>
+          </a:p>
+        </p:txBody>
+      </p:sp>
+      <p:sp>
+        <p:nvSpPr>
+          <p:cNvPr id="4" name="Slide Number Placeholder 3"/>
+          <p:cNvSpPr>
+            <a:spLocks noGrp="1"/>
+          </p:cNvSpPr>
+          <p:nvPr>
+            <p:ph type="sldNum" sz="quarter" idx="10"/>
+          </p:nvPr>
+        </p:nvSpPr>
+        <p:spPr/>
+        <p:txBody>
+          <a:bodyPr/>
+          <a:lstStyle/>
+          <a:p>
+            <a:fld id="{E51715A9-EB64-4481-89E4-A64020E86A42}" type="slidenum">
+              <a:rPr lang="en-US" smtClean="0"/>
+              <a:t>61</a:t>
+            </a:fld>
+            <a:endParaRPr lang="en-US"/>
+          </a:p>
+        </p:txBody>
+      </p:sp>
+    </p:spTree>
+    <p:extLst>
+      <p:ext uri="{BB962C8B-B14F-4D97-AF65-F5344CB8AC3E}">
+        <p14:creationId xmlns:p14="http://schemas.microsoft.com/office/powerpoint/2010/main" val="1368479896"/>
+      </p:ext>
+    </p:extLst>
+  </p:cSld>
+  <p:clrMapOvr>
+    <a:masterClrMapping/>
+  </p:clrMapOvr>
+</p:notes>
+</file>
+
+<file path=ppt/notesSlides/notesSlide59.xml><?xml version="1.0" encoding="utf-8"?>
+<p:notes xmlns:a="http://schemas.openxmlformats.org/drawingml/2006/main" xmlns:r="http://schemas.openxmlformats.org/officeDocument/2006/relationships" xmlns:p="http://schemas.openxmlformats.org/presentationml/2006/main">
+  <p:cSld>
+    <p:spTree>
+      <p:nvGrpSpPr>
+        <p:cNvPr id="1" name=""/>
+        <p:cNvGrpSpPr/>
+        <p:nvPr/>
+      </p:nvGrpSpPr>
+      <p:grpSpPr>
+        <a:xfrm>
+          <a:off x="0" y="0"/>
+          <a:ext cx="0" cy="0"/>
+          <a:chOff x="0" y="0"/>
+          <a:chExt cx="0" cy="0"/>
+        </a:xfrm>
+      </p:grpSpPr>
+      <p:sp>
+        <p:nvSpPr>
+          <p:cNvPr id="2" name="Slide Image Placeholder 1"/>
+          <p:cNvSpPr>
+            <a:spLocks noGrp="1" noRot="1" noChangeAspect="1"/>
+          </p:cNvSpPr>
+          <p:nvPr>
+            <p:ph type="sldImg"/>
+          </p:nvPr>
+        </p:nvSpPr>
+        <p:spPr/>
+      </p:sp>
+      <p:sp>
+        <p:nvSpPr>
+          <p:cNvPr id="3" name="Notes Placeholder 2"/>
+          <p:cNvSpPr>
+            <a:spLocks noGrp="1"/>
+          </p:cNvSpPr>
+          <p:nvPr>
+            <p:ph type="body" idx="1"/>
+          </p:nvPr>
+        </p:nvSpPr>
+        <p:spPr/>
+        <p:txBody>
+          <a:bodyPr/>
+          <a:lstStyle/>
+          <a:p>
+            <a:r>
+              <a:rPr kumimoji="0" lang="en-US" altLang="en-US" sz="1200" b="0" i="0" u="none" strike="noStrike" cap="none" normalizeH="0" baseline="0" dirty="0" smtClean="0">
+                <a:ln>
+                  <a:noFill/>
+                </a:ln>
+                <a:solidFill>
+                  <a:schemeClr val="tx1"/>
+                </a:solidFill>
+                <a:effectLst/>
+                <a:latin typeface="Arial" panose="020B0604020202020204" pitchFamily="34" charset="0"/>
+              </a:rPr>
+              <a:t>Output:</a:t>
+            </a:r>
+          </a:p>
+          <a:p>
+            <a:r>
+              <a:rPr lang="en-US" dirty="0" smtClean="0"/>
+              <a:t>5</a:t>
+            </a:r>
+            <a:endParaRPr kumimoji="0" lang="en-US" altLang="en-US" sz="1200" b="0" i="0" u="none" strike="noStrike" cap="none" normalizeH="0" baseline="0" dirty="0" smtClean="0">
+              <a:ln>
+                <a:noFill/>
+              </a:ln>
+              <a:solidFill>
+                <a:schemeClr val="tx1"/>
+              </a:solidFill>
+              <a:effectLst/>
+              <a:latin typeface="Arial" panose="020B0604020202020204" pitchFamily="34" charset="0"/>
+            </a:endParaRPr>
+          </a:p>
+        </p:txBody>
+      </p:sp>
+      <p:sp>
+        <p:nvSpPr>
+          <p:cNvPr id="4" name="Slide Number Placeholder 3"/>
+          <p:cNvSpPr>
+            <a:spLocks noGrp="1"/>
+          </p:cNvSpPr>
+          <p:nvPr>
+            <p:ph type="sldNum" sz="quarter" idx="10"/>
+          </p:nvPr>
+        </p:nvSpPr>
+        <p:spPr/>
+        <p:txBody>
+          <a:bodyPr/>
+          <a:lstStyle/>
+          <a:p>
+            <a:fld id="{E51715A9-EB64-4481-89E4-A64020E86A42}" type="slidenum">
+              <a:rPr lang="en-US" smtClean="0"/>
+              <a:t>62</a:t>
+            </a:fld>
+            <a:endParaRPr lang="en-US"/>
+          </a:p>
+        </p:txBody>
+      </p:sp>
+    </p:spTree>
+    <p:extLst>
+      <p:ext uri="{BB962C8B-B14F-4D97-AF65-F5344CB8AC3E}">
+        <p14:creationId xmlns:p14="http://schemas.microsoft.com/office/powerpoint/2010/main" val="173697971"/>
+      </p:ext>
+    </p:extLst>
+  </p:cSld>
+  <p:clrMapOvr>
+    <a:masterClrMapping/>
+  </p:clrMapOvr>
+</p:notes>
+</file>
+
 <file path=ppt/notesSlides/notesSlide6.xml><?xml version="1.0" encoding="utf-8"?>
 <p:notes xmlns:a="http://schemas.openxmlformats.org/drawingml/2006/main" xmlns:r="http://schemas.openxmlformats.org/officeDocument/2006/relationships" xmlns:p="http://schemas.openxmlformats.org/presentationml/2006/main">
   <p:cSld>
@@ -5799,6 +6740,858 @@
     <p:extLst>
       <p:ext uri="{BB962C8B-B14F-4D97-AF65-F5344CB8AC3E}">
         <p14:creationId xmlns:p14="http://schemas.microsoft.com/office/powerpoint/2010/main" val="1676388950"/>
+      </p:ext>
+    </p:extLst>
+  </p:cSld>
+  <p:clrMapOvr>
+    <a:masterClrMapping/>
+  </p:clrMapOvr>
+</p:notes>
+</file>
+
+<file path=ppt/notesSlides/notesSlide60.xml><?xml version="1.0" encoding="utf-8"?>
+<p:notes xmlns:a="http://schemas.openxmlformats.org/drawingml/2006/main" xmlns:r="http://schemas.openxmlformats.org/officeDocument/2006/relationships" xmlns:p="http://schemas.openxmlformats.org/presentationml/2006/main">
+  <p:cSld>
+    <p:spTree>
+      <p:nvGrpSpPr>
+        <p:cNvPr id="1" name=""/>
+        <p:cNvGrpSpPr/>
+        <p:nvPr/>
+      </p:nvGrpSpPr>
+      <p:grpSpPr>
+        <a:xfrm>
+          <a:off x="0" y="0"/>
+          <a:ext cx="0" cy="0"/>
+          <a:chOff x="0" y="0"/>
+          <a:chExt cx="0" cy="0"/>
+        </a:xfrm>
+      </p:grpSpPr>
+      <p:sp>
+        <p:nvSpPr>
+          <p:cNvPr id="2" name="Slide Image Placeholder 1"/>
+          <p:cNvSpPr>
+            <a:spLocks noGrp="1" noRot="1" noChangeAspect="1"/>
+          </p:cNvSpPr>
+          <p:nvPr>
+            <p:ph type="sldImg"/>
+          </p:nvPr>
+        </p:nvSpPr>
+        <p:spPr/>
+      </p:sp>
+      <p:sp>
+        <p:nvSpPr>
+          <p:cNvPr id="3" name="Notes Placeholder 2"/>
+          <p:cNvSpPr>
+            <a:spLocks noGrp="1"/>
+          </p:cNvSpPr>
+          <p:nvPr>
+            <p:ph type="body" idx="1"/>
+          </p:nvPr>
+        </p:nvSpPr>
+        <p:spPr/>
+        <p:txBody>
+          <a:bodyPr/>
+          <a:lstStyle/>
+          <a:p>
+            <a:r>
+              <a:rPr lang="en-US" dirty="0" smtClean="0"/>
+              <a:t>The standard</a:t>
+            </a:r>
+            <a:r>
+              <a:rPr lang="en-US" baseline="0" dirty="0" smtClean="0"/>
+              <a:t> library has lots of functions to do lots of things, from advanced math to file manipulation to Internet access. The PHP manual has great documentation about all the functions in the standard library.</a:t>
+            </a:r>
+          </a:p>
+        </p:txBody>
+      </p:sp>
+      <p:sp>
+        <p:nvSpPr>
+          <p:cNvPr id="4" name="Slide Number Placeholder 3"/>
+          <p:cNvSpPr>
+            <a:spLocks noGrp="1"/>
+          </p:cNvSpPr>
+          <p:nvPr>
+            <p:ph type="sldNum" sz="quarter" idx="10"/>
+          </p:nvPr>
+        </p:nvSpPr>
+        <p:spPr/>
+        <p:txBody>
+          <a:bodyPr/>
+          <a:lstStyle/>
+          <a:p>
+            <a:fld id="{E51715A9-EB64-4481-89E4-A64020E86A42}" type="slidenum">
+              <a:rPr lang="en-US" smtClean="0"/>
+              <a:t>63</a:t>
+            </a:fld>
+            <a:endParaRPr lang="en-US"/>
+          </a:p>
+        </p:txBody>
+      </p:sp>
+    </p:spTree>
+    <p:extLst>
+      <p:ext uri="{BB962C8B-B14F-4D97-AF65-F5344CB8AC3E}">
+        <p14:creationId xmlns:p14="http://schemas.microsoft.com/office/powerpoint/2010/main" val="1168483431"/>
+      </p:ext>
+    </p:extLst>
+  </p:cSld>
+  <p:clrMapOvr>
+    <a:masterClrMapping/>
+  </p:clrMapOvr>
+</p:notes>
+</file>
+
+<file path=ppt/notesSlides/notesSlide61.xml><?xml version="1.0" encoding="utf-8"?>
+<p:notes xmlns:a="http://schemas.openxmlformats.org/drawingml/2006/main" xmlns:r="http://schemas.openxmlformats.org/officeDocument/2006/relationships" xmlns:p="http://schemas.openxmlformats.org/presentationml/2006/main">
+  <p:cSld>
+    <p:spTree>
+      <p:nvGrpSpPr>
+        <p:cNvPr id="1" name=""/>
+        <p:cNvGrpSpPr/>
+        <p:nvPr/>
+      </p:nvGrpSpPr>
+      <p:grpSpPr>
+        <a:xfrm>
+          <a:off x="0" y="0"/>
+          <a:ext cx="0" cy="0"/>
+          <a:chOff x="0" y="0"/>
+          <a:chExt cx="0" cy="0"/>
+        </a:xfrm>
+      </p:grpSpPr>
+      <p:sp>
+        <p:nvSpPr>
+          <p:cNvPr id="2" name="Slide Image Placeholder 1"/>
+          <p:cNvSpPr>
+            <a:spLocks noGrp="1" noRot="1" noChangeAspect="1"/>
+          </p:cNvSpPr>
+          <p:nvPr>
+            <p:ph type="sldImg"/>
+          </p:nvPr>
+        </p:nvSpPr>
+        <p:spPr/>
+      </p:sp>
+      <p:sp>
+        <p:nvSpPr>
+          <p:cNvPr id="3" name="Notes Placeholder 2"/>
+          <p:cNvSpPr>
+            <a:spLocks noGrp="1"/>
+          </p:cNvSpPr>
+          <p:nvPr>
+            <p:ph type="body" idx="1"/>
+          </p:nvPr>
+        </p:nvSpPr>
+        <p:spPr/>
+        <p:txBody>
+          <a:bodyPr/>
+          <a:lstStyle/>
+          <a:p>
+            <a:r>
+              <a:rPr lang="en-US" dirty="0" smtClean="0"/>
+              <a:t>Speaking</a:t>
+            </a:r>
+            <a:r>
+              <a:rPr lang="en-US" baseline="0" dirty="0" smtClean="0"/>
+              <a:t> of file manipulation…</a:t>
+            </a:r>
+            <a:endParaRPr lang="en-US" dirty="0"/>
+          </a:p>
+        </p:txBody>
+      </p:sp>
+      <p:sp>
+        <p:nvSpPr>
+          <p:cNvPr id="4" name="Slide Number Placeholder 3"/>
+          <p:cNvSpPr>
+            <a:spLocks noGrp="1"/>
+          </p:cNvSpPr>
+          <p:nvPr>
+            <p:ph type="sldNum" sz="quarter" idx="10"/>
+          </p:nvPr>
+        </p:nvSpPr>
+        <p:spPr/>
+        <p:txBody>
+          <a:bodyPr/>
+          <a:lstStyle/>
+          <a:p>
+            <a:fld id="{E51715A9-EB64-4481-89E4-A64020E86A42}" type="slidenum">
+              <a:rPr lang="en-US" smtClean="0"/>
+              <a:t>64</a:t>
+            </a:fld>
+            <a:endParaRPr lang="en-US"/>
+          </a:p>
+        </p:txBody>
+      </p:sp>
+    </p:spTree>
+    <p:extLst>
+      <p:ext uri="{BB962C8B-B14F-4D97-AF65-F5344CB8AC3E}">
+        <p14:creationId xmlns:p14="http://schemas.microsoft.com/office/powerpoint/2010/main" val="1677570348"/>
+      </p:ext>
+    </p:extLst>
+  </p:cSld>
+  <p:clrMapOvr>
+    <a:masterClrMapping/>
+  </p:clrMapOvr>
+</p:notes>
+</file>
+
+<file path=ppt/notesSlides/notesSlide62.xml><?xml version="1.0" encoding="utf-8"?>
+<p:notes xmlns:a="http://schemas.openxmlformats.org/drawingml/2006/main" xmlns:r="http://schemas.openxmlformats.org/officeDocument/2006/relationships" xmlns:p="http://schemas.openxmlformats.org/presentationml/2006/main">
+  <p:cSld>
+    <p:spTree>
+      <p:nvGrpSpPr>
+        <p:cNvPr id="1" name=""/>
+        <p:cNvGrpSpPr/>
+        <p:nvPr/>
+      </p:nvGrpSpPr>
+      <p:grpSpPr>
+        <a:xfrm>
+          <a:off x="0" y="0"/>
+          <a:ext cx="0" cy="0"/>
+          <a:chOff x="0" y="0"/>
+          <a:chExt cx="0" cy="0"/>
+        </a:xfrm>
+      </p:grpSpPr>
+      <p:sp>
+        <p:nvSpPr>
+          <p:cNvPr id="2" name="Slide Image Placeholder 1"/>
+          <p:cNvSpPr>
+            <a:spLocks noGrp="1" noRot="1" noChangeAspect="1"/>
+          </p:cNvSpPr>
+          <p:nvPr>
+            <p:ph type="sldImg"/>
+          </p:nvPr>
+        </p:nvSpPr>
+        <p:spPr/>
+      </p:sp>
+      <p:sp>
+        <p:nvSpPr>
+          <p:cNvPr id="3" name="Notes Placeholder 2"/>
+          <p:cNvSpPr>
+            <a:spLocks noGrp="1"/>
+          </p:cNvSpPr>
+          <p:nvPr>
+            <p:ph type="body" idx="1"/>
+          </p:nvPr>
+        </p:nvSpPr>
+        <p:spPr/>
+        <p:txBody>
+          <a:bodyPr/>
+          <a:lstStyle/>
+          <a:p>
+            <a:r>
+              <a:rPr lang="en-US" dirty="0" smtClean="0"/>
+              <a:t>Require</a:t>
+            </a:r>
+            <a:r>
+              <a:rPr lang="en-US" baseline="0" dirty="0" smtClean="0"/>
+              <a:t> does the same thing as include, but if a require fails, the script stops running and PHP gives an error. A failed include will just print a warning, the script will continue to execute.</a:t>
+            </a:r>
+          </a:p>
+        </p:txBody>
+      </p:sp>
+      <p:sp>
+        <p:nvSpPr>
+          <p:cNvPr id="4" name="Slide Number Placeholder 3"/>
+          <p:cNvSpPr>
+            <a:spLocks noGrp="1"/>
+          </p:cNvSpPr>
+          <p:nvPr>
+            <p:ph type="sldNum" sz="quarter" idx="10"/>
+          </p:nvPr>
+        </p:nvSpPr>
+        <p:spPr/>
+        <p:txBody>
+          <a:bodyPr/>
+          <a:lstStyle/>
+          <a:p>
+            <a:fld id="{E51715A9-EB64-4481-89E4-A64020E86A42}" type="slidenum">
+              <a:rPr lang="en-US" smtClean="0"/>
+              <a:t>65</a:t>
+            </a:fld>
+            <a:endParaRPr lang="en-US"/>
+          </a:p>
+        </p:txBody>
+      </p:sp>
+    </p:spTree>
+    <p:extLst>
+      <p:ext uri="{BB962C8B-B14F-4D97-AF65-F5344CB8AC3E}">
+        <p14:creationId xmlns:p14="http://schemas.microsoft.com/office/powerpoint/2010/main" val="3480291479"/>
+      </p:ext>
+    </p:extLst>
+  </p:cSld>
+  <p:clrMapOvr>
+    <a:masterClrMapping/>
+  </p:clrMapOvr>
+</p:notes>
+</file>
+
+<file path=ppt/notesSlides/notesSlide63.xml><?xml version="1.0" encoding="utf-8"?>
+<p:notes xmlns:a="http://schemas.openxmlformats.org/drawingml/2006/main" xmlns:r="http://schemas.openxmlformats.org/officeDocument/2006/relationships" xmlns:p="http://schemas.openxmlformats.org/presentationml/2006/main">
+  <p:cSld>
+    <p:spTree>
+      <p:nvGrpSpPr>
+        <p:cNvPr id="1" name=""/>
+        <p:cNvGrpSpPr/>
+        <p:nvPr/>
+      </p:nvGrpSpPr>
+      <p:grpSpPr>
+        <a:xfrm>
+          <a:off x="0" y="0"/>
+          <a:ext cx="0" cy="0"/>
+          <a:chOff x="0" y="0"/>
+          <a:chExt cx="0" cy="0"/>
+        </a:xfrm>
+      </p:grpSpPr>
+      <p:sp>
+        <p:nvSpPr>
+          <p:cNvPr id="2" name="Slide Image Placeholder 1"/>
+          <p:cNvSpPr>
+            <a:spLocks noGrp="1" noRot="1" noChangeAspect="1"/>
+          </p:cNvSpPr>
+          <p:nvPr>
+            <p:ph type="sldImg"/>
+          </p:nvPr>
+        </p:nvSpPr>
+        <p:spPr/>
+      </p:sp>
+      <p:sp>
+        <p:nvSpPr>
+          <p:cNvPr id="3" name="Notes Placeholder 2"/>
+          <p:cNvSpPr>
+            <a:spLocks noGrp="1"/>
+          </p:cNvSpPr>
+          <p:nvPr>
+            <p:ph type="body" idx="1"/>
+          </p:nvPr>
+        </p:nvSpPr>
+        <p:spPr/>
+        <p:txBody>
+          <a:bodyPr/>
+          <a:lstStyle/>
+          <a:p>
+            <a:endParaRPr lang="en-US" baseline="0" dirty="0" smtClean="0"/>
+          </a:p>
+        </p:txBody>
+      </p:sp>
+      <p:sp>
+        <p:nvSpPr>
+          <p:cNvPr id="4" name="Slide Number Placeholder 3"/>
+          <p:cNvSpPr>
+            <a:spLocks noGrp="1"/>
+          </p:cNvSpPr>
+          <p:nvPr>
+            <p:ph type="sldNum" sz="quarter" idx="10"/>
+          </p:nvPr>
+        </p:nvSpPr>
+        <p:spPr/>
+        <p:txBody>
+          <a:bodyPr/>
+          <a:lstStyle/>
+          <a:p>
+            <a:fld id="{E51715A9-EB64-4481-89E4-A64020E86A42}" type="slidenum">
+              <a:rPr lang="en-US" smtClean="0"/>
+              <a:t>66</a:t>
+            </a:fld>
+            <a:endParaRPr lang="en-US"/>
+          </a:p>
+        </p:txBody>
+      </p:sp>
+    </p:spTree>
+    <p:extLst>
+      <p:ext uri="{BB962C8B-B14F-4D97-AF65-F5344CB8AC3E}">
+        <p14:creationId xmlns:p14="http://schemas.microsoft.com/office/powerpoint/2010/main" val="3490930538"/>
+      </p:ext>
+    </p:extLst>
+  </p:cSld>
+  <p:clrMapOvr>
+    <a:masterClrMapping/>
+  </p:clrMapOvr>
+</p:notes>
+</file>
+
+<file path=ppt/notesSlides/notesSlide64.xml><?xml version="1.0" encoding="utf-8"?>
+<p:notes xmlns:a="http://schemas.openxmlformats.org/drawingml/2006/main" xmlns:r="http://schemas.openxmlformats.org/officeDocument/2006/relationships" xmlns:p="http://schemas.openxmlformats.org/presentationml/2006/main">
+  <p:cSld>
+    <p:spTree>
+      <p:nvGrpSpPr>
+        <p:cNvPr id="1" name=""/>
+        <p:cNvGrpSpPr/>
+        <p:nvPr/>
+      </p:nvGrpSpPr>
+      <p:grpSpPr>
+        <a:xfrm>
+          <a:off x="0" y="0"/>
+          <a:ext cx="0" cy="0"/>
+          <a:chOff x="0" y="0"/>
+          <a:chExt cx="0" cy="0"/>
+        </a:xfrm>
+      </p:grpSpPr>
+      <p:sp>
+        <p:nvSpPr>
+          <p:cNvPr id="2" name="Slide Image Placeholder 1"/>
+          <p:cNvSpPr>
+            <a:spLocks noGrp="1" noRot="1" noChangeAspect="1"/>
+          </p:cNvSpPr>
+          <p:nvPr>
+            <p:ph type="sldImg"/>
+          </p:nvPr>
+        </p:nvSpPr>
+        <p:spPr/>
+      </p:sp>
+      <p:sp>
+        <p:nvSpPr>
+          <p:cNvPr id="3" name="Notes Placeholder 2"/>
+          <p:cNvSpPr>
+            <a:spLocks noGrp="1"/>
+          </p:cNvSpPr>
+          <p:nvPr>
+            <p:ph type="body" idx="1"/>
+          </p:nvPr>
+        </p:nvSpPr>
+        <p:spPr/>
+        <p:txBody>
+          <a:bodyPr/>
+          <a:lstStyle/>
+          <a:p>
+            <a:endParaRPr lang="en-US" baseline="0" dirty="0" smtClean="0"/>
+          </a:p>
+        </p:txBody>
+      </p:sp>
+      <p:sp>
+        <p:nvSpPr>
+          <p:cNvPr id="4" name="Slide Number Placeholder 3"/>
+          <p:cNvSpPr>
+            <a:spLocks noGrp="1"/>
+          </p:cNvSpPr>
+          <p:nvPr>
+            <p:ph type="sldNum" sz="quarter" idx="10"/>
+          </p:nvPr>
+        </p:nvSpPr>
+        <p:spPr/>
+        <p:txBody>
+          <a:bodyPr/>
+          <a:lstStyle/>
+          <a:p>
+            <a:fld id="{E51715A9-EB64-4481-89E4-A64020E86A42}" type="slidenum">
+              <a:rPr lang="en-US" smtClean="0"/>
+              <a:t>67</a:t>
+            </a:fld>
+            <a:endParaRPr lang="en-US"/>
+          </a:p>
+        </p:txBody>
+      </p:sp>
+    </p:spTree>
+    <p:extLst>
+      <p:ext uri="{BB962C8B-B14F-4D97-AF65-F5344CB8AC3E}">
+        <p14:creationId xmlns:p14="http://schemas.microsoft.com/office/powerpoint/2010/main" val="3805957464"/>
+      </p:ext>
+    </p:extLst>
+  </p:cSld>
+  <p:clrMapOvr>
+    <a:masterClrMapping/>
+  </p:clrMapOvr>
+</p:notes>
+</file>
+
+<file path=ppt/notesSlides/notesSlide65.xml><?xml version="1.0" encoding="utf-8"?>
+<p:notes xmlns:a="http://schemas.openxmlformats.org/drawingml/2006/main" xmlns:r="http://schemas.openxmlformats.org/officeDocument/2006/relationships" xmlns:p="http://schemas.openxmlformats.org/presentationml/2006/main">
+  <p:cSld>
+    <p:spTree>
+      <p:nvGrpSpPr>
+        <p:cNvPr id="1" name=""/>
+        <p:cNvGrpSpPr/>
+        <p:nvPr/>
+      </p:nvGrpSpPr>
+      <p:grpSpPr>
+        <a:xfrm>
+          <a:off x="0" y="0"/>
+          <a:ext cx="0" cy="0"/>
+          <a:chOff x="0" y="0"/>
+          <a:chExt cx="0" cy="0"/>
+        </a:xfrm>
+      </p:grpSpPr>
+      <p:sp>
+        <p:nvSpPr>
+          <p:cNvPr id="2" name="Slide Image Placeholder 1"/>
+          <p:cNvSpPr>
+            <a:spLocks noGrp="1" noRot="1" noChangeAspect="1"/>
+          </p:cNvSpPr>
+          <p:nvPr>
+            <p:ph type="sldImg"/>
+          </p:nvPr>
+        </p:nvSpPr>
+        <p:spPr/>
+      </p:sp>
+      <p:sp>
+        <p:nvSpPr>
+          <p:cNvPr id="3" name="Notes Placeholder 2"/>
+          <p:cNvSpPr>
+            <a:spLocks noGrp="1"/>
+          </p:cNvSpPr>
+          <p:nvPr>
+            <p:ph type="body" idx="1"/>
+          </p:nvPr>
+        </p:nvSpPr>
+        <p:spPr/>
+        <p:txBody>
+          <a:bodyPr/>
+          <a:lstStyle/>
+          <a:p>
+            <a:r>
+              <a:rPr kumimoji="0" lang="en-US" altLang="en-US" sz="1200" b="0" i="0" u="none" strike="noStrike" cap="none" normalizeH="0" baseline="0" dirty="0" smtClean="0">
+                <a:ln>
+                  <a:noFill/>
+                </a:ln>
+                <a:solidFill>
+                  <a:schemeClr val="tx1"/>
+                </a:solidFill>
+                <a:effectLst/>
+                <a:latin typeface="Arial" panose="020B0604020202020204" pitchFamily="34" charset="0"/>
+              </a:rPr>
+              <a:t>Output:</a:t>
+            </a:r>
+          </a:p>
+          <a:p>
+            <a:r>
+              <a:rPr kumimoji="0" lang="en-US" altLang="en-US" sz="1200" b="0" i="0" u="none" strike="noStrike" cap="none" normalizeH="0" baseline="0" dirty="0" err="1" smtClean="0">
+                <a:ln>
+                  <a:noFill/>
+                </a:ln>
+                <a:solidFill>
+                  <a:schemeClr val="tx1"/>
+                </a:solidFill>
+                <a:effectLst/>
+                <a:latin typeface="+mn-lt"/>
+              </a:rPr>
+              <a:t>foobar</a:t>
+            </a:r>
+            <a:endParaRPr kumimoji="0" lang="en-US" altLang="en-US" sz="1200" b="0" i="0" u="none" strike="noStrike" cap="none" normalizeH="0" baseline="0" dirty="0" smtClean="0">
+              <a:ln>
+                <a:noFill/>
+              </a:ln>
+              <a:solidFill>
+                <a:schemeClr val="tx1"/>
+              </a:solidFill>
+              <a:effectLst/>
+              <a:latin typeface="Arial" panose="020B0604020202020204" pitchFamily="34" charset="0"/>
+            </a:endParaRPr>
+          </a:p>
+        </p:txBody>
+      </p:sp>
+      <p:sp>
+        <p:nvSpPr>
+          <p:cNvPr id="4" name="Slide Number Placeholder 3"/>
+          <p:cNvSpPr>
+            <a:spLocks noGrp="1"/>
+          </p:cNvSpPr>
+          <p:nvPr>
+            <p:ph type="sldNum" sz="quarter" idx="10"/>
+          </p:nvPr>
+        </p:nvSpPr>
+        <p:spPr/>
+        <p:txBody>
+          <a:bodyPr/>
+          <a:lstStyle/>
+          <a:p>
+            <a:fld id="{E51715A9-EB64-4481-89E4-A64020E86A42}" type="slidenum">
+              <a:rPr lang="en-US" smtClean="0"/>
+              <a:t>68</a:t>
+            </a:fld>
+            <a:endParaRPr lang="en-US"/>
+          </a:p>
+        </p:txBody>
+      </p:sp>
+    </p:spTree>
+    <p:extLst>
+      <p:ext uri="{BB962C8B-B14F-4D97-AF65-F5344CB8AC3E}">
+        <p14:creationId xmlns:p14="http://schemas.microsoft.com/office/powerpoint/2010/main" val="3361575596"/>
+      </p:ext>
+    </p:extLst>
+  </p:cSld>
+  <p:clrMapOvr>
+    <a:masterClrMapping/>
+  </p:clrMapOvr>
+</p:notes>
+</file>
+
+<file path=ppt/notesSlides/notesSlide66.xml><?xml version="1.0" encoding="utf-8"?>
+<p:notes xmlns:a="http://schemas.openxmlformats.org/drawingml/2006/main" xmlns:r="http://schemas.openxmlformats.org/officeDocument/2006/relationships" xmlns:p="http://schemas.openxmlformats.org/presentationml/2006/main">
+  <p:cSld>
+    <p:spTree>
+      <p:nvGrpSpPr>
+        <p:cNvPr id="1" name=""/>
+        <p:cNvGrpSpPr/>
+        <p:nvPr/>
+      </p:nvGrpSpPr>
+      <p:grpSpPr>
+        <a:xfrm>
+          <a:off x="0" y="0"/>
+          <a:ext cx="0" cy="0"/>
+          <a:chOff x="0" y="0"/>
+          <a:chExt cx="0" cy="0"/>
+        </a:xfrm>
+      </p:grpSpPr>
+      <p:sp>
+        <p:nvSpPr>
+          <p:cNvPr id="2" name="Slide Image Placeholder 1"/>
+          <p:cNvSpPr>
+            <a:spLocks noGrp="1" noRot="1" noChangeAspect="1"/>
+          </p:cNvSpPr>
+          <p:nvPr>
+            <p:ph type="sldImg"/>
+          </p:nvPr>
+        </p:nvSpPr>
+        <p:spPr/>
+      </p:sp>
+      <p:sp>
+        <p:nvSpPr>
+          <p:cNvPr id="3" name="Notes Placeholder 2"/>
+          <p:cNvSpPr>
+            <a:spLocks noGrp="1"/>
+          </p:cNvSpPr>
+          <p:nvPr>
+            <p:ph type="body" idx="1"/>
+          </p:nvPr>
+        </p:nvSpPr>
+        <p:spPr/>
+        <p:txBody>
+          <a:bodyPr/>
+          <a:lstStyle/>
+          <a:p>
+            <a:endParaRPr lang="en-US" baseline="0" dirty="0" smtClean="0"/>
+          </a:p>
+        </p:txBody>
+      </p:sp>
+      <p:sp>
+        <p:nvSpPr>
+          <p:cNvPr id="4" name="Slide Number Placeholder 3"/>
+          <p:cNvSpPr>
+            <a:spLocks noGrp="1"/>
+          </p:cNvSpPr>
+          <p:nvPr>
+            <p:ph type="sldNum" sz="quarter" idx="10"/>
+          </p:nvPr>
+        </p:nvSpPr>
+        <p:spPr/>
+        <p:txBody>
+          <a:bodyPr/>
+          <a:lstStyle/>
+          <a:p>
+            <a:fld id="{E51715A9-EB64-4481-89E4-A64020E86A42}" type="slidenum">
+              <a:rPr lang="en-US" smtClean="0"/>
+              <a:t>69</a:t>
+            </a:fld>
+            <a:endParaRPr lang="en-US"/>
+          </a:p>
+        </p:txBody>
+      </p:sp>
+    </p:spTree>
+    <p:extLst>
+      <p:ext uri="{BB962C8B-B14F-4D97-AF65-F5344CB8AC3E}">
+        <p14:creationId xmlns:p14="http://schemas.microsoft.com/office/powerpoint/2010/main" val="1795682342"/>
+      </p:ext>
+    </p:extLst>
+  </p:cSld>
+  <p:clrMapOvr>
+    <a:masterClrMapping/>
+  </p:clrMapOvr>
+</p:notes>
+</file>
+
+<file path=ppt/notesSlides/notesSlide67.xml><?xml version="1.0" encoding="utf-8"?>
+<p:notes xmlns:a="http://schemas.openxmlformats.org/drawingml/2006/main" xmlns:r="http://schemas.openxmlformats.org/officeDocument/2006/relationships" xmlns:p="http://schemas.openxmlformats.org/presentationml/2006/main">
+  <p:cSld>
+    <p:spTree>
+      <p:nvGrpSpPr>
+        <p:cNvPr id="1" name=""/>
+        <p:cNvGrpSpPr/>
+        <p:nvPr/>
+      </p:nvGrpSpPr>
+      <p:grpSpPr>
+        <a:xfrm>
+          <a:off x="0" y="0"/>
+          <a:ext cx="0" cy="0"/>
+          <a:chOff x="0" y="0"/>
+          <a:chExt cx="0" cy="0"/>
+        </a:xfrm>
+      </p:grpSpPr>
+      <p:sp>
+        <p:nvSpPr>
+          <p:cNvPr id="2" name="Slide Image Placeholder 1"/>
+          <p:cNvSpPr>
+            <a:spLocks noGrp="1" noRot="1" noChangeAspect="1"/>
+          </p:cNvSpPr>
+          <p:nvPr>
+            <p:ph type="sldImg"/>
+          </p:nvPr>
+        </p:nvSpPr>
+        <p:spPr/>
+      </p:sp>
+      <p:sp>
+        <p:nvSpPr>
+          <p:cNvPr id="3" name="Notes Placeholder 2"/>
+          <p:cNvSpPr>
+            <a:spLocks noGrp="1"/>
+          </p:cNvSpPr>
+          <p:nvPr>
+            <p:ph type="body" idx="1"/>
+          </p:nvPr>
+        </p:nvSpPr>
+        <p:spPr/>
+        <p:txBody>
+          <a:bodyPr/>
+          <a:lstStyle/>
+          <a:p>
+            <a:endParaRPr lang="en-US" baseline="0" dirty="0" smtClean="0"/>
+          </a:p>
+        </p:txBody>
+      </p:sp>
+      <p:sp>
+        <p:nvSpPr>
+          <p:cNvPr id="4" name="Slide Number Placeholder 3"/>
+          <p:cNvSpPr>
+            <a:spLocks noGrp="1"/>
+          </p:cNvSpPr>
+          <p:nvPr>
+            <p:ph type="sldNum" sz="quarter" idx="10"/>
+          </p:nvPr>
+        </p:nvSpPr>
+        <p:spPr/>
+        <p:txBody>
+          <a:bodyPr/>
+          <a:lstStyle/>
+          <a:p>
+            <a:fld id="{E51715A9-EB64-4481-89E4-A64020E86A42}" type="slidenum">
+              <a:rPr lang="en-US" smtClean="0"/>
+              <a:t>70</a:t>
+            </a:fld>
+            <a:endParaRPr lang="en-US"/>
+          </a:p>
+        </p:txBody>
+      </p:sp>
+    </p:spTree>
+    <p:extLst>
+      <p:ext uri="{BB962C8B-B14F-4D97-AF65-F5344CB8AC3E}">
+        <p14:creationId xmlns:p14="http://schemas.microsoft.com/office/powerpoint/2010/main" val="2447888622"/>
+      </p:ext>
+    </p:extLst>
+  </p:cSld>
+  <p:clrMapOvr>
+    <a:masterClrMapping/>
+  </p:clrMapOvr>
+</p:notes>
+</file>
+
+<file path=ppt/notesSlides/notesSlide68.xml><?xml version="1.0" encoding="utf-8"?>
+<p:notes xmlns:a="http://schemas.openxmlformats.org/drawingml/2006/main" xmlns:r="http://schemas.openxmlformats.org/officeDocument/2006/relationships" xmlns:p="http://schemas.openxmlformats.org/presentationml/2006/main">
+  <p:cSld>
+    <p:spTree>
+      <p:nvGrpSpPr>
+        <p:cNvPr id="1" name=""/>
+        <p:cNvGrpSpPr/>
+        <p:nvPr/>
+      </p:nvGrpSpPr>
+      <p:grpSpPr>
+        <a:xfrm>
+          <a:off x="0" y="0"/>
+          <a:ext cx="0" cy="0"/>
+          <a:chOff x="0" y="0"/>
+          <a:chExt cx="0" cy="0"/>
+        </a:xfrm>
+      </p:grpSpPr>
+      <p:sp>
+        <p:nvSpPr>
+          <p:cNvPr id="2" name="Slide Image Placeholder 1"/>
+          <p:cNvSpPr>
+            <a:spLocks noGrp="1" noRot="1" noChangeAspect="1"/>
+          </p:cNvSpPr>
+          <p:nvPr>
+            <p:ph type="sldImg"/>
+          </p:nvPr>
+        </p:nvSpPr>
+        <p:spPr/>
+      </p:sp>
+      <p:sp>
+        <p:nvSpPr>
+          <p:cNvPr id="3" name="Notes Placeholder 2"/>
+          <p:cNvSpPr>
+            <a:spLocks noGrp="1"/>
+          </p:cNvSpPr>
+          <p:nvPr>
+            <p:ph type="body" idx="1"/>
+          </p:nvPr>
+        </p:nvSpPr>
+        <p:spPr/>
+        <p:txBody>
+          <a:bodyPr/>
+          <a:lstStyle/>
+          <a:p>
+            <a:r>
+              <a:rPr kumimoji="0" lang="en-US" altLang="en-US" sz="1200" b="0" i="0" u="none" strike="noStrike" cap="none" normalizeH="0" baseline="0" dirty="0" smtClean="0">
+                <a:ln>
+                  <a:noFill/>
+                </a:ln>
+                <a:solidFill>
+                  <a:schemeClr val="tx1"/>
+                </a:solidFill>
+                <a:effectLst/>
+                <a:latin typeface="Arial" panose="020B0604020202020204" pitchFamily="34" charset="0"/>
+              </a:rPr>
+              <a:t>Output:</a:t>
+            </a:r>
+          </a:p>
+          <a:p>
+            <a:r>
+              <a:rPr kumimoji="0" lang="en-US" altLang="en-US" sz="1200" b="0" i="0" u="none" strike="noStrike" cap="none" normalizeH="0" baseline="0" smtClean="0">
+                <a:ln>
+                  <a:noFill/>
+                </a:ln>
+                <a:solidFill>
+                  <a:schemeClr val="tx1"/>
+                </a:solidFill>
+                <a:effectLst/>
+                <a:latin typeface="+mn-lt"/>
+              </a:rPr>
+              <a:t>1</a:t>
+            </a:r>
+            <a:endParaRPr kumimoji="0" lang="en-US" altLang="en-US" sz="1200" b="0" i="0" u="none" strike="noStrike" cap="none" normalizeH="0" baseline="0" dirty="0" smtClean="0">
+              <a:ln>
+                <a:noFill/>
+              </a:ln>
+              <a:solidFill>
+                <a:schemeClr val="tx1"/>
+              </a:solidFill>
+              <a:effectLst/>
+              <a:latin typeface="Arial" panose="020B0604020202020204" pitchFamily="34" charset="0"/>
+            </a:endParaRPr>
+          </a:p>
+        </p:txBody>
+      </p:sp>
+      <p:sp>
+        <p:nvSpPr>
+          <p:cNvPr id="4" name="Slide Number Placeholder 3"/>
+          <p:cNvSpPr>
+            <a:spLocks noGrp="1"/>
+          </p:cNvSpPr>
+          <p:nvPr>
+            <p:ph type="sldNum" sz="quarter" idx="10"/>
+          </p:nvPr>
+        </p:nvSpPr>
+        <p:spPr/>
+        <p:txBody>
+          <a:bodyPr/>
+          <a:lstStyle/>
+          <a:p>
+            <a:fld id="{E51715A9-EB64-4481-89E4-A64020E86A42}" type="slidenum">
+              <a:rPr lang="en-US" smtClean="0"/>
+              <a:t>71</a:t>
+            </a:fld>
+            <a:endParaRPr lang="en-US"/>
+          </a:p>
+        </p:txBody>
+      </p:sp>
+    </p:spTree>
+    <p:extLst>
+      <p:ext uri="{BB962C8B-B14F-4D97-AF65-F5344CB8AC3E}">
+        <p14:creationId xmlns:p14="http://schemas.microsoft.com/office/powerpoint/2010/main" val="3044545771"/>
       </p:ext>
     </p:extLst>
   </p:cSld>
@@ -26276,6 +28069,1502 @@
 </p:sld>
 </file>
 
+<file path=ppt/slides/slide54.xml><?xml version="1.0" encoding="utf-8"?>
+<p:sld xmlns:a="http://schemas.openxmlformats.org/drawingml/2006/main" xmlns:r="http://schemas.openxmlformats.org/officeDocument/2006/relationships" xmlns:p="http://schemas.openxmlformats.org/presentationml/2006/main">
+  <p:cSld>
+    <p:spTree>
+      <p:nvGrpSpPr>
+        <p:cNvPr id="1" name=""/>
+        <p:cNvGrpSpPr/>
+        <p:nvPr/>
+      </p:nvGrpSpPr>
+      <p:grpSpPr>
+        <a:xfrm>
+          <a:off x="0" y="0"/>
+          <a:ext cx="0" cy="0"/>
+          <a:chOff x="0" y="0"/>
+          <a:chExt cx="0" cy="0"/>
+        </a:xfrm>
+      </p:grpSpPr>
+      <p:sp>
+        <p:nvSpPr>
+          <p:cNvPr id="4" name="Title 3"/>
+          <p:cNvSpPr>
+            <a:spLocks noGrp="1"/>
+          </p:cNvSpPr>
+          <p:nvPr>
+            <p:ph type="title"/>
+          </p:nvPr>
+        </p:nvSpPr>
+        <p:spPr/>
+        <p:txBody>
+          <a:bodyPr/>
+          <a:lstStyle/>
+          <a:p>
+            <a:r>
+              <a:rPr lang="en-US" dirty="0" smtClean="0"/>
+              <a:t>Functions</a:t>
+            </a:r>
+            <a:endParaRPr lang="en-US" dirty="0"/>
+          </a:p>
+        </p:txBody>
+      </p:sp>
+      <p:sp>
+        <p:nvSpPr>
+          <p:cNvPr id="5" name="Text Placeholder 4"/>
+          <p:cNvSpPr>
+            <a:spLocks noGrp="1"/>
+          </p:cNvSpPr>
+          <p:nvPr>
+            <p:ph type="body" idx="1"/>
+          </p:nvPr>
+        </p:nvSpPr>
+        <p:spPr/>
+        <p:txBody>
+          <a:bodyPr/>
+          <a:lstStyle/>
+          <a:p>
+            <a:r>
+              <a:rPr lang="en-US" dirty="0" smtClean="0"/>
+              <a:t>Reusable chunks of code</a:t>
+            </a:r>
+            <a:endParaRPr lang="en-US" dirty="0"/>
+          </a:p>
+        </p:txBody>
+      </p:sp>
+    </p:spTree>
+    <p:extLst>
+      <p:ext uri="{BB962C8B-B14F-4D97-AF65-F5344CB8AC3E}">
+        <p14:creationId xmlns:p14="http://schemas.microsoft.com/office/powerpoint/2010/main" val="3398646848"/>
+      </p:ext>
+    </p:extLst>
+  </p:cSld>
+  <p:clrMapOvr>
+    <a:masterClrMapping/>
+  </p:clrMapOvr>
+</p:sld>
+</file>
+
+<file path=ppt/slides/slide55.xml><?xml version="1.0" encoding="utf-8"?>
+<p:sld xmlns:a="http://schemas.openxmlformats.org/drawingml/2006/main" xmlns:r="http://schemas.openxmlformats.org/officeDocument/2006/relationships" xmlns:p="http://schemas.openxmlformats.org/presentationml/2006/main">
+  <p:cSld>
+    <p:spTree>
+      <p:nvGrpSpPr>
+        <p:cNvPr id="1" name=""/>
+        <p:cNvGrpSpPr/>
+        <p:nvPr/>
+      </p:nvGrpSpPr>
+      <p:grpSpPr>
+        <a:xfrm>
+          <a:off x="0" y="0"/>
+          <a:ext cx="0" cy="0"/>
+          <a:chOff x="0" y="0"/>
+          <a:chExt cx="0" cy="0"/>
+        </a:xfrm>
+      </p:grpSpPr>
+      <p:sp>
+        <p:nvSpPr>
+          <p:cNvPr id="7" name="Title 6"/>
+          <p:cNvSpPr>
+            <a:spLocks noGrp="1"/>
+          </p:cNvSpPr>
+          <p:nvPr>
+            <p:ph type="title"/>
+          </p:nvPr>
+        </p:nvSpPr>
+        <p:spPr/>
+        <p:txBody>
+          <a:bodyPr/>
+          <a:lstStyle/>
+          <a:p>
+            <a:r>
+              <a:rPr lang="en-US" dirty="0" smtClean="0"/>
+              <a:t>Function Basics</a:t>
+            </a:r>
+            <a:endParaRPr lang="en-US" dirty="0"/>
+          </a:p>
+        </p:txBody>
+      </p:sp>
+      <p:sp>
+        <p:nvSpPr>
+          <p:cNvPr id="8" name="Content Placeholder 7"/>
+          <p:cNvSpPr>
+            <a:spLocks noGrp="1"/>
+          </p:cNvSpPr>
+          <p:nvPr>
+            <p:ph idx="1"/>
+          </p:nvPr>
+        </p:nvSpPr>
+        <p:spPr/>
+        <p:txBody>
+          <a:bodyPr/>
+          <a:lstStyle/>
+          <a:p>
+            <a:r>
+              <a:rPr lang="en-US" dirty="0" smtClean="0"/>
+              <a:t>Chunk of code that can be used in other places</a:t>
+            </a:r>
+          </a:p>
+          <a:p>
+            <a:r>
+              <a:rPr lang="en-US" dirty="0" smtClean="0"/>
+              <a:t>Data is given to the function via arguments</a:t>
+            </a:r>
+          </a:p>
+          <a:p>
+            <a:r>
+              <a:rPr lang="en-US" dirty="0" smtClean="0"/>
+              <a:t>Functions may return a value</a:t>
+            </a:r>
+          </a:p>
+          <a:p>
+            <a:r>
+              <a:rPr lang="en-US" dirty="0" smtClean="0"/>
+              <a:t>Can be used like a variable or on their own</a:t>
+            </a:r>
+            <a:endParaRPr lang="en-US" dirty="0"/>
+          </a:p>
+        </p:txBody>
+      </p:sp>
+    </p:spTree>
+    <p:extLst>
+      <p:ext uri="{BB962C8B-B14F-4D97-AF65-F5344CB8AC3E}">
+        <p14:creationId xmlns:p14="http://schemas.microsoft.com/office/powerpoint/2010/main" val="3124951144"/>
+      </p:ext>
+    </p:extLst>
+  </p:cSld>
+  <p:clrMapOvr>
+    <a:masterClrMapping/>
+  </p:clrMapOvr>
+</p:sld>
+</file>
+
+<file path=ppt/slides/slide56.xml><?xml version="1.0" encoding="utf-8"?>
+<p:sld xmlns:a="http://schemas.openxmlformats.org/drawingml/2006/main" xmlns:r="http://schemas.openxmlformats.org/officeDocument/2006/relationships" xmlns:p="http://schemas.openxmlformats.org/presentationml/2006/main">
+  <p:cSld>
+    <p:spTree>
+      <p:nvGrpSpPr>
+        <p:cNvPr id="1" name=""/>
+        <p:cNvGrpSpPr/>
+        <p:nvPr/>
+      </p:nvGrpSpPr>
+      <p:grpSpPr>
+        <a:xfrm>
+          <a:off x="0" y="0"/>
+          <a:ext cx="0" cy="0"/>
+          <a:chOff x="0" y="0"/>
+          <a:chExt cx="0" cy="0"/>
+        </a:xfrm>
+      </p:grpSpPr>
+      <p:sp>
+        <p:nvSpPr>
+          <p:cNvPr id="6" name="Rectangle 2"/>
+          <p:cNvSpPr>
+            <a:spLocks noGrp="1" noChangeArrowheads="1"/>
+          </p:cNvSpPr>
+          <p:nvPr>
+            <p:ph idx="1"/>
+          </p:nvPr>
+        </p:nvSpPr>
+        <p:spPr bwMode="auto">
+          <a:xfrm>
+            <a:off x="617220" y="636325"/>
+            <a:ext cx="10957560" cy="5509200"/>
+          </a:xfrm>
+          <a:prstGeom prst="rect">
+            <a:avLst/>
+          </a:prstGeom>
+          <a:solidFill>
+            <a:schemeClr val="bg2"/>
+          </a:solidFill>
+          <a:ln>
+            <a:solidFill>
+              <a:schemeClr val="tx1"/>
+            </a:solidFill>
+          </a:ln>
+          <a:effectLst/>
+        </p:spPr>
+        <p:txBody>
+          <a:bodyPr vert="horz" wrap="square" lIns="91440" tIns="45720" rIns="91440" bIns="45720" numCol="1" anchor="ctr" anchorCtr="0" compatLnSpc="1">
+            <a:prstTxWarp prst="textNoShape">
+              <a:avLst/>
+            </a:prstTxWarp>
+            <a:spAutoFit/>
+          </a:bodyPr>
+          <a:lstStyle/>
+          <a:p>
+            <a:pPr marL="0" lvl="0" indent="0" eaLnBrk="0" fontAlgn="base" hangingPunct="0">
+              <a:lnSpc>
+                <a:spcPct val="100000"/>
+              </a:lnSpc>
+              <a:spcBef>
+                <a:spcPct val="0"/>
+              </a:spcBef>
+              <a:spcAft>
+                <a:spcPct val="0"/>
+              </a:spcAft>
+              <a:buNone/>
+            </a:pPr>
+            <a:r>
+              <a:rPr lang="en-US" altLang="en-US" sz="3200" dirty="0">
+                <a:solidFill>
+                  <a:srgbClr val="7F0055"/>
+                </a:solidFill>
+                <a:latin typeface="Arial Unicode MS" panose="020B0604020202020204" pitchFamily="34" charset="-128"/>
+              </a:rPr>
+              <a:t>&lt;?</a:t>
+            </a:r>
+            <a:r>
+              <a:rPr lang="en-US" altLang="en-US" sz="3200" dirty="0" err="1" smtClean="0">
+                <a:solidFill>
+                  <a:srgbClr val="7F0055"/>
+                </a:solidFill>
+                <a:latin typeface="Arial Unicode MS" panose="020B0604020202020204" pitchFamily="34" charset="-128"/>
+              </a:rPr>
+              <a:t>php</a:t>
+            </a:r>
+            <a:endParaRPr lang="en-US" altLang="en-US" sz="3200" dirty="0" smtClean="0">
+              <a:solidFill>
+                <a:srgbClr val="000000"/>
+              </a:solidFill>
+              <a:latin typeface="Arial Unicode MS" panose="020B0604020202020204" pitchFamily="34" charset="-128"/>
+            </a:endParaRPr>
+          </a:p>
+          <a:p>
+            <a:pPr marL="0" lvl="0" indent="0" eaLnBrk="0" fontAlgn="base" hangingPunct="0">
+              <a:lnSpc>
+                <a:spcPct val="100000"/>
+              </a:lnSpc>
+              <a:spcBef>
+                <a:spcPct val="0"/>
+              </a:spcBef>
+              <a:spcAft>
+                <a:spcPct val="0"/>
+              </a:spcAft>
+              <a:buNone/>
+            </a:pPr>
+            <a:endParaRPr lang="en-US" altLang="en-US" sz="3200" b="1" dirty="0">
+              <a:solidFill>
+                <a:srgbClr val="000000"/>
+              </a:solidFill>
+              <a:latin typeface="Arial Unicode MS" panose="020B0604020202020204" pitchFamily="34" charset="-128"/>
+            </a:endParaRPr>
+          </a:p>
+          <a:p>
+            <a:pPr marL="0" lvl="0" indent="0" eaLnBrk="0" fontAlgn="base" hangingPunct="0">
+              <a:lnSpc>
+                <a:spcPct val="100000"/>
+              </a:lnSpc>
+              <a:spcBef>
+                <a:spcPct val="0"/>
+              </a:spcBef>
+              <a:spcAft>
+                <a:spcPct val="0"/>
+              </a:spcAft>
+              <a:buNone/>
+            </a:pPr>
+            <a:r>
+              <a:rPr lang="en-US" altLang="en-US" sz="3200" b="1" dirty="0" smtClean="0">
+                <a:solidFill>
+                  <a:srgbClr val="7F0055"/>
+                </a:solidFill>
+                <a:latin typeface="Arial Unicode MS" panose="020B0604020202020204" pitchFamily="34" charset="-128"/>
+              </a:rPr>
+              <a:t>echo</a:t>
+            </a:r>
+            <a:r>
+              <a:rPr lang="en-US" altLang="en-US" sz="3200" dirty="0" smtClean="0">
+                <a:solidFill>
+                  <a:srgbClr val="000000"/>
+                </a:solidFill>
+                <a:latin typeface="Arial Unicode MS" panose="020B0604020202020204" pitchFamily="34" charset="-128"/>
+              </a:rPr>
+              <a:t> </a:t>
+            </a:r>
+            <a:r>
+              <a:rPr lang="en-US" altLang="en-US" sz="3200" b="1" dirty="0">
+                <a:solidFill>
+                  <a:srgbClr val="7F0055"/>
+                </a:solidFill>
+                <a:latin typeface="Arial Unicode MS" panose="020B0604020202020204" pitchFamily="34" charset="-128"/>
+              </a:rPr>
+              <a:t>pow</a:t>
+            </a:r>
+            <a:r>
+              <a:rPr lang="en-US" altLang="en-US" sz="3200" dirty="0">
+                <a:solidFill>
+                  <a:srgbClr val="000000"/>
+                </a:solidFill>
+                <a:latin typeface="Arial Unicode MS" panose="020B0604020202020204" pitchFamily="34" charset="-128"/>
+              </a:rPr>
+              <a:t>(2,4</a:t>
+            </a:r>
+            <a:r>
+              <a:rPr lang="en-US" altLang="en-US" sz="3200" dirty="0" smtClean="0">
+                <a:solidFill>
+                  <a:srgbClr val="000000"/>
+                </a:solidFill>
+                <a:latin typeface="Arial Unicode MS" panose="020B0604020202020204" pitchFamily="34" charset="-128"/>
+              </a:rPr>
+              <a:t>);</a:t>
+            </a:r>
+          </a:p>
+          <a:p>
+            <a:pPr marL="0" lvl="0" indent="0" eaLnBrk="0" fontAlgn="base" hangingPunct="0">
+              <a:lnSpc>
+                <a:spcPct val="100000"/>
+              </a:lnSpc>
+              <a:spcBef>
+                <a:spcPct val="0"/>
+              </a:spcBef>
+              <a:spcAft>
+                <a:spcPct val="0"/>
+              </a:spcAft>
+              <a:buNone/>
+            </a:pPr>
+            <a:endParaRPr lang="en-US" altLang="en-US" sz="3200" dirty="0">
+              <a:solidFill>
+                <a:srgbClr val="000000"/>
+              </a:solidFill>
+              <a:latin typeface="Arial Unicode MS" panose="020B0604020202020204" pitchFamily="34" charset="-128"/>
+            </a:endParaRPr>
+          </a:p>
+          <a:p>
+            <a:pPr marL="0" lvl="0" indent="0" eaLnBrk="0" fontAlgn="base" hangingPunct="0">
+              <a:lnSpc>
+                <a:spcPct val="100000"/>
+              </a:lnSpc>
+              <a:spcBef>
+                <a:spcPct val="0"/>
+              </a:spcBef>
+              <a:spcAft>
+                <a:spcPct val="0"/>
+              </a:spcAft>
+              <a:buNone/>
+            </a:pPr>
+            <a:r>
+              <a:rPr lang="en-US" altLang="en-US" sz="3200" dirty="0" smtClean="0">
+                <a:solidFill>
+                  <a:srgbClr val="000000"/>
+                </a:solidFill>
+                <a:latin typeface="Arial Unicode MS" panose="020B0604020202020204" pitchFamily="34" charset="-128"/>
+              </a:rPr>
+              <a:t>$</a:t>
+            </a:r>
+            <a:r>
+              <a:rPr lang="en-US" altLang="en-US" sz="3200" dirty="0" err="1">
+                <a:solidFill>
+                  <a:srgbClr val="000000"/>
+                </a:solidFill>
+                <a:latin typeface="Arial Unicode MS" panose="020B0604020202020204" pitchFamily="34" charset="-128"/>
+              </a:rPr>
+              <a:t>var</a:t>
+            </a:r>
+            <a:r>
+              <a:rPr lang="en-US" altLang="en-US" sz="3200" dirty="0">
+                <a:solidFill>
+                  <a:srgbClr val="000000"/>
+                </a:solidFill>
+                <a:latin typeface="Arial Unicode MS" panose="020B0604020202020204" pitchFamily="34" charset="-128"/>
+              </a:rPr>
+              <a:t> = </a:t>
+            </a:r>
+            <a:r>
+              <a:rPr lang="en-US" altLang="en-US" sz="3200" b="1" dirty="0">
+                <a:solidFill>
+                  <a:srgbClr val="7F0055"/>
+                </a:solidFill>
+                <a:latin typeface="Arial Unicode MS" panose="020B0604020202020204" pitchFamily="34" charset="-128"/>
+              </a:rPr>
+              <a:t>pow</a:t>
+            </a:r>
+            <a:r>
+              <a:rPr lang="en-US" altLang="en-US" sz="3200" dirty="0">
+                <a:solidFill>
+                  <a:srgbClr val="000000"/>
+                </a:solidFill>
+                <a:latin typeface="Arial Unicode MS" panose="020B0604020202020204" pitchFamily="34" charset="-128"/>
+              </a:rPr>
+              <a:t>(1,5</a:t>
+            </a:r>
+            <a:r>
+              <a:rPr lang="en-US" altLang="en-US" sz="3200" dirty="0" smtClean="0">
+                <a:solidFill>
+                  <a:srgbClr val="000000"/>
+                </a:solidFill>
+                <a:latin typeface="Arial Unicode MS" panose="020B0604020202020204" pitchFamily="34" charset="-128"/>
+              </a:rPr>
+              <a:t>);</a:t>
+            </a:r>
+          </a:p>
+          <a:p>
+            <a:pPr marL="0" lvl="0" indent="0" eaLnBrk="0" fontAlgn="base" hangingPunct="0">
+              <a:lnSpc>
+                <a:spcPct val="100000"/>
+              </a:lnSpc>
+              <a:spcBef>
+                <a:spcPct val="0"/>
+              </a:spcBef>
+              <a:spcAft>
+                <a:spcPct val="0"/>
+              </a:spcAft>
+              <a:buNone/>
+            </a:pPr>
+            <a:endParaRPr lang="en-US" altLang="en-US" sz="3200" b="1" dirty="0">
+              <a:solidFill>
+                <a:srgbClr val="000000"/>
+              </a:solidFill>
+              <a:latin typeface="Arial Unicode MS" panose="020B0604020202020204" pitchFamily="34" charset="-128"/>
+            </a:endParaRPr>
+          </a:p>
+          <a:p>
+            <a:pPr marL="0" lvl="0" indent="0" eaLnBrk="0" fontAlgn="base" hangingPunct="0">
+              <a:lnSpc>
+                <a:spcPct val="100000"/>
+              </a:lnSpc>
+              <a:spcBef>
+                <a:spcPct val="0"/>
+              </a:spcBef>
+              <a:spcAft>
+                <a:spcPct val="0"/>
+              </a:spcAft>
+              <a:buNone/>
+            </a:pPr>
+            <a:r>
+              <a:rPr lang="en-US" altLang="en-US" sz="3200" b="1" dirty="0" smtClean="0">
+                <a:solidFill>
+                  <a:srgbClr val="7F0055"/>
+                </a:solidFill>
+                <a:latin typeface="Arial Unicode MS" panose="020B0604020202020204" pitchFamily="34" charset="-128"/>
+              </a:rPr>
+              <a:t>echo</a:t>
+            </a:r>
+            <a:r>
+              <a:rPr lang="en-US" altLang="en-US" sz="3200" dirty="0" smtClean="0">
+                <a:solidFill>
+                  <a:srgbClr val="000000"/>
+                </a:solidFill>
+                <a:latin typeface="Arial Unicode MS" panose="020B0604020202020204" pitchFamily="34" charset="-128"/>
+              </a:rPr>
+              <a:t> </a:t>
+            </a:r>
+            <a:r>
+              <a:rPr lang="en-US" altLang="en-US" sz="3200" b="1" dirty="0">
+                <a:solidFill>
+                  <a:srgbClr val="7F0055"/>
+                </a:solidFill>
+                <a:latin typeface="Arial Unicode MS" panose="020B0604020202020204" pitchFamily="34" charset="-128"/>
+              </a:rPr>
+              <a:t>pow</a:t>
+            </a:r>
+            <a:r>
+              <a:rPr lang="en-US" altLang="en-US" sz="3200" dirty="0">
+                <a:solidFill>
+                  <a:srgbClr val="000000"/>
+                </a:solidFill>
+                <a:latin typeface="Arial Unicode MS" panose="020B0604020202020204" pitchFamily="34" charset="-128"/>
+              </a:rPr>
+              <a:t>($</a:t>
+            </a:r>
+            <a:r>
+              <a:rPr lang="en-US" altLang="en-US" sz="3200" dirty="0" err="1">
+                <a:solidFill>
+                  <a:srgbClr val="000000"/>
+                </a:solidFill>
+                <a:latin typeface="Arial Unicode MS" panose="020B0604020202020204" pitchFamily="34" charset="-128"/>
+              </a:rPr>
+              <a:t>var</a:t>
+            </a:r>
+            <a:r>
+              <a:rPr lang="en-US" altLang="en-US" sz="3200" dirty="0">
+                <a:solidFill>
+                  <a:srgbClr val="000000"/>
+                </a:solidFill>
+                <a:latin typeface="Arial Unicode MS" panose="020B0604020202020204" pitchFamily="34" charset="-128"/>
+              </a:rPr>
+              <a:t>, 2</a:t>
+            </a:r>
+            <a:r>
+              <a:rPr lang="en-US" altLang="en-US" sz="3200" dirty="0" smtClean="0">
+                <a:solidFill>
+                  <a:srgbClr val="000000"/>
+                </a:solidFill>
+                <a:latin typeface="Arial Unicode MS" panose="020B0604020202020204" pitchFamily="34" charset="-128"/>
+              </a:rPr>
+              <a:t>);</a:t>
+            </a:r>
+          </a:p>
+          <a:p>
+            <a:pPr marL="0" lvl="0" indent="0" eaLnBrk="0" fontAlgn="base" hangingPunct="0">
+              <a:lnSpc>
+                <a:spcPct val="100000"/>
+              </a:lnSpc>
+              <a:spcBef>
+                <a:spcPct val="0"/>
+              </a:spcBef>
+              <a:spcAft>
+                <a:spcPct val="0"/>
+              </a:spcAft>
+              <a:buNone/>
+            </a:pPr>
+            <a:endParaRPr lang="en-US" altLang="en-US" sz="3200" b="1" dirty="0">
+              <a:solidFill>
+                <a:srgbClr val="000000"/>
+              </a:solidFill>
+              <a:latin typeface="Arial Unicode MS" panose="020B0604020202020204" pitchFamily="34" charset="-128"/>
+            </a:endParaRPr>
+          </a:p>
+          <a:p>
+            <a:pPr marL="0" lvl="0" indent="0" eaLnBrk="0" fontAlgn="base" hangingPunct="0">
+              <a:lnSpc>
+                <a:spcPct val="100000"/>
+              </a:lnSpc>
+              <a:spcBef>
+                <a:spcPct val="0"/>
+              </a:spcBef>
+              <a:spcAft>
+                <a:spcPct val="0"/>
+              </a:spcAft>
+              <a:buNone/>
+            </a:pPr>
+            <a:r>
+              <a:rPr lang="en-US" altLang="en-US" sz="3200" b="1" dirty="0" smtClean="0">
+                <a:solidFill>
+                  <a:srgbClr val="7F0055"/>
+                </a:solidFill>
+                <a:latin typeface="Arial Unicode MS" panose="020B0604020202020204" pitchFamily="34" charset="-128"/>
+              </a:rPr>
+              <a:t>echo</a:t>
+            </a:r>
+            <a:r>
+              <a:rPr lang="en-US" altLang="en-US" sz="3200" dirty="0" smtClean="0">
+                <a:solidFill>
+                  <a:srgbClr val="000000"/>
+                </a:solidFill>
+                <a:latin typeface="Arial Unicode MS" panose="020B0604020202020204" pitchFamily="34" charset="-128"/>
+              </a:rPr>
+              <a:t> </a:t>
+            </a:r>
+            <a:r>
+              <a:rPr lang="en-US" altLang="en-US" sz="3200" b="1" dirty="0">
+                <a:solidFill>
+                  <a:srgbClr val="7F0055"/>
+                </a:solidFill>
+                <a:latin typeface="Arial Unicode MS" panose="020B0604020202020204" pitchFamily="34" charset="-128"/>
+              </a:rPr>
+              <a:t>pow</a:t>
+            </a:r>
+            <a:r>
+              <a:rPr lang="en-US" altLang="en-US" sz="3200" dirty="0">
+                <a:solidFill>
+                  <a:srgbClr val="000000"/>
+                </a:solidFill>
+                <a:latin typeface="Arial Unicode MS" panose="020B0604020202020204" pitchFamily="34" charset="-128"/>
+              </a:rPr>
+              <a:t>(3, </a:t>
+            </a:r>
+            <a:r>
+              <a:rPr lang="en-US" altLang="en-US" sz="3200" b="1" dirty="0">
+                <a:solidFill>
+                  <a:srgbClr val="7F0055"/>
+                </a:solidFill>
+                <a:latin typeface="Arial Unicode MS" panose="020B0604020202020204" pitchFamily="34" charset="-128"/>
+              </a:rPr>
+              <a:t>pow</a:t>
+            </a:r>
+            <a:r>
+              <a:rPr lang="en-US" altLang="en-US" sz="3200" dirty="0">
+                <a:solidFill>
+                  <a:srgbClr val="000000"/>
+                </a:solidFill>
+                <a:latin typeface="Arial Unicode MS" panose="020B0604020202020204" pitchFamily="34" charset="-128"/>
+              </a:rPr>
+              <a:t>(4,2</a:t>
+            </a:r>
+            <a:r>
+              <a:rPr lang="en-US" altLang="en-US" sz="3200" dirty="0" smtClean="0">
+                <a:solidFill>
+                  <a:srgbClr val="000000"/>
+                </a:solidFill>
+                <a:latin typeface="Arial Unicode MS" panose="020B0604020202020204" pitchFamily="34" charset="-128"/>
+              </a:rPr>
+              <a:t>));</a:t>
+            </a:r>
+          </a:p>
+          <a:p>
+            <a:pPr marL="0" lvl="0" indent="0" eaLnBrk="0" fontAlgn="base" hangingPunct="0">
+              <a:lnSpc>
+                <a:spcPct val="100000"/>
+              </a:lnSpc>
+              <a:spcBef>
+                <a:spcPct val="0"/>
+              </a:spcBef>
+              <a:spcAft>
+                <a:spcPct val="0"/>
+              </a:spcAft>
+              <a:buNone/>
+            </a:pPr>
+            <a:endParaRPr lang="en-US" altLang="en-US" sz="3200" dirty="0">
+              <a:solidFill>
+                <a:srgbClr val="000000"/>
+              </a:solidFill>
+              <a:latin typeface="Arial Unicode MS" panose="020B0604020202020204" pitchFamily="34" charset="-128"/>
+            </a:endParaRPr>
+          </a:p>
+          <a:p>
+            <a:pPr marL="0" lvl="0" indent="0" eaLnBrk="0" fontAlgn="base" hangingPunct="0">
+              <a:lnSpc>
+                <a:spcPct val="100000"/>
+              </a:lnSpc>
+              <a:spcBef>
+                <a:spcPct val="0"/>
+              </a:spcBef>
+              <a:spcAft>
+                <a:spcPct val="0"/>
+              </a:spcAft>
+              <a:buNone/>
+            </a:pPr>
+            <a:r>
+              <a:rPr lang="en-US" altLang="en-US" sz="3200" dirty="0" smtClean="0">
+                <a:solidFill>
+                  <a:srgbClr val="7F0055"/>
+                </a:solidFill>
+                <a:latin typeface="Arial Unicode MS" panose="020B0604020202020204" pitchFamily="34" charset="-128"/>
+              </a:rPr>
+              <a:t>?&gt;</a:t>
+            </a:r>
+            <a:r>
+              <a:rPr lang="en-US" altLang="en-US" sz="3200" dirty="0" smtClean="0">
+                <a:solidFill>
+                  <a:srgbClr val="000000"/>
+                </a:solidFill>
+                <a:latin typeface="Arial Unicode MS" panose="020B0604020202020204" pitchFamily="34" charset="-128"/>
+              </a:rPr>
+              <a:t> </a:t>
+            </a:r>
+            <a:endParaRPr lang="en-US" altLang="en-US" sz="6000" dirty="0">
+              <a:latin typeface="Arial" panose="020B0604020202020204" pitchFamily="34" charset="0"/>
+            </a:endParaRPr>
+          </a:p>
+        </p:txBody>
+      </p:sp>
+      <p:sp>
+        <p:nvSpPr>
+          <p:cNvPr id="3" name="Rectangle 2"/>
+          <p:cNvSpPr>
+            <a:spLocks noChangeArrowheads="1"/>
+          </p:cNvSpPr>
+          <p:nvPr/>
+        </p:nvSpPr>
+        <p:spPr bwMode="auto">
+          <a:xfrm>
+            <a:off x="0" y="43934"/>
+            <a:ext cx="184731" cy="369332"/>
+          </a:xfrm>
+          <a:prstGeom prst="rect">
+            <a:avLst/>
+          </a:prstGeom>
+          <a:solidFill>
+            <a:srgbClr val="FFFFFF"/>
+          </a:solidFill>
+          <a:ln>
+            <a:noFill/>
+          </a:ln>
+          <a:effectLst/>
+          <a:extLst>
+            <a:ext uri="{91240B29-F687-4F45-9708-019B960494DF}">
+              <a14:hiddenLine xmlns:a14="http://schemas.microsoft.com/office/drawing/2010/main" w="9525">
+                <a:solidFill>
+                  <a:schemeClr val="tx1"/>
+                </a:solidFill>
+                <a:miter lim="800000"/>
+                <a:headEnd/>
+                <a:tailEnd/>
+              </a14:hiddenLine>
+            </a:ext>
+            <a:ext uri="{AF507438-7753-43E0-B8FC-AC1667EBCBE1}">
+              <a14:hiddenEffects xmlns:a14="http://schemas.microsoft.com/office/drawing/2010/main">
+                <a:effectLst>
+                  <a:outerShdw dist="35921" dir="2700000" algn="ctr" rotWithShape="0">
+                    <a:schemeClr val="bg2"/>
+                  </a:outerShdw>
+                </a:effectLst>
+              </a14:hiddenEffects>
+            </a:ext>
+          </a:extLst>
+        </p:spPr>
+        <p:txBody>
+          <a:bodyPr vert="horz" wrap="none" lIns="91440" tIns="45720" rIns="91440" bIns="45720" numCol="1" anchor="ctr" anchorCtr="0" compatLnSpc="1">
+            <a:prstTxWarp prst="textNoShape">
+              <a:avLst/>
+            </a:prstTxWarp>
+            <a:spAutoFit/>
+          </a:bodyPr>
+          <a:lstStyle/>
+          <a:p>
+            <a:pPr marL="0" marR="0" lvl="0" indent="0" algn="l" defTabSz="914400" rtl="0" eaLnBrk="0" fontAlgn="base" latinLnBrk="0" hangingPunct="0">
+              <a:lnSpc>
+                <a:spcPct val="100000"/>
+              </a:lnSpc>
+              <a:spcBef>
+                <a:spcPct val="0"/>
+              </a:spcBef>
+              <a:spcAft>
+                <a:spcPct val="0"/>
+              </a:spcAft>
+              <a:buClrTx/>
+              <a:buSzTx/>
+              <a:buFontTx/>
+              <a:buNone/>
+              <a:tabLst/>
+            </a:pPr>
+            <a:endParaRPr kumimoji="0" lang="en-US" altLang="en-US" sz="1800" b="0" i="0" u="none" strike="noStrike" cap="none" normalizeH="0" baseline="0" dirty="0" smtClean="0">
+              <a:ln>
+                <a:noFill/>
+              </a:ln>
+              <a:solidFill>
+                <a:schemeClr val="tx1"/>
+              </a:solidFill>
+              <a:effectLst/>
+              <a:latin typeface="Arial" panose="020B0604020202020204" pitchFamily="34" charset="0"/>
+            </a:endParaRPr>
+          </a:p>
+        </p:txBody>
+      </p:sp>
+    </p:spTree>
+    <p:extLst>
+      <p:ext uri="{BB962C8B-B14F-4D97-AF65-F5344CB8AC3E}">
+        <p14:creationId xmlns:p14="http://schemas.microsoft.com/office/powerpoint/2010/main" val="1411140517"/>
+      </p:ext>
+    </p:extLst>
+  </p:cSld>
+  <p:clrMapOvr>
+    <a:masterClrMapping/>
+  </p:clrMapOvr>
+  <p:timing>
+    <p:tnLst>
+      <p:par>
+        <p:cTn id="1" dur="indefinite" restart="never" nodeType="tmRoot"/>
+      </p:par>
+    </p:tnLst>
+  </p:timing>
+</p:sld>
+</file>
+
+<file path=ppt/slides/slide57.xml><?xml version="1.0" encoding="utf-8"?>
+<p:sld xmlns:a="http://schemas.openxmlformats.org/drawingml/2006/main" xmlns:r="http://schemas.openxmlformats.org/officeDocument/2006/relationships" xmlns:p="http://schemas.openxmlformats.org/presentationml/2006/main">
+  <p:cSld>
+    <p:spTree>
+      <p:nvGrpSpPr>
+        <p:cNvPr id="1" name=""/>
+        <p:cNvGrpSpPr/>
+        <p:nvPr/>
+      </p:nvGrpSpPr>
+      <p:grpSpPr>
+        <a:xfrm>
+          <a:off x="0" y="0"/>
+          <a:ext cx="0" cy="0"/>
+          <a:chOff x="0" y="0"/>
+          <a:chExt cx="0" cy="0"/>
+        </a:xfrm>
+      </p:grpSpPr>
+      <p:sp>
+        <p:nvSpPr>
+          <p:cNvPr id="7" name="Title 6"/>
+          <p:cNvSpPr>
+            <a:spLocks noGrp="1"/>
+          </p:cNvSpPr>
+          <p:nvPr>
+            <p:ph type="title"/>
+          </p:nvPr>
+        </p:nvSpPr>
+        <p:spPr/>
+        <p:txBody>
+          <a:bodyPr/>
+          <a:lstStyle/>
+          <a:p>
+            <a:r>
+              <a:rPr lang="en-US" dirty="0" smtClean="0"/>
+              <a:t>Defining a Function</a:t>
+            </a:r>
+            <a:endParaRPr lang="en-US" dirty="0"/>
+          </a:p>
+        </p:txBody>
+      </p:sp>
+      <p:sp>
+        <p:nvSpPr>
+          <p:cNvPr id="8" name="Content Placeholder 7"/>
+          <p:cNvSpPr>
+            <a:spLocks noGrp="1"/>
+          </p:cNvSpPr>
+          <p:nvPr>
+            <p:ph idx="1"/>
+          </p:nvPr>
+        </p:nvSpPr>
+        <p:spPr/>
+        <p:txBody>
+          <a:bodyPr/>
+          <a:lstStyle/>
+          <a:p>
+            <a:r>
+              <a:rPr lang="en-US" dirty="0" smtClean="0"/>
+              <a:t>Naming rules are the same as variables</a:t>
+            </a:r>
+          </a:p>
+          <a:p>
+            <a:r>
+              <a:rPr lang="en-US" dirty="0" smtClean="0"/>
+              <a:t>Defined with the function keyword</a:t>
+            </a:r>
+          </a:p>
+          <a:p>
+            <a:r>
+              <a:rPr lang="en-US" dirty="0" smtClean="0"/>
+              <a:t>Can be declared and called anywhere… sort of</a:t>
+            </a:r>
+            <a:endParaRPr lang="en-US" dirty="0"/>
+          </a:p>
+        </p:txBody>
+      </p:sp>
+    </p:spTree>
+    <p:extLst>
+      <p:ext uri="{BB962C8B-B14F-4D97-AF65-F5344CB8AC3E}">
+        <p14:creationId xmlns:p14="http://schemas.microsoft.com/office/powerpoint/2010/main" val="674288090"/>
+      </p:ext>
+    </p:extLst>
+  </p:cSld>
+  <p:clrMapOvr>
+    <a:masterClrMapping/>
+  </p:clrMapOvr>
+</p:sld>
+</file>
+
+<file path=ppt/slides/slide58.xml><?xml version="1.0" encoding="utf-8"?>
+<p:sld xmlns:a="http://schemas.openxmlformats.org/drawingml/2006/main" xmlns:r="http://schemas.openxmlformats.org/officeDocument/2006/relationships" xmlns:p="http://schemas.openxmlformats.org/presentationml/2006/main">
+  <p:cSld>
+    <p:spTree>
+      <p:nvGrpSpPr>
+        <p:cNvPr id="1" name=""/>
+        <p:cNvGrpSpPr/>
+        <p:nvPr/>
+      </p:nvGrpSpPr>
+      <p:grpSpPr>
+        <a:xfrm>
+          <a:off x="0" y="0"/>
+          <a:ext cx="0" cy="0"/>
+          <a:chOff x="0" y="0"/>
+          <a:chExt cx="0" cy="0"/>
+        </a:xfrm>
+      </p:grpSpPr>
+      <p:sp>
+        <p:nvSpPr>
+          <p:cNvPr id="6" name="Rectangle 2"/>
+          <p:cNvSpPr>
+            <a:spLocks noGrp="1" noChangeArrowheads="1"/>
+          </p:cNvSpPr>
+          <p:nvPr>
+            <p:ph idx="1"/>
+          </p:nvPr>
+        </p:nvSpPr>
+        <p:spPr bwMode="auto">
+          <a:xfrm>
+            <a:off x="617220" y="574772"/>
+            <a:ext cx="10957560" cy="5632311"/>
+          </a:xfrm>
+          <a:prstGeom prst="rect">
+            <a:avLst/>
+          </a:prstGeom>
+          <a:solidFill>
+            <a:schemeClr val="bg2"/>
+          </a:solidFill>
+          <a:ln>
+            <a:solidFill>
+              <a:schemeClr val="tx1"/>
+            </a:solidFill>
+          </a:ln>
+          <a:effectLst/>
+        </p:spPr>
+        <p:txBody>
+          <a:bodyPr vert="horz" wrap="square" lIns="91440" tIns="45720" rIns="91440" bIns="45720" numCol="1" anchor="ctr" anchorCtr="0" compatLnSpc="1">
+            <a:prstTxWarp prst="textNoShape">
+              <a:avLst/>
+            </a:prstTxWarp>
+            <a:spAutoFit/>
+          </a:bodyPr>
+          <a:lstStyle/>
+          <a:p>
+            <a:pPr marL="0" lvl="0" indent="0" eaLnBrk="0" fontAlgn="base" hangingPunct="0">
+              <a:lnSpc>
+                <a:spcPct val="100000"/>
+              </a:lnSpc>
+              <a:spcBef>
+                <a:spcPct val="0"/>
+              </a:spcBef>
+              <a:spcAft>
+                <a:spcPct val="0"/>
+              </a:spcAft>
+              <a:buNone/>
+            </a:pPr>
+            <a:r>
+              <a:rPr lang="en-US" altLang="en-US" sz="3200" dirty="0">
+                <a:solidFill>
+                  <a:srgbClr val="7F0055"/>
+                </a:solidFill>
+                <a:latin typeface="Arial Unicode MS" panose="020B0604020202020204" pitchFamily="34" charset="-128"/>
+              </a:rPr>
+              <a:t>&lt;?</a:t>
+            </a:r>
+            <a:r>
+              <a:rPr lang="en-US" altLang="en-US" sz="3200" dirty="0" err="1" smtClean="0">
+                <a:solidFill>
+                  <a:srgbClr val="7F0055"/>
+                </a:solidFill>
+                <a:latin typeface="Arial Unicode MS" panose="020B0604020202020204" pitchFamily="34" charset="-128"/>
+              </a:rPr>
+              <a:t>php</a:t>
+            </a:r>
+            <a:endParaRPr lang="en-US" altLang="en-US" sz="3200" dirty="0" smtClean="0">
+              <a:solidFill>
+                <a:srgbClr val="000000"/>
+              </a:solidFill>
+              <a:latin typeface="Arial Unicode MS" panose="020B0604020202020204" pitchFamily="34" charset="-128"/>
+            </a:endParaRPr>
+          </a:p>
+          <a:p>
+            <a:pPr marL="0" lvl="0" indent="0" eaLnBrk="0" fontAlgn="base" hangingPunct="0">
+              <a:lnSpc>
+                <a:spcPct val="100000"/>
+              </a:lnSpc>
+              <a:spcBef>
+                <a:spcPct val="0"/>
+              </a:spcBef>
+              <a:spcAft>
+                <a:spcPct val="0"/>
+              </a:spcAft>
+              <a:buNone/>
+            </a:pPr>
+            <a:endParaRPr lang="en-US" altLang="en-US" sz="3200" dirty="0">
+              <a:solidFill>
+                <a:srgbClr val="000000"/>
+              </a:solidFill>
+              <a:latin typeface="Arial Unicode MS" panose="020B0604020202020204" pitchFamily="34" charset="-128"/>
+            </a:endParaRPr>
+          </a:p>
+          <a:p>
+            <a:pPr marL="0" lvl="0" indent="0" eaLnBrk="0" fontAlgn="base" hangingPunct="0">
+              <a:lnSpc>
+                <a:spcPct val="100000"/>
+              </a:lnSpc>
+              <a:spcBef>
+                <a:spcPct val="0"/>
+              </a:spcBef>
+              <a:spcAft>
+                <a:spcPct val="0"/>
+              </a:spcAft>
+              <a:buNone/>
+            </a:pPr>
+            <a:r>
+              <a:rPr lang="en-US" altLang="en-US" sz="3200" dirty="0" err="1" smtClean="0">
+                <a:solidFill>
+                  <a:srgbClr val="000000"/>
+                </a:solidFill>
+                <a:latin typeface="Arial Unicode MS" panose="020B0604020202020204" pitchFamily="34" charset="-128"/>
+              </a:rPr>
+              <a:t>foobar</a:t>
+            </a:r>
+            <a:r>
+              <a:rPr lang="en-US" altLang="en-US" sz="3200" dirty="0" smtClean="0">
+                <a:solidFill>
+                  <a:srgbClr val="000000"/>
+                </a:solidFill>
+                <a:latin typeface="Arial Unicode MS" panose="020B0604020202020204" pitchFamily="34" charset="-128"/>
+              </a:rPr>
+              <a:t>();</a:t>
+            </a:r>
+          </a:p>
+          <a:p>
+            <a:pPr marL="0" lvl="0" indent="0" eaLnBrk="0" fontAlgn="base" hangingPunct="0">
+              <a:lnSpc>
+                <a:spcPct val="100000"/>
+              </a:lnSpc>
+              <a:spcBef>
+                <a:spcPct val="0"/>
+              </a:spcBef>
+              <a:spcAft>
+                <a:spcPct val="0"/>
+              </a:spcAft>
+              <a:buNone/>
+            </a:pPr>
+            <a:endParaRPr lang="en-US" altLang="en-US" sz="3200" b="1" dirty="0">
+              <a:solidFill>
+                <a:srgbClr val="000000"/>
+              </a:solidFill>
+              <a:latin typeface="Arial Unicode MS" panose="020B0604020202020204" pitchFamily="34" charset="-128"/>
+            </a:endParaRPr>
+          </a:p>
+          <a:p>
+            <a:pPr marL="0" lvl="0" indent="0" eaLnBrk="0" fontAlgn="base" hangingPunct="0">
+              <a:lnSpc>
+                <a:spcPct val="100000"/>
+              </a:lnSpc>
+              <a:spcBef>
+                <a:spcPct val="0"/>
+              </a:spcBef>
+              <a:spcAft>
+                <a:spcPct val="0"/>
+              </a:spcAft>
+              <a:buNone/>
+            </a:pPr>
+            <a:r>
+              <a:rPr lang="en-US" altLang="en-US" sz="3200" b="1" dirty="0" smtClean="0">
+                <a:solidFill>
+                  <a:srgbClr val="7F0055"/>
+                </a:solidFill>
+                <a:latin typeface="Arial Unicode MS" panose="020B0604020202020204" pitchFamily="34" charset="-128"/>
+              </a:rPr>
+              <a:t>function</a:t>
+            </a:r>
+            <a:r>
+              <a:rPr lang="en-US" altLang="en-US" sz="3200" dirty="0" smtClean="0">
+                <a:solidFill>
+                  <a:srgbClr val="000000"/>
+                </a:solidFill>
+                <a:latin typeface="Arial Unicode MS" panose="020B0604020202020204" pitchFamily="34" charset="-128"/>
+              </a:rPr>
+              <a:t> </a:t>
+            </a:r>
+            <a:r>
+              <a:rPr lang="en-US" altLang="en-US" sz="3200" dirty="0" err="1">
+                <a:solidFill>
+                  <a:srgbClr val="000000"/>
+                </a:solidFill>
+                <a:latin typeface="Arial Unicode MS" panose="020B0604020202020204" pitchFamily="34" charset="-128"/>
+              </a:rPr>
+              <a:t>foobar</a:t>
+            </a:r>
+            <a:r>
+              <a:rPr lang="en-US" altLang="en-US" sz="3200" dirty="0">
+                <a:solidFill>
+                  <a:srgbClr val="000000"/>
+                </a:solidFill>
+                <a:latin typeface="Arial Unicode MS" panose="020B0604020202020204" pitchFamily="34" charset="-128"/>
+              </a:rPr>
+              <a:t>() </a:t>
+            </a:r>
+            <a:r>
+              <a:rPr lang="en-US" altLang="en-US" sz="3200" dirty="0" smtClean="0">
+                <a:solidFill>
+                  <a:srgbClr val="000000"/>
+                </a:solidFill>
+                <a:latin typeface="Arial Unicode MS" panose="020B0604020202020204" pitchFamily="34" charset="-128"/>
+              </a:rPr>
+              <a:t>{</a:t>
+            </a:r>
+          </a:p>
+          <a:p>
+            <a:pPr marL="0" lvl="0" indent="0" eaLnBrk="0" fontAlgn="base" hangingPunct="0">
+              <a:lnSpc>
+                <a:spcPct val="100000"/>
+              </a:lnSpc>
+              <a:spcBef>
+                <a:spcPct val="0"/>
+              </a:spcBef>
+              <a:spcAft>
+                <a:spcPct val="0"/>
+              </a:spcAft>
+              <a:buNone/>
+            </a:pPr>
+            <a:r>
+              <a:rPr lang="en-US" altLang="en-US" sz="3200" dirty="0">
+                <a:solidFill>
+                  <a:srgbClr val="000000"/>
+                </a:solidFill>
+                <a:latin typeface="Arial Unicode MS" panose="020B0604020202020204" pitchFamily="34" charset="-128"/>
+              </a:rPr>
+              <a:t> </a:t>
+            </a:r>
+            <a:r>
+              <a:rPr lang="en-US" altLang="en-US" sz="3200" dirty="0" smtClean="0">
+                <a:solidFill>
+                  <a:srgbClr val="000000"/>
+                </a:solidFill>
+                <a:latin typeface="Arial Unicode MS" panose="020B0604020202020204" pitchFamily="34" charset="-128"/>
+              </a:rPr>
+              <a:t>   </a:t>
+            </a:r>
+            <a:r>
+              <a:rPr lang="en-US" altLang="en-US" sz="3200" b="1" dirty="0" smtClean="0">
+                <a:solidFill>
+                  <a:srgbClr val="7F0055"/>
+                </a:solidFill>
+                <a:latin typeface="Arial Unicode MS" panose="020B0604020202020204" pitchFamily="34" charset="-128"/>
+              </a:rPr>
+              <a:t>echo</a:t>
+            </a:r>
+            <a:r>
+              <a:rPr lang="en-US" altLang="en-US" sz="3200" dirty="0" smtClean="0">
+                <a:solidFill>
+                  <a:srgbClr val="000000"/>
+                </a:solidFill>
+                <a:latin typeface="Arial Unicode MS" panose="020B0604020202020204" pitchFamily="34" charset="-128"/>
+              </a:rPr>
+              <a:t> </a:t>
+            </a:r>
+            <a:r>
+              <a:rPr lang="en-US" altLang="en-US" sz="3200" dirty="0" smtClean="0">
+                <a:solidFill>
+                  <a:srgbClr val="2A00FF"/>
+                </a:solidFill>
+                <a:latin typeface="Arial Unicode MS" panose="020B0604020202020204" pitchFamily="34" charset="-128"/>
+              </a:rPr>
+              <a:t>'</a:t>
+            </a:r>
+            <a:r>
+              <a:rPr lang="en-US" altLang="en-US" sz="3200" dirty="0" err="1" smtClean="0">
+                <a:solidFill>
+                  <a:srgbClr val="2A00FF"/>
+                </a:solidFill>
+                <a:latin typeface="Arial Unicode MS" panose="020B0604020202020204" pitchFamily="34" charset="-128"/>
+              </a:rPr>
+              <a:t>foobar</a:t>
+            </a:r>
+            <a:r>
+              <a:rPr lang="en-US" altLang="en-US" sz="3200" dirty="0">
+                <a:solidFill>
+                  <a:srgbClr val="2A00FF"/>
+                </a:solidFill>
+                <a:latin typeface="Arial Unicode MS" panose="020B0604020202020204" pitchFamily="34" charset="-128"/>
+              </a:rPr>
+              <a:t>'</a:t>
+            </a:r>
+            <a:r>
+              <a:rPr lang="en-US" altLang="en-US" sz="3200" dirty="0" smtClean="0">
+                <a:solidFill>
+                  <a:srgbClr val="000000"/>
+                </a:solidFill>
+                <a:latin typeface="Arial Unicode MS" panose="020B0604020202020204" pitchFamily="34" charset="-128"/>
+              </a:rPr>
+              <a:t>;</a:t>
+            </a:r>
+          </a:p>
+          <a:p>
+            <a:pPr marL="0" lvl="0" indent="0" eaLnBrk="0" fontAlgn="base" hangingPunct="0">
+              <a:lnSpc>
+                <a:spcPct val="100000"/>
+              </a:lnSpc>
+              <a:spcBef>
+                <a:spcPct val="0"/>
+              </a:spcBef>
+              <a:spcAft>
+                <a:spcPct val="0"/>
+              </a:spcAft>
+              <a:buNone/>
+            </a:pPr>
+            <a:r>
+              <a:rPr lang="en-US" altLang="en-US" sz="3200" dirty="0" smtClean="0">
+                <a:solidFill>
+                  <a:srgbClr val="000000"/>
+                </a:solidFill>
+                <a:latin typeface="Arial Unicode MS" panose="020B0604020202020204" pitchFamily="34" charset="-128"/>
+              </a:rPr>
+              <a:t>}</a:t>
+            </a:r>
+          </a:p>
+          <a:p>
+            <a:pPr marL="0" lvl="0" indent="0" eaLnBrk="0" fontAlgn="base" hangingPunct="0">
+              <a:lnSpc>
+                <a:spcPct val="100000"/>
+              </a:lnSpc>
+              <a:spcBef>
+                <a:spcPct val="0"/>
+              </a:spcBef>
+              <a:spcAft>
+                <a:spcPct val="0"/>
+              </a:spcAft>
+              <a:buNone/>
+            </a:pPr>
+            <a:endParaRPr lang="en-US" altLang="en-US" sz="3200" dirty="0">
+              <a:solidFill>
+                <a:srgbClr val="000000"/>
+              </a:solidFill>
+              <a:latin typeface="Arial Unicode MS" panose="020B0604020202020204" pitchFamily="34" charset="-128"/>
+            </a:endParaRPr>
+          </a:p>
+          <a:p>
+            <a:pPr marL="0" lvl="0" indent="0" eaLnBrk="0" fontAlgn="base" hangingPunct="0">
+              <a:lnSpc>
+                <a:spcPct val="100000"/>
+              </a:lnSpc>
+              <a:spcBef>
+                <a:spcPct val="0"/>
+              </a:spcBef>
+              <a:spcAft>
+                <a:spcPct val="0"/>
+              </a:spcAft>
+              <a:buNone/>
+            </a:pPr>
+            <a:r>
+              <a:rPr lang="en-US" altLang="en-US" sz="3200" dirty="0" err="1" smtClean="0">
+                <a:solidFill>
+                  <a:srgbClr val="000000"/>
+                </a:solidFill>
+                <a:latin typeface="Arial Unicode MS" panose="020B0604020202020204" pitchFamily="34" charset="-128"/>
+              </a:rPr>
+              <a:t>foobar</a:t>
+            </a:r>
+            <a:r>
+              <a:rPr lang="en-US" altLang="en-US" sz="3200" dirty="0" smtClean="0">
+                <a:solidFill>
+                  <a:srgbClr val="000000"/>
+                </a:solidFill>
+                <a:latin typeface="Arial Unicode MS" panose="020B0604020202020204" pitchFamily="34" charset="-128"/>
+              </a:rPr>
+              <a:t>();</a:t>
+            </a:r>
+          </a:p>
+          <a:p>
+            <a:pPr marL="0" lvl="0" indent="0" eaLnBrk="0" fontAlgn="base" hangingPunct="0">
+              <a:lnSpc>
+                <a:spcPct val="100000"/>
+              </a:lnSpc>
+              <a:spcBef>
+                <a:spcPct val="0"/>
+              </a:spcBef>
+              <a:spcAft>
+                <a:spcPct val="0"/>
+              </a:spcAft>
+              <a:buNone/>
+            </a:pPr>
+            <a:endParaRPr lang="en-US" altLang="en-US" sz="3200" dirty="0">
+              <a:solidFill>
+                <a:srgbClr val="000000"/>
+              </a:solidFill>
+              <a:latin typeface="Arial Unicode MS" panose="020B0604020202020204" pitchFamily="34" charset="-128"/>
+            </a:endParaRPr>
+          </a:p>
+          <a:p>
+            <a:pPr marL="0" lvl="0" indent="0" eaLnBrk="0" fontAlgn="base" hangingPunct="0">
+              <a:lnSpc>
+                <a:spcPct val="100000"/>
+              </a:lnSpc>
+              <a:spcBef>
+                <a:spcPct val="0"/>
+              </a:spcBef>
+              <a:spcAft>
+                <a:spcPct val="0"/>
+              </a:spcAft>
+              <a:buNone/>
+            </a:pPr>
+            <a:r>
+              <a:rPr lang="en-US" altLang="en-US" sz="3200" dirty="0" smtClean="0">
+                <a:solidFill>
+                  <a:srgbClr val="7F0055"/>
+                </a:solidFill>
+                <a:latin typeface="Arial Unicode MS" panose="020B0604020202020204" pitchFamily="34" charset="-128"/>
+              </a:rPr>
+              <a:t>?&gt;</a:t>
+            </a:r>
+            <a:r>
+              <a:rPr lang="en-US" altLang="en-US" sz="4000" dirty="0" smtClean="0"/>
+              <a:t> </a:t>
+            </a:r>
+            <a:endParaRPr lang="en-US" altLang="en-US" sz="6000" dirty="0">
+              <a:latin typeface="Arial" panose="020B0604020202020204" pitchFamily="34" charset="0"/>
+            </a:endParaRPr>
+          </a:p>
+        </p:txBody>
+      </p:sp>
+      <p:sp>
+        <p:nvSpPr>
+          <p:cNvPr id="3" name="Rectangle 2"/>
+          <p:cNvSpPr>
+            <a:spLocks noChangeArrowheads="1"/>
+          </p:cNvSpPr>
+          <p:nvPr/>
+        </p:nvSpPr>
+        <p:spPr bwMode="auto">
+          <a:xfrm>
+            <a:off x="0" y="43934"/>
+            <a:ext cx="184731" cy="369332"/>
+          </a:xfrm>
+          <a:prstGeom prst="rect">
+            <a:avLst/>
+          </a:prstGeom>
+          <a:solidFill>
+            <a:srgbClr val="FFFFFF"/>
+          </a:solidFill>
+          <a:ln>
+            <a:noFill/>
+          </a:ln>
+          <a:effectLst/>
+          <a:extLst>
+            <a:ext uri="{91240B29-F687-4F45-9708-019B960494DF}">
+              <a14:hiddenLine xmlns:a14="http://schemas.microsoft.com/office/drawing/2010/main" w="9525">
+                <a:solidFill>
+                  <a:schemeClr val="tx1"/>
+                </a:solidFill>
+                <a:miter lim="800000"/>
+                <a:headEnd/>
+                <a:tailEnd/>
+              </a14:hiddenLine>
+            </a:ext>
+            <a:ext uri="{AF507438-7753-43E0-B8FC-AC1667EBCBE1}">
+              <a14:hiddenEffects xmlns:a14="http://schemas.microsoft.com/office/drawing/2010/main">
+                <a:effectLst>
+                  <a:outerShdw dist="35921" dir="2700000" algn="ctr" rotWithShape="0">
+                    <a:schemeClr val="bg2"/>
+                  </a:outerShdw>
+                </a:effectLst>
+              </a14:hiddenEffects>
+            </a:ext>
+          </a:extLst>
+        </p:spPr>
+        <p:txBody>
+          <a:bodyPr vert="horz" wrap="none" lIns="91440" tIns="45720" rIns="91440" bIns="45720" numCol="1" anchor="ctr" anchorCtr="0" compatLnSpc="1">
+            <a:prstTxWarp prst="textNoShape">
+              <a:avLst/>
+            </a:prstTxWarp>
+            <a:spAutoFit/>
+          </a:bodyPr>
+          <a:lstStyle/>
+          <a:p>
+            <a:pPr marL="0" marR="0" lvl="0" indent="0" algn="l" defTabSz="914400" rtl="0" eaLnBrk="0" fontAlgn="base" latinLnBrk="0" hangingPunct="0">
+              <a:lnSpc>
+                <a:spcPct val="100000"/>
+              </a:lnSpc>
+              <a:spcBef>
+                <a:spcPct val="0"/>
+              </a:spcBef>
+              <a:spcAft>
+                <a:spcPct val="0"/>
+              </a:spcAft>
+              <a:buClrTx/>
+              <a:buSzTx/>
+              <a:buFontTx/>
+              <a:buNone/>
+              <a:tabLst/>
+            </a:pPr>
+            <a:endParaRPr kumimoji="0" lang="en-US" altLang="en-US" sz="1800" b="0" i="0" u="none" strike="noStrike" cap="none" normalizeH="0" baseline="0" dirty="0" smtClean="0">
+              <a:ln>
+                <a:noFill/>
+              </a:ln>
+              <a:solidFill>
+                <a:schemeClr val="tx1"/>
+              </a:solidFill>
+              <a:effectLst/>
+              <a:latin typeface="Arial" panose="020B0604020202020204" pitchFamily="34" charset="0"/>
+            </a:endParaRPr>
+          </a:p>
+        </p:txBody>
+      </p:sp>
+    </p:spTree>
+    <p:extLst>
+      <p:ext uri="{BB962C8B-B14F-4D97-AF65-F5344CB8AC3E}">
+        <p14:creationId xmlns:p14="http://schemas.microsoft.com/office/powerpoint/2010/main" val="2619781028"/>
+      </p:ext>
+    </p:extLst>
+  </p:cSld>
+  <p:clrMapOvr>
+    <a:masterClrMapping/>
+  </p:clrMapOvr>
+  <p:timing>
+    <p:tnLst>
+      <p:par>
+        <p:cTn id="1" dur="indefinite" restart="never" nodeType="tmRoot"/>
+      </p:par>
+    </p:tnLst>
+  </p:timing>
+</p:sld>
+</file>
+
+<file path=ppt/slides/slide59.xml><?xml version="1.0" encoding="utf-8"?>
+<p:sld xmlns:a="http://schemas.openxmlformats.org/drawingml/2006/main" xmlns:r="http://schemas.openxmlformats.org/officeDocument/2006/relationships" xmlns:p="http://schemas.openxmlformats.org/presentationml/2006/main">
+  <p:cSld>
+    <p:spTree>
+      <p:nvGrpSpPr>
+        <p:cNvPr id="1" name=""/>
+        <p:cNvGrpSpPr/>
+        <p:nvPr/>
+      </p:nvGrpSpPr>
+      <p:grpSpPr>
+        <a:xfrm>
+          <a:off x="0" y="0"/>
+          <a:ext cx="0" cy="0"/>
+          <a:chOff x="0" y="0"/>
+          <a:chExt cx="0" cy="0"/>
+        </a:xfrm>
+      </p:grpSpPr>
+      <p:sp>
+        <p:nvSpPr>
+          <p:cNvPr id="7" name="Title 6"/>
+          <p:cNvSpPr>
+            <a:spLocks noGrp="1"/>
+          </p:cNvSpPr>
+          <p:nvPr>
+            <p:ph type="title"/>
+          </p:nvPr>
+        </p:nvSpPr>
+        <p:spPr/>
+        <p:txBody>
+          <a:bodyPr/>
+          <a:lstStyle/>
+          <a:p>
+            <a:r>
+              <a:rPr lang="en-US" dirty="0" smtClean="0"/>
+              <a:t>Defining a Function with Arguments</a:t>
+            </a:r>
+            <a:endParaRPr lang="en-US" dirty="0"/>
+          </a:p>
+        </p:txBody>
+      </p:sp>
+      <p:sp>
+        <p:nvSpPr>
+          <p:cNvPr id="8" name="Content Placeholder 7"/>
+          <p:cNvSpPr>
+            <a:spLocks noGrp="1"/>
+          </p:cNvSpPr>
+          <p:nvPr>
+            <p:ph idx="1"/>
+          </p:nvPr>
+        </p:nvSpPr>
+        <p:spPr/>
+        <p:txBody>
+          <a:bodyPr/>
+          <a:lstStyle/>
+          <a:p>
+            <a:r>
+              <a:rPr lang="en-US" dirty="0" smtClean="0"/>
+              <a:t>Arguments are stored to variables</a:t>
+            </a:r>
+          </a:p>
+          <a:p>
+            <a:r>
+              <a:rPr lang="en-US" dirty="0" smtClean="0"/>
+              <a:t>Variables are listed in the parentheses in the definition</a:t>
+            </a:r>
+          </a:p>
+          <a:p>
+            <a:r>
+              <a:rPr lang="en-US" dirty="0" smtClean="0"/>
+              <a:t>Separate arguments with commas</a:t>
+            </a:r>
+            <a:endParaRPr lang="en-US" dirty="0"/>
+          </a:p>
+        </p:txBody>
+      </p:sp>
+    </p:spTree>
+    <p:extLst>
+      <p:ext uri="{BB962C8B-B14F-4D97-AF65-F5344CB8AC3E}">
+        <p14:creationId xmlns:p14="http://schemas.microsoft.com/office/powerpoint/2010/main" val="1937052433"/>
+      </p:ext>
+    </p:extLst>
+  </p:cSld>
+  <p:clrMapOvr>
+    <a:masterClrMapping/>
+  </p:clrMapOvr>
+</p:sld>
+</file>
+
 <file path=ppt/slides/slide6.xml><?xml version="1.0" encoding="utf-8"?>
 <p:sld xmlns:a="http://schemas.openxmlformats.org/drawingml/2006/main" xmlns:r="http://schemas.openxmlformats.org/officeDocument/2006/relationships" xmlns:p="http://schemas.openxmlformats.org/presentationml/2006/main">
   <p:cSld>
@@ -26348,6 +29637,2163 @@
     <p:extLst>
       <p:ext uri="{BB962C8B-B14F-4D97-AF65-F5344CB8AC3E}">
         <p14:creationId xmlns:p14="http://schemas.microsoft.com/office/powerpoint/2010/main" val="1728145848"/>
+      </p:ext>
+    </p:extLst>
+  </p:cSld>
+  <p:clrMapOvr>
+    <a:masterClrMapping/>
+  </p:clrMapOvr>
+  <p:timing>
+    <p:tnLst>
+      <p:par>
+        <p:cTn id="1" dur="indefinite" restart="never" nodeType="tmRoot"/>
+      </p:par>
+    </p:tnLst>
+  </p:timing>
+</p:sld>
+</file>
+
+<file path=ppt/slides/slide60.xml><?xml version="1.0" encoding="utf-8"?>
+<p:sld xmlns:a="http://schemas.openxmlformats.org/drawingml/2006/main" xmlns:r="http://schemas.openxmlformats.org/officeDocument/2006/relationships" xmlns:p="http://schemas.openxmlformats.org/presentationml/2006/main">
+  <p:cSld>
+    <p:spTree>
+      <p:nvGrpSpPr>
+        <p:cNvPr id="1" name=""/>
+        <p:cNvGrpSpPr/>
+        <p:nvPr/>
+      </p:nvGrpSpPr>
+      <p:grpSpPr>
+        <a:xfrm>
+          <a:off x="0" y="0"/>
+          <a:ext cx="0" cy="0"/>
+          <a:chOff x="0" y="0"/>
+          <a:chExt cx="0" cy="0"/>
+        </a:xfrm>
+      </p:grpSpPr>
+      <p:sp>
+        <p:nvSpPr>
+          <p:cNvPr id="6" name="Rectangle 2"/>
+          <p:cNvSpPr>
+            <a:spLocks noGrp="1" noChangeArrowheads="1"/>
+          </p:cNvSpPr>
+          <p:nvPr>
+            <p:ph idx="1"/>
+          </p:nvPr>
+        </p:nvSpPr>
+        <p:spPr bwMode="auto">
+          <a:xfrm>
+            <a:off x="617220" y="636332"/>
+            <a:ext cx="10957560" cy="5509200"/>
+          </a:xfrm>
+          <a:prstGeom prst="rect">
+            <a:avLst/>
+          </a:prstGeom>
+          <a:solidFill>
+            <a:schemeClr val="bg2"/>
+          </a:solidFill>
+          <a:ln>
+            <a:solidFill>
+              <a:schemeClr val="tx1"/>
+            </a:solidFill>
+          </a:ln>
+          <a:effectLst/>
+        </p:spPr>
+        <p:txBody>
+          <a:bodyPr vert="horz" wrap="square" lIns="91440" tIns="45720" rIns="91440" bIns="45720" numCol="1" anchor="ctr" anchorCtr="0" compatLnSpc="1">
+            <a:prstTxWarp prst="textNoShape">
+              <a:avLst/>
+            </a:prstTxWarp>
+            <a:spAutoFit/>
+          </a:bodyPr>
+          <a:lstStyle/>
+          <a:p>
+            <a:pPr marL="0" lvl="0" indent="0" eaLnBrk="0" fontAlgn="base" hangingPunct="0">
+              <a:lnSpc>
+                <a:spcPct val="100000"/>
+              </a:lnSpc>
+              <a:spcBef>
+                <a:spcPct val="0"/>
+              </a:spcBef>
+              <a:spcAft>
+                <a:spcPct val="0"/>
+              </a:spcAft>
+              <a:buNone/>
+            </a:pPr>
+            <a:r>
+              <a:rPr lang="en-US" altLang="en-US" sz="3200" dirty="0">
+                <a:solidFill>
+                  <a:srgbClr val="7F0055"/>
+                </a:solidFill>
+                <a:latin typeface="Arial Unicode MS" panose="020B0604020202020204" pitchFamily="34" charset="-128"/>
+              </a:rPr>
+              <a:t>&lt;?</a:t>
+            </a:r>
+            <a:r>
+              <a:rPr lang="en-US" altLang="en-US" sz="3200" dirty="0" err="1" smtClean="0">
+                <a:solidFill>
+                  <a:srgbClr val="7F0055"/>
+                </a:solidFill>
+                <a:latin typeface="Arial Unicode MS" panose="020B0604020202020204" pitchFamily="34" charset="-128"/>
+              </a:rPr>
+              <a:t>php</a:t>
+            </a:r>
+            <a:endParaRPr lang="en-US" altLang="en-US" sz="3200" dirty="0" smtClean="0">
+              <a:solidFill>
+                <a:srgbClr val="000000"/>
+              </a:solidFill>
+              <a:latin typeface="Arial Unicode MS" panose="020B0604020202020204" pitchFamily="34" charset="-128"/>
+            </a:endParaRPr>
+          </a:p>
+          <a:p>
+            <a:pPr marL="0" lvl="0" indent="0" eaLnBrk="0" fontAlgn="base" hangingPunct="0">
+              <a:lnSpc>
+                <a:spcPct val="100000"/>
+              </a:lnSpc>
+              <a:spcBef>
+                <a:spcPct val="0"/>
+              </a:spcBef>
+              <a:spcAft>
+                <a:spcPct val="0"/>
+              </a:spcAft>
+              <a:buNone/>
+            </a:pPr>
+            <a:endParaRPr lang="en-US" altLang="en-US" sz="3200" b="1" dirty="0">
+              <a:solidFill>
+                <a:srgbClr val="000000"/>
+              </a:solidFill>
+              <a:latin typeface="Arial Unicode MS" panose="020B0604020202020204" pitchFamily="34" charset="-128"/>
+            </a:endParaRPr>
+          </a:p>
+          <a:p>
+            <a:pPr marL="0" lvl="0" indent="0" eaLnBrk="0" fontAlgn="base" hangingPunct="0">
+              <a:lnSpc>
+                <a:spcPct val="100000"/>
+              </a:lnSpc>
+              <a:spcBef>
+                <a:spcPct val="0"/>
+              </a:spcBef>
+              <a:spcAft>
+                <a:spcPct val="0"/>
+              </a:spcAft>
+              <a:buNone/>
+            </a:pPr>
+            <a:r>
+              <a:rPr lang="en-US" altLang="en-US" sz="3200" b="1" dirty="0" smtClean="0">
+                <a:solidFill>
+                  <a:srgbClr val="7F0055"/>
+                </a:solidFill>
+                <a:latin typeface="Arial Unicode MS" panose="020B0604020202020204" pitchFamily="34" charset="-128"/>
+              </a:rPr>
+              <a:t>function</a:t>
+            </a:r>
+            <a:r>
+              <a:rPr lang="en-US" altLang="en-US" sz="3200" dirty="0" smtClean="0">
+                <a:solidFill>
+                  <a:srgbClr val="000000"/>
+                </a:solidFill>
+                <a:latin typeface="Arial Unicode MS" panose="020B0604020202020204" pitchFamily="34" charset="-128"/>
+              </a:rPr>
+              <a:t> </a:t>
+            </a:r>
+            <a:r>
+              <a:rPr lang="en-US" altLang="en-US" sz="3200" dirty="0" err="1">
+                <a:solidFill>
+                  <a:srgbClr val="000000"/>
+                </a:solidFill>
+                <a:latin typeface="Arial Unicode MS" panose="020B0604020202020204" pitchFamily="34" charset="-128"/>
+              </a:rPr>
+              <a:t>addandecho</a:t>
+            </a:r>
+            <a:r>
+              <a:rPr lang="en-US" altLang="en-US" sz="3200" dirty="0">
+                <a:solidFill>
+                  <a:srgbClr val="000000"/>
+                </a:solidFill>
+                <a:latin typeface="Arial Unicode MS" panose="020B0604020202020204" pitchFamily="34" charset="-128"/>
+              </a:rPr>
+              <a:t>($num1, $num2) </a:t>
+            </a:r>
+            <a:r>
+              <a:rPr lang="en-US" altLang="en-US" sz="3200" dirty="0" smtClean="0">
+                <a:solidFill>
+                  <a:srgbClr val="000000"/>
+                </a:solidFill>
+                <a:latin typeface="Arial Unicode MS" panose="020B0604020202020204" pitchFamily="34" charset="-128"/>
+              </a:rPr>
+              <a:t>{</a:t>
+            </a:r>
+          </a:p>
+          <a:p>
+            <a:pPr marL="0" lvl="0" indent="0" eaLnBrk="0" fontAlgn="base" hangingPunct="0">
+              <a:lnSpc>
+                <a:spcPct val="100000"/>
+              </a:lnSpc>
+              <a:spcBef>
+                <a:spcPct val="0"/>
+              </a:spcBef>
+              <a:spcAft>
+                <a:spcPct val="0"/>
+              </a:spcAft>
+              <a:buNone/>
+            </a:pPr>
+            <a:endParaRPr lang="en-US" altLang="en-US" sz="3200" b="1" dirty="0">
+              <a:solidFill>
+                <a:srgbClr val="000000"/>
+              </a:solidFill>
+              <a:latin typeface="Arial Unicode MS" panose="020B0604020202020204" pitchFamily="34" charset="-128"/>
+            </a:endParaRPr>
+          </a:p>
+          <a:p>
+            <a:pPr marL="0" lvl="0" indent="0" eaLnBrk="0" fontAlgn="base" hangingPunct="0">
+              <a:lnSpc>
+                <a:spcPct val="100000"/>
+              </a:lnSpc>
+              <a:spcBef>
+                <a:spcPct val="0"/>
+              </a:spcBef>
+              <a:spcAft>
+                <a:spcPct val="0"/>
+              </a:spcAft>
+              <a:buNone/>
+            </a:pPr>
+            <a:r>
+              <a:rPr lang="en-US" altLang="en-US" sz="3200" b="1" dirty="0" smtClean="0">
+                <a:solidFill>
+                  <a:srgbClr val="000000"/>
+                </a:solidFill>
+                <a:latin typeface="Arial Unicode MS" panose="020B0604020202020204" pitchFamily="34" charset="-128"/>
+              </a:rPr>
+              <a:t>    </a:t>
+            </a:r>
+            <a:r>
+              <a:rPr lang="en-US" altLang="en-US" sz="3200" b="1" dirty="0" smtClean="0">
+                <a:solidFill>
+                  <a:srgbClr val="7F0055"/>
+                </a:solidFill>
+                <a:latin typeface="Arial Unicode MS" panose="020B0604020202020204" pitchFamily="34" charset="-128"/>
+              </a:rPr>
+              <a:t>echo</a:t>
+            </a:r>
+            <a:r>
+              <a:rPr lang="en-US" altLang="en-US" sz="3200" dirty="0" smtClean="0">
+                <a:solidFill>
+                  <a:srgbClr val="000000"/>
+                </a:solidFill>
+                <a:latin typeface="Arial Unicode MS" panose="020B0604020202020204" pitchFamily="34" charset="-128"/>
+              </a:rPr>
+              <a:t> </a:t>
+            </a:r>
+            <a:r>
+              <a:rPr lang="en-US" altLang="en-US" sz="3200" dirty="0">
+                <a:solidFill>
+                  <a:srgbClr val="000000"/>
+                </a:solidFill>
+                <a:latin typeface="Arial Unicode MS" panose="020B0604020202020204" pitchFamily="34" charset="-128"/>
+              </a:rPr>
+              <a:t>$num1 + $</a:t>
+            </a:r>
+            <a:r>
+              <a:rPr lang="en-US" altLang="en-US" sz="3200" dirty="0" smtClean="0">
+                <a:solidFill>
+                  <a:srgbClr val="000000"/>
+                </a:solidFill>
+                <a:latin typeface="Arial Unicode MS" panose="020B0604020202020204" pitchFamily="34" charset="-128"/>
+              </a:rPr>
+              <a:t>num2</a:t>
+            </a:r>
+            <a:endParaRPr lang="en-US" altLang="en-US" sz="3200" dirty="0">
+              <a:solidFill>
+                <a:srgbClr val="000000"/>
+              </a:solidFill>
+              <a:latin typeface="Arial Unicode MS" panose="020B0604020202020204" pitchFamily="34" charset="-128"/>
+            </a:endParaRPr>
+          </a:p>
+          <a:p>
+            <a:pPr marL="0" lvl="0" indent="0" eaLnBrk="0" fontAlgn="base" hangingPunct="0">
+              <a:lnSpc>
+                <a:spcPct val="100000"/>
+              </a:lnSpc>
+              <a:spcBef>
+                <a:spcPct val="0"/>
+              </a:spcBef>
+              <a:spcAft>
+                <a:spcPct val="0"/>
+              </a:spcAft>
+              <a:buNone/>
+            </a:pPr>
+            <a:endParaRPr lang="en-US" altLang="en-US" sz="3200" dirty="0" smtClean="0">
+              <a:solidFill>
+                <a:srgbClr val="000000"/>
+              </a:solidFill>
+              <a:latin typeface="Arial Unicode MS" panose="020B0604020202020204" pitchFamily="34" charset="-128"/>
+            </a:endParaRPr>
+          </a:p>
+          <a:p>
+            <a:pPr marL="0" lvl="0" indent="0" eaLnBrk="0" fontAlgn="base" hangingPunct="0">
+              <a:lnSpc>
+                <a:spcPct val="100000"/>
+              </a:lnSpc>
+              <a:spcBef>
+                <a:spcPct val="0"/>
+              </a:spcBef>
+              <a:spcAft>
+                <a:spcPct val="0"/>
+              </a:spcAft>
+              <a:buNone/>
+            </a:pPr>
+            <a:r>
+              <a:rPr lang="en-US" altLang="en-US" sz="3200" dirty="0" smtClean="0">
+                <a:solidFill>
+                  <a:srgbClr val="000000"/>
+                </a:solidFill>
+                <a:latin typeface="Arial Unicode MS" panose="020B0604020202020204" pitchFamily="34" charset="-128"/>
+              </a:rPr>
+              <a:t>}</a:t>
+            </a:r>
+          </a:p>
+          <a:p>
+            <a:pPr marL="0" lvl="0" indent="0" eaLnBrk="0" fontAlgn="base" hangingPunct="0">
+              <a:lnSpc>
+                <a:spcPct val="100000"/>
+              </a:lnSpc>
+              <a:spcBef>
+                <a:spcPct val="0"/>
+              </a:spcBef>
+              <a:spcAft>
+                <a:spcPct val="0"/>
+              </a:spcAft>
+              <a:buNone/>
+            </a:pPr>
+            <a:endParaRPr lang="en-US" altLang="en-US" sz="3200" dirty="0">
+              <a:solidFill>
+                <a:srgbClr val="000000"/>
+              </a:solidFill>
+              <a:latin typeface="Arial Unicode MS" panose="020B0604020202020204" pitchFamily="34" charset="-128"/>
+            </a:endParaRPr>
+          </a:p>
+          <a:p>
+            <a:pPr marL="0" lvl="0" indent="0" eaLnBrk="0" fontAlgn="base" hangingPunct="0">
+              <a:lnSpc>
+                <a:spcPct val="100000"/>
+              </a:lnSpc>
+              <a:spcBef>
+                <a:spcPct val="0"/>
+              </a:spcBef>
+              <a:spcAft>
+                <a:spcPct val="0"/>
+              </a:spcAft>
+              <a:buNone/>
+            </a:pPr>
+            <a:r>
+              <a:rPr lang="en-US" altLang="en-US" sz="3200" dirty="0" err="1" smtClean="0">
+                <a:solidFill>
+                  <a:srgbClr val="000000"/>
+                </a:solidFill>
+                <a:latin typeface="Arial Unicode MS" panose="020B0604020202020204" pitchFamily="34" charset="-128"/>
+              </a:rPr>
+              <a:t>addandecho</a:t>
+            </a:r>
+            <a:r>
+              <a:rPr lang="en-US" altLang="en-US" sz="3200" dirty="0" smtClean="0">
+                <a:solidFill>
+                  <a:srgbClr val="000000"/>
+                </a:solidFill>
+                <a:latin typeface="Arial Unicode MS" panose="020B0604020202020204" pitchFamily="34" charset="-128"/>
+              </a:rPr>
+              <a:t>(2</a:t>
+            </a:r>
+            <a:r>
+              <a:rPr lang="en-US" altLang="en-US" sz="3200" dirty="0">
+                <a:solidFill>
+                  <a:srgbClr val="000000"/>
+                </a:solidFill>
+                <a:latin typeface="Arial Unicode MS" panose="020B0604020202020204" pitchFamily="34" charset="-128"/>
+              </a:rPr>
+              <a:t>, 3</a:t>
+            </a:r>
+            <a:r>
+              <a:rPr lang="en-US" altLang="en-US" sz="3200" dirty="0" smtClean="0">
+                <a:solidFill>
+                  <a:srgbClr val="000000"/>
+                </a:solidFill>
+                <a:latin typeface="Arial Unicode MS" panose="020B0604020202020204" pitchFamily="34" charset="-128"/>
+              </a:rPr>
+              <a:t>);</a:t>
+            </a:r>
+          </a:p>
+          <a:p>
+            <a:pPr marL="0" lvl="0" indent="0" eaLnBrk="0" fontAlgn="base" hangingPunct="0">
+              <a:lnSpc>
+                <a:spcPct val="100000"/>
+              </a:lnSpc>
+              <a:spcBef>
+                <a:spcPct val="0"/>
+              </a:spcBef>
+              <a:spcAft>
+                <a:spcPct val="0"/>
+              </a:spcAft>
+              <a:buNone/>
+            </a:pPr>
+            <a:endParaRPr lang="en-US" altLang="en-US" sz="3200" dirty="0">
+              <a:solidFill>
+                <a:srgbClr val="000000"/>
+              </a:solidFill>
+              <a:latin typeface="Arial Unicode MS" panose="020B0604020202020204" pitchFamily="34" charset="-128"/>
+            </a:endParaRPr>
+          </a:p>
+          <a:p>
+            <a:pPr marL="0" lvl="0" indent="0" eaLnBrk="0" fontAlgn="base" hangingPunct="0">
+              <a:lnSpc>
+                <a:spcPct val="100000"/>
+              </a:lnSpc>
+              <a:spcBef>
+                <a:spcPct val="0"/>
+              </a:spcBef>
+              <a:spcAft>
+                <a:spcPct val="0"/>
+              </a:spcAft>
+              <a:buNone/>
+            </a:pPr>
+            <a:r>
+              <a:rPr lang="en-US" altLang="en-US" sz="3200" dirty="0" smtClean="0">
+                <a:solidFill>
+                  <a:srgbClr val="7F0055"/>
+                </a:solidFill>
+                <a:latin typeface="Arial Unicode MS" panose="020B0604020202020204" pitchFamily="34" charset="-128"/>
+              </a:rPr>
+              <a:t>?&gt;</a:t>
+            </a:r>
+            <a:r>
+              <a:rPr lang="en-US" altLang="en-US" sz="3200" dirty="0" smtClean="0">
+                <a:solidFill>
+                  <a:srgbClr val="000000"/>
+                </a:solidFill>
+                <a:latin typeface="Arial Unicode MS" panose="020B0604020202020204" pitchFamily="34" charset="-128"/>
+              </a:rPr>
+              <a:t> </a:t>
+            </a:r>
+            <a:endParaRPr lang="en-US" altLang="en-US" sz="6000" dirty="0">
+              <a:latin typeface="Arial" panose="020B0604020202020204" pitchFamily="34" charset="0"/>
+            </a:endParaRPr>
+          </a:p>
+        </p:txBody>
+      </p:sp>
+      <p:sp>
+        <p:nvSpPr>
+          <p:cNvPr id="3" name="Rectangle 2"/>
+          <p:cNvSpPr>
+            <a:spLocks noChangeArrowheads="1"/>
+          </p:cNvSpPr>
+          <p:nvPr/>
+        </p:nvSpPr>
+        <p:spPr bwMode="auto">
+          <a:xfrm>
+            <a:off x="0" y="43934"/>
+            <a:ext cx="184731" cy="369332"/>
+          </a:xfrm>
+          <a:prstGeom prst="rect">
+            <a:avLst/>
+          </a:prstGeom>
+          <a:solidFill>
+            <a:srgbClr val="FFFFFF"/>
+          </a:solidFill>
+          <a:ln>
+            <a:noFill/>
+          </a:ln>
+          <a:effectLst/>
+          <a:extLst>
+            <a:ext uri="{91240B29-F687-4F45-9708-019B960494DF}">
+              <a14:hiddenLine xmlns:a14="http://schemas.microsoft.com/office/drawing/2010/main" w="9525">
+                <a:solidFill>
+                  <a:schemeClr val="tx1"/>
+                </a:solidFill>
+                <a:miter lim="800000"/>
+                <a:headEnd/>
+                <a:tailEnd/>
+              </a14:hiddenLine>
+            </a:ext>
+            <a:ext uri="{AF507438-7753-43E0-B8FC-AC1667EBCBE1}">
+              <a14:hiddenEffects xmlns:a14="http://schemas.microsoft.com/office/drawing/2010/main">
+                <a:effectLst>
+                  <a:outerShdw dist="35921" dir="2700000" algn="ctr" rotWithShape="0">
+                    <a:schemeClr val="bg2"/>
+                  </a:outerShdw>
+                </a:effectLst>
+              </a14:hiddenEffects>
+            </a:ext>
+          </a:extLst>
+        </p:spPr>
+        <p:txBody>
+          <a:bodyPr vert="horz" wrap="none" lIns="91440" tIns="45720" rIns="91440" bIns="45720" numCol="1" anchor="ctr" anchorCtr="0" compatLnSpc="1">
+            <a:prstTxWarp prst="textNoShape">
+              <a:avLst/>
+            </a:prstTxWarp>
+            <a:spAutoFit/>
+          </a:bodyPr>
+          <a:lstStyle/>
+          <a:p>
+            <a:pPr marL="0" marR="0" lvl="0" indent="0" algn="l" defTabSz="914400" rtl="0" eaLnBrk="0" fontAlgn="base" latinLnBrk="0" hangingPunct="0">
+              <a:lnSpc>
+                <a:spcPct val="100000"/>
+              </a:lnSpc>
+              <a:spcBef>
+                <a:spcPct val="0"/>
+              </a:spcBef>
+              <a:spcAft>
+                <a:spcPct val="0"/>
+              </a:spcAft>
+              <a:buClrTx/>
+              <a:buSzTx/>
+              <a:buFontTx/>
+              <a:buNone/>
+              <a:tabLst/>
+            </a:pPr>
+            <a:endParaRPr kumimoji="0" lang="en-US" altLang="en-US" sz="1800" b="0" i="0" u="none" strike="noStrike" cap="none" normalizeH="0" baseline="0" dirty="0" smtClean="0">
+              <a:ln>
+                <a:noFill/>
+              </a:ln>
+              <a:solidFill>
+                <a:schemeClr val="tx1"/>
+              </a:solidFill>
+              <a:effectLst/>
+              <a:latin typeface="Arial" panose="020B0604020202020204" pitchFamily="34" charset="0"/>
+            </a:endParaRPr>
+          </a:p>
+        </p:txBody>
+      </p:sp>
+    </p:spTree>
+    <p:extLst>
+      <p:ext uri="{BB962C8B-B14F-4D97-AF65-F5344CB8AC3E}">
+        <p14:creationId xmlns:p14="http://schemas.microsoft.com/office/powerpoint/2010/main" val="276876464"/>
+      </p:ext>
+    </p:extLst>
+  </p:cSld>
+  <p:clrMapOvr>
+    <a:masterClrMapping/>
+  </p:clrMapOvr>
+  <p:timing>
+    <p:tnLst>
+      <p:par>
+        <p:cTn id="1" dur="indefinite" restart="never" nodeType="tmRoot"/>
+      </p:par>
+    </p:tnLst>
+  </p:timing>
+</p:sld>
+</file>
+
+<file path=ppt/slides/slide61.xml><?xml version="1.0" encoding="utf-8"?>
+<p:sld xmlns:a="http://schemas.openxmlformats.org/drawingml/2006/main" xmlns:r="http://schemas.openxmlformats.org/officeDocument/2006/relationships" xmlns:p="http://schemas.openxmlformats.org/presentationml/2006/main">
+  <p:cSld>
+    <p:spTree>
+      <p:nvGrpSpPr>
+        <p:cNvPr id="1" name=""/>
+        <p:cNvGrpSpPr/>
+        <p:nvPr/>
+      </p:nvGrpSpPr>
+      <p:grpSpPr>
+        <a:xfrm>
+          <a:off x="0" y="0"/>
+          <a:ext cx="0" cy="0"/>
+          <a:chOff x="0" y="0"/>
+          <a:chExt cx="0" cy="0"/>
+        </a:xfrm>
+      </p:grpSpPr>
+      <p:sp>
+        <p:nvSpPr>
+          <p:cNvPr id="7" name="Title 6"/>
+          <p:cNvSpPr>
+            <a:spLocks noGrp="1"/>
+          </p:cNvSpPr>
+          <p:nvPr>
+            <p:ph type="title"/>
+          </p:nvPr>
+        </p:nvSpPr>
+        <p:spPr/>
+        <p:txBody>
+          <a:bodyPr/>
+          <a:lstStyle/>
+          <a:p>
+            <a:r>
+              <a:rPr lang="en-US" dirty="0" smtClean="0"/>
+              <a:t>Return Values</a:t>
+            </a:r>
+            <a:endParaRPr lang="en-US" dirty="0"/>
+          </a:p>
+        </p:txBody>
+      </p:sp>
+      <p:sp>
+        <p:nvSpPr>
+          <p:cNvPr id="8" name="Content Placeholder 7"/>
+          <p:cNvSpPr>
+            <a:spLocks noGrp="1"/>
+          </p:cNvSpPr>
+          <p:nvPr>
+            <p:ph idx="1"/>
+          </p:nvPr>
+        </p:nvSpPr>
+        <p:spPr/>
+        <p:txBody>
+          <a:bodyPr/>
+          <a:lstStyle/>
+          <a:p>
+            <a:r>
+              <a:rPr lang="en-US" dirty="0" smtClean="0"/>
+              <a:t>A value can be returned with the return keyword</a:t>
+            </a:r>
+          </a:p>
+          <a:p>
+            <a:r>
+              <a:rPr lang="en-US" dirty="0" smtClean="0"/>
+              <a:t>Any data type can be returned</a:t>
+            </a:r>
+          </a:p>
+          <a:p>
+            <a:r>
+              <a:rPr lang="en-US" dirty="0" smtClean="0"/>
+              <a:t>Function stops at return, nothing after it gets run</a:t>
+            </a:r>
+            <a:endParaRPr lang="en-US" dirty="0"/>
+          </a:p>
+        </p:txBody>
+      </p:sp>
+    </p:spTree>
+    <p:extLst>
+      <p:ext uri="{BB962C8B-B14F-4D97-AF65-F5344CB8AC3E}">
+        <p14:creationId xmlns:p14="http://schemas.microsoft.com/office/powerpoint/2010/main" val="613190004"/>
+      </p:ext>
+    </p:extLst>
+  </p:cSld>
+  <p:clrMapOvr>
+    <a:masterClrMapping/>
+  </p:clrMapOvr>
+</p:sld>
+</file>
+
+<file path=ppt/slides/slide62.xml><?xml version="1.0" encoding="utf-8"?>
+<p:sld xmlns:a="http://schemas.openxmlformats.org/drawingml/2006/main" xmlns:r="http://schemas.openxmlformats.org/officeDocument/2006/relationships" xmlns:p="http://schemas.openxmlformats.org/presentationml/2006/main">
+  <p:cSld>
+    <p:spTree>
+      <p:nvGrpSpPr>
+        <p:cNvPr id="1" name=""/>
+        <p:cNvGrpSpPr/>
+        <p:nvPr/>
+      </p:nvGrpSpPr>
+      <p:grpSpPr>
+        <a:xfrm>
+          <a:off x="0" y="0"/>
+          <a:ext cx="0" cy="0"/>
+          <a:chOff x="0" y="0"/>
+          <a:chExt cx="0" cy="0"/>
+        </a:xfrm>
+      </p:grpSpPr>
+      <p:sp>
+        <p:nvSpPr>
+          <p:cNvPr id="6" name="Rectangle 2"/>
+          <p:cNvSpPr>
+            <a:spLocks noGrp="1" noChangeArrowheads="1"/>
+          </p:cNvSpPr>
+          <p:nvPr>
+            <p:ph idx="1"/>
+          </p:nvPr>
+        </p:nvSpPr>
+        <p:spPr bwMode="auto">
+          <a:xfrm>
+            <a:off x="617220" y="821000"/>
+            <a:ext cx="10957560" cy="5139869"/>
+          </a:xfrm>
+          <a:prstGeom prst="rect">
+            <a:avLst/>
+          </a:prstGeom>
+          <a:solidFill>
+            <a:schemeClr val="bg2"/>
+          </a:solidFill>
+          <a:ln>
+            <a:solidFill>
+              <a:schemeClr val="tx1"/>
+            </a:solidFill>
+          </a:ln>
+          <a:effectLst/>
+        </p:spPr>
+        <p:txBody>
+          <a:bodyPr vert="horz" wrap="square" lIns="91440" tIns="45720" rIns="91440" bIns="45720" numCol="1" anchor="ctr" anchorCtr="0" compatLnSpc="1">
+            <a:prstTxWarp prst="textNoShape">
+              <a:avLst/>
+            </a:prstTxWarp>
+            <a:spAutoFit/>
+          </a:bodyPr>
+          <a:lstStyle/>
+          <a:p>
+            <a:pPr marL="0" lvl="0" indent="0" eaLnBrk="0" fontAlgn="base" hangingPunct="0">
+              <a:lnSpc>
+                <a:spcPct val="100000"/>
+              </a:lnSpc>
+              <a:spcBef>
+                <a:spcPct val="0"/>
+              </a:spcBef>
+              <a:spcAft>
+                <a:spcPct val="0"/>
+              </a:spcAft>
+              <a:buNone/>
+            </a:pPr>
+            <a:r>
+              <a:rPr lang="en-US" altLang="en-US" sz="3200" dirty="0">
+                <a:solidFill>
+                  <a:srgbClr val="7F0055"/>
+                </a:solidFill>
+                <a:latin typeface="Arial Unicode MS" panose="020B0604020202020204" pitchFamily="34" charset="-128"/>
+              </a:rPr>
+              <a:t>&lt;?</a:t>
+            </a:r>
+            <a:r>
+              <a:rPr lang="en-US" altLang="en-US" sz="3200" dirty="0" err="1" smtClean="0">
+                <a:solidFill>
+                  <a:srgbClr val="7F0055"/>
+                </a:solidFill>
+                <a:latin typeface="Arial Unicode MS" panose="020B0604020202020204" pitchFamily="34" charset="-128"/>
+              </a:rPr>
+              <a:t>php</a:t>
+            </a:r>
+            <a:endParaRPr lang="en-US" altLang="en-US" sz="3200" dirty="0" smtClean="0">
+              <a:solidFill>
+                <a:srgbClr val="000000"/>
+              </a:solidFill>
+              <a:latin typeface="Arial Unicode MS" panose="020B0604020202020204" pitchFamily="34" charset="-128"/>
+            </a:endParaRPr>
+          </a:p>
+          <a:p>
+            <a:pPr marL="0" lvl="0" indent="0" eaLnBrk="0" fontAlgn="base" hangingPunct="0">
+              <a:lnSpc>
+                <a:spcPct val="100000"/>
+              </a:lnSpc>
+              <a:spcBef>
+                <a:spcPct val="0"/>
+              </a:spcBef>
+              <a:spcAft>
+                <a:spcPct val="0"/>
+              </a:spcAft>
+              <a:buNone/>
+            </a:pPr>
+            <a:endParaRPr lang="en-US" altLang="en-US" sz="3200" b="1" dirty="0">
+              <a:solidFill>
+                <a:srgbClr val="000000"/>
+              </a:solidFill>
+              <a:latin typeface="Arial Unicode MS" panose="020B0604020202020204" pitchFamily="34" charset="-128"/>
+            </a:endParaRPr>
+          </a:p>
+          <a:p>
+            <a:pPr marL="0" lvl="0" indent="0" eaLnBrk="0" fontAlgn="base" hangingPunct="0">
+              <a:lnSpc>
+                <a:spcPct val="100000"/>
+              </a:lnSpc>
+              <a:spcBef>
+                <a:spcPct val="0"/>
+              </a:spcBef>
+              <a:spcAft>
+                <a:spcPct val="0"/>
+              </a:spcAft>
+              <a:buNone/>
+            </a:pPr>
+            <a:r>
+              <a:rPr lang="en-US" altLang="en-US" sz="3200" b="1" dirty="0" smtClean="0">
+                <a:solidFill>
+                  <a:srgbClr val="7F0055"/>
+                </a:solidFill>
+                <a:latin typeface="Arial Unicode MS" panose="020B0604020202020204" pitchFamily="34" charset="-128"/>
+              </a:rPr>
+              <a:t>function</a:t>
+            </a:r>
+            <a:r>
+              <a:rPr lang="en-US" altLang="en-US" sz="3200" dirty="0" smtClean="0">
+                <a:solidFill>
+                  <a:srgbClr val="000000"/>
+                </a:solidFill>
+                <a:latin typeface="Arial Unicode MS" panose="020B0604020202020204" pitchFamily="34" charset="-128"/>
+              </a:rPr>
+              <a:t> </a:t>
+            </a:r>
+            <a:r>
+              <a:rPr lang="en-US" altLang="en-US" sz="3200" dirty="0" err="1">
+                <a:solidFill>
+                  <a:srgbClr val="000000"/>
+                </a:solidFill>
+                <a:latin typeface="Arial Unicode MS" panose="020B0604020202020204" pitchFamily="34" charset="-128"/>
+              </a:rPr>
+              <a:t>addandreturn</a:t>
+            </a:r>
+            <a:r>
+              <a:rPr lang="en-US" altLang="en-US" sz="3200" dirty="0">
+                <a:solidFill>
+                  <a:srgbClr val="000000"/>
+                </a:solidFill>
+                <a:latin typeface="Arial Unicode MS" panose="020B0604020202020204" pitchFamily="34" charset="-128"/>
+              </a:rPr>
+              <a:t>($num1, $num2) </a:t>
+            </a:r>
+            <a:r>
+              <a:rPr lang="en-US" altLang="en-US" sz="3200" dirty="0" smtClean="0">
+                <a:solidFill>
+                  <a:srgbClr val="000000"/>
+                </a:solidFill>
+                <a:latin typeface="Arial Unicode MS" panose="020B0604020202020204" pitchFamily="34" charset="-128"/>
+              </a:rPr>
+              <a:t>{</a:t>
+            </a:r>
+          </a:p>
+          <a:p>
+            <a:pPr marL="0" lvl="0" indent="0" eaLnBrk="0" fontAlgn="base" hangingPunct="0">
+              <a:lnSpc>
+                <a:spcPct val="100000"/>
+              </a:lnSpc>
+              <a:spcBef>
+                <a:spcPct val="0"/>
+              </a:spcBef>
+              <a:spcAft>
+                <a:spcPct val="0"/>
+              </a:spcAft>
+              <a:buNone/>
+            </a:pPr>
+            <a:r>
+              <a:rPr lang="en-US" altLang="en-US" sz="3200" b="1" dirty="0">
+                <a:solidFill>
+                  <a:srgbClr val="000000"/>
+                </a:solidFill>
+                <a:latin typeface="Arial Unicode MS" panose="020B0604020202020204" pitchFamily="34" charset="-128"/>
+              </a:rPr>
+              <a:t> </a:t>
+            </a:r>
+            <a:r>
+              <a:rPr lang="en-US" altLang="en-US" sz="3200" b="1" dirty="0" smtClean="0">
+                <a:solidFill>
+                  <a:srgbClr val="000000"/>
+                </a:solidFill>
+                <a:latin typeface="Arial Unicode MS" panose="020B0604020202020204" pitchFamily="34" charset="-128"/>
+              </a:rPr>
+              <a:t>   </a:t>
+            </a:r>
+            <a:r>
+              <a:rPr lang="en-US" altLang="en-US" sz="3200" b="1" dirty="0" smtClean="0">
+                <a:solidFill>
+                  <a:srgbClr val="7F0055"/>
+                </a:solidFill>
+                <a:latin typeface="Arial Unicode MS" panose="020B0604020202020204" pitchFamily="34" charset="-128"/>
+              </a:rPr>
+              <a:t>return</a:t>
+            </a:r>
+            <a:r>
+              <a:rPr lang="en-US" altLang="en-US" sz="3200" dirty="0" smtClean="0">
+                <a:solidFill>
+                  <a:srgbClr val="000000"/>
+                </a:solidFill>
+                <a:latin typeface="Arial Unicode MS" panose="020B0604020202020204" pitchFamily="34" charset="-128"/>
+              </a:rPr>
+              <a:t> </a:t>
+            </a:r>
+            <a:r>
+              <a:rPr lang="en-US" altLang="en-US" sz="3200" dirty="0">
+                <a:solidFill>
+                  <a:srgbClr val="000000"/>
+                </a:solidFill>
+                <a:latin typeface="Arial Unicode MS" panose="020B0604020202020204" pitchFamily="34" charset="-128"/>
+              </a:rPr>
+              <a:t>$num1 + $num2</a:t>
+            </a:r>
+            <a:r>
+              <a:rPr lang="en-US" altLang="en-US" sz="3200" dirty="0" smtClean="0">
+                <a:solidFill>
+                  <a:srgbClr val="000000"/>
+                </a:solidFill>
+                <a:latin typeface="Arial Unicode MS" panose="020B0604020202020204" pitchFamily="34" charset="-128"/>
+              </a:rPr>
+              <a:t>;</a:t>
+            </a:r>
+          </a:p>
+          <a:p>
+            <a:pPr marL="0" lvl="0" indent="0" eaLnBrk="0" fontAlgn="base" hangingPunct="0">
+              <a:lnSpc>
+                <a:spcPct val="100000"/>
+              </a:lnSpc>
+              <a:spcBef>
+                <a:spcPct val="0"/>
+              </a:spcBef>
+              <a:spcAft>
+                <a:spcPct val="0"/>
+              </a:spcAft>
+              <a:buNone/>
+            </a:pPr>
+            <a:r>
+              <a:rPr lang="en-US" altLang="en-US" sz="3200" b="1" dirty="0">
+                <a:solidFill>
+                  <a:srgbClr val="000000"/>
+                </a:solidFill>
+                <a:latin typeface="Arial Unicode MS" panose="020B0604020202020204" pitchFamily="34" charset="-128"/>
+              </a:rPr>
+              <a:t> </a:t>
+            </a:r>
+            <a:r>
+              <a:rPr lang="en-US" altLang="en-US" sz="3200" b="1" dirty="0" smtClean="0">
+                <a:solidFill>
+                  <a:srgbClr val="000000"/>
+                </a:solidFill>
+                <a:latin typeface="Arial Unicode MS" panose="020B0604020202020204" pitchFamily="34" charset="-128"/>
+              </a:rPr>
+              <a:t>   </a:t>
+            </a:r>
+            <a:r>
+              <a:rPr lang="en-US" altLang="en-US" sz="3200" b="1" dirty="0" smtClean="0">
+                <a:solidFill>
+                  <a:srgbClr val="7F0055"/>
+                </a:solidFill>
+                <a:latin typeface="Arial Unicode MS" panose="020B0604020202020204" pitchFamily="34" charset="-128"/>
+              </a:rPr>
+              <a:t>echo</a:t>
+            </a:r>
+            <a:r>
+              <a:rPr lang="en-US" altLang="en-US" sz="3200" dirty="0" smtClean="0">
+                <a:solidFill>
+                  <a:srgbClr val="000000"/>
+                </a:solidFill>
+                <a:latin typeface="Arial Unicode MS" panose="020B0604020202020204" pitchFamily="34" charset="-128"/>
+              </a:rPr>
+              <a:t> </a:t>
+            </a:r>
+            <a:r>
+              <a:rPr lang="en-US" altLang="en-US" sz="3200" dirty="0">
+                <a:solidFill>
+                  <a:srgbClr val="2A00FF"/>
+                </a:solidFill>
+                <a:latin typeface="Arial Unicode MS" panose="020B0604020202020204" pitchFamily="34" charset="-128"/>
+              </a:rPr>
+              <a:t>'I never get run</a:t>
+            </a:r>
+            <a:r>
+              <a:rPr lang="en-US" altLang="en-US" sz="3200" dirty="0" smtClean="0">
+                <a:solidFill>
+                  <a:srgbClr val="2A00FF"/>
+                </a:solidFill>
+                <a:latin typeface="Arial Unicode MS" panose="020B0604020202020204" pitchFamily="34" charset="-128"/>
+              </a:rPr>
+              <a:t>!'</a:t>
+            </a:r>
+            <a:r>
+              <a:rPr lang="en-US" altLang="en-US" sz="3200" dirty="0" smtClean="0">
+                <a:solidFill>
+                  <a:srgbClr val="000000"/>
+                </a:solidFill>
+                <a:latin typeface="Arial Unicode MS" panose="020B0604020202020204" pitchFamily="34" charset="-128"/>
+              </a:rPr>
+              <a:t>;</a:t>
+            </a:r>
+          </a:p>
+          <a:p>
+            <a:pPr marL="0" lvl="0" indent="0" eaLnBrk="0" fontAlgn="base" hangingPunct="0">
+              <a:lnSpc>
+                <a:spcPct val="100000"/>
+              </a:lnSpc>
+              <a:spcBef>
+                <a:spcPct val="0"/>
+              </a:spcBef>
+              <a:spcAft>
+                <a:spcPct val="0"/>
+              </a:spcAft>
+              <a:buNone/>
+            </a:pPr>
+            <a:r>
+              <a:rPr lang="en-US" altLang="en-US" sz="3200" dirty="0" smtClean="0">
+                <a:solidFill>
+                  <a:srgbClr val="000000"/>
+                </a:solidFill>
+                <a:latin typeface="Arial Unicode MS" panose="020B0604020202020204" pitchFamily="34" charset="-128"/>
+              </a:rPr>
+              <a:t>}</a:t>
+            </a:r>
+          </a:p>
+          <a:p>
+            <a:pPr marL="0" lvl="0" indent="0" eaLnBrk="0" fontAlgn="base" hangingPunct="0">
+              <a:lnSpc>
+                <a:spcPct val="100000"/>
+              </a:lnSpc>
+              <a:spcBef>
+                <a:spcPct val="0"/>
+              </a:spcBef>
+              <a:spcAft>
+                <a:spcPct val="0"/>
+              </a:spcAft>
+              <a:buNone/>
+            </a:pPr>
+            <a:endParaRPr lang="en-US" altLang="en-US" sz="3200" b="1" dirty="0">
+              <a:solidFill>
+                <a:srgbClr val="000000"/>
+              </a:solidFill>
+              <a:latin typeface="Arial Unicode MS" panose="020B0604020202020204" pitchFamily="34" charset="-128"/>
+            </a:endParaRPr>
+          </a:p>
+          <a:p>
+            <a:pPr marL="0" lvl="0" indent="0" eaLnBrk="0" fontAlgn="base" hangingPunct="0">
+              <a:lnSpc>
+                <a:spcPct val="100000"/>
+              </a:lnSpc>
+              <a:spcBef>
+                <a:spcPct val="0"/>
+              </a:spcBef>
+              <a:spcAft>
+                <a:spcPct val="0"/>
+              </a:spcAft>
+              <a:buNone/>
+            </a:pPr>
+            <a:r>
+              <a:rPr lang="en-US" altLang="en-US" sz="3200" b="1" dirty="0" smtClean="0">
+                <a:solidFill>
+                  <a:srgbClr val="7F0055"/>
+                </a:solidFill>
+                <a:latin typeface="Arial Unicode MS" panose="020B0604020202020204" pitchFamily="34" charset="-128"/>
+              </a:rPr>
+              <a:t>echo</a:t>
+            </a:r>
+            <a:r>
+              <a:rPr lang="en-US" altLang="en-US" sz="3200" dirty="0" smtClean="0">
+                <a:solidFill>
+                  <a:srgbClr val="000000"/>
+                </a:solidFill>
+                <a:latin typeface="Arial Unicode MS" panose="020B0604020202020204" pitchFamily="34" charset="-128"/>
+              </a:rPr>
+              <a:t> </a:t>
+            </a:r>
+            <a:r>
+              <a:rPr lang="en-US" altLang="en-US" sz="3200" dirty="0" err="1">
+                <a:solidFill>
+                  <a:srgbClr val="000000"/>
+                </a:solidFill>
+                <a:latin typeface="Arial Unicode MS" panose="020B0604020202020204" pitchFamily="34" charset="-128"/>
+              </a:rPr>
+              <a:t>addandreturn</a:t>
+            </a:r>
+            <a:r>
+              <a:rPr lang="en-US" altLang="en-US" sz="3200" dirty="0">
+                <a:solidFill>
+                  <a:srgbClr val="000000"/>
+                </a:solidFill>
+                <a:latin typeface="Arial Unicode MS" panose="020B0604020202020204" pitchFamily="34" charset="-128"/>
+              </a:rPr>
+              <a:t>(2, 3</a:t>
+            </a:r>
+            <a:r>
+              <a:rPr lang="en-US" altLang="en-US" sz="3200" dirty="0" smtClean="0">
+                <a:solidFill>
+                  <a:srgbClr val="000000"/>
+                </a:solidFill>
+                <a:latin typeface="Arial Unicode MS" panose="020B0604020202020204" pitchFamily="34" charset="-128"/>
+              </a:rPr>
+              <a:t>);</a:t>
+            </a:r>
+          </a:p>
+          <a:p>
+            <a:pPr marL="0" lvl="0" indent="0" eaLnBrk="0" fontAlgn="base" hangingPunct="0">
+              <a:lnSpc>
+                <a:spcPct val="100000"/>
+              </a:lnSpc>
+              <a:spcBef>
+                <a:spcPct val="0"/>
+              </a:spcBef>
+              <a:spcAft>
+                <a:spcPct val="0"/>
+              </a:spcAft>
+              <a:buNone/>
+            </a:pPr>
+            <a:endParaRPr lang="en-US" altLang="en-US" sz="3200" dirty="0">
+              <a:solidFill>
+                <a:srgbClr val="000000"/>
+              </a:solidFill>
+              <a:latin typeface="Arial Unicode MS" panose="020B0604020202020204" pitchFamily="34" charset="-128"/>
+            </a:endParaRPr>
+          </a:p>
+          <a:p>
+            <a:pPr marL="0" lvl="0" indent="0" eaLnBrk="0" fontAlgn="base" hangingPunct="0">
+              <a:lnSpc>
+                <a:spcPct val="100000"/>
+              </a:lnSpc>
+              <a:spcBef>
+                <a:spcPct val="0"/>
+              </a:spcBef>
+              <a:spcAft>
+                <a:spcPct val="0"/>
+              </a:spcAft>
+              <a:buNone/>
+            </a:pPr>
+            <a:r>
+              <a:rPr lang="en-US" altLang="en-US" sz="3200" dirty="0" smtClean="0">
+                <a:solidFill>
+                  <a:srgbClr val="7F0055"/>
+                </a:solidFill>
+                <a:latin typeface="Arial Unicode MS" panose="020B0604020202020204" pitchFamily="34" charset="-128"/>
+              </a:rPr>
+              <a:t>?&gt;</a:t>
+            </a:r>
+            <a:r>
+              <a:rPr lang="en-US" altLang="en-US" sz="4000" dirty="0" smtClean="0"/>
+              <a:t> </a:t>
+            </a:r>
+            <a:endParaRPr lang="en-US" altLang="en-US" sz="6000" dirty="0">
+              <a:latin typeface="Arial" panose="020B0604020202020204" pitchFamily="34" charset="0"/>
+            </a:endParaRPr>
+          </a:p>
+        </p:txBody>
+      </p:sp>
+      <p:sp>
+        <p:nvSpPr>
+          <p:cNvPr id="3" name="Rectangle 2"/>
+          <p:cNvSpPr>
+            <a:spLocks noChangeArrowheads="1"/>
+          </p:cNvSpPr>
+          <p:nvPr/>
+        </p:nvSpPr>
+        <p:spPr bwMode="auto">
+          <a:xfrm>
+            <a:off x="0" y="43934"/>
+            <a:ext cx="184731" cy="369332"/>
+          </a:xfrm>
+          <a:prstGeom prst="rect">
+            <a:avLst/>
+          </a:prstGeom>
+          <a:solidFill>
+            <a:srgbClr val="FFFFFF"/>
+          </a:solidFill>
+          <a:ln>
+            <a:noFill/>
+          </a:ln>
+          <a:effectLst/>
+          <a:extLst>
+            <a:ext uri="{91240B29-F687-4F45-9708-019B960494DF}">
+              <a14:hiddenLine xmlns:a14="http://schemas.microsoft.com/office/drawing/2010/main" w="9525">
+                <a:solidFill>
+                  <a:schemeClr val="tx1"/>
+                </a:solidFill>
+                <a:miter lim="800000"/>
+                <a:headEnd/>
+                <a:tailEnd/>
+              </a14:hiddenLine>
+            </a:ext>
+            <a:ext uri="{AF507438-7753-43E0-B8FC-AC1667EBCBE1}">
+              <a14:hiddenEffects xmlns:a14="http://schemas.microsoft.com/office/drawing/2010/main">
+                <a:effectLst>
+                  <a:outerShdw dist="35921" dir="2700000" algn="ctr" rotWithShape="0">
+                    <a:schemeClr val="bg2"/>
+                  </a:outerShdw>
+                </a:effectLst>
+              </a14:hiddenEffects>
+            </a:ext>
+          </a:extLst>
+        </p:spPr>
+        <p:txBody>
+          <a:bodyPr vert="horz" wrap="none" lIns="91440" tIns="45720" rIns="91440" bIns="45720" numCol="1" anchor="ctr" anchorCtr="0" compatLnSpc="1">
+            <a:prstTxWarp prst="textNoShape">
+              <a:avLst/>
+            </a:prstTxWarp>
+            <a:spAutoFit/>
+          </a:bodyPr>
+          <a:lstStyle/>
+          <a:p>
+            <a:pPr marL="0" marR="0" lvl="0" indent="0" algn="l" defTabSz="914400" rtl="0" eaLnBrk="0" fontAlgn="base" latinLnBrk="0" hangingPunct="0">
+              <a:lnSpc>
+                <a:spcPct val="100000"/>
+              </a:lnSpc>
+              <a:spcBef>
+                <a:spcPct val="0"/>
+              </a:spcBef>
+              <a:spcAft>
+                <a:spcPct val="0"/>
+              </a:spcAft>
+              <a:buClrTx/>
+              <a:buSzTx/>
+              <a:buFontTx/>
+              <a:buNone/>
+              <a:tabLst/>
+            </a:pPr>
+            <a:endParaRPr kumimoji="0" lang="en-US" altLang="en-US" sz="1800" b="0" i="0" u="none" strike="noStrike" cap="none" normalizeH="0" baseline="0" dirty="0" smtClean="0">
+              <a:ln>
+                <a:noFill/>
+              </a:ln>
+              <a:solidFill>
+                <a:schemeClr val="tx1"/>
+              </a:solidFill>
+              <a:effectLst/>
+              <a:latin typeface="Arial" panose="020B0604020202020204" pitchFamily="34" charset="0"/>
+            </a:endParaRPr>
+          </a:p>
+        </p:txBody>
+      </p:sp>
+    </p:spTree>
+    <p:extLst>
+      <p:ext uri="{BB962C8B-B14F-4D97-AF65-F5344CB8AC3E}">
+        <p14:creationId xmlns:p14="http://schemas.microsoft.com/office/powerpoint/2010/main" val="3428182438"/>
+      </p:ext>
+    </p:extLst>
+  </p:cSld>
+  <p:clrMapOvr>
+    <a:masterClrMapping/>
+  </p:clrMapOvr>
+  <p:timing>
+    <p:tnLst>
+      <p:par>
+        <p:cTn id="1" dur="indefinite" restart="never" nodeType="tmRoot"/>
+      </p:par>
+    </p:tnLst>
+  </p:timing>
+</p:sld>
+</file>
+
+<file path=ppt/slides/slide63.xml><?xml version="1.0" encoding="utf-8"?>
+<p:sld xmlns:a="http://schemas.openxmlformats.org/drawingml/2006/main" xmlns:r="http://schemas.openxmlformats.org/officeDocument/2006/relationships" xmlns:p="http://schemas.openxmlformats.org/presentationml/2006/main">
+  <p:cSld>
+    <p:spTree>
+      <p:nvGrpSpPr>
+        <p:cNvPr id="1" name=""/>
+        <p:cNvGrpSpPr/>
+        <p:nvPr/>
+      </p:nvGrpSpPr>
+      <p:grpSpPr>
+        <a:xfrm>
+          <a:off x="0" y="0"/>
+          <a:ext cx="0" cy="0"/>
+          <a:chOff x="0" y="0"/>
+          <a:chExt cx="0" cy="0"/>
+        </a:xfrm>
+      </p:grpSpPr>
+      <p:sp>
+        <p:nvSpPr>
+          <p:cNvPr id="7" name="Title 6"/>
+          <p:cNvSpPr>
+            <a:spLocks noGrp="1"/>
+          </p:cNvSpPr>
+          <p:nvPr>
+            <p:ph type="title"/>
+          </p:nvPr>
+        </p:nvSpPr>
+        <p:spPr/>
+        <p:txBody>
+          <a:bodyPr/>
+          <a:lstStyle/>
+          <a:p>
+            <a:r>
+              <a:rPr lang="en-US" dirty="0" smtClean="0"/>
+              <a:t>The Standard Library</a:t>
+            </a:r>
+            <a:endParaRPr lang="en-US" dirty="0"/>
+          </a:p>
+        </p:txBody>
+      </p:sp>
+      <p:sp>
+        <p:nvSpPr>
+          <p:cNvPr id="8" name="Content Placeholder 7"/>
+          <p:cNvSpPr>
+            <a:spLocks noGrp="1"/>
+          </p:cNvSpPr>
+          <p:nvPr>
+            <p:ph idx="1"/>
+          </p:nvPr>
+        </p:nvSpPr>
+        <p:spPr/>
+        <p:txBody>
+          <a:bodyPr/>
+          <a:lstStyle/>
+          <a:p>
+            <a:r>
+              <a:rPr lang="en-US" dirty="0" smtClean="0"/>
+              <a:t>All the functions built in to PHP are part of the standard library</a:t>
+            </a:r>
+          </a:p>
+          <a:p>
+            <a:r>
+              <a:rPr lang="en-US" dirty="0" smtClean="0"/>
+              <a:t>Information about all the functions in the standard library can be found at php.net/manual</a:t>
+            </a:r>
+            <a:endParaRPr lang="en-US" dirty="0"/>
+          </a:p>
+        </p:txBody>
+      </p:sp>
+    </p:spTree>
+    <p:extLst>
+      <p:ext uri="{BB962C8B-B14F-4D97-AF65-F5344CB8AC3E}">
+        <p14:creationId xmlns:p14="http://schemas.microsoft.com/office/powerpoint/2010/main" val="1064143959"/>
+      </p:ext>
+    </p:extLst>
+  </p:cSld>
+  <p:clrMapOvr>
+    <a:masterClrMapping/>
+  </p:clrMapOvr>
+  <p:timing>
+    <p:tnLst>
+      <p:par>
+        <p:cTn id="1" dur="indefinite" restart="never" nodeType="tmRoot"/>
+      </p:par>
+    </p:tnLst>
+  </p:timing>
+</p:sld>
+</file>
+
+<file path=ppt/slides/slide64.xml><?xml version="1.0" encoding="utf-8"?>
+<p:sld xmlns:a="http://schemas.openxmlformats.org/drawingml/2006/main" xmlns:r="http://schemas.openxmlformats.org/officeDocument/2006/relationships" xmlns:p="http://schemas.openxmlformats.org/presentationml/2006/main">
+  <p:cSld>
+    <p:spTree>
+      <p:nvGrpSpPr>
+        <p:cNvPr id="1" name=""/>
+        <p:cNvGrpSpPr/>
+        <p:nvPr/>
+      </p:nvGrpSpPr>
+      <p:grpSpPr>
+        <a:xfrm>
+          <a:off x="0" y="0"/>
+          <a:ext cx="0" cy="0"/>
+          <a:chOff x="0" y="0"/>
+          <a:chExt cx="0" cy="0"/>
+        </a:xfrm>
+      </p:grpSpPr>
+      <p:sp>
+        <p:nvSpPr>
+          <p:cNvPr id="4" name="Title 3"/>
+          <p:cNvSpPr>
+            <a:spLocks noGrp="1"/>
+          </p:cNvSpPr>
+          <p:nvPr>
+            <p:ph type="title"/>
+          </p:nvPr>
+        </p:nvSpPr>
+        <p:spPr/>
+        <p:txBody>
+          <a:bodyPr/>
+          <a:lstStyle/>
+          <a:p>
+            <a:r>
+              <a:rPr lang="en-US" dirty="0" smtClean="0"/>
+              <a:t>Files</a:t>
+            </a:r>
+            <a:endParaRPr lang="en-US" dirty="0"/>
+          </a:p>
+        </p:txBody>
+      </p:sp>
+      <p:sp>
+        <p:nvSpPr>
+          <p:cNvPr id="5" name="Text Placeholder 4"/>
+          <p:cNvSpPr>
+            <a:spLocks noGrp="1"/>
+          </p:cNvSpPr>
+          <p:nvPr>
+            <p:ph type="body" idx="1"/>
+          </p:nvPr>
+        </p:nvSpPr>
+        <p:spPr/>
+        <p:txBody>
+          <a:bodyPr/>
+          <a:lstStyle/>
+          <a:p>
+            <a:r>
+              <a:rPr lang="en-US" dirty="0" smtClean="0"/>
+              <a:t>Using permanent storage</a:t>
+            </a:r>
+            <a:endParaRPr lang="en-US" dirty="0"/>
+          </a:p>
+        </p:txBody>
+      </p:sp>
+    </p:spTree>
+    <p:extLst>
+      <p:ext uri="{BB962C8B-B14F-4D97-AF65-F5344CB8AC3E}">
+        <p14:creationId xmlns:p14="http://schemas.microsoft.com/office/powerpoint/2010/main" val="3770353598"/>
+      </p:ext>
+    </p:extLst>
+  </p:cSld>
+  <p:clrMapOvr>
+    <a:masterClrMapping/>
+  </p:clrMapOvr>
+</p:sld>
+</file>
+
+<file path=ppt/slides/slide65.xml><?xml version="1.0" encoding="utf-8"?>
+<p:sld xmlns:a="http://schemas.openxmlformats.org/drawingml/2006/main" xmlns:r="http://schemas.openxmlformats.org/officeDocument/2006/relationships" xmlns:p="http://schemas.openxmlformats.org/presentationml/2006/main">
+  <p:cSld>
+    <p:spTree>
+      <p:nvGrpSpPr>
+        <p:cNvPr id="1" name=""/>
+        <p:cNvGrpSpPr/>
+        <p:nvPr/>
+      </p:nvGrpSpPr>
+      <p:grpSpPr>
+        <a:xfrm>
+          <a:off x="0" y="0"/>
+          <a:ext cx="0" cy="0"/>
+          <a:chOff x="0" y="0"/>
+          <a:chExt cx="0" cy="0"/>
+        </a:xfrm>
+      </p:grpSpPr>
+      <p:sp>
+        <p:nvSpPr>
+          <p:cNvPr id="7" name="Title 6"/>
+          <p:cNvSpPr>
+            <a:spLocks noGrp="1"/>
+          </p:cNvSpPr>
+          <p:nvPr>
+            <p:ph type="title"/>
+          </p:nvPr>
+        </p:nvSpPr>
+        <p:spPr/>
+        <p:txBody>
+          <a:bodyPr/>
+          <a:lstStyle/>
+          <a:p>
+            <a:r>
+              <a:rPr lang="en-US" dirty="0" smtClean="0"/>
+              <a:t>Include/Require</a:t>
+            </a:r>
+            <a:endParaRPr lang="en-US" dirty="0"/>
+          </a:p>
+        </p:txBody>
+      </p:sp>
+      <p:sp>
+        <p:nvSpPr>
+          <p:cNvPr id="8" name="Content Placeholder 7"/>
+          <p:cNvSpPr>
+            <a:spLocks noGrp="1"/>
+          </p:cNvSpPr>
+          <p:nvPr>
+            <p:ph idx="1"/>
+          </p:nvPr>
+        </p:nvSpPr>
+        <p:spPr/>
+        <p:txBody>
+          <a:bodyPr/>
+          <a:lstStyle/>
+          <a:p>
+            <a:r>
+              <a:rPr lang="en-US" dirty="0" smtClean="0"/>
+              <a:t>Include allows you to use more than one file for your project</a:t>
+            </a:r>
+          </a:p>
+          <a:p>
+            <a:r>
+              <a:rPr lang="en-US" dirty="0" smtClean="0"/>
+              <a:t>Including a file allows you to use all the functions and variables defined in that file</a:t>
+            </a:r>
+          </a:p>
+          <a:p>
+            <a:r>
+              <a:rPr lang="en-US" dirty="0" smtClean="0"/>
+              <a:t>Include will just print a warning if something goes wrong, require will stop everything</a:t>
+            </a:r>
+            <a:endParaRPr lang="en-US" dirty="0"/>
+          </a:p>
+        </p:txBody>
+      </p:sp>
+    </p:spTree>
+    <p:extLst>
+      <p:ext uri="{BB962C8B-B14F-4D97-AF65-F5344CB8AC3E}">
+        <p14:creationId xmlns:p14="http://schemas.microsoft.com/office/powerpoint/2010/main" val="1492454176"/>
+      </p:ext>
+    </p:extLst>
+  </p:cSld>
+  <p:clrMapOvr>
+    <a:masterClrMapping/>
+  </p:clrMapOvr>
+</p:sld>
+</file>
+
+<file path=ppt/slides/slide66.xml><?xml version="1.0" encoding="utf-8"?>
+<p:sld xmlns:a="http://schemas.openxmlformats.org/drawingml/2006/main" xmlns:r="http://schemas.openxmlformats.org/officeDocument/2006/relationships" xmlns:p="http://schemas.openxmlformats.org/presentationml/2006/main">
+  <p:cSld>
+    <p:spTree>
+      <p:nvGrpSpPr>
+        <p:cNvPr id="1" name=""/>
+        <p:cNvGrpSpPr/>
+        <p:nvPr/>
+      </p:nvGrpSpPr>
+      <p:grpSpPr>
+        <a:xfrm>
+          <a:off x="0" y="0"/>
+          <a:ext cx="0" cy="0"/>
+          <a:chOff x="0" y="0"/>
+          <a:chExt cx="0" cy="0"/>
+        </a:xfrm>
+      </p:grpSpPr>
+      <p:sp>
+        <p:nvSpPr>
+          <p:cNvPr id="7" name="Title 6"/>
+          <p:cNvSpPr>
+            <a:spLocks noGrp="1"/>
+          </p:cNvSpPr>
+          <p:nvPr>
+            <p:ph type="title"/>
+          </p:nvPr>
+        </p:nvSpPr>
+        <p:spPr/>
+        <p:txBody>
+          <a:bodyPr/>
+          <a:lstStyle/>
+          <a:p>
+            <a:r>
+              <a:rPr lang="en-US" dirty="0" err="1" smtClean="0"/>
+              <a:t>file_put_contents</a:t>
+            </a:r>
+            <a:endParaRPr lang="en-US" dirty="0"/>
+          </a:p>
+        </p:txBody>
+      </p:sp>
+      <p:sp>
+        <p:nvSpPr>
+          <p:cNvPr id="8" name="Content Placeholder 7"/>
+          <p:cNvSpPr>
+            <a:spLocks noGrp="1"/>
+          </p:cNvSpPr>
+          <p:nvPr>
+            <p:ph idx="1"/>
+          </p:nvPr>
+        </p:nvSpPr>
+        <p:spPr/>
+        <p:txBody>
+          <a:bodyPr/>
+          <a:lstStyle/>
+          <a:p>
+            <a:r>
+              <a:rPr lang="en-US" dirty="0" smtClean="0"/>
+              <a:t>Writes a string to a file</a:t>
+            </a:r>
+          </a:p>
+          <a:p>
+            <a:r>
+              <a:rPr lang="en-US" dirty="0" smtClean="0"/>
+              <a:t>Takes two arguments: the path of the file to write and the data to write</a:t>
+            </a:r>
+            <a:endParaRPr lang="en-US" dirty="0"/>
+          </a:p>
+        </p:txBody>
+      </p:sp>
+    </p:spTree>
+    <p:extLst>
+      <p:ext uri="{BB962C8B-B14F-4D97-AF65-F5344CB8AC3E}">
+        <p14:creationId xmlns:p14="http://schemas.microsoft.com/office/powerpoint/2010/main" val="3294189116"/>
+      </p:ext>
+    </p:extLst>
+  </p:cSld>
+  <p:clrMapOvr>
+    <a:masterClrMapping/>
+  </p:clrMapOvr>
+</p:sld>
+</file>
+
+<file path=ppt/slides/slide67.xml><?xml version="1.0" encoding="utf-8"?>
+<p:sld xmlns:a="http://schemas.openxmlformats.org/drawingml/2006/main" xmlns:r="http://schemas.openxmlformats.org/officeDocument/2006/relationships" xmlns:p="http://schemas.openxmlformats.org/presentationml/2006/main">
+  <p:cSld>
+    <p:spTree>
+      <p:nvGrpSpPr>
+        <p:cNvPr id="1" name=""/>
+        <p:cNvGrpSpPr/>
+        <p:nvPr/>
+      </p:nvGrpSpPr>
+      <p:grpSpPr>
+        <a:xfrm>
+          <a:off x="0" y="0"/>
+          <a:ext cx="0" cy="0"/>
+          <a:chOff x="0" y="0"/>
+          <a:chExt cx="0" cy="0"/>
+        </a:xfrm>
+      </p:grpSpPr>
+      <p:sp>
+        <p:nvSpPr>
+          <p:cNvPr id="7" name="Title 6"/>
+          <p:cNvSpPr>
+            <a:spLocks noGrp="1"/>
+          </p:cNvSpPr>
+          <p:nvPr>
+            <p:ph type="title"/>
+          </p:nvPr>
+        </p:nvSpPr>
+        <p:spPr/>
+        <p:txBody>
+          <a:bodyPr/>
+          <a:lstStyle/>
+          <a:p>
+            <a:r>
+              <a:rPr lang="en-US" dirty="0" err="1" smtClean="0"/>
+              <a:t>file_get_contents</a:t>
+            </a:r>
+            <a:endParaRPr lang="en-US" dirty="0"/>
+          </a:p>
+        </p:txBody>
+      </p:sp>
+      <p:sp>
+        <p:nvSpPr>
+          <p:cNvPr id="8" name="Content Placeholder 7"/>
+          <p:cNvSpPr>
+            <a:spLocks noGrp="1"/>
+          </p:cNvSpPr>
+          <p:nvPr>
+            <p:ph idx="1"/>
+          </p:nvPr>
+        </p:nvSpPr>
+        <p:spPr/>
+        <p:txBody>
+          <a:bodyPr/>
+          <a:lstStyle/>
+          <a:p>
+            <a:r>
+              <a:rPr lang="en-US" dirty="0" smtClean="0"/>
+              <a:t>Used to get the contents of a file as a string</a:t>
+            </a:r>
+          </a:p>
+          <a:p>
+            <a:r>
+              <a:rPr lang="en-US" dirty="0" smtClean="0"/>
+              <a:t>Requires one argument, a string containing the path to the file</a:t>
+            </a:r>
+            <a:endParaRPr lang="en-US" dirty="0"/>
+          </a:p>
+        </p:txBody>
+      </p:sp>
+    </p:spTree>
+    <p:extLst>
+      <p:ext uri="{BB962C8B-B14F-4D97-AF65-F5344CB8AC3E}">
+        <p14:creationId xmlns:p14="http://schemas.microsoft.com/office/powerpoint/2010/main" val="3495962740"/>
+      </p:ext>
+    </p:extLst>
+  </p:cSld>
+  <p:clrMapOvr>
+    <a:masterClrMapping/>
+  </p:clrMapOvr>
+</p:sld>
+</file>
+
+<file path=ppt/slides/slide68.xml><?xml version="1.0" encoding="utf-8"?>
+<p:sld xmlns:a="http://schemas.openxmlformats.org/drawingml/2006/main" xmlns:r="http://schemas.openxmlformats.org/officeDocument/2006/relationships" xmlns:p="http://schemas.openxmlformats.org/presentationml/2006/main">
+  <p:cSld>
+    <p:spTree>
+      <p:nvGrpSpPr>
+        <p:cNvPr id="1" name=""/>
+        <p:cNvGrpSpPr/>
+        <p:nvPr/>
+      </p:nvGrpSpPr>
+      <p:grpSpPr>
+        <a:xfrm>
+          <a:off x="0" y="0"/>
+          <a:ext cx="0" cy="0"/>
+          <a:chOff x="0" y="0"/>
+          <a:chExt cx="0" cy="0"/>
+        </a:xfrm>
+      </p:grpSpPr>
+      <p:sp>
+        <p:nvSpPr>
+          <p:cNvPr id="6" name="Rectangle 2"/>
+          <p:cNvSpPr>
+            <a:spLocks noGrp="1" noChangeArrowheads="1"/>
+          </p:cNvSpPr>
+          <p:nvPr>
+            <p:ph idx="1"/>
+          </p:nvPr>
+        </p:nvSpPr>
+        <p:spPr bwMode="auto">
+          <a:xfrm>
+            <a:off x="617220" y="1559665"/>
+            <a:ext cx="10957560" cy="3662541"/>
+          </a:xfrm>
+          <a:prstGeom prst="rect">
+            <a:avLst/>
+          </a:prstGeom>
+          <a:solidFill>
+            <a:schemeClr val="bg2"/>
+          </a:solidFill>
+          <a:ln>
+            <a:solidFill>
+              <a:schemeClr val="tx1"/>
+            </a:solidFill>
+          </a:ln>
+          <a:effectLst/>
+        </p:spPr>
+        <p:txBody>
+          <a:bodyPr vert="horz" wrap="square" lIns="91440" tIns="45720" rIns="91440" bIns="45720" numCol="1" anchor="ctr" anchorCtr="0" compatLnSpc="1">
+            <a:prstTxWarp prst="textNoShape">
+              <a:avLst/>
+            </a:prstTxWarp>
+            <a:spAutoFit/>
+          </a:bodyPr>
+          <a:lstStyle/>
+          <a:p>
+            <a:pPr marL="0" lvl="0" indent="0" eaLnBrk="0" fontAlgn="base" hangingPunct="0">
+              <a:lnSpc>
+                <a:spcPct val="100000"/>
+              </a:lnSpc>
+              <a:spcBef>
+                <a:spcPct val="0"/>
+              </a:spcBef>
+              <a:spcAft>
+                <a:spcPct val="0"/>
+              </a:spcAft>
+              <a:buNone/>
+            </a:pPr>
+            <a:r>
+              <a:rPr lang="en-US" altLang="en-US" sz="3200" dirty="0">
+                <a:solidFill>
+                  <a:srgbClr val="7F0055"/>
+                </a:solidFill>
+                <a:latin typeface="Arial Unicode MS" panose="020B0604020202020204" pitchFamily="34" charset="-128"/>
+              </a:rPr>
+              <a:t>&lt;?</a:t>
+            </a:r>
+            <a:r>
+              <a:rPr lang="en-US" altLang="en-US" sz="3200" dirty="0" err="1" smtClean="0">
+                <a:solidFill>
+                  <a:srgbClr val="7F0055"/>
+                </a:solidFill>
+                <a:latin typeface="Arial Unicode MS" panose="020B0604020202020204" pitchFamily="34" charset="-128"/>
+              </a:rPr>
+              <a:t>php</a:t>
+            </a:r>
+            <a:endParaRPr lang="en-US" altLang="en-US" sz="3200" dirty="0" smtClean="0">
+              <a:solidFill>
+                <a:srgbClr val="000000"/>
+              </a:solidFill>
+              <a:latin typeface="Arial Unicode MS" panose="020B0604020202020204" pitchFamily="34" charset="-128"/>
+            </a:endParaRPr>
+          </a:p>
+          <a:p>
+            <a:pPr marL="0" lvl="0" indent="0" eaLnBrk="0" fontAlgn="base" hangingPunct="0">
+              <a:lnSpc>
+                <a:spcPct val="100000"/>
+              </a:lnSpc>
+              <a:spcBef>
+                <a:spcPct val="0"/>
+              </a:spcBef>
+              <a:spcAft>
+                <a:spcPct val="0"/>
+              </a:spcAft>
+              <a:buNone/>
+            </a:pPr>
+            <a:endParaRPr lang="en-US" altLang="en-US" sz="3200" b="1" dirty="0">
+              <a:solidFill>
+                <a:srgbClr val="000000"/>
+              </a:solidFill>
+              <a:latin typeface="Arial Unicode MS" panose="020B0604020202020204" pitchFamily="34" charset="-128"/>
+            </a:endParaRPr>
+          </a:p>
+          <a:p>
+            <a:pPr marL="0" lvl="0" indent="0" eaLnBrk="0" fontAlgn="base" hangingPunct="0">
+              <a:lnSpc>
+                <a:spcPct val="100000"/>
+              </a:lnSpc>
+              <a:spcBef>
+                <a:spcPct val="0"/>
+              </a:spcBef>
+              <a:spcAft>
+                <a:spcPct val="0"/>
+              </a:spcAft>
+              <a:buNone/>
+            </a:pPr>
+            <a:r>
+              <a:rPr lang="en-US" altLang="en-US" sz="3200" b="1" dirty="0" err="1" smtClean="0">
+                <a:solidFill>
+                  <a:srgbClr val="7F0055"/>
+                </a:solidFill>
+                <a:latin typeface="Arial Unicode MS" panose="020B0604020202020204" pitchFamily="34" charset="-128"/>
+              </a:rPr>
+              <a:t>file_put_contents</a:t>
+            </a:r>
+            <a:r>
+              <a:rPr lang="en-US" altLang="en-US" sz="3200" dirty="0">
+                <a:solidFill>
+                  <a:srgbClr val="000000"/>
+                </a:solidFill>
+                <a:latin typeface="Arial Unicode MS" panose="020B0604020202020204" pitchFamily="34" charset="-128"/>
+              </a:rPr>
+              <a:t>(</a:t>
+            </a:r>
+            <a:r>
+              <a:rPr lang="en-US" altLang="en-US" sz="3200" dirty="0">
+                <a:solidFill>
+                  <a:srgbClr val="2A00FF"/>
+                </a:solidFill>
+                <a:latin typeface="Arial Unicode MS" panose="020B0604020202020204" pitchFamily="34" charset="-128"/>
+              </a:rPr>
+              <a:t>'foobar.txt'</a:t>
+            </a:r>
+            <a:r>
+              <a:rPr lang="en-US" altLang="en-US" sz="3200" dirty="0">
+                <a:solidFill>
+                  <a:srgbClr val="000000"/>
+                </a:solidFill>
+                <a:latin typeface="Arial Unicode MS" panose="020B0604020202020204" pitchFamily="34" charset="-128"/>
+              </a:rPr>
+              <a:t>, </a:t>
+            </a:r>
+            <a:r>
+              <a:rPr lang="en-US" altLang="en-US" sz="3200" dirty="0">
+                <a:solidFill>
+                  <a:srgbClr val="2A00FF"/>
+                </a:solidFill>
+                <a:latin typeface="Arial Unicode MS" panose="020B0604020202020204" pitchFamily="34" charset="-128"/>
+              </a:rPr>
+              <a:t>'</a:t>
+            </a:r>
+            <a:r>
+              <a:rPr lang="en-US" altLang="en-US" sz="3200" dirty="0" err="1">
+                <a:solidFill>
+                  <a:srgbClr val="2A00FF"/>
+                </a:solidFill>
+                <a:latin typeface="Arial Unicode MS" panose="020B0604020202020204" pitchFamily="34" charset="-128"/>
+              </a:rPr>
+              <a:t>foobar</a:t>
+            </a:r>
+            <a:r>
+              <a:rPr lang="en-US" altLang="en-US" sz="3200" dirty="0" smtClean="0">
+                <a:solidFill>
+                  <a:srgbClr val="2A00FF"/>
+                </a:solidFill>
+                <a:latin typeface="Arial Unicode MS" panose="020B0604020202020204" pitchFamily="34" charset="-128"/>
+              </a:rPr>
+              <a:t>'</a:t>
+            </a:r>
+            <a:r>
+              <a:rPr lang="en-US" altLang="en-US" sz="3200" dirty="0" smtClean="0">
+                <a:solidFill>
+                  <a:srgbClr val="000000"/>
+                </a:solidFill>
+                <a:latin typeface="Arial Unicode MS" panose="020B0604020202020204" pitchFamily="34" charset="-128"/>
+              </a:rPr>
+              <a:t>);</a:t>
+            </a:r>
+          </a:p>
+          <a:p>
+            <a:pPr marL="0" lvl="0" indent="0" eaLnBrk="0" fontAlgn="base" hangingPunct="0">
+              <a:lnSpc>
+                <a:spcPct val="100000"/>
+              </a:lnSpc>
+              <a:spcBef>
+                <a:spcPct val="0"/>
+              </a:spcBef>
+              <a:spcAft>
+                <a:spcPct val="0"/>
+              </a:spcAft>
+              <a:buNone/>
+            </a:pPr>
+            <a:endParaRPr lang="en-US" altLang="en-US" sz="3200" b="1" dirty="0">
+              <a:solidFill>
+                <a:srgbClr val="000000"/>
+              </a:solidFill>
+              <a:latin typeface="Arial Unicode MS" panose="020B0604020202020204" pitchFamily="34" charset="-128"/>
+            </a:endParaRPr>
+          </a:p>
+          <a:p>
+            <a:pPr marL="0" lvl="0" indent="0" eaLnBrk="0" fontAlgn="base" hangingPunct="0">
+              <a:lnSpc>
+                <a:spcPct val="100000"/>
+              </a:lnSpc>
+              <a:spcBef>
+                <a:spcPct val="0"/>
+              </a:spcBef>
+              <a:spcAft>
+                <a:spcPct val="0"/>
+              </a:spcAft>
+              <a:buNone/>
+            </a:pPr>
+            <a:r>
+              <a:rPr lang="en-US" altLang="en-US" sz="3200" b="1" dirty="0" smtClean="0">
+                <a:solidFill>
+                  <a:srgbClr val="7F0055"/>
+                </a:solidFill>
+                <a:latin typeface="Arial Unicode MS" panose="020B0604020202020204" pitchFamily="34" charset="-128"/>
+              </a:rPr>
+              <a:t>echo</a:t>
+            </a:r>
+            <a:r>
+              <a:rPr lang="en-US" altLang="en-US" sz="3200" dirty="0" smtClean="0">
+                <a:solidFill>
+                  <a:srgbClr val="000000"/>
+                </a:solidFill>
+                <a:latin typeface="Arial Unicode MS" panose="020B0604020202020204" pitchFamily="34" charset="-128"/>
+              </a:rPr>
+              <a:t> </a:t>
+            </a:r>
+            <a:r>
+              <a:rPr lang="en-US" altLang="en-US" sz="3200" b="1" dirty="0" err="1">
+                <a:solidFill>
+                  <a:srgbClr val="7F0055"/>
+                </a:solidFill>
+                <a:latin typeface="Arial Unicode MS" panose="020B0604020202020204" pitchFamily="34" charset="-128"/>
+              </a:rPr>
+              <a:t>file_get_contents</a:t>
+            </a:r>
+            <a:r>
+              <a:rPr lang="en-US" altLang="en-US" sz="3200" dirty="0">
+                <a:solidFill>
+                  <a:srgbClr val="000000"/>
+                </a:solidFill>
+                <a:latin typeface="Arial Unicode MS" panose="020B0604020202020204" pitchFamily="34" charset="-128"/>
+              </a:rPr>
+              <a:t>(</a:t>
+            </a:r>
+            <a:r>
+              <a:rPr lang="en-US" altLang="en-US" sz="3200" dirty="0">
+                <a:solidFill>
+                  <a:srgbClr val="2A00FF"/>
+                </a:solidFill>
+                <a:latin typeface="Arial Unicode MS" panose="020B0604020202020204" pitchFamily="34" charset="-128"/>
+              </a:rPr>
+              <a:t>'foobar.txt</a:t>
+            </a:r>
+            <a:r>
+              <a:rPr lang="en-US" altLang="en-US" sz="3200" dirty="0" smtClean="0">
+                <a:solidFill>
+                  <a:srgbClr val="2A00FF"/>
+                </a:solidFill>
+                <a:latin typeface="Arial Unicode MS" panose="020B0604020202020204" pitchFamily="34" charset="-128"/>
+              </a:rPr>
+              <a:t>'</a:t>
+            </a:r>
+            <a:r>
+              <a:rPr lang="en-US" altLang="en-US" sz="3200" dirty="0" smtClean="0">
+                <a:solidFill>
+                  <a:srgbClr val="000000"/>
+                </a:solidFill>
+                <a:latin typeface="Arial Unicode MS" panose="020B0604020202020204" pitchFamily="34" charset="-128"/>
+              </a:rPr>
+              <a:t>);</a:t>
+            </a:r>
+          </a:p>
+          <a:p>
+            <a:pPr marL="0" lvl="0" indent="0" eaLnBrk="0" fontAlgn="base" hangingPunct="0">
+              <a:lnSpc>
+                <a:spcPct val="100000"/>
+              </a:lnSpc>
+              <a:spcBef>
+                <a:spcPct val="0"/>
+              </a:spcBef>
+              <a:spcAft>
+                <a:spcPct val="0"/>
+              </a:spcAft>
+              <a:buNone/>
+            </a:pPr>
+            <a:endParaRPr lang="en-US" altLang="en-US" sz="3200" dirty="0">
+              <a:solidFill>
+                <a:srgbClr val="000000"/>
+              </a:solidFill>
+              <a:latin typeface="Arial Unicode MS" panose="020B0604020202020204" pitchFamily="34" charset="-128"/>
+            </a:endParaRPr>
+          </a:p>
+          <a:p>
+            <a:pPr marL="0" lvl="0" indent="0" eaLnBrk="0" fontAlgn="base" hangingPunct="0">
+              <a:lnSpc>
+                <a:spcPct val="100000"/>
+              </a:lnSpc>
+              <a:spcBef>
+                <a:spcPct val="0"/>
+              </a:spcBef>
+              <a:spcAft>
+                <a:spcPct val="0"/>
+              </a:spcAft>
+              <a:buNone/>
+            </a:pPr>
+            <a:r>
+              <a:rPr lang="en-US" altLang="en-US" sz="3200" dirty="0" smtClean="0">
+                <a:solidFill>
+                  <a:srgbClr val="7F0055"/>
+                </a:solidFill>
+                <a:latin typeface="Arial Unicode MS" panose="020B0604020202020204" pitchFamily="34" charset="-128"/>
+              </a:rPr>
+              <a:t>?&gt;</a:t>
+            </a:r>
+            <a:r>
+              <a:rPr lang="en-US" altLang="en-US" sz="4000" dirty="0" smtClean="0"/>
+              <a:t> </a:t>
+            </a:r>
+            <a:endParaRPr lang="en-US" altLang="en-US" sz="6000" dirty="0">
+              <a:latin typeface="Arial" panose="020B0604020202020204" pitchFamily="34" charset="0"/>
+            </a:endParaRPr>
+          </a:p>
+        </p:txBody>
+      </p:sp>
+      <p:sp>
+        <p:nvSpPr>
+          <p:cNvPr id="3" name="Rectangle 2"/>
+          <p:cNvSpPr>
+            <a:spLocks noChangeArrowheads="1"/>
+          </p:cNvSpPr>
+          <p:nvPr/>
+        </p:nvSpPr>
+        <p:spPr bwMode="auto">
+          <a:xfrm>
+            <a:off x="0" y="43934"/>
+            <a:ext cx="184731" cy="369332"/>
+          </a:xfrm>
+          <a:prstGeom prst="rect">
+            <a:avLst/>
+          </a:prstGeom>
+          <a:solidFill>
+            <a:srgbClr val="FFFFFF"/>
+          </a:solidFill>
+          <a:ln>
+            <a:noFill/>
+          </a:ln>
+          <a:effectLst/>
+          <a:extLst>
+            <a:ext uri="{91240B29-F687-4F45-9708-019B960494DF}">
+              <a14:hiddenLine xmlns:a14="http://schemas.microsoft.com/office/drawing/2010/main" w="9525">
+                <a:solidFill>
+                  <a:schemeClr val="tx1"/>
+                </a:solidFill>
+                <a:miter lim="800000"/>
+                <a:headEnd/>
+                <a:tailEnd/>
+              </a14:hiddenLine>
+            </a:ext>
+            <a:ext uri="{AF507438-7753-43E0-B8FC-AC1667EBCBE1}">
+              <a14:hiddenEffects xmlns:a14="http://schemas.microsoft.com/office/drawing/2010/main">
+                <a:effectLst>
+                  <a:outerShdw dist="35921" dir="2700000" algn="ctr" rotWithShape="0">
+                    <a:schemeClr val="bg2"/>
+                  </a:outerShdw>
+                </a:effectLst>
+              </a14:hiddenEffects>
+            </a:ext>
+          </a:extLst>
+        </p:spPr>
+        <p:txBody>
+          <a:bodyPr vert="horz" wrap="none" lIns="91440" tIns="45720" rIns="91440" bIns="45720" numCol="1" anchor="ctr" anchorCtr="0" compatLnSpc="1">
+            <a:prstTxWarp prst="textNoShape">
+              <a:avLst/>
+            </a:prstTxWarp>
+            <a:spAutoFit/>
+          </a:bodyPr>
+          <a:lstStyle/>
+          <a:p>
+            <a:pPr marL="0" marR="0" lvl="0" indent="0" algn="l" defTabSz="914400" rtl="0" eaLnBrk="0" fontAlgn="base" latinLnBrk="0" hangingPunct="0">
+              <a:lnSpc>
+                <a:spcPct val="100000"/>
+              </a:lnSpc>
+              <a:spcBef>
+                <a:spcPct val="0"/>
+              </a:spcBef>
+              <a:spcAft>
+                <a:spcPct val="0"/>
+              </a:spcAft>
+              <a:buClrTx/>
+              <a:buSzTx/>
+              <a:buFontTx/>
+              <a:buNone/>
+              <a:tabLst/>
+            </a:pPr>
+            <a:endParaRPr kumimoji="0" lang="en-US" altLang="en-US" sz="1800" b="0" i="0" u="none" strike="noStrike" cap="none" normalizeH="0" baseline="0" dirty="0" smtClean="0">
+              <a:ln>
+                <a:noFill/>
+              </a:ln>
+              <a:solidFill>
+                <a:schemeClr val="tx1"/>
+              </a:solidFill>
+              <a:effectLst/>
+              <a:latin typeface="Arial" panose="020B0604020202020204" pitchFamily="34" charset="0"/>
+            </a:endParaRPr>
+          </a:p>
+        </p:txBody>
+      </p:sp>
+    </p:spTree>
+    <p:extLst>
+      <p:ext uri="{BB962C8B-B14F-4D97-AF65-F5344CB8AC3E}">
+        <p14:creationId xmlns:p14="http://schemas.microsoft.com/office/powerpoint/2010/main" val="22881937"/>
+      </p:ext>
+    </p:extLst>
+  </p:cSld>
+  <p:clrMapOvr>
+    <a:masterClrMapping/>
+  </p:clrMapOvr>
+  <p:timing>
+    <p:tnLst>
+      <p:par>
+        <p:cTn id="1" dur="indefinite" restart="never" nodeType="tmRoot"/>
+      </p:par>
+    </p:tnLst>
+  </p:timing>
+</p:sld>
+</file>
+
+<file path=ppt/slides/slide69.xml><?xml version="1.0" encoding="utf-8"?>
+<p:sld xmlns:a="http://schemas.openxmlformats.org/drawingml/2006/main" xmlns:r="http://schemas.openxmlformats.org/officeDocument/2006/relationships" xmlns:p="http://schemas.openxmlformats.org/presentationml/2006/main">
+  <p:cSld>
+    <p:spTree>
+      <p:nvGrpSpPr>
+        <p:cNvPr id="1" name=""/>
+        <p:cNvGrpSpPr/>
+        <p:nvPr/>
+      </p:nvGrpSpPr>
+      <p:grpSpPr>
+        <a:xfrm>
+          <a:off x="0" y="0"/>
+          <a:ext cx="0" cy="0"/>
+          <a:chOff x="0" y="0"/>
+          <a:chExt cx="0" cy="0"/>
+        </a:xfrm>
+      </p:grpSpPr>
+      <p:sp>
+        <p:nvSpPr>
+          <p:cNvPr id="7" name="Title 6"/>
+          <p:cNvSpPr>
+            <a:spLocks noGrp="1"/>
+          </p:cNvSpPr>
+          <p:nvPr>
+            <p:ph type="title"/>
+          </p:nvPr>
+        </p:nvSpPr>
+        <p:spPr/>
+        <p:txBody>
+          <a:bodyPr/>
+          <a:lstStyle/>
+          <a:p>
+            <a:r>
+              <a:rPr lang="en-US" dirty="0" err="1" smtClean="0"/>
+              <a:t>file_exists</a:t>
+            </a:r>
+            <a:endParaRPr lang="en-US" dirty="0"/>
+          </a:p>
+        </p:txBody>
+      </p:sp>
+      <p:sp>
+        <p:nvSpPr>
+          <p:cNvPr id="8" name="Content Placeholder 7"/>
+          <p:cNvSpPr>
+            <a:spLocks noGrp="1"/>
+          </p:cNvSpPr>
+          <p:nvPr>
+            <p:ph idx="1"/>
+          </p:nvPr>
+        </p:nvSpPr>
+        <p:spPr/>
+        <p:txBody>
+          <a:bodyPr/>
+          <a:lstStyle/>
+          <a:p>
+            <a:r>
+              <a:rPr lang="en-US" dirty="0" smtClean="0"/>
+              <a:t>Used to check if a file exists</a:t>
+            </a:r>
+          </a:p>
+          <a:p>
+            <a:r>
+              <a:rPr lang="en-US" dirty="0" smtClean="0"/>
+              <a:t>Takes one argument, a string containing the file path</a:t>
+            </a:r>
+          </a:p>
+          <a:p>
+            <a:r>
+              <a:rPr lang="en-US" dirty="0" smtClean="0"/>
+              <a:t>Returns a </a:t>
+            </a:r>
+            <a:r>
+              <a:rPr lang="en-US" dirty="0"/>
+              <a:t>B</a:t>
+            </a:r>
+            <a:r>
+              <a:rPr lang="en-US" dirty="0" smtClean="0"/>
+              <a:t>oolean: true if the file exists, false if it doesn't</a:t>
+            </a:r>
+            <a:endParaRPr lang="en-US" dirty="0"/>
+          </a:p>
+        </p:txBody>
+      </p:sp>
+    </p:spTree>
+    <p:extLst>
+      <p:ext uri="{BB962C8B-B14F-4D97-AF65-F5344CB8AC3E}">
+        <p14:creationId xmlns:p14="http://schemas.microsoft.com/office/powerpoint/2010/main" val="1942485845"/>
       </p:ext>
     </p:extLst>
   </p:cSld>
@@ -26472,6 +31918,767 @@
     <p:extLst>
       <p:ext uri="{BB962C8B-B14F-4D97-AF65-F5344CB8AC3E}">
         <p14:creationId xmlns:p14="http://schemas.microsoft.com/office/powerpoint/2010/main" val="3522714713"/>
+      </p:ext>
+    </p:extLst>
+  </p:cSld>
+  <p:clrMapOvr>
+    <a:masterClrMapping/>
+  </p:clrMapOvr>
+  <p:timing>
+    <p:tnLst>
+      <p:par>
+        <p:cTn id="1" dur="indefinite" restart="never" nodeType="tmRoot"/>
+      </p:par>
+    </p:tnLst>
+  </p:timing>
+</p:sld>
+</file>
+
+<file path=ppt/slides/slide70.xml><?xml version="1.0" encoding="utf-8"?>
+<p:sld xmlns:a="http://schemas.openxmlformats.org/drawingml/2006/main" xmlns:r="http://schemas.openxmlformats.org/officeDocument/2006/relationships" xmlns:p="http://schemas.openxmlformats.org/presentationml/2006/main">
+  <p:cSld>
+    <p:spTree>
+      <p:nvGrpSpPr>
+        <p:cNvPr id="1" name=""/>
+        <p:cNvGrpSpPr/>
+        <p:nvPr/>
+      </p:nvGrpSpPr>
+      <p:grpSpPr>
+        <a:xfrm>
+          <a:off x="0" y="0"/>
+          <a:ext cx="0" cy="0"/>
+          <a:chOff x="0" y="0"/>
+          <a:chExt cx="0" cy="0"/>
+        </a:xfrm>
+      </p:grpSpPr>
+      <p:sp>
+        <p:nvSpPr>
+          <p:cNvPr id="7" name="Title 6"/>
+          <p:cNvSpPr>
+            <a:spLocks noGrp="1"/>
+          </p:cNvSpPr>
+          <p:nvPr>
+            <p:ph type="title"/>
+          </p:nvPr>
+        </p:nvSpPr>
+        <p:spPr/>
+        <p:txBody>
+          <a:bodyPr/>
+          <a:lstStyle/>
+          <a:p>
+            <a:r>
+              <a:rPr lang="en-US" dirty="0" smtClean="0"/>
+              <a:t>unlink</a:t>
+            </a:r>
+            <a:endParaRPr lang="en-US" dirty="0"/>
+          </a:p>
+        </p:txBody>
+      </p:sp>
+      <p:sp>
+        <p:nvSpPr>
+          <p:cNvPr id="8" name="Content Placeholder 7"/>
+          <p:cNvSpPr>
+            <a:spLocks noGrp="1"/>
+          </p:cNvSpPr>
+          <p:nvPr>
+            <p:ph idx="1"/>
+          </p:nvPr>
+        </p:nvSpPr>
+        <p:spPr/>
+        <p:txBody>
+          <a:bodyPr/>
+          <a:lstStyle/>
+          <a:p>
+            <a:r>
+              <a:rPr lang="en-US" dirty="0" smtClean="0"/>
+              <a:t>Deletes a file</a:t>
+            </a:r>
+          </a:p>
+          <a:p>
+            <a:r>
+              <a:rPr lang="en-US" dirty="0" smtClean="0"/>
+              <a:t>One argument, the path of the file as a string</a:t>
+            </a:r>
+          </a:p>
+          <a:p>
+            <a:r>
+              <a:rPr lang="en-US" dirty="0" smtClean="0"/>
+              <a:t>Returns true if the file was deleted, false otherwise</a:t>
+            </a:r>
+            <a:endParaRPr lang="en-US" dirty="0"/>
+          </a:p>
+        </p:txBody>
+      </p:sp>
+    </p:spTree>
+    <p:extLst>
+      <p:ext uri="{BB962C8B-B14F-4D97-AF65-F5344CB8AC3E}">
+        <p14:creationId xmlns:p14="http://schemas.microsoft.com/office/powerpoint/2010/main" val="2240721720"/>
+      </p:ext>
+    </p:extLst>
+  </p:cSld>
+  <p:clrMapOvr>
+    <a:masterClrMapping/>
+  </p:clrMapOvr>
+  <p:timing>
+    <p:tnLst>
+      <p:par>
+        <p:cTn id="1" dur="indefinite" restart="never" nodeType="tmRoot"/>
+      </p:par>
+    </p:tnLst>
+  </p:timing>
+</p:sld>
+</file>
+
+<file path=ppt/slides/slide71.xml><?xml version="1.0" encoding="utf-8"?>
+<p:sld xmlns:a="http://schemas.openxmlformats.org/drawingml/2006/main" xmlns:r="http://schemas.openxmlformats.org/officeDocument/2006/relationships" xmlns:p="http://schemas.openxmlformats.org/presentationml/2006/main">
+  <p:cSld>
+    <p:spTree>
+      <p:nvGrpSpPr>
+        <p:cNvPr id="1" name=""/>
+        <p:cNvGrpSpPr/>
+        <p:nvPr/>
+      </p:nvGrpSpPr>
+      <p:grpSpPr>
+        <a:xfrm>
+          <a:off x="0" y="0"/>
+          <a:ext cx="0" cy="0"/>
+          <a:chOff x="0" y="0"/>
+          <a:chExt cx="0" cy="0"/>
+        </a:xfrm>
+      </p:grpSpPr>
+      <p:sp>
+        <p:nvSpPr>
+          <p:cNvPr id="6" name="Rectangle 2"/>
+          <p:cNvSpPr>
+            <a:spLocks noGrp="1" noChangeArrowheads="1"/>
+          </p:cNvSpPr>
+          <p:nvPr>
+            <p:ph idx="1"/>
+          </p:nvPr>
+        </p:nvSpPr>
+        <p:spPr bwMode="auto">
+          <a:xfrm>
+            <a:off x="617220" y="636338"/>
+            <a:ext cx="10957560" cy="5509200"/>
+          </a:xfrm>
+          <a:prstGeom prst="rect">
+            <a:avLst/>
+          </a:prstGeom>
+          <a:solidFill>
+            <a:schemeClr val="bg2"/>
+          </a:solidFill>
+          <a:ln>
+            <a:solidFill>
+              <a:schemeClr val="tx1"/>
+            </a:solidFill>
+          </a:ln>
+          <a:effectLst/>
+        </p:spPr>
+        <p:txBody>
+          <a:bodyPr vert="horz" wrap="square" lIns="91440" tIns="45720" rIns="91440" bIns="45720" numCol="1" anchor="ctr" anchorCtr="0" compatLnSpc="1">
+            <a:prstTxWarp prst="textNoShape">
+              <a:avLst/>
+            </a:prstTxWarp>
+            <a:spAutoFit/>
+          </a:bodyPr>
+          <a:lstStyle/>
+          <a:p>
+            <a:pPr marL="0" lvl="0" indent="0" eaLnBrk="0" fontAlgn="base" hangingPunct="0">
+              <a:lnSpc>
+                <a:spcPct val="100000"/>
+              </a:lnSpc>
+              <a:spcBef>
+                <a:spcPct val="0"/>
+              </a:spcBef>
+              <a:spcAft>
+                <a:spcPct val="0"/>
+              </a:spcAft>
+              <a:buNone/>
+            </a:pPr>
+            <a:r>
+              <a:rPr lang="en-US" altLang="en-US" sz="3200" dirty="0">
+                <a:solidFill>
+                  <a:srgbClr val="7F0055"/>
+                </a:solidFill>
+                <a:latin typeface="Arial Unicode MS" panose="020B0604020202020204" pitchFamily="34" charset="-128"/>
+              </a:rPr>
+              <a:t>&lt;?</a:t>
+            </a:r>
+            <a:r>
+              <a:rPr lang="en-US" altLang="en-US" sz="3200" dirty="0" err="1" smtClean="0">
+                <a:solidFill>
+                  <a:srgbClr val="7F0055"/>
+                </a:solidFill>
+                <a:latin typeface="Arial Unicode MS" panose="020B0604020202020204" pitchFamily="34" charset="-128"/>
+              </a:rPr>
+              <a:t>php</a:t>
+            </a:r>
+            <a:endParaRPr lang="en-US" altLang="en-US" sz="3200" dirty="0" smtClean="0">
+              <a:solidFill>
+                <a:srgbClr val="000000"/>
+              </a:solidFill>
+              <a:latin typeface="Arial Unicode MS" panose="020B0604020202020204" pitchFamily="34" charset="-128"/>
+            </a:endParaRPr>
+          </a:p>
+          <a:p>
+            <a:pPr marL="0" lvl="0" indent="0" eaLnBrk="0" fontAlgn="base" hangingPunct="0">
+              <a:lnSpc>
+                <a:spcPct val="100000"/>
+              </a:lnSpc>
+              <a:spcBef>
+                <a:spcPct val="0"/>
+              </a:spcBef>
+              <a:spcAft>
+                <a:spcPct val="0"/>
+              </a:spcAft>
+              <a:buNone/>
+            </a:pPr>
+            <a:endParaRPr lang="en-US" altLang="en-US" sz="3200" b="1" dirty="0">
+              <a:solidFill>
+                <a:srgbClr val="000000"/>
+              </a:solidFill>
+              <a:latin typeface="Arial Unicode MS" panose="020B0604020202020204" pitchFamily="34" charset="-128"/>
+            </a:endParaRPr>
+          </a:p>
+          <a:p>
+            <a:pPr marL="0" lvl="0" indent="0" eaLnBrk="0" fontAlgn="base" hangingPunct="0">
+              <a:lnSpc>
+                <a:spcPct val="100000"/>
+              </a:lnSpc>
+              <a:spcBef>
+                <a:spcPct val="0"/>
+              </a:spcBef>
+              <a:spcAft>
+                <a:spcPct val="0"/>
+              </a:spcAft>
+              <a:buNone/>
+            </a:pPr>
+            <a:r>
+              <a:rPr lang="en-US" altLang="en-US" sz="3200" b="1" dirty="0" smtClean="0">
+                <a:solidFill>
+                  <a:srgbClr val="7F0055"/>
+                </a:solidFill>
+                <a:latin typeface="Arial Unicode MS" panose="020B0604020202020204" pitchFamily="34" charset="-128"/>
+              </a:rPr>
+              <a:t>unlink</a:t>
+            </a:r>
+            <a:r>
+              <a:rPr lang="en-US" altLang="en-US" sz="3200" dirty="0">
+                <a:solidFill>
+                  <a:srgbClr val="000000"/>
+                </a:solidFill>
+                <a:latin typeface="Arial Unicode MS" panose="020B0604020202020204" pitchFamily="34" charset="-128"/>
+              </a:rPr>
+              <a:t>(</a:t>
+            </a:r>
+            <a:r>
+              <a:rPr lang="en-US" altLang="en-US" sz="3200" dirty="0">
+                <a:solidFill>
+                  <a:srgbClr val="2A00FF"/>
+                </a:solidFill>
+                <a:latin typeface="Arial Unicode MS" panose="020B0604020202020204" pitchFamily="34" charset="-128"/>
+              </a:rPr>
+              <a:t>'</a:t>
+            </a:r>
+            <a:r>
+              <a:rPr lang="en-US" altLang="en-US" sz="3200" dirty="0" err="1">
+                <a:solidFill>
+                  <a:srgbClr val="2A00FF"/>
+                </a:solidFill>
+                <a:latin typeface="Arial Unicode MS" panose="020B0604020202020204" pitchFamily="34" charset="-128"/>
+              </a:rPr>
+              <a:t>exists_test</a:t>
+            </a:r>
+            <a:r>
+              <a:rPr lang="en-US" altLang="en-US" sz="3200" dirty="0" smtClean="0">
+                <a:solidFill>
+                  <a:srgbClr val="2A00FF"/>
+                </a:solidFill>
+                <a:latin typeface="Arial Unicode MS" panose="020B0604020202020204" pitchFamily="34" charset="-128"/>
+              </a:rPr>
+              <a:t>'</a:t>
+            </a:r>
+            <a:r>
+              <a:rPr lang="en-US" altLang="en-US" sz="3200" dirty="0" smtClean="0">
+                <a:solidFill>
+                  <a:srgbClr val="000000"/>
+                </a:solidFill>
+                <a:latin typeface="Arial Unicode MS" panose="020B0604020202020204" pitchFamily="34" charset="-128"/>
+              </a:rPr>
+              <a:t>);</a:t>
+            </a:r>
+          </a:p>
+          <a:p>
+            <a:pPr marL="0" lvl="0" indent="0" eaLnBrk="0" fontAlgn="base" hangingPunct="0">
+              <a:lnSpc>
+                <a:spcPct val="100000"/>
+              </a:lnSpc>
+              <a:spcBef>
+                <a:spcPct val="0"/>
+              </a:spcBef>
+              <a:spcAft>
+                <a:spcPct val="0"/>
+              </a:spcAft>
+              <a:buNone/>
+            </a:pPr>
+            <a:endParaRPr lang="en-US" altLang="en-US" sz="3200" b="1" dirty="0">
+              <a:solidFill>
+                <a:srgbClr val="000000"/>
+              </a:solidFill>
+              <a:latin typeface="Arial Unicode MS" panose="020B0604020202020204" pitchFamily="34" charset="-128"/>
+            </a:endParaRPr>
+          </a:p>
+          <a:p>
+            <a:pPr marL="0" lvl="0" indent="0" eaLnBrk="0" fontAlgn="base" hangingPunct="0">
+              <a:lnSpc>
+                <a:spcPct val="100000"/>
+              </a:lnSpc>
+              <a:spcBef>
+                <a:spcPct val="0"/>
+              </a:spcBef>
+              <a:spcAft>
+                <a:spcPct val="0"/>
+              </a:spcAft>
+              <a:buNone/>
+            </a:pPr>
+            <a:r>
+              <a:rPr lang="en-US" altLang="en-US" sz="3200" b="1" dirty="0" smtClean="0">
+                <a:solidFill>
+                  <a:srgbClr val="7F0055"/>
+                </a:solidFill>
+                <a:latin typeface="Arial Unicode MS" panose="020B0604020202020204" pitchFamily="34" charset="-128"/>
+              </a:rPr>
+              <a:t>echo</a:t>
+            </a:r>
+            <a:r>
+              <a:rPr lang="en-US" altLang="en-US" sz="3200" dirty="0" smtClean="0">
+                <a:solidFill>
+                  <a:srgbClr val="000000"/>
+                </a:solidFill>
+                <a:latin typeface="Arial Unicode MS" panose="020B0604020202020204" pitchFamily="34" charset="-128"/>
+              </a:rPr>
+              <a:t> </a:t>
+            </a:r>
+            <a:r>
+              <a:rPr lang="en-US" altLang="en-US" sz="3200" b="1" dirty="0" err="1">
+                <a:solidFill>
+                  <a:srgbClr val="7F0055"/>
+                </a:solidFill>
+                <a:latin typeface="Arial Unicode MS" panose="020B0604020202020204" pitchFamily="34" charset="-128"/>
+              </a:rPr>
+              <a:t>file_exists</a:t>
+            </a:r>
+            <a:r>
+              <a:rPr lang="en-US" altLang="en-US" sz="3200" dirty="0">
+                <a:solidFill>
+                  <a:srgbClr val="000000"/>
+                </a:solidFill>
+                <a:latin typeface="Arial Unicode MS" panose="020B0604020202020204" pitchFamily="34" charset="-128"/>
+              </a:rPr>
+              <a:t>(</a:t>
+            </a:r>
+            <a:r>
+              <a:rPr lang="en-US" altLang="en-US" sz="3200" dirty="0">
+                <a:solidFill>
+                  <a:srgbClr val="2A00FF"/>
+                </a:solidFill>
+                <a:latin typeface="Arial Unicode MS" panose="020B0604020202020204" pitchFamily="34" charset="-128"/>
+              </a:rPr>
+              <a:t>'</a:t>
+            </a:r>
+            <a:r>
+              <a:rPr lang="en-US" altLang="en-US" sz="3200" dirty="0" err="1">
+                <a:solidFill>
+                  <a:srgbClr val="2A00FF"/>
+                </a:solidFill>
+                <a:latin typeface="Arial Unicode MS" panose="020B0604020202020204" pitchFamily="34" charset="-128"/>
+              </a:rPr>
+              <a:t>exists_test</a:t>
+            </a:r>
+            <a:r>
+              <a:rPr lang="en-US" altLang="en-US" sz="3200" dirty="0" smtClean="0">
+                <a:solidFill>
+                  <a:srgbClr val="2A00FF"/>
+                </a:solidFill>
+                <a:latin typeface="Arial Unicode MS" panose="020B0604020202020204" pitchFamily="34" charset="-128"/>
+              </a:rPr>
+              <a:t>'</a:t>
+            </a:r>
+            <a:r>
+              <a:rPr lang="en-US" altLang="en-US" sz="3200" dirty="0" smtClean="0">
+                <a:solidFill>
+                  <a:srgbClr val="000000"/>
+                </a:solidFill>
+                <a:latin typeface="Arial Unicode MS" panose="020B0604020202020204" pitchFamily="34" charset="-128"/>
+              </a:rPr>
+              <a:t>);</a:t>
+            </a:r>
+          </a:p>
+          <a:p>
+            <a:pPr marL="0" lvl="0" indent="0" eaLnBrk="0" fontAlgn="base" hangingPunct="0">
+              <a:lnSpc>
+                <a:spcPct val="100000"/>
+              </a:lnSpc>
+              <a:spcBef>
+                <a:spcPct val="0"/>
+              </a:spcBef>
+              <a:spcAft>
+                <a:spcPct val="0"/>
+              </a:spcAft>
+              <a:buNone/>
+            </a:pPr>
+            <a:endParaRPr lang="en-US" altLang="en-US" sz="3200" b="1" dirty="0">
+              <a:solidFill>
+                <a:srgbClr val="000000"/>
+              </a:solidFill>
+              <a:latin typeface="Arial Unicode MS" panose="020B0604020202020204" pitchFamily="34" charset="-128"/>
+            </a:endParaRPr>
+          </a:p>
+          <a:p>
+            <a:pPr marL="0" lvl="0" indent="0" eaLnBrk="0" fontAlgn="base" hangingPunct="0">
+              <a:lnSpc>
+                <a:spcPct val="100000"/>
+              </a:lnSpc>
+              <a:spcBef>
+                <a:spcPct val="0"/>
+              </a:spcBef>
+              <a:spcAft>
+                <a:spcPct val="0"/>
+              </a:spcAft>
+              <a:buNone/>
+            </a:pPr>
+            <a:r>
+              <a:rPr lang="en-US" altLang="en-US" sz="3200" b="1" dirty="0" err="1" smtClean="0">
+                <a:solidFill>
+                  <a:srgbClr val="7F0055"/>
+                </a:solidFill>
+                <a:latin typeface="Arial Unicode MS" panose="020B0604020202020204" pitchFamily="34" charset="-128"/>
+              </a:rPr>
+              <a:t>file_put_contents</a:t>
+            </a:r>
+            <a:r>
+              <a:rPr lang="en-US" altLang="en-US" sz="3200" dirty="0">
+                <a:solidFill>
+                  <a:srgbClr val="000000"/>
+                </a:solidFill>
+                <a:latin typeface="Arial Unicode MS" panose="020B0604020202020204" pitchFamily="34" charset="-128"/>
+              </a:rPr>
+              <a:t>(</a:t>
+            </a:r>
+            <a:r>
+              <a:rPr lang="en-US" altLang="en-US" sz="3200" dirty="0">
+                <a:solidFill>
+                  <a:srgbClr val="2A00FF"/>
+                </a:solidFill>
+                <a:latin typeface="Arial Unicode MS" panose="020B0604020202020204" pitchFamily="34" charset="-128"/>
+              </a:rPr>
+              <a:t>'</a:t>
+            </a:r>
+            <a:r>
+              <a:rPr lang="en-US" altLang="en-US" sz="3200" dirty="0" err="1">
+                <a:solidFill>
+                  <a:srgbClr val="2A00FF"/>
+                </a:solidFill>
+                <a:latin typeface="Arial Unicode MS" panose="020B0604020202020204" pitchFamily="34" charset="-128"/>
+              </a:rPr>
+              <a:t>exists_test</a:t>
+            </a:r>
+            <a:r>
+              <a:rPr lang="en-US" altLang="en-US" sz="3200" dirty="0">
+                <a:solidFill>
+                  <a:srgbClr val="2A00FF"/>
+                </a:solidFill>
+                <a:latin typeface="Arial Unicode MS" panose="020B0604020202020204" pitchFamily="34" charset="-128"/>
+              </a:rPr>
+              <a:t>'</a:t>
+            </a:r>
+            <a:r>
+              <a:rPr lang="en-US" altLang="en-US" sz="3200" dirty="0">
+                <a:solidFill>
+                  <a:srgbClr val="000000"/>
+                </a:solidFill>
+                <a:latin typeface="Arial Unicode MS" panose="020B0604020202020204" pitchFamily="34" charset="-128"/>
+              </a:rPr>
+              <a:t>, </a:t>
+            </a:r>
+            <a:r>
+              <a:rPr lang="en-US" altLang="en-US" sz="3200" dirty="0">
+                <a:solidFill>
+                  <a:srgbClr val="2A00FF"/>
+                </a:solidFill>
+                <a:latin typeface="Arial Unicode MS" panose="020B0604020202020204" pitchFamily="34" charset="-128"/>
+              </a:rPr>
+              <a:t>'</a:t>
+            </a:r>
+            <a:r>
+              <a:rPr lang="en-US" altLang="en-US" sz="3200" dirty="0" err="1">
+                <a:solidFill>
+                  <a:srgbClr val="2A00FF"/>
+                </a:solidFill>
+                <a:latin typeface="Arial Unicode MS" panose="020B0604020202020204" pitchFamily="34" charset="-128"/>
+              </a:rPr>
+              <a:t>foobar</a:t>
+            </a:r>
+            <a:r>
+              <a:rPr lang="en-US" altLang="en-US" sz="3200" dirty="0" smtClean="0">
+                <a:solidFill>
+                  <a:srgbClr val="2A00FF"/>
+                </a:solidFill>
+                <a:latin typeface="Arial Unicode MS" panose="020B0604020202020204" pitchFamily="34" charset="-128"/>
+              </a:rPr>
+              <a:t>'</a:t>
+            </a:r>
+            <a:r>
+              <a:rPr lang="en-US" altLang="en-US" sz="3200" dirty="0" smtClean="0">
+                <a:solidFill>
+                  <a:srgbClr val="000000"/>
+                </a:solidFill>
+                <a:latin typeface="Arial Unicode MS" panose="020B0604020202020204" pitchFamily="34" charset="-128"/>
+              </a:rPr>
+              <a:t>);</a:t>
+            </a:r>
+          </a:p>
+          <a:p>
+            <a:pPr marL="0" lvl="0" indent="0" eaLnBrk="0" fontAlgn="base" hangingPunct="0">
+              <a:lnSpc>
+                <a:spcPct val="100000"/>
+              </a:lnSpc>
+              <a:spcBef>
+                <a:spcPct val="0"/>
+              </a:spcBef>
+              <a:spcAft>
+                <a:spcPct val="0"/>
+              </a:spcAft>
+              <a:buNone/>
+            </a:pPr>
+            <a:endParaRPr lang="en-US" altLang="en-US" sz="3200" b="1" dirty="0">
+              <a:solidFill>
+                <a:srgbClr val="000000"/>
+              </a:solidFill>
+              <a:latin typeface="Arial Unicode MS" panose="020B0604020202020204" pitchFamily="34" charset="-128"/>
+            </a:endParaRPr>
+          </a:p>
+          <a:p>
+            <a:pPr marL="0" lvl="0" indent="0" eaLnBrk="0" fontAlgn="base" hangingPunct="0">
+              <a:lnSpc>
+                <a:spcPct val="100000"/>
+              </a:lnSpc>
+              <a:spcBef>
+                <a:spcPct val="0"/>
+              </a:spcBef>
+              <a:spcAft>
+                <a:spcPct val="0"/>
+              </a:spcAft>
+              <a:buNone/>
+            </a:pPr>
+            <a:r>
+              <a:rPr lang="en-US" altLang="en-US" sz="3200" b="1" dirty="0" smtClean="0">
+                <a:solidFill>
+                  <a:srgbClr val="7F0055"/>
+                </a:solidFill>
+                <a:latin typeface="Arial Unicode MS" panose="020B0604020202020204" pitchFamily="34" charset="-128"/>
+              </a:rPr>
+              <a:t>echo</a:t>
+            </a:r>
+            <a:r>
+              <a:rPr lang="en-US" altLang="en-US" sz="3200" dirty="0" smtClean="0">
+                <a:solidFill>
+                  <a:srgbClr val="000000"/>
+                </a:solidFill>
+                <a:latin typeface="Arial Unicode MS" panose="020B0604020202020204" pitchFamily="34" charset="-128"/>
+              </a:rPr>
+              <a:t> </a:t>
+            </a:r>
+            <a:r>
+              <a:rPr lang="en-US" altLang="en-US" sz="3200" b="1" dirty="0" err="1">
+                <a:solidFill>
+                  <a:srgbClr val="7F0055"/>
+                </a:solidFill>
+                <a:latin typeface="Arial Unicode MS" panose="020B0604020202020204" pitchFamily="34" charset="-128"/>
+              </a:rPr>
+              <a:t>file_exists</a:t>
+            </a:r>
+            <a:r>
+              <a:rPr lang="en-US" altLang="en-US" sz="3200" dirty="0">
+                <a:solidFill>
+                  <a:srgbClr val="000000"/>
+                </a:solidFill>
+                <a:latin typeface="Arial Unicode MS" panose="020B0604020202020204" pitchFamily="34" charset="-128"/>
+              </a:rPr>
+              <a:t>(</a:t>
+            </a:r>
+            <a:r>
+              <a:rPr lang="en-US" altLang="en-US" sz="3200" dirty="0">
+                <a:solidFill>
+                  <a:srgbClr val="2A00FF"/>
+                </a:solidFill>
+                <a:latin typeface="Arial Unicode MS" panose="020B0604020202020204" pitchFamily="34" charset="-128"/>
+              </a:rPr>
+              <a:t>'</a:t>
+            </a:r>
+            <a:r>
+              <a:rPr lang="en-US" altLang="en-US" sz="3200" dirty="0" err="1">
+                <a:solidFill>
+                  <a:srgbClr val="2A00FF"/>
+                </a:solidFill>
+                <a:latin typeface="Arial Unicode MS" panose="020B0604020202020204" pitchFamily="34" charset="-128"/>
+              </a:rPr>
+              <a:t>exists_test</a:t>
+            </a:r>
+            <a:r>
+              <a:rPr lang="en-US" altLang="en-US" sz="3200" dirty="0" smtClean="0">
+                <a:solidFill>
+                  <a:srgbClr val="2A00FF"/>
+                </a:solidFill>
+                <a:latin typeface="Arial Unicode MS" panose="020B0604020202020204" pitchFamily="34" charset="-128"/>
+              </a:rPr>
+              <a:t>'</a:t>
+            </a:r>
+            <a:r>
+              <a:rPr lang="en-US" altLang="en-US" sz="3200" dirty="0" smtClean="0">
+                <a:solidFill>
+                  <a:srgbClr val="000000"/>
+                </a:solidFill>
+                <a:latin typeface="Arial Unicode MS" panose="020B0604020202020204" pitchFamily="34" charset="-128"/>
+              </a:rPr>
+              <a:t>);</a:t>
+            </a:r>
+          </a:p>
+          <a:p>
+            <a:pPr marL="0" lvl="0" indent="0" eaLnBrk="0" fontAlgn="base" hangingPunct="0">
+              <a:lnSpc>
+                <a:spcPct val="100000"/>
+              </a:lnSpc>
+              <a:spcBef>
+                <a:spcPct val="0"/>
+              </a:spcBef>
+              <a:spcAft>
+                <a:spcPct val="0"/>
+              </a:spcAft>
+              <a:buNone/>
+            </a:pPr>
+            <a:endParaRPr lang="en-US" altLang="en-US" sz="3200">
+              <a:solidFill>
+                <a:srgbClr val="000000"/>
+              </a:solidFill>
+              <a:latin typeface="Arial Unicode MS" panose="020B0604020202020204" pitchFamily="34" charset="-128"/>
+            </a:endParaRPr>
+          </a:p>
+          <a:p>
+            <a:pPr marL="0" lvl="0" indent="0" eaLnBrk="0" fontAlgn="base" hangingPunct="0">
+              <a:lnSpc>
+                <a:spcPct val="100000"/>
+              </a:lnSpc>
+              <a:spcBef>
+                <a:spcPct val="0"/>
+              </a:spcBef>
+              <a:spcAft>
+                <a:spcPct val="0"/>
+              </a:spcAft>
+              <a:buNone/>
+            </a:pPr>
+            <a:r>
+              <a:rPr lang="en-US" altLang="en-US" sz="3200" smtClean="0">
+                <a:solidFill>
+                  <a:srgbClr val="7F0055"/>
+                </a:solidFill>
+                <a:latin typeface="Arial Unicode MS" panose="020B0604020202020204" pitchFamily="34" charset="-128"/>
+              </a:rPr>
+              <a:t>?&gt;</a:t>
+            </a:r>
+            <a:endParaRPr lang="en-US" altLang="en-US" sz="6000" dirty="0">
+              <a:latin typeface="Arial" panose="020B0604020202020204" pitchFamily="34" charset="0"/>
+            </a:endParaRPr>
+          </a:p>
+        </p:txBody>
+      </p:sp>
+      <p:sp>
+        <p:nvSpPr>
+          <p:cNvPr id="3" name="Rectangle 2"/>
+          <p:cNvSpPr>
+            <a:spLocks noChangeArrowheads="1"/>
+          </p:cNvSpPr>
+          <p:nvPr/>
+        </p:nvSpPr>
+        <p:spPr bwMode="auto">
+          <a:xfrm>
+            <a:off x="0" y="43934"/>
+            <a:ext cx="184731" cy="369332"/>
+          </a:xfrm>
+          <a:prstGeom prst="rect">
+            <a:avLst/>
+          </a:prstGeom>
+          <a:solidFill>
+            <a:srgbClr val="FFFFFF"/>
+          </a:solidFill>
+          <a:ln>
+            <a:noFill/>
+          </a:ln>
+          <a:effectLst/>
+          <a:extLst>
+            <a:ext uri="{91240B29-F687-4F45-9708-019B960494DF}">
+              <a14:hiddenLine xmlns:a14="http://schemas.microsoft.com/office/drawing/2010/main" w="9525">
+                <a:solidFill>
+                  <a:schemeClr val="tx1"/>
+                </a:solidFill>
+                <a:miter lim="800000"/>
+                <a:headEnd/>
+                <a:tailEnd/>
+              </a14:hiddenLine>
+            </a:ext>
+            <a:ext uri="{AF507438-7753-43E0-B8FC-AC1667EBCBE1}">
+              <a14:hiddenEffects xmlns:a14="http://schemas.microsoft.com/office/drawing/2010/main">
+                <a:effectLst>
+                  <a:outerShdw dist="35921" dir="2700000" algn="ctr" rotWithShape="0">
+                    <a:schemeClr val="bg2"/>
+                  </a:outerShdw>
+                </a:effectLst>
+              </a14:hiddenEffects>
+            </a:ext>
+          </a:extLst>
+        </p:spPr>
+        <p:txBody>
+          <a:bodyPr vert="horz" wrap="none" lIns="91440" tIns="45720" rIns="91440" bIns="45720" numCol="1" anchor="ctr" anchorCtr="0" compatLnSpc="1">
+            <a:prstTxWarp prst="textNoShape">
+              <a:avLst/>
+            </a:prstTxWarp>
+            <a:spAutoFit/>
+          </a:bodyPr>
+          <a:lstStyle/>
+          <a:p>
+            <a:pPr marL="0" marR="0" lvl="0" indent="0" algn="l" defTabSz="914400" rtl="0" eaLnBrk="0" fontAlgn="base" latinLnBrk="0" hangingPunct="0">
+              <a:lnSpc>
+                <a:spcPct val="100000"/>
+              </a:lnSpc>
+              <a:spcBef>
+                <a:spcPct val="0"/>
+              </a:spcBef>
+              <a:spcAft>
+                <a:spcPct val="0"/>
+              </a:spcAft>
+              <a:buClrTx/>
+              <a:buSzTx/>
+              <a:buFontTx/>
+              <a:buNone/>
+              <a:tabLst/>
+            </a:pPr>
+            <a:endParaRPr kumimoji="0" lang="en-US" altLang="en-US" sz="1800" b="0" i="0" u="none" strike="noStrike" cap="none" normalizeH="0" baseline="0" dirty="0" smtClean="0">
+              <a:ln>
+                <a:noFill/>
+              </a:ln>
+              <a:solidFill>
+                <a:schemeClr val="tx1"/>
+              </a:solidFill>
+              <a:effectLst/>
+              <a:latin typeface="Arial" panose="020B0604020202020204" pitchFamily="34" charset="0"/>
+            </a:endParaRPr>
+          </a:p>
+        </p:txBody>
+      </p:sp>
+    </p:spTree>
+    <p:extLst>
+      <p:ext uri="{BB962C8B-B14F-4D97-AF65-F5344CB8AC3E}">
+        <p14:creationId xmlns:p14="http://schemas.microsoft.com/office/powerpoint/2010/main" val="974583883"/>
       </p:ext>
     </p:extLst>
   </p:cSld>

--- a/course/1 - Basic Programming/Basics Of Programming.pptx
+++ b/course/1 - Basic Programming/Basics Of Programming.pptx
@@ -318,7 +318,7 @@
           <a:p>
             <a:fld id="{A89F8777-017A-42CE-A5F1-EC192078EAC4}" type="datetimeFigureOut">
               <a:rPr lang="en-US" smtClean="0"/>
-              <a:t>4/12/2015</a:t>
+              <a:t>4/15/2015</a:t>
             </a:fld>
             <a:endParaRPr lang="en-US" dirty="0"/>
           </a:p>
@@ -943,18 +943,12 @@
               <a:rPr lang="en-US" baseline="0" dirty="0" smtClean="0"/>
               <a:t>A property definition consists of a visibility, a name, and optionally a default value.</a:t>
             </a:r>
-            <a:endParaRPr lang="en-US" baseline="0" dirty="0" smtClean="0"/>
           </a:p>
           <a:p>
             <a:r>
               <a:rPr lang="en-US" baseline="0" dirty="0" smtClean="0"/>
-              <a:t>Properties may have a default value that is set when the object is created, or they may be null by default</a:t>
-            </a:r>
-            <a:r>
-              <a:rPr lang="en-US" baseline="0" dirty="0" smtClean="0"/>
-              <a:t>.</a:t>
-            </a:r>
-            <a:endParaRPr lang="en-US" baseline="0" dirty="0" smtClean="0"/>
+              <a:t>Properties may have a default value that is set when the object is created, or they may be null by default.</a:t>
+            </a:r>
           </a:p>
         </p:txBody>
       </p:sp>
@@ -1474,33 +1468,13 @@
           <a:p>
             <a:r>
               <a:rPr lang="en-US" baseline="0" dirty="0" smtClean="0"/>
-              <a:t>A </a:t>
-            </a:r>
+              <a:t>A method is essentially a function inside an object.</a:t>
+            </a:r>
+          </a:p>
+          <a:p>
             <a:r>
               <a:rPr lang="en-US" baseline="0" dirty="0" smtClean="0"/>
-              <a:t>method is </a:t>
-            </a:r>
-            <a:r>
-              <a:rPr lang="en-US" baseline="0" dirty="0" smtClean="0"/>
-              <a:t>essentially a </a:t>
-            </a:r>
-            <a:r>
-              <a:rPr lang="en-US" baseline="0" dirty="0" smtClean="0"/>
-              <a:t>function inside </a:t>
-            </a:r>
-            <a:r>
-              <a:rPr lang="en-US" baseline="0" dirty="0" smtClean="0"/>
-              <a:t>an object.</a:t>
-            </a:r>
-          </a:p>
-          <a:p>
-            <a:r>
-              <a:rPr lang="en-US" baseline="0" dirty="0" smtClean="0"/>
-              <a:t>An object can have any number of </a:t>
-            </a:r>
-            <a:r>
-              <a:rPr lang="en-US" baseline="0" dirty="0" smtClean="0"/>
-              <a:t>methods.</a:t>
+              <a:t>An object can have any number of methods.</a:t>
             </a:r>
           </a:p>
           <a:p>
@@ -1512,13 +1486,47 @@
           <a:p>
             <a:r>
               <a:rPr lang="en-US" baseline="0" dirty="0" smtClean="0"/>
-              <a:t>They can take arguments and return values, and can be used anywhere a function is used.</a:t>
-            </a:r>
-          </a:p>
-          <a:p>
+              <a:t>They can take arguments and return values, and can be used anywhere a function is used</a:t>
+            </a:r>
             <a:r>
               <a:rPr lang="en-US" baseline="0" dirty="0" smtClean="0"/>
-              <a:t>They also have the same visibility rules as properties, being public, private, or protected.</a:t>
+              <a:t>.</a:t>
+            </a:r>
+          </a:p>
+          <a:p>
+            <a:r>
+              <a:rPr lang="en-US" baseline="0" dirty="0" smtClean="0"/>
+              <a:t>Like properties, methods can be public, private, or protected. So, what does that mean?</a:t>
+            </a:r>
+          </a:p>
+          <a:p>
+            <a:r>
+              <a:rPr lang="en-US" baseline="0" dirty="0" smtClean="0"/>
+              <a:t>A public property or method can be accessed and used anywhere.</a:t>
+            </a:r>
+          </a:p>
+          <a:p>
+            <a:r>
+              <a:rPr lang="en-US" baseline="0" dirty="0" smtClean="0"/>
+              <a:t>A private or protected property or method can only be accessed by a method attached to the same object.</a:t>
+            </a:r>
+          </a:p>
+          <a:p>
+            <a:r>
+              <a:rPr lang="en-US" baseline="0" dirty="0" smtClean="0"/>
+              <a:t>For example, if an object has a public method and a protected method, the public method could be used anywhere in your code.</a:t>
+            </a:r>
+          </a:p>
+          <a:p>
+            <a:r>
+              <a:rPr lang="en-US" baseline="0" dirty="0" smtClean="0"/>
+              <a:t>The protected method could only be used by the public method.</a:t>
+            </a:r>
+          </a:p>
+          <a:p>
+            <a:r>
+              <a:rPr lang="en-US" baseline="0" dirty="0" smtClean="0"/>
+              <a:t>Private and protected work much the same. They have one major difference which we won't get into today, but for now, use protected.</a:t>
             </a:r>
             <a:endParaRPr lang="en-US" baseline="0" dirty="0" smtClean="0"/>
           </a:p>
@@ -1612,9 +1620,20 @@
           <a:p>
             <a:r>
               <a:rPr lang="en-US" baseline="0" dirty="0" smtClean="0"/>
-              <a:t>They are defined just like a function, just with a visibility added on.</a:t>
-            </a:r>
-            <a:endParaRPr lang="en-US" baseline="0" dirty="0" smtClean="0"/>
+              <a:t>They are defined just like a function</a:t>
+            </a:r>
+            <a:r>
+              <a:rPr lang="en-US" baseline="0" smtClean="0"/>
+              <a:t>, </a:t>
+            </a:r>
+            <a:r>
+              <a:rPr lang="en-US" baseline="0" smtClean="0"/>
+              <a:t>but </a:t>
+            </a:r>
+            <a:r>
+              <a:rPr lang="en-US" baseline="0" dirty="0" smtClean="0"/>
+              <a:t>with a visibility added on.</a:t>
+            </a:r>
           </a:p>
         </p:txBody>
       </p:sp>
@@ -13610,13 +13629,24 @@
           <a:p>
             <a:r>
               <a:rPr lang="en-US" baseline="0" dirty="0" smtClean="0"/>
-              <a:t>Properties may have a default value that is set when the object is created, or they may be null by </a:t>
-            </a:r>
-            <a:r>
-              <a:rPr lang="en-US" baseline="0" smtClean="0"/>
-              <a:t>default.</a:t>
-            </a:r>
-            <a:endParaRPr lang="en-US" baseline="0" dirty="0" smtClean="0"/>
+              <a:t>Properties may have a default value that is set when the object is created, or they may be null by default</a:t>
+            </a:r>
+            <a:r>
+              <a:rPr lang="en-US" baseline="0" dirty="0" smtClean="0"/>
+              <a:t>.</a:t>
+            </a:r>
+          </a:p>
+          <a:p>
+            <a:r>
+              <a:rPr lang="en-US" baseline="0" dirty="0" smtClean="0"/>
+              <a:t>Properties can be marked as public, private, or protected. This is known as the property's visibility.</a:t>
+            </a:r>
+          </a:p>
+          <a:p>
+            <a:r>
+              <a:rPr lang="en-US" baseline="0" dirty="0" smtClean="0"/>
+              <a:t>We'll talk more about that in the next lesson.</a:t>
+            </a:r>
           </a:p>
         </p:txBody>
       </p:sp>
@@ -13787,7 +13817,7 @@
           <a:p>
             <a:fld id="{E1E2B331-5147-4B01-A8AF-F002CBC81196}" type="datetimeFigureOut">
               <a:rPr lang="en-US" smtClean="0"/>
-              <a:t>4/12/2015</a:t>
+              <a:t>4/15/2015</a:t>
             </a:fld>
             <a:endParaRPr lang="en-US" dirty="0"/>
           </a:p>
@@ -13957,7 +13987,7 @@
           <a:p>
             <a:fld id="{E1E2B331-5147-4B01-A8AF-F002CBC81196}" type="datetimeFigureOut">
               <a:rPr lang="en-US" smtClean="0"/>
-              <a:t>4/12/2015</a:t>
+              <a:t>4/15/2015</a:t>
             </a:fld>
             <a:endParaRPr lang="en-US" dirty="0"/>
           </a:p>
@@ -14137,7 +14167,7 @@
           <a:p>
             <a:fld id="{E1E2B331-5147-4B01-A8AF-F002CBC81196}" type="datetimeFigureOut">
               <a:rPr lang="en-US" smtClean="0"/>
-              <a:t>4/12/2015</a:t>
+              <a:t>4/15/2015</a:t>
             </a:fld>
             <a:endParaRPr lang="en-US" dirty="0"/>
           </a:p>
@@ -14307,7 +14337,7 @@
           <a:p>
             <a:fld id="{E1E2B331-5147-4B01-A8AF-F002CBC81196}" type="datetimeFigureOut">
               <a:rPr lang="en-US" smtClean="0"/>
-              <a:t>4/12/2015</a:t>
+              <a:t>4/15/2015</a:t>
             </a:fld>
             <a:endParaRPr lang="en-US" dirty="0"/>
           </a:p>
@@ -14553,7 +14583,7 @@
           <a:p>
             <a:fld id="{E1E2B331-5147-4B01-A8AF-F002CBC81196}" type="datetimeFigureOut">
               <a:rPr lang="en-US" smtClean="0"/>
-              <a:t>4/12/2015</a:t>
+              <a:t>4/15/2015</a:t>
             </a:fld>
             <a:endParaRPr lang="en-US" dirty="0"/>
           </a:p>
@@ -14785,7 +14815,7 @@
           <a:p>
             <a:fld id="{E1E2B331-5147-4B01-A8AF-F002CBC81196}" type="datetimeFigureOut">
               <a:rPr lang="en-US" smtClean="0"/>
-              <a:t>4/12/2015</a:t>
+              <a:t>4/15/2015</a:t>
             </a:fld>
             <a:endParaRPr lang="en-US" dirty="0"/>
           </a:p>
@@ -15152,7 +15182,7 @@
           <a:p>
             <a:fld id="{E1E2B331-5147-4B01-A8AF-F002CBC81196}" type="datetimeFigureOut">
               <a:rPr lang="en-US" smtClean="0"/>
-              <a:t>4/12/2015</a:t>
+              <a:t>4/15/2015</a:t>
             </a:fld>
             <a:endParaRPr lang="en-US" dirty="0"/>
           </a:p>
@@ -15270,7 +15300,7 @@
           <a:p>
             <a:fld id="{E1E2B331-5147-4B01-A8AF-F002CBC81196}" type="datetimeFigureOut">
               <a:rPr lang="en-US" smtClean="0"/>
-              <a:t>4/12/2015</a:t>
+              <a:t>4/15/2015</a:t>
             </a:fld>
             <a:endParaRPr lang="en-US" dirty="0"/>
           </a:p>
@@ -15365,7 +15395,7 @@
           <a:p>
             <a:fld id="{E1E2B331-5147-4B01-A8AF-F002CBC81196}" type="datetimeFigureOut">
               <a:rPr lang="en-US" smtClean="0"/>
-              <a:t>4/12/2015</a:t>
+              <a:t>4/15/2015</a:t>
             </a:fld>
             <a:endParaRPr lang="en-US" dirty="0"/>
           </a:p>
@@ -15642,7 +15672,7 @@
           <a:p>
             <a:fld id="{E1E2B331-5147-4B01-A8AF-F002CBC81196}" type="datetimeFigureOut">
               <a:rPr lang="en-US" smtClean="0"/>
-              <a:t>4/12/2015</a:t>
+              <a:t>4/15/2015</a:t>
             </a:fld>
             <a:endParaRPr lang="en-US" dirty="0"/>
           </a:p>
@@ -15895,7 +15925,7 @@
           <a:p>
             <a:fld id="{E1E2B331-5147-4B01-A8AF-F002CBC81196}" type="datetimeFigureOut">
               <a:rPr lang="en-US" smtClean="0"/>
-              <a:t>4/12/2015</a:t>
+              <a:t>4/15/2015</a:t>
             </a:fld>
             <a:endParaRPr lang="en-US" dirty="0"/>
           </a:p>
@@ -16108,7 +16138,7 @@
           <a:p>
             <a:fld id="{E1E2B331-5147-4B01-A8AF-F002CBC81196}" type="datetimeFigureOut">
               <a:rPr lang="en-US" smtClean="0"/>
-              <a:t>4/12/2015</a:t>
+              <a:t>4/15/2015</a:t>
             </a:fld>
             <a:endParaRPr lang="en-US" dirty="0"/>
           </a:p>
@@ -17048,16 +17078,7 @@
                 </a:solidFill>
                 <a:latin typeface="Arial Unicode MS" panose="020B0604020202020204" pitchFamily="34" charset="-128"/>
               </a:rPr>
-              <a:t>&lt;?</a:t>
-            </a:r>
-            <a:r>
-              <a:rPr lang="en-US" altLang="en-US" sz="3200" dirty="0" smtClean="0">
-                <a:solidFill>
-                  <a:srgbClr val="7F0055"/>
-                </a:solidFill>
-                <a:latin typeface="Arial Unicode MS" panose="020B0604020202020204" pitchFamily="34" charset="-128"/>
-              </a:rPr>
-              <a:t>php</a:t>
+              <a:t>&lt;?php</a:t>
             </a:r>
           </a:p>
           <a:p>
@@ -17570,15 +17591,7 @@
                   <a:schemeClr val="bg1"/>
                 </a:solidFill>
               </a:rPr>
-              <a:t>Example </a:t>
-            </a:r>
-            <a:r>
-              <a:rPr lang="en-US" sz="2400" b="1" dirty="0" smtClean="0">
-                <a:solidFill>
-                  <a:schemeClr val="bg1"/>
-                </a:solidFill>
-              </a:rPr>
-              <a:t>12-1</a:t>
+              <a:t>Example 12-1</a:t>
             </a:r>
             <a:endParaRPr lang="en-US" sz="2400" b="1" dirty="0">
               <a:solidFill>
@@ -17665,15 +17678,7 @@
           <a:p>
             <a:r>
               <a:rPr lang="en-US" dirty="0" smtClean="0"/>
-              <a:t>Accessed using </a:t>
-            </a:r>
-            <a:r>
-              <a:rPr lang="en-US" dirty="0" smtClean="0"/>
-              <a:t>the '-&gt;' </a:t>
-            </a:r>
-            <a:r>
-              <a:rPr lang="en-US" dirty="0" smtClean="0"/>
-              <a:t>operator</a:t>
+              <a:t>Accessed using the '-&gt;' operator</a:t>
             </a:r>
           </a:p>
           <a:p>
@@ -17681,14 +17686,12 @@
               <a:rPr lang="en-US" dirty="0" smtClean="0"/>
               <a:t>$ is not used when accessing</a:t>
             </a:r>
-            <a:endParaRPr lang="en-US" dirty="0" smtClean="0"/>
           </a:p>
           <a:p>
             <a:r>
               <a:rPr lang="en-US" dirty="0" smtClean="0"/>
               <a:t>Work like variables</a:t>
             </a:r>
-            <a:endParaRPr lang="en-US" dirty="0" smtClean="0"/>
           </a:p>
         </p:txBody>
       </p:sp>
@@ -18435,15 +18438,7 @@
                   <a:schemeClr val="bg1"/>
                 </a:solidFill>
               </a:rPr>
-              <a:t>Example </a:t>
-            </a:r>
-            <a:r>
-              <a:rPr lang="en-US" sz="2400" b="1" dirty="0" smtClean="0">
-                <a:solidFill>
-                  <a:schemeClr val="bg1"/>
-                </a:solidFill>
-              </a:rPr>
-              <a:t>12-2</a:t>
+              <a:t>Example 12-2</a:t>
             </a:r>
             <a:endParaRPr lang="en-US" sz="2400" b="1" dirty="0">
               <a:solidFill>
@@ -18612,15 +18607,7 @@
           <a:p>
             <a:r>
               <a:rPr lang="en-US" dirty="0" smtClean="0"/>
-              <a:t>Work </a:t>
-            </a:r>
-            <a:r>
-              <a:rPr lang="en-US" dirty="0" smtClean="0"/>
-              <a:t>just like </a:t>
-            </a:r>
-            <a:r>
-              <a:rPr lang="en-US" dirty="0" smtClean="0"/>
-              <a:t>functions</a:t>
+              <a:t>Work just like functions</a:t>
             </a:r>
             <a:endParaRPr lang="en-US" dirty="0"/>
           </a:p>
@@ -18637,11 +18624,7 @@
           <a:p>
             <a:r>
               <a:rPr lang="en-US" dirty="0" smtClean="0"/>
-              <a:t>Can </a:t>
-            </a:r>
-            <a:r>
-              <a:rPr lang="en-US" dirty="0" smtClean="0"/>
-              <a:t>be public, private, or protected</a:t>
+              <a:t>Can be public, private, or protected</a:t>
             </a:r>
           </a:p>
         </p:txBody>
@@ -18700,42 +18683,30 @@
           <a:p>
             <a:r>
               <a:rPr lang="en-US" dirty="0" smtClean="0"/>
-              <a:t>Creating </a:t>
-            </a:r>
+              <a:t>Creating methods</a:t>
+            </a:r>
+            <a:endParaRPr lang="en-US" dirty="0"/>
+          </a:p>
+        </p:txBody>
+      </p:sp>
+      <p:sp>
+        <p:nvSpPr>
+          <p:cNvPr id="8" name="Content Placeholder 7"/>
+          <p:cNvSpPr>
+            <a:spLocks noGrp="1"/>
+          </p:cNvSpPr>
+          <p:nvPr>
+            <p:ph idx="1"/>
+          </p:nvPr>
+        </p:nvSpPr>
+        <p:spPr/>
+        <p:txBody>
+          <a:bodyPr/>
+          <a:lstStyle/>
+          <a:p>
             <a:r>
               <a:rPr lang="en-US" dirty="0" smtClean="0"/>
-              <a:t>methods</a:t>
-            </a:r>
-            <a:endParaRPr lang="en-US" dirty="0"/>
-          </a:p>
-        </p:txBody>
-      </p:sp>
-      <p:sp>
-        <p:nvSpPr>
-          <p:cNvPr id="8" name="Content Placeholder 7"/>
-          <p:cNvSpPr>
-            <a:spLocks noGrp="1"/>
-          </p:cNvSpPr>
-          <p:nvPr>
-            <p:ph idx="1"/>
-          </p:nvPr>
-        </p:nvSpPr>
-        <p:spPr/>
-        <p:txBody>
-          <a:bodyPr/>
-          <a:lstStyle/>
-          <a:p>
-            <a:r>
-              <a:rPr lang="en-US" dirty="0" smtClean="0"/>
-              <a:t>Methods </a:t>
-            </a:r>
-            <a:r>
-              <a:rPr lang="en-US" dirty="0" smtClean="0"/>
-              <a:t>are </a:t>
-            </a:r>
-            <a:r>
-              <a:rPr lang="en-US" dirty="0" smtClean="0"/>
-              <a:t>defined inside the class</a:t>
+              <a:t>Methods are defined inside the class</a:t>
             </a:r>
           </a:p>
           <a:p>
@@ -18743,7 +18714,6 @@
               <a:rPr lang="en-US" dirty="0" smtClean="0"/>
               <a:t>Defined like a function, but with a visibility</a:t>
             </a:r>
-            <a:endParaRPr lang="en-US" dirty="0" smtClean="0"/>
           </a:p>
         </p:txBody>
       </p:sp>
@@ -18858,16 +18828,7 @@
                 </a:solidFill>
                 <a:latin typeface="Arial Unicode MS" panose="020B0604020202020204" pitchFamily="34" charset="-128"/>
               </a:rPr>
-              <a:t>&lt;?</a:t>
-            </a:r>
-            <a:r>
-              <a:rPr lang="en-US" altLang="en-US" sz="3200" dirty="0" smtClean="0">
-                <a:solidFill>
-                  <a:srgbClr val="7F0055"/>
-                </a:solidFill>
-                <a:latin typeface="Arial Unicode MS" panose="020B0604020202020204" pitchFamily="34" charset="-128"/>
-              </a:rPr>
-              <a:t>php</a:t>
+              <a:t>&lt;?php</a:t>
             </a:r>
           </a:p>
           <a:p>
@@ -19383,15 +19344,7 @@
                   <a:schemeClr val="bg1"/>
                 </a:solidFill>
               </a:rPr>
-              <a:t>Example </a:t>
-            </a:r>
-            <a:r>
-              <a:rPr lang="en-US" sz="2400" b="1" dirty="0" smtClean="0">
-                <a:solidFill>
-                  <a:schemeClr val="bg1"/>
-                </a:solidFill>
-              </a:rPr>
-              <a:t>13-1</a:t>
+              <a:t>Example 13-1</a:t>
             </a:r>
             <a:endParaRPr lang="en-US" sz="2400" b="1" dirty="0">
               <a:solidFill>
@@ -19528,20 +19481,7 @@
                 <a:effectLst/>
                 <a:latin typeface="Arial Unicode MS" panose="020B0604020202020204" pitchFamily="34" charset="-128"/>
               </a:rPr>
-              <a:t>&lt;?</a:t>
-            </a:r>
-            <a:r>
-              <a:rPr kumimoji="0" lang="en-US" altLang="en-US" sz="3200" b="0" i="0" u="none" strike="noStrike" cap="none" normalizeH="0" baseline="0" dirty="0" smtClean="0">
-                <a:ln>
-                  <a:noFill/>
-                </a:ln>
-                <a:solidFill>
-                  <a:srgbClr val="7F0055"/>
-                </a:solidFill>
-                <a:effectLst/>
-                <a:latin typeface="Arial Unicode MS" panose="020B0604020202020204" pitchFamily="34" charset="-128"/>
-              </a:rPr>
-              <a:t>php</a:t>
+              <a:t>&lt;?php</a:t>
             </a:r>
           </a:p>
           <a:p>
@@ -20292,125 +20232,98 @@
                 </a:solidFill>
                 <a:latin typeface="Arial Unicode MS" panose="020B0604020202020204" pitchFamily="34" charset="-128"/>
               </a:rPr>
+              <a:t> {</a:t>
+            </a:r>
+          </a:p>
+          <a:p>
+            <a:pPr marL="0" lvl="0" indent="0" eaLnBrk="0" fontAlgn="base" hangingPunct="0">
+              <a:lnSpc>
+                <a:spcPct val="100000"/>
+              </a:lnSpc>
+              <a:spcBef>
+                <a:spcPct val="0"/>
+              </a:spcBef>
+              <a:spcAft>
+                <a:spcPct val="0"/>
+              </a:spcAft>
+              <a:buNone/>
+            </a:pPr>
+            <a:r>
+              <a:rPr lang="en-US" altLang="en-US" sz="3200" dirty="0" smtClean="0">
+                <a:solidFill>
+                  <a:srgbClr val="7F0055"/>
+                </a:solidFill>
+                <a:latin typeface="Arial Unicode MS" panose="020B0604020202020204" pitchFamily="34" charset="-128"/>
+              </a:rPr>
+              <a:t>    </a:t>
+            </a:r>
+            <a:r>
+              <a:rPr lang="en-US" altLang="en-US" sz="3200" b="1" dirty="0">
+                <a:solidFill>
+                  <a:srgbClr val="7F0055"/>
+                </a:solidFill>
+                <a:latin typeface="Arial Unicode MS" panose="020B0604020202020204" pitchFamily="34" charset="-128"/>
+              </a:rPr>
+              <a:t>public function </a:t>
+            </a:r>
+            <a:r>
+              <a:rPr lang="en-US" altLang="en-US" sz="3200" dirty="0">
+                <a:solidFill>
+                  <a:srgbClr val="000000"/>
+                </a:solidFill>
+                <a:latin typeface="Arial Unicode MS" panose="020B0604020202020204" pitchFamily="34" charset="-128"/>
+              </a:rPr>
+              <a:t>foobar() {</a:t>
+            </a:r>
+          </a:p>
+          <a:p>
+            <a:pPr marL="0" lvl="0" indent="0" eaLnBrk="0" fontAlgn="base" hangingPunct="0">
+              <a:lnSpc>
+                <a:spcPct val="100000"/>
+              </a:lnSpc>
+              <a:spcBef>
+                <a:spcPct val="0"/>
+              </a:spcBef>
+              <a:spcAft>
+                <a:spcPct val="0"/>
+              </a:spcAft>
+              <a:buNone/>
+            </a:pPr>
+            <a:r>
+              <a:rPr lang="en-US" altLang="en-US" sz="3200" dirty="0" smtClean="0">
+                <a:solidFill>
+                  <a:srgbClr val="7F0055"/>
+                </a:solidFill>
+                <a:latin typeface="Arial Unicode MS" panose="020B0604020202020204" pitchFamily="34" charset="-128"/>
+              </a:rPr>
+              <a:t>        </a:t>
+            </a:r>
+            <a:r>
+              <a:rPr lang="en-US" altLang="en-US" sz="3200" b="1" dirty="0">
+                <a:solidFill>
+                  <a:srgbClr val="7F0055"/>
+                </a:solidFill>
+                <a:latin typeface="Arial Unicode MS" panose="020B0604020202020204" pitchFamily="34" charset="-128"/>
+              </a:rPr>
+              <a:t>echo</a:t>
+            </a:r>
+            <a:r>
+              <a:rPr lang="en-US" altLang="en-US" sz="3200" dirty="0">
+                <a:solidFill>
+                  <a:srgbClr val="7F0055"/>
+                </a:solidFill>
+                <a:latin typeface="Arial Unicode MS" panose="020B0604020202020204" pitchFamily="34" charset="-128"/>
+              </a:rPr>
               <a:t> </a:t>
             </a:r>
             <a:r>
               <a:rPr lang="en-US" altLang="en-US" sz="3200" dirty="0">
                 <a:solidFill>
-                  <a:srgbClr val="000000"/>
-                </a:solidFill>
-                <a:latin typeface="Arial Unicode MS" panose="020B0604020202020204" pitchFamily="34" charset="-128"/>
-              </a:rPr>
-              <a:t>{</a:t>
-            </a:r>
-          </a:p>
-          <a:p>
-            <a:pPr marL="0" lvl="0" indent="0" eaLnBrk="0" fontAlgn="base" hangingPunct="0">
-              <a:lnSpc>
-                <a:spcPct val="100000"/>
-              </a:lnSpc>
-              <a:spcBef>
-                <a:spcPct val="0"/>
-              </a:spcBef>
-              <a:spcAft>
-                <a:spcPct val="0"/>
-              </a:spcAft>
-              <a:buNone/>
-            </a:pPr>
-            <a:r>
-              <a:rPr lang="en-US" altLang="en-US" sz="3200" dirty="0" smtClean="0">
-                <a:solidFill>
-                  <a:srgbClr val="7F0055"/>
-                </a:solidFill>
-                <a:latin typeface="Arial Unicode MS" panose="020B0604020202020204" pitchFamily="34" charset="-128"/>
-              </a:rPr>
-              <a:t>    </a:t>
-            </a:r>
-            <a:r>
-              <a:rPr lang="en-US" altLang="en-US" sz="3200" b="1" dirty="0">
-                <a:solidFill>
-                  <a:srgbClr val="7F0055"/>
-                </a:solidFill>
-                <a:latin typeface="Arial Unicode MS" panose="020B0604020202020204" pitchFamily="34" charset="-128"/>
-              </a:rPr>
-              <a:t>public function </a:t>
-            </a:r>
-            <a:r>
-              <a:rPr lang="en-US" altLang="en-US" sz="3200" dirty="0">
-                <a:solidFill>
-                  <a:srgbClr val="000000"/>
-                </a:solidFill>
-                <a:latin typeface="Arial Unicode MS" panose="020B0604020202020204" pitchFamily="34" charset="-128"/>
-              </a:rPr>
-              <a:t>foobar() </a:t>
-            </a:r>
-            <a:r>
-              <a:rPr lang="en-US" altLang="en-US" sz="3200" dirty="0">
-                <a:solidFill>
-                  <a:srgbClr val="000000"/>
-                </a:solidFill>
-                <a:latin typeface="Arial Unicode MS" panose="020B0604020202020204" pitchFamily="34" charset="-128"/>
-              </a:rPr>
-              <a:t>{</a:t>
-            </a:r>
-          </a:p>
-          <a:p>
-            <a:pPr marL="0" lvl="0" indent="0" eaLnBrk="0" fontAlgn="base" hangingPunct="0">
-              <a:lnSpc>
-                <a:spcPct val="100000"/>
-              </a:lnSpc>
-              <a:spcBef>
-                <a:spcPct val="0"/>
-              </a:spcBef>
-              <a:spcAft>
-                <a:spcPct val="0"/>
-              </a:spcAft>
-              <a:buNone/>
-            </a:pPr>
-            <a:r>
-              <a:rPr lang="en-US" altLang="en-US" sz="3200" dirty="0" smtClean="0">
-                <a:solidFill>
-                  <a:srgbClr val="7F0055"/>
-                </a:solidFill>
-                <a:latin typeface="Arial Unicode MS" panose="020B0604020202020204" pitchFamily="34" charset="-128"/>
-              </a:rPr>
-              <a:t>        </a:t>
-            </a:r>
-            <a:r>
-              <a:rPr lang="en-US" altLang="en-US" sz="3200" b="1" dirty="0">
-                <a:solidFill>
-                  <a:srgbClr val="7F0055"/>
-                </a:solidFill>
-                <a:latin typeface="Arial Unicode MS" panose="020B0604020202020204" pitchFamily="34" charset="-128"/>
-              </a:rPr>
-              <a:t>echo</a:t>
-            </a:r>
-            <a:r>
-              <a:rPr lang="en-US" altLang="en-US" sz="3200" dirty="0">
-                <a:solidFill>
-                  <a:srgbClr val="7F0055"/>
-                </a:solidFill>
-                <a:latin typeface="Arial Unicode MS" panose="020B0604020202020204" pitchFamily="34" charset="-128"/>
-              </a:rPr>
-              <a:t> </a:t>
-            </a:r>
-            <a:r>
-              <a:rPr lang="en-US" altLang="en-US" sz="3200" dirty="0">
-                <a:solidFill>
                   <a:srgbClr val="2A00FF"/>
                 </a:solidFill>
                 <a:latin typeface="Arial Unicode MS" panose="020B0604020202020204" pitchFamily="34" charset="-128"/>
               </a:rPr>
-              <a:t>'foobar</a:t>
-            </a:r>
-            <a:r>
-              <a:rPr lang="en-US" altLang="en-US" sz="3200" dirty="0">
-                <a:solidFill>
-                  <a:srgbClr val="2A00FF"/>
-                </a:solidFill>
-                <a:latin typeface="Arial Unicode MS" panose="020B0604020202020204" pitchFamily="34" charset="-128"/>
-              </a:rPr>
-              <a:t>'</a:t>
+              <a:t>'foobar'</a:t>
             </a:r>
             <a:r>
               <a:rPr lang="en-US" altLang="en-US" sz="3200" dirty="0" smtClean="0">
@@ -20517,44 +20430,58 @@
                 </a:solidFill>
                 <a:latin typeface="Arial Unicode MS" panose="020B0604020202020204" pitchFamily="34" charset="-128"/>
               </a:rPr>
-              <a:t>$</a:t>
+              <a:t>$object = </a:t>
+            </a:r>
+            <a:r>
+              <a:rPr lang="en-US" altLang="en-US" sz="3200" b="1" dirty="0">
+                <a:solidFill>
+                  <a:srgbClr val="7F0055"/>
+                </a:solidFill>
+                <a:latin typeface="Arial Unicode MS" panose="020B0604020202020204" pitchFamily="34" charset="-128"/>
+              </a:rPr>
+              <a:t>new</a:t>
             </a:r>
             <a:r>
               <a:rPr lang="en-US" altLang="en-US" sz="3200" dirty="0">
                 <a:solidFill>
+                  <a:srgbClr val="7F0055"/>
+                </a:solidFill>
+                <a:latin typeface="Arial Unicode MS" panose="020B0604020202020204" pitchFamily="34" charset="-128"/>
+              </a:rPr>
+              <a:t> </a:t>
+            </a:r>
+            <a:r>
+              <a:rPr lang="en-US" altLang="en-US" sz="3200" dirty="0" err="1">
+                <a:solidFill>
                   <a:srgbClr val="000000"/>
                 </a:solidFill>
                 <a:latin typeface="Arial Unicode MS" panose="020B0604020202020204" pitchFamily="34" charset="-128"/>
               </a:rPr>
-              <a:t>object = </a:t>
-            </a:r>
-            <a:r>
-              <a:rPr lang="en-US" altLang="en-US" sz="3200" b="1" dirty="0">
-                <a:solidFill>
-                  <a:srgbClr val="7F0055"/>
-                </a:solidFill>
-                <a:latin typeface="Arial Unicode MS" panose="020B0604020202020204" pitchFamily="34" charset="-128"/>
-              </a:rPr>
-              <a:t>new</a:t>
+              <a:t>exampleClass</a:t>
             </a:r>
             <a:r>
               <a:rPr lang="en-US" altLang="en-US" sz="3200" dirty="0">
                 <a:solidFill>
-                  <a:srgbClr val="7F0055"/>
-                </a:solidFill>
-                <a:latin typeface="Arial Unicode MS" panose="020B0604020202020204" pitchFamily="34" charset="-128"/>
-              </a:rPr>
-              <a:t> </a:t>
-            </a:r>
-            <a:r>
-              <a:rPr lang="en-US" altLang="en-US" sz="3200" dirty="0" err="1">
-                <a:solidFill>
                   <a:srgbClr val="000000"/>
                 </a:solidFill>
                 <a:latin typeface="Arial Unicode MS" panose="020B0604020202020204" pitchFamily="34" charset="-128"/>
               </a:rPr>
-              <a:t>exampleClass</a:t>
-            </a:r>
+              <a:t>();</a:t>
+            </a:r>
+          </a:p>
+          <a:p>
+            <a:pPr marL="0" lvl="0" indent="0" eaLnBrk="0" fontAlgn="base" hangingPunct="0">
+              <a:lnSpc>
+                <a:spcPct val="100000"/>
+              </a:lnSpc>
+              <a:spcBef>
+                <a:spcPct val="0"/>
+              </a:spcBef>
+              <a:spcAft>
+                <a:spcPct val="0"/>
+              </a:spcAft>
+              <a:buNone/>
+            </a:pPr>
             <a:r>
               <a:rPr lang="en-US" altLang="en-US" sz="3200" dirty="0">
                 <a:solidFill>
@@ -20562,48 +20489,7 @@
                 </a:solidFill>
                 <a:latin typeface="Arial Unicode MS" panose="020B0604020202020204" pitchFamily="34" charset="-128"/>
               </a:rPr>
-              <a:t>();</a:t>
-            </a:r>
-          </a:p>
-          <a:p>
-            <a:pPr marL="0" lvl="0" indent="0" eaLnBrk="0" fontAlgn="base" hangingPunct="0">
-              <a:lnSpc>
-                <a:spcPct val="100000"/>
-              </a:lnSpc>
-              <a:spcBef>
-                <a:spcPct val="0"/>
-              </a:spcBef>
-              <a:spcAft>
-                <a:spcPct val="0"/>
-              </a:spcAft>
-              <a:buNone/>
-            </a:pPr>
-            <a:r>
-              <a:rPr lang="en-US" altLang="en-US" sz="3200" dirty="0">
-                <a:solidFill>
-                  <a:srgbClr val="000000"/>
-                </a:solidFill>
-                <a:latin typeface="Arial Unicode MS" panose="020B0604020202020204" pitchFamily="34" charset="-128"/>
-              </a:rPr>
-              <a:t>$</a:t>
-            </a:r>
-            <a:r>
-              <a:rPr lang="en-US" altLang="en-US" sz="3200" dirty="0">
-                <a:solidFill>
-                  <a:srgbClr val="000000"/>
-                </a:solidFill>
-                <a:latin typeface="Arial Unicode MS" panose="020B0604020202020204" pitchFamily="34" charset="-128"/>
-              </a:rPr>
-              <a:t>object-&gt;foobar</a:t>
-            </a:r>
-            <a:r>
-              <a:rPr lang="en-US" altLang="en-US" sz="3200" dirty="0">
-                <a:solidFill>
-                  <a:srgbClr val="000000"/>
-                </a:solidFill>
-                <a:latin typeface="Arial Unicode MS" panose="020B0604020202020204" pitchFamily="34" charset="-128"/>
-              </a:rPr>
-              <a:t>();</a:t>
+              <a:t>$object-&gt;foobar();</a:t>
             </a:r>
           </a:p>
           <a:p>
@@ -20824,15 +20710,7 @@
                   <a:schemeClr val="bg1"/>
                 </a:solidFill>
               </a:rPr>
-              <a:t>Example </a:t>
-            </a:r>
-            <a:r>
-              <a:rPr lang="en-US" sz="2400" b="1" dirty="0" smtClean="0">
-                <a:solidFill>
-                  <a:schemeClr val="bg1"/>
-                </a:solidFill>
-              </a:rPr>
-              <a:t>13-2</a:t>
+              <a:t>Example 13-2</a:t>
             </a:r>
             <a:endParaRPr lang="en-US" sz="2400" b="1" dirty="0">
               <a:solidFill>
@@ -21056,20 +20934,7 @@
                 <a:effectLst/>
                 <a:latin typeface="Arial Unicode MS" panose="020B0604020202020204" pitchFamily="34" charset="-128"/>
               </a:rPr>
-              <a:t>&lt;?</a:t>
-            </a:r>
-            <a:r>
-              <a:rPr kumimoji="0" lang="en-US" altLang="en-US" sz="3200" b="0" i="0" u="none" strike="noStrike" cap="none" normalizeH="0" baseline="0" dirty="0" smtClean="0">
-                <a:ln>
-                  <a:noFill/>
-                </a:ln>
-                <a:solidFill>
-                  <a:srgbClr val="7F0055"/>
-                </a:solidFill>
-                <a:effectLst/>
-                <a:latin typeface="Arial Unicode MS" panose="020B0604020202020204" pitchFamily="34" charset="-128"/>
-              </a:rPr>
-              <a:t>php</a:t>
+              <a:t>&lt;?php</a:t>
             </a:r>
           </a:p>
           <a:p>
@@ -21688,20 +21553,7 @@
                 <a:effectLst/>
                 <a:latin typeface="Arial Unicode MS" panose="020B0604020202020204" pitchFamily="34" charset="-128"/>
               </a:rPr>
-              <a:t>&lt;?</a:t>
-            </a:r>
-            <a:r>
-              <a:rPr kumimoji="0" lang="en-US" altLang="en-US" sz="3200" b="0" i="0" u="none" strike="noStrike" cap="none" normalizeH="0" baseline="0" dirty="0" smtClean="0">
-                <a:ln>
-                  <a:noFill/>
-                </a:ln>
-                <a:solidFill>
-                  <a:srgbClr val="7F0055"/>
-                </a:solidFill>
-                <a:effectLst/>
-                <a:latin typeface="Arial Unicode MS" panose="020B0604020202020204" pitchFamily="34" charset="-128"/>
-              </a:rPr>
-              <a:t>php</a:t>
+              <a:t>&lt;?php</a:t>
             </a:r>
           </a:p>
           <a:p>
@@ -22361,20 +22213,7 @@
                 <a:effectLst/>
                 <a:latin typeface="Arial Unicode MS" panose="020B0604020202020204" pitchFamily="34" charset="-128"/>
               </a:rPr>
-              <a:t>&lt;?</a:t>
-            </a:r>
-            <a:r>
-              <a:rPr kumimoji="0" lang="en-US" altLang="en-US" sz="3200" b="0" i="0" u="none" strike="noStrike" cap="none" normalizeH="0" baseline="0" dirty="0" smtClean="0">
-                <a:ln>
-                  <a:noFill/>
-                </a:ln>
-                <a:solidFill>
-                  <a:srgbClr val="7F0055"/>
-                </a:solidFill>
-                <a:effectLst/>
-                <a:latin typeface="Arial Unicode MS" panose="020B0604020202020204" pitchFamily="34" charset="-128"/>
-              </a:rPr>
-              <a:t>php</a:t>
+              <a:t>&lt;?php</a:t>
             </a:r>
           </a:p>
           <a:p>
@@ -23030,20 +22869,7 @@
                 <a:effectLst/>
                 <a:latin typeface="Arial Unicode MS" panose="020B0604020202020204" pitchFamily="34" charset="-128"/>
               </a:rPr>
-              <a:t>&lt;?</a:t>
-            </a:r>
-            <a:r>
-              <a:rPr kumimoji="0" lang="en-US" altLang="en-US" sz="3200" b="0" i="0" u="none" strike="noStrike" cap="none" normalizeH="0" baseline="0" dirty="0" smtClean="0">
-                <a:ln>
-                  <a:noFill/>
-                </a:ln>
-                <a:solidFill>
-                  <a:srgbClr val="7F0055"/>
-                </a:solidFill>
-                <a:effectLst/>
-                <a:latin typeface="Arial Unicode MS" panose="020B0604020202020204" pitchFamily="34" charset="-128"/>
-              </a:rPr>
-              <a:t>php</a:t>
+              <a:t>&lt;?php</a:t>
             </a:r>
           </a:p>
           <a:p>
@@ -23811,20 +23637,7 @@
                 <a:effectLst/>
                 <a:latin typeface="Arial Unicode MS" panose="020B0604020202020204" pitchFamily="34" charset="-128"/>
               </a:rPr>
-              <a:t>&lt;?</a:t>
-            </a:r>
-            <a:r>
-              <a:rPr kumimoji="0" lang="en-US" altLang="en-US" sz="3200" b="0" i="0" u="none" strike="noStrike" cap="none" normalizeH="0" baseline="0" dirty="0" smtClean="0">
-                <a:ln>
-                  <a:noFill/>
-                </a:ln>
-                <a:solidFill>
-                  <a:srgbClr val="7F0055"/>
-                </a:solidFill>
-                <a:effectLst/>
-                <a:latin typeface="Arial Unicode MS" panose="020B0604020202020204" pitchFamily="34" charset="-128"/>
-              </a:rPr>
-              <a:t>php</a:t>
+              <a:t>&lt;?php</a:t>
             </a:r>
             <a:endParaRPr lang="en-US" altLang="en-US" sz="3200" dirty="0" smtClean="0">
               <a:solidFill>
@@ -24801,20 +24614,7 @@
                 <a:effectLst/>
                 <a:latin typeface="Arial Unicode MS" panose="020B0604020202020204" pitchFamily="34" charset="-128"/>
               </a:rPr>
-              <a:t>&lt;?</a:t>
-            </a:r>
-            <a:r>
-              <a:rPr kumimoji="0" lang="en-US" altLang="en-US" sz="3200" b="0" i="0" u="none" strike="noStrike" cap="none" normalizeH="0" baseline="0" dirty="0" smtClean="0">
-                <a:ln>
-                  <a:noFill/>
-                </a:ln>
-                <a:solidFill>
-                  <a:srgbClr val="7F0055"/>
-                </a:solidFill>
-                <a:effectLst/>
-                <a:latin typeface="Arial Unicode MS" panose="020B0604020202020204" pitchFamily="34" charset="-128"/>
-              </a:rPr>
-              <a:t>php</a:t>
+              <a:t>&lt;?php</a:t>
             </a:r>
             <a:endParaRPr lang="en-US" altLang="en-US" sz="3200" dirty="0">
               <a:solidFill>
@@ -25536,20 +25336,7 @@
                 <a:effectLst/>
                 <a:latin typeface="Arial Unicode MS" panose="020B0604020202020204" pitchFamily="34" charset="-128"/>
               </a:rPr>
-              <a:t>&lt;?</a:t>
-            </a:r>
-            <a:r>
-              <a:rPr kumimoji="0" lang="en-US" altLang="en-US" sz="3200" b="0" i="0" u="none" strike="noStrike" cap="none" normalizeH="0" baseline="0" dirty="0" smtClean="0">
-                <a:ln>
-                  <a:noFill/>
-                </a:ln>
-                <a:solidFill>
-                  <a:srgbClr val="7F0055"/>
-                </a:solidFill>
-                <a:effectLst/>
-                <a:latin typeface="Arial Unicode MS" panose="020B0604020202020204" pitchFamily="34" charset="-128"/>
-              </a:rPr>
-              <a:t>php</a:t>
+              <a:t>&lt;?php</a:t>
             </a:r>
             <a:endParaRPr lang="en-US" altLang="en-US" sz="3200" dirty="0">
               <a:solidFill>
@@ -26267,20 +26054,7 @@
                 <a:effectLst/>
                 <a:latin typeface="Arial Unicode MS" panose="020B0604020202020204" pitchFamily="34" charset="-128"/>
               </a:rPr>
-              <a:t>&lt;?</a:t>
-            </a:r>
-            <a:r>
-              <a:rPr kumimoji="0" lang="en-US" altLang="en-US" sz="3200" b="0" i="0" u="none" strike="noStrike" cap="none" normalizeH="0" baseline="0" dirty="0" smtClean="0">
-                <a:ln>
-                  <a:noFill/>
-                </a:ln>
-                <a:solidFill>
-                  <a:srgbClr val="7F0055"/>
-                </a:solidFill>
-                <a:effectLst/>
-                <a:latin typeface="Arial Unicode MS" panose="020B0604020202020204" pitchFamily="34" charset="-128"/>
-              </a:rPr>
-              <a:t>php</a:t>
+              <a:t>&lt;?php</a:t>
             </a:r>
             <a:endParaRPr lang="en-US" altLang="en-US" sz="3200" dirty="0">
               <a:solidFill>
@@ -27163,20 +26937,7 @@
                 <a:effectLst/>
                 <a:latin typeface="Arial Unicode MS" panose="020B0604020202020204" pitchFamily="34" charset="-128"/>
               </a:rPr>
-              <a:t>&lt;?</a:t>
-            </a:r>
-            <a:r>
-              <a:rPr kumimoji="0" lang="en-US" altLang="en-US" sz="3200" b="0" i="0" u="none" strike="noStrike" cap="none" normalizeH="0" baseline="0" dirty="0" smtClean="0">
-                <a:ln>
-                  <a:noFill/>
-                </a:ln>
-                <a:solidFill>
-                  <a:srgbClr val="7F0055"/>
-                </a:solidFill>
-                <a:effectLst/>
-                <a:latin typeface="Arial Unicode MS" panose="020B0604020202020204" pitchFamily="34" charset="-128"/>
-              </a:rPr>
-              <a:t>php</a:t>
+              <a:t>&lt;?php</a:t>
             </a:r>
           </a:p>
           <a:p>
@@ -27857,20 +27618,7 @@
                 <a:effectLst/>
                 <a:latin typeface="Arial Unicode MS" panose="020B0604020202020204" pitchFamily="34" charset="-128"/>
               </a:rPr>
-              <a:t>&lt;?</a:t>
-            </a:r>
-            <a:r>
-              <a:rPr kumimoji="0" lang="en-US" altLang="en-US" sz="3200" b="0" i="0" u="none" strike="noStrike" cap="none" normalizeH="0" baseline="0" dirty="0" smtClean="0">
-                <a:ln>
-                  <a:noFill/>
-                </a:ln>
-                <a:solidFill>
-                  <a:srgbClr val="7F0055"/>
-                </a:solidFill>
-                <a:effectLst/>
-                <a:latin typeface="Arial Unicode MS" panose="020B0604020202020204" pitchFamily="34" charset="-128"/>
-              </a:rPr>
-              <a:t>php</a:t>
+              <a:t>&lt;?php</a:t>
             </a:r>
             <a:endParaRPr lang="en-US" altLang="en-US" sz="3200" dirty="0">
               <a:solidFill>
@@ -28620,20 +28368,7 @@
                 <a:effectLst/>
                 <a:latin typeface="Arial Unicode MS" panose="020B0604020202020204" pitchFamily="34" charset="-128"/>
               </a:rPr>
-              <a:t>&lt;?</a:t>
-            </a:r>
-            <a:r>
-              <a:rPr kumimoji="0" lang="en-US" altLang="en-US" sz="3200" b="0" i="0" u="none" strike="noStrike" cap="none" normalizeH="0" baseline="0" dirty="0" smtClean="0">
-                <a:ln>
-                  <a:noFill/>
-                </a:ln>
-                <a:solidFill>
-                  <a:srgbClr val="7F0055"/>
-                </a:solidFill>
-                <a:effectLst/>
-                <a:latin typeface="Arial Unicode MS" panose="020B0604020202020204" pitchFamily="34" charset="-128"/>
-              </a:rPr>
-              <a:t>php</a:t>
+              <a:t>&lt;?php</a:t>
             </a:r>
             <a:endParaRPr lang="en-US" altLang="en-US" sz="3200" dirty="0">
               <a:solidFill>
@@ -29340,20 +29075,7 @@
                 <a:effectLst/>
                 <a:latin typeface="Arial Unicode MS" panose="020B0604020202020204" pitchFamily="34" charset="-128"/>
               </a:rPr>
-              <a:t>&lt;?</a:t>
-            </a:r>
-            <a:r>
-              <a:rPr kumimoji="0" lang="en-US" altLang="en-US" sz="3200" b="0" i="0" u="none" strike="noStrike" cap="none" normalizeH="0" baseline="0" dirty="0" smtClean="0">
-                <a:ln>
-                  <a:noFill/>
-                </a:ln>
-                <a:solidFill>
-                  <a:srgbClr val="7F0055"/>
-                </a:solidFill>
-                <a:effectLst/>
-                <a:latin typeface="Arial Unicode MS" panose="020B0604020202020204" pitchFamily="34" charset="-128"/>
-              </a:rPr>
-              <a:t>php</a:t>
+              <a:t>&lt;?php</a:t>
             </a:r>
             <a:endParaRPr lang="en-US" altLang="en-US" sz="3200" dirty="0">
               <a:solidFill>
@@ -30072,20 +29794,7 @@
                 <a:effectLst/>
                 <a:latin typeface="Arial Unicode MS" panose="020B0604020202020204" pitchFamily="34" charset="-128"/>
               </a:rPr>
-              <a:t>&lt;?</a:t>
-            </a:r>
-            <a:r>
-              <a:rPr kumimoji="0" lang="en-US" altLang="en-US" sz="3200" b="0" i="0" u="none" strike="noStrike" cap="none" normalizeH="0" baseline="0" dirty="0" smtClean="0">
-                <a:ln>
-                  <a:noFill/>
-                </a:ln>
-                <a:solidFill>
-                  <a:srgbClr val="7F0055"/>
-                </a:solidFill>
-                <a:effectLst/>
-                <a:latin typeface="Arial Unicode MS" panose="020B0604020202020204" pitchFamily="34" charset="-128"/>
-              </a:rPr>
-              <a:t>php</a:t>
+              <a:t>&lt;?php</a:t>
             </a:r>
             <a:endParaRPr lang="en-US" altLang="en-US" sz="3200" dirty="0">
               <a:solidFill>
@@ -31095,7 +30804,34 @@
                 <a:effectLst/>
                 <a:latin typeface="Arial Unicode MS" panose="020B0604020202020204" pitchFamily="34" charset="-128"/>
               </a:rPr>
-              <a:t>&lt;?</a:t>
+              <a:t>&lt;?php</a:t>
+            </a:r>
+          </a:p>
+          <a:p>
+            <a:pPr marL="0" lvl="0" indent="0" eaLnBrk="0" fontAlgn="base" hangingPunct="0">
+              <a:lnSpc>
+                <a:spcPct val="100000"/>
+              </a:lnSpc>
+              <a:spcBef>
+                <a:spcPct val="0"/>
+              </a:spcBef>
+              <a:spcAft>
+                <a:spcPct val="0"/>
+              </a:spcAft>
+              <a:buNone/>
+            </a:pPr>
+            <a:r>
+              <a:rPr kumimoji="0" lang="en-US" altLang="en-US" sz="3200" b="1" i="0" u="none" strike="noStrike" cap="none" normalizeH="0" baseline="0" dirty="0" smtClean="0">
+                <a:ln>
+                  <a:noFill/>
+                </a:ln>
+                <a:solidFill>
+                  <a:srgbClr val="7F0055"/>
+                </a:solidFill>
+                <a:effectLst/>
+                <a:latin typeface="Arial Unicode MS" panose="020B0604020202020204" pitchFamily="34" charset="-128"/>
+              </a:rPr>
+              <a:t>if</a:t>
             </a:r>
             <a:r>
               <a:rPr kumimoji="0" lang="en-US" altLang="en-US" sz="3200" b="0" i="0" u="none" strike="noStrike" cap="none" normalizeH="0" baseline="0" dirty="0" smtClean="0">
@@ -31103,65 +30839,12 @@
                   <a:noFill/>
                 </a:ln>
                 <a:solidFill>
-                  <a:srgbClr val="7F0055"/>
+                  <a:srgbClr val="000000"/>
                 </a:solidFill>
                 <a:effectLst/>
                 <a:latin typeface="Arial Unicode MS" panose="020B0604020202020204" pitchFamily="34" charset="-128"/>
               </a:rPr>
-              <a:t>php</a:t>
-            </a:r>
-          </a:p>
-          <a:p>
-            <a:pPr marL="0" lvl="0" indent="0" eaLnBrk="0" fontAlgn="base" hangingPunct="0">
-              <a:lnSpc>
-                <a:spcPct val="100000"/>
-              </a:lnSpc>
-              <a:spcBef>
-                <a:spcPct val="0"/>
-              </a:spcBef>
-              <a:spcAft>
-                <a:spcPct val="0"/>
-              </a:spcAft>
-              <a:buNone/>
-            </a:pPr>
-            <a:r>
-              <a:rPr kumimoji="0" lang="en-US" altLang="en-US" sz="3200" b="1" i="0" u="none" strike="noStrike" cap="none" normalizeH="0" baseline="0" dirty="0" smtClean="0">
-                <a:ln>
-                  <a:noFill/>
-                </a:ln>
-                <a:solidFill>
-                  <a:srgbClr val="7F0055"/>
-                </a:solidFill>
-                <a:effectLst/>
-                <a:latin typeface="Arial Unicode MS" panose="020B0604020202020204" pitchFamily="34" charset="-128"/>
-              </a:rPr>
-              <a:t>if</a:t>
-            </a:r>
-            <a:r>
-              <a:rPr kumimoji="0" lang="en-US" altLang="en-US" sz="3200" b="0" i="0" u="none" strike="noStrike" cap="none" normalizeH="0" baseline="0" dirty="0" smtClean="0">
-                <a:ln>
-                  <a:noFill/>
-                </a:ln>
-                <a:solidFill>
-                  <a:srgbClr val="000000"/>
-                </a:solidFill>
-                <a:effectLst/>
-                <a:latin typeface="Arial Unicode MS" panose="020B0604020202020204" pitchFamily="34" charset="-128"/>
-              </a:rPr>
-              <a:t> </a:t>
-            </a:r>
-            <a:r>
-              <a:rPr kumimoji="0" lang="en-US" altLang="en-US" sz="3200" b="0" i="0" u="none" strike="noStrike" cap="none" normalizeH="0" baseline="0" dirty="0" smtClean="0">
-                <a:ln>
-                  <a:noFill/>
-                </a:ln>
-                <a:solidFill>
-                  <a:srgbClr val="000000"/>
-                </a:solidFill>
-                <a:effectLst/>
-                <a:latin typeface="Arial Unicode MS" panose="020B0604020202020204" pitchFamily="34" charset="-128"/>
-              </a:rPr>
-              <a:t>(</a:t>
+              <a:t> (</a:t>
             </a:r>
             <a:r>
               <a:rPr kumimoji="0" lang="en-US" altLang="en-US" sz="3200" b="1" i="0" u="none" strike="noStrike" cap="none" normalizeH="0" baseline="0" dirty="0" smtClean="0">
@@ -31871,15 +31554,7 @@
                   <a:schemeClr val="bg1"/>
                 </a:solidFill>
               </a:rPr>
-              <a:t>Example </a:t>
-            </a:r>
-            <a:r>
-              <a:rPr lang="en-US" sz="2400" b="1" dirty="0" smtClean="0">
-                <a:solidFill>
-                  <a:schemeClr val="bg1"/>
-                </a:solidFill>
-              </a:rPr>
-              <a:t>4-1</a:t>
+              <a:t>Example 4-1</a:t>
             </a:r>
             <a:endParaRPr lang="en-US" sz="2400" b="1" dirty="0">
               <a:solidFill>
@@ -32099,20 +31774,7 @@
                 <a:effectLst/>
                 <a:latin typeface="Arial Unicode MS" panose="020B0604020202020204" pitchFamily="34" charset="-128"/>
               </a:rPr>
-              <a:t>&lt;?</a:t>
-            </a:r>
-            <a:r>
-              <a:rPr kumimoji="0" lang="en-US" altLang="en-US" sz="3200" b="0" i="0" u="none" strike="noStrike" cap="none" normalizeH="0" baseline="0" dirty="0" smtClean="0">
-                <a:ln>
-                  <a:noFill/>
-                </a:ln>
-                <a:solidFill>
-                  <a:srgbClr val="7F0055"/>
-                </a:solidFill>
-                <a:effectLst/>
-                <a:latin typeface="Arial Unicode MS" panose="020B0604020202020204" pitchFamily="34" charset="-128"/>
-              </a:rPr>
-              <a:t>php</a:t>
+              <a:t>&lt;?php</a:t>
             </a:r>
             <a:endParaRPr lang="en-US" altLang="en-US" sz="3200" dirty="0">
               <a:solidFill>
@@ -32979,15 +32641,7 @@
                   <a:schemeClr val="bg1"/>
                 </a:solidFill>
               </a:rPr>
-              <a:t>Example </a:t>
-            </a:r>
-            <a:r>
-              <a:rPr lang="en-US" sz="2400" b="1" dirty="0" smtClean="0">
-                <a:solidFill>
-                  <a:schemeClr val="bg1"/>
-                </a:solidFill>
-              </a:rPr>
-              <a:t>4-2</a:t>
+              <a:t>Example 4-2</a:t>
             </a:r>
             <a:endParaRPr lang="en-US" sz="2400" b="1" dirty="0">
               <a:solidFill>
@@ -33254,33 +32908,7 @@
                 <a:effectLst/>
                 <a:latin typeface="Arial Unicode MS" panose="020B0604020202020204" pitchFamily="34" charset="-128"/>
               </a:rPr>
-              <a:t>$</a:t>
-            </a:r>
-            <a:r>
-              <a:rPr kumimoji="0" lang="en-US" altLang="en-US" sz="3200" b="0" i="0" u="none" strike="noStrike" cap="none" normalizeH="0" baseline="0" dirty="0" smtClean="0">
-                <a:ln>
-                  <a:noFill/>
-                </a:ln>
-                <a:solidFill>
-                  <a:srgbClr val="000000"/>
-                </a:solidFill>
-                <a:effectLst/>
-                <a:latin typeface="Arial Unicode MS" panose="020B0604020202020204" pitchFamily="34" charset="-128"/>
-              </a:rPr>
-              <a:t>var = 1</a:t>
-            </a:r>
-            <a:r>
-              <a:rPr kumimoji="0" lang="en-US" altLang="en-US" sz="3200" b="0" i="0" u="none" strike="noStrike" cap="none" normalizeH="0" baseline="0" dirty="0" smtClean="0">
-                <a:ln>
-                  <a:noFill/>
-                </a:ln>
-                <a:solidFill>
-                  <a:srgbClr val="000000"/>
-                </a:solidFill>
-                <a:effectLst/>
-                <a:latin typeface="Arial Unicode MS" panose="020B0604020202020204" pitchFamily="34" charset="-128"/>
-              </a:rPr>
-              <a:t>;</a:t>
+              <a:t>$var = 1;</a:t>
             </a:r>
           </a:p>
           <a:p>
@@ -33344,20 +32972,7 @@
                 <a:effectLst/>
                 <a:latin typeface="Arial Unicode MS" panose="020B0604020202020204" pitchFamily="34" charset="-128"/>
               </a:rPr>
-              <a:t> </a:t>
-            </a:r>
-            <a:r>
-              <a:rPr kumimoji="0" lang="en-US" altLang="en-US" sz="3200" b="0" i="0" u="none" strike="noStrike" cap="none" normalizeH="0" baseline="0" dirty="0" smtClean="0">
-                <a:ln>
-                  <a:noFill/>
-                </a:ln>
-                <a:solidFill>
-                  <a:srgbClr val="000000"/>
-                </a:solidFill>
-                <a:effectLst/>
-                <a:latin typeface="Arial Unicode MS" panose="020B0604020202020204" pitchFamily="34" charset="-128"/>
-              </a:rPr>
-              <a:t>($var == 0) {</a:t>
+              <a:t> ($var == 0) {</a:t>
             </a:r>
           </a:p>
           <a:p>
@@ -33934,15 +33549,7 @@
                   <a:schemeClr val="bg1"/>
                 </a:solidFill>
               </a:rPr>
-              <a:t>Example </a:t>
-            </a:r>
-            <a:r>
-              <a:rPr lang="en-US" sz="2400" b="1" dirty="0" smtClean="0">
-                <a:solidFill>
-                  <a:schemeClr val="bg1"/>
-                </a:solidFill>
-              </a:rPr>
-              <a:t>4-3</a:t>
+              <a:t>Example 4-3</a:t>
             </a:r>
             <a:endParaRPr lang="en-US" sz="2400" b="1" dirty="0">
               <a:solidFill>
@@ -34166,16 +33773,7 @@
                 </a:solidFill>
                 <a:latin typeface="Arial Unicode MS" panose="020B0604020202020204" pitchFamily="34" charset="-128"/>
               </a:rPr>
-              <a:t>&lt;?</a:t>
-            </a:r>
-            <a:r>
-              <a:rPr lang="en-US" altLang="en-US" sz="3200" dirty="0" smtClean="0">
-                <a:solidFill>
-                  <a:srgbClr val="7F0055"/>
-                </a:solidFill>
-                <a:latin typeface="Arial Unicode MS" panose="020B0604020202020204" pitchFamily="34" charset="-128"/>
-              </a:rPr>
-              <a:t>php</a:t>
+              <a:t>&lt;?php</a:t>
             </a:r>
             <a:endParaRPr lang="en-US" altLang="en-US" sz="3200" dirty="0">
               <a:solidFill>
@@ -34770,15 +34368,7 @@
                   <a:schemeClr val="bg1"/>
                 </a:solidFill>
               </a:rPr>
-              <a:t>Example </a:t>
-            </a:r>
-            <a:r>
-              <a:rPr lang="en-US" sz="2400" b="1" dirty="0" smtClean="0">
-                <a:solidFill>
-                  <a:schemeClr val="bg1"/>
-                </a:solidFill>
-              </a:rPr>
-              <a:t>4-4</a:t>
+              <a:t>Example 4-4</a:t>
             </a:r>
             <a:endParaRPr lang="en-US" sz="2400" b="1" dirty="0">
               <a:solidFill>
@@ -35087,20 +34677,7 @@
                 <a:effectLst/>
                 <a:latin typeface="Arial Unicode MS" panose="020B0604020202020204" pitchFamily="34" charset="-128"/>
               </a:rPr>
-              <a:t>&lt;?</a:t>
-            </a:r>
-            <a:r>
-              <a:rPr kumimoji="0" lang="en-US" altLang="en-US" sz="3200" b="0" i="0" u="none" strike="noStrike" cap="none" normalizeH="0" baseline="0" dirty="0" smtClean="0">
-                <a:ln>
-                  <a:noFill/>
-                </a:ln>
-                <a:solidFill>
-                  <a:srgbClr val="7F0055"/>
-                </a:solidFill>
-                <a:effectLst/>
-                <a:latin typeface="Arial Unicode MS" panose="020B0604020202020204" pitchFamily="34" charset="-128"/>
-              </a:rPr>
-              <a:t>php</a:t>
+              <a:t>&lt;?php</a:t>
             </a:r>
             <a:endParaRPr lang="en-US" altLang="en-US" sz="3200" dirty="0">
               <a:solidFill>
@@ -35692,16 +35269,7 @@
                 </a:solidFill>
                 <a:latin typeface="Arial Unicode MS" panose="020B0604020202020204" pitchFamily="34" charset="-128"/>
               </a:rPr>
-              <a:t>&lt;?</a:t>
-            </a:r>
-            <a:r>
-              <a:rPr lang="en-US" altLang="en-US" sz="3200" dirty="0" smtClean="0">
-                <a:solidFill>
-                  <a:srgbClr val="7F0055"/>
-                </a:solidFill>
-                <a:latin typeface="Arial Unicode MS" panose="020B0604020202020204" pitchFamily="34" charset="-128"/>
-              </a:rPr>
-              <a:t>php</a:t>
+              <a:t>&lt;?php</a:t>
             </a:r>
             <a:endParaRPr lang="en-US" altLang="en-US" sz="3200" dirty="0" smtClean="0">
               <a:solidFill>
@@ -36163,15 +35731,7 @@
                   <a:schemeClr val="bg1"/>
                 </a:solidFill>
               </a:rPr>
-              <a:t>Example </a:t>
-            </a:r>
-            <a:r>
-              <a:rPr lang="en-US" sz="2400" b="1" dirty="0" smtClean="0">
-                <a:solidFill>
-                  <a:schemeClr val="bg1"/>
-                </a:solidFill>
-              </a:rPr>
-              <a:t>5-1</a:t>
+              <a:t>Example 5-1</a:t>
             </a:r>
             <a:endParaRPr lang="en-US" sz="2400" b="1" dirty="0">
               <a:solidFill>
@@ -36380,16 +35940,7 @@
                 </a:solidFill>
                 <a:latin typeface="Arial Unicode MS" panose="020B0604020202020204" pitchFamily="34" charset="-128"/>
               </a:rPr>
-              <a:t>&lt;?</a:t>
-            </a:r>
-            <a:r>
-              <a:rPr lang="en-US" altLang="en-US" sz="3200" dirty="0" smtClean="0">
-                <a:solidFill>
-                  <a:srgbClr val="7F0055"/>
-                </a:solidFill>
-                <a:latin typeface="Arial Unicode MS" panose="020B0604020202020204" pitchFamily="34" charset="-128"/>
-              </a:rPr>
-              <a:t>php</a:t>
+              <a:t>&lt;?php</a:t>
             </a:r>
             <a:endParaRPr lang="en-US" altLang="en-US" sz="3200" dirty="0" smtClean="0">
               <a:solidFill>
@@ -36856,15 +36407,7 @@
                   <a:schemeClr val="bg1"/>
                 </a:solidFill>
               </a:rPr>
-              <a:t>Example </a:t>
-            </a:r>
-            <a:r>
-              <a:rPr lang="en-US" sz="2400" b="1" dirty="0" smtClean="0">
-                <a:solidFill>
-                  <a:schemeClr val="bg1"/>
-                </a:solidFill>
-              </a:rPr>
-              <a:t>5-2</a:t>
+              <a:t>Example 5-2</a:t>
             </a:r>
             <a:endParaRPr lang="en-US" sz="2400" b="1" dirty="0">
               <a:solidFill>
@@ -37073,16 +36616,7 @@
                 </a:solidFill>
                 <a:latin typeface="Arial Unicode MS" panose="020B0604020202020204" pitchFamily="34" charset="-128"/>
               </a:rPr>
-              <a:t>&lt;?</a:t>
-            </a:r>
-            <a:r>
-              <a:rPr lang="en-US" altLang="en-US" sz="3200" dirty="0" smtClean="0">
-                <a:solidFill>
-                  <a:srgbClr val="7F0055"/>
-                </a:solidFill>
-                <a:latin typeface="Arial Unicode MS" panose="020B0604020202020204" pitchFamily="34" charset="-128"/>
-              </a:rPr>
-              <a:t>php</a:t>
+              <a:t>&lt;?php</a:t>
             </a:r>
             <a:endParaRPr lang="en-US" altLang="en-US" sz="3200" dirty="0" smtClean="0">
               <a:solidFill>
@@ -37496,15 +37030,7 @@
                   <a:schemeClr val="bg1"/>
                 </a:solidFill>
               </a:rPr>
-              <a:t>Example </a:t>
-            </a:r>
-            <a:r>
-              <a:rPr lang="en-US" sz="2400" b="1" dirty="0" smtClean="0">
-                <a:solidFill>
-                  <a:schemeClr val="bg1"/>
-                </a:solidFill>
-              </a:rPr>
-              <a:t>5-3</a:t>
+              <a:t>Example 5-3</a:t>
             </a:r>
             <a:endParaRPr lang="en-US" sz="2400" b="1" dirty="0">
               <a:solidFill>
@@ -37801,16 +37327,7 @@
                 </a:solidFill>
                 <a:latin typeface="Arial Unicode MS" panose="020B0604020202020204" pitchFamily="34" charset="-128"/>
               </a:rPr>
-              <a:t>&lt;?</a:t>
-            </a:r>
-            <a:r>
-              <a:rPr lang="en-US" altLang="en-US" sz="3200" dirty="0" smtClean="0">
-                <a:solidFill>
-                  <a:srgbClr val="7F0055"/>
-                </a:solidFill>
-                <a:latin typeface="Arial Unicode MS" panose="020B0604020202020204" pitchFamily="34" charset="-128"/>
-              </a:rPr>
-              <a:t>php</a:t>
+              <a:t>&lt;?php</a:t>
             </a:r>
             <a:endParaRPr lang="en-US" altLang="en-US" sz="3200" dirty="0" smtClean="0">
               <a:solidFill>
@@ -38375,15 +37892,7 @@
                   <a:schemeClr val="bg1"/>
                 </a:solidFill>
               </a:rPr>
-              <a:t>Example </a:t>
-            </a:r>
-            <a:r>
-              <a:rPr lang="en-US" sz="2400" b="1" dirty="0" smtClean="0">
-                <a:solidFill>
-                  <a:schemeClr val="bg1"/>
-                </a:solidFill>
-              </a:rPr>
-              <a:t>6-1</a:t>
+              <a:t>Example 6-1</a:t>
             </a:r>
             <a:endParaRPr lang="en-US" sz="2400" b="1" dirty="0">
               <a:solidFill>
@@ -38592,16 +38101,7 @@
                 </a:solidFill>
                 <a:latin typeface="Arial Unicode MS" panose="020B0604020202020204" pitchFamily="34" charset="-128"/>
               </a:rPr>
-              <a:t>&lt;?</a:t>
-            </a:r>
-            <a:r>
-              <a:rPr lang="en-US" altLang="en-US" sz="3200" dirty="0" smtClean="0">
-                <a:solidFill>
-                  <a:srgbClr val="7F0055"/>
-                </a:solidFill>
-                <a:latin typeface="Arial Unicode MS" panose="020B0604020202020204" pitchFamily="34" charset="-128"/>
-              </a:rPr>
-              <a:t>php</a:t>
+              <a:t>&lt;?php</a:t>
             </a:r>
             <a:endParaRPr lang="en-US" altLang="en-US" sz="3200" dirty="0" smtClean="0">
               <a:solidFill>
@@ -39085,15 +38585,7 @@
                   <a:schemeClr val="bg1"/>
                 </a:solidFill>
               </a:rPr>
-              <a:t>Example </a:t>
-            </a:r>
-            <a:r>
-              <a:rPr lang="en-US" sz="2400" b="1" dirty="0" smtClean="0">
-                <a:solidFill>
-                  <a:schemeClr val="bg1"/>
-                </a:solidFill>
-              </a:rPr>
-              <a:t>6-2</a:t>
+              <a:t>Example 6-2</a:t>
             </a:r>
             <a:endParaRPr lang="en-US" sz="2400" b="1" dirty="0">
               <a:solidFill>
@@ -39447,16 +38939,7 @@
                 </a:solidFill>
                 <a:latin typeface="Arial Unicode MS" panose="020B0604020202020204" pitchFamily="34" charset="-128"/>
               </a:rPr>
-              <a:t>&lt;?</a:t>
-            </a:r>
-            <a:r>
-              <a:rPr lang="en-US" altLang="en-US" sz="3200" dirty="0" smtClean="0">
-                <a:solidFill>
-                  <a:srgbClr val="7F0055"/>
-                </a:solidFill>
-                <a:latin typeface="Arial Unicode MS" panose="020B0604020202020204" pitchFamily="34" charset="-128"/>
-              </a:rPr>
-              <a:t>php</a:t>
+              <a:t>&lt;?php</a:t>
             </a:r>
             <a:endParaRPr lang="en-US" altLang="en-US" sz="3200" dirty="0" smtClean="0">
               <a:solidFill>
@@ -39948,15 +39431,7 @@
                   <a:schemeClr val="bg1"/>
                 </a:solidFill>
               </a:rPr>
-              <a:t>Example </a:t>
-            </a:r>
-            <a:r>
-              <a:rPr lang="en-US" sz="2400" b="1" dirty="0" smtClean="0">
-                <a:solidFill>
-                  <a:schemeClr val="bg1"/>
-                </a:solidFill>
-              </a:rPr>
-              <a:t>6-3</a:t>
+              <a:t>Example 6-3</a:t>
             </a:r>
             <a:endParaRPr lang="en-US" sz="2400" b="1" dirty="0">
               <a:solidFill>
@@ -40171,16 +39646,7 @@
                 </a:solidFill>
                 <a:latin typeface="Arial Unicode MS" panose="020B0604020202020204" pitchFamily="34" charset="-128"/>
               </a:rPr>
-              <a:t>&lt;?</a:t>
-            </a:r>
-            <a:r>
-              <a:rPr lang="en-US" altLang="en-US" sz="3200" dirty="0" smtClean="0">
-                <a:solidFill>
-                  <a:srgbClr val="7F0055"/>
-                </a:solidFill>
-                <a:latin typeface="Arial Unicode MS" panose="020B0604020202020204" pitchFamily="34" charset="-128"/>
-              </a:rPr>
-              <a:t>php</a:t>
+              <a:t>&lt;?php</a:t>
             </a:r>
             <a:endParaRPr lang="en-US" altLang="en-US" sz="3200" dirty="0" smtClean="0">
               <a:solidFill>
@@ -40716,15 +40182,7 @@
                   <a:schemeClr val="bg1"/>
                 </a:solidFill>
               </a:rPr>
-              <a:t>Example </a:t>
-            </a:r>
-            <a:r>
-              <a:rPr lang="en-US" sz="2400" b="1" dirty="0" smtClean="0">
-                <a:solidFill>
-                  <a:schemeClr val="bg1"/>
-                </a:solidFill>
-              </a:rPr>
-              <a:t>6-4</a:t>
+              <a:t>Example 6-4</a:t>
             </a:r>
             <a:endParaRPr lang="en-US" sz="2400" b="1" dirty="0">
               <a:solidFill>
@@ -41262,16 +40720,7 @@
                 </a:solidFill>
                 <a:latin typeface="Arial Unicode MS" panose="020B0604020202020204" pitchFamily="34" charset="-128"/>
               </a:rPr>
-              <a:t>&lt;?</a:t>
-            </a:r>
-            <a:r>
-              <a:rPr lang="en-US" altLang="en-US" sz="3200" dirty="0" smtClean="0">
-                <a:solidFill>
-                  <a:srgbClr val="7F0055"/>
-                </a:solidFill>
-                <a:latin typeface="Arial Unicode MS" panose="020B0604020202020204" pitchFamily="34" charset="-128"/>
-              </a:rPr>
-              <a:t>php</a:t>
+              <a:t>&lt;?php</a:t>
             </a:r>
             <a:endParaRPr lang="en-US" altLang="en-US" sz="3200" dirty="0" smtClean="0">
               <a:solidFill>
@@ -42111,16 +41560,7 @@
                 </a:solidFill>
                 <a:latin typeface="Arial Unicode MS" panose="020B0604020202020204" pitchFamily="34" charset="-128"/>
               </a:rPr>
-              <a:t>&lt;?</a:t>
-            </a:r>
-            <a:r>
-              <a:rPr lang="en-US" altLang="en-US" sz="3200" dirty="0" smtClean="0">
-                <a:solidFill>
-                  <a:srgbClr val="7F0055"/>
-                </a:solidFill>
-                <a:latin typeface="Arial Unicode MS" panose="020B0604020202020204" pitchFamily="34" charset="-128"/>
-              </a:rPr>
-              <a:t>php</a:t>
+              <a:t>&lt;?php</a:t>
             </a:r>
             <a:endParaRPr lang="en-US" altLang="en-US" sz="3200" dirty="0" smtClean="0">
               <a:solidFill>
@@ -43753,16 +43193,7 @@
                 </a:solidFill>
                 <a:latin typeface="Arial Unicode MS" panose="020B0604020202020204" pitchFamily="34" charset="-128"/>
               </a:rPr>
-              <a:t>&lt;?</a:t>
-            </a:r>
-            <a:r>
-              <a:rPr lang="en-US" altLang="en-US" sz="3200" dirty="0" smtClean="0">
-                <a:solidFill>
-                  <a:srgbClr val="7F0055"/>
-                </a:solidFill>
-                <a:latin typeface="Arial Unicode MS" panose="020B0604020202020204" pitchFamily="34" charset="-128"/>
-              </a:rPr>
-              <a:t>php</a:t>
+              <a:t>&lt;?php</a:t>
             </a:r>
           </a:p>
           <a:p>
@@ -44551,16 +43982,7 @@
                 </a:solidFill>
                 <a:latin typeface="Arial Unicode MS" panose="020B0604020202020204" pitchFamily="34" charset="-128"/>
               </a:rPr>
-              <a:t>&lt;?</a:t>
-            </a:r>
-            <a:r>
-              <a:rPr lang="en-US" altLang="en-US" sz="3200" dirty="0" smtClean="0">
-                <a:solidFill>
-                  <a:srgbClr val="7F0055"/>
-                </a:solidFill>
-                <a:latin typeface="Arial Unicode MS" panose="020B0604020202020204" pitchFamily="34" charset="-128"/>
-              </a:rPr>
-              <a:t>php</a:t>
+              <a:t>&lt;?php</a:t>
             </a:r>
           </a:p>
           <a:p>
@@ -44603,16 +44025,7 @@
                 </a:solidFill>
                 <a:latin typeface="Arial Unicode MS" panose="020B0604020202020204" pitchFamily="34" charset="-128"/>
               </a:rPr>
-              <a:t>$</a:t>
-            </a:r>
-            <a:r>
-              <a:rPr lang="en-US" altLang="en-US" sz="3200" dirty="0" smtClean="0">
-                <a:solidFill>
-                  <a:srgbClr val="000000"/>
-                </a:solidFill>
-                <a:latin typeface="Arial Unicode MS" panose="020B0604020202020204" pitchFamily="34" charset="-128"/>
-              </a:rPr>
-              <a:t>array = [</a:t>
+              <a:t>$array = [</a:t>
             </a:r>
           </a:p>
           <a:p>
@@ -45479,16 +44892,7 @@
                 </a:solidFill>
                 <a:latin typeface="Arial Unicode MS" panose="020B0604020202020204" pitchFamily="34" charset="-128"/>
               </a:rPr>
-              <a:t>&lt;?</a:t>
-            </a:r>
-            <a:r>
-              <a:rPr lang="en-US" altLang="en-US" sz="3200" dirty="0" smtClean="0">
-                <a:solidFill>
-                  <a:srgbClr val="7F0055"/>
-                </a:solidFill>
-                <a:latin typeface="Arial Unicode MS" panose="020B0604020202020204" pitchFamily="34" charset="-128"/>
-              </a:rPr>
-              <a:t>php</a:t>
+              <a:t>&lt;?php</a:t>
             </a:r>
           </a:p>
           <a:p>
@@ -46743,25 +46147,7 @@
                 </a:solidFill>
                 <a:latin typeface="Arial Unicode MS" panose="020B0604020202020204" pitchFamily="34" charset="-128"/>
               </a:rPr>
-              <a:t>( $</a:t>
-            </a:r>
-            <a:r>
-              <a:rPr lang="en-US" altLang="en-US" sz="3200" dirty="0" smtClean="0">
-                <a:solidFill>
-                  <a:srgbClr val="000000"/>
-                </a:solidFill>
-                <a:latin typeface="Arial Unicode MS" panose="020B0604020202020204" pitchFamily="34" charset="-128"/>
-              </a:rPr>
-              <a:t>object1 </a:t>
-            </a:r>
-            <a:r>
-              <a:rPr lang="en-US" altLang="en-US" sz="3200" dirty="0" smtClean="0">
-                <a:solidFill>
-                  <a:srgbClr val="000000"/>
-                </a:solidFill>
-                <a:latin typeface="Arial Unicode MS" panose="020B0604020202020204" pitchFamily="34" charset="-128"/>
-              </a:rPr>
-              <a:t>);</a:t>
+              <a:t>( $object1 );</a:t>
             </a:r>
             <a:endParaRPr lang="en-US" altLang="en-US" sz="3200" dirty="0">
               <a:solidFill>
@@ -46799,43 +46185,7 @@
                 </a:solidFill>
                 <a:latin typeface="Arial Unicode MS" panose="020B0604020202020204" pitchFamily="34" charset="-128"/>
               </a:rPr>
-              <a:t>( </a:t>
-            </a:r>
-            <a:r>
-              <a:rPr lang="en-US" altLang="en-US" sz="3200" dirty="0" smtClean="0">
-                <a:solidFill>
-                  <a:srgbClr val="000000"/>
-                </a:solidFill>
-                <a:latin typeface="Arial Unicode MS" panose="020B0604020202020204" pitchFamily="34" charset="-128"/>
-              </a:rPr>
-              <a:t>$</a:t>
-            </a:r>
-            <a:r>
-              <a:rPr lang="en-US" altLang="en-US" sz="3200" dirty="0" smtClean="0">
-                <a:solidFill>
-                  <a:srgbClr val="000000"/>
-                </a:solidFill>
-                <a:latin typeface="Arial Unicode MS" panose="020B0604020202020204" pitchFamily="34" charset="-128"/>
-              </a:rPr>
-              <a:t>object2</a:t>
-            </a:r>
-            <a:r>
-              <a:rPr lang="en-US" altLang="en-US" sz="3200" dirty="0" smtClean="0">
-                <a:solidFill>
-                  <a:srgbClr val="000000"/>
-                </a:solidFill>
-                <a:latin typeface="Arial Unicode MS" panose="020B0604020202020204" pitchFamily="34" charset="-128"/>
-              </a:rPr>
-              <a:t> </a:t>
-            </a:r>
-            <a:r>
-              <a:rPr lang="en-US" altLang="en-US" sz="3200" dirty="0" smtClean="0">
-                <a:solidFill>
-                  <a:srgbClr val="000000"/>
-                </a:solidFill>
-                <a:latin typeface="Arial Unicode MS" panose="020B0604020202020204" pitchFamily="34" charset="-128"/>
-              </a:rPr>
-              <a:t>);</a:t>
+              <a:t>( $object2 );</a:t>
             </a:r>
           </a:p>
           <a:p>
@@ -47197,15 +46547,7 @@
                   <a:schemeClr val="bg1"/>
                 </a:solidFill>
               </a:rPr>
-              <a:t>Example </a:t>
-            </a:r>
-            <a:r>
-              <a:rPr lang="en-US" sz="2400" b="1" dirty="0" smtClean="0">
-                <a:solidFill>
-                  <a:schemeClr val="bg1"/>
-                </a:solidFill>
-              </a:rPr>
-              <a:t>10-1</a:t>
+              <a:t>Example 10-1</a:t>
             </a:r>
             <a:endParaRPr lang="en-US" sz="2400" b="1" dirty="0">
               <a:solidFill>
@@ -48087,15 +47429,7 @@
                   <a:schemeClr val="bg1"/>
                 </a:solidFill>
               </a:rPr>
-              <a:t>Example </a:t>
-            </a:r>
-            <a:r>
-              <a:rPr lang="en-US" sz="2400" b="1" dirty="0" smtClean="0">
-                <a:solidFill>
-                  <a:schemeClr val="bg1"/>
-                </a:solidFill>
-              </a:rPr>
-              <a:t>10-2</a:t>
+              <a:t>Example 10-2</a:t>
             </a:r>
             <a:endParaRPr lang="en-US" sz="2400" b="1" dirty="0">
               <a:solidFill>
@@ -48380,16 +47714,7 @@
                 </a:solidFill>
                 <a:latin typeface="Arial Unicode MS" panose="020B0604020202020204" pitchFamily="34" charset="-128"/>
               </a:rPr>
-              <a:t>&lt;?</a:t>
-            </a:r>
-            <a:r>
-              <a:rPr lang="en-US" altLang="en-US" sz="3200" dirty="0" smtClean="0">
-                <a:solidFill>
-                  <a:srgbClr val="7F0055"/>
-                </a:solidFill>
-                <a:latin typeface="Arial Unicode MS" panose="020B0604020202020204" pitchFamily="34" charset="-128"/>
-              </a:rPr>
-              <a:t>php</a:t>
+              <a:t>&lt;?php</a:t>
             </a:r>
           </a:p>
           <a:p>
@@ -48875,15 +48200,7 @@
                   <a:schemeClr val="bg1"/>
                 </a:solidFill>
               </a:rPr>
-              <a:t>Example </a:t>
-            </a:r>
-            <a:r>
-              <a:rPr lang="en-US" sz="2400" b="1" dirty="0" smtClean="0">
-                <a:solidFill>
-                  <a:schemeClr val="bg1"/>
-                </a:solidFill>
-              </a:rPr>
-              <a:t>10-3</a:t>
+              <a:t>Example 10-3</a:t>
             </a:r>
             <a:endParaRPr lang="en-US" sz="2400" b="1" dirty="0">
               <a:solidFill>
@@ -49265,16 +48582,7 @@
                 </a:solidFill>
                 <a:latin typeface="Arial Unicode MS" panose="020B0604020202020204" pitchFamily="34" charset="-128"/>
               </a:rPr>
-              <a:t>&lt;?</a:t>
-            </a:r>
-            <a:r>
-              <a:rPr lang="en-US" altLang="en-US" sz="3200" dirty="0" smtClean="0">
-                <a:solidFill>
-                  <a:srgbClr val="7F0055"/>
-                </a:solidFill>
-                <a:latin typeface="Arial Unicode MS" panose="020B0604020202020204" pitchFamily="34" charset="-128"/>
-              </a:rPr>
-              <a:t>php</a:t>
+              <a:t>&lt;?php</a:t>
             </a:r>
           </a:p>
           <a:p>
@@ -49786,15 +49094,7 @@
                   <a:schemeClr val="bg1"/>
                 </a:solidFill>
               </a:rPr>
-              <a:t>Example </a:t>
-            </a:r>
-            <a:r>
-              <a:rPr lang="en-US" sz="2400" b="1" dirty="0" smtClean="0">
-                <a:solidFill>
-                  <a:schemeClr val="bg1"/>
-                </a:solidFill>
-              </a:rPr>
-              <a:t>11-1</a:t>
+              <a:t>Example 11-1</a:t>
             </a:r>
             <a:endParaRPr lang="en-US" sz="2400" b="1" dirty="0">
               <a:solidFill>
@@ -50024,16 +49324,7 @@
                 </a:solidFill>
                 <a:latin typeface="Arial Unicode MS" panose="020B0604020202020204" pitchFamily="34" charset="-128"/>
               </a:rPr>
-              <a:t>&lt;?</a:t>
-            </a:r>
-            <a:r>
-              <a:rPr lang="en-US" altLang="en-US" sz="3200" dirty="0" smtClean="0">
-                <a:solidFill>
-                  <a:srgbClr val="7F0055"/>
-                </a:solidFill>
-                <a:latin typeface="Arial Unicode MS" panose="020B0604020202020204" pitchFamily="34" charset="-128"/>
-              </a:rPr>
-              <a:t>php</a:t>
+              <a:t>&lt;?php</a:t>
             </a:r>
           </a:p>
           <a:p>
@@ -50558,15 +49849,7 @@
                   <a:schemeClr val="bg1"/>
                 </a:solidFill>
               </a:rPr>
-              <a:t>Example </a:t>
-            </a:r>
-            <a:r>
-              <a:rPr lang="en-US" sz="2400" b="1" dirty="0" smtClean="0">
-                <a:solidFill>
-                  <a:schemeClr val="bg1"/>
-                </a:solidFill>
-              </a:rPr>
-              <a:t>11-2</a:t>
+              <a:t>Example 11-2</a:t>
             </a:r>
             <a:endParaRPr lang="en-US" sz="2400" b="1" dirty="0">
               <a:solidFill>
@@ -50795,16 +50078,7 @@
                 </a:solidFill>
                 <a:latin typeface="Arial Unicode MS" panose="020B0604020202020204" pitchFamily="34" charset="-128"/>
               </a:rPr>
-              <a:t>&lt;?</a:t>
-            </a:r>
-            <a:r>
-              <a:rPr lang="en-US" altLang="en-US" sz="3200" dirty="0" smtClean="0">
-                <a:solidFill>
-                  <a:srgbClr val="7F0055"/>
-                </a:solidFill>
-                <a:latin typeface="Arial Unicode MS" panose="020B0604020202020204" pitchFamily="34" charset="-128"/>
-              </a:rPr>
-              <a:t>php</a:t>
+              <a:t>&lt;?php</a:t>
             </a:r>
           </a:p>
           <a:p>
@@ -51370,15 +50644,7 @@
                   <a:schemeClr val="bg1"/>
                 </a:solidFill>
               </a:rPr>
-              <a:t>Example </a:t>
-            </a:r>
-            <a:r>
-              <a:rPr lang="en-US" sz="2400" b="1" dirty="0" smtClean="0">
-                <a:solidFill>
-                  <a:schemeClr val="bg1"/>
-                </a:solidFill>
-              </a:rPr>
-              <a:t>11-3</a:t>
+              <a:t>Example 11-3</a:t>
             </a:r>
             <a:endParaRPr lang="en-US" sz="2400" b="1" dirty="0">
               <a:solidFill>

--- a/course/1 - Basic Programming/Basics Of Programming.pptx
+++ b/course/1 - Basic Programming/Basics Of Programming.pptx
@@ -1486,11 +1486,7 @@
           <a:p>
             <a:r>
               <a:rPr lang="en-US" baseline="0" dirty="0" smtClean="0"/>
-              <a:t>They can take arguments and return values, and can be used anywhere a function is used</a:t>
-            </a:r>
-            <a:r>
-              <a:rPr lang="en-US" baseline="0" dirty="0" smtClean="0"/>
-              <a:t>.</a:t>
+              <a:t>They can take arguments and return values, and can be used anywhere a function is used.</a:t>
             </a:r>
           </a:p>
           <a:p>
@@ -1528,7 +1524,6 @@
               <a:rPr lang="en-US" baseline="0" dirty="0" smtClean="0"/>
               <a:t>Private and protected work much the same. They have one major difference which we won't get into today, but for now, use protected.</a:t>
             </a:r>
-            <a:endParaRPr lang="en-US" baseline="0" dirty="0" smtClean="0"/>
           </a:p>
         </p:txBody>
       </p:sp>
@@ -1624,11 +1619,7 @@
             </a:r>
             <a:r>
               <a:rPr lang="en-US" baseline="0" smtClean="0"/>
-              <a:t>, </a:t>
-            </a:r>
-            <a:r>
-              <a:rPr lang="en-US" baseline="0" smtClean="0"/>
-              <a:t>but </a:t>
+              <a:t>, but </a:t>
             </a:r>
             <a:r>
               <a:rPr lang="en-US" baseline="0" dirty="0" smtClean="0"/>
@@ -7048,7 +7039,20 @@
                 <a:effectLst/>
                 <a:latin typeface="Arial Unicode MS" panose="020B0604020202020204" pitchFamily="34" charset="-128"/>
               </a:rPr>
-              <a:t>The equals sign is the assignment operator, it tells PHP to put the value after the equals sign into the variable before it, thus making them equal</a:t>
+              <a:t>The equals sign is the assignment operator, it tells PHP to put the value after the equals sign into the variable before it, thus making them </a:t>
+            </a:r>
+            <a:r>
+              <a:rPr kumimoji="0" lang="en-US" altLang="en-US" sz="1200" b="0" i="0" u="none" strike="noStrike" cap="none" normalizeH="0" baseline="0" dirty="0" smtClean="0">
+                <a:ln>
+                  <a:noFill/>
+                </a:ln>
+                <a:solidFill>
+                  <a:srgbClr val="3F7F59"/>
+                </a:solidFill>
+                <a:effectLst/>
+                <a:latin typeface="Arial Unicode MS" panose="020B0604020202020204" pitchFamily="34" charset="-128"/>
+              </a:rPr>
+              <a:t>equal</a:t>
             </a:r>
             <a:endParaRPr kumimoji="0" lang="en-US" altLang="en-US" sz="1200" b="0" i="0" u="none" strike="noStrike" cap="none" normalizeH="0" baseline="0" dirty="0" smtClean="0">
               <a:ln>
@@ -7073,7 +7077,7 @@
                 <a:effectLst/>
                 <a:latin typeface="+mn-lt"/>
               </a:rPr>
-              <a:t>The echo command simply prints the value that comes after it, notice how that puts 1 in our output</a:t>
+              <a:t>The echo command simply prints the value that comes after it, notice how that puts 1 in our output.</a:t>
             </a:r>
           </a:p>
           <a:p>
@@ -7118,7 +7122,20 @@
                 <a:effectLst/>
                 <a:latin typeface="+mn-lt"/>
               </a:rPr>
-              <a:t>Here we try to echo a variable that doesn't exist. As you can see, this causes PHP to give us a notice.</a:t>
+              <a:t>Here </a:t>
+            </a:r>
+            <a:r>
+              <a:rPr kumimoji="0" lang="en-US" altLang="en-US" sz="1200" b="0" i="0" u="none" strike="noStrike" cap="none" normalizeH="0" baseline="0" dirty="0" smtClean="0">
+                <a:ln>
+                  <a:noFill/>
+                </a:ln>
+                <a:solidFill>
+                  <a:schemeClr val="tx1"/>
+                </a:solidFill>
+                <a:effectLst/>
+                <a:latin typeface="+mn-lt"/>
+              </a:rPr>
+              <a:t>we try to echo a variable that doesn't exist. As you can see, this causes PHP to give us a notice.</a:t>
             </a:r>
           </a:p>
           <a:p>
@@ -8355,11 +8372,14 @@
           <a:p>
             <a:r>
               <a:rPr lang="en-US" baseline="0" dirty="0" smtClean="0"/>
-              <a:t>We'll talk about the scalar types in the next lesson</a:t>
-            </a:r>
-          </a:p>
-          <a:p>
-            <a:endParaRPr lang="en-US" dirty="0"/>
+              <a:t>We'll talk about the scalar types in the next lesson.</a:t>
+            </a:r>
+          </a:p>
+          <a:p>
+            <a:r>
+              <a:rPr lang="en-US" baseline="0" dirty="0" smtClean="0"/>
+              <a:t>Note that any variable in PHP can be any type, and will automatically change type to match whatever data you store in it.</a:t>
+            </a:r>
           </a:p>
         </p:txBody>
       </p:sp>
@@ -9407,18 +9427,26 @@
           <a:p>
             <a:r>
               <a:rPr lang="en-US" dirty="0" smtClean="0"/>
-              <a:t>PHP does it's best to ignore types, not</a:t>
+              <a:t>Every</a:t>
             </a:r>
             <a:r>
               <a:rPr lang="en-US" baseline="0" dirty="0" smtClean="0"/>
-              <a:t> all languages do this.</a:t>
+              <a:t> variable in PHP has a type, PHP does it's best to ignore them.</a:t>
             </a:r>
             <a:endParaRPr lang="en-US" dirty="0" smtClean="0"/>
           </a:p>
           <a:p>
             <a:r>
               <a:rPr lang="en-US" dirty="0" smtClean="0"/>
-              <a:t>If you use a string as an integer, PHP try to make it an integer</a:t>
+              <a:t>If you use a string as an integer, will</a:t>
+            </a:r>
+            <a:r>
+              <a:rPr lang="en-US" baseline="0" dirty="0" smtClean="0"/>
+              <a:t> </a:t>
+            </a:r>
+            <a:r>
+              <a:rPr lang="en-US" dirty="0" smtClean="0"/>
+              <a:t>PHP try to make it an integer</a:t>
             </a:r>
           </a:p>
           <a:p>
@@ -10903,26 +10931,76 @@
           <a:p>
             <a:r>
               <a:rPr lang="en-US" baseline="0" dirty="0" smtClean="0"/>
-              <a:t>We'll talk more about functions and how to use them in a later lesson, for now just take note of these, you'll use them a lot</a:t>
+              <a:t>We'll talk more about functions and how to use them in a later lesson, for now just take note of these, you'll use them a lot.</a:t>
+            </a:r>
+          </a:p>
+          <a:p>
+            <a:r>
+              <a:rPr lang="en-US" baseline="0" dirty="0" smtClean="0"/>
+              <a:t>The first is </a:t>
+            </a:r>
+            <a:r>
+              <a:rPr lang="en-US" baseline="0" dirty="0" err="1" smtClean="0"/>
+              <a:t>isset</a:t>
+            </a:r>
+            <a:r>
+              <a:rPr lang="en-US" baseline="0" dirty="0" smtClean="0"/>
+              <a:t>(), it simply checks if the variable exists.</a:t>
+            </a:r>
+          </a:p>
+          <a:p>
+            <a:r>
+              <a:rPr lang="en-US" baseline="0" dirty="0" smtClean="0"/>
+              <a:t>Then there's </a:t>
+            </a:r>
+            <a:r>
+              <a:rPr lang="en-US" baseline="0" dirty="0" err="1" smtClean="0"/>
+              <a:t>is_null</a:t>
+            </a:r>
+            <a:r>
+              <a:rPr lang="en-US" baseline="0" dirty="0" smtClean="0"/>
+              <a:t>(), this checks if the variable is null. More on this in a moment.</a:t>
+            </a:r>
+          </a:p>
+          <a:p>
+            <a:r>
+              <a:rPr lang="en-US" dirty="0" smtClean="0"/>
+              <a:t>Next</a:t>
+            </a:r>
+            <a:r>
+              <a:rPr lang="en-US" baseline="0" dirty="0" smtClean="0"/>
+              <a:t> is empty(). It checks if a variable is empty.</a:t>
             </a:r>
             <a:endParaRPr lang="en-US" dirty="0" smtClean="0"/>
           </a:p>
           <a:p>
             <a:r>
               <a:rPr lang="en-US" dirty="0" smtClean="0"/>
-              <a:t>A variable is considered empty if it does not exist or if its value equals </a:t>
-            </a:r>
-            <a:r>
-              <a:rPr lang="en-US" b="1" dirty="0" smtClean="0"/>
-              <a:t>FALS</a:t>
-            </a:r>
-            <a:r>
-              <a:rPr lang="en-US" b="1" baseline="0" dirty="0" smtClean="0"/>
-              <a:t>E</a:t>
+              <a:t>A variable is considered empty if it does not exist or if it</a:t>
+            </a:r>
+            <a:r>
+              <a:rPr lang="en-US" baseline="0" dirty="0" smtClean="0"/>
+              <a:t> has its default value</a:t>
             </a:r>
             <a:r>
               <a:rPr lang="en-US" b="0" baseline="0" dirty="0" smtClean="0"/>
-              <a:t> – is there actually data in here somewhere?</a:t>
+              <a:t>– is there actually data in here somewhere?</a:t>
+            </a:r>
+          </a:p>
+          <a:p>
+            <a:r>
+              <a:rPr lang="en-US" b="0" baseline="0" dirty="0" smtClean="0"/>
+              <a:t>Unset() deletes a variable.</a:t>
+            </a:r>
+          </a:p>
+          <a:p>
+            <a:r>
+              <a:rPr lang="en-US" b="0" baseline="0" dirty="0" err="1" smtClean="0"/>
+              <a:t>Var_dump</a:t>
+            </a:r>
+            <a:r>
+              <a:rPr lang="en-US" b="0" baseline="0" dirty="0" smtClean="0"/>
+              <a:t> prints the contents of a variable, similar to echo. However, it works on a wider variety of data types.</a:t>
             </a:r>
           </a:p>
           <a:p>
@@ -13629,11 +13707,7 @@
           <a:p>
             <a:r>
               <a:rPr lang="en-US" baseline="0" dirty="0" smtClean="0"/>
-              <a:t>Properties may have a default value that is set when the object is created, or they may be null by default</a:t>
-            </a:r>
-            <a:r>
-              <a:rPr lang="en-US" baseline="0" dirty="0" smtClean="0"/>
-              <a:t>.</a:t>
+              <a:t>Properties may have a default value that is set when the object is created, or they may be null by default.</a:t>
             </a:r>
           </a:p>
           <a:p>
@@ -17370,30 +17444,16 @@
                 </a:solidFill>
                 <a:latin typeface="Arial Unicode MS" panose="020B0604020202020204" pitchFamily="34" charset="-128"/>
               </a:rPr>
-              <a:t> $property3;</a:t>
-            </a:r>
-          </a:p>
-          <a:p>
-            <a:pPr marL="0" lvl="0" indent="0" eaLnBrk="0" fontAlgn="base" hangingPunct="0">
-              <a:lnSpc>
-                <a:spcPct val="100000"/>
-              </a:lnSpc>
-              <a:spcBef>
-                <a:spcPct val="0"/>
-              </a:spcBef>
-              <a:spcAft>
-                <a:spcPct val="0"/>
-              </a:spcAft>
-              <a:buNone/>
-            </a:pPr>
+              <a:t> $property3</a:t>
+            </a:r>
             <a:r>
               <a:rPr lang="en-US" altLang="en-US" sz="3200" dirty="0" smtClean="0">
                 <a:solidFill>
-                  <a:srgbClr val="7F0055"/>
-                </a:solidFill>
-                <a:latin typeface="Arial Unicode MS" panose="020B0604020202020204" pitchFamily="34" charset="-128"/>
-              </a:rPr>
-              <a:t>    </a:t>
+                  <a:srgbClr val="000000"/>
+                </a:solidFill>
+                <a:latin typeface="Arial Unicode MS" panose="020B0604020202020204" pitchFamily="34" charset="-128"/>
+              </a:rPr>
+              <a:t>;</a:t>
             </a:r>
             <a:endParaRPr lang="en-US" altLang="en-US" sz="3200" dirty="0">
               <a:solidFill>
@@ -17422,8 +17482,46 @@
                 </a:solidFill>
                 <a:latin typeface="Arial Unicode MS" panose="020B0604020202020204" pitchFamily="34" charset="-128"/>
               </a:rPr>
-              <a:t>?&gt;</a:t>
-            </a:r>
+              <a:t> </a:t>
+            </a:r>
+            <a:r>
+              <a:rPr lang="en-US" altLang="en-US" sz="3200" dirty="0" smtClean="0">
+                <a:solidFill>
+                  <a:srgbClr val="7F0055"/>
+                </a:solidFill>
+                <a:latin typeface="Arial Unicode MS" panose="020B0604020202020204" pitchFamily="34" charset="-128"/>
+              </a:rPr>
+              <a:t>   </a:t>
+            </a:r>
+          </a:p>
+          <a:p>
+            <a:pPr marL="0" lvl="0" indent="0" eaLnBrk="0" fontAlgn="base" hangingPunct="0">
+              <a:lnSpc>
+                <a:spcPct val="100000"/>
+              </a:lnSpc>
+              <a:spcBef>
+                <a:spcPct val="0"/>
+              </a:spcBef>
+              <a:spcAft>
+                <a:spcPct val="0"/>
+              </a:spcAft>
+              <a:buNone/>
+            </a:pPr>
+            <a:r>
+              <a:rPr lang="en-US" altLang="en-US" sz="3200" dirty="0">
+                <a:solidFill>
+                  <a:srgbClr val="000000"/>
+                </a:solidFill>
+                <a:latin typeface="Arial Unicode MS" panose="020B0604020202020204" pitchFamily="34" charset="-128"/>
+              </a:rPr>
+              <a:t>}</a:t>
+            </a:r>
+            <a:endParaRPr lang="en-US" altLang="en-US" sz="3200" dirty="0">
+              <a:solidFill>
+                <a:srgbClr val="000000"/>
+              </a:solidFill>
+              <a:latin typeface="Arial Unicode MS" panose="020B0604020202020204" pitchFamily="34" charset="-128"/>
+            </a:endParaRPr>
           </a:p>
         </p:txBody>
       </p:sp>
@@ -17566,7 +17664,7 @@
         </p:nvSpPr>
         <p:spPr>
           <a:xfrm>
-            <a:off x="617220" y="390124"/>
+            <a:off x="617220" y="371074"/>
             <a:ext cx="10957560" cy="461665"/>
           </a:xfrm>
           <a:prstGeom prst="rect">
@@ -17744,8 +17842,8 @@
         </p:nvSpPr>
         <p:spPr bwMode="auto">
           <a:xfrm>
-            <a:off x="617220" y="143906"/>
-            <a:ext cx="10957560" cy="6494085"/>
+            <a:off x="617220" y="636348"/>
+            <a:ext cx="10957560" cy="5509200"/>
           </a:xfrm>
           <a:prstGeom prst="rect">
             <a:avLst/>
@@ -18216,55 +18314,6 @@
             <a:endParaRPr lang="en-US" altLang="en-US" sz="3200" dirty="0">
               <a:solidFill>
                 <a:srgbClr val="000000"/>
-              </a:solidFill>
-              <a:latin typeface="Arial Unicode MS" panose="020B0604020202020204" pitchFamily="34" charset="-128"/>
-            </a:endParaRPr>
-          </a:p>
-          <a:p>
-            <a:pPr marL="0" lvl="0" indent="0" eaLnBrk="0" fontAlgn="base" hangingPunct="0">
-              <a:lnSpc>
-                <a:spcPct val="100000"/>
-              </a:lnSpc>
-              <a:spcBef>
-                <a:spcPct val="0"/>
-              </a:spcBef>
-              <a:spcAft>
-                <a:spcPct val="0"/>
-              </a:spcAft>
-              <a:buNone/>
-            </a:pPr>
-            <a:endParaRPr lang="en-US" altLang="en-US" sz="3200" dirty="0">
-              <a:solidFill>
-                <a:srgbClr val="7F0055"/>
-              </a:solidFill>
-              <a:latin typeface="Arial Unicode MS" panose="020B0604020202020204" pitchFamily="34" charset="-128"/>
-            </a:endParaRPr>
-          </a:p>
-          <a:p>
-            <a:pPr marL="0" lvl="0" indent="0" eaLnBrk="0" fontAlgn="base" hangingPunct="0">
-              <a:lnSpc>
-                <a:spcPct val="100000"/>
-              </a:lnSpc>
-              <a:spcBef>
-                <a:spcPct val="0"/>
-              </a:spcBef>
-              <a:spcAft>
-                <a:spcPct val="0"/>
-              </a:spcAft>
-              <a:buNone/>
-            </a:pPr>
-            <a:r>
-              <a:rPr lang="en-US" altLang="en-US" sz="3200" dirty="0" smtClean="0">
-                <a:solidFill>
-                  <a:srgbClr val="7F0055"/>
-                </a:solidFill>
-                <a:latin typeface="Arial Unicode MS" panose="020B0604020202020204" pitchFamily="34" charset="-128"/>
-              </a:rPr>
-              <a:t>?&gt;</a:t>
-            </a:r>
-            <a:endParaRPr lang="en-US" altLang="en-US" sz="3200" dirty="0">
-              <a:solidFill>
-                <a:srgbClr val="7F0055"/>
               </a:solidFill>
               <a:latin typeface="Arial Unicode MS" panose="020B0604020202020204" pitchFamily="34" charset="-128"/>
             </a:endParaRPr>
@@ -18362,7 +18411,7 @@
         </p:nvSpPr>
         <p:spPr>
           <a:xfrm>
-            <a:off x="7571874" y="5437662"/>
+            <a:off x="7571874" y="4945219"/>
             <a:ext cx="4002906" cy="1200329"/>
           </a:xfrm>
           <a:prstGeom prst="rect">
@@ -18413,7 +18462,7 @@
         </p:nvSpPr>
         <p:spPr>
           <a:xfrm>
-            <a:off x="617220" y="143906"/>
+            <a:off x="617220" y="636348"/>
             <a:ext cx="10957560" cy="461665"/>
           </a:xfrm>
           <a:prstGeom prst="rect">
@@ -19171,11 +19220,11 @@
             <a:r>
               <a:rPr lang="en-US" altLang="en-US" sz="3200" dirty="0">
                 <a:solidFill>
-                  <a:srgbClr val="7F0055"/>
-                </a:solidFill>
-                <a:latin typeface="Arial Unicode MS" panose="020B0604020202020204" pitchFamily="34" charset="-128"/>
-              </a:rPr>
-              <a:t>?&gt;</a:t>
+                  <a:srgbClr val="000000"/>
+                </a:solidFill>
+                <a:latin typeface="Arial Unicode MS" panose="020B0604020202020204" pitchFamily="34" charset="-128"/>
+              </a:rPr>
+              <a:t>}</a:t>
             </a:r>
           </a:p>
         </p:txBody>
@@ -19319,7 +19368,7 @@
         </p:nvSpPr>
         <p:spPr>
           <a:xfrm>
-            <a:off x="617220" y="390124"/>
+            <a:off x="617220" y="390126"/>
             <a:ext cx="10957560" cy="461665"/>
           </a:xfrm>
           <a:prstGeom prst="rect">
@@ -19403,8 +19452,8 @@
         </p:nvSpPr>
         <p:spPr bwMode="auto">
           <a:xfrm>
-            <a:off x="617220" y="882521"/>
-            <a:ext cx="10957560" cy="5016758"/>
+            <a:off x="617220" y="1374963"/>
+            <a:ext cx="10957560" cy="4031873"/>
           </a:xfrm>
           <a:prstGeom prst="rect">
             <a:avLst/>
@@ -19712,50 +19761,21 @@
                 <a:effectLst/>
                 <a:latin typeface="Arial Unicode MS" panose="020B0604020202020204" pitchFamily="34" charset="-128"/>
               </a:rPr>
-              <a:t> $var;</a:t>
-            </a:r>
-          </a:p>
-          <a:p>
-            <a:pPr marL="0" marR="0" lvl="0" indent="0" algn="l" defTabSz="914400" rtl="0" eaLnBrk="0" fontAlgn="base" latinLnBrk="0" hangingPunct="0">
-              <a:lnSpc>
-                <a:spcPct val="100000"/>
-              </a:lnSpc>
-              <a:spcBef>
-                <a:spcPct val="0"/>
-              </a:spcBef>
-              <a:spcAft>
-                <a:spcPct val="0"/>
-              </a:spcAft>
-              <a:buClrTx/>
-              <a:buSzTx/>
-              <a:buFontTx/>
-              <a:buNone/>
-              <a:tabLst/>
-            </a:pPr>
-            <a:endParaRPr lang="en-US" altLang="en-US" sz="3200" dirty="0">
-              <a:solidFill>
-                <a:srgbClr val="000000"/>
-              </a:solidFill>
-              <a:latin typeface="Arial Unicode MS" panose="020B0604020202020204" pitchFamily="34" charset="-128"/>
-            </a:endParaRPr>
-          </a:p>
-          <a:p>
-            <a:pPr marL="0" marR="0" lvl="0" indent="0" algn="l" defTabSz="914400" rtl="0" eaLnBrk="0" fontAlgn="base" latinLnBrk="0" hangingPunct="0">
-              <a:lnSpc>
-                <a:spcPct val="100000"/>
-              </a:lnSpc>
-              <a:spcBef>
-                <a:spcPct val="0"/>
-              </a:spcBef>
-              <a:spcAft>
-                <a:spcPct val="0"/>
-              </a:spcAft>
-              <a:buClrTx/>
-              <a:buSzTx/>
-              <a:buFontTx/>
-              <a:buNone/>
-              <a:tabLst/>
-            </a:pPr>
+              <a:t> $</a:t>
+            </a:r>
+            <a:r>
+              <a:rPr kumimoji="0" lang="en-US" altLang="en-US" sz="3200" b="0" i="0" u="none" strike="noStrike" cap="none" normalizeH="0" baseline="0" dirty="0" err="1" smtClean="0">
+                <a:ln>
+                  <a:noFill/>
+                </a:ln>
+                <a:solidFill>
+                  <a:srgbClr val="000000"/>
+                </a:solidFill>
+                <a:effectLst/>
+                <a:latin typeface="Arial Unicode MS" panose="020B0604020202020204" pitchFamily="34" charset="-128"/>
+              </a:rPr>
+              <a:t>var</a:t>
+            </a:r>
             <a:r>
               <a:rPr kumimoji="0" lang="en-US" altLang="en-US" sz="3200" b="0" i="0" u="none" strike="noStrike" cap="none" normalizeH="0" baseline="0" dirty="0" smtClean="0">
                 <a:ln>
@@ -19767,17 +19787,17 @@
                 <a:effectLst/>
                 <a:latin typeface="Arial Unicode MS" panose="020B0604020202020204" pitchFamily="34" charset="-128"/>
               </a:rPr>
-              <a:t>?&gt;</a:t>
+              <a:t>;</a:t>
             </a:r>
             <a:endParaRPr kumimoji="0" lang="en-US" altLang="en-US" sz="3200" b="0" i="0" u="none" strike="noStrike" cap="none" normalizeH="0" baseline="0" dirty="0" smtClean="0">
               <a:ln>
                 <a:noFill/>
               </a:ln>
               <a:solidFill>
-                <a:schemeClr val="tx1"/>
+                <a:srgbClr val="000000"/>
               </a:solidFill>
               <a:effectLst/>
-              <a:latin typeface="Arial" panose="020B0604020202020204" pitchFamily="34" charset="0"/>
+              <a:latin typeface="Arial Unicode MS" panose="020B0604020202020204" pitchFamily="34" charset="-128"/>
             </a:endParaRPr>
           </a:p>
         </p:txBody>
@@ -19873,7 +19893,7 @@
         </p:nvSpPr>
         <p:spPr>
           <a:xfrm>
-            <a:off x="8462612" y="4698950"/>
+            <a:off x="8462612" y="4206507"/>
             <a:ext cx="3112168" cy="1200329"/>
           </a:xfrm>
           <a:prstGeom prst="rect">
@@ -19918,7 +19938,7 @@
         </p:nvSpPr>
         <p:spPr>
           <a:xfrm>
-            <a:off x="617220" y="882521"/>
+            <a:off x="617220" y="1374963"/>
             <a:ext cx="10957560" cy="461665"/>
           </a:xfrm>
           <a:prstGeom prst="rect">
@@ -20091,8 +20111,8 @@
         </p:nvSpPr>
         <p:spPr bwMode="auto">
           <a:xfrm>
-            <a:off x="617220" y="143908"/>
-            <a:ext cx="10957560" cy="6494085"/>
+            <a:off x="617220" y="636350"/>
+            <a:ext cx="10957560" cy="5509200"/>
           </a:xfrm>
           <a:prstGeom prst="rect">
             <a:avLst/>
@@ -20489,54 +20509,20 @@
                 </a:solidFill>
                 <a:latin typeface="Arial Unicode MS" panose="020B0604020202020204" pitchFamily="34" charset="-128"/>
               </a:rPr>
-              <a:t>$object-&gt;foobar();</a:t>
-            </a:r>
-          </a:p>
-          <a:p>
-            <a:pPr marL="0" lvl="0" indent="0" eaLnBrk="0" fontAlgn="base" hangingPunct="0">
-              <a:lnSpc>
-                <a:spcPct val="100000"/>
-              </a:lnSpc>
-              <a:spcBef>
-                <a:spcPct val="0"/>
-              </a:spcBef>
-              <a:spcAft>
-                <a:spcPct val="0"/>
-              </a:spcAft>
-              <a:buNone/>
-            </a:pPr>
+              <a:t>$object-&gt;foobar</a:t>
+            </a:r>
+            <a:r>
+              <a:rPr lang="en-US" altLang="en-US" sz="3200" dirty="0" smtClean="0">
+                <a:solidFill>
+                  <a:srgbClr val="000000"/>
+                </a:solidFill>
+                <a:latin typeface="Arial Unicode MS" panose="020B0604020202020204" pitchFamily="34" charset="-128"/>
+              </a:rPr>
+              <a:t>();</a:t>
+            </a:r>
             <a:endParaRPr lang="en-US" altLang="en-US" sz="3200" dirty="0">
               <a:solidFill>
-                <a:srgbClr val="7F0055"/>
-              </a:solidFill>
-              <a:latin typeface="Arial Unicode MS" panose="020B0604020202020204" pitchFamily="34" charset="-128"/>
-            </a:endParaRPr>
-          </a:p>
-          <a:p>
-            <a:pPr marL="0" lvl="0" indent="0" eaLnBrk="0" fontAlgn="base" hangingPunct="0">
-              <a:lnSpc>
-                <a:spcPct val="100000"/>
-              </a:lnSpc>
-              <a:spcBef>
-                <a:spcPct val="0"/>
-              </a:spcBef>
-              <a:spcAft>
-                <a:spcPct val="0"/>
-              </a:spcAft>
-              <a:buNone/>
-            </a:pPr>
-            <a:r>
-              <a:rPr lang="en-US" altLang="en-US" sz="3200" dirty="0" smtClean="0">
-                <a:solidFill>
-                  <a:srgbClr val="7F0055"/>
-                </a:solidFill>
-                <a:latin typeface="Arial Unicode MS" panose="020B0604020202020204" pitchFamily="34" charset="-128"/>
-              </a:rPr>
-              <a:t>?&gt;</a:t>
-            </a:r>
-            <a:endParaRPr lang="en-US" altLang="en-US" sz="3200" dirty="0">
-              <a:solidFill>
-                <a:srgbClr val="7F0055"/>
+                <a:srgbClr val="000000"/>
               </a:solidFill>
               <a:latin typeface="Arial Unicode MS" panose="020B0604020202020204" pitchFamily="34" charset="-128"/>
             </a:endParaRPr>
@@ -20634,7 +20620,7 @@
         </p:nvSpPr>
         <p:spPr>
           <a:xfrm>
-            <a:off x="7571874" y="5437662"/>
+            <a:off x="7571874" y="4945221"/>
             <a:ext cx="4002906" cy="1200329"/>
           </a:xfrm>
           <a:prstGeom prst="rect">
@@ -20685,7 +20671,7 @@
         </p:nvSpPr>
         <p:spPr>
           <a:xfrm>
-            <a:off x="617220" y="143906"/>
+            <a:off x="617220" y="636350"/>
             <a:ext cx="10957560" cy="461665"/>
           </a:xfrm>
           <a:prstGeom prst="rect">
@@ -20864,8 +20850,8 @@
         </p:nvSpPr>
         <p:spPr bwMode="auto">
           <a:xfrm>
-            <a:off x="617220" y="882521"/>
-            <a:ext cx="10957560" cy="5016758"/>
+            <a:off x="617220" y="1374964"/>
+            <a:ext cx="10957560" cy="4031873"/>
           </a:xfrm>
           <a:prstGeom prst="rect">
             <a:avLst/>
@@ -21161,22 +21147,34 @@
                 <a:effectLst/>
                 <a:latin typeface="Arial Unicode MS" panose="020B0604020202020204" pitchFamily="34" charset="-128"/>
               </a:rPr>
-              <a:t> $var;</a:t>
-            </a:r>
-          </a:p>
-          <a:p>
-            <a:pPr marL="0" lvl="0" indent="0" eaLnBrk="0" fontAlgn="base" hangingPunct="0">
-              <a:lnSpc>
-                <a:spcPct val="100000"/>
-              </a:lnSpc>
-              <a:spcBef>
-                <a:spcPct val="0"/>
-              </a:spcBef>
-              <a:spcAft>
-                <a:spcPct val="0"/>
-              </a:spcAft>
-              <a:buNone/>
-            </a:pPr>
+              <a:t> $</a:t>
+            </a:r>
+            <a:r>
+              <a:rPr kumimoji="0" lang="en-US" altLang="en-US" sz="3200" b="0" i="0" u="none" strike="noStrike" cap="none" normalizeH="0" baseline="0" dirty="0" err="1" smtClean="0">
+                <a:ln>
+                  <a:noFill/>
+                </a:ln>
+                <a:solidFill>
+                  <a:srgbClr val="000000"/>
+                </a:solidFill>
+                <a:effectLst/>
+                <a:latin typeface="Arial Unicode MS" panose="020B0604020202020204" pitchFamily="34" charset="-128"/>
+              </a:rPr>
+              <a:t>var</a:t>
+            </a:r>
+            <a:r>
+              <a:rPr kumimoji="0" lang="en-US" altLang="en-US" sz="3200" b="0" i="0" u="none" strike="noStrike" cap="none" normalizeH="0" baseline="0" dirty="0" smtClean="0">
+                <a:ln>
+                  <a:noFill/>
+                </a:ln>
+                <a:solidFill>
+                  <a:srgbClr val="000000"/>
+                </a:solidFill>
+                <a:effectLst/>
+                <a:latin typeface="Arial Unicode MS" panose="020B0604020202020204" pitchFamily="34" charset="-128"/>
+              </a:rPr>
+              <a:t>;</a:t>
+            </a:r>
             <a:endParaRPr kumimoji="0" lang="en-US" altLang="en-US" sz="3200" b="0" i="0" u="none" strike="noStrike" cap="none" normalizeH="0" baseline="0" dirty="0" smtClean="0">
               <a:ln>
                 <a:noFill/>
@@ -21188,43 +21186,6 @@
               <a:latin typeface="Arial Unicode MS" panose="020B0604020202020204" pitchFamily="34" charset="-128"/>
             </a:endParaRPr>
           </a:p>
-          <a:p>
-            <a:pPr marL="0" lvl="0" indent="0" eaLnBrk="0" fontAlgn="base" hangingPunct="0">
-              <a:lnSpc>
-                <a:spcPct val="100000"/>
-              </a:lnSpc>
-              <a:spcBef>
-                <a:spcPct val="0"/>
-              </a:spcBef>
-              <a:spcAft>
-                <a:spcPct val="0"/>
-              </a:spcAft>
-              <a:buNone/>
-            </a:pPr>
-            <a:r>
-              <a:rPr kumimoji="0" lang="en-US" altLang="en-US" sz="3200" b="0" i="0" u="none" strike="noStrike" cap="none" normalizeH="0" baseline="0" dirty="0" smtClean="0">
-                <a:ln>
-                  <a:noFill/>
-                </a:ln>
-                <a:solidFill>
-                  <a:srgbClr val="7F0055"/>
-                </a:solidFill>
-                <a:effectLst/>
-                <a:latin typeface="Arial Unicode MS" panose="020B0604020202020204" pitchFamily="34" charset="-128"/>
-              </a:rPr>
-              <a:t>?&gt;</a:t>
-            </a:r>
-            <a:endParaRPr kumimoji="0" lang="en-US" altLang="en-US" sz="6000" b="0" i="0" u="none" strike="noStrike" cap="none" normalizeH="0" baseline="0" dirty="0" smtClean="0">
-              <a:ln>
-                <a:noFill/>
-              </a:ln>
-              <a:solidFill>
-                <a:schemeClr val="tx1"/>
-              </a:solidFill>
-              <a:effectLst/>
-              <a:latin typeface="Arial" panose="020B0604020202020204" pitchFamily="34" charset="0"/>
-            </a:endParaRPr>
-          </a:p>
         </p:txBody>
       </p:sp>
       <p:sp>
@@ -21235,7 +21196,7 @@
         </p:nvSpPr>
         <p:spPr>
           <a:xfrm>
-            <a:off x="8462612" y="4698950"/>
+            <a:off x="8462612" y="4206508"/>
             <a:ext cx="3112168" cy="1200329"/>
           </a:xfrm>
           <a:prstGeom prst="rect">
@@ -21287,7 +21248,7 @@
         </p:nvSpPr>
         <p:spPr>
           <a:xfrm>
-            <a:off x="617220" y="882521"/>
+            <a:off x="617220" y="1374964"/>
             <a:ext cx="10957560" cy="461665"/>
           </a:xfrm>
           <a:prstGeom prst="rect">
@@ -21475,8 +21436,8 @@
         </p:nvSpPr>
         <p:spPr bwMode="auto">
           <a:xfrm>
-            <a:off x="617220" y="882521"/>
-            <a:ext cx="10957560" cy="5016758"/>
+            <a:off x="617220" y="1374963"/>
+            <a:ext cx="10957560" cy="4031873"/>
           </a:xfrm>
           <a:prstGeom prst="rect">
             <a:avLst/>
@@ -21754,46 +21715,21 @@
                 <a:effectLst/>
                 <a:latin typeface="Arial Unicode MS" panose="020B0604020202020204" pitchFamily="34" charset="-128"/>
               </a:rPr>
-              <a:t> $var;</a:t>
-            </a:r>
-          </a:p>
-          <a:p>
-            <a:pPr marL="0" lvl="0" indent="0" eaLnBrk="0" fontAlgn="base" hangingPunct="0">
-              <a:lnSpc>
-                <a:spcPct val="100000"/>
-              </a:lnSpc>
-              <a:spcBef>
-                <a:spcPct val="0"/>
-              </a:spcBef>
-              <a:spcAft>
-                <a:spcPct val="0"/>
-              </a:spcAft>
-              <a:buNone/>
-            </a:pPr>
-            <a:endParaRPr lang="en-US" altLang="en-US" sz="3200" dirty="0">
-              <a:solidFill>
-                <a:srgbClr val="000000"/>
-              </a:solidFill>
-              <a:latin typeface="Arial Unicode MS" panose="020B0604020202020204" pitchFamily="34" charset="-128"/>
-            </a:endParaRPr>
-          </a:p>
-          <a:p>
-            <a:pPr marL="0" marR="0" lvl="0" indent="0" algn="l" defTabSz="914400" rtl="0" eaLnBrk="0" fontAlgn="base" latinLnBrk="0" hangingPunct="0">
-              <a:lnSpc>
-                <a:spcPct val="100000"/>
-              </a:lnSpc>
-              <a:spcBef>
-                <a:spcPct val="0"/>
-              </a:spcBef>
-              <a:spcAft>
-                <a:spcPct val="0"/>
-              </a:spcAft>
-              <a:buClrTx/>
-              <a:buSzTx/>
-              <a:buFontTx/>
-              <a:buNone/>
-              <a:tabLst/>
-            </a:pPr>
+              <a:t> $</a:t>
+            </a:r>
+            <a:r>
+              <a:rPr kumimoji="0" lang="en-US" altLang="en-US" sz="3200" b="0" i="0" u="none" strike="noStrike" cap="none" normalizeH="0" baseline="0" dirty="0" err="1" smtClean="0">
+                <a:ln>
+                  <a:noFill/>
+                </a:ln>
+                <a:solidFill>
+                  <a:srgbClr val="000000"/>
+                </a:solidFill>
+                <a:effectLst/>
+                <a:latin typeface="Arial Unicode MS" panose="020B0604020202020204" pitchFamily="34" charset="-128"/>
+              </a:rPr>
+              <a:t>var</a:t>
+            </a:r>
             <a:r>
               <a:rPr kumimoji="0" lang="en-US" altLang="en-US" sz="3200" b="0" i="0" u="none" strike="noStrike" cap="none" normalizeH="0" baseline="0" dirty="0" smtClean="0">
                 <a:ln>
@@ -21805,17 +21741,17 @@
                 <a:effectLst/>
                 <a:latin typeface="Arial Unicode MS" panose="020B0604020202020204" pitchFamily="34" charset="-128"/>
               </a:rPr>
-              <a:t>?&gt;</a:t>
+              <a:t>;</a:t>
             </a:r>
             <a:endParaRPr kumimoji="0" lang="en-US" altLang="en-US" sz="3200" b="0" i="0" u="none" strike="noStrike" cap="none" normalizeH="0" baseline="0" dirty="0" smtClean="0">
               <a:ln>
                 <a:noFill/>
               </a:ln>
               <a:solidFill>
-                <a:schemeClr val="tx1"/>
+                <a:srgbClr val="000000"/>
               </a:solidFill>
               <a:effectLst/>
-              <a:latin typeface="Arial" panose="020B0604020202020204" pitchFamily="34" charset="0"/>
+              <a:latin typeface="Arial Unicode MS" panose="020B0604020202020204" pitchFamily="34" charset="-128"/>
             </a:endParaRPr>
           </a:p>
         </p:txBody>
@@ -21911,7 +21847,7 @@
         </p:nvSpPr>
         <p:spPr>
           <a:xfrm>
-            <a:off x="8462612" y="4698950"/>
+            <a:off x="8462612" y="4206507"/>
             <a:ext cx="3112168" cy="1200329"/>
           </a:xfrm>
           <a:prstGeom prst="rect">
@@ -21960,7 +21896,7 @@
         </p:nvSpPr>
         <p:spPr>
           <a:xfrm>
-            <a:off x="617220" y="882521"/>
+            <a:off x="617220" y="1374963"/>
             <a:ext cx="10957560" cy="461665"/>
           </a:xfrm>
           <a:prstGeom prst="rect">
@@ -22135,8 +22071,8 @@
         </p:nvSpPr>
         <p:spPr bwMode="auto">
           <a:xfrm>
-            <a:off x="617220" y="882521"/>
-            <a:ext cx="10957560" cy="5016758"/>
+            <a:off x="617220" y="1374963"/>
+            <a:ext cx="10957560" cy="4031873"/>
           </a:xfrm>
           <a:prstGeom prst="rect">
             <a:avLst/>
@@ -22414,46 +22350,21 @@
                 <a:effectLst/>
                 <a:latin typeface="Arial Unicode MS" panose="020B0604020202020204" pitchFamily="34" charset="-128"/>
               </a:rPr>
-              <a:t> $var;</a:t>
-            </a:r>
-          </a:p>
-          <a:p>
-            <a:pPr marL="0" lvl="0" indent="0" eaLnBrk="0" fontAlgn="base" hangingPunct="0">
-              <a:lnSpc>
-                <a:spcPct val="100000"/>
-              </a:lnSpc>
-              <a:spcBef>
-                <a:spcPct val="0"/>
-              </a:spcBef>
-              <a:spcAft>
-                <a:spcPct val="0"/>
-              </a:spcAft>
-              <a:buNone/>
-            </a:pPr>
-            <a:endParaRPr lang="en-US" altLang="en-US" sz="3200" dirty="0">
-              <a:solidFill>
-                <a:srgbClr val="000000"/>
-              </a:solidFill>
-              <a:latin typeface="Arial Unicode MS" panose="020B0604020202020204" pitchFamily="34" charset="-128"/>
-            </a:endParaRPr>
-          </a:p>
-          <a:p>
-            <a:pPr marL="0" marR="0" lvl="0" indent="0" algn="l" defTabSz="914400" rtl="0" eaLnBrk="0" fontAlgn="base" latinLnBrk="0" hangingPunct="0">
-              <a:lnSpc>
-                <a:spcPct val="100000"/>
-              </a:lnSpc>
-              <a:spcBef>
-                <a:spcPct val="0"/>
-              </a:spcBef>
-              <a:spcAft>
-                <a:spcPct val="0"/>
-              </a:spcAft>
-              <a:buClrTx/>
-              <a:buSzTx/>
-              <a:buFontTx/>
-              <a:buNone/>
-              <a:tabLst/>
-            </a:pPr>
+              <a:t> $</a:t>
+            </a:r>
+            <a:r>
+              <a:rPr kumimoji="0" lang="en-US" altLang="en-US" sz="3200" b="0" i="0" u="none" strike="noStrike" cap="none" normalizeH="0" baseline="0" dirty="0" err="1" smtClean="0">
+                <a:ln>
+                  <a:noFill/>
+                </a:ln>
+                <a:solidFill>
+                  <a:srgbClr val="000000"/>
+                </a:solidFill>
+                <a:effectLst/>
+                <a:latin typeface="Arial Unicode MS" panose="020B0604020202020204" pitchFamily="34" charset="-128"/>
+              </a:rPr>
+              <a:t>var</a:t>
+            </a:r>
             <a:r>
               <a:rPr kumimoji="0" lang="en-US" altLang="en-US" sz="3200" b="0" i="0" u="none" strike="noStrike" cap="none" normalizeH="0" baseline="0" dirty="0" smtClean="0">
                 <a:ln>
@@ -22465,17 +22376,17 @@
                 <a:effectLst/>
                 <a:latin typeface="Arial Unicode MS" panose="020B0604020202020204" pitchFamily="34" charset="-128"/>
               </a:rPr>
-              <a:t>?&gt;</a:t>
+              <a:t>;</a:t>
             </a:r>
             <a:endParaRPr kumimoji="0" lang="en-US" altLang="en-US" sz="3200" b="0" i="0" u="none" strike="noStrike" cap="none" normalizeH="0" baseline="0" dirty="0" smtClean="0">
               <a:ln>
                 <a:noFill/>
               </a:ln>
               <a:solidFill>
-                <a:schemeClr val="tx1"/>
+                <a:srgbClr val="000000"/>
               </a:solidFill>
               <a:effectLst/>
-              <a:latin typeface="Arial" panose="020B0604020202020204" pitchFamily="34" charset="0"/>
+              <a:latin typeface="Arial Unicode MS" panose="020B0604020202020204" pitchFamily="34" charset="-128"/>
             </a:endParaRPr>
           </a:p>
         </p:txBody>
@@ -22571,7 +22482,7 @@
         </p:nvSpPr>
         <p:spPr>
           <a:xfrm>
-            <a:off x="8462612" y="4698950"/>
+            <a:off x="8462612" y="4206507"/>
             <a:ext cx="3112168" cy="1200329"/>
           </a:xfrm>
           <a:prstGeom prst="rect">
@@ -22620,7 +22531,7 @@
         </p:nvSpPr>
         <p:spPr>
           <a:xfrm>
-            <a:off x="617220" y="890482"/>
+            <a:off x="617220" y="1374963"/>
             <a:ext cx="10957560" cy="461665"/>
           </a:xfrm>
           <a:prstGeom prst="rect">
@@ -22799,8 +22710,8 @@
         </p:nvSpPr>
         <p:spPr bwMode="auto">
           <a:xfrm>
-            <a:off x="617220" y="1128742"/>
-            <a:ext cx="10957560" cy="4524315"/>
+            <a:off x="617220" y="1374963"/>
+            <a:ext cx="10957560" cy="4031873"/>
           </a:xfrm>
           <a:prstGeom prst="rect">
             <a:avLst/>
@@ -23096,62 +23007,39 @@
                 <a:effectLst/>
                 <a:latin typeface="Arial Unicode MS" panose="020B0604020202020204" pitchFamily="34" charset="-128"/>
               </a:rPr>
-              <a:t> $var;</a:t>
+              <a:t> $</a:t>
+            </a:r>
+            <a:r>
+              <a:rPr kumimoji="0" lang="en-US" altLang="en-US" sz="3200" b="0" i="0" u="none" strike="noStrike" cap="none" normalizeH="0" baseline="0" dirty="0" err="1" smtClean="0">
+                <a:ln>
+                  <a:noFill/>
+                </a:ln>
+                <a:solidFill>
+                  <a:srgbClr val="000000"/>
+                </a:solidFill>
+                <a:effectLst/>
+                <a:latin typeface="Arial Unicode MS" panose="020B0604020202020204" pitchFamily="34" charset="-128"/>
+              </a:rPr>
+              <a:t>var</a:t>
+            </a:r>
+            <a:r>
+              <a:rPr kumimoji="0" lang="en-US" altLang="en-US" sz="3200" b="0" i="0" u="none" strike="noStrike" cap="none" normalizeH="0" baseline="0" dirty="0" smtClean="0">
+                <a:ln>
+                  <a:noFill/>
+                </a:ln>
+                <a:solidFill>
+                  <a:srgbClr val="000000"/>
+                </a:solidFill>
+                <a:effectLst/>
+                <a:latin typeface="Arial Unicode MS" panose="020B0604020202020204" pitchFamily="34" charset="-128"/>
+              </a:rPr>
+              <a:t>;</a:t>
             </a:r>
             <a:endParaRPr lang="en-US" altLang="en-US" sz="3200" dirty="0">
               <a:solidFill>
                 <a:srgbClr val="000000"/>
               </a:solidFill>
               <a:latin typeface="Arial Unicode MS" panose="020B0604020202020204" pitchFamily="34" charset="-128"/>
-            </a:endParaRPr>
-          </a:p>
-          <a:p>
-            <a:pPr marL="0" lvl="0" indent="0" eaLnBrk="0" fontAlgn="base" hangingPunct="0">
-              <a:lnSpc>
-                <a:spcPct val="100000"/>
-              </a:lnSpc>
-              <a:spcBef>
-                <a:spcPct val="0"/>
-              </a:spcBef>
-              <a:spcAft>
-                <a:spcPct val="0"/>
-              </a:spcAft>
-              <a:buNone/>
-            </a:pPr>
-            <a:r>
-              <a:rPr kumimoji="0" lang="en-US" altLang="en-US" sz="3200" b="0" i="0" u="none" strike="noStrike" cap="none" normalizeH="0" baseline="0" dirty="0" smtClean="0">
-                <a:ln>
-                  <a:noFill/>
-                </a:ln>
-                <a:solidFill>
-                  <a:srgbClr val="7F0055"/>
-                </a:solidFill>
-                <a:effectLst/>
-                <a:latin typeface="Arial Unicode MS" panose="020B0604020202020204" pitchFamily="34" charset="-128"/>
-              </a:rPr>
-              <a:t>?&gt;</a:t>
-            </a:r>
-            <a:r>
-              <a:rPr kumimoji="0" lang="en-US" altLang="en-US" sz="2400" b="0" i="0" u="none" strike="noStrike" cap="none" normalizeH="0" baseline="0" dirty="0" smtClean="0">
-                <a:ln>
-                  <a:noFill/>
-                </a:ln>
-                <a:solidFill>
-                  <a:schemeClr val="tx1"/>
-                </a:solidFill>
-                <a:effectLst/>
-              </a:rPr>
-              <a:t> </a:t>
-            </a:r>
-            <a:endParaRPr kumimoji="0" lang="en-US" altLang="en-US" sz="6000" b="0" i="0" u="none" strike="noStrike" cap="none" normalizeH="0" baseline="0" dirty="0" smtClean="0">
-              <a:ln>
-                <a:noFill/>
-              </a:ln>
-              <a:solidFill>
-                <a:schemeClr val="tx1"/>
-              </a:solidFill>
-              <a:effectLst/>
-              <a:latin typeface="Arial" panose="020B0604020202020204" pitchFamily="34" charset="0"/>
             </a:endParaRPr>
           </a:p>
         </p:txBody>
@@ -23247,7 +23135,7 @@
         </p:nvSpPr>
         <p:spPr>
           <a:xfrm>
-            <a:off x="8462612" y="4452728"/>
+            <a:off x="8462612" y="4206507"/>
             <a:ext cx="3112168" cy="1200329"/>
           </a:xfrm>
           <a:prstGeom prst="rect">
@@ -23279,11 +23167,15 @@
           </a:p>
           <a:p>
             <a:r>
-              <a:rPr lang="en-US" altLang="en-US" sz="2400" dirty="0" smtClean="0"/>
+              <a:rPr lang="en-US" altLang="en-US" sz="2400" dirty="0" smtClean="0">
+                <a:latin typeface="Arial" panose="020B0604020202020204" pitchFamily="34" charset="0"/>
+                <a:cs typeface="Arial" panose="020B0604020202020204" pitchFamily="34" charset="0"/>
+              </a:rPr>
               <a:t>foobar</a:t>
             </a:r>
             <a:endParaRPr lang="en-US" altLang="en-US" sz="2400" dirty="0">
               <a:latin typeface="Arial" panose="020B0604020202020204" pitchFamily="34" charset="0"/>
+              <a:cs typeface="Arial" panose="020B0604020202020204" pitchFamily="34" charset="0"/>
             </a:endParaRPr>
           </a:p>
         </p:txBody>
@@ -23296,7 +23188,7 @@
         </p:nvSpPr>
         <p:spPr>
           <a:xfrm>
-            <a:off x="617220" y="1128742"/>
+            <a:off x="617220" y="1374963"/>
             <a:ext cx="10957560" cy="461665"/>
           </a:xfrm>
           <a:prstGeom prst="rect">
@@ -23567,8 +23459,8 @@
         </p:nvSpPr>
         <p:spPr bwMode="auto">
           <a:xfrm>
-            <a:off x="617220" y="390078"/>
-            <a:ext cx="10957560" cy="6001643"/>
+            <a:off x="617220" y="882521"/>
+            <a:ext cx="10957560" cy="5016758"/>
           </a:xfrm>
           <a:prstGeom prst="rect">
             <a:avLst/>
@@ -24043,7 +23935,7 @@
                 <a:effectLst/>
                 <a:latin typeface="Arial Unicode MS" panose="020B0604020202020204" pitchFamily="34" charset="-128"/>
               </a:rPr>
-              <a:t> "</a:t>
+              <a:t> </a:t>
             </a:r>
             <a:r>
               <a:rPr kumimoji="0" lang="en-US" altLang="en-US" sz="3200" b="0" i="0" u="none" strike="noStrike" cap="none" normalizeH="0" baseline="0" dirty="0" smtClean="0">
@@ -24051,81 +23943,35 @@
                   <a:noFill/>
                 </a:ln>
                 <a:solidFill>
-                  <a:srgbClr val="000000"/>
+                  <a:srgbClr val="2A00FF"/>
                 </a:solidFill>
                 <a:effectLst/>
                 <a:latin typeface="Arial Unicode MS" panose="020B0604020202020204" pitchFamily="34" charset="-128"/>
               </a:rPr>
-              <a:t>;</a:t>
-            </a:r>
-          </a:p>
-          <a:p>
-            <a:pPr marL="0" lvl="0" indent="0" eaLnBrk="0" fontAlgn="base" hangingPunct="0">
-              <a:lnSpc>
-                <a:spcPct val="100000"/>
-              </a:lnSpc>
-              <a:spcBef>
-                <a:spcPct val="0"/>
-              </a:spcBef>
-              <a:spcAft>
-                <a:spcPct val="0"/>
-              </a:spcAft>
-              <a:buNone/>
-            </a:pPr>
-            <a:endParaRPr lang="en-US" altLang="en-US" sz="3200" dirty="0" smtClean="0">
-              <a:solidFill>
-                <a:srgbClr val="000000"/>
-              </a:solidFill>
-              <a:latin typeface="Arial Unicode MS" panose="020B0604020202020204" pitchFamily="34" charset="-128"/>
-            </a:endParaRPr>
-          </a:p>
-          <a:p>
-            <a:pPr marL="0" lvl="0" indent="0" eaLnBrk="0" fontAlgn="base" hangingPunct="0">
-              <a:lnSpc>
-                <a:spcPct val="100000"/>
-              </a:lnSpc>
-              <a:spcBef>
-                <a:spcPct val="0"/>
-              </a:spcBef>
-              <a:spcAft>
-                <a:spcPct val="0"/>
-              </a:spcAft>
-              <a:buNone/>
-            </a:pPr>
+              <a:t>"</a:t>
+            </a:r>
             <a:r>
               <a:rPr kumimoji="0" lang="en-US" altLang="en-US" sz="3200" b="0" i="0" u="none" strike="noStrike" cap="none" normalizeH="0" baseline="0" dirty="0" smtClean="0">
                 <a:ln>
                   <a:noFill/>
                 </a:ln>
                 <a:solidFill>
-                  <a:srgbClr val="7F0055"/>
+                  <a:srgbClr val="000000"/>
                 </a:solidFill>
                 <a:effectLst/>
                 <a:latin typeface="Arial Unicode MS" panose="020B0604020202020204" pitchFamily="34" charset="-128"/>
               </a:rPr>
-              <a:t>?&gt;</a:t>
-            </a:r>
-            <a:r>
-              <a:rPr kumimoji="0" lang="en-US" altLang="en-US" sz="2400" b="0" i="0" u="none" strike="noStrike" cap="none" normalizeH="0" baseline="0" dirty="0" smtClean="0">
-                <a:ln>
-                  <a:noFill/>
-                </a:ln>
-                <a:solidFill>
-                  <a:schemeClr val="tx1"/>
-                </a:solidFill>
-                <a:effectLst/>
-              </a:rPr>
-              <a:t> </a:t>
-            </a:r>
-            <a:endParaRPr kumimoji="0" lang="en-US" altLang="en-US" sz="6000" b="0" i="0" u="none" strike="noStrike" cap="none" normalizeH="0" baseline="0" dirty="0" smtClean="0">
+              <a:t>;</a:t>
+            </a:r>
+            <a:endParaRPr kumimoji="0" lang="en-US" altLang="en-US" sz="3200" b="0" i="0" u="none" strike="noStrike" cap="none" normalizeH="0" baseline="0" dirty="0" smtClean="0">
               <a:ln>
                 <a:noFill/>
               </a:ln>
               <a:solidFill>
-                <a:schemeClr val="tx1"/>
+                <a:srgbClr val="000000"/>
               </a:solidFill>
               <a:effectLst/>
-              <a:latin typeface="Arial" panose="020B0604020202020204" pitchFamily="34" charset="0"/>
+              <a:latin typeface="Arial Unicode MS" panose="020B0604020202020204" pitchFamily="34" charset="-128"/>
             </a:endParaRPr>
           </a:p>
         </p:txBody>
@@ -24221,7 +24067,7 @@
         </p:nvSpPr>
         <p:spPr>
           <a:xfrm>
-            <a:off x="8462612" y="5191392"/>
+            <a:off x="8462612" y="4698950"/>
             <a:ext cx="3112168" cy="1200329"/>
           </a:xfrm>
           <a:prstGeom prst="rect">
@@ -24270,7 +24116,7 @@
         </p:nvSpPr>
         <p:spPr>
           <a:xfrm>
-            <a:off x="617220" y="413266"/>
+            <a:off x="617220" y="882521"/>
             <a:ext cx="10957560" cy="461665"/>
           </a:xfrm>
           <a:prstGeom prst="rect">
@@ -24544,8 +24390,8 @@
         </p:nvSpPr>
         <p:spPr bwMode="auto">
           <a:xfrm>
-            <a:off x="617220" y="390079"/>
-            <a:ext cx="10957560" cy="6001643"/>
+            <a:off x="617220" y="882522"/>
+            <a:ext cx="10957560" cy="5016758"/>
           </a:xfrm>
           <a:prstGeom prst="rect">
             <a:avLst/>
@@ -24860,7 +24706,19 @@
               <a:rPr lang="en-US" altLang="en-US" sz="3200" dirty="0" smtClean="0">
                 <a:latin typeface="Arial Unicode MS" panose="020B0604020202020204" pitchFamily="34" charset="-128"/>
               </a:rPr>
-              <a:t>$var;</a:t>
+              <a:t>$</a:t>
+            </a:r>
+            <a:r>
+              <a:rPr lang="en-US" altLang="en-US" sz="3200" dirty="0" err="1" smtClean="0">
+                <a:latin typeface="Arial Unicode MS" panose="020B0604020202020204" pitchFamily="34" charset="-128"/>
+              </a:rPr>
+              <a:t>var</a:t>
+            </a:r>
+            <a:r>
+              <a:rPr lang="en-US" altLang="en-US" sz="3200" dirty="0" smtClean="0">
+                <a:latin typeface="Arial Unicode MS" panose="020B0604020202020204" pitchFamily="34" charset="-128"/>
+              </a:rPr>
+              <a:t>;</a:t>
             </a:r>
             <a:endParaRPr kumimoji="0" lang="en-US" altLang="en-US" sz="3200" b="0" i="0" u="none" strike="noStrike" cap="none" normalizeH="0" baseline="0" dirty="0" smtClean="0">
               <a:ln>
@@ -24868,75 +24726,6 @@
               </a:ln>
               <a:effectLst/>
               <a:latin typeface="Arial Unicode MS" panose="020B0604020202020204" pitchFamily="34" charset="-128"/>
-            </a:endParaRPr>
-          </a:p>
-          <a:p>
-            <a:pPr marL="0" lvl="0" indent="0" eaLnBrk="0" fontAlgn="base" hangingPunct="0">
-              <a:lnSpc>
-                <a:spcPct val="100000"/>
-              </a:lnSpc>
-              <a:spcBef>
-                <a:spcPct val="0"/>
-              </a:spcBef>
-              <a:spcAft>
-                <a:spcPct val="0"/>
-              </a:spcAft>
-              <a:buNone/>
-            </a:pPr>
-            <a:endParaRPr lang="en-US" altLang="en-US" sz="3200" dirty="0">
-              <a:solidFill>
-                <a:srgbClr val="000000"/>
-              </a:solidFill>
-              <a:latin typeface="Arial Unicode MS" panose="020B0604020202020204" pitchFamily="34" charset="-128"/>
-            </a:endParaRPr>
-          </a:p>
-          <a:p>
-            <a:pPr marL="0" lvl="0" indent="0" eaLnBrk="0" fontAlgn="base" hangingPunct="0">
-              <a:lnSpc>
-                <a:spcPct val="100000"/>
-              </a:lnSpc>
-              <a:spcBef>
-                <a:spcPct val="0"/>
-              </a:spcBef>
-              <a:spcAft>
-                <a:spcPct val="0"/>
-              </a:spcAft>
-              <a:buNone/>
-            </a:pPr>
-            <a:r>
-              <a:rPr kumimoji="0" lang="en-US" altLang="en-US" sz="3200" b="0" i="0" u="none" strike="noStrike" cap="none" normalizeH="0" baseline="0" dirty="0" smtClean="0">
-                <a:ln>
-                  <a:noFill/>
-                </a:ln>
-                <a:solidFill>
-                  <a:srgbClr val="7F0055"/>
-                </a:solidFill>
-                <a:effectLst/>
-                <a:latin typeface="Arial Unicode MS" panose="020B0604020202020204" pitchFamily="34" charset="-128"/>
-              </a:rPr>
-              <a:t>?&gt;</a:t>
-            </a:r>
-            <a:r>
-              <a:rPr kumimoji="0" lang="en-US" altLang="en-US" sz="2400" b="0" i="0" u="none" strike="noStrike" cap="none" normalizeH="0" baseline="0" dirty="0" smtClean="0">
-                <a:ln>
-                  <a:noFill/>
-                </a:ln>
-                <a:solidFill>
-                  <a:schemeClr val="tx1"/>
-                </a:solidFill>
-                <a:effectLst/>
-              </a:rPr>
-              <a:t> </a:t>
-            </a:r>
-            <a:endParaRPr kumimoji="0" lang="en-US" altLang="en-US" sz="6000" b="0" i="0" u="none" strike="noStrike" cap="none" normalizeH="0" baseline="0" dirty="0" smtClean="0">
-              <a:ln>
-                <a:noFill/>
-              </a:ln>
-              <a:solidFill>
-                <a:schemeClr val="tx1"/>
-              </a:solidFill>
-              <a:effectLst/>
-              <a:latin typeface="Arial" panose="020B0604020202020204" pitchFamily="34" charset="0"/>
             </a:endParaRPr>
           </a:p>
         </p:txBody>
@@ -25032,7 +24821,7 @@
         </p:nvSpPr>
         <p:spPr>
           <a:xfrm>
-            <a:off x="8462612" y="5191393"/>
+            <a:off x="8462612" y="4698951"/>
             <a:ext cx="3112168" cy="1200329"/>
           </a:xfrm>
           <a:prstGeom prst="rect">
@@ -25081,7 +24870,7 @@
         </p:nvSpPr>
         <p:spPr>
           <a:xfrm>
-            <a:off x="617220" y="390079"/>
+            <a:off x="617220" y="882522"/>
             <a:ext cx="10957560" cy="461665"/>
           </a:xfrm>
           <a:prstGeom prst="rect">
@@ -25266,8 +25055,8 @@
         </p:nvSpPr>
         <p:spPr bwMode="auto">
           <a:xfrm>
-            <a:off x="617220" y="390078"/>
-            <a:ext cx="10957560" cy="6001643"/>
+            <a:off x="617220" y="882521"/>
+            <a:ext cx="10957560" cy="5016758"/>
           </a:xfrm>
           <a:prstGeom prst="rect">
             <a:avLst/>
@@ -25586,76 +25375,30 @@
                 <a:effectLst/>
                 <a:latin typeface="Arial Unicode MS" panose="020B0604020202020204" pitchFamily="34" charset="-128"/>
               </a:rPr>
-              <a:t> 4 / 2;</a:t>
-            </a:r>
-          </a:p>
-          <a:p>
-            <a:pPr marL="0" lvl="0" indent="0" eaLnBrk="0" fontAlgn="base" hangingPunct="0">
-              <a:lnSpc>
-                <a:spcPct val="100000"/>
-              </a:lnSpc>
-              <a:spcBef>
-                <a:spcPct val="0"/>
-              </a:spcBef>
-              <a:spcAft>
-                <a:spcPct val="0"/>
-              </a:spcAft>
-              <a:buNone/>
-            </a:pPr>
-            <a:endParaRPr lang="en-US" altLang="en-US" sz="3200" dirty="0">
-              <a:solidFill>
-                <a:srgbClr val="000000"/>
-              </a:solidFill>
-              <a:latin typeface="Arial Unicode MS" panose="020B0604020202020204" pitchFamily="34" charset="-128"/>
-            </a:endParaRPr>
-          </a:p>
-          <a:p>
-            <a:pPr marL="0" lvl="0" indent="0" eaLnBrk="0" fontAlgn="base" hangingPunct="0">
-              <a:lnSpc>
-                <a:spcPct val="100000"/>
-              </a:lnSpc>
-              <a:spcBef>
-                <a:spcPct val="0"/>
-              </a:spcBef>
-              <a:spcAft>
-                <a:spcPct val="0"/>
-              </a:spcAft>
-              <a:buNone/>
-            </a:pPr>
+              <a:t> 4 / 2</a:t>
+            </a:r>
             <a:r>
               <a:rPr kumimoji="0" lang="en-US" altLang="en-US" sz="3200" b="0" i="0" u="none" strike="noStrike" cap="none" normalizeH="0" baseline="0" dirty="0" smtClean="0">
                 <a:ln>
                   <a:noFill/>
                 </a:ln>
                 <a:solidFill>
-                  <a:srgbClr val="7F0055"/>
+                  <a:srgbClr val="000000"/>
                 </a:solidFill>
                 <a:effectLst/>
                 <a:latin typeface="Arial Unicode MS" panose="020B0604020202020204" pitchFamily="34" charset="-128"/>
               </a:rPr>
-              <a:t>?&gt;</a:t>
-            </a:r>
-            <a:r>
-              <a:rPr kumimoji="0" lang="en-US" altLang="en-US" sz="2400" b="0" i="0" u="none" strike="noStrike" cap="none" normalizeH="0" baseline="0" dirty="0" smtClean="0">
-                <a:ln>
-                  <a:noFill/>
-                </a:ln>
-                <a:solidFill>
-                  <a:schemeClr val="tx1"/>
-                </a:solidFill>
-                <a:effectLst/>
-              </a:rPr>
-              <a:t> </a:t>
-            </a:r>
-            <a:endParaRPr kumimoji="0" lang="en-US" altLang="en-US" sz="6000" b="0" i="0" u="none" strike="noStrike" cap="none" normalizeH="0" baseline="0" dirty="0" smtClean="0">
+              <a:t>;</a:t>
+            </a:r>
+            <a:endParaRPr kumimoji="0" lang="en-US" altLang="en-US" sz="3200" b="0" i="0" u="none" strike="noStrike" cap="none" normalizeH="0" baseline="0" dirty="0" smtClean="0">
               <a:ln>
                 <a:noFill/>
               </a:ln>
               <a:solidFill>
-                <a:schemeClr val="tx1"/>
+                <a:srgbClr val="000000"/>
               </a:solidFill>
               <a:effectLst/>
-              <a:latin typeface="Arial" panose="020B0604020202020204" pitchFamily="34" charset="0"/>
+              <a:latin typeface="Arial Unicode MS" panose="020B0604020202020204" pitchFamily="34" charset="-128"/>
             </a:endParaRPr>
           </a:p>
         </p:txBody>
@@ -25751,7 +25494,7 @@
         </p:nvSpPr>
         <p:spPr>
           <a:xfrm>
-            <a:off x="8462612" y="5191392"/>
+            <a:off x="8462612" y="4698950"/>
             <a:ext cx="3112168" cy="1200329"/>
           </a:xfrm>
           <a:prstGeom prst="rect">
@@ -25800,7 +25543,7 @@
         </p:nvSpPr>
         <p:spPr>
           <a:xfrm>
-            <a:off x="617220" y="390078"/>
+            <a:off x="617220" y="882521"/>
             <a:ext cx="10957560" cy="461665"/>
           </a:xfrm>
           <a:prstGeom prst="rect">
@@ -25984,8 +25727,8 @@
         </p:nvSpPr>
         <p:spPr bwMode="auto">
           <a:xfrm>
-            <a:off x="617220" y="390079"/>
-            <a:ext cx="10957560" cy="6001643"/>
+            <a:off x="617220" y="882522"/>
+            <a:ext cx="10957560" cy="5016758"/>
           </a:xfrm>
           <a:prstGeom prst="rect">
             <a:avLst/>
@@ -26356,76 +26099,30 @@
                 <a:effectLst/>
                 <a:latin typeface="Arial Unicode MS" panose="020B0604020202020204" pitchFamily="34" charset="-128"/>
               </a:rPr>
-              <a:t>(2, 3);</a:t>
-            </a:r>
-          </a:p>
-          <a:p>
-            <a:pPr marL="0" lvl="0" indent="0" eaLnBrk="0" fontAlgn="base" hangingPunct="0">
-              <a:lnSpc>
-                <a:spcPct val="100000"/>
-              </a:lnSpc>
-              <a:spcBef>
-                <a:spcPct val="0"/>
-              </a:spcBef>
-              <a:spcAft>
-                <a:spcPct val="0"/>
-              </a:spcAft>
-              <a:buNone/>
-            </a:pPr>
-            <a:endParaRPr lang="en-US" altLang="en-US" sz="3200" dirty="0">
-              <a:solidFill>
-                <a:srgbClr val="000000"/>
-              </a:solidFill>
-              <a:latin typeface="Arial Unicode MS" panose="020B0604020202020204" pitchFamily="34" charset="-128"/>
-            </a:endParaRPr>
-          </a:p>
-          <a:p>
-            <a:pPr marL="0" lvl="0" indent="0" eaLnBrk="0" fontAlgn="base" hangingPunct="0">
-              <a:lnSpc>
-                <a:spcPct val="100000"/>
-              </a:lnSpc>
-              <a:spcBef>
-                <a:spcPct val="0"/>
-              </a:spcBef>
-              <a:spcAft>
-                <a:spcPct val="0"/>
-              </a:spcAft>
-              <a:buNone/>
-            </a:pPr>
+              <a:t>(2, 3</a:t>
+            </a:r>
             <a:r>
               <a:rPr kumimoji="0" lang="en-US" altLang="en-US" sz="3200" b="0" i="0" u="none" strike="noStrike" cap="none" normalizeH="0" baseline="0" dirty="0" smtClean="0">
                 <a:ln>
                   <a:noFill/>
                 </a:ln>
                 <a:solidFill>
-                  <a:srgbClr val="7F0055"/>
+                  <a:srgbClr val="000000"/>
                 </a:solidFill>
                 <a:effectLst/>
                 <a:latin typeface="Arial Unicode MS" panose="020B0604020202020204" pitchFamily="34" charset="-128"/>
               </a:rPr>
-              <a:t>?&gt;</a:t>
-            </a:r>
-            <a:r>
-              <a:rPr kumimoji="0" lang="en-US" altLang="en-US" sz="2400" b="0" i="0" u="none" strike="noStrike" cap="none" normalizeH="0" baseline="0" dirty="0" smtClean="0">
-                <a:ln>
-                  <a:noFill/>
-                </a:ln>
-                <a:solidFill>
-                  <a:schemeClr val="tx1"/>
-                </a:solidFill>
-                <a:effectLst/>
-              </a:rPr>
-              <a:t> </a:t>
-            </a:r>
-            <a:endParaRPr kumimoji="0" lang="en-US" altLang="en-US" sz="6000" b="0" i="0" u="none" strike="noStrike" cap="none" normalizeH="0" baseline="0" dirty="0" smtClean="0">
+              <a:t>);</a:t>
+            </a:r>
+            <a:endParaRPr kumimoji="0" lang="en-US" altLang="en-US" sz="3200" b="0" i="0" u="none" strike="noStrike" cap="none" normalizeH="0" baseline="0" dirty="0" smtClean="0">
               <a:ln>
                 <a:noFill/>
               </a:ln>
               <a:solidFill>
-                <a:schemeClr val="tx1"/>
+                <a:srgbClr val="000000"/>
               </a:solidFill>
               <a:effectLst/>
-              <a:latin typeface="Arial" panose="020B0604020202020204" pitchFamily="34" charset="0"/>
+              <a:latin typeface="Arial Unicode MS" panose="020B0604020202020204" pitchFamily="34" charset="-128"/>
             </a:endParaRPr>
           </a:p>
         </p:txBody>
@@ -26521,7 +26218,7 @@
         </p:nvSpPr>
         <p:spPr>
           <a:xfrm>
-            <a:off x="8462612" y="5191393"/>
+            <a:off x="8462612" y="4698951"/>
             <a:ext cx="3112168" cy="1200329"/>
           </a:xfrm>
           <a:prstGeom prst="rect">
@@ -26570,7 +26267,7 @@
         </p:nvSpPr>
         <p:spPr>
           <a:xfrm>
-            <a:off x="617220" y="413266"/>
+            <a:off x="617220" y="882522"/>
             <a:ext cx="10957560" cy="461665"/>
           </a:xfrm>
           <a:prstGeom prst="rect">
@@ -26812,7 +26509,7 @@
           <a:p>
             <a:r>
               <a:rPr lang="en-US" dirty="0" smtClean="0"/>
-              <a:t>Value = contents of a variable</a:t>
+              <a:t>Value: contents of a variable</a:t>
             </a:r>
             <a:endParaRPr lang="en-US" dirty="0"/>
           </a:p>
@@ -26867,8 +26564,8 @@
         </p:nvSpPr>
         <p:spPr bwMode="auto">
           <a:xfrm>
-            <a:off x="617220" y="390081"/>
-            <a:ext cx="10957560" cy="6001643"/>
+            <a:off x="617220" y="882524"/>
+            <a:ext cx="10957560" cy="5016758"/>
           </a:xfrm>
           <a:prstGeom prst="rect">
             <a:avLst/>
@@ -27162,76 +26859,43 @@
                 <a:effectLst/>
                 <a:latin typeface="Arial Unicode MS" panose="020B0604020202020204" pitchFamily="34" charset="-128"/>
               </a:rPr>
-              <a:t> $var;</a:t>
-            </a:r>
-          </a:p>
-          <a:p>
-            <a:pPr marL="0" lvl="0" indent="0" eaLnBrk="0" fontAlgn="base" hangingPunct="0">
-              <a:lnSpc>
-                <a:spcPct val="100000"/>
-              </a:lnSpc>
-              <a:spcBef>
-                <a:spcPct val="0"/>
-              </a:spcBef>
-              <a:spcAft>
-                <a:spcPct val="0"/>
-              </a:spcAft>
-              <a:buNone/>
-            </a:pPr>
-            <a:endParaRPr lang="en-US" altLang="en-US" sz="3200" dirty="0">
-              <a:solidFill>
-                <a:srgbClr val="000000"/>
-              </a:solidFill>
-              <a:latin typeface="Arial Unicode MS" panose="020B0604020202020204" pitchFamily="34" charset="-128"/>
-            </a:endParaRPr>
-          </a:p>
-          <a:p>
-            <a:pPr marL="0" lvl="0" indent="0" eaLnBrk="0" fontAlgn="base" hangingPunct="0">
-              <a:lnSpc>
-                <a:spcPct val="100000"/>
-              </a:lnSpc>
-              <a:spcBef>
-                <a:spcPct val="0"/>
-              </a:spcBef>
-              <a:spcAft>
-                <a:spcPct val="0"/>
-              </a:spcAft>
-              <a:buNone/>
-            </a:pPr>
+              <a:t> $</a:t>
+            </a:r>
+            <a:r>
+              <a:rPr kumimoji="0" lang="en-US" altLang="en-US" sz="3200" b="0" i="0" u="none" strike="noStrike" cap="none" normalizeH="0" baseline="0" dirty="0" err="1" smtClean="0">
+                <a:ln>
+                  <a:noFill/>
+                </a:ln>
+                <a:solidFill>
+                  <a:srgbClr val="000000"/>
+                </a:solidFill>
+                <a:effectLst/>
+                <a:latin typeface="Arial Unicode MS" panose="020B0604020202020204" pitchFamily="34" charset="-128"/>
+              </a:rPr>
+              <a:t>var</a:t>
+            </a:r>
             <a:r>
               <a:rPr kumimoji="0" lang="en-US" altLang="en-US" sz="3200" b="0" i="0" u="none" strike="noStrike" cap="none" normalizeH="0" baseline="0" dirty="0" smtClean="0">
                 <a:ln>
                   <a:noFill/>
                 </a:ln>
                 <a:solidFill>
-                  <a:srgbClr val="7F0055"/>
+                  <a:srgbClr val="000000"/>
                 </a:solidFill>
                 <a:effectLst/>
                 <a:latin typeface="Arial Unicode MS" panose="020B0604020202020204" pitchFamily="34" charset="-128"/>
               </a:rPr>
-              <a:t>?&gt;</a:t>
-            </a:r>
-            <a:r>
-              <a:rPr kumimoji="0" lang="en-US" altLang="en-US" sz="2400" b="0" i="0" u="none" strike="noStrike" cap="none" normalizeH="0" baseline="0" dirty="0" smtClean="0">
-                <a:ln>
-                  <a:noFill/>
-                </a:ln>
-                <a:solidFill>
-                  <a:schemeClr val="tx1"/>
-                </a:solidFill>
-                <a:effectLst/>
-              </a:rPr>
-              <a:t> </a:t>
-            </a:r>
-            <a:endParaRPr kumimoji="0" lang="en-US" altLang="en-US" sz="6000" b="0" i="0" u="none" strike="noStrike" cap="none" normalizeH="0" baseline="0" dirty="0" smtClean="0">
+              <a:t>;</a:t>
+            </a:r>
+            <a:endParaRPr kumimoji="0" lang="en-US" altLang="en-US" sz="3200" b="0" i="0" u="none" strike="noStrike" cap="none" normalizeH="0" baseline="0" dirty="0" smtClean="0">
               <a:ln>
                 <a:noFill/>
               </a:ln>
               <a:solidFill>
-                <a:schemeClr val="tx1"/>
+                <a:srgbClr val="000000"/>
               </a:solidFill>
               <a:effectLst/>
-              <a:latin typeface="Arial" panose="020B0604020202020204" pitchFamily="34" charset="0"/>
+              <a:latin typeface="Arial Unicode MS" panose="020B0604020202020204" pitchFamily="34" charset="-128"/>
             </a:endParaRPr>
           </a:p>
         </p:txBody>
@@ -27327,7 +26991,7 @@
         </p:nvSpPr>
         <p:spPr>
           <a:xfrm>
-            <a:off x="8462612" y="5191395"/>
+            <a:off x="8462612" y="4698953"/>
             <a:ext cx="3112168" cy="1200329"/>
           </a:xfrm>
           <a:prstGeom prst="rect">
@@ -27376,7 +27040,7 @@
         </p:nvSpPr>
         <p:spPr>
           <a:xfrm>
-            <a:off x="617220" y="413266"/>
+            <a:off x="617220" y="882524"/>
             <a:ext cx="10957560" cy="461665"/>
           </a:xfrm>
           <a:prstGeom prst="rect">
@@ -27548,8 +27212,8 @@
         </p:nvSpPr>
         <p:spPr bwMode="auto">
           <a:xfrm>
-            <a:off x="617220" y="882528"/>
-            <a:ext cx="10957560" cy="5016758"/>
+            <a:off x="617220" y="1374971"/>
+            <a:ext cx="10957560" cy="4031873"/>
           </a:xfrm>
           <a:prstGeom prst="rect">
             <a:avLst/>
@@ -27908,22 +27572,30 @@
                 <a:effectLst/>
                 <a:latin typeface="Arial Unicode MS" panose="020B0604020202020204" pitchFamily="34" charset="-128"/>
               </a:rPr>
-              <a:t> . $var;</a:t>
-            </a:r>
-          </a:p>
-          <a:p>
-            <a:pPr marL="0" lvl="0" indent="0" eaLnBrk="0" fontAlgn="base" hangingPunct="0">
-              <a:lnSpc>
-                <a:spcPct val="100000"/>
-              </a:lnSpc>
-              <a:spcBef>
-                <a:spcPct val="0"/>
-              </a:spcBef>
-              <a:spcAft>
-                <a:spcPct val="0"/>
-              </a:spcAft>
-              <a:buNone/>
-            </a:pPr>
+              <a:t> . $</a:t>
+            </a:r>
+            <a:r>
+              <a:rPr kumimoji="0" lang="en-US" altLang="en-US" sz="3200" b="0" i="0" u="none" strike="noStrike" cap="none" normalizeH="0" baseline="0" dirty="0" err="1" smtClean="0">
+                <a:ln>
+                  <a:noFill/>
+                </a:ln>
+                <a:solidFill>
+                  <a:srgbClr val="000000"/>
+                </a:solidFill>
+                <a:effectLst/>
+                <a:latin typeface="Arial Unicode MS" panose="020B0604020202020204" pitchFamily="34" charset="-128"/>
+              </a:rPr>
+              <a:t>var</a:t>
+            </a:r>
+            <a:r>
+              <a:rPr lang="en-US" altLang="en-US" sz="3200" dirty="0">
+                <a:solidFill>
+                  <a:srgbClr val="000000"/>
+                </a:solidFill>
+                <a:latin typeface="Arial Unicode MS" panose="020B0604020202020204" pitchFamily="34" charset="-128"/>
+              </a:rPr>
+              <a:t>;</a:t>
+            </a:r>
             <a:endParaRPr kumimoji="0" lang="en-US" altLang="en-US" sz="3200" b="0" i="0" u="none" strike="noStrike" cap="none" normalizeH="0" baseline="0" dirty="0" smtClean="0">
               <a:ln>
                 <a:noFill/>
@@ -27933,43 +27605,6 @@
               </a:solidFill>
               <a:effectLst/>
               <a:latin typeface="Arial Unicode MS" panose="020B0604020202020204" pitchFamily="34" charset="-128"/>
-            </a:endParaRPr>
-          </a:p>
-          <a:p>
-            <a:pPr marL="0" lvl="0" indent="0" eaLnBrk="0" fontAlgn="base" hangingPunct="0">
-              <a:lnSpc>
-                <a:spcPct val="100000"/>
-              </a:lnSpc>
-              <a:spcBef>
-                <a:spcPct val="0"/>
-              </a:spcBef>
-              <a:spcAft>
-                <a:spcPct val="0"/>
-              </a:spcAft>
-              <a:buNone/>
-            </a:pPr>
-            <a:r>
-              <a:rPr kumimoji="0" lang="en-US" altLang="en-US" sz="3200" b="0" i="0" u="none" strike="noStrike" cap="none" normalizeH="0" baseline="0" dirty="0" smtClean="0">
-                <a:ln>
-                  <a:noFill/>
-                </a:ln>
-                <a:solidFill>
-                  <a:srgbClr val="7F0055"/>
-                </a:solidFill>
-                <a:effectLst/>
-                <a:latin typeface="Arial Unicode MS" panose="020B0604020202020204" pitchFamily="34" charset="-128"/>
-              </a:rPr>
-              <a:t>?&gt;</a:t>
-            </a:r>
-            <a:endParaRPr kumimoji="0" lang="en-US" altLang="en-US" sz="6000" b="0" i="0" u="none" strike="noStrike" cap="none" normalizeH="0" baseline="0" dirty="0" smtClean="0">
-              <a:ln>
-                <a:noFill/>
-              </a:ln>
-              <a:solidFill>
-                <a:schemeClr val="tx1"/>
-              </a:solidFill>
-              <a:effectLst/>
-              <a:latin typeface="Arial" panose="020B0604020202020204" pitchFamily="34" charset="0"/>
             </a:endParaRPr>
           </a:p>
         </p:txBody>
@@ -28065,7 +27700,7 @@
         </p:nvSpPr>
         <p:spPr>
           <a:xfrm>
-            <a:off x="8462612" y="4698957"/>
+            <a:off x="8462612" y="4206515"/>
             <a:ext cx="3112168" cy="1200329"/>
           </a:xfrm>
           <a:prstGeom prst="rect">
@@ -28114,7 +27749,7 @@
         </p:nvSpPr>
         <p:spPr>
           <a:xfrm>
-            <a:off x="617220" y="882528"/>
+            <a:off x="617220" y="1374971"/>
             <a:ext cx="10957560" cy="461665"/>
           </a:xfrm>
           <a:prstGeom prst="rect">
@@ -28298,8 +27933,8 @@
         </p:nvSpPr>
         <p:spPr bwMode="auto">
           <a:xfrm>
-            <a:off x="617220" y="390079"/>
-            <a:ext cx="10957560" cy="6001643"/>
+            <a:off x="617220" y="882522"/>
+            <a:ext cx="10957560" cy="5016758"/>
           </a:xfrm>
           <a:prstGeom prst="rect">
             <a:avLst/>
@@ -28599,77 +28234,43 @@
                 <a:effectLst/>
                 <a:latin typeface="Arial Unicode MS" panose="020B0604020202020204" pitchFamily="34" charset="-128"/>
               </a:rPr>
-              <a:t> $var;</a:t>
-            </a:r>
-          </a:p>
-          <a:p>
-            <a:pPr marL="0" lvl="0" indent="0" eaLnBrk="0" fontAlgn="base" hangingPunct="0">
-              <a:lnSpc>
-                <a:spcPct val="100000"/>
-              </a:lnSpc>
-              <a:spcBef>
-                <a:spcPct val="0"/>
-              </a:spcBef>
-              <a:spcAft>
-                <a:spcPct val="0"/>
-              </a:spcAft>
-              <a:buNone/>
-            </a:pPr>
-            <a:endParaRPr lang="en-US" altLang="en-US" sz="3200" dirty="0">
-              <a:solidFill>
-                <a:srgbClr val="000000"/>
-              </a:solidFill>
-              <a:latin typeface="Arial Unicode MS" panose="020B0604020202020204" pitchFamily="34" charset="-128"/>
-            </a:endParaRPr>
-          </a:p>
-          <a:p>
-            <a:pPr marL="0" lvl="0" indent="0" eaLnBrk="0" fontAlgn="base" hangingPunct="0">
-              <a:lnSpc>
-                <a:spcPct val="100000"/>
-              </a:lnSpc>
-              <a:spcBef>
-                <a:spcPct val="0"/>
-              </a:spcBef>
-              <a:spcAft>
-                <a:spcPct val="0"/>
-              </a:spcAft>
-              <a:buNone/>
-            </a:pPr>
+              <a:t> $</a:t>
+            </a:r>
+            <a:r>
+              <a:rPr kumimoji="0" lang="en-US" altLang="en-US" sz="3200" b="0" i="0" u="none" strike="noStrike" cap="none" normalizeH="0" baseline="0" dirty="0" err="1" smtClean="0">
+                <a:ln>
+                  <a:noFill/>
+                </a:ln>
+                <a:solidFill>
+                  <a:srgbClr val="000000"/>
+                </a:solidFill>
+                <a:effectLst/>
+                <a:latin typeface="Arial Unicode MS" panose="020B0604020202020204" pitchFamily="34" charset="-128"/>
+              </a:rPr>
+              <a:t>var</a:t>
+            </a:r>
             <a:r>
               <a:rPr kumimoji="0" lang="en-US" altLang="en-US" sz="3200" b="0" i="0" u="none" strike="noStrike" cap="none" normalizeH="0" baseline="0" dirty="0" smtClean="0">
                 <a:ln>
                   <a:noFill/>
                 </a:ln>
                 <a:solidFill>
-                  <a:srgbClr val="7F0055"/>
+                  <a:srgbClr val="000000"/>
                 </a:solidFill>
                 <a:effectLst/>
                 <a:latin typeface="Arial Unicode MS" panose="020B0604020202020204" pitchFamily="34" charset="-128"/>
               </a:rPr>
-              <a:t>?&gt;</a:t>
-            </a:r>
-            <a:r>
-              <a:rPr kumimoji="0" lang="en-US" altLang="en-US" sz="3200" b="0" i="0" u="none" strike="noStrike" cap="none" normalizeH="0" baseline="0" dirty="0" smtClean="0">
-                <a:ln>
-                  <a:noFill/>
-                </a:ln>
-                <a:solidFill>
-                  <a:srgbClr val="000000"/>
-                </a:solidFill>
-                <a:effectLst/>
-                <a:latin typeface="Arial Unicode MS" panose="020B0604020202020204" pitchFamily="34" charset="-128"/>
-              </a:rPr>
-              <a:t> </a:t>
-            </a:r>
-            <a:endParaRPr kumimoji="0" lang="en-US" altLang="en-US" sz="6000" b="0" i="0" u="none" strike="noStrike" cap="none" normalizeH="0" baseline="0" dirty="0" smtClean="0">
+              <a:t>;</a:t>
+            </a:r>
+            <a:endParaRPr kumimoji="0" lang="en-US" altLang="en-US" sz="3200" b="0" i="0" u="none" strike="noStrike" cap="none" normalizeH="0" baseline="0" dirty="0" smtClean="0">
               <a:ln>
                 <a:noFill/>
               </a:ln>
               <a:solidFill>
-                <a:schemeClr val="tx1"/>
+                <a:srgbClr val="000000"/>
               </a:solidFill>
               <a:effectLst/>
-              <a:latin typeface="Arial" panose="020B0604020202020204" pitchFamily="34" charset="0"/>
+              <a:latin typeface="Arial Unicode MS" panose="020B0604020202020204" pitchFamily="34" charset="-128"/>
             </a:endParaRPr>
           </a:p>
         </p:txBody>
@@ -28765,7 +28366,7 @@
         </p:nvSpPr>
         <p:spPr>
           <a:xfrm>
-            <a:off x="8462612" y="5191393"/>
+            <a:off x="8462612" y="4698951"/>
             <a:ext cx="3112168" cy="1200329"/>
           </a:xfrm>
           <a:prstGeom prst="rect">
@@ -28814,7 +28415,7 @@
         </p:nvSpPr>
         <p:spPr>
           <a:xfrm>
-            <a:off x="617220" y="390079"/>
+            <a:off x="617220" y="882522"/>
             <a:ext cx="10957560" cy="461665"/>
           </a:xfrm>
           <a:prstGeom prst="rect">
@@ -29005,8 +28606,8 @@
         </p:nvSpPr>
         <p:spPr bwMode="auto">
           <a:xfrm>
-            <a:off x="617220" y="390081"/>
-            <a:ext cx="10957560" cy="6001643"/>
+            <a:off x="617220" y="882523"/>
+            <a:ext cx="10957560" cy="5016758"/>
           </a:xfrm>
           <a:prstGeom prst="rect">
             <a:avLst/>
@@ -29325,54 +28926,29 @@
                 <a:effectLst/>
                 <a:latin typeface="Arial Unicode MS" panose="020B0604020202020204" pitchFamily="34" charset="-128"/>
               </a:rPr>
-              <a:t> 7 &lt;= 7;</a:t>
-            </a:r>
-          </a:p>
-          <a:p>
-            <a:pPr marL="0" lvl="0" indent="0" eaLnBrk="0" fontAlgn="base" hangingPunct="0">
-              <a:lnSpc>
-                <a:spcPct val="100000"/>
-              </a:lnSpc>
-              <a:spcBef>
-                <a:spcPct val="0"/>
-              </a:spcBef>
-              <a:spcAft>
-                <a:spcPct val="0"/>
-              </a:spcAft>
-              <a:buNone/>
-            </a:pPr>
-            <a:endParaRPr lang="en-US" altLang="en-US" sz="3200" dirty="0">
-              <a:solidFill>
-                <a:srgbClr val="000000"/>
-              </a:solidFill>
-              <a:latin typeface="Arial Unicode MS" panose="020B0604020202020204" pitchFamily="34" charset="-128"/>
-            </a:endParaRPr>
-          </a:p>
-          <a:p>
-            <a:pPr marL="0" lvl="0" indent="0" eaLnBrk="0" fontAlgn="base" hangingPunct="0">
-              <a:lnSpc>
-                <a:spcPct val="100000"/>
-              </a:lnSpc>
-              <a:spcBef>
-                <a:spcPct val="0"/>
-              </a:spcBef>
-              <a:spcAft>
-                <a:spcPct val="0"/>
-              </a:spcAft>
-              <a:buNone/>
-            </a:pPr>
+              <a:t> 7 &lt;= </a:t>
+            </a:r>
             <a:r>
               <a:rPr kumimoji="0" lang="en-US" altLang="en-US" sz="3200" b="0" i="0" u="none" strike="noStrike" cap="none" normalizeH="0" baseline="0" dirty="0" smtClean="0">
                 <a:ln>
                   <a:noFill/>
                 </a:ln>
                 <a:solidFill>
-                  <a:srgbClr val="7F0055"/>
+                  <a:srgbClr val="000000"/>
                 </a:solidFill>
                 <a:effectLst/>
                 <a:latin typeface="Arial Unicode MS" panose="020B0604020202020204" pitchFamily="34" charset="-128"/>
               </a:rPr>
-              <a:t>?&gt;</a:t>
+              <a:t>7</a:t>
+            </a:r>
+            <a:r>
+              <a:rPr lang="en-US" altLang="en-US" sz="3200" dirty="0">
+                <a:solidFill>
+                  <a:srgbClr val="000000"/>
+                </a:solidFill>
+                <a:latin typeface="Arial Unicode MS" panose="020B0604020202020204" pitchFamily="34" charset="-128"/>
+              </a:rPr>
+              <a:t>;</a:t>
             </a:r>
             <a:r>
               <a:rPr kumimoji="0" lang="en-US" altLang="en-US" sz="2400" b="0" i="0" u="none" strike="noStrike" cap="none" normalizeH="0" baseline="0" dirty="0" smtClean="0">
@@ -29490,7 +29066,7 @@
         </p:nvSpPr>
         <p:spPr>
           <a:xfrm>
-            <a:off x="8462612" y="5191395"/>
+            <a:off x="8462612" y="4698952"/>
             <a:ext cx="3112168" cy="1200329"/>
           </a:xfrm>
           <a:prstGeom prst="rect">
@@ -29539,7 +29115,7 @@
         </p:nvSpPr>
         <p:spPr>
           <a:xfrm>
-            <a:off x="617220" y="413266"/>
+            <a:off x="617220" y="882523"/>
             <a:ext cx="10957560" cy="461665"/>
           </a:xfrm>
           <a:prstGeom prst="rect">
@@ -29724,8 +29300,8 @@
         </p:nvSpPr>
         <p:spPr bwMode="auto">
           <a:xfrm>
-            <a:off x="617220" y="390079"/>
-            <a:ext cx="10957560" cy="6001643"/>
+            <a:off x="617220" y="882522"/>
+            <a:ext cx="10957560" cy="5016758"/>
           </a:xfrm>
           <a:prstGeom prst="rect">
             <a:avLst/>
@@ -30161,77 +29737,43 @@
                 <a:effectLst/>
                 <a:latin typeface="Arial Unicode MS" panose="020B0604020202020204" pitchFamily="34" charset="-128"/>
               </a:rPr>
-              <a:t> !$var;</a:t>
-            </a:r>
-          </a:p>
-          <a:p>
-            <a:pPr marL="0" lvl="0" indent="0" eaLnBrk="0" fontAlgn="base" hangingPunct="0">
-              <a:lnSpc>
-                <a:spcPct val="100000"/>
-              </a:lnSpc>
-              <a:spcBef>
-                <a:spcPct val="0"/>
-              </a:spcBef>
-              <a:spcAft>
-                <a:spcPct val="0"/>
-              </a:spcAft>
-              <a:buNone/>
-            </a:pPr>
-            <a:endParaRPr lang="en-US" altLang="en-US" sz="3200" dirty="0">
-              <a:solidFill>
-                <a:srgbClr val="000000"/>
-              </a:solidFill>
-              <a:latin typeface="Arial Unicode MS" panose="020B0604020202020204" pitchFamily="34" charset="-128"/>
-            </a:endParaRPr>
-          </a:p>
-          <a:p>
-            <a:pPr marL="0" lvl="0" indent="0" eaLnBrk="0" fontAlgn="base" hangingPunct="0">
-              <a:lnSpc>
-                <a:spcPct val="100000"/>
-              </a:lnSpc>
-              <a:spcBef>
-                <a:spcPct val="0"/>
-              </a:spcBef>
-              <a:spcAft>
-                <a:spcPct val="0"/>
-              </a:spcAft>
-              <a:buNone/>
-            </a:pPr>
+              <a:t> !$</a:t>
+            </a:r>
+            <a:r>
+              <a:rPr kumimoji="0" lang="en-US" altLang="en-US" sz="3200" b="0" i="0" u="none" strike="noStrike" cap="none" normalizeH="0" baseline="0" dirty="0" err="1" smtClean="0">
+                <a:ln>
+                  <a:noFill/>
+                </a:ln>
+                <a:solidFill>
+                  <a:srgbClr val="000000"/>
+                </a:solidFill>
+                <a:effectLst/>
+                <a:latin typeface="Arial Unicode MS" panose="020B0604020202020204" pitchFamily="34" charset="-128"/>
+              </a:rPr>
+              <a:t>var</a:t>
+            </a:r>
             <a:r>
               <a:rPr kumimoji="0" lang="en-US" altLang="en-US" sz="3200" b="0" i="0" u="none" strike="noStrike" cap="none" normalizeH="0" baseline="0" dirty="0" smtClean="0">
                 <a:ln>
                   <a:noFill/>
                 </a:ln>
                 <a:solidFill>
-                  <a:srgbClr val="7F0055"/>
+                  <a:srgbClr val="000000"/>
                 </a:solidFill>
                 <a:effectLst/>
                 <a:latin typeface="Arial Unicode MS" panose="020B0604020202020204" pitchFamily="34" charset="-128"/>
               </a:rPr>
-              <a:t>?&gt;</a:t>
-            </a:r>
-            <a:r>
-              <a:rPr kumimoji="0" lang="en-US" altLang="en-US" sz="3200" b="0" i="0" u="none" strike="noStrike" cap="none" normalizeH="0" baseline="0" dirty="0" smtClean="0">
-                <a:ln>
-                  <a:noFill/>
-                </a:ln>
-                <a:solidFill>
-                  <a:srgbClr val="000000"/>
-                </a:solidFill>
-                <a:effectLst/>
-                <a:latin typeface="Arial Unicode MS" panose="020B0604020202020204" pitchFamily="34" charset="-128"/>
-              </a:rPr>
-              <a:t> </a:t>
-            </a:r>
-            <a:endParaRPr kumimoji="0" lang="en-US" altLang="en-US" sz="6000" b="0" i="0" u="none" strike="noStrike" cap="none" normalizeH="0" baseline="0" dirty="0" smtClean="0">
+              <a:t>;</a:t>
+            </a:r>
+            <a:endParaRPr kumimoji="0" lang="en-US" altLang="en-US" sz="3200" b="0" i="0" u="none" strike="noStrike" cap="none" normalizeH="0" baseline="0" dirty="0" smtClean="0">
               <a:ln>
                 <a:noFill/>
               </a:ln>
               <a:solidFill>
-                <a:schemeClr val="tx1"/>
+                <a:srgbClr val="000000"/>
               </a:solidFill>
               <a:effectLst/>
-              <a:latin typeface="Arial" panose="020B0604020202020204" pitchFamily="34" charset="0"/>
+              <a:latin typeface="Arial Unicode MS" panose="020B0604020202020204" pitchFamily="34" charset="-128"/>
             </a:endParaRPr>
           </a:p>
         </p:txBody>
@@ -30327,7 +29869,7 @@
         </p:nvSpPr>
         <p:spPr>
           <a:xfrm>
-            <a:off x="8462612" y="5191393"/>
+            <a:off x="8462612" y="4698951"/>
             <a:ext cx="3112168" cy="1200329"/>
           </a:xfrm>
           <a:prstGeom prst="rect">
@@ -30376,7 +29918,7 @@
         </p:nvSpPr>
         <p:spPr>
           <a:xfrm>
-            <a:off x="617220" y="413266"/>
+            <a:off x="617220" y="882522"/>
             <a:ext cx="10957560" cy="461665"/>
           </a:xfrm>
           <a:prstGeom prst="rect">
@@ -30571,7 +30113,7 @@
           <a:p>
             <a:r>
               <a:rPr lang="en-US" dirty="0" smtClean="0"/>
-              <a:t>Assignment = putting something in a variable</a:t>
+              <a:t>Assignment: putting something in a variable</a:t>
             </a:r>
           </a:p>
           <a:p>
@@ -30734,7 +30276,7 @@
         </p:nvSpPr>
         <p:spPr bwMode="auto">
           <a:xfrm>
-            <a:off x="617220" y="390090"/>
+            <a:off x="617220" y="390091"/>
             <a:ext cx="10957560" cy="6001643"/>
           </a:xfrm>
           <a:prstGeom prst="rect">
@@ -30804,7 +30346,20 @@
                 <a:effectLst/>
                 <a:latin typeface="Arial Unicode MS" panose="020B0604020202020204" pitchFamily="34" charset="-128"/>
               </a:rPr>
-              <a:t>&lt;?php</a:t>
+              <a:t>&lt;?</a:t>
+            </a:r>
+            <a:r>
+              <a:rPr kumimoji="0" lang="en-US" altLang="en-US" sz="3200" b="0" i="0" u="none" strike="noStrike" cap="none" normalizeH="0" baseline="0" dirty="0" smtClean="0">
+                <a:ln>
+                  <a:noFill/>
+                </a:ln>
+                <a:solidFill>
+                  <a:srgbClr val="7F0055"/>
+                </a:solidFill>
+                <a:effectLst/>
+                <a:latin typeface="Arial Unicode MS" panose="020B0604020202020204" pitchFamily="34" charset="-128"/>
+              </a:rPr>
+              <a:t>php</a:t>
             </a:r>
           </a:p>
           <a:p>
@@ -30820,58 +30375,16 @@
               </a:spcAft>
               <a:buNone/>
             </a:pPr>
-            <a:r>
-              <a:rPr kumimoji="0" lang="en-US" altLang="en-US" sz="3200" b="1" i="0" u="none" strike="noStrike" cap="none" normalizeH="0" baseline="0" dirty="0" smtClean="0">
-                <a:ln>
-                  <a:noFill/>
-                </a:ln>
-                <a:solidFill>
-                  <a:srgbClr val="7F0055"/>
-                </a:solidFill>
-                <a:effectLst/>
-                <a:latin typeface="Arial Unicode MS" panose="020B0604020202020204" pitchFamily="34" charset="-128"/>
-              </a:rPr>
-              <a:t>if</a:t>
-            </a:r>
-            <a:r>
-              <a:rPr kumimoji="0" lang="en-US" altLang="en-US" sz="3200" b="0" i="0" u="none" strike="noStrike" cap="none" normalizeH="0" baseline="0" dirty="0" smtClean="0">
-                <a:ln>
-                  <a:noFill/>
-                </a:ln>
-                <a:solidFill>
-                  <a:srgbClr val="000000"/>
-                </a:solidFill>
-                <a:effectLst/>
-                <a:latin typeface="Arial Unicode MS" panose="020B0604020202020204" pitchFamily="34" charset="-128"/>
-              </a:rPr>
-              <a:t> (</a:t>
-            </a:r>
-            <a:r>
-              <a:rPr kumimoji="0" lang="en-US" altLang="en-US" sz="3200" b="1" i="0" u="none" strike="noStrike" cap="none" normalizeH="0" baseline="0" dirty="0" smtClean="0">
-                <a:ln>
-                  <a:noFill/>
-                </a:ln>
-                <a:solidFill>
-                  <a:srgbClr val="7F0055"/>
-                </a:solidFill>
-                <a:effectLst/>
-                <a:latin typeface="Arial Unicode MS" panose="020B0604020202020204" pitchFamily="34" charset="-128"/>
-              </a:rPr>
-              <a:t>true</a:t>
-            </a:r>
-            <a:r>
-              <a:rPr kumimoji="0" lang="en-US" altLang="en-US" sz="3200" b="0" i="0" u="none" strike="noStrike" cap="none" normalizeH="0" baseline="0" dirty="0" smtClean="0">
-                <a:ln>
-                  <a:noFill/>
-                </a:ln>
-                <a:solidFill>
-                  <a:srgbClr val="000000"/>
-                </a:solidFill>
-                <a:effectLst/>
-                <a:latin typeface="Arial Unicode MS" panose="020B0604020202020204" pitchFamily="34" charset="-128"/>
-              </a:rPr>
-              <a:t>) {</a:t>
-            </a:r>
+            <a:endParaRPr kumimoji="0" lang="en-US" altLang="en-US" sz="3200" b="0" i="0" u="none" strike="noStrike" cap="none" normalizeH="0" baseline="0" dirty="0" smtClean="0">
+              <a:ln>
+                <a:noFill/>
+              </a:ln>
+              <a:solidFill>
+                <a:srgbClr val="7F0055"/>
+              </a:solidFill>
+              <a:effectLst/>
+              <a:latin typeface="Arial Unicode MS" panose="020B0604020202020204" pitchFamily="34" charset="-128"/>
+            </a:endParaRPr>
           </a:p>
           <a:p>
             <a:pPr marL="0" lvl="0" indent="0" eaLnBrk="0" fontAlgn="base" hangingPunct="0">
@@ -30887,24 +30400,6 @@
               <a:buNone/>
             </a:pPr>
             <a:r>
-              <a:rPr lang="en-US" altLang="en-US" sz="3200" dirty="0">
-                <a:solidFill>
-                  <a:srgbClr val="000000"/>
-                </a:solidFill>
-                <a:latin typeface="Arial Unicode MS" panose="020B0604020202020204" pitchFamily="34" charset="-128"/>
-              </a:rPr>
-              <a:t> </a:t>
-            </a:r>
-            <a:r>
-              <a:rPr lang="en-US" altLang="en-US" sz="3200" dirty="0" smtClean="0">
-                <a:solidFill>
-                  <a:srgbClr val="000000"/>
-                </a:solidFill>
-                <a:latin typeface="Arial Unicode MS" panose="020B0604020202020204" pitchFamily="34" charset="-128"/>
-              </a:rPr>
-              <a:t>   </a:t>
-            </a:r>
-            <a:r>
               <a:rPr kumimoji="0" lang="en-US" altLang="en-US" sz="3200" b="1" i="0" u="none" strike="noStrike" cap="none" normalizeH="0" baseline="0" dirty="0" smtClean="0">
                 <a:ln>
                   <a:noFill/>
@@ -30915,7 +30410,7 @@
                 <a:effectLst/>
                 <a:latin typeface="Arial Unicode MS" panose="020B0604020202020204" pitchFamily="34" charset="-128"/>
               </a:rPr>
-              <a:t>echo</a:t>
+              <a:t>if</a:t>
             </a:r>
             <a:r>
               <a:rPr kumimoji="0" lang="en-US" altLang="en-US" sz="3200" b="0" i="0" u="none" strike="noStrike" cap="none" normalizeH="0" baseline="0" dirty="0" smtClean="0">
@@ -30928,7 +30423,20 @@
                 <a:effectLst/>
                 <a:latin typeface="Arial Unicode MS" panose="020B0604020202020204" pitchFamily="34" charset="-128"/>
               </a:rPr>
-              <a:t> </a:t>
+              <a:t> (</a:t>
+            </a:r>
+            <a:r>
+              <a:rPr kumimoji="0" lang="en-US" altLang="en-US" sz="3200" b="1" i="0" u="none" strike="noStrike" cap="none" normalizeH="0" baseline="0" dirty="0" smtClean="0">
+                <a:ln>
+                  <a:noFill/>
+                </a:ln>
+                <a:solidFill>
+                  <a:srgbClr val="7F0055"/>
+                </a:solidFill>
+                <a:effectLst/>
+                <a:latin typeface="Arial Unicode MS" panose="020B0604020202020204" pitchFamily="34" charset="-128"/>
+              </a:rPr>
+              <a:t>true</a:t>
             </a:r>
             <a:r>
               <a:rPr kumimoji="0" lang="en-US" altLang="en-US" sz="3200" b="0" i="0" u="none" strike="noStrike" cap="none" normalizeH="0" baseline="0" dirty="0" smtClean="0">
@@ -30936,25 +30444,12 @@
                   <a:noFill/>
                 </a:ln>
                 <a:solidFill>
-                  <a:srgbClr val="2A00FF"/>
+                  <a:srgbClr val="000000"/>
                 </a:solidFill>
                 <a:effectLst/>
                 <a:latin typeface="Arial Unicode MS" panose="020B0604020202020204" pitchFamily="34" charset="-128"/>
               </a:rPr>
-              <a:t>'foo'</a:t>
-            </a:r>
-            <a:r>
-              <a:rPr kumimoji="0" lang="en-US" altLang="en-US" sz="3200" b="0" i="0" u="none" strike="noStrike" cap="none" normalizeH="0" baseline="0" dirty="0" smtClean="0">
-                <a:ln>
-                  <a:noFill/>
-                </a:ln>
-                <a:solidFill>
-                  <a:srgbClr val="000000"/>
-                </a:solidFill>
-                <a:effectLst/>
-                <a:latin typeface="Arial Unicode MS" panose="020B0604020202020204" pitchFamily="34" charset="-128"/>
-              </a:rPr>
-              <a:t>;</a:t>
+              <a:t>) {</a:t>
             </a:r>
           </a:p>
           <a:p>
@@ -30971,6 +30466,37 @@
               <a:buNone/>
             </a:pPr>
             <a:r>
+              <a:rPr lang="en-US" altLang="en-US" sz="3200" dirty="0">
+                <a:solidFill>
+                  <a:srgbClr val="000000"/>
+                </a:solidFill>
+                <a:latin typeface="Arial Unicode MS" panose="020B0604020202020204" pitchFamily="34" charset="-128"/>
+              </a:rPr>
+              <a:t> </a:t>
+            </a:r>
+            <a:r>
+              <a:rPr lang="en-US" altLang="en-US" sz="3200" dirty="0" smtClean="0">
+                <a:solidFill>
+                  <a:srgbClr val="000000"/>
+                </a:solidFill>
+                <a:latin typeface="Arial Unicode MS" panose="020B0604020202020204" pitchFamily="34" charset="-128"/>
+              </a:rPr>
+              <a:t>   </a:t>
+            </a:r>
+            <a:r>
+              <a:rPr kumimoji="0" lang="en-US" altLang="en-US" sz="3200" b="1" i="0" u="none" strike="noStrike" cap="none" normalizeH="0" baseline="0" dirty="0" smtClean="0">
+                <a:ln>
+                  <a:noFill/>
+                </a:ln>
+                <a:solidFill>
+                  <a:srgbClr val="7F0055"/>
+                </a:solidFill>
+                <a:effectLst/>
+                <a:latin typeface="Arial Unicode MS" panose="020B0604020202020204" pitchFamily="34" charset="-128"/>
+              </a:rPr>
+              <a:t>echo</a:t>
+            </a:r>
+            <a:r>
               <a:rPr kumimoji="0" lang="en-US" altLang="en-US" sz="3200" b="0" i="0" u="none" strike="noStrike" cap="none" normalizeH="0" baseline="0" dirty="0" smtClean="0">
                 <a:ln>
                   <a:noFill/>
@@ -30981,7 +30507,33 @@
                 <a:effectLst/>
                 <a:latin typeface="Arial Unicode MS" panose="020B0604020202020204" pitchFamily="34" charset="-128"/>
               </a:rPr>
-              <a:t>}</a:t>
+              <a:t> </a:t>
+            </a:r>
+            <a:r>
+              <a:rPr kumimoji="0" lang="en-US" altLang="en-US" sz="3200" b="0" i="0" u="none" strike="noStrike" cap="none" normalizeH="0" baseline="0" dirty="0" smtClean="0">
+                <a:ln>
+                  <a:noFill/>
+                </a:ln>
+                <a:solidFill>
+                  <a:srgbClr val="2A00FF"/>
+                </a:solidFill>
+                <a:effectLst/>
+                <a:latin typeface="Arial Unicode MS" panose="020B0604020202020204" pitchFamily="34" charset="-128"/>
+              </a:rPr>
+              <a:t>'foo'</a:t>
+            </a:r>
+            <a:r>
+              <a:rPr kumimoji="0" lang="en-US" altLang="en-US" sz="3200" b="0" i="0" u="none" strike="noStrike" cap="none" normalizeH="0" baseline="0" dirty="0" smtClean="0">
+                <a:ln>
+                  <a:noFill/>
+                </a:ln>
+                <a:solidFill>
+                  <a:srgbClr val="000000"/>
+                </a:solidFill>
+                <a:effectLst/>
+                <a:latin typeface="Arial Unicode MS" panose="020B0604020202020204" pitchFamily="34" charset="-128"/>
+              </a:rPr>
+              <a:t>;</a:t>
             </a:r>
           </a:p>
           <a:p>
@@ -30998,19 +30550,6 @@
               <a:buNone/>
             </a:pPr>
             <a:r>
-              <a:rPr kumimoji="0" lang="en-US" altLang="en-US" sz="3200" b="1" i="0" u="none" strike="noStrike" cap="none" normalizeH="0" baseline="0" dirty="0" smtClean="0">
-                <a:ln>
-                  <a:noFill/>
-                </a:ln>
-                <a:solidFill>
-                  <a:srgbClr val="7F0055"/>
-                </a:solidFill>
-                <a:effectLst/>
-                <a:latin typeface="Arial Unicode MS" panose="020B0604020202020204" pitchFamily="34" charset="-128"/>
-              </a:rPr>
-              <a:t>if</a:t>
-            </a:r>
-            <a:r>
               <a:rPr kumimoji="0" lang="en-US" altLang="en-US" sz="3200" b="0" i="0" u="none" strike="noStrike" cap="none" normalizeH="0" baseline="0" dirty="0" smtClean="0">
                 <a:ln>
                   <a:noFill/>
@@ -31021,60 +30560,18 @@
                 <a:effectLst/>
                 <a:latin typeface="Arial Unicode MS" panose="020B0604020202020204" pitchFamily="34" charset="-128"/>
               </a:rPr>
-              <a:t> (</a:t>
-            </a:r>
-            <a:r>
-              <a:rPr kumimoji="0" lang="en-US" altLang="en-US" sz="3200" b="1" i="0" u="none" strike="noStrike" cap="none" normalizeH="0" baseline="0" dirty="0" smtClean="0">
-                <a:ln>
-                  <a:noFill/>
-                </a:ln>
-                <a:solidFill>
-                  <a:srgbClr val="7F0055"/>
-                </a:solidFill>
-                <a:effectLst/>
-                <a:latin typeface="Arial Unicode MS" panose="020B0604020202020204" pitchFamily="34" charset="-128"/>
-              </a:rPr>
-              <a:t>true</a:t>
-            </a:r>
-            <a:r>
-              <a:rPr kumimoji="0" lang="en-US" altLang="en-US" sz="3200" b="0" i="0" u="none" strike="noStrike" cap="none" normalizeH="0" baseline="0" dirty="0" smtClean="0">
-                <a:ln>
-                  <a:noFill/>
-                </a:ln>
-                <a:solidFill>
-                  <a:srgbClr val="000000"/>
-                </a:solidFill>
-                <a:effectLst/>
-                <a:latin typeface="Arial Unicode MS" panose="020B0604020202020204" pitchFamily="34" charset="-128"/>
-              </a:rPr>
-              <a:t> || </a:t>
-            </a:r>
-            <a:r>
-              <a:rPr kumimoji="0" lang="en-US" altLang="en-US" sz="3200" b="1" i="0" u="none" strike="noStrike" cap="none" normalizeH="0" baseline="0" dirty="0" smtClean="0">
-                <a:ln>
-                  <a:noFill/>
-                </a:ln>
-                <a:solidFill>
-                  <a:srgbClr val="7F0055"/>
-                </a:solidFill>
-                <a:effectLst/>
-                <a:latin typeface="Arial Unicode MS" panose="020B0604020202020204" pitchFamily="34" charset="-128"/>
-              </a:rPr>
-              <a:t>false</a:t>
-            </a:r>
-            <a:r>
-              <a:rPr kumimoji="0" lang="en-US" altLang="en-US" sz="3200" b="0" i="0" u="none" strike="noStrike" cap="none" normalizeH="0" baseline="0" dirty="0" smtClean="0">
-                <a:ln>
-                  <a:noFill/>
-                </a:ln>
-                <a:solidFill>
-                  <a:srgbClr val="000000"/>
-                </a:solidFill>
-                <a:effectLst/>
-                <a:latin typeface="Arial Unicode MS" panose="020B0604020202020204" pitchFamily="34" charset="-128"/>
-              </a:rPr>
-              <a:t>) {</a:t>
-            </a:r>
+              <a:t>}</a:t>
+            </a:r>
+            <a:endParaRPr kumimoji="0" lang="en-US" altLang="en-US" sz="3200" b="0" i="0" u="none" strike="noStrike" cap="none" normalizeH="0" baseline="0" dirty="0" smtClean="0">
+              <a:ln>
+                <a:noFill/>
+              </a:ln>
+              <a:solidFill>
+                <a:srgbClr val="000000"/>
+              </a:solidFill>
+              <a:effectLst/>
+              <a:latin typeface="Arial Unicode MS" panose="020B0604020202020204" pitchFamily="34" charset="-128"/>
+            </a:endParaRPr>
           </a:p>
           <a:p>
             <a:pPr marL="0" lvl="0" indent="0" eaLnBrk="0" fontAlgn="base" hangingPunct="0">
@@ -31090,24 +30587,6 @@
               <a:buNone/>
             </a:pPr>
             <a:r>
-              <a:rPr lang="en-US" altLang="en-US" sz="3200" dirty="0">
-                <a:solidFill>
-                  <a:srgbClr val="000000"/>
-                </a:solidFill>
-                <a:latin typeface="Arial Unicode MS" panose="020B0604020202020204" pitchFamily="34" charset="-128"/>
-              </a:rPr>
-              <a:t> </a:t>
-            </a:r>
-            <a:r>
-              <a:rPr lang="en-US" altLang="en-US" sz="3200" dirty="0" smtClean="0">
-                <a:solidFill>
-                  <a:srgbClr val="000000"/>
-                </a:solidFill>
-                <a:latin typeface="Arial Unicode MS" panose="020B0604020202020204" pitchFamily="34" charset="-128"/>
-              </a:rPr>
-              <a:t>   </a:t>
-            </a:r>
-            <a:r>
               <a:rPr kumimoji="0" lang="en-US" altLang="en-US" sz="3200" b="1" i="0" u="none" strike="noStrike" cap="none" normalizeH="0" baseline="0" dirty="0" smtClean="0">
                 <a:ln>
                   <a:noFill/>
@@ -31118,7 +30597,7 @@
                 <a:effectLst/>
                 <a:latin typeface="Arial Unicode MS" panose="020B0604020202020204" pitchFamily="34" charset="-128"/>
               </a:rPr>
-              <a:t>echo</a:t>
+              <a:t>if</a:t>
             </a:r>
             <a:r>
               <a:rPr kumimoji="0" lang="en-US" altLang="en-US" sz="3200" b="0" i="0" u="none" strike="noStrike" cap="none" normalizeH="0" baseline="0" dirty="0" smtClean="0">
@@ -31131,7 +30610,20 @@
                 <a:effectLst/>
                 <a:latin typeface="Arial Unicode MS" panose="020B0604020202020204" pitchFamily="34" charset="-128"/>
               </a:rPr>
-              <a:t> </a:t>
+              <a:t> (</a:t>
+            </a:r>
+            <a:r>
+              <a:rPr kumimoji="0" lang="en-US" altLang="en-US" sz="3200" b="1" i="0" u="none" strike="noStrike" cap="none" normalizeH="0" baseline="0" dirty="0" smtClean="0">
+                <a:ln>
+                  <a:noFill/>
+                </a:ln>
+                <a:solidFill>
+                  <a:srgbClr val="7F0055"/>
+                </a:solidFill>
+                <a:effectLst/>
+                <a:latin typeface="Arial Unicode MS" panose="020B0604020202020204" pitchFamily="34" charset="-128"/>
+              </a:rPr>
+              <a:t>true</a:t>
             </a:r>
             <a:r>
               <a:rPr kumimoji="0" lang="en-US" altLang="en-US" sz="3200" b="0" i="0" u="none" strike="noStrike" cap="none" normalizeH="0" baseline="0" dirty="0" smtClean="0">
@@ -31139,12 +30631,25 @@
                   <a:noFill/>
                 </a:ln>
                 <a:solidFill>
-                  <a:srgbClr val="2A00FF"/>
+                  <a:srgbClr val="000000"/>
                 </a:solidFill>
                 <a:effectLst/>
                 <a:latin typeface="Arial Unicode MS" panose="020B0604020202020204" pitchFamily="34" charset="-128"/>
               </a:rPr>
-              <a:t>'bar'</a:t>
+              <a:t> || </a:t>
+            </a:r>
+            <a:r>
+              <a:rPr kumimoji="0" lang="en-US" altLang="en-US" sz="3200" b="1" i="0" u="none" strike="noStrike" cap="none" normalizeH="0" baseline="0" dirty="0" smtClean="0">
+                <a:ln>
+                  <a:noFill/>
+                </a:ln>
+                <a:solidFill>
+                  <a:srgbClr val="7F0055"/>
+                </a:solidFill>
+                <a:effectLst/>
+                <a:latin typeface="Arial Unicode MS" panose="020B0604020202020204" pitchFamily="34" charset="-128"/>
+              </a:rPr>
+              <a:t>false</a:t>
             </a:r>
             <a:r>
               <a:rPr kumimoji="0" lang="en-US" altLang="en-US" sz="3200" b="0" i="0" u="none" strike="noStrike" cap="none" normalizeH="0" baseline="0" dirty="0" smtClean="0">
@@ -31157,7 +30662,7 @@
                 <a:effectLst/>
                 <a:latin typeface="Arial Unicode MS" panose="020B0604020202020204" pitchFamily="34" charset="-128"/>
               </a:rPr>
-              <a:t>;</a:t>
+              <a:t>) {</a:t>
             </a:r>
           </a:p>
           <a:p>
@@ -31174,6 +30679,37 @@
               <a:buNone/>
             </a:pPr>
             <a:r>
+              <a:rPr lang="en-US" altLang="en-US" sz="3200" dirty="0">
+                <a:solidFill>
+                  <a:srgbClr val="000000"/>
+                </a:solidFill>
+                <a:latin typeface="Arial Unicode MS" panose="020B0604020202020204" pitchFamily="34" charset="-128"/>
+              </a:rPr>
+              <a:t> </a:t>
+            </a:r>
+            <a:r>
+              <a:rPr lang="en-US" altLang="en-US" sz="3200" dirty="0" smtClean="0">
+                <a:solidFill>
+                  <a:srgbClr val="000000"/>
+                </a:solidFill>
+                <a:latin typeface="Arial Unicode MS" panose="020B0604020202020204" pitchFamily="34" charset="-128"/>
+              </a:rPr>
+              <a:t>   </a:t>
+            </a:r>
+            <a:r>
+              <a:rPr kumimoji="0" lang="en-US" altLang="en-US" sz="3200" b="1" i="0" u="none" strike="noStrike" cap="none" normalizeH="0" baseline="0" dirty="0" smtClean="0">
+                <a:ln>
+                  <a:noFill/>
+                </a:ln>
+                <a:solidFill>
+                  <a:srgbClr val="7F0055"/>
+                </a:solidFill>
+                <a:effectLst/>
+                <a:latin typeface="Arial Unicode MS" panose="020B0604020202020204" pitchFamily="34" charset="-128"/>
+              </a:rPr>
+              <a:t>echo</a:t>
+            </a:r>
+            <a:r>
               <a:rPr kumimoji="0" lang="en-US" altLang="en-US" sz="3200" b="0" i="0" u="none" strike="noStrike" cap="none" normalizeH="0" baseline="0" dirty="0" smtClean="0">
                 <a:ln>
                   <a:noFill/>
@@ -31184,7 +30720,33 @@
                 <a:effectLst/>
                 <a:latin typeface="Arial Unicode MS" panose="020B0604020202020204" pitchFamily="34" charset="-128"/>
               </a:rPr>
-              <a:t>}</a:t>
+              <a:t> </a:t>
+            </a:r>
+            <a:r>
+              <a:rPr kumimoji="0" lang="en-US" altLang="en-US" sz="3200" b="0" i="0" u="none" strike="noStrike" cap="none" normalizeH="0" baseline="0" dirty="0" smtClean="0">
+                <a:ln>
+                  <a:noFill/>
+                </a:ln>
+                <a:solidFill>
+                  <a:srgbClr val="2A00FF"/>
+                </a:solidFill>
+                <a:effectLst/>
+                <a:latin typeface="Arial Unicode MS" panose="020B0604020202020204" pitchFamily="34" charset="-128"/>
+              </a:rPr>
+              <a:t>'bar'</a:t>
+            </a:r>
+            <a:r>
+              <a:rPr kumimoji="0" lang="en-US" altLang="en-US" sz="3200" b="0" i="0" u="none" strike="noStrike" cap="none" normalizeH="0" baseline="0" dirty="0" smtClean="0">
+                <a:ln>
+                  <a:noFill/>
+                </a:ln>
+                <a:solidFill>
+                  <a:srgbClr val="000000"/>
+                </a:solidFill>
+                <a:effectLst/>
+                <a:latin typeface="Arial Unicode MS" panose="020B0604020202020204" pitchFamily="34" charset="-128"/>
+              </a:rPr>
+              <a:t>;</a:t>
             </a:r>
           </a:p>
           <a:p>
@@ -31201,19 +30763,6 @@
               <a:buNone/>
             </a:pPr>
             <a:r>
-              <a:rPr kumimoji="0" lang="en-US" altLang="en-US" sz="3200" b="1" i="0" u="none" strike="noStrike" cap="none" normalizeH="0" baseline="0" dirty="0" smtClean="0">
-                <a:ln>
-                  <a:noFill/>
-                </a:ln>
-                <a:solidFill>
-                  <a:srgbClr val="7F0055"/>
-                </a:solidFill>
-                <a:effectLst/>
-                <a:latin typeface="Arial Unicode MS" panose="020B0604020202020204" pitchFamily="34" charset="-128"/>
-              </a:rPr>
-              <a:t>if</a:t>
-            </a:r>
-            <a:r>
               <a:rPr kumimoji="0" lang="en-US" altLang="en-US" sz="3200" b="0" i="0" u="none" strike="noStrike" cap="none" normalizeH="0" baseline="0" dirty="0" smtClean="0">
                 <a:ln>
                   <a:noFill/>
@@ -31224,7 +30773,7 @@
                 <a:effectLst/>
                 <a:latin typeface="Arial Unicode MS" panose="020B0604020202020204" pitchFamily="34" charset="-128"/>
               </a:rPr>
-              <a:t> ( !(6 &lt;= 3) ) {</a:t>
+              <a:t>}</a:t>
             </a:r>
           </a:p>
           <a:p>
@@ -31241,24 +30790,6 @@
               <a:buNone/>
             </a:pPr>
             <a:r>
-              <a:rPr lang="en-US" altLang="en-US" sz="3200" dirty="0">
-                <a:solidFill>
-                  <a:srgbClr val="000000"/>
-                </a:solidFill>
-                <a:latin typeface="Arial Unicode MS" panose="020B0604020202020204" pitchFamily="34" charset="-128"/>
-              </a:rPr>
-              <a:t> </a:t>
-            </a:r>
-            <a:r>
-              <a:rPr lang="en-US" altLang="en-US" sz="3200" dirty="0" smtClean="0">
-                <a:solidFill>
-                  <a:srgbClr val="000000"/>
-                </a:solidFill>
-                <a:latin typeface="Arial Unicode MS" panose="020B0604020202020204" pitchFamily="34" charset="-128"/>
-              </a:rPr>
-              <a:t>   </a:t>
-            </a:r>
-            <a:r>
               <a:rPr kumimoji="0" lang="en-US" altLang="en-US" sz="3200" b="1" i="0" u="none" strike="noStrike" cap="none" normalizeH="0" baseline="0" dirty="0" smtClean="0">
                 <a:ln>
                   <a:noFill/>
@@ -31269,7 +30800,7 @@
                 <a:effectLst/>
                 <a:latin typeface="Arial Unicode MS" panose="020B0604020202020204" pitchFamily="34" charset="-128"/>
               </a:rPr>
-              <a:t>echo</a:t>
+              <a:t>if</a:t>
             </a:r>
             <a:r>
               <a:rPr kumimoji="0" lang="en-US" altLang="en-US" sz="3200" b="0" i="0" u="none" strike="noStrike" cap="none" normalizeH="0" baseline="0" dirty="0" smtClean="0">
@@ -31282,33 +30813,7 @@
                 <a:effectLst/>
                 <a:latin typeface="Arial Unicode MS" panose="020B0604020202020204" pitchFamily="34" charset="-128"/>
               </a:rPr>
-              <a:t> </a:t>
-            </a:r>
-            <a:r>
-              <a:rPr kumimoji="0" lang="en-US" altLang="en-US" sz="3200" b="0" i="0" u="none" strike="noStrike" cap="none" normalizeH="0" baseline="0" dirty="0" smtClean="0">
-                <a:ln>
-                  <a:noFill/>
-                </a:ln>
-                <a:solidFill>
-                  <a:srgbClr val="2A00FF"/>
-                </a:solidFill>
-                <a:effectLst/>
-                <a:latin typeface="Arial Unicode MS" panose="020B0604020202020204" pitchFamily="34" charset="-128"/>
-              </a:rPr>
-              <a:t>'foobar'</a:t>
-            </a:r>
-            <a:r>
-              <a:rPr kumimoji="0" lang="en-US" altLang="en-US" sz="3200" b="0" i="0" u="none" strike="noStrike" cap="none" normalizeH="0" baseline="0" dirty="0" smtClean="0">
-                <a:ln>
-                  <a:noFill/>
-                </a:ln>
-                <a:solidFill>
-                  <a:srgbClr val="000000"/>
-                </a:solidFill>
-                <a:effectLst/>
-                <a:latin typeface="Arial Unicode MS" panose="020B0604020202020204" pitchFamily="34" charset="-128"/>
-              </a:rPr>
-              <a:t>;</a:t>
+              <a:t> ( !(6 &lt;= 3) ) {</a:t>
             </a:r>
           </a:p>
           <a:p>
@@ -31325,6 +30830,37 @@
               <a:buNone/>
             </a:pPr>
             <a:r>
+              <a:rPr lang="en-US" altLang="en-US" sz="3200" dirty="0">
+                <a:solidFill>
+                  <a:srgbClr val="000000"/>
+                </a:solidFill>
+                <a:latin typeface="Arial Unicode MS" panose="020B0604020202020204" pitchFamily="34" charset="-128"/>
+              </a:rPr>
+              <a:t> </a:t>
+            </a:r>
+            <a:r>
+              <a:rPr lang="en-US" altLang="en-US" sz="3200" dirty="0" smtClean="0">
+                <a:solidFill>
+                  <a:srgbClr val="000000"/>
+                </a:solidFill>
+                <a:latin typeface="Arial Unicode MS" panose="020B0604020202020204" pitchFamily="34" charset="-128"/>
+              </a:rPr>
+              <a:t>   </a:t>
+            </a:r>
+            <a:r>
+              <a:rPr kumimoji="0" lang="en-US" altLang="en-US" sz="3200" b="1" i="0" u="none" strike="noStrike" cap="none" normalizeH="0" baseline="0" dirty="0" smtClean="0">
+                <a:ln>
+                  <a:noFill/>
+                </a:ln>
+                <a:solidFill>
+                  <a:srgbClr val="7F0055"/>
+                </a:solidFill>
+                <a:effectLst/>
+                <a:latin typeface="Arial Unicode MS" panose="020B0604020202020204" pitchFamily="34" charset="-128"/>
+              </a:rPr>
+              <a:t>echo</a:t>
+            </a:r>
+            <a:r>
               <a:rPr kumimoji="0" lang="en-US" altLang="en-US" sz="3200" b="0" i="0" u="none" strike="noStrike" cap="none" normalizeH="0" baseline="0" dirty="0" smtClean="0">
                 <a:ln>
                   <a:noFill/>
@@ -31335,7 +30871,33 @@
                 <a:effectLst/>
                 <a:latin typeface="Arial Unicode MS" panose="020B0604020202020204" pitchFamily="34" charset="-128"/>
               </a:rPr>
-              <a:t>}</a:t>
+              <a:t> </a:t>
+            </a:r>
+            <a:r>
+              <a:rPr kumimoji="0" lang="en-US" altLang="en-US" sz="3200" b="0" i="0" u="none" strike="noStrike" cap="none" normalizeH="0" baseline="0" dirty="0" smtClean="0">
+                <a:ln>
+                  <a:noFill/>
+                </a:ln>
+                <a:solidFill>
+                  <a:srgbClr val="2A00FF"/>
+                </a:solidFill>
+                <a:effectLst/>
+                <a:latin typeface="Arial Unicode MS" panose="020B0604020202020204" pitchFamily="34" charset="-128"/>
+              </a:rPr>
+              <a:t>'foobar'</a:t>
+            </a:r>
+            <a:r>
+              <a:rPr kumimoji="0" lang="en-US" altLang="en-US" sz="3200" b="0" i="0" u="none" strike="noStrike" cap="none" normalizeH="0" baseline="0" dirty="0" smtClean="0">
+                <a:ln>
+                  <a:noFill/>
+                </a:ln>
+                <a:solidFill>
+                  <a:srgbClr val="000000"/>
+                </a:solidFill>
+                <a:effectLst/>
+                <a:latin typeface="Arial Unicode MS" panose="020B0604020202020204" pitchFamily="34" charset="-128"/>
+              </a:rPr>
+              <a:t>;</a:t>
             </a:r>
           </a:p>
           <a:p>
@@ -31352,39 +30914,23 @@
               <a:buNone/>
             </a:pPr>
             <a:r>
-              <a:rPr kumimoji="0" lang="en-US" altLang="en-US" sz="3200" b="0" i="0" u="none" strike="noStrike" cap="none" normalizeH="0" baseline="0" dirty="0" smtClean="0">
-                <a:ln>
-                  <a:noFill/>
-                </a:ln>
-                <a:solidFill>
-                  <a:srgbClr val="7F0055"/>
-                </a:solidFill>
-                <a:effectLst/>
-                <a:latin typeface="Arial Unicode MS" panose="020B0604020202020204" pitchFamily="34" charset="-128"/>
-              </a:rPr>
-              <a:t>?&gt;</a:t>
-            </a:r>
-            <a:r>
-              <a:rPr kumimoji="0" lang="en-US" altLang="en-US" sz="2400" b="0" i="0" u="none" strike="noStrike" cap="none" normalizeH="0" baseline="0" dirty="0" smtClean="0">
-                <a:ln>
-                  <a:noFill/>
-                </a:ln>
-                <a:solidFill>
-                  <a:schemeClr val="tx1"/>
-                </a:solidFill>
-                <a:effectLst/>
-              </a:rPr>
-              <a:t> </a:t>
-            </a:r>
-            <a:endParaRPr kumimoji="0" lang="en-US" altLang="en-US" sz="6000" b="0" i="0" u="none" strike="noStrike" cap="none" normalizeH="0" baseline="0" dirty="0" smtClean="0">
+              <a:rPr lang="en-US" altLang="en-US" sz="3200" dirty="0">
+                <a:solidFill>
+                  <a:srgbClr val="000000"/>
+                </a:solidFill>
+                <a:latin typeface="Arial Unicode MS" panose="020B0604020202020204" pitchFamily="34" charset="-128"/>
+              </a:rPr>
+              <a:t>}</a:t>
+            </a:r>
+            <a:endParaRPr kumimoji="0" lang="en-US" altLang="en-US" sz="3200" b="0" i="0" u="none" strike="noStrike" cap="none" normalizeH="0" baseline="0" dirty="0" smtClean="0">
               <a:ln>
                 <a:noFill/>
               </a:ln>
               <a:solidFill>
-                <a:schemeClr val="tx1"/>
+                <a:srgbClr val="000000"/>
               </a:solidFill>
               <a:effectLst/>
-              <a:latin typeface="Arial" panose="020B0604020202020204" pitchFamily="34" charset="0"/>
+              <a:latin typeface="Arial Unicode MS" panose="020B0604020202020204" pitchFamily="34" charset="-128"/>
             </a:endParaRPr>
           </a:p>
         </p:txBody>
@@ -31512,11 +31058,15 @@
           </a:p>
           <a:p>
             <a:r>
-              <a:rPr lang="en-US" altLang="en-US" sz="2400" dirty="0" smtClean="0"/>
+              <a:rPr lang="en-US" altLang="en-US" sz="2400" dirty="0" smtClean="0">
+                <a:latin typeface="Arial" panose="020B0604020202020204" pitchFamily="34" charset="0"/>
+                <a:cs typeface="Arial" panose="020B0604020202020204" pitchFamily="34" charset="0"/>
+              </a:rPr>
               <a:t>foobar</a:t>
             </a:r>
             <a:endParaRPr lang="en-US" altLang="en-US" sz="2400" dirty="0">
               <a:latin typeface="Arial" panose="020B0604020202020204" pitchFamily="34" charset="0"/>
+              <a:cs typeface="Arial" panose="020B0604020202020204" pitchFamily="34" charset="0"/>
             </a:endParaRPr>
           </a:p>
         </p:txBody>
@@ -31774,8 +31324,35 @@
                 <a:effectLst/>
                 <a:latin typeface="Arial Unicode MS" panose="020B0604020202020204" pitchFamily="34" charset="-128"/>
               </a:rPr>
-              <a:t>&lt;?php</a:t>
-            </a:r>
+              <a:t>&lt;?</a:t>
+            </a:r>
+            <a:r>
+              <a:rPr kumimoji="0" lang="en-US" altLang="en-US" sz="3200" b="0" i="0" u="none" strike="noStrike" cap="none" normalizeH="0" baseline="0" dirty="0" smtClean="0">
+                <a:ln>
+                  <a:noFill/>
+                </a:ln>
+                <a:solidFill>
+                  <a:srgbClr val="7F0055"/>
+                </a:solidFill>
+                <a:effectLst/>
+                <a:latin typeface="Arial Unicode MS" panose="020B0604020202020204" pitchFamily="34" charset="-128"/>
+              </a:rPr>
+              <a:t>php</a:t>
+            </a:r>
+          </a:p>
+          <a:p>
+            <a:pPr marL="0" lvl="0" indent="0" eaLnBrk="0" fontAlgn="base" hangingPunct="0">
+              <a:lnSpc>
+                <a:spcPct val="100000"/>
+              </a:lnSpc>
+              <a:spcBef>
+                <a:spcPct val="0"/>
+              </a:spcBef>
+              <a:spcAft>
+                <a:spcPct val="0"/>
+              </a:spcAft>
+              <a:buNone/>
+            </a:pPr>
             <a:endParaRPr lang="en-US" altLang="en-US" sz="3200" dirty="0">
               <a:solidFill>
                 <a:srgbClr val="000000"/>
@@ -32412,66 +31989,23 @@
               <a:buNone/>
             </a:pPr>
             <a:r>
-              <a:rPr kumimoji="0" lang="en-US" altLang="en-US" sz="3200" b="0" i="0" u="none" strike="noStrike" cap="none" normalizeH="0" baseline="0" dirty="0" smtClean="0">
-                <a:ln>
-                  <a:noFill/>
-                </a:ln>
+              <a:rPr lang="en-US" altLang="en-US" sz="3200" dirty="0">
                 <a:solidFill>
                   <a:srgbClr val="000000"/>
                 </a:solidFill>
-                <a:effectLst/>
                 <a:latin typeface="Arial Unicode MS" panose="020B0604020202020204" pitchFamily="34" charset="-128"/>
               </a:rPr>
               <a:t>}</a:t>
             </a:r>
-          </a:p>
-          <a:p>
-            <a:pPr marL="0" lvl="0" indent="0" eaLnBrk="0" fontAlgn="base" hangingPunct="0">
-              <a:lnSpc>
-                <a:spcPct val="100000"/>
-              </a:lnSpc>
-              <a:spcBef>
-                <a:spcPct val="0"/>
-              </a:spcBef>
-              <a:spcAft>
-                <a:spcPct val="0"/>
-              </a:spcAft>
-              <a:buNone/>
-            </a:pPr>
-            <a:r>
-              <a:rPr kumimoji="0" lang="en-US" altLang="en-US" sz="3200" b="0" i="0" u="none" strike="noStrike" cap="none" normalizeH="0" baseline="0" dirty="0" smtClean="0">
-                <a:ln>
-                  <a:noFill/>
-                </a:ln>
-                <a:solidFill>
-                  <a:srgbClr val="7F0055"/>
-                </a:solidFill>
-                <a:effectLst/>
-                <a:latin typeface="Arial Unicode MS" panose="020B0604020202020204" pitchFamily="34" charset="-128"/>
-              </a:rPr>
-              <a:t>?&gt;</a:t>
-            </a:r>
-            <a:r>
-              <a:rPr kumimoji="0" lang="en-US" altLang="en-US" sz="2400" b="0" i="0" u="none" strike="noStrike" cap="none" normalizeH="0" baseline="0" dirty="0" smtClean="0">
-                <a:ln>
-                  <a:noFill/>
-                </a:ln>
-                <a:solidFill>
-                  <a:schemeClr val="tx1"/>
-                </a:solidFill>
-                <a:effectLst/>
-              </a:rPr>
-              <a:t> </a:t>
-            </a:r>
-            <a:endParaRPr kumimoji="0" lang="en-US" altLang="en-US" sz="6000" b="0" i="0" u="none" strike="noStrike" cap="none" normalizeH="0" baseline="0" dirty="0" smtClean="0">
+            <a:endParaRPr kumimoji="0" lang="en-US" altLang="en-US" sz="3200" b="0" i="0" u="none" strike="noStrike" cap="none" normalizeH="0" baseline="0" dirty="0" smtClean="0">
               <a:ln>
                 <a:noFill/>
               </a:ln>
               <a:solidFill>
-                <a:schemeClr val="tx1"/>
+                <a:srgbClr val="000000"/>
               </a:solidFill>
               <a:effectLst/>
-              <a:latin typeface="Arial" panose="020B0604020202020204" pitchFamily="34" charset="0"/>
+              <a:latin typeface="Arial Unicode MS" panose="020B0604020202020204" pitchFamily="34" charset="-128"/>
             </a:endParaRPr>
           </a:p>
         </p:txBody>
@@ -32791,8 +32325,8 @@
         </p:nvSpPr>
         <p:spPr bwMode="auto">
           <a:xfrm>
-            <a:off x="617220" y="143857"/>
-            <a:ext cx="10957560" cy="6494085"/>
+            <a:off x="617220" y="390078"/>
+            <a:ext cx="10957560" cy="6001643"/>
           </a:xfrm>
           <a:prstGeom prst="rect">
             <a:avLst/>
@@ -33332,54 +32866,23 @@
               <a:buNone/>
             </a:pPr>
             <a:r>
-              <a:rPr kumimoji="0" lang="en-US" altLang="en-US" sz="3200" b="0" i="0" u="none" strike="noStrike" cap="none" normalizeH="0" baseline="0" dirty="0" smtClean="0">
-                <a:ln>
-                  <a:noFill/>
-                </a:ln>
+              <a:rPr lang="en-US" altLang="en-US" sz="3200" dirty="0">
                 <a:solidFill>
                   <a:srgbClr val="000000"/>
                 </a:solidFill>
-                <a:effectLst/>
                 <a:latin typeface="Arial Unicode MS" panose="020B0604020202020204" pitchFamily="34" charset="-128"/>
               </a:rPr>
               <a:t>}</a:t>
             </a:r>
-          </a:p>
-          <a:p>
-            <a:pPr marL="0" lvl="0" indent="0" eaLnBrk="0" fontAlgn="base" hangingPunct="0">
-              <a:lnSpc>
-                <a:spcPct val="100000"/>
-              </a:lnSpc>
-              <a:spcBef>
-                <a:spcPct val="0"/>
-              </a:spcBef>
-              <a:spcAft>
-                <a:spcPct val="0"/>
-              </a:spcAft>
-              <a:buNone/>
-            </a:pPr>
-            <a:r>
-              <a:rPr kumimoji="0" lang="en-US" altLang="en-US" sz="3200" b="0" i="0" u="none" strike="noStrike" cap="none" normalizeH="0" baseline="0" dirty="0" smtClean="0">
-                <a:ln>
-                  <a:noFill/>
-                </a:ln>
-                <a:solidFill>
-                  <a:srgbClr val="7F0055"/>
-                </a:solidFill>
-                <a:effectLst/>
-                <a:latin typeface="Arial Unicode MS" panose="020B0604020202020204" pitchFamily="34" charset="-128"/>
-              </a:rPr>
-              <a:t>?&gt;</a:t>
-            </a:r>
-            <a:endParaRPr kumimoji="0" lang="en-US" altLang="en-US" sz="6000" b="0" i="0" u="none" strike="noStrike" cap="none" normalizeH="0" baseline="0" dirty="0" smtClean="0">
+            <a:endParaRPr kumimoji="0" lang="en-US" altLang="en-US" sz="3200" b="0" i="0" u="none" strike="noStrike" cap="none" normalizeH="0" baseline="0" dirty="0" smtClean="0">
               <a:ln>
                 <a:noFill/>
               </a:ln>
               <a:solidFill>
-                <a:schemeClr val="tx1"/>
+                <a:srgbClr val="000000"/>
               </a:solidFill>
               <a:effectLst/>
-              <a:latin typeface="Arial" panose="020B0604020202020204" pitchFamily="34" charset="0"/>
+              <a:latin typeface="Arial Unicode MS" panose="020B0604020202020204" pitchFamily="34" charset="-128"/>
             </a:endParaRPr>
           </a:p>
         </p:txBody>
@@ -33475,7 +32978,7 @@
         </p:nvSpPr>
         <p:spPr>
           <a:xfrm>
-            <a:off x="8462612" y="5437613"/>
+            <a:off x="8462612" y="5191392"/>
             <a:ext cx="3112168" cy="1200329"/>
           </a:xfrm>
           <a:prstGeom prst="rect">
@@ -33524,7 +33027,7 @@
         </p:nvSpPr>
         <p:spPr>
           <a:xfrm>
-            <a:off x="617220" y="143857"/>
+            <a:off x="617220" y="390078"/>
             <a:ext cx="10957560" cy="461665"/>
           </a:xfrm>
           <a:prstGeom prst="rect">
@@ -33711,8 +33214,8 @@
         </p:nvSpPr>
         <p:spPr bwMode="auto">
           <a:xfrm>
-            <a:off x="617220" y="390096"/>
-            <a:ext cx="10957560" cy="6001643"/>
+            <a:off x="617220" y="636318"/>
+            <a:ext cx="10957560" cy="5509200"/>
           </a:xfrm>
           <a:prstGeom prst="rect">
             <a:avLst/>
@@ -34174,31 +33677,11 @@
               </a:rPr>
               <a:t>}</a:t>
             </a:r>
-          </a:p>
-          <a:p>
-            <a:pPr marL="0" lvl="0" indent="0" eaLnBrk="0" fontAlgn="base" hangingPunct="0">
-              <a:lnSpc>
-                <a:spcPct val="100000"/>
-              </a:lnSpc>
-              <a:spcBef>
-                <a:spcPct val="0"/>
-              </a:spcBef>
-              <a:spcAft>
-                <a:spcPct val="0"/>
-              </a:spcAft>
-              <a:buNone/>
-            </a:pPr>
-            <a:r>
-              <a:rPr lang="en-US" altLang="en-US" sz="3200" dirty="0" smtClean="0">
-                <a:solidFill>
-                  <a:srgbClr val="7F0055"/>
-                </a:solidFill>
-                <a:latin typeface="Arial Unicode MS" panose="020B0604020202020204" pitchFamily="34" charset="-128"/>
-              </a:rPr>
-              <a:t>?&gt;</a:t>
-            </a:r>
-            <a:endParaRPr lang="en-US" altLang="en-US" sz="6000" dirty="0">
-              <a:latin typeface="Arial" panose="020B0604020202020204" pitchFamily="34" charset="0"/>
+            <a:endParaRPr lang="en-US" altLang="en-US" sz="3200" dirty="0" smtClean="0">
+              <a:solidFill>
+                <a:srgbClr val="000000"/>
+              </a:solidFill>
+              <a:latin typeface="Arial Unicode MS" panose="020B0604020202020204" pitchFamily="34" charset="-128"/>
             </a:endParaRPr>
           </a:p>
         </p:txBody>
@@ -34294,7 +33777,7 @@
         </p:nvSpPr>
         <p:spPr>
           <a:xfrm>
-            <a:off x="8462612" y="5191410"/>
+            <a:off x="8462612" y="4945189"/>
             <a:ext cx="3112168" cy="1200329"/>
           </a:xfrm>
           <a:prstGeom prst="rect">
@@ -34343,7 +33826,7 @@
         </p:nvSpPr>
         <p:spPr>
           <a:xfrm>
-            <a:off x="617220" y="413266"/>
+            <a:off x="617220" y="636318"/>
             <a:ext cx="10957560" cy="461665"/>
           </a:xfrm>
           <a:prstGeom prst="rect">
@@ -34599,8 +34082,8 @@
         </p:nvSpPr>
         <p:spPr bwMode="auto">
           <a:xfrm>
-            <a:off x="617220" y="143857"/>
-            <a:ext cx="10957560" cy="6494085"/>
+            <a:off x="617220" y="636299"/>
+            <a:ext cx="10957560" cy="5509200"/>
           </a:xfrm>
           <a:prstGeom prst="rect">
             <a:avLst/>
@@ -34989,50 +34472,8 @@
                 <a:effectLst/>
                 <a:latin typeface="Arial Unicode MS" panose="020B0604020202020204" pitchFamily="34" charset="-128"/>
               </a:rPr>
-              <a:t> $missing;</a:t>
-            </a:r>
-          </a:p>
-          <a:p>
-            <a:pPr marL="0" marR="0" lvl="0" indent="0" algn="l" defTabSz="914400" rtl="0" eaLnBrk="0" fontAlgn="base" latinLnBrk="0" hangingPunct="0">
-              <a:lnSpc>
-                <a:spcPct val="100000"/>
-              </a:lnSpc>
-              <a:spcBef>
-                <a:spcPct val="0"/>
-              </a:spcBef>
-              <a:spcAft>
-                <a:spcPct val="0"/>
-              </a:spcAft>
-              <a:buClrTx/>
-              <a:buSzTx/>
-              <a:buFontTx/>
-              <a:buNone/>
-              <a:tabLst/>
-            </a:pPr>
-            <a:endParaRPr lang="en-US" altLang="en-US" sz="3200" dirty="0">
-              <a:solidFill>
-                <a:srgbClr val="000000"/>
-              </a:solidFill>
-              <a:latin typeface="Arial Unicode MS" panose="020B0604020202020204" pitchFamily="34" charset="-128"/>
-            </a:endParaRPr>
-          </a:p>
-          <a:p>
-            <a:pPr marL="0" marR="0" lvl="0" indent="0" algn="l" defTabSz="914400" rtl="0" eaLnBrk="0" fontAlgn="base" latinLnBrk="0" hangingPunct="0">
-              <a:lnSpc>
-                <a:spcPct val="100000"/>
-              </a:lnSpc>
-              <a:spcBef>
-                <a:spcPct val="0"/>
-              </a:spcBef>
-              <a:spcAft>
-                <a:spcPct val="0"/>
-              </a:spcAft>
-              <a:buClrTx/>
-              <a:buSzTx/>
-              <a:buFontTx/>
-              <a:buNone/>
-              <a:tabLst/>
-            </a:pPr>
+              <a:t> $missing</a:t>
+            </a:r>
             <a:r>
               <a:rPr kumimoji="0" lang="en-US" altLang="en-US" sz="3200" b="0" i="0" u="none" strike="noStrike" cap="none" normalizeH="0" baseline="0" dirty="0" smtClean="0">
                 <a:ln>
@@ -35044,17 +34485,17 @@
                 <a:effectLst/>
                 <a:latin typeface="Arial Unicode MS" panose="020B0604020202020204" pitchFamily="34" charset="-128"/>
               </a:rPr>
-              <a:t>?&gt;</a:t>
+              <a:t>;</a:t>
             </a:r>
             <a:endParaRPr kumimoji="0" lang="en-US" altLang="en-US" sz="3200" b="0" i="0" u="none" strike="noStrike" cap="none" normalizeH="0" baseline="0" dirty="0" smtClean="0">
               <a:ln>
                 <a:noFill/>
               </a:ln>
               <a:solidFill>
-                <a:schemeClr val="tx1"/>
+                <a:srgbClr val="000000"/>
               </a:solidFill>
               <a:effectLst/>
-              <a:latin typeface="Arial" panose="020B0604020202020204" pitchFamily="34" charset="0"/>
+              <a:latin typeface="Arial Unicode MS" panose="020B0604020202020204" pitchFamily="34" charset="-128"/>
             </a:endParaRPr>
           </a:p>
         </p:txBody>
@@ -35067,7 +34508,7 @@
         </p:nvSpPr>
         <p:spPr>
           <a:xfrm>
-            <a:off x="7347284" y="4698950"/>
+            <a:off x="7347284" y="4206507"/>
             <a:ext cx="4227496" cy="1938992"/>
           </a:xfrm>
           <a:prstGeom prst="rect">
@@ -35123,7 +34564,7 @@
         </p:nvSpPr>
         <p:spPr>
           <a:xfrm>
-            <a:off x="617220" y="143857"/>
+            <a:off x="617220" y="636299"/>
             <a:ext cx="10957560" cy="461665"/>
           </a:xfrm>
           <a:prstGeom prst="rect">
@@ -35207,8 +34648,8 @@
         </p:nvSpPr>
         <p:spPr bwMode="auto">
           <a:xfrm>
-            <a:off x="617220" y="574764"/>
-            <a:ext cx="10957560" cy="5632311"/>
+            <a:off x="617220" y="1128762"/>
+            <a:ext cx="10957560" cy="4524315"/>
           </a:xfrm>
           <a:prstGeom prst="rect">
             <a:avLst/>
@@ -35513,55 +34954,11 @@
               </a:rPr>
               <a:t>}</a:t>
             </a:r>
-          </a:p>
-          <a:p>
-            <a:pPr marL="0" lvl="0" indent="0" eaLnBrk="0" fontAlgn="base" hangingPunct="0">
-              <a:lnSpc>
-                <a:spcPct val="100000"/>
-              </a:lnSpc>
-              <a:spcBef>
-                <a:spcPct val="0"/>
-              </a:spcBef>
-              <a:spcAft>
-                <a:spcPct val="0"/>
-              </a:spcAft>
-              <a:buNone/>
-            </a:pPr>
-            <a:endParaRPr lang="en-US" altLang="en-US" sz="3200" dirty="0">
+            <a:endParaRPr lang="en-US" altLang="en-US" sz="3200" dirty="0" smtClean="0">
               <a:solidFill>
                 <a:srgbClr val="000000"/>
               </a:solidFill>
               <a:latin typeface="Arial Unicode MS" panose="020B0604020202020204" pitchFamily="34" charset="-128"/>
-            </a:endParaRPr>
-          </a:p>
-          <a:p>
-            <a:pPr marL="0" lvl="0" indent="0" eaLnBrk="0" fontAlgn="base" hangingPunct="0">
-              <a:lnSpc>
-                <a:spcPct val="100000"/>
-              </a:lnSpc>
-              <a:spcBef>
-                <a:spcPct val="0"/>
-              </a:spcBef>
-              <a:spcAft>
-                <a:spcPct val="0"/>
-              </a:spcAft>
-              <a:buNone/>
-            </a:pPr>
-            <a:r>
-              <a:rPr lang="en-US" altLang="en-US" sz="3200" dirty="0" smtClean="0">
-                <a:solidFill>
-                  <a:srgbClr val="7F0055"/>
-                </a:solidFill>
-                <a:latin typeface="Arial Unicode MS" panose="020B0604020202020204" pitchFamily="34" charset="-128"/>
-              </a:rPr>
-              <a:t>?&gt;</a:t>
-            </a:r>
-            <a:r>
-              <a:rPr lang="en-US" altLang="en-US" sz="4000" dirty="0" smtClean="0"/>
-              <a:t> </a:t>
-            </a:r>
-            <a:endParaRPr lang="en-US" altLang="en-US" sz="6000" dirty="0">
-              <a:latin typeface="Arial" panose="020B0604020202020204" pitchFamily="34" charset="0"/>
             </a:endParaRPr>
           </a:p>
         </p:txBody>
@@ -35657,7 +35054,7 @@
         </p:nvSpPr>
         <p:spPr>
           <a:xfrm>
-            <a:off x="8462612" y="5006746"/>
+            <a:off x="8462612" y="4452748"/>
             <a:ext cx="3112168" cy="1200329"/>
           </a:xfrm>
           <a:prstGeom prst="rect">
@@ -35706,7 +35103,7 @@
         </p:nvSpPr>
         <p:spPr>
           <a:xfrm>
-            <a:off x="617220" y="574764"/>
+            <a:off x="617220" y="1128762"/>
             <a:ext cx="10957560" cy="461665"/>
           </a:xfrm>
           <a:prstGeom prst="rect">
@@ -35878,8 +35275,8 @@
         </p:nvSpPr>
         <p:spPr bwMode="auto">
           <a:xfrm>
-            <a:off x="617220" y="636321"/>
-            <a:ext cx="10957560" cy="5509200"/>
+            <a:off x="617220" y="1128763"/>
+            <a:ext cx="10957560" cy="4524315"/>
           </a:xfrm>
           <a:prstGeom prst="rect">
             <a:avLst/>
@@ -36193,51 +35590,11 @@
               </a:rPr>
               <a:t>)</a:t>
             </a:r>
-          </a:p>
-          <a:p>
-            <a:pPr marL="0" lvl="0" indent="0" eaLnBrk="0" fontAlgn="base" hangingPunct="0">
-              <a:lnSpc>
-                <a:spcPct val="100000"/>
-              </a:lnSpc>
-              <a:spcBef>
-                <a:spcPct val="0"/>
-              </a:spcBef>
-              <a:spcAft>
-                <a:spcPct val="0"/>
-              </a:spcAft>
-              <a:buNone/>
-            </a:pPr>
-            <a:endParaRPr lang="en-US" altLang="en-US" sz="3200" dirty="0">
+            <a:endParaRPr lang="en-US" altLang="en-US" sz="3200" dirty="0" smtClean="0">
               <a:solidFill>
                 <a:srgbClr val="000000"/>
               </a:solidFill>
               <a:latin typeface="Arial Unicode MS" panose="020B0604020202020204" pitchFamily="34" charset="-128"/>
-            </a:endParaRPr>
-          </a:p>
-          <a:p>
-            <a:pPr marL="0" lvl="0" indent="0" eaLnBrk="0" fontAlgn="base" hangingPunct="0">
-              <a:lnSpc>
-                <a:spcPct val="100000"/>
-              </a:lnSpc>
-              <a:spcBef>
-                <a:spcPct val="0"/>
-              </a:spcBef>
-              <a:spcAft>
-                <a:spcPct val="0"/>
-              </a:spcAft>
-              <a:buNone/>
-            </a:pPr>
-            <a:r>
-              <a:rPr lang="en-US" altLang="en-US" sz="3200" dirty="0" smtClean="0">
-                <a:solidFill>
-                  <a:srgbClr val="7F0055"/>
-                </a:solidFill>
-                <a:latin typeface="Arial Unicode MS" panose="020B0604020202020204" pitchFamily="34" charset="-128"/>
-              </a:rPr>
-              <a:t>?&gt;</a:t>
-            </a:r>
-            <a:endParaRPr lang="en-US" altLang="en-US" sz="6000" dirty="0">
-              <a:latin typeface="Arial" panose="020B0604020202020204" pitchFamily="34" charset="0"/>
             </a:endParaRPr>
           </a:p>
         </p:txBody>
@@ -36333,7 +35690,7 @@
         </p:nvSpPr>
         <p:spPr>
           <a:xfrm>
-            <a:off x="8462612" y="4945192"/>
+            <a:off x="8462612" y="4452749"/>
             <a:ext cx="3112168" cy="1200329"/>
           </a:xfrm>
           <a:prstGeom prst="rect">
@@ -36382,7 +35739,7 @@
         </p:nvSpPr>
         <p:spPr>
           <a:xfrm>
-            <a:off x="617220" y="636321"/>
+            <a:off x="617220" y="1128763"/>
             <a:ext cx="10957560" cy="461665"/>
           </a:xfrm>
           <a:prstGeom prst="rect">
@@ -36554,8 +35911,8 @@
         </p:nvSpPr>
         <p:spPr bwMode="auto">
           <a:xfrm>
-            <a:off x="617220" y="882544"/>
-            <a:ext cx="10957560" cy="5016758"/>
+            <a:off x="617220" y="1374987"/>
+            <a:ext cx="10957560" cy="4031873"/>
           </a:xfrm>
           <a:prstGeom prst="rect">
             <a:avLst/>
@@ -36816,51 +36173,11 @@
               </a:rPr>
               <a:t>}</a:t>
             </a:r>
-          </a:p>
-          <a:p>
-            <a:pPr marL="0" lvl="0" indent="0" eaLnBrk="0" fontAlgn="base" hangingPunct="0">
-              <a:lnSpc>
-                <a:spcPct val="100000"/>
-              </a:lnSpc>
-              <a:spcBef>
-                <a:spcPct val="0"/>
-              </a:spcBef>
-              <a:spcAft>
-                <a:spcPct val="0"/>
-              </a:spcAft>
-              <a:buNone/>
-            </a:pPr>
-            <a:endParaRPr lang="en-US" altLang="en-US" sz="3200" dirty="0">
+            <a:endParaRPr lang="en-US" altLang="en-US" sz="3200" dirty="0" smtClean="0">
               <a:solidFill>
                 <a:srgbClr val="000000"/>
               </a:solidFill>
               <a:latin typeface="Arial Unicode MS" panose="020B0604020202020204" pitchFamily="34" charset="-128"/>
-            </a:endParaRPr>
-          </a:p>
-          <a:p>
-            <a:pPr marL="0" lvl="0" indent="0" eaLnBrk="0" fontAlgn="base" hangingPunct="0">
-              <a:lnSpc>
-                <a:spcPct val="100000"/>
-              </a:lnSpc>
-              <a:spcBef>
-                <a:spcPct val="0"/>
-              </a:spcBef>
-              <a:spcAft>
-                <a:spcPct val="0"/>
-              </a:spcAft>
-              <a:buNone/>
-            </a:pPr>
-            <a:r>
-              <a:rPr lang="en-US" altLang="en-US" sz="3200" dirty="0" smtClean="0">
-                <a:solidFill>
-                  <a:srgbClr val="7F0055"/>
-                </a:solidFill>
-                <a:latin typeface="Arial Unicode MS" panose="020B0604020202020204" pitchFamily="34" charset="-128"/>
-              </a:rPr>
-              <a:t>?&gt;</a:t>
-            </a:r>
-            <a:endParaRPr lang="en-US" altLang="en-US" sz="6000" dirty="0">
-              <a:latin typeface="Arial" panose="020B0604020202020204" pitchFamily="34" charset="0"/>
             </a:endParaRPr>
           </a:p>
         </p:txBody>
@@ -36956,7 +36273,7 @@
         </p:nvSpPr>
         <p:spPr>
           <a:xfrm>
-            <a:off x="8462612" y="4698973"/>
+            <a:off x="8462612" y="4206531"/>
             <a:ext cx="3112168" cy="1200329"/>
           </a:xfrm>
           <a:prstGeom prst="rect">
@@ -37005,7 +36322,7 @@
         </p:nvSpPr>
         <p:spPr>
           <a:xfrm>
-            <a:off x="617220" y="882544"/>
+            <a:off x="617220" y="1374987"/>
             <a:ext cx="10957560" cy="461665"/>
           </a:xfrm>
           <a:prstGeom prst="rect">
@@ -37265,8 +36582,8 @@
         </p:nvSpPr>
         <p:spPr bwMode="auto">
           <a:xfrm>
-            <a:off x="617220" y="390104"/>
-            <a:ext cx="10957560" cy="6001643"/>
+            <a:off x="617220" y="882547"/>
+            <a:ext cx="10957560" cy="5016758"/>
           </a:xfrm>
           <a:prstGeom prst="rect">
             <a:avLst/>
@@ -37669,60 +36986,11 @@
               </a:rPr>
               <a:t>));</a:t>
             </a:r>
-          </a:p>
-          <a:p>
-            <a:pPr marL="0" lvl="0" indent="0" eaLnBrk="0" fontAlgn="base" hangingPunct="0">
-              <a:lnSpc>
-                <a:spcPct val="100000"/>
-              </a:lnSpc>
-              <a:spcBef>
-                <a:spcPct val="0"/>
-              </a:spcBef>
-              <a:spcAft>
-                <a:spcPct val="0"/>
-              </a:spcAft>
-              <a:buNone/>
-            </a:pPr>
-            <a:endParaRPr lang="en-US" altLang="en-US" sz="3200" dirty="0">
+            <a:endParaRPr lang="en-US" altLang="en-US" sz="3200" dirty="0" smtClean="0">
               <a:solidFill>
                 <a:srgbClr val="000000"/>
               </a:solidFill>
               <a:latin typeface="Arial Unicode MS" panose="020B0604020202020204" pitchFamily="34" charset="-128"/>
-            </a:endParaRPr>
-          </a:p>
-          <a:p>
-            <a:pPr marL="0" lvl="0" indent="0" eaLnBrk="0" fontAlgn="base" hangingPunct="0">
-              <a:lnSpc>
-                <a:spcPct val="100000"/>
-              </a:lnSpc>
-              <a:spcBef>
-                <a:spcPct val="0"/>
-              </a:spcBef>
-              <a:spcAft>
-                <a:spcPct val="0"/>
-              </a:spcAft>
-              <a:buNone/>
-            </a:pPr>
-            <a:r>
-              <a:rPr lang="en-US" altLang="en-US" sz="3200" dirty="0" smtClean="0">
-                <a:solidFill>
-                  <a:srgbClr val="7F0055"/>
-                </a:solidFill>
-                <a:latin typeface="Arial Unicode MS" panose="020B0604020202020204" pitchFamily="34" charset="-128"/>
-              </a:rPr>
-              <a:t>?&gt;</a:t>
-            </a:r>
-            <a:r>
-              <a:rPr lang="en-US" altLang="en-US" sz="3200" dirty="0" smtClean="0">
-                <a:solidFill>
-                  <a:srgbClr val="000000"/>
-                </a:solidFill>
-                <a:latin typeface="Arial Unicode MS" panose="020B0604020202020204" pitchFamily="34" charset="-128"/>
-              </a:rPr>
-              <a:t> </a:t>
-            </a:r>
-            <a:endParaRPr lang="en-US" altLang="en-US" sz="6000" dirty="0">
-              <a:latin typeface="Arial" panose="020B0604020202020204" pitchFamily="34" charset="0"/>
             </a:endParaRPr>
           </a:p>
         </p:txBody>
@@ -37818,7 +37086,7 @@
         </p:nvSpPr>
         <p:spPr>
           <a:xfrm>
-            <a:off x="8462612" y="5191418"/>
+            <a:off x="8462612" y="4698976"/>
             <a:ext cx="3112168" cy="1200329"/>
           </a:xfrm>
           <a:prstGeom prst="rect">
@@ -37867,7 +37135,7 @@
         </p:nvSpPr>
         <p:spPr>
           <a:xfrm>
-            <a:off x="617220" y="390104"/>
+            <a:off x="617220" y="882547"/>
             <a:ext cx="10957560" cy="461665"/>
           </a:xfrm>
           <a:prstGeom prst="rect">
@@ -38039,8 +37307,8 @@
         </p:nvSpPr>
         <p:spPr bwMode="auto">
           <a:xfrm>
-            <a:off x="617220" y="328551"/>
-            <a:ext cx="10957560" cy="6124754"/>
+            <a:off x="617220" y="882549"/>
+            <a:ext cx="10957560" cy="5016758"/>
           </a:xfrm>
           <a:prstGeom prst="rect">
             <a:avLst/>
@@ -38363,57 +37631,22 @@
                 </a:solidFill>
                 <a:latin typeface="Arial Unicode MS" panose="020B0604020202020204" pitchFamily="34" charset="-128"/>
               </a:rPr>
-              <a:t>foobar();</a:t>
-            </a:r>
-          </a:p>
-          <a:p>
-            <a:pPr marL="0" lvl="0" indent="0" eaLnBrk="0" fontAlgn="base" hangingPunct="0">
-              <a:lnSpc>
-                <a:spcPct val="100000"/>
-              </a:lnSpc>
-              <a:spcBef>
-                <a:spcPct val="0"/>
-              </a:spcBef>
-              <a:spcAft>
-                <a:spcPct val="0"/>
-              </a:spcAft>
-              <a:buNone/>
-            </a:pPr>
-            <a:endParaRPr lang="en-US" altLang="en-US" sz="3200" dirty="0">
+              <a:t>foobar</a:t>
+            </a:r>
+            <a:r>
+              <a:rPr lang="en-US" altLang="en-US" sz="3200" dirty="0" smtClean="0">
+                <a:solidFill>
+                  <a:srgbClr val="000000"/>
+                </a:solidFill>
+                <a:latin typeface="Arial Unicode MS" panose="020B0604020202020204" pitchFamily="34" charset="-128"/>
+              </a:rPr>
+              <a:t>();</a:t>
+            </a:r>
+            <a:endParaRPr lang="en-US" altLang="en-US" sz="3200" dirty="0" smtClean="0">
               <a:solidFill>
                 <a:srgbClr val="000000"/>
               </a:solidFill>
               <a:latin typeface="Arial Unicode MS" panose="020B0604020202020204" pitchFamily="34" charset="-128"/>
-            </a:endParaRPr>
-          </a:p>
-          <a:p>
-            <a:pPr marL="0" lvl="0" indent="0" eaLnBrk="0" fontAlgn="base" hangingPunct="0">
-              <a:lnSpc>
-                <a:spcPct val="100000"/>
-              </a:lnSpc>
-              <a:spcBef>
-                <a:spcPct val="0"/>
-              </a:spcBef>
-              <a:spcAft>
-                <a:spcPct val="0"/>
-              </a:spcAft>
-              <a:buNone/>
-            </a:pPr>
-            <a:r>
-              <a:rPr lang="en-US" altLang="en-US" sz="3200" dirty="0" smtClean="0">
-                <a:solidFill>
-                  <a:srgbClr val="7F0055"/>
-                </a:solidFill>
-                <a:latin typeface="Arial Unicode MS" panose="020B0604020202020204" pitchFamily="34" charset="-128"/>
-              </a:rPr>
-              <a:t>?&gt;</a:t>
-            </a:r>
-            <a:r>
-              <a:rPr lang="en-US" altLang="en-US" sz="4000" dirty="0" smtClean="0"/>
-              <a:t> </a:t>
-            </a:r>
-            <a:endParaRPr lang="en-US" altLang="en-US" sz="6000" dirty="0">
-              <a:latin typeface="Arial" panose="020B0604020202020204" pitchFamily="34" charset="0"/>
             </a:endParaRPr>
           </a:p>
         </p:txBody>
@@ -38509,7 +37742,7 @@
         </p:nvSpPr>
         <p:spPr>
           <a:xfrm>
-            <a:off x="8462612" y="5252976"/>
+            <a:off x="8462612" y="4698978"/>
             <a:ext cx="3112168" cy="1200329"/>
           </a:xfrm>
           <a:prstGeom prst="rect">
@@ -38560,7 +37793,7 @@
         </p:nvSpPr>
         <p:spPr>
           <a:xfrm>
-            <a:off x="617220" y="328551"/>
+            <a:off x="617220" y="882549"/>
             <a:ext cx="10957560" cy="461665"/>
           </a:xfrm>
           <a:prstGeom prst="rect">
@@ -38877,8 +38110,8 @@
         </p:nvSpPr>
         <p:spPr bwMode="auto">
           <a:xfrm>
-            <a:off x="617220" y="390111"/>
-            <a:ext cx="10957560" cy="6001643"/>
+            <a:off x="617220" y="882554"/>
+            <a:ext cx="10957560" cy="5016758"/>
           </a:xfrm>
           <a:prstGeom prst="rect">
             <a:avLst/>
@@ -39206,60 +38439,11 @@
               </a:rPr>
               <a:t>);</a:t>
             </a:r>
-          </a:p>
-          <a:p>
-            <a:pPr marL="0" lvl="0" indent="0" eaLnBrk="0" fontAlgn="base" hangingPunct="0">
-              <a:lnSpc>
-                <a:spcPct val="100000"/>
-              </a:lnSpc>
-              <a:spcBef>
-                <a:spcPct val="0"/>
-              </a:spcBef>
-              <a:spcAft>
-                <a:spcPct val="0"/>
-              </a:spcAft>
-              <a:buNone/>
-            </a:pPr>
-            <a:endParaRPr lang="en-US" altLang="en-US" sz="3200" dirty="0">
+            <a:endParaRPr lang="en-US" altLang="en-US" sz="3200" dirty="0" smtClean="0">
               <a:solidFill>
                 <a:srgbClr val="000000"/>
               </a:solidFill>
               <a:latin typeface="Arial Unicode MS" panose="020B0604020202020204" pitchFamily="34" charset="-128"/>
-            </a:endParaRPr>
-          </a:p>
-          <a:p>
-            <a:pPr marL="0" lvl="0" indent="0" eaLnBrk="0" fontAlgn="base" hangingPunct="0">
-              <a:lnSpc>
-                <a:spcPct val="100000"/>
-              </a:lnSpc>
-              <a:spcBef>
-                <a:spcPct val="0"/>
-              </a:spcBef>
-              <a:spcAft>
-                <a:spcPct val="0"/>
-              </a:spcAft>
-              <a:buNone/>
-            </a:pPr>
-            <a:r>
-              <a:rPr lang="en-US" altLang="en-US" sz="3200" dirty="0" smtClean="0">
-                <a:solidFill>
-                  <a:srgbClr val="7F0055"/>
-                </a:solidFill>
-                <a:latin typeface="Arial Unicode MS" panose="020B0604020202020204" pitchFamily="34" charset="-128"/>
-              </a:rPr>
-              <a:t>?&gt;</a:t>
-            </a:r>
-            <a:r>
-              <a:rPr lang="en-US" altLang="en-US" sz="3200" dirty="0" smtClean="0">
-                <a:solidFill>
-                  <a:srgbClr val="000000"/>
-                </a:solidFill>
-                <a:latin typeface="Arial Unicode MS" panose="020B0604020202020204" pitchFamily="34" charset="-128"/>
-              </a:rPr>
-              <a:t> </a:t>
-            </a:r>
-            <a:endParaRPr lang="en-US" altLang="en-US" sz="6000" dirty="0">
-              <a:latin typeface="Arial" panose="020B0604020202020204" pitchFamily="34" charset="0"/>
             </a:endParaRPr>
           </a:p>
         </p:txBody>
@@ -39355,7 +38539,7 @@
         </p:nvSpPr>
         <p:spPr>
           <a:xfrm>
-            <a:off x="8462612" y="5191425"/>
+            <a:off x="8462612" y="4698983"/>
             <a:ext cx="3112168" cy="1200329"/>
           </a:xfrm>
           <a:prstGeom prst="rect">
@@ -39406,7 +38590,7 @@
         </p:nvSpPr>
         <p:spPr>
           <a:xfrm>
-            <a:off x="617220" y="387356"/>
+            <a:off x="617220" y="882554"/>
             <a:ext cx="10957560" cy="461665"/>
           </a:xfrm>
           <a:prstGeom prst="rect">
@@ -39584,8 +38768,8 @@
         </p:nvSpPr>
         <p:spPr bwMode="auto">
           <a:xfrm>
-            <a:off x="617220" y="574779"/>
-            <a:ext cx="10957560" cy="5632311"/>
+            <a:off x="617220" y="1128777"/>
+            <a:ext cx="10957560" cy="4524315"/>
           </a:xfrm>
           <a:prstGeom prst="rect">
             <a:avLst/>
@@ -39962,55 +39146,11 @@
               </a:rPr>
               <a:t>);</a:t>
             </a:r>
-          </a:p>
-          <a:p>
-            <a:pPr marL="0" lvl="0" indent="0" eaLnBrk="0" fontAlgn="base" hangingPunct="0">
-              <a:lnSpc>
-                <a:spcPct val="100000"/>
-              </a:lnSpc>
-              <a:spcBef>
-                <a:spcPct val="0"/>
-              </a:spcBef>
-              <a:spcAft>
-                <a:spcPct val="0"/>
-              </a:spcAft>
-              <a:buNone/>
-            </a:pPr>
-            <a:endParaRPr lang="en-US" altLang="en-US" sz="3200" dirty="0">
+            <a:endParaRPr lang="en-US" altLang="en-US" sz="3200" dirty="0" smtClean="0">
               <a:solidFill>
                 <a:srgbClr val="000000"/>
               </a:solidFill>
               <a:latin typeface="Arial Unicode MS" panose="020B0604020202020204" pitchFamily="34" charset="-128"/>
-            </a:endParaRPr>
-          </a:p>
-          <a:p>
-            <a:pPr marL="0" lvl="0" indent="0" eaLnBrk="0" fontAlgn="base" hangingPunct="0">
-              <a:lnSpc>
-                <a:spcPct val="100000"/>
-              </a:lnSpc>
-              <a:spcBef>
-                <a:spcPct val="0"/>
-              </a:spcBef>
-              <a:spcAft>
-                <a:spcPct val="0"/>
-              </a:spcAft>
-              <a:buNone/>
-            </a:pPr>
-            <a:r>
-              <a:rPr lang="en-US" altLang="en-US" sz="3200" dirty="0" smtClean="0">
-                <a:solidFill>
-                  <a:srgbClr val="7F0055"/>
-                </a:solidFill>
-                <a:latin typeface="Arial Unicode MS" panose="020B0604020202020204" pitchFamily="34" charset="-128"/>
-              </a:rPr>
-              <a:t>?&gt;</a:t>
-            </a:r>
-            <a:r>
-              <a:rPr lang="en-US" altLang="en-US" sz="4000" dirty="0" smtClean="0"/>
-              <a:t> </a:t>
-            </a:r>
-            <a:endParaRPr lang="en-US" altLang="en-US" sz="6000" dirty="0">
-              <a:latin typeface="Arial" panose="020B0604020202020204" pitchFamily="34" charset="0"/>
             </a:endParaRPr>
           </a:p>
         </p:txBody>
@@ -40106,7 +39246,7 @@
         </p:nvSpPr>
         <p:spPr>
           <a:xfrm>
-            <a:off x="8462612" y="5006761"/>
+            <a:off x="8462612" y="4452763"/>
             <a:ext cx="3112168" cy="1200329"/>
           </a:xfrm>
           <a:prstGeom prst="rect">
@@ -40157,7 +39297,7 @@
         </p:nvSpPr>
         <p:spPr>
           <a:xfrm>
-            <a:off x="617220" y="574779"/>
+            <a:off x="617220" y="1128777"/>
             <a:ext cx="10957560" cy="461665"/>
           </a:xfrm>
           <a:prstGeom prst="rect">
@@ -40658,8 +39798,8 @@
         </p:nvSpPr>
         <p:spPr bwMode="auto">
           <a:xfrm>
-            <a:off x="617220" y="1313444"/>
-            <a:ext cx="10957560" cy="4154984"/>
+            <a:off x="617220" y="1867442"/>
+            <a:ext cx="10957560" cy="3046988"/>
           </a:xfrm>
           <a:prstGeom prst="rect">
             <a:avLst/>
@@ -40922,55 +40062,11 @@
               </a:rPr>
               <a:t>);</a:t>
             </a:r>
-          </a:p>
-          <a:p>
-            <a:pPr marL="0" lvl="0" indent="0" eaLnBrk="0" fontAlgn="base" hangingPunct="0">
-              <a:lnSpc>
-                <a:spcPct val="100000"/>
-              </a:lnSpc>
-              <a:spcBef>
-                <a:spcPct val="0"/>
-              </a:spcBef>
-              <a:spcAft>
-                <a:spcPct val="0"/>
-              </a:spcAft>
-              <a:buNone/>
-            </a:pPr>
-            <a:endParaRPr lang="en-US" altLang="en-US" sz="3200" dirty="0">
+            <a:endParaRPr lang="en-US" altLang="en-US" sz="3200" dirty="0" smtClean="0">
               <a:solidFill>
                 <a:srgbClr val="000000"/>
               </a:solidFill>
               <a:latin typeface="Arial Unicode MS" panose="020B0604020202020204" pitchFamily="34" charset="-128"/>
-            </a:endParaRPr>
-          </a:p>
-          <a:p>
-            <a:pPr marL="0" lvl="0" indent="0" eaLnBrk="0" fontAlgn="base" hangingPunct="0">
-              <a:lnSpc>
-                <a:spcPct val="100000"/>
-              </a:lnSpc>
-              <a:spcBef>
-                <a:spcPct val="0"/>
-              </a:spcBef>
-              <a:spcAft>
-                <a:spcPct val="0"/>
-              </a:spcAft>
-              <a:buNone/>
-            </a:pPr>
-            <a:r>
-              <a:rPr lang="en-US" altLang="en-US" sz="3200" dirty="0" smtClean="0">
-                <a:solidFill>
-                  <a:srgbClr val="7F0055"/>
-                </a:solidFill>
-                <a:latin typeface="Arial Unicode MS" panose="020B0604020202020204" pitchFamily="34" charset="-128"/>
-              </a:rPr>
-              <a:t>?&gt;</a:t>
-            </a:r>
-            <a:r>
-              <a:rPr lang="en-US" altLang="en-US" sz="4000" dirty="0" smtClean="0"/>
-              <a:t> </a:t>
-            </a:r>
-            <a:endParaRPr lang="en-US" altLang="en-US" sz="6000" dirty="0">
-              <a:latin typeface="Arial" panose="020B0604020202020204" pitchFamily="34" charset="0"/>
             </a:endParaRPr>
           </a:p>
         </p:txBody>
@@ -41066,7 +40162,7 @@
         </p:nvSpPr>
         <p:spPr>
           <a:xfrm>
-            <a:off x="8462612" y="4268099"/>
+            <a:off x="8462612" y="3714101"/>
             <a:ext cx="3112168" cy="1200329"/>
           </a:xfrm>
           <a:prstGeom prst="rect">
@@ -41117,7 +40213,7 @@
         </p:nvSpPr>
         <p:spPr>
           <a:xfrm>
-            <a:off x="617220" y="1313444"/>
+            <a:off x="617220" y="1867442"/>
             <a:ext cx="10957560" cy="461665"/>
           </a:xfrm>
           <a:prstGeom prst="rect">
@@ -41498,8 +40594,8 @@
         </p:nvSpPr>
         <p:spPr bwMode="auto">
           <a:xfrm>
-            <a:off x="617220" y="390117"/>
-            <a:ext cx="10957560" cy="6001643"/>
+            <a:off x="617220" y="882560"/>
+            <a:ext cx="10957560" cy="5016758"/>
           </a:xfrm>
           <a:prstGeom prst="rect">
             <a:avLst/>
@@ -41918,7 +41014,16 @@
                 </a:solidFill>
                 <a:latin typeface="Arial Unicode MS" panose="020B0604020202020204" pitchFamily="34" charset="-128"/>
               </a:rPr>
-              <a:t>'exists_test</a:t>
+              <a:t>'</a:t>
+            </a:r>
+            <a:r>
+              <a:rPr lang="en-US" altLang="en-US" sz="3200" dirty="0" err="1">
+                <a:solidFill>
+                  <a:srgbClr val="2A00FF"/>
+                </a:solidFill>
+                <a:latin typeface="Arial Unicode MS" panose="020B0604020202020204" pitchFamily="34" charset="-128"/>
+              </a:rPr>
+              <a:t>exists_test</a:t>
             </a:r>
             <a:r>
               <a:rPr lang="en-US" altLang="en-US" sz="3200" dirty="0" smtClean="0">
@@ -41938,51 +41043,11 @@
               </a:rPr>
               <a:t>);</a:t>
             </a:r>
-          </a:p>
-          <a:p>
-            <a:pPr marL="0" lvl="0" indent="0" eaLnBrk="0" fontAlgn="base" hangingPunct="0">
-              <a:lnSpc>
-                <a:spcPct val="100000"/>
-              </a:lnSpc>
-              <a:spcBef>
-                <a:spcPct val="0"/>
-              </a:spcBef>
-              <a:spcAft>
-                <a:spcPct val="0"/>
-              </a:spcAft>
-              <a:buNone/>
-            </a:pPr>
-            <a:endParaRPr lang="en-US" altLang="en-US" sz="3200" dirty="0">
+            <a:endParaRPr lang="en-US" altLang="en-US" sz="3200" dirty="0" smtClean="0">
               <a:solidFill>
                 <a:srgbClr val="000000"/>
               </a:solidFill>
               <a:latin typeface="Arial Unicode MS" panose="020B0604020202020204" pitchFamily="34" charset="-128"/>
-            </a:endParaRPr>
-          </a:p>
-          <a:p>
-            <a:pPr marL="0" lvl="0" indent="0" eaLnBrk="0" fontAlgn="base" hangingPunct="0">
-              <a:lnSpc>
-                <a:spcPct val="100000"/>
-              </a:lnSpc>
-              <a:spcBef>
-                <a:spcPct val="0"/>
-              </a:spcBef>
-              <a:spcAft>
-                <a:spcPct val="0"/>
-              </a:spcAft>
-              <a:buNone/>
-            </a:pPr>
-            <a:r>
-              <a:rPr lang="en-US" altLang="en-US" sz="3200" dirty="0" smtClean="0">
-                <a:solidFill>
-                  <a:srgbClr val="7F0055"/>
-                </a:solidFill>
-                <a:latin typeface="Arial Unicode MS" panose="020B0604020202020204" pitchFamily="34" charset="-128"/>
-              </a:rPr>
-              <a:t>?&gt;</a:t>
-            </a:r>
-            <a:endParaRPr lang="en-US" altLang="en-US" sz="6000" dirty="0">
-              <a:latin typeface="Arial" panose="020B0604020202020204" pitchFamily="34" charset="0"/>
             </a:endParaRPr>
           </a:p>
         </p:txBody>
@@ -42078,7 +41143,7 @@
         </p:nvSpPr>
         <p:spPr>
           <a:xfrm>
-            <a:off x="8462612" y="5191431"/>
+            <a:off x="8462612" y="4698989"/>
             <a:ext cx="3112168" cy="1200329"/>
           </a:xfrm>
           <a:prstGeom prst="rect">
@@ -42129,7 +41194,7 @@
         </p:nvSpPr>
         <p:spPr>
           <a:xfrm>
-            <a:off x="617220" y="390117"/>
+            <a:off x="617220" y="882560"/>
             <a:ext cx="10957560" cy="461665"/>
           </a:xfrm>
           <a:prstGeom prst="rect">
@@ -42426,8 +41491,8 @@
         </p:nvSpPr>
         <p:spPr bwMode="auto">
           <a:xfrm>
-            <a:off x="617220" y="390079"/>
-            <a:ext cx="10957560" cy="6001643"/>
+            <a:off x="617220" y="882521"/>
+            <a:ext cx="10957560" cy="5016758"/>
           </a:xfrm>
           <a:prstGeom prst="rect">
             <a:avLst/>
@@ -42741,51 +41806,23 @@
                 </a:solidFill>
                 <a:latin typeface="Arial Unicode MS" panose="020B0604020202020204" pitchFamily="34" charset="-128"/>
               </a:rPr>
-              <a:t>$array[2] + 3;</a:t>
-            </a:r>
-          </a:p>
-          <a:p>
-            <a:pPr marL="0" lvl="0" indent="0" eaLnBrk="0" fontAlgn="base" hangingPunct="0">
-              <a:lnSpc>
-                <a:spcPct val="100000"/>
-              </a:lnSpc>
-              <a:spcBef>
-                <a:spcPct val="0"/>
-              </a:spcBef>
-              <a:spcAft>
-                <a:spcPct val="0"/>
-              </a:spcAft>
-              <a:buNone/>
-            </a:pPr>
+              <a:t>$array[2] + 3</a:t>
+            </a:r>
+            <a:r>
+              <a:rPr lang="en-US" altLang="en-US" sz="3200" dirty="0" smtClean="0">
+                <a:solidFill>
+                  <a:srgbClr val="000000"/>
+                </a:solidFill>
+                <a:latin typeface="Arial Unicode MS" panose="020B0604020202020204" pitchFamily="34" charset="-128"/>
+              </a:rPr>
+              <a:t>;</a:t>
+            </a:r>
             <a:endParaRPr lang="en-US" altLang="en-US" sz="3200" dirty="0">
               <a:solidFill>
-                <a:srgbClr val="7F0055"/>
+                <a:srgbClr val="000000"/>
               </a:solidFill>
               <a:latin typeface="Arial Unicode MS" panose="020B0604020202020204" pitchFamily="34" charset="-128"/>
             </a:endParaRPr>
-          </a:p>
-          <a:p>
-            <a:pPr marL="0" lvl="0" indent="0" eaLnBrk="0" fontAlgn="base" hangingPunct="0">
-              <a:lnSpc>
-                <a:spcPct val="100000"/>
-              </a:lnSpc>
-              <a:spcBef>
-                <a:spcPct val="0"/>
-              </a:spcBef>
-              <a:spcAft>
-                <a:spcPct val="0"/>
-              </a:spcAft>
-              <a:buNone/>
-            </a:pPr>
-            <a:r>
-              <a:rPr lang="en-US" altLang="en-US" sz="3200" dirty="0">
-                <a:solidFill>
-                  <a:srgbClr val="7F0055"/>
-                </a:solidFill>
-                <a:latin typeface="Arial Unicode MS" panose="020B0604020202020204" pitchFamily="34" charset="-128"/>
-              </a:rPr>
-              <a:t>?&gt;</a:t>
-            </a:r>
           </a:p>
         </p:txBody>
       </p:sp>
@@ -42880,7 +41917,7 @@
         </p:nvSpPr>
         <p:spPr>
           <a:xfrm>
-            <a:off x="8462612" y="5191393"/>
+            <a:off x="8462612" y="4698950"/>
             <a:ext cx="3112168" cy="1200329"/>
           </a:xfrm>
           <a:prstGeom prst="rect">
@@ -42931,7 +41968,7 @@
         </p:nvSpPr>
         <p:spPr>
           <a:xfrm>
-            <a:off x="617220" y="390079"/>
+            <a:off x="617220" y="882521"/>
             <a:ext cx="10957560" cy="461665"/>
           </a:xfrm>
           <a:prstGeom prst="rect">
@@ -43131,8 +42168,8 @@
         </p:nvSpPr>
         <p:spPr bwMode="auto">
           <a:xfrm>
-            <a:off x="617220" y="390119"/>
-            <a:ext cx="10957560" cy="6001643"/>
+            <a:off x="617220" y="636300"/>
+            <a:ext cx="10957560" cy="5509200"/>
           </a:xfrm>
           <a:prstGeom prst="rect">
             <a:avLst/>
@@ -43439,24 +42476,12 @@
               </a:spcAft>
               <a:buNone/>
             </a:pPr>
-            <a:r>
-              <a:rPr lang="en-US" altLang="en-US" sz="3200" b="1" dirty="0" err="1" smtClean="0">
-                <a:solidFill>
-                  <a:srgbClr val="7F0055"/>
-                </a:solidFill>
-                <a:latin typeface="Arial Unicode MS" panose="020B0604020202020204" pitchFamily="34" charset="-128"/>
-              </a:rPr>
-              <a:t>var_dump</a:t>
-            </a:r>
-            <a:r>
-              <a:rPr lang="en-US" altLang="en-US" sz="3200" dirty="0" smtClean="0">
-                <a:solidFill>
-                  <a:srgbClr val="000000"/>
-                </a:solidFill>
-                <a:latin typeface="Arial Unicode MS" panose="020B0604020202020204" pitchFamily="34" charset="-128"/>
-              </a:rPr>
-              <a:t>( $array );</a:t>
-            </a:r>
+            <a:endParaRPr lang="en-US" altLang="en-US" sz="3200" dirty="0" smtClean="0">
+              <a:solidFill>
+                <a:srgbClr val="000000"/>
+              </a:solidFill>
+              <a:latin typeface="Arial Unicode MS" panose="020B0604020202020204" pitchFamily="34" charset="-128"/>
+            </a:endParaRPr>
           </a:p>
           <a:p>
             <a:pPr marL="0" lvl="0" indent="0" eaLnBrk="0" fontAlgn="base" hangingPunct="0">
@@ -43471,38 +42496,36 @@
               </a:spcAft>
               <a:buNone/>
             </a:pPr>
+            <a:r>
+              <a:rPr lang="en-US" altLang="en-US" sz="3200" b="1" dirty="0" err="1" smtClean="0">
+                <a:solidFill>
+                  <a:srgbClr val="7F0055"/>
+                </a:solidFill>
+                <a:latin typeface="Arial Unicode MS" panose="020B0604020202020204" pitchFamily="34" charset="-128"/>
+              </a:rPr>
+              <a:t>var_dump</a:t>
+            </a:r>
+            <a:r>
+              <a:rPr lang="en-US" altLang="en-US" sz="3200" dirty="0" smtClean="0">
+                <a:solidFill>
+                  <a:srgbClr val="000000"/>
+                </a:solidFill>
+                <a:latin typeface="Arial Unicode MS" panose="020B0604020202020204" pitchFamily="34" charset="-128"/>
+              </a:rPr>
+              <a:t>( $array </a:t>
+            </a:r>
+            <a:r>
+              <a:rPr lang="en-US" altLang="en-US" sz="3200" dirty="0" smtClean="0">
+                <a:solidFill>
+                  <a:srgbClr val="000000"/>
+                </a:solidFill>
+                <a:latin typeface="Arial Unicode MS" panose="020B0604020202020204" pitchFamily="34" charset="-128"/>
+              </a:rPr>
+              <a:t>);</a:t>
+            </a:r>
             <a:endParaRPr lang="en-US" altLang="en-US" sz="3200" dirty="0" smtClean="0">
               <a:solidFill>
-                <a:srgbClr val="7F0055"/>
-              </a:solidFill>
-              <a:latin typeface="Arial Unicode MS" panose="020B0604020202020204" pitchFamily="34" charset="-128"/>
-            </a:endParaRPr>
-          </a:p>
-          <a:p>
-            <a:pPr marL="0" lvl="0" indent="0" eaLnBrk="0" fontAlgn="base" hangingPunct="0">
-              <a:lnSpc>
-                <a:spcPct val="100000"/>
-              </a:lnSpc>
-              <a:spcBef>
-                <a:spcPct val="0"/>
-              </a:spcBef>
-              <a:spcAft>
-                <a:spcPct val="0"/>
-              </a:spcAft>
-              <a:buNone/>
-            </a:pPr>
-            <a:r>
-              <a:rPr lang="en-US" altLang="en-US" sz="3200" dirty="0" smtClean="0">
-                <a:solidFill>
-                  <a:srgbClr val="7F0055"/>
-                </a:solidFill>
-                <a:latin typeface="Arial Unicode MS" panose="020B0604020202020204" pitchFamily="34" charset="-128"/>
-              </a:rPr>
-              <a:t>?&gt;</a:t>
-            </a:r>
-            <a:endParaRPr lang="en-US" altLang="en-US" sz="3200" dirty="0">
-              <a:solidFill>
-                <a:srgbClr val="7F0055"/>
+                <a:srgbClr val="000000"/>
               </a:solidFill>
               <a:latin typeface="Arial Unicode MS" panose="020B0604020202020204" pitchFamily="34" charset="-128"/>
             </a:endParaRPr>
@@ -43600,7 +42623,7 @@
         </p:nvSpPr>
         <p:spPr>
           <a:xfrm>
-            <a:off x="8462612" y="1867447"/>
+            <a:off x="8462612" y="1621185"/>
             <a:ext cx="3112168" cy="4524315"/>
           </a:xfrm>
           <a:prstGeom prst="rect">
@@ -43720,7 +42743,7 @@
         </p:nvSpPr>
         <p:spPr>
           <a:xfrm>
-            <a:off x="617220" y="390119"/>
+            <a:off x="617220" y="636340"/>
             <a:ext cx="10957560" cy="461665"/>
           </a:xfrm>
           <a:prstGeom prst="rect">
@@ -43920,8 +42943,8 @@
         </p:nvSpPr>
         <p:spPr bwMode="auto">
           <a:xfrm>
-            <a:off x="617220" y="143857"/>
-            <a:ext cx="10957560" cy="6494085"/>
+            <a:off x="617220" y="390078"/>
+            <a:ext cx="10957560" cy="6001643"/>
           </a:xfrm>
           <a:prstGeom prst="rect">
             <a:avLst/>
@@ -44119,24 +43142,12 @@
               </a:spcAft>
               <a:buNone/>
             </a:pPr>
-            <a:r>
-              <a:rPr lang="en-US" altLang="en-US" sz="3200" b="1" dirty="0" smtClean="0">
-                <a:solidFill>
-                  <a:srgbClr val="7F0055"/>
-                </a:solidFill>
-                <a:latin typeface="Arial Unicode MS" panose="020B0604020202020204" pitchFamily="34" charset="-128"/>
-              </a:rPr>
-              <a:t>var_dump</a:t>
-            </a:r>
-            <a:r>
-              <a:rPr lang="en-US" altLang="en-US" sz="3200" dirty="0" smtClean="0">
-                <a:solidFill>
-                  <a:srgbClr val="000000"/>
-                </a:solidFill>
-                <a:latin typeface="Arial Unicode MS" panose="020B0604020202020204" pitchFamily="34" charset="-128"/>
-              </a:rPr>
-              <a:t>( $array );</a:t>
-            </a:r>
+            <a:endParaRPr lang="en-US" altLang="en-US" sz="3200" dirty="0" smtClean="0">
+              <a:solidFill>
+                <a:srgbClr val="000000"/>
+              </a:solidFill>
+              <a:latin typeface="Arial Unicode MS" panose="020B0604020202020204" pitchFamily="34" charset="-128"/>
+            </a:endParaRPr>
           </a:p>
           <a:p>
             <a:pPr marL="0" lvl="0" indent="0" eaLnBrk="0" fontAlgn="base" hangingPunct="0">
@@ -44158,7 +43169,7 @@
                 </a:solidFill>
                 <a:latin typeface="Arial Unicode MS" panose="020B0604020202020204" pitchFamily="34" charset="-128"/>
               </a:rPr>
-              <a:t>unset</a:t>
+              <a:t>var_dump</a:t>
             </a:r>
             <a:r>
               <a:rPr lang="en-US" altLang="en-US" sz="3200" dirty="0" smtClean="0">
@@ -44167,7 +43178,7 @@
                 </a:solidFill>
                 <a:latin typeface="Arial Unicode MS" panose="020B0604020202020204" pitchFamily="34" charset="-128"/>
               </a:rPr>
-              <a:t>( $array[1] );</a:t>
+              <a:t>( $array );</a:t>
             </a:r>
           </a:p>
           <a:p>
@@ -44184,6 +43195,38 @@
               <a:buNone/>
             </a:pPr>
             <a:r>
+              <a:rPr lang="en-US" altLang="en-US" sz="3200" b="1" dirty="0" smtClean="0">
+                <a:solidFill>
+                  <a:srgbClr val="7F0055"/>
+                </a:solidFill>
+                <a:latin typeface="Arial Unicode MS" panose="020B0604020202020204" pitchFamily="34" charset="-128"/>
+              </a:rPr>
+              <a:t>unset</a:t>
+            </a:r>
+            <a:r>
+              <a:rPr lang="en-US" altLang="en-US" sz="3200" dirty="0" smtClean="0">
+                <a:solidFill>
+                  <a:srgbClr val="000000"/>
+                </a:solidFill>
+                <a:latin typeface="Arial Unicode MS" panose="020B0604020202020204" pitchFamily="34" charset="-128"/>
+              </a:rPr>
+              <a:t>( $array[1] );</a:t>
+            </a:r>
+          </a:p>
+          <a:p>
+            <a:pPr marL="0" lvl="0" indent="0" eaLnBrk="0" fontAlgn="base" hangingPunct="0">
+              <a:lnSpc>
+                <a:spcPct val="100000"/>
+              </a:lnSpc>
+              <a:spcBef>
+                <a:spcPct val="0"/>
+              </a:spcBef>
+              <a:spcAft>
+                <a:spcPct val="0"/>
+              </a:spcAft>
+              <a:buNone/>
+            </a:pPr>
+            <a:r>
               <a:rPr lang="en-US" altLang="en-US" sz="3200" dirty="0" smtClean="0">
                 <a:solidFill>
                   <a:srgbClr val="000000"/>
@@ -44233,52 +43276,9 @@
               </a:rPr>
               <a:t>);</a:t>
             </a:r>
-          </a:p>
-          <a:p>
-            <a:pPr marL="0" indent="0" eaLnBrk="0" fontAlgn="base" hangingPunct="0">
-              <a:lnSpc>
-                <a:spcPct val="100000"/>
-              </a:lnSpc>
-              <a:spcBef>
-                <a:spcPct val="0"/>
-              </a:spcBef>
-              <a:spcAft>
-                <a:spcPct val="0"/>
-              </a:spcAft>
-              <a:buNone/>
-            </a:pPr>
-            <a:endParaRPr lang="en-US" altLang="en-US" sz="3200" dirty="0">
+            <a:endParaRPr lang="en-US" altLang="en-US" sz="3200" dirty="0" smtClean="0">
               <a:solidFill>
                 <a:srgbClr val="000000"/>
-              </a:solidFill>
-              <a:latin typeface="Arial Unicode MS" panose="020B0604020202020204" pitchFamily="34" charset="-128"/>
-            </a:endParaRPr>
-          </a:p>
-          <a:p>
-            <a:pPr marL="0" lvl="0" indent="0" eaLnBrk="0" fontAlgn="base" hangingPunct="0">
-              <a:lnSpc>
-                <a:spcPct val="100000"/>
-              </a:lnSpc>
-              <a:spcBef>
-                <a:spcPct val="0"/>
-              </a:spcBef>
-              <a:spcAft>
-                <a:spcPct val="0"/>
-              </a:spcAft>
-              <a:buNone/>
-            </a:pPr>
-            <a:r>
-              <a:rPr lang="en-US" altLang="en-US" sz="3200" dirty="0" smtClean="0">
-                <a:solidFill>
-                  <a:srgbClr val="7F0055"/>
-                </a:solidFill>
-                <a:latin typeface="Arial Unicode MS" panose="020B0604020202020204" pitchFamily="34" charset="-128"/>
-              </a:rPr>
-              <a:t>?&gt;</a:t>
-            </a:r>
-            <a:endParaRPr lang="en-US" altLang="en-US" sz="3200" dirty="0">
-              <a:solidFill>
-                <a:srgbClr val="7F0055"/>
               </a:solidFill>
               <a:latin typeface="Arial Unicode MS" panose="020B0604020202020204" pitchFamily="34" charset="-128"/>
             </a:endParaRPr>
@@ -44376,7 +43376,7 @@
         </p:nvSpPr>
         <p:spPr>
           <a:xfrm>
-            <a:off x="8462612" y="1374963"/>
+            <a:off x="8462612" y="1128742"/>
             <a:ext cx="3112168" cy="5262979"/>
           </a:xfrm>
           <a:prstGeom prst="rect">
@@ -44512,7 +43512,7 @@
         </p:nvSpPr>
         <p:spPr>
           <a:xfrm>
-            <a:off x="617220" y="143857"/>
+            <a:off x="617220" y="390078"/>
             <a:ext cx="10957560" cy="461665"/>
           </a:xfrm>
           <a:prstGeom prst="rect">
@@ -44830,8 +43830,8 @@
         </p:nvSpPr>
         <p:spPr bwMode="auto">
           <a:xfrm>
-            <a:off x="617220" y="390121"/>
-            <a:ext cx="10957560" cy="6001643"/>
+            <a:off x="617220" y="882563"/>
+            <a:ext cx="10957560" cy="5016758"/>
           </a:xfrm>
           <a:prstGeom prst="rect">
             <a:avLst/>
@@ -45120,49 +44120,12 @@
               </a:rPr>
               <a:t>}</a:t>
             </a:r>
-          </a:p>
-          <a:p>
-            <a:pPr marL="0" lvl="0" indent="0" eaLnBrk="0" fontAlgn="base" hangingPunct="0">
-              <a:lnSpc>
-                <a:spcPct val="100000"/>
-              </a:lnSpc>
-              <a:spcBef>
-                <a:spcPct val="0"/>
-              </a:spcBef>
-              <a:spcAft>
-                <a:spcPct val="0"/>
-              </a:spcAft>
-              <a:buNone/>
-            </a:pPr>
             <a:endParaRPr lang="en-US" altLang="en-US" sz="3200" dirty="0" smtClean="0">
               <a:solidFill>
-                <a:srgbClr val="7F0055"/>
+                <a:srgbClr val="000000"/>
               </a:solidFill>
               <a:latin typeface="Arial Unicode MS" panose="020B0604020202020204" pitchFamily="34" charset="-128"/>
             </a:endParaRPr>
-          </a:p>
-          <a:p>
-            <a:pPr marL="0" lvl="0" indent="0" eaLnBrk="0" fontAlgn="base" hangingPunct="0">
-              <a:lnSpc>
-                <a:spcPct val="100000"/>
-              </a:lnSpc>
-              <a:spcBef>
-                <a:spcPct val="0"/>
-              </a:spcBef>
-              <a:spcAft>
-                <a:spcPct val="0"/>
-              </a:spcAft>
-              <a:buNone/>
-            </a:pPr>
-            <a:r>
-              <a:rPr lang="en-US" altLang="en-US" sz="3200" dirty="0">
-                <a:solidFill>
-                  <a:srgbClr val="7F0055"/>
-                </a:solidFill>
-                <a:latin typeface="Arial Unicode MS" panose="020B0604020202020204" pitchFamily="34" charset="-128"/>
-              </a:rPr>
-              <a:t>?&gt;</a:t>
-            </a:r>
           </a:p>
         </p:txBody>
       </p:sp>
@@ -45257,7 +44220,7 @@
         </p:nvSpPr>
         <p:spPr>
           <a:xfrm>
-            <a:off x="8462612" y="5191435"/>
+            <a:off x="8462612" y="4698992"/>
             <a:ext cx="3112168" cy="1200329"/>
           </a:xfrm>
           <a:prstGeom prst="rect">
@@ -45305,7 +44268,7 @@
         </p:nvSpPr>
         <p:spPr>
           <a:xfrm>
-            <a:off x="617220" y="390121"/>
+            <a:off x="617220" y="882563"/>
             <a:ext cx="10957560" cy="461665"/>
           </a:xfrm>
           <a:prstGeom prst="rect">
@@ -45862,8 +44825,8 @@
         </p:nvSpPr>
         <p:spPr bwMode="auto">
           <a:xfrm>
-            <a:off x="617220" y="636344"/>
-            <a:ext cx="10957560" cy="5509200"/>
+            <a:off x="617220" y="1128786"/>
+            <a:ext cx="10957560" cy="4524315"/>
           </a:xfrm>
           <a:prstGeom prst="rect">
             <a:avLst/>
@@ -46253,7 +45216,16 @@
                 </a:solidFill>
                 <a:latin typeface="Arial Unicode MS" panose="020B0604020202020204" pitchFamily="34" charset="-128"/>
               </a:rPr>
-              <a:t>() )</a:t>
+              <a:t>() </a:t>
+            </a:r>
+            <a:r>
+              <a:rPr lang="en-US" altLang="en-US" sz="3200" dirty="0" smtClean="0">
+                <a:solidFill>
+                  <a:srgbClr val="000000"/>
+                </a:solidFill>
+                <a:latin typeface="Arial Unicode MS" panose="020B0604020202020204" pitchFamily="34" charset="-128"/>
+              </a:rPr>
+              <a:t>)</a:t>
             </a:r>
             <a:endParaRPr lang="en-US" altLang="en-US" sz="3200" dirty="0">
               <a:solidFill>
@@ -46261,49 +45233,6 @@
               </a:solidFill>
               <a:latin typeface="Arial Unicode MS" panose="020B0604020202020204" pitchFamily="34" charset="-128"/>
             </a:endParaRPr>
-          </a:p>
-          <a:p>
-            <a:pPr marL="0" lvl="0" indent="0" eaLnBrk="0" fontAlgn="base" hangingPunct="0">
-              <a:lnSpc>
-                <a:spcPct val="100000"/>
-              </a:lnSpc>
-              <a:spcBef>
-                <a:spcPct val="0"/>
-              </a:spcBef>
-              <a:spcAft>
-                <a:spcPct val="0"/>
-              </a:spcAft>
-              <a:buNone/>
-            </a:pPr>
-            <a:endParaRPr lang="en-US" altLang="en-US" sz="3200" dirty="0">
-              <a:solidFill>
-                <a:srgbClr val="7F0055"/>
-              </a:solidFill>
-              <a:latin typeface="Arial Unicode MS" panose="020B0604020202020204" pitchFamily="34" charset="-128"/>
-            </a:endParaRPr>
-          </a:p>
-          <a:p>
-            <a:pPr marL="0" lvl="0" indent="0" eaLnBrk="0" fontAlgn="base" hangingPunct="0">
-              <a:lnSpc>
-                <a:spcPct val="100000"/>
-              </a:lnSpc>
-              <a:spcBef>
-                <a:spcPct val="0"/>
-              </a:spcBef>
-              <a:spcAft>
-                <a:spcPct val="0"/>
-              </a:spcAft>
-              <a:buNone/>
-            </a:pPr>
-            <a:r>
-              <a:rPr lang="en-US" altLang="en-US" sz="3200" dirty="0">
-                <a:solidFill>
-                  <a:srgbClr val="7F0055"/>
-                </a:solidFill>
-                <a:latin typeface="Arial Unicode MS" panose="020B0604020202020204" pitchFamily="34" charset="-128"/>
-              </a:rPr>
-              <a:t>?&gt;</a:t>
-            </a:r>
           </a:p>
         </p:txBody>
       </p:sp>
@@ -46398,7 +45327,7 @@
         </p:nvSpPr>
         <p:spPr>
           <a:xfrm>
-            <a:off x="7571874" y="3098556"/>
+            <a:off x="7571874" y="2606113"/>
             <a:ext cx="4002906" cy="3046988"/>
           </a:xfrm>
           <a:prstGeom prst="rect">
@@ -46522,7 +45451,7 @@
         </p:nvSpPr>
         <p:spPr>
           <a:xfrm>
-            <a:off x="617220" y="636344"/>
+            <a:off x="617220" y="1128786"/>
             <a:ext cx="10957560" cy="461665"/>
           </a:xfrm>
           <a:prstGeom prst="rect">
@@ -46694,8 +45623,8 @@
         </p:nvSpPr>
         <p:spPr bwMode="auto">
           <a:xfrm>
-            <a:off x="617220" y="390122"/>
-            <a:ext cx="10957560" cy="6001643"/>
+            <a:off x="617220" y="882564"/>
+            <a:ext cx="10957560" cy="5016758"/>
           </a:xfrm>
           <a:prstGeom prst="rect">
             <a:avLst/>
@@ -47141,51 +46070,23 @@
                 </a:solidFill>
                 <a:latin typeface="Arial Unicode MS" panose="020B0604020202020204" pitchFamily="34" charset="-128"/>
               </a:rPr>
-              <a:t> );</a:t>
-            </a:r>
-          </a:p>
-          <a:p>
-            <a:pPr marL="0" lvl="0" indent="0" eaLnBrk="0" fontAlgn="base" hangingPunct="0">
-              <a:lnSpc>
-                <a:spcPct val="100000"/>
-              </a:lnSpc>
-              <a:spcBef>
-                <a:spcPct val="0"/>
-              </a:spcBef>
-              <a:spcAft>
-                <a:spcPct val="0"/>
-              </a:spcAft>
-              <a:buNone/>
-            </a:pPr>
+              <a:t> </a:t>
+            </a:r>
+            <a:r>
+              <a:rPr lang="en-US" altLang="en-US" sz="3200" dirty="0" smtClean="0">
+                <a:solidFill>
+                  <a:srgbClr val="000000"/>
+                </a:solidFill>
+                <a:latin typeface="Arial Unicode MS" panose="020B0604020202020204" pitchFamily="34" charset="-128"/>
+              </a:rPr>
+              <a:t>);</a:t>
+            </a:r>
             <a:endParaRPr lang="en-US" altLang="en-US" sz="3200" dirty="0">
               <a:solidFill>
-                <a:srgbClr val="7F0055"/>
+                <a:srgbClr val="000000"/>
               </a:solidFill>
               <a:latin typeface="Arial Unicode MS" panose="020B0604020202020204" pitchFamily="34" charset="-128"/>
             </a:endParaRPr>
-          </a:p>
-          <a:p>
-            <a:pPr marL="0" lvl="0" indent="0" eaLnBrk="0" fontAlgn="base" hangingPunct="0">
-              <a:lnSpc>
-                <a:spcPct val="100000"/>
-              </a:lnSpc>
-              <a:spcBef>
-                <a:spcPct val="0"/>
-              </a:spcBef>
-              <a:spcAft>
-                <a:spcPct val="0"/>
-              </a:spcAft>
-              <a:buNone/>
-            </a:pPr>
-            <a:r>
-              <a:rPr lang="en-US" altLang="en-US" sz="3200" dirty="0">
-                <a:solidFill>
-                  <a:srgbClr val="7F0055"/>
-                </a:solidFill>
-                <a:latin typeface="Arial Unicode MS" panose="020B0604020202020204" pitchFamily="34" charset="-128"/>
-              </a:rPr>
-              <a:t>?&gt;</a:t>
-            </a:r>
           </a:p>
         </p:txBody>
       </p:sp>
@@ -47280,7 +46181,7 @@
         </p:nvSpPr>
         <p:spPr>
           <a:xfrm>
-            <a:off x="7571874" y="3344777"/>
+            <a:off x="7571874" y="2852334"/>
             <a:ext cx="4002906" cy="3046988"/>
           </a:xfrm>
           <a:prstGeom prst="rect">
@@ -47404,7 +46305,7 @@
         </p:nvSpPr>
         <p:spPr>
           <a:xfrm>
-            <a:off x="617220" y="390122"/>
+            <a:off x="617220" y="882564"/>
             <a:ext cx="10957560" cy="461665"/>
           </a:xfrm>
           <a:prstGeom prst="rect">
@@ -47652,8 +46553,8 @@
         </p:nvSpPr>
         <p:spPr bwMode="auto">
           <a:xfrm>
-            <a:off x="617220" y="390124"/>
-            <a:ext cx="10957560" cy="6001643"/>
+            <a:off x="617220" y="882566"/>
+            <a:ext cx="10957560" cy="5016758"/>
           </a:xfrm>
           <a:prstGeom prst="rect">
             <a:avLst/>
@@ -47993,49 +46894,6 @@
               </a:solidFill>
               <a:latin typeface="Arial Unicode MS" panose="020B0604020202020204" pitchFamily="34" charset="-128"/>
             </a:endParaRPr>
-          </a:p>
-          <a:p>
-            <a:pPr marL="0" lvl="0" indent="0" eaLnBrk="0" fontAlgn="base" hangingPunct="0">
-              <a:lnSpc>
-                <a:spcPct val="100000"/>
-              </a:lnSpc>
-              <a:spcBef>
-                <a:spcPct val="0"/>
-              </a:spcBef>
-              <a:spcAft>
-                <a:spcPct val="0"/>
-              </a:spcAft>
-              <a:buNone/>
-            </a:pPr>
-            <a:endParaRPr lang="en-US" altLang="en-US" sz="3200" dirty="0">
-              <a:solidFill>
-                <a:srgbClr val="7F0055"/>
-              </a:solidFill>
-              <a:latin typeface="Arial Unicode MS" panose="020B0604020202020204" pitchFamily="34" charset="-128"/>
-            </a:endParaRPr>
-          </a:p>
-          <a:p>
-            <a:pPr marL="0" lvl="0" indent="0" eaLnBrk="0" fontAlgn="base" hangingPunct="0">
-              <a:lnSpc>
-                <a:spcPct val="100000"/>
-              </a:lnSpc>
-              <a:spcBef>
-                <a:spcPct val="0"/>
-              </a:spcBef>
-              <a:spcAft>
-                <a:spcPct val="0"/>
-              </a:spcAft>
-              <a:buNone/>
-            </a:pPr>
-            <a:r>
-              <a:rPr lang="en-US" altLang="en-US" sz="3200" dirty="0">
-                <a:solidFill>
-                  <a:srgbClr val="7F0055"/>
-                </a:solidFill>
-                <a:latin typeface="Arial Unicode MS" panose="020B0604020202020204" pitchFamily="34" charset="-128"/>
-              </a:rPr>
-              <a:t>?&gt;</a:t>
-            </a:r>
           </a:p>
         </p:txBody>
       </p:sp>
@@ -48130,7 +46988,7 @@
         </p:nvSpPr>
         <p:spPr>
           <a:xfrm>
-            <a:off x="7571874" y="5191438"/>
+            <a:off x="7571874" y="4698995"/>
             <a:ext cx="4002906" cy="1200329"/>
           </a:xfrm>
           <a:prstGeom prst="rect">
@@ -48175,7 +47033,7 @@
         </p:nvSpPr>
         <p:spPr>
           <a:xfrm>
-            <a:off x="617220" y="390122"/>
+            <a:off x="617220" y="882566"/>
             <a:ext cx="10957560" cy="461665"/>
           </a:xfrm>
           <a:prstGeom prst="rect">
@@ -48520,8 +47378,8 @@
         </p:nvSpPr>
         <p:spPr bwMode="auto">
           <a:xfrm>
-            <a:off x="617220" y="390125"/>
-            <a:ext cx="10957560" cy="6001643"/>
+            <a:off x="617220" y="882567"/>
+            <a:ext cx="10957560" cy="5016758"/>
           </a:xfrm>
           <a:prstGeom prst="rect">
             <a:avLst/>
@@ -48864,49 +47722,6 @@
               </a:solidFill>
               <a:latin typeface="Arial Unicode MS" panose="020B0604020202020204" pitchFamily="34" charset="-128"/>
             </a:endParaRPr>
-          </a:p>
-          <a:p>
-            <a:pPr marL="0" lvl="0" indent="0" eaLnBrk="0" fontAlgn="base" hangingPunct="0">
-              <a:lnSpc>
-                <a:spcPct val="100000"/>
-              </a:lnSpc>
-              <a:spcBef>
-                <a:spcPct val="0"/>
-              </a:spcBef>
-              <a:spcAft>
-                <a:spcPct val="0"/>
-              </a:spcAft>
-              <a:buNone/>
-            </a:pPr>
-            <a:endParaRPr lang="en-US" altLang="en-US" sz="3200" dirty="0">
-              <a:solidFill>
-                <a:srgbClr val="7F0055"/>
-              </a:solidFill>
-              <a:latin typeface="Arial Unicode MS" panose="020B0604020202020204" pitchFamily="34" charset="-128"/>
-            </a:endParaRPr>
-          </a:p>
-          <a:p>
-            <a:pPr marL="0" lvl="0" indent="0" eaLnBrk="0" fontAlgn="base" hangingPunct="0">
-              <a:lnSpc>
-                <a:spcPct val="100000"/>
-              </a:lnSpc>
-              <a:spcBef>
-                <a:spcPct val="0"/>
-              </a:spcBef>
-              <a:spcAft>
-                <a:spcPct val="0"/>
-              </a:spcAft>
-              <a:buNone/>
-            </a:pPr>
-            <a:r>
-              <a:rPr lang="en-US" altLang="en-US" sz="3200" dirty="0">
-                <a:solidFill>
-                  <a:srgbClr val="7F0055"/>
-                </a:solidFill>
-                <a:latin typeface="Arial Unicode MS" panose="020B0604020202020204" pitchFamily="34" charset="-128"/>
-              </a:rPr>
-              <a:t>?&gt;</a:t>
-            </a:r>
           </a:p>
         </p:txBody>
       </p:sp>
@@ -49001,7 +47816,7 @@
         </p:nvSpPr>
         <p:spPr>
           <a:xfrm>
-            <a:off x="7571874" y="4452776"/>
+            <a:off x="7571874" y="3960333"/>
             <a:ext cx="4002906" cy="1938992"/>
           </a:xfrm>
           <a:prstGeom prst="rect">
@@ -49069,7 +47884,7 @@
         </p:nvSpPr>
         <p:spPr>
           <a:xfrm>
-            <a:off x="617220" y="390120"/>
+            <a:off x="617220" y="882567"/>
             <a:ext cx="10957560" cy="461665"/>
           </a:xfrm>
           <a:prstGeom prst="rect">
@@ -49262,8 +48077,8 @@
         </p:nvSpPr>
         <p:spPr bwMode="auto">
           <a:xfrm>
-            <a:off x="617220" y="390125"/>
-            <a:ext cx="10957560" cy="6001643"/>
+            <a:off x="617220" y="882567"/>
+            <a:ext cx="10957560" cy="5016758"/>
           </a:xfrm>
           <a:prstGeom prst="rect">
             <a:avLst/>
@@ -49639,49 +48454,12 @@
               </a:rPr>
               <a:t>();</a:t>
             </a:r>
-          </a:p>
-          <a:p>
-            <a:pPr marL="0" lvl="0" indent="0" eaLnBrk="0" fontAlgn="base" hangingPunct="0">
-              <a:lnSpc>
-                <a:spcPct val="100000"/>
-              </a:lnSpc>
-              <a:spcBef>
-                <a:spcPct val="0"/>
-              </a:spcBef>
-              <a:spcAft>
-                <a:spcPct val="0"/>
-              </a:spcAft>
-              <a:buNone/>
-            </a:pPr>
-            <a:endParaRPr lang="en-US" altLang="en-US" sz="3200" dirty="0">
+            <a:endParaRPr lang="en-US" altLang="en-US" sz="3200" dirty="0" smtClean="0">
               <a:solidFill>
-                <a:srgbClr val="7F0055"/>
+                <a:srgbClr val="000000"/>
               </a:solidFill>
               <a:latin typeface="Arial Unicode MS" panose="020B0604020202020204" pitchFamily="34" charset="-128"/>
             </a:endParaRPr>
-          </a:p>
-          <a:p>
-            <a:pPr marL="0" lvl="0" indent="0" eaLnBrk="0" fontAlgn="base" hangingPunct="0">
-              <a:lnSpc>
-                <a:spcPct val="100000"/>
-              </a:lnSpc>
-              <a:spcBef>
-                <a:spcPct val="0"/>
-              </a:spcBef>
-              <a:spcAft>
-                <a:spcPct val="0"/>
-              </a:spcAft>
-              <a:buNone/>
-            </a:pPr>
-            <a:r>
-              <a:rPr lang="en-US" altLang="en-US" sz="3200" dirty="0">
-                <a:solidFill>
-                  <a:srgbClr val="7F0055"/>
-                </a:solidFill>
-                <a:latin typeface="Arial Unicode MS" panose="020B0604020202020204" pitchFamily="34" charset="-128"/>
-              </a:rPr>
-              <a:t>?&gt;</a:t>
-            </a:r>
           </a:p>
         </p:txBody>
       </p:sp>
@@ -49776,7 +48554,7 @@
         </p:nvSpPr>
         <p:spPr>
           <a:xfrm>
-            <a:off x="7571874" y="5191439"/>
+            <a:off x="7571874" y="4698996"/>
             <a:ext cx="4002906" cy="1200329"/>
           </a:xfrm>
           <a:prstGeom prst="rect">
@@ -49824,7 +48602,7 @@
         </p:nvSpPr>
         <p:spPr>
           <a:xfrm>
-            <a:off x="617220" y="390125"/>
+            <a:off x="617220" y="882567"/>
             <a:ext cx="10957560" cy="461665"/>
           </a:xfrm>
           <a:prstGeom prst="rect">
@@ -50016,8 +48794,8 @@
         </p:nvSpPr>
         <p:spPr bwMode="auto">
           <a:xfrm>
-            <a:off x="617220" y="143904"/>
-            <a:ext cx="10957560" cy="6494085"/>
+            <a:off x="617220" y="636346"/>
+            <a:ext cx="10957560" cy="5509200"/>
           </a:xfrm>
           <a:prstGeom prst="rect">
             <a:avLst/>
@@ -50423,51 +49201,23 @@
                 </a:solidFill>
                 <a:latin typeface="Arial Unicode MS" panose="020B0604020202020204" pitchFamily="34" charset="-128"/>
               </a:rPr>
-              <a:t>( $object );</a:t>
-            </a:r>
-          </a:p>
-          <a:p>
-            <a:pPr marL="0" lvl="0" indent="0" eaLnBrk="0" fontAlgn="base" hangingPunct="0">
-              <a:lnSpc>
-                <a:spcPct val="100000"/>
-              </a:lnSpc>
-              <a:spcBef>
-                <a:spcPct val="0"/>
-              </a:spcBef>
-              <a:spcAft>
-                <a:spcPct val="0"/>
-              </a:spcAft>
-              <a:buNone/>
-            </a:pPr>
-            <a:endParaRPr lang="en-US" altLang="en-US" sz="3200" dirty="0">
+              <a:t>( $object </a:t>
+            </a:r>
+            <a:r>
+              <a:rPr lang="en-US" altLang="en-US" sz="3200" dirty="0" smtClean="0">
+                <a:solidFill>
+                  <a:srgbClr val="000000"/>
+                </a:solidFill>
+                <a:latin typeface="Arial Unicode MS" panose="020B0604020202020204" pitchFamily="34" charset="-128"/>
+              </a:rPr>
+              <a:t>);</a:t>
+            </a:r>
+            <a:endParaRPr lang="en-US" altLang="en-US" sz="3200" dirty="0" smtClean="0">
               <a:solidFill>
-                <a:srgbClr val="7F0055"/>
+                <a:srgbClr val="000000"/>
               </a:solidFill>
               <a:latin typeface="Arial Unicode MS" panose="020B0604020202020204" pitchFamily="34" charset="-128"/>
             </a:endParaRPr>
-          </a:p>
-          <a:p>
-            <a:pPr marL="0" lvl="0" indent="0" eaLnBrk="0" fontAlgn="base" hangingPunct="0">
-              <a:lnSpc>
-                <a:spcPct val="100000"/>
-              </a:lnSpc>
-              <a:spcBef>
-                <a:spcPct val="0"/>
-              </a:spcBef>
-              <a:spcAft>
-                <a:spcPct val="0"/>
-              </a:spcAft>
-              <a:buNone/>
-            </a:pPr>
-            <a:r>
-              <a:rPr lang="en-US" altLang="en-US" sz="3200" dirty="0">
-                <a:solidFill>
-                  <a:srgbClr val="7F0055"/>
-                </a:solidFill>
-                <a:latin typeface="Arial Unicode MS" panose="020B0604020202020204" pitchFamily="34" charset="-128"/>
-              </a:rPr>
-              <a:t>?&gt;</a:t>
-            </a:r>
           </a:p>
         </p:txBody>
       </p:sp>
@@ -50562,7 +49312,7 @@
         </p:nvSpPr>
         <p:spPr>
           <a:xfrm>
-            <a:off x="7571874" y="5437660"/>
+            <a:off x="7571874" y="4945217"/>
             <a:ext cx="4002906" cy="1200329"/>
           </a:xfrm>
           <a:prstGeom prst="rect">
@@ -50619,7 +49369,7 @@
         </p:nvSpPr>
         <p:spPr>
           <a:xfrm>
-            <a:off x="617220" y="143904"/>
+            <a:off x="617220" y="636346"/>
             <a:ext cx="10957560" cy="461665"/>
           </a:xfrm>
           <a:prstGeom prst="rect">
